--- a/Pick a dish app.pptx
+++ b/Pick a dish app.pptx
@@ -107,6 +107,11 @@
       </a:defRPr>
     </a:lvl9pPr>
   </p:defaultTextStyle>
+  <p:extLst>
+    <p:ext uri="{EFAFB233-063F-42B5-8137-9DF3F51BA10A}">
+      <p15:sldGuideLst xmlns:p15="http://schemas.microsoft.com/office/powerpoint/2012/main"/>
+    </p:ext>
+  </p:extLst>
 </p:presentation>
 </file>
 
@@ -1326,7 +1331,7 @@
             <a:fld id="{9334D819-9F07-4261-B09B-9E467E5D9002}" type="datetimeFigureOut">
               <a:rPr lang="en-US" dirty="0"/>
               <a:pPr/>
-              <a:t>11/7/2017</a:t>
+              <a:t>11/8/2017</a:t>
             </a:fld>
             <a:endParaRPr lang="en-US" dirty="0"/>
           </a:p>
@@ -1560,7 +1565,7 @@
           <a:p>
             <a:fld id="{9334D819-9F07-4261-B09B-9E467E5D9002}" type="datetimeFigureOut">
               <a:rPr lang="en-US" dirty="0"/>
-              <a:t>11/7/2017</a:t>
+              <a:t>11/8/2017</a:t>
             </a:fld>
             <a:endParaRPr lang="en-US" dirty="0"/>
           </a:p>
@@ -1735,7 +1740,7 @@
           <a:p>
             <a:fld id="{9334D819-9F07-4261-B09B-9E467E5D9002}" type="datetimeFigureOut">
               <a:rPr lang="en-US" dirty="0"/>
-              <a:t>11/7/2017</a:t>
+              <a:t>11/8/2017</a:t>
             </a:fld>
             <a:endParaRPr lang="en-US" dirty="0"/>
           </a:p>
@@ -1900,7 +1905,7 @@
           <a:p>
             <a:fld id="{9334D819-9F07-4261-B09B-9E467E5D9002}" type="datetimeFigureOut">
               <a:rPr lang="en-US" dirty="0"/>
-              <a:t>11/7/2017</a:t>
+              <a:t>11/8/2017</a:t>
             </a:fld>
             <a:endParaRPr lang="en-US" dirty="0"/>
           </a:p>
@@ -2172,7 +2177,7 @@
             <a:fld id="{9334D819-9F07-4261-B09B-9E467E5D9002}" type="datetimeFigureOut">
               <a:rPr lang="en-US" dirty="0"/>
               <a:pPr/>
-              <a:t>11/7/2017</a:t>
+              <a:t>11/8/2017</a:t>
             </a:fld>
             <a:endParaRPr lang="en-US" dirty="0"/>
           </a:p>
@@ -3369,7 +3374,7 @@
           <a:p>
             <a:fld id="{9334D819-9F07-4261-B09B-9E467E5D9002}" type="datetimeFigureOut">
               <a:rPr lang="en-US" dirty="0"/>
-              <a:t>11/7/2017</a:t>
+              <a:t>11/8/2017</a:t>
             </a:fld>
             <a:endParaRPr lang="en-US" dirty="0"/>
           </a:p>
@@ -3754,7 +3759,7 @@
           <a:p>
             <a:fld id="{9334D819-9F07-4261-B09B-9E467E5D9002}" type="datetimeFigureOut">
               <a:rPr lang="en-US" dirty="0"/>
-              <a:t>11/7/2017</a:t>
+              <a:t>11/8/2017</a:t>
             </a:fld>
             <a:endParaRPr lang="en-US" dirty="0"/>
           </a:p>
@@ -3872,7 +3877,7 @@
           <a:p>
             <a:fld id="{9334D819-9F07-4261-B09B-9E467E5D9002}" type="datetimeFigureOut">
               <a:rPr lang="en-US" dirty="0"/>
-              <a:t>11/7/2017</a:t>
+              <a:t>11/8/2017</a:t>
             </a:fld>
             <a:endParaRPr lang="en-US" dirty="0"/>
           </a:p>
@@ -3962,7 +3967,7 @@
           <a:p>
             <a:fld id="{9334D819-9F07-4261-B09B-9E467E5D9002}" type="datetimeFigureOut">
               <a:rPr lang="en-US" dirty="0"/>
-              <a:t>11/7/2017</a:t>
+              <a:t>11/8/2017</a:t>
             </a:fld>
             <a:endParaRPr lang="en-US" dirty="0"/>
           </a:p>
@@ -4720,7 +4725,7 @@
           <a:p>
             <a:fld id="{9334D819-9F07-4261-B09B-9E467E5D9002}" type="datetimeFigureOut">
               <a:rPr lang="en-US" dirty="0"/>
-              <a:t>11/7/2017</a:t>
+              <a:t>11/8/2017</a:t>
             </a:fld>
             <a:endParaRPr lang="en-US" dirty="0"/>
           </a:p>
@@ -5555,7 +5560,7 @@
           <a:p>
             <a:fld id="{9334D819-9F07-4261-B09B-9E467E5D9002}" type="datetimeFigureOut">
               <a:rPr lang="en-US" dirty="0"/>
-              <a:t>11/7/2017</a:t>
+              <a:t>11/8/2017</a:t>
             </a:fld>
             <a:endParaRPr lang="en-US" dirty="0"/>
           </a:p>
@@ -5778,7 +5783,7 @@
             <a:fld id="{9334D819-9F07-4261-B09B-9E467E5D9002}" type="datetimeFigureOut">
               <a:rPr lang="en-US" dirty="0"/>
               <a:pPr/>
-              <a:t>11/7/2017</a:t>
+              <a:t>11/8/2017</a:t>
             </a:fld>
             <a:endParaRPr lang="en-US" dirty="0"/>
           </a:p>
@@ -6912,7 +6917,25 @@
           <a:p>
             <a:r>
               <a:rPr lang="en-GB" dirty="0"/>
-              <a:t>Your presentation should cover the project idea, platform, tools, your experience and live demo with explanation of what you have accomplished so far.</a:t>
+              <a:t>Your presentation should cover the project idea</a:t>
+            </a:r>
+          </a:p>
+          <a:p>
+            <a:r>
+              <a:rPr lang="en-GB" dirty="0"/>
+              <a:t>, platform</a:t>
+            </a:r>
+          </a:p>
+          <a:p>
+            <a:r>
+              <a:rPr lang="en-GB" dirty="0"/>
+              <a:t>, tools, your experience </a:t>
+            </a:r>
+          </a:p>
+          <a:p>
+            <a:r>
+              <a:rPr lang="en-GB" dirty="0"/>
+              <a:t>and live demo with explanation of what you have accomplished so far.</a:t>
             </a:r>
           </a:p>
           <a:p>

--- a/Pick a dish app.pptx
+++ b/Pick a dish app.pptx
@@ -1,14 +1,15 @@
 
 <file path=ppt/presentation.xml><?xml version="1.0" encoding="utf-8"?>
-<p:presentation xmlns:a="http://schemas.openxmlformats.org/drawingml/2006/main" xmlns:r="http://schemas.openxmlformats.org/officeDocument/2006/relationships" xmlns:p="http://schemas.openxmlformats.org/presentationml/2006/main" autoCompressPictures="0">
+<p:presentation xmlns:a="http://schemas.openxmlformats.org/drawingml/2006/main" xmlns:r="http://schemas.openxmlformats.org/officeDocument/2006/relationships" xmlns:p="http://schemas.openxmlformats.org/presentationml/2006/main" saveSubsetFonts="1" autoCompressPictures="0">
   <p:sldMasterIdLst>
     <p:sldMasterId id="2147483648" r:id="rId1"/>
   </p:sldMasterIdLst>
   <p:sldIdLst>
     <p:sldId id="256" r:id="rId2"/>
     <p:sldId id="259" r:id="rId3"/>
-    <p:sldId id="258" r:id="rId4"/>
-    <p:sldId id="257" r:id="rId5"/>
+    <p:sldId id="260" r:id="rId4"/>
+    <p:sldId id="258" r:id="rId5"/>
+    <p:sldId id="257" r:id="rId6"/>
   </p:sldIdLst>
   <p:sldSz cx="12192000" cy="6858000"/>
   <p:notesSz cx="6858000" cy="9144000"/>
@@ -1331,7 +1332,7 @@
             <a:fld id="{9334D819-9F07-4261-B09B-9E467E5D9002}" type="datetimeFigureOut">
               <a:rPr lang="en-US" dirty="0"/>
               <a:pPr/>
-              <a:t>11/8/2017</a:t>
+              <a:t>11/9/17</a:t>
             </a:fld>
             <a:endParaRPr lang="en-US" dirty="0"/>
           </a:p>
@@ -1565,7 +1566,7 @@
           <a:p>
             <a:fld id="{9334D819-9F07-4261-B09B-9E467E5D9002}" type="datetimeFigureOut">
               <a:rPr lang="en-US" dirty="0"/>
-              <a:t>11/8/2017</a:t>
+              <a:t>11/9/17</a:t>
             </a:fld>
             <a:endParaRPr lang="en-US" dirty="0"/>
           </a:p>
@@ -1740,7 +1741,7 @@
           <a:p>
             <a:fld id="{9334D819-9F07-4261-B09B-9E467E5D9002}" type="datetimeFigureOut">
               <a:rPr lang="en-US" dirty="0"/>
-              <a:t>11/8/2017</a:t>
+              <a:t>11/9/17</a:t>
             </a:fld>
             <a:endParaRPr lang="en-US" dirty="0"/>
           </a:p>
@@ -1905,7 +1906,7 @@
           <a:p>
             <a:fld id="{9334D819-9F07-4261-B09B-9E467E5D9002}" type="datetimeFigureOut">
               <a:rPr lang="en-US" dirty="0"/>
-              <a:t>11/8/2017</a:t>
+              <a:t>11/9/17</a:t>
             </a:fld>
             <a:endParaRPr lang="en-US" dirty="0"/>
           </a:p>
@@ -2177,7 +2178,7 @@
             <a:fld id="{9334D819-9F07-4261-B09B-9E467E5D9002}" type="datetimeFigureOut">
               <a:rPr lang="en-US" dirty="0"/>
               <a:pPr/>
-              <a:t>11/8/2017</a:t>
+              <a:t>11/9/17</a:t>
             </a:fld>
             <a:endParaRPr lang="en-US" dirty="0"/>
           </a:p>
@@ -3374,7 +3375,7 @@
           <a:p>
             <a:fld id="{9334D819-9F07-4261-B09B-9E467E5D9002}" type="datetimeFigureOut">
               <a:rPr lang="en-US" dirty="0"/>
-              <a:t>11/8/2017</a:t>
+              <a:t>11/9/17</a:t>
             </a:fld>
             <a:endParaRPr lang="en-US" dirty="0"/>
           </a:p>
@@ -3759,7 +3760,7 @@
           <a:p>
             <a:fld id="{9334D819-9F07-4261-B09B-9E467E5D9002}" type="datetimeFigureOut">
               <a:rPr lang="en-US" dirty="0"/>
-              <a:t>11/8/2017</a:t>
+              <a:t>11/9/17</a:t>
             </a:fld>
             <a:endParaRPr lang="en-US" dirty="0"/>
           </a:p>
@@ -3877,7 +3878,7 @@
           <a:p>
             <a:fld id="{9334D819-9F07-4261-B09B-9E467E5D9002}" type="datetimeFigureOut">
               <a:rPr lang="en-US" dirty="0"/>
-              <a:t>11/8/2017</a:t>
+              <a:t>11/9/17</a:t>
             </a:fld>
             <a:endParaRPr lang="en-US" dirty="0"/>
           </a:p>
@@ -3967,7 +3968,7 @@
           <a:p>
             <a:fld id="{9334D819-9F07-4261-B09B-9E467E5D9002}" type="datetimeFigureOut">
               <a:rPr lang="en-US" dirty="0"/>
-              <a:t>11/8/2017</a:t>
+              <a:t>11/9/17</a:t>
             </a:fld>
             <a:endParaRPr lang="en-US" dirty="0"/>
           </a:p>
@@ -4725,7 +4726,7 @@
           <a:p>
             <a:fld id="{9334D819-9F07-4261-B09B-9E467E5D9002}" type="datetimeFigureOut">
               <a:rPr lang="en-US" dirty="0"/>
-              <a:t>11/8/2017</a:t>
+              <a:t>11/9/17</a:t>
             </a:fld>
             <a:endParaRPr lang="en-US" dirty="0"/>
           </a:p>
@@ -5560,7 +5561,7 @@
           <a:p>
             <a:fld id="{9334D819-9F07-4261-B09B-9E467E5D9002}" type="datetimeFigureOut">
               <a:rPr lang="en-US" dirty="0"/>
-              <a:t>11/8/2017</a:t>
+              <a:t>11/9/17</a:t>
             </a:fld>
             <a:endParaRPr lang="en-US" dirty="0"/>
           </a:p>
@@ -5783,7 +5784,7 @@
             <a:fld id="{9334D819-9F07-4261-B09B-9E467E5D9002}" type="datetimeFigureOut">
               <a:rPr lang="en-US" dirty="0"/>
               <a:pPr/>
-              <a:t>11/8/2017</a:t>
+              <a:t>11/9/17</a:t>
             </a:fld>
             <a:endParaRPr lang="en-US" dirty="0"/>
           </a:p>
@@ -6783,7 +6784,7 @@
           <p:cNvPr id="2" name="Title 1">
             <a:extLst>
               <a:ext uri="{FF2B5EF4-FFF2-40B4-BE49-F238E27FC236}">
-                <a16:creationId xmlns:a16="http://schemas.microsoft.com/office/drawing/2014/main" id="{0E52C71E-D495-4B06-9663-B87220326D0D}"/>
+                <a16:creationId xmlns:a16="http://schemas.microsoft.com/office/drawing/2014/main" xmlns="" id="{0E52C71E-D495-4B06-9663-B87220326D0D}"/>
               </a:ext>
             </a:extLst>
           </p:cNvPr>
@@ -6811,7 +6812,7 @@
           <p:cNvPr id="3" name="Subtitle 2">
             <a:extLst>
               <a:ext uri="{FF2B5EF4-FFF2-40B4-BE49-F238E27FC236}">
-                <a16:creationId xmlns:a16="http://schemas.microsoft.com/office/drawing/2014/main" id="{8831B2C1-060E-4041-862C-29CA6B5265D3}"/>
+                <a16:creationId xmlns:a16="http://schemas.microsoft.com/office/drawing/2014/main" xmlns="" id="{8831B2C1-060E-4041-862C-29CA6B5265D3}"/>
               </a:ext>
             </a:extLst>
           </p:cNvPr>
@@ -6869,7 +6870,7 @@
           <p:cNvPr id="2" name="Title 1">
             <a:extLst>
               <a:ext uri="{FF2B5EF4-FFF2-40B4-BE49-F238E27FC236}">
-                <a16:creationId xmlns:a16="http://schemas.microsoft.com/office/drawing/2014/main" id="{4259A47C-5E27-4927-9AB7-7858CC6B6837}"/>
+                <a16:creationId xmlns:a16="http://schemas.microsoft.com/office/drawing/2014/main" xmlns="" id="{4259A47C-5E27-4927-9AB7-7858CC6B6837}"/>
               </a:ext>
             </a:extLst>
           </p:cNvPr>
@@ -6894,7 +6895,7 @@
           <p:cNvPr id="3" name="Vertical Text Placeholder 2">
             <a:extLst>
               <a:ext uri="{FF2B5EF4-FFF2-40B4-BE49-F238E27FC236}">
-                <a16:creationId xmlns:a16="http://schemas.microsoft.com/office/drawing/2014/main" id="{9F629151-CF71-41D0-859A-9BF538BE93B2}"/>
+                <a16:creationId xmlns:a16="http://schemas.microsoft.com/office/drawing/2014/main" xmlns="" id="{9F629151-CF71-41D0-859A-9BF538BE93B2}"/>
               </a:ext>
             </a:extLst>
           </p:cNvPr>
@@ -6979,13 +6980,7 @@
       </p:grpSpPr>
       <p:sp>
         <p:nvSpPr>
-          <p:cNvPr id="2" name="Title 1">
-            <a:extLst>
-              <a:ext uri="{FF2B5EF4-FFF2-40B4-BE49-F238E27FC236}">
-                <a16:creationId xmlns:a16="http://schemas.microsoft.com/office/drawing/2014/main" id="{DEAB97D2-A703-4DF9-A135-61E99FBBAEE5}"/>
-              </a:ext>
-            </a:extLst>
-          </p:cNvPr>
+          <p:cNvPr id="2" name="Title 1"/>
           <p:cNvSpPr>
             <a:spLocks noGrp="1"/>
           </p:cNvSpPr>
@@ -7004,18 +6999,12 @@
       </p:sp>
       <p:sp>
         <p:nvSpPr>
-          <p:cNvPr id="3" name="Content Placeholder 2">
-            <a:extLst>
-              <a:ext uri="{FF2B5EF4-FFF2-40B4-BE49-F238E27FC236}">
-                <a16:creationId xmlns:a16="http://schemas.microsoft.com/office/drawing/2014/main" id="{E18A2BED-03F4-401A-8B62-B874394465E0}"/>
-              </a:ext>
-            </a:extLst>
-          </p:cNvPr>
+          <p:cNvPr id="3" name="Vertical Text Placeholder 2"/>
           <p:cNvSpPr>
             <a:spLocks noGrp="1"/>
           </p:cNvSpPr>
           <p:nvPr>
-            <p:ph idx="1"/>
+            <p:ph type="body" orient="vert" idx="1"/>
           </p:nvPr>
         </p:nvSpPr>
         <p:spPr/>
@@ -7030,7 +7019,7 @@
     </p:spTree>
     <p:extLst>
       <p:ext uri="{BB962C8B-B14F-4D97-AF65-F5344CB8AC3E}">
-        <p14:creationId xmlns:p14="http://schemas.microsoft.com/office/powerpoint/2010/main" val="3300281320"/>
+        <p14:creationId xmlns:p14="http://schemas.microsoft.com/office/powerpoint/2010/main" val="173879435"/>
       </p:ext>
     </p:extLst>
   </p:cSld>
@@ -7062,7 +7051,7 @@
           <p:cNvPr id="2" name="Title 1">
             <a:extLst>
               <a:ext uri="{FF2B5EF4-FFF2-40B4-BE49-F238E27FC236}">
-                <a16:creationId xmlns:a16="http://schemas.microsoft.com/office/drawing/2014/main" id="{27865403-966F-4171-AFD2-4095C3936E6B}"/>
+                <a16:creationId xmlns:a16="http://schemas.microsoft.com/office/drawing/2014/main" xmlns="" id="{DEAB97D2-A703-4DF9-A135-61E99FBBAEE5}"/>
               </a:ext>
             </a:extLst>
           </p:cNvPr>
@@ -7078,6 +7067,169 @@
           <a:bodyPr/>
           <a:lstStyle/>
           <a:p>
+            <a:pPr algn="l" defTabSz="914400" rtl="1" eaLnBrk="1" latinLnBrk="0" hangingPunct="1">
+              <a:lnSpc>
+                <a:spcPct val="90000"/>
+              </a:lnSpc>
+              <a:spcBef>
+                <a:spcPct val="0"/>
+              </a:spcBef>
+              <a:buNone/>
+            </a:pPr>
+            <a:r>
+              <a:rPr lang="en-US" dirty="0" smtClean="0"/>
+              <a:t>Experience </a:t>
+            </a:r>
+            <a:endParaRPr lang="en-US" dirty="0"/>
+          </a:p>
+        </p:txBody>
+      </p:sp>
+      <p:sp>
+        <p:nvSpPr>
+          <p:cNvPr id="3" name="Content Placeholder 2">
+            <a:extLst>
+              <a:ext uri="{FF2B5EF4-FFF2-40B4-BE49-F238E27FC236}">
+                <a16:creationId xmlns:a16="http://schemas.microsoft.com/office/drawing/2014/main" xmlns="" id="{E18A2BED-03F4-401A-8B62-B874394465E0}"/>
+              </a:ext>
+            </a:extLst>
+          </p:cNvPr>
+          <p:cNvSpPr>
+            <a:spLocks noGrp="1"/>
+          </p:cNvSpPr>
+          <p:nvPr>
+            <p:ph idx="1"/>
+          </p:nvPr>
+        </p:nvSpPr>
+        <p:spPr/>
+        <p:txBody>
+          <a:bodyPr/>
+          <a:lstStyle/>
+          <a:p>
+            <a:pPr>
+              <a:buFont typeface="Wingdings" charset="2"/>
+              <a:buChar char="Ø"/>
+            </a:pPr>
+            <a:r>
+              <a:rPr lang="en-US" b="1" dirty="0" smtClean="0"/>
+              <a:t>Advantages</a:t>
+            </a:r>
+            <a:r>
+              <a:rPr lang="en-US" b="1" dirty="0" smtClean="0"/>
+              <a:t>:</a:t>
+            </a:r>
+          </a:p>
+          <a:p>
+            <a:pPr marL="411480"/>
+            <a:r>
+              <a:rPr lang="en-US" dirty="0"/>
+              <a:t>Ionic View</a:t>
+            </a:r>
+          </a:p>
+          <a:p>
+            <a:pPr marL="411480"/>
+            <a:r>
+              <a:rPr lang="en-US" dirty="0"/>
+              <a:t>Web Developers Can Be Mobile Developers </a:t>
+            </a:r>
+          </a:p>
+          <a:p>
+            <a:endParaRPr lang="en-US" dirty="0"/>
+          </a:p>
+          <a:p>
+            <a:endParaRPr lang="en-US" dirty="0" smtClean="0"/>
+          </a:p>
+          <a:p>
+            <a:pPr>
+              <a:buFont typeface="Wingdings" charset="2"/>
+              <a:buChar char="Ø"/>
+            </a:pPr>
+            <a:r>
+              <a:rPr lang="en-US" b="1" dirty="0" smtClean="0"/>
+              <a:t>Disadvantages:</a:t>
+            </a:r>
+          </a:p>
+          <a:p>
+            <a:pPr marL="411480">
+              <a:buFont typeface="Arial" charset="0"/>
+              <a:buChar char="•"/>
+            </a:pPr>
+            <a:r>
+              <a:rPr lang="en-US" dirty="0"/>
+              <a:t>Command</a:t>
+            </a:r>
+            <a:r>
+              <a:rPr lang="en-US" dirty="0"/>
+              <a:t> </a:t>
+            </a:r>
+            <a:r>
+              <a:rPr lang="en-US" dirty="0" smtClean="0"/>
+              <a:t>line.</a:t>
+            </a:r>
+          </a:p>
+          <a:p>
+            <a:pPr marL="411480">
+              <a:buFont typeface="Arial" charset="0"/>
+              <a:buChar char="•"/>
+            </a:pPr>
+            <a:r>
+              <a:rPr lang="en-US" dirty="0" smtClean="0"/>
+              <a:t>Few up to date tutorials </a:t>
+            </a:r>
+            <a:endParaRPr lang="en-US" dirty="0"/>
+          </a:p>
+        </p:txBody>
+      </p:sp>
+    </p:spTree>
+    <p:extLst>
+      <p:ext uri="{BB962C8B-B14F-4D97-AF65-F5344CB8AC3E}">
+        <p14:creationId xmlns:p14="http://schemas.microsoft.com/office/powerpoint/2010/main" val="3300281320"/>
+      </p:ext>
+    </p:extLst>
+  </p:cSld>
+  <p:clrMapOvr>
+    <a:masterClrMapping/>
+  </p:clrMapOvr>
+</p:sld>
+</file>
+
+<file path=ppt/slides/slide5.xml><?xml version="1.0" encoding="utf-8"?>
+<p:sld xmlns:a="http://schemas.openxmlformats.org/drawingml/2006/main" xmlns:r="http://schemas.openxmlformats.org/officeDocument/2006/relationships" xmlns:p="http://schemas.openxmlformats.org/presentationml/2006/main">
+  <p:cSld>
+    <p:spTree>
+      <p:nvGrpSpPr>
+        <p:cNvPr id="1" name=""/>
+        <p:cNvGrpSpPr/>
+        <p:nvPr/>
+      </p:nvGrpSpPr>
+      <p:grpSpPr>
+        <a:xfrm>
+          <a:off x="0" y="0"/>
+          <a:ext cx="0" cy="0"/>
+          <a:chOff x="0" y="0"/>
+          <a:chExt cx="0" cy="0"/>
+        </a:xfrm>
+      </p:grpSpPr>
+      <p:sp>
+        <p:nvSpPr>
+          <p:cNvPr id="2" name="Title 1">
+            <a:extLst>
+              <a:ext uri="{FF2B5EF4-FFF2-40B4-BE49-F238E27FC236}">
+                <a16:creationId xmlns:a16="http://schemas.microsoft.com/office/drawing/2014/main" xmlns="" id="{27865403-966F-4171-AFD2-4095C3936E6B}"/>
+              </a:ext>
+            </a:extLst>
+          </p:cNvPr>
+          <p:cNvSpPr>
+            <a:spLocks noGrp="1"/>
+          </p:cNvSpPr>
+          <p:nvPr>
+            <p:ph type="title"/>
+          </p:nvPr>
+        </p:nvSpPr>
+        <p:spPr/>
+        <p:txBody>
+          <a:bodyPr/>
+          <a:lstStyle/>
+          <a:p>
             <a:endParaRPr lang="en-US"/>
           </a:p>
         </p:txBody>
@@ -7087,7 +7239,7 @@
           <p:cNvPr id="3" name="Text Placeholder 2">
             <a:extLst>
               <a:ext uri="{FF2B5EF4-FFF2-40B4-BE49-F238E27FC236}">
-                <a16:creationId xmlns:a16="http://schemas.microsoft.com/office/drawing/2014/main" id="{95384BE1-ECA6-4759-9219-426C433BB524}"/>
+                <a16:creationId xmlns:a16="http://schemas.microsoft.com/office/drawing/2014/main" xmlns="" id="{95384BE1-ECA6-4759-9219-426C433BB524}"/>
               </a:ext>
             </a:extLst>
           </p:cNvPr>

--- a/Pick a dish app.pptx
+++ b/Pick a dish app.pptx
@@ -7026,6 +7026,13 @@
   <p:clrMapOvr>
     <a:masterClrMapping/>
   </p:clrMapOvr>
+  <p:timing>
+    <p:tnLst>
+      <p:par>
+        <p:cTn id="1" dur="indefinite" restart="never" nodeType="tmRoot"/>
+      </p:par>
+    </p:tnLst>
+  </p:timing>
 </p:sld>
 </file>
 
@@ -7102,7 +7109,9 @@
         </p:nvSpPr>
         <p:spPr/>
         <p:txBody>
-          <a:bodyPr/>
+          <a:bodyPr>
+            <a:normAutofit/>
+          </a:bodyPr>
           <a:lstStyle/>
           <a:p>
             <a:pPr>
@@ -7110,33 +7119,47 @@
               <a:buChar char="Ø"/>
             </a:pPr>
             <a:r>
-              <a:rPr lang="en-US" b="1" dirty="0" smtClean="0"/>
+              <a:rPr lang="en-US" sz="2400" b="1" dirty="0" smtClean="0"/>
               <a:t>Advantages</a:t>
             </a:r>
             <a:r>
-              <a:rPr lang="en-US" b="1" dirty="0" smtClean="0"/>
+              <a:rPr lang="en-US" sz="2400" b="1" dirty="0" smtClean="0"/>
               <a:t>:</a:t>
             </a:r>
           </a:p>
           <a:p>
             <a:pPr marL="411480"/>
             <a:r>
-              <a:rPr lang="en-US" dirty="0"/>
+              <a:rPr lang="en-US" sz="2400" dirty="0"/>
               <a:t>Ionic View</a:t>
             </a:r>
           </a:p>
           <a:p>
             <a:pPr marL="411480"/>
             <a:r>
-              <a:rPr lang="en-US" dirty="0"/>
-              <a:t>Web Developers Can Be Mobile Developers </a:t>
-            </a:r>
-          </a:p>
-          <a:p>
-            <a:endParaRPr lang="en-US" dirty="0"/>
-          </a:p>
-          <a:p>
-            <a:endParaRPr lang="en-US" dirty="0" smtClean="0"/>
+              <a:rPr lang="en-US" sz="2400" dirty="0"/>
+              <a:t>Web Developers Can Be </a:t>
+            </a:r>
+            <a:r>
+              <a:rPr lang="en-US" sz="2400"/>
+              <a:t>Mobile </a:t>
+            </a:r>
+            <a:r>
+              <a:rPr lang="en-US" sz="2400" smtClean="0"/>
+              <a:t>Developers</a:t>
+            </a:r>
+            <a:r>
+              <a:rPr lang="en-US" sz="2400"/>
+              <a:t> </a:t>
+            </a:r>
+            <a:r>
+              <a:rPr lang="en-US" sz="2400" smtClean="0"/>
+              <a:t>(HTML, CSS, JS)</a:t>
+            </a:r>
+            <a:endParaRPr lang="en-US" sz="2400" dirty="0"/>
+          </a:p>
+          <a:p>
+            <a:endParaRPr lang="en-US" sz="2400" dirty="0" smtClean="0"/>
           </a:p>
           <a:p>
             <a:pPr>
@@ -7144,7 +7167,7 @@
               <a:buChar char="Ø"/>
             </a:pPr>
             <a:r>
-              <a:rPr lang="en-US" b="1" dirty="0" smtClean="0"/>
+              <a:rPr lang="en-US" sz="2400" b="1" dirty="0" smtClean="0"/>
               <a:t>Disadvantages:</a:t>
             </a:r>
           </a:p>
@@ -7154,16 +7177,16 @@
               <a:buChar char="•"/>
             </a:pPr>
             <a:r>
-              <a:rPr lang="en-US" dirty="0"/>
+              <a:rPr lang="en-US" sz="2400" dirty="0"/>
               <a:t>Command</a:t>
             </a:r>
             <a:r>
-              <a:rPr lang="en-US" dirty="0"/>
+              <a:rPr lang="en-US" sz="2400" dirty="0"/>
               <a:t> </a:t>
             </a:r>
             <a:r>
-              <a:rPr lang="en-US" dirty="0" smtClean="0"/>
-              <a:t>line.</a:t>
+              <a:rPr lang="en-US" sz="2400" dirty="0" smtClean="0"/>
+              <a:t>line</a:t>
             </a:r>
           </a:p>
           <a:p>
@@ -7172,10 +7195,10 @@
               <a:buChar char="•"/>
             </a:pPr>
             <a:r>
-              <a:rPr lang="en-US" dirty="0" smtClean="0"/>
+              <a:rPr lang="en-US" sz="2400" dirty="0" smtClean="0"/>
               <a:t>Few up to date tutorials </a:t>
             </a:r>
-            <a:endParaRPr lang="en-US" dirty="0"/>
+            <a:endParaRPr lang="en-US" sz="2400" dirty="0"/>
           </a:p>
         </p:txBody>
       </p:sp>
@@ -7189,6 +7212,13 @@
   <p:clrMapOvr>
     <a:masterClrMapping/>
   </p:clrMapOvr>
+  <p:timing>
+    <p:tnLst>
+      <p:par>
+        <p:cTn id="1" dur="indefinite" restart="never" nodeType="tmRoot"/>
+      </p:par>
+    </p:tnLst>
+  </p:timing>
 </p:sld>
 </file>
 
@@ -7269,6 +7299,13 @@
   <p:clrMapOvr>
     <a:masterClrMapping/>
   </p:clrMapOvr>
+  <p:timing>
+    <p:tnLst>
+      <p:par>
+        <p:cTn id="1" dur="indefinite" restart="never" nodeType="tmRoot"/>
+      </p:par>
+    </p:tnLst>
+  </p:timing>
 </p:sld>
 </file>
 

--- a/Pick a dish app.pptx
+++ b/Pick a dish app.pptx
@@ -8,8 +8,11 @@
     <p:sldId id="256" r:id="rId2"/>
     <p:sldId id="259" r:id="rId3"/>
     <p:sldId id="260" r:id="rId4"/>
-    <p:sldId id="258" r:id="rId5"/>
-    <p:sldId id="257" r:id="rId6"/>
+    <p:sldId id="261" r:id="rId5"/>
+    <p:sldId id="258" r:id="rId6"/>
+    <p:sldId id="262" r:id="rId7"/>
+    <p:sldId id="263" r:id="rId8"/>
+    <p:sldId id="257" r:id="rId9"/>
   </p:sldIdLst>
   <p:sldSz cx="12192000" cy="6858000"/>
   <p:notesSz cx="6858000" cy="9144000"/>
@@ -1332,7 +1335,7 @@
             <a:fld id="{9334D819-9F07-4261-B09B-9E467E5D9002}" type="datetimeFigureOut">
               <a:rPr lang="en-US" dirty="0"/>
               <a:pPr/>
-              <a:t>11/9/17</a:t>
+              <a:t>11/9/2017</a:t>
             </a:fld>
             <a:endParaRPr lang="en-US" dirty="0"/>
           </a:p>
@@ -1566,7 +1569,7 @@
           <a:p>
             <a:fld id="{9334D819-9F07-4261-B09B-9E467E5D9002}" type="datetimeFigureOut">
               <a:rPr lang="en-US" dirty="0"/>
-              <a:t>11/9/17</a:t>
+              <a:t>11/9/2017</a:t>
             </a:fld>
             <a:endParaRPr lang="en-US" dirty="0"/>
           </a:p>
@@ -1741,7 +1744,7 @@
           <a:p>
             <a:fld id="{9334D819-9F07-4261-B09B-9E467E5D9002}" type="datetimeFigureOut">
               <a:rPr lang="en-US" dirty="0"/>
-              <a:t>11/9/17</a:t>
+              <a:t>11/9/2017</a:t>
             </a:fld>
             <a:endParaRPr lang="en-US" dirty="0"/>
           </a:p>
@@ -1906,7 +1909,7 @@
           <a:p>
             <a:fld id="{9334D819-9F07-4261-B09B-9E467E5D9002}" type="datetimeFigureOut">
               <a:rPr lang="en-US" dirty="0"/>
-              <a:t>11/9/17</a:t>
+              <a:t>11/9/2017</a:t>
             </a:fld>
             <a:endParaRPr lang="en-US" dirty="0"/>
           </a:p>
@@ -2178,7 +2181,7 @@
             <a:fld id="{9334D819-9F07-4261-B09B-9E467E5D9002}" type="datetimeFigureOut">
               <a:rPr lang="en-US" dirty="0"/>
               <a:pPr/>
-              <a:t>11/9/17</a:t>
+              <a:t>11/9/2017</a:t>
             </a:fld>
             <a:endParaRPr lang="en-US" dirty="0"/>
           </a:p>
@@ -3375,7 +3378,7 @@
           <a:p>
             <a:fld id="{9334D819-9F07-4261-B09B-9E467E5D9002}" type="datetimeFigureOut">
               <a:rPr lang="en-US" dirty="0"/>
-              <a:t>11/9/17</a:t>
+              <a:t>11/9/2017</a:t>
             </a:fld>
             <a:endParaRPr lang="en-US" dirty="0"/>
           </a:p>
@@ -3760,7 +3763,7 @@
           <a:p>
             <a:fld id="{9334D819-9F07-4261-B09B-9E467E5D9002}" type="datetimeFigureOut">
               <a:rPr lang="en-US" dirty="0"/>
-              <a:t>11/9/17</a:t>
+              <a:t>11/9/2017</a:t>
             </a:fld>
             <a:endParaRPr lang="en-US" dirty="0"/>
           </a:p>
@@ -3878,7 +3881,7 @@
           <a:p>
             <a:fld id="{9334D819-9F07-4261-B09B-9E467E5D9002}" type="datetimeFigureOut">
               <a:rPr lang="en-US" dirty="0"/>
-              <a:t>11/9/17</a:t>
+              <a:t>11/9/2017</a:t>
             </a:fld>
             <a:endParaRPr lang="en-US" dirty="0"/>
           </a:p>
@@ -3968,7 +3971,7 @@
           <a:p>
             <a:fld id="{9334D819-9F07-4261-B09B-9E467E5D9002}" type="datetimeFigureOut">
               <a:rPr lang="en-US" dirty="0"/>
-              <a:t>11/9/17</a:t>
+              <a:t>11/9/2017</a:t>
             </a:fld>
             <a:endParaRPr lang="en-US" dirty="0"/>
           </a:p>
@@ -4726,7 +4729,7 @@
           <a:p>
             <a:fld id="{9334D819-9F07-4261-B09B-9E467E5D9002}" type="datetimeFigureOut">
               <a:rPr lang="en-US" dirty="0"/>
-              <a:t>11/9/17</a:t>
+              <a:t>11/9/2017</a:t>
             </a:fld>
             <a:endParaRPr lang="en-US" dirty="0"/>
           </a:p>
@@ -5561,7 +5564,7 @@
           <a:p>
             <a:fld id="{9334D819-9F07-4261-B09B-9E467E5D9002}" type="datetimeFigureOut">
               <a:rPr lang="en-US" dirty="0"/>
-              <a:t>11/9/17</a:t>
+              <a:t>11/9/2017</a:t>
             </a:fld>
             <a:endParaRPr lang="en-US" dirty="0"/>
           </a:p>
@@ -5784,7 +5787,7 @@
             <a:fld id="{9334D819-9F07-4261-B09B-9E467E5D9002}" type="datetimeFigureOut">
               <a:rPr lang="en-US" dirty="0"/>
               <a:pPr/>
-              <a:t>11/9/17</a:t>
+              <a:t>11/9/2017</a:t>
             </a:fld>
             <a:endParaRPr lang="en-US" dirty="0"/>
           </a:p>
@@ -6784,7 +6787,7 @@
           <p:cNvPr id="2" name="Title 1">
             <a:extLst>
               <a:ext uri="{FF2B5EF4-FFF2-40B4-BE49-F238E27FC236}">
-                <a16:creationId xmlns:a16="http://schemas.microsoft.com/office/drawing/2014/main" xmlns="" id="{0E52C71E-D495-4B06-9663-B87220326D0D}"/>
+                <a16:creationId xmlns:a16="http://schemas.microsoft.com/office/drawing/2014/main" id="{0E52C71E-D495-4B06-9663-B87220326D0D}"/>
               </a:ext>
             </a:extLst>
           </p:cNvPr>
@@ -6812,7 +6815,7 @@
           <p:cNvPr id="3" name="Subtitle 2">
             <a:extLst>
               <a:ext uri="{FF2B5EF4-FFF2-40B4-BE49-F238E27FC236}">
-                <a16:creationId xmlns:a16="http://schemas.microsoft.com/office/drawing/2014/main" xmlns="" id="{8831B2C1-060E-4041-862C-29CA6B5265D3}"/>
+                <a16:creationId xmlns:a16="http://schemas.microsoft.com/office/drawing/2014/main" id="{8831B2C1-060E-4041-862C-29CA6B5265D3}"/>
               </a:ext>
             </a:extLst>
           </p:cNvPr>
@@ -6870,7 +6873,7 @@
           <p:cNvPr id="2" name="Title 1">
             <a:extLst>
               <a:ext uri="{FF2B5EF4-FFF2-40B4-BE49-F238E27FC236}">
-                <a16:creationId xmlns:a16="http://schemas.microsoft.com/office/drawing/2014/main" xmlns="" id="{4259A47C-5E27-4927-9AB7-7858CC6B6837}"/>
+                <a16:creationId xmlns:a16="http://schemas.microsoft.com/office/drawing/2014/main" id="{4259A47C-5E27-4927-9AB7-7858CC6B6837}"/>
               </a:ext>
             </a:extLst>
           </p:cNvPr>
@@ -6886,7 +6889,10 @@
           <a:bodyPr/>
           <a:lstStyle/>
           <a:p>
-            <a:endParaRPr lang="en-US" dirty="0"/>
+            <a:r>
+              <a:rPr lang="en-US" dirty="0"/>
+              <a:t>idea</a:t>
+            </a:r>
           </a:p>
         </p:txBody>
       </p:sp>
@@ -6895,7 +6901,7 @@
           <p:cNvPr id="3" name="Vertical Text Placeholder 2">
             <a:extLst>
               <a:ext uri="{FF2B5EF4-FFF2-40B4-BE49-F238E27FC236}">
-                <a16:creationId xmlns:a16="http://schemas.microsoft.com/office/drawing/2014/main" xmlns="" id="{9F629151-CF71-41D0-859A-9BF538BE93B2}"/>
+                <a16:creationId xmlns:a16="http://schemas.microsoft.com/office/drawing/2014/main" id="{9F629151-CF71-41D0-859A-9BF538BE93B2}"/>
               </a:ext>
             </a:extLst>
           </p:cNvPr>
@@ -6907,44 +6913,43 @@
           </p:nvPr>
         </p:nvSpPr>
         <p:spPr>
-          <a:xfrm rot="16200000">
-            <a:off x="5167088" y="261256"/>
-            <a:ext cx="2670628" cy="8853717"/>
+          <a:xfrm>
+            <a:off x="1523664" y="1190847"/>
+            <a:ext cx="7925135" cy="5939382"/>
           </a:xfrm>
         </p:spPr>
         <p:txBody>
-          <a:bodyPr/>
+          <a:bodyPr vert="horz"/>
           <a:lstStyle/>
           <a:p>
             <a:r>
-              <a:rPr lang="en-GB" dirty="0"/>
-              <a:t>Your presentation should cover the project idea</a:t>
-            </a:r>
-          </a:p>
-          <a:p>
-            <a:r>
-              <a:rPr lang="en-GB" dirty="0"/>
-              <a:t>, platform</a:t>
-            </a:r>
-          </a:p>
-          <a:p>
-            <a:r>
-              <a:rPr lang="en-GB" dirty="0"/>
-              <a:t>, tools, your experience </a:t>
-            </a:r>
-          </a:p>
-          <a:p>
-            <a:r>
-              <a:rPr lang="en-GB" dirty="0"/>
-              <a:t>and live demo with explanation of what you have accomplished so far.</a:t>
-            </a:r>
-          </a:p>
-          <a:p>
-            <a:r>
-              <a:rPr lang="en-GB" dirty="0"/>
-              <a:t>10 min </a:t>
-            </a:r>
-            <a:endParaRPr lang="en-US" dirty="0"/>
+              <a:rPr lang="en-US" dirty="0"/>
+              <a:t>This app is the main stage to share opinions in dishes that we take to our social event like Friday family meeting ;)</a:t>
+            </a:r>
+          </a:p>
+          <a:p>
+            <a:r>
+              <a:rPr lang="en-US" dirty="0"/>
+              <a:t>You can add tips for dishes added by you or other user </a:t>
+            </a:r>
+          </a:p>
+          <a:p>
+            <a:r>
+              <a:rPr lang="en-US" dirty="0"/>
+              <a:t>You can know what appropriate occasion to take this dish for !</a:t>
+            </a:r>
+          </a:p>
+          <a:p>
+            <a:r>
+              <a:rPr lang="en-US" dirty="0"/>
+              <a:t>you can view other users opinion and rating </a:t>
+            </a:r>
+          </a:p>
+          <a:p>
+            <a:r>
+              <a:rPr lang="en-US" dirty="0"/>
+              <a:t>Images and location maybe added later </a:t>
+            </a:r>
           </a:p>
         </p:txBody>
       </p:sp>
@@ -6993,7 +6998,10 @@
           <a:bodyPr/>
           <a:lstStyle/>
           <a:p>
-            <a:endParaRPr lang="en-US"/>
+            <a:r>
+              <a:rPr lang="en-US" dirty="0"/>
+              <a:t>Platform </a:t>
+            </a:r>
           </a:p>
         </p:txBody>
       </p:sp>
@@ -7009,10 +7017,24 @@
         </p:nvSpPr>
         <p:spPr/>
         <p:txBody>
-          <a:bodyPr/>
+          <a:bodyPr vert="horz"/>
           <a:lstStyle/>
           <a:p>
-            <a:endParaRPr lang="en-US"/>
+            <a:r>
+              <a:rPr lang="en-US" dirty="0"/>
+              <a:t>We want to build this app for </a:t>
+            </a:r>
+            <a:r>
+              <a:rPr lang="en-US" dirty="0" err="1"/>
+              <a:t>ios</a:t>
+            </a:r>
+            <a:r>
+              <a:rPr lang="en-US" dirty="0"/>
+              <a:t> and android also if we have time to do that </a:t>
+            </a:r>
+          </a:p>
+          <a:p>
+            <a:endParaRPr lang="en-US" dirty="0"/>
           </a:p>
         </p:txBody>
       </p:sp>
@@ -7026,13 +7048,6 @@
   <p:clrMapOvr>
     <a:masterClrMapping/>
   </p:clrMapOvr>
-  <p:timing>
-    <p:tnLst>
-      <p:par>
-        <p:cTn id="1" dur="indefinite" restart="never" nodeType="tmRoot"/>
-      </p:par>
-    </p:tnLst>
-  </p:timing>
 </p:sld>
 </file>
 
@@ -7058,7 +7073,7 @@
           <p:cNvPr id="2" name="Title 1">
             <a:extLst>
               <a:ext uri="{FF2B5EF4-FFF2-40B4-BE49-F238E27FC236}">
-                <a16:creationId xmlns:a16="http://schemas.microsoft.com/office/drawing/2014/main" xmlns="" id="{DEAB97D2-A703-4DF9-A135-61E99FBBAEE5}"/>
+                <a16:creationId xmlns:a16="http://schemas.microsoft.com/office/drawing/2014/main" id="{0294A5BE-F9FE-4B15-A51E-E3572F60C864}"/>
               </a:ext>
             </a:extLst>
           </p:cNvPr>
@@ -7074,29 +7089,19 @@
           <a:bodyPr/>
           <a:lstStyle/>
           <a:p>
-            <a:pPr algn="l" defTabSz="914400" rtl="1" eaLnBrk="1" latinLnBrk="0" hangingPunct="1">
-              <a:lnSpc>
-                <a:spcPct val="90000"/>
-              </a:lnSpc>
-              <a:spcBef>
-                <a:spcPct val="0"/>
-              </a:spcBef>
-              <a:buNone/>
-            </a:pPr>
-            <a:r>
-              <a:rPr lang="en-US" dirty="0" smtClean="0"/>
-              <a:t>Experience </a:t>
-            </a:r>
-            <a:endParaRPr lang="en-US" dirty="0"/>
+            <a:r>
+              <a:rPr lang="en-US" dirty="0"/>
+              <a:t>tools</a:t>
+            </a:r>
           </a:p>
         </p:txBody>
       </p:sp>
       <p:sp>
         <p:nvSpPr>
-          <p:cNvPr id="3" name="Content Placeholder 2">
+          <p:cNvPr id="3" name="Vertical Text Placeholder 2">
             <a:extLst>
               <a:ext uri="{FF2B5EF4-FFF2-40B4-BE49-F238E27FC236}">
-                <a16:creationId xmlns:a16="http://schemas.microsoft.com/office/drawing/2014/main" xmlns="" id="{E18A2BED-03F4-401A-8B62-B874394465E0}"/>
+                <a16:creationId xmlns:a16="http://schemas.microsoft.com/office/drawing/2014/main" id="{D8D46301-BB14-4106-BB7C-CD02A0DDE508}"/>
               </a:ext>
             </a:extLst>
           </p:cNvPr>
@@ -7104,121 +7109,54 @@
             <a:spLocks noGrp="1"/>
           </p:cNvSpPr>
           <p:nvPr>
-            <p:ph idx="1"/>
+            <p:ph type="body" orient="vert" idx="1"/>
           </p:nvPr>
         </p:nvSpPr>
         <p:spPr/>
         <p:txBody>
-          <a:bodyPr>
-            <a:normAutofit/>
-          </a:bodyPr>
+          <a:bodyPr vert="horz"/>
           <a:lstStyle/>
           <a:p>
-            <a:pPr>
-              <a:buFont typeface="Wingdings" charset="2"/>
-              <a:buChar char="Ø"/>
-            </a:pPr>
-            <a:r>
-              <a:rPr lang="en-US" sz="2400" b="1" dirty="0" smtClean="0"/>
-              <a:t>Advantages</a:t>
-            </a:r>
-            <a:r>
-              <a:rPr lang="en-US" sz="2400" b="1" dirty="0" smtClean="0"/>
-              <a:t>:</a:t>
-            </a:r>
-          </a:p>
-          <a:p>
-            <a:pPr marL="411480"/>
-            <a:r>
-              <a:rPr lang="en-US" sz="2400" dirty="0"/>
-              <a:t>Ionic View</a:t>
-            </a:r>
-          </a:p>
-          <a:p>
-            <a:pPr marL="411480"/>
-            <a:r>
-              <a:rPr lang="en-US" sz="2400" dirty="0"/>
-              <a:t>Web Developers Can Be </a:t>
-            </a:r>
-            <a:r>
-              <a:rPr lang="en-US" sz="2400"/>
-              <a:t>Mobile </a:t>
-            </a:r>
-            <a:r>
-              <a:rPr lang="en-US" sz="2400" smtClean="0"/>
-              <a:t>Developers</a:t>
-            </a:r>
-            <a:r>
-              <a:rPr lang="en-US" sz="2400"/>
-              <a:t> </a:t>
-            </a:r>
-            <a:r>
-              <a:rPr lang="en-US" sz="2400" smtClean="0"/>
-              <a:t>(HTML, CSS, JS)</a:t>
-            </a:r>
-            <a:endParaRPr lang="en-US" sz="2400" dirty="0"/>
-          </a:p>
-          <a:p>
-            <a:endParaRPr lang="en-US" sz="2400" dirty="0" smtClean="0"/>
-          </a:p>
-          <a:p>
-            <a:pPr>
-              <a:buFont typeface="Wingdings" charset="2"/>
-              <a:buChar char="Ø"/>
-            </a:pPr>
-            <a:r>
-              <a:rPr lang="en-US" sz="2400" b="1" dirty="0" smtClean="0"/>
-              <a:t>Disadvantages:</a:t>
-            </a:r>
-          </a:p>
-          <a:p>
-            <a:pPr marL="411480">
-              <a:buFont typeface="Arial" charset="0"/>
-              <a:buChar char="•"/>
-            </a:pPr>
-            <a:r>
-              <a:rPr lang="en-US" sz="2400" dirty="0"/>
-              <a:t>Command</a:t>
-            </a:r>
-            <a:r>
-              <a:rPr lang="en-US" sz="2400" dirty="0"/>
-              <a:t> </a:t>
-            </a:r>
-            <a:r>
-              <a:rPr lang="en-US" sz="2400" dirty="0" smtClean="0"/>
-              <a:t>line</a:t>
-            </a:r>
-          </a:p>
-          <a:p>
-            <a:pPr marL="411480">
-              <a:buFont typeface="Arial" charset="0"/>
-              <a:buChar char="•"/>
-            </a:pPr>
-            <a:r>
-              <a:rPr lang="en-US" sz="2400" dirty="0" smtClean="0"/>
-              <a:t>Few up to date tutorials </a:t>
-            </a:r>
-            <a:endParaRPr lang="en-US" sz="2400" dirty="0"/>
+            <a:r>
+              <a:rPr lang="en-US" dirty="0"/>
+              <a:t>We used firebase database as backend for our app “like”</a:t>
+            </a:r>
+          </a:p>
+          <a:p>
+            <a:r>
+              <a:rPr lang="en-US" dirty="0"/>
+              <a:t>We used ionic icons for app icons </a:t>
+            </a:r>
+          </a:p>
+          <a:p>
+            <a:r>
+              <a:rPr lang="en-US" dirty="0"/>
+              <a:t>We used </a:t>
+            </a:r>
+            <a:r>
+              <a:rPr lang="en-US" dirty="0" err="1"/>
+              <a:t>colorlovers</a:t>
+            </a:r>
+            <a:r>
+              <a:rPr lang="en-US" dirty="0"/>
+              <a:t> for color matching </a:t>
+            </a:r>
+          </a:p>
+          <a:p>
+            <a:endParaRPr lang="en-US" dirty="0"/>
           </a:p>
         </p:txBody>
       </p:sp>
     </p:spTree>
     <p:extLst>
       <p:ext uri="{BB962C8B-B14F-4D97-AF65-F5344CB8AC3E}">
-        <p14:creationId xmlns:p14="http://schemas.microsoft.com/office/powerpoint/2010/main" val="3300281320"/>
+        <p14:creationId xmlns:p14="http://schemas.microsoft.com/office/powerpoint/2010/main" val="2393217521"/>
       </p:ext>
     </p:extLst>
   </p:cSld>
   <p:clrMapOvr>
     <a:masterClrMapping/>
   </p:clrMapOvr>
-  <p:timing>
-    <p:tnLst>
-      <p:par>
-        <p:cTn id="1" dur="indefinite" restart="never" nodeType="tmRoot"/>
-      </p:par>
-    </p:tnLst>
-  </p:timing>
 </p:sld>
 </file>
 
@@ -7244,7 +7182,7 @@
           <p:cNvPr id="2" name="Title 1">
             <a:extLst>
               <a:ext uri="{FF2B5EF4-FFF2-40B4-BE49-F238E27FC236}">
-                <a16:creationId xmlns:a16="http://schemas.microsoft.com/office/drawing/2014/main" xmlns="" id="{27865403-966F-4171-AFD2-4095C3936E6B}"/>
+                <a16:creationId xmlns:a16="http://schemas.microsoft.com/office/drawing/2014/main" id="{DEAB97D2-A703-4DF9-A135-61E99FBBAEE5}"/>
               </a:ext>
             </a:extLst>
           </p:cNvPr>
@@ -7260,7 +7198,311 @@
           <a:bodyPr/>
           <a:lstStyle/>
           <a:p>
+            <a:pPr algn="l" defTabSz="914400" rtl="1" eaLnBrk="1" latinLnBrk="0" hangingPunct="1">
+              <a:lnSpc>
+                <a:spcPct val="90000"/>
+              </a:lnSpc>
+              <a:spcBef>
+                <a:spcPct val="0"/>
+              </a:spcBef>
+              <a:buNone/>
+            </a:pPr>
+            <a:r>
+              <a:rPr lang="en-US" dirty="0"/>
+              <a:t>Experience </a:t>
+            </a:r>
+          </a:p>
+        </p:txBody>
+      </p:sp>
+      <p:sp>
+        <p:nvSpPr>
+          <p:cNvPr id="3" name="Content Placeholder 2">
+            <a:extLst>
+              <a:ext uri="{FF2B5EF4-FFF2-40B4-BE49-F238E27FC236}">
+                <a16:creationId xmlns:a16="http://schemas.microsoft.com/office/drawing/2014/main" id="{E18A2BED-03F4-401A-8B62-B874394465E0}"/>
+              </a:ext>
+            </a:extLst>
+          </p:cNvPr>
+          <p:cNvSpPr>
+            <a:spLocks noGrp="1"/>
+          </p:cNvSpPr>
+          <p:nvPr>
+            <p:ph idx="1"/>
+          </p:nvPr>
+        </p:nvSpPr>
+        <p:spPr/>
+        <p:txBody>
+          <a:bodyPr>
+            <a:normAutofit/>
+          </a:bodyPr>
+          <a:lstStyle/>
+          <a:p>
+            <a:pPr>
+              <a:buFont typeface="Wingdings" charset="2"/>
+              <a:buChar char="Ø"/>
+            </a:pPr>
+            <a:r>
+              <a:rPr lang="en-US" sz="2400" b="1" dirty="0"/>
+              <a:t>Advantages:</a:t>
+            </a:r>
+          </a:p>
+          <a:p>
+            <a:pPr marL="411480"/>
+            <a:r>
+              <a:rPr lang="en-US" sz="2400" dirty="0"/>
+              <a:t>Ionic View</a:t>
+            </a:r>
+          </a:p>
+          <a:p>
+            <a:pPr marL="411480"/>
+            <a:r>
+              <a:rPr lang="en-US" sz="2400" dirty="0"/>
+              <a:t>Web Developers Can Be </a:t>
+            </a:r>
+            <a:r>
+              <a:rPr lang="en-US" sz="2400"/>
+              <a:t>Mobile Developers (HTML, CSS, JS)</a:t>
+            </a:r>
+            <a:endParaRPr lang="en-US" sz="2400" dirty="0"/>
+          </a:p>
+          <a:p>
+            <a:endParaRPr lang="en-US" sz="2400" dirty="0"/>
+          </a:p>
+          <a:p>
+            <a:pPr>
+              <a:buFont typeface="Wingdings" charset="2"/>
+              <a:buChar char="Ø"/>
+            </a:pPr>
+            <a:r>
+              <a:rPr lang="en-US" sz="2400" b="1" dirty="0"/>
+              <a:t>Disadvantages:</a:t>
+            </a:r>
+          </a:p>
+          <a:p>
+            <a:pPr marL="411480">
+              <a:buFont typeface="Arial" charset="0"/>
+              <a:buChar char="•"/>
+            </a:pPr>
+            <a:r>
+              <a:rPr lang="en-US" sz="2400" dirty="0"/>
+              <a:t>Command line</a:t>
+            </a:r>
+          </a:p>
+          <a:p>
+            <a:pPr marL="411480">
+              <a:buFont typeface="Arial" charset="0"/>
+              <a:buChar char="•"/>
+            </a:pPr>
+            <a:r>
+              <a:rPr lang="en-US" sz="2400" dirty="0"/>
+              <a:t>Few up to date tutorials </a:t>
+            </a:r>
+          </a:p>
+        </p:txBody>
+      </p:sp>
+    </p:spTree>
+    <p:extLst>
+      <p:ext uri="{BB962C8B-B14F-4D97-AF65-F5344CB8AC3E}">
+        <p14:creationId xmlns:p14="http://schemas.microsoft.com/office/powerpoint/2010/main" val="3300281320"/>
+      </p:ext>
+    </p:extLst>
+  </p:cSld>
+  <p:clrMapOvr>
+    <a:masterClrMapping/>
+  </p:clrMapOvr>
+</p:sld>
+</file>
+
+<file path=ppt/slides/slide6.xml><?xml version="1.0" encoding="utf-8"?>
+<p:sld xmlns:a="http://schemas.openxmlformats.org/drawingml/2006/main" xmlns:r="http://schemas.openxmlformats.org/officeDocument/2006/relationships" xmlns:p="http://schemas.openxmlformats.org/presentationml/2006/main">
+  <p:cSld>
+    <p:spTree>
+      <p:nvGrpSpPr>
+        <p:cNvPr id="1" name=""/>
+        <p:cNvGrpSpPr/>
+        <p:nvPr/>
+      </p:nvGrpSpPr>
+      <p:grpSpPr>
+        <a:xfrm>
+          <a:off x="0" y="0"/>
+          <a:ext cx="0" cy="0"/>
+          <a:chOff x="0" y="0"/>
+          <a:chExt cx="0" cy="0"/>
+        </a:xfrm>
+      </p:grpSpPr>
+      <p:sp>
+        <p:nvSpPr>
+          <p:cNvPr id="2" name="Title 1">
+            <a:extLst>
+              <a:ext uri="{FF2B5EF4-FFF2-40B4-BE49-F238E27FC236}">
+                <a16:creationId xmlns:a16="http://schemas.microsoft.com/office/drawing/2014/main" id="{269A0B15-D693-4459-AF1A-5C00C7406E29}"/>
+              </a:ext>
+            </a:extLst>
+          </p:cNvPr>
+          <p:cNvSpPr>
+            <a:spLocks noGrp="1"/>
+          </p:cNvSpPr>
+          <p:nvPr>
+            <p:ph type="ctrTitle"/>
+          </p:nvPr>
+        </p:nvSpPr>
+        <p:spPr/>
+        <p:txBody>
+          <a:bodyPr/>
+          <a:lstStyle/>
+          <a:p>
+            <a:r>
+              <a:rPr lang="en-US" dirty="0"/>
+              <a:t>demo</a:t>
+            </a:r>
+          </a:p>
+        </p:txBody>
+      </p:sp>
+      <p:sp>
+        <p:nvSpPr>
+          <p:cNvPr id="3" name="Subtitle 2">
+            <a:extLst>
+              <a:ext uri="{FF2B5EF4-FFF2-40B4-BE49-F238E27FC236}">
+                <a16:creationId xmlns:a16="http://schemas.microsoft.com/office/drawing/2014/main" id="{89781140-EE1A-423E-B26F-9FA9172BDC16}"/>
+              </a:ext>
+            </a:extLst>
+          </p:cNvPr>
+          <p:cNvSpPr>
+            <a:spLocks noGrp="1"/>
+          </p:cNvSpPr>
+          <p:nvPr>
+            <p:ph type="subTitle" idx="1"/>
+          </p:nvPr>
+        </p:nvSpPr>
+        <p:spPr/>
+        <p:txBody>
+          <a:bodyPr/>
+          <a:lstStyle/>
+          <a:p>
             <a:endParaRPr lang="en-US"/>
+          </a:p>
+        </p:txBody>
+      </p:sp>
+    </p:spTree>
+    <p:extLst>
+      <p:ext uri="{BB962C8B-B14F-4D97-AF65-F5344CB8AC3E}">
+        <p14:creationId xmlns:p14="http://schemas.microsoft.com/office/powerpoint/2010/main" val="1762289637"/>
+      </p:ext>
+    </p:extLst>
+  </p:cSld>
+  <p:clrMapOvr>
+    <a:masterClrMapping/>
+  </p:clrMapOvr>
+</p:sld>
+</file>
+
+<file path=ppt/slides/slide7.xml><?xml version="1.0" encoding="utf-8"?>
+<p:sld xmlns:a="http://schemas.openxmlformats.org/drawingml/2006/main" xmlns:r="http://schemas.openxmlformats.org/officeDocument/2006/relationships" xmlns:p="http://schemas.openxmlformats.org/presentationml/2006/main">
+  <p:cSld>
+    <p:spTree>
+      <p:nvGrpSpPr>
+        <p:cNvPr id="1" name=""/>
+        <p:cNvGrpSpPr/>
+        <p:nvPr/>
+      </p:nvGrpSpPr>
+      <p:grpSpPr>
+        <a:xfrm>
+          <a:off x="0" y="0"/>
+          <a:ext cx="0" cy="0"/>
+          <a:chOff x="0" y="0"/>
+          <a:chExt cx="0" cy="0"/>
+        </a:xfrm>
+      </p:grpSpPr>
+      <p:sp>
+        <p:nvSpPr>
+          <p:cNvPr id="2" name="Title 1">
+            <a:extLst>
+              <a:ext uri="{FF2B5EF4-FFF2-40B4-BE49-F238E27FC236}">
+                <a16:creationId xmlns:a16="http://schemas.microsoft.com/office/drawing/2014/main" id="{CBFE0AFB-9382-4169-AED7-D90AAA1642C6}"/>
+              </a:ext>
+            </a:extLst>
+          </p:cNvPr>
+          <p:cNvSpPr>
+            <a:spLocks noGrp="1"/>
+          </p:cNvSpPr>
+          <p:nvPr>
+            <p:ph type="title"/>
+          </p:nvPr>
+        </p:nvSpPr>
+        <p:spPr/>
+        <p:txBody>
+          <a:bodyPr/>
+          <a:lstStyle/>
+          <a:p>
+            <a:r>
+              <a:rPr lang="en-US" dirty="0"/>
+              <a:t>What we have done ?</a:t>
+            </a:r>
+          </a:p>
+        </p:txBody>
+      </p:sp>
+    </p:spTree>
+    <p:extLst>
+      <p:ext uri="{BB962C8B-B14F-4D97-AF65-F5344CB8AC3E}">
+        <p14:creationId xmlns:p14="http://schemas.microsoft.com/office/powerpoint/2010/main" val="2189962122"/>
+      </p:ext>
+    </p:extLst>
+  </p:cSld>
+  <p:clrMapOvr>
+    <a:masterClrMapping/>
+  </p:clrMapOvr>
+</p:sld>
+</file>
+
+<file path=ppt/slides/slide8.xml><?xml version="1.0" encoding="utf-8"?>
+<p:sld xmlns:a="http://schemas.openxmlformats.org/drawingml/2006/main" xmlns:r="http://schemas.openxmlformats.org/officeDocument/2006/relationships" xmlns:p="http://schemas.openxmlformats.org/presentationml/2006/main">
+  <p:cSld>
+    <p:spTree>
+      <p:nvGrpSpPr>
+        <p:cNvPr id="1" name=""/>
+        <p:cNvGrpSpPr/>
+        <p:nvPr/>
+      </p:nvGrpSpPr>
+      <p:grpSpPr>
+        <a:xfrm>
+          <a:off x="0" y="0"/>
+          <a:ext cx="0" cy="0"/>
+          <a:chOff x="0" y="0"/>
+          <a:chExt cx="0" cy="0"/>
+        </a:xfrm>
+      </p:grpSpPr>
+      <p:sp>
+        <p:nvSpPr>
+          <p:cNvPr id="2" name="Title 1">
+            <a:extLst>
+              <a:ext uri="{FF2B5EF4-FFF2-40B4-BE49-F238E27FC236}">
+                <a16:creationId xmlns:a16="http://schemas.microsoft.com/office/drawing/2014/main" id="{27865403-966F-4171-AFD2-4095C3936E6B}"/>
+              </a:ext>
+            </a:extLst>
+          </p:cNvPr>
+          <p:cNvSpPr>
+            <a:spLocks noGrp="1"/>
+          </p:cNvSpPr>
+          <p:nvPr>
+            <p:ph type="title"/>
+          </p:nvPr>
+        </p:nvSpPr>
+        <p:spPr/>
+        <p:txBody>
+          <a:bodyPr/>
+          <a:lstStyle/>
+          <a:p>
+            <a:r>
+              <a:rPr lang="en-US" dirty="0"/>
+              <a:t>Thanks </a:t>
+            </a:r>
+            <a:r>
+              <a:rPr lang="en-US" dirty="0">
+                <a:sym typeface="Wingdings" panose="05000000000000000000" pitchFamily="2" charset="2"/>
+              </a:rPr>
+              <a:t></a:t>
+            </a:r>
+            <a:endParaRPr lang="en-US" dirty="0"/>
           </a:p>
         </p:txBody>
       </p:sp>
@@ -7269,7 +7511,7 @@
           <p:cNvPr id="3" name="Text Placeholder 2">
             <a:extLst>
               <a:ext uri="{FF2B5EF4-FFF2-40B4-BE49-F238E27FC236}">
-                <a16:creationId xmlns:a16="http://schemas.microsoft.com/office/drawing/2014/main" xmlns="" id="{95384BE1-ECA6-4759-9219-426C433BB524}"/>
+                <a16:creationId xmlns:a16="http://schemas.microsoft.com/office/drawing/2014/main" id="{95384BE1-ECA6-4759-9219-426C433BB524}"/>
               </a:ext>
             </a:extLst>
           </p:cNvPr>
@@ -7285,7 +7527,10 @@
           <a:bodyPr/>
           <a:lstStyle/>
           <a:p>
-            <a:endParaRPr lang="en-US"/>
+            <a:r>
+              <a:rPr lang="en-US" dirty="0"/>
+              <a:t>Pray for us </a:t>
+            </a:r>
           </a:p>
         </p:txBody>
       </p:sp>
@@ -7299,13 +7544,6 @@
   <p:clrMapOvr>
     <a:masterClrMapping/>
   </p:clrMapOvr>
-  <p:timing>
-    <p:tnLst>
-      <p:par>
-        <p:cTn id="1" dur="indefinite" restart="never" nodeType="tmRoot"/>
-      </p:par>
-    </p:tnLst>
-  </p:timing>
 </p:sld>
 </file>
 

--- a/Pick a dish app.pptx
+++ b/Pick a dish app.pptx
@@ -121,6 +121,3016 @@
 
 <file path=ppt/revisionInfo.xml><?xml version="1.0" encoding="utf-8"?>
 <p1510:revInfo xmlns:a="http://schemas.openxmlformats.org/drawingml/2006/main" xmlns:r="http://schemas.openxmlformats.org/officeDocument/2006/relationships" xmlns:p1510="http://schemas.microsoft.com/office/powerpoint/2015/10/main"/>
+</file>
+
+<file path=ppt/diagrams/colors1.xml><?xml version="1.0" encoding="utf-8"?>
+<dgm:colorsDef xmlns:dgm="http://schemas.openxmlformats.org/drawingml/2006/diagram" xmlns:a="http://schemas.openxmlformats.org/drawingml/2006/main" uniqueId="urn:microsoft.com/office/officeart/2005/8/colors/accent1_3">
+  <dgm:title val=""/>
+  <dgm:desc val=""/>
+  <dgm:catLst>
+    <dgm:cat type="accent1" pri="11300"/>
+  </dgm:catLst>
+  <dgm:styleLbl name="node0">
+    <dgm:fillClrLst meth="repeat">
+      <a:schemeClr val="accent1">
+        <a:shade val="80000"/>
+      </a:schemeClr>
+    </dgm:fillClrLst>
+    <dgm:linClrLst meth="repeat">
+      <a:schemeClr val="lt1"/>
+    </dgm:linClrLst>
+    <dgm:effectClrLst/>
+    <dgm:txLinClrLst/>
+    <dgm:txFillClrLst/>
+    <dgm:txEffectClrLst/>
+  </dgm:styleLbl>
+  <dgm:styleLbl name="alignNode1">
+    <dgm:fillClrLst>
+      <a:schemeClr val="accent1">
+        <a:shade val="80000"/>
+      </a:schemeClr>
+      <a:schemeClr val="accent1">
+        <a:tint val="70000"/>
+      </a:schemeClr>
+    </dgm:fillClrLst>
+    <dgm:linClrLst>
+      <a:schemeClr val="accent1">
+        <a:shade val="80000"/>
+      </a:schemeClr>
+      <a:schemeClr val="accent1">
+        <a:tint val="70000"/>
+      </a:schemeClr>
+    </dgm:linClrLst>
+    <dgm:effectClrLst/>
+    <dgm:txLinClrLst/>
+    <dgm:txFillClrLst/>
+    <dgm:txEffectClrLst/>
+  </dgm:styleLbl>
+  <dgm:styleLbl name="node1">
+    <dgm:fillClrLst>
+      <a:schemeClr val="accent1">
+        <a:shade val="80000"/>
+      </a:schemeClr>
+      <a:schemeClr val="accent1">
+        <a:tint val="70000"/>
+      </a:schemeClr>
+    </dgm:fillClrLst>
+    <dgm:linClrLst meth="repeat">
+      <a:schemeClr val="lt1"/>
+    </dgm:linClrLst>
+    <dgm:effectClrLst/>
+    <dgm:txLinClrLst/>
+    <dgm:txFillClrLst/>
+    <dgm:txEffectClrLst/>
+  </dgm:styleLbl>
+  <dgm:styleLbl name="lnNode1">
+    <dgm:fillClrLst>
+      <a:schemeClr val="accent1">
+        <a:shade val="80000"/>
+      </a:schemeClr>
+      <a:schemeClr val="accent1">
+        <a:tint val="70000"/>
+      </a:schemeClr>
+    </dgm:fillClrLst>
+    <dgm:linClrLst meth="repeat">
+      <a:schemeClr val="lt1"/>
+    </dgm:linClrLst>
+    <dgm:effectClrLst/>
+    <dgm:txLinClrLst/>
+    <dgm:txFillClrLst/>
+    <dgm:txEffectClrLst/>
+  </dgm:styleLbl>
+  <dgm:styleLbl name="vennNode1">
+    <dgm:fillClrLst>
+      <a:schemeClr val="accent1">
+        <a:shade val="80000"/>
+        <a:alpha val="50000"/>
+      </a:schemeClr>
+      <a:schemeClr val="accent1">
+        <a:tint val="70000"/>
+        <a:alpha val="50000"/>
+      </a:schemeClr>
+    </dgm:fillClrLst>
+    <dgm:linClrLst meth="repeat">
+      <a:schemeClr val="lt1"/>
+    </dgm:linClrLst>
+    <dgm:effectClrLst/>
+    <dgm:txLinClrLst/>
+    <dgm:txFillClrLst/>
+    <dgm:txEffectClrLst/>
+  </dgm:styleLbl>
+  <dgm:styleLbl name="node2">
+    <dgm:fillClrLst>
+      <a:schemeClr val="accent1">
+        <a:tint val="99000"/>
+      </a:schemeClr>
+    </dgm:fillClrLst>
+    <dgm:linClrLst meth="repeat">
+      <a:schemeClr val="lt1"/>
+    </dgm:linClrLst>
+    <dgm:effectClrLst/>
+    <dgm:txLinClrLst/>
+    <dgm:txFillClrLst/>
+    <dgm:txEffectClrLst/>
+  </dgm:styleLbl>
+  <dgm:styleLbl name="node3">
+    <dgm:fillClrLst>
+      <a:schemeClr val="accent1">
+        <a:tint val="80000"/>
+      </a:schemeClr>
+    </dgm:fillClrLst>
+    <dgm:linClrLst meth="repeat">
+      <a:schemeClr val="lt1"/>
+    </dgm:linClrLst>
+    <dgm:effectClrLst/>
+    <dgm:txLinClrLst/>
+    <dgm:txFillClrLst/>
+    <dgm:txEffectClrLst/>
+  </dgm:styleLbl>
+  <dgm:styleLbl name="node4">
+    <dgm:fillClrLst>
+      <a:schemeClr val="accent1">
+        <a:tint val="70000"/>
+      </a:schemeClr>
+    </dgm:fillClrLst>
+    <dgm:linClrLst meth="repeat">
+      <a:schemeClr val="lt1"/>
+    </dgm:linClrLst>
+    <dgm:effectClrLst/>
+    <dgm:txLinClrLst/>
+    <dgm:txFillClrLst/>
+    <dgm:txEffectClrLst/>
+  </dgm:styleLbl>
+  <dgm:styleLbl name="fgImgPlace1">
+    <dgm:fillClrLst>
+      <a:schemeClr val="accent1">
+        <a:tint val="50000"/>
+      </a:schemeClr>
+      <a:schemeClr val="accent1">
+        <a:tint val="20000"/>
+      </a:schemeClr>
+    </dgm:fillClrLst>
+    <dgm:linClrLst meth="repeat">
+      <a:schemeClr val="lt1"/>
+    </dgm:linClrLst>
+    <dgm:effectClrLst/>
+    <dgm:txLinClrLst/>
+    <dgm:txFillClrLst meth="repeat">
+      <a:schemeClr val="lt1"/>
+    </dgm:txFillClrLst>
+    <dgm:txEffectClrLst/>
+  </dgm:styleLbl>
+  <dgm:styleLbl name="alignImgPlace1">
+    <dgm:fillClrLst>
+      <a:schemeClr val="accent1">
+        <a:tint val="50000"/>
+      </a:schemeClr>
+      <a:schemeClr val="accent1">
+        <a:tint val="20000"/>
+      </a:schemeClr>
+    </dgm:fillClrLst>
+    <dgm:linClrLst meth="repeat">
+      <a:schemeClr val="lt1"/>
+    </dgm:linClrLst>
+    <dgm:effectClrLst/>
+    <dgm:txLinClrLst/>
+    <dgm:txFillClrLst meth="repeat">
+      <a:schemeClr val="lt1"/>
+    </dgm:txFillClrLst>
+    <dgm:txEffectClrLst/>
+  </dgm:styleLbl>
+  <dgm:styleLbl name="bgImgPlace1">
+    <dgm:fillClrLst>
+      <a:schemeClr val="accent1">
+        <a:tint val="50000"/>
+      </a:schemeClr>
+      <a:schemeClr val="accent1">
+        <a:tint val="20000"/>
+      </a:schemeClr>
+    </dgm:fillClrLst>
+    <dgm:linClrLst meth="repeat">
+      <a:schemeClr val="lt1"/>
+    </dgm:linClrLst>
+    <dgm:effectClrLst/>
+    <dgm:txLinClrLst/>
+    <dgm:txFillClrLst meth="repeat">
+      <a:schemeClr val="lt1"/>
+    </dgm:txFillClrLst>
+    <dgm:txEffectClrLst/>
+  </dgm:styleLbl>
+  <dgm:styleLbl name="sibTrans2D1">
+    <dgm:fillClrLst>
+      <a:schemeClr val="accent1">
+        <a:shade val="90000"/>
+      </a:schemeClr>
+      <a:schemeClr val="accent1">
+        <a:tint val="70000"/>
+      </a:schemeClr>
+    </dgm:fillClrLst>
+    <dgm:linClrLst>
+      <a:schemeClr val="accent1">
+        <a:shade val="90000"/>
+      </a:schemeClr>
+      <a:schemeClr val="accent1">
+        <a:tint val="70000"/>
+      </a:schemeClr>
+    </dgm:linClrLst>
+    <dgm:effectClrLst/>
+    <dgm:txLinClrLst/>
+    <dgm:txFillClrLst/>
+    <dgm:txEffectClrLst/>
+  </dgm:styleLbl>
+  <dgm:styleLbl name="fgSibTrans2D1">
+    <dgm:fillClrLst>
+      <a:schemeClr val="accent1">
+        <a:shade val="90000"/>
+      </a:schemeClr>
+      <a:schemeClr val="accent1">
+        <a:tint val="70000"/>
+      </a:schemeClr>
+    </dgm:fillClrLst>
+    <dgm:linClrLst>
+      <a:schemeClr val="accent1">
+        <a:shade val="90000"/>
+      </a:schemeClr>
+      <a:schemeClr val="accent1">
+        <a:tint val="70000"/>
+      </a:schemeClr>
+    </dgm:linClrLst>
+    <dgm:effectClrLst/>
+    <dgm:txLinClrLst/>
+    <dgm:txFillClrLst meth="repeat">
+      <a:schemeClr val="lt1"/>
+    </dgm:txFillClrLst>
+    <dgm:txEffectClrLst/>
+  </dgm:styleLbl>
+  <dgm:styleLbl name="bgSibTrans2D1">
+    <dgm:fillClrLst>
+      <a:schemeClr val="accent1">
+        <a:shade val="90000"/>
+      </a:schemeClr>
+      <a:schemeClr val="accent1">
+        <a:tint val="70000"/>
+      </a:schemeClr>
+    </dgm:fillClrLst>
+    <dgm:linClrLst>
+      <a:schemeClr val="accent1">
+        <a:shade val="90000"/>
+      </a:schemeClr>
+      <a:schemeClr val="accent1">
+        <a:tint val="70000"/>
+      </a:schemeClr>
+    </dgm:linClrLst>
+    <dgm:effectClrLst/>
+    <dgm:txLinClrLst/>
+    <dgm:txFillClrLst meth="repeat">
+      <a:schemeClr val="lt1"/>
+    </dgm:txFillClrLst>
+    <dgm:txEffectClrLst/>
+  </dgm:styleLbl>
+  <dgm:styleLbl name="sibTrans1D1">
+    <dgm:fillClrLst>
+      <a:schemeClr val="accent1">
+        <a:shade val="90000"/>
+      </a:schemeClr>
+      <a:schemeClr val="accent1">
+        <a:tint val="70000"/>
+      </a:schemeClr>
+    </dgm:fillClrLst>
+    <dgm:linClrLst>
+      <a:schemeClr val="accent1">
+        <a:shade val="90000"/>
+      </a:schemeClr>
+      <a:schemeClr val="accent1">
+        <a:tint val="70000"/>
+      </a:schemeClr>
+    </dgm:linClrLst>
+    <dgm:effectClrLst/>
+    <dgm:txLinClrLst/>
+    <dgm:txFillClrLst meth="repeat">
+      <a:schemeClr val="tx1"/>
+    </dgm:txFillClrLst>
+    <dgm:txEffectClrLst/>
+  </dgm:styleLbl>
+  <dgm:styleLbl name="callout">
+    <dgm:fillClrLst meth="repeat">
+      <a:schemeClr val="accent1"/>
+    </dgm:fillClrLst>
+    <dgm:linClrLst meth="repeat">
+      <a:schemeClr val="accent1"/>
+    </dgm:linClrLst>
+    <dgm:effectClrLst/>
+    <dgm:txLinClrLst/>
+    <dgm:txFillClrLst meth="repeat">
+      <a:schemeClr val="tx1"/>
+    </dgm:txFillClrLst>
+    <dgm:txEffectClrLst/>
+  </dgm:styleLbl>
+  <dgm:styleLbl name="asst0">
+    <dgm:fillClrLst meth="repeat">
+      <a:schemeClr val="accent1">
+        <a:shade val="80000"/>
+      </a:schemeClr>
+    </dgm:fillClrLst>
+    <dgm:linClrLst meth="repeat">
+      <a:schemeClr val="lt1"/>
+    </dgm:linClrLst>
+    <dgm:effectClrLst/>
+    <dgm:txLinClrLst/>
+    <dgm:txFillClrLst/>
+    <dgm:txEffectClrLst/>
+  </dgm:styleLbl>
+  <dgm:styleLbl name="asst1">
+    <dgm:fillClrLst meth="repeat">
+      <a:schemeClr val="accent1">
+        <a:shade val="80000"/>
+      </a:schemeClr>
+    </dgm:fillClrLst>
+    <dgm:linClrLst meth="repeat">
+      <a:schemeClr val="lt1"/>
+    </dgm:linClrLst>
+    <dgm:effectClrLst/>
+    <dgm:txLinClrLst/>
+    <dgm:txFillClrLst/>
+    <dgm:txEffectClrLst/>
+  </dgm:styleLbl>
+  <dgm:styleLbl name="asst2">
+    <dgm:fillClrLst>
+      <a:schemeClr val="accent1">
+        <a:tint val="99000"/>
+      </a:schemeClr>
+    </dgm:fillClrLst>
+    <dgm:linClrLst meth="repeat">
+      <a:schemeClr val="lt1"/>
+    </dgm:linClrLst>
+    <dgm:effectClrLst/>
+    <dgm:txLinClrLst/>
+    <dgm:txFillClrLst/>
+    <dgm:txEffectClrLst/>
+  </dgm:styleLbl>
+  <dgm:styleLbl name="asst3">
+    <dgm:fillClrLst>
+      <a:schemeClr val="accent1">
+        <a:tint val="80000"/>
+      </a:schemeClr>
+    </dgm:fillClrLst>
+    <dgm:linClrLst meth="repeat">
+      <a:schemeClr val="lt1"/>
+    </dgm:linClrLst>
+    <dgm:effectClrLst/>
+    <dgm:txLinClrLst/>
+    <dgm:txFillClrLst/>
+    <dgm:txEffectClrLst/>
+  </dgm:styleLbl>
+  <dgm:styleLbl name="asst4">
+    <dgm:fillClrLst>
+      <a:schemeClr val="accent1">
+        <a:tint val="70000"/>
+      </a:schemeClr>
+    </dgm:fillClrLst>
+    <dgm:linClrLst meth="repeat">
+      <a:schemeClr val="lt1"/>
+    </dgm:linClrLst>
+    <dgm:effectClrLst/>
+    <dgm:txLinClrLst/>
+    <dgm:txFillClrLst/>
+    <dgm:txEffectClrLst/>
+  </dgm:styleLbl>
+  <dgm:styleLbl name="parChTrans2D1">
+    <dgm:fillClrLst meth="repeat">
+      <a:schemeClr val="accent1">
+        <a:tint val="60000"/>
+      </a:schemeClr>
+    </dgm:fillClrLst>
+    <dgm:linClrLst meth="repeat">
+      <a:schemeClr val="accent1">
+        <a:tint val="60000"/>
+      </a:schemeClr>
+    </dgm:linClrLst>
+    <dgm:effectClrLst/>
+    <dgm:txLinClrLst/>
+    <dgm:txFillClrLst meth="repeat">
+      <a:schemeClr val="lt1"/>
+    </dgm:txFillClrLst>
+    <dgm:txEffectClrLst/>
+  </dgm:styleLbl>
+  <dgm:styleLbl name="parChTrans2D2">
+    <dgm:fillClrLst meth="repeat">
+      <a:schemeClr val="accent1">
+        <a:tint val="90000"/>
+      </a:schemeClr>
+    </dgm:fillClrLst>
+    <dgm:linClrLst meth="repeat">
+      <a:schemeClr val="accent1">
+        <a:tint val="90000"/>
+      </a:schemeClr>
+    </dgm:linClrLst>
+    <dgm:effectClrLst/>
+    <dgm:txLinClrLst/>
+    <dgm:txFillClrLst/>
+    <dgm:txEffectClrLst/>
+  </dgm:styleLbl>
+  <dgm:styleLbl name="parChTrans2D3">
+    <dgm:fillClrLst meth="repeat">
+      <a:schemeClr val="accent1">
+        <a:tint val="70000"/>
+      </a:schemeClr>
+    </dgm:fillClrLst>
+    <dgm:linClrLst meth="repeat">
+      <a:schemeClr val="accent1">
+        <a:tint val="70000"/>
+      </a:schemeClr>
+    </dgm:linClrLst>
+    <dgm:effectClrLst/>
+    <dgm:txLinClrLst/>
+    <dgm:txFillClrLst/>
+    <dgm:txEffectClrLst/>
+  </dgm:styleLbl>
+  <dgm:styleLbl name="parChTrans2D4">
+    <dgm:fillClrLst meth="repeat">
+      <a:schemeClr val="accent1">
+        <a:tint val="50000"/>
+      </a:schemeClr>
+    </dgm:fillClrLst>
+    <dgm:linClrLst meth="repeat">
+      <a:schemeClr val="accent1">
+        <a:tint val="50000"/>
+      </a:schemeClr>
+    </dgm:linClrLst>
+    <dgm:effectClrLst/>
+    <dgm:txLinClrLst/>
+    <dgm:txFillClrLst meth="repeat">
+      <a:schemeClr val="lt1"/>
+    </dgm:txFillClrLst>
+    <dgm:txEffectClrLst/>
+  </dgm:styleLbl>
+  <dgm:styleLbl name="parChTrans1D1">
+    <dgm:fillClrLst meth="repeat">
+      <a:schemeClr val="accent1">
+        <a:shade val="80000"/>
+      </a:schemeClr>
+    </dgm:fillClrLst>
+    <dgm:linClrLst meth="repeat">
+      <a:schemeClr val="accent1">
+        <a:shade val="80000"/>
+      </a:schemeClr>
+    </dgm:linClrLst>
+    <dgm:effectClrLst/>
+    <dgm:txLinClrLst/>
+    <dgm:txFillClrLst meth="repeat">
+      <a:schemeClr val="tx1"/>
+    </dgm:txFillClrLst>
+    <dgm:txEffectClrLst/>
+  </dgm:styleLbl>
+  <dgm:styleLbl name="parChTrans1D2">
+    <dgm:fillClrLst meth="repeat">
+      <a:schemeClr val="accent1">
+        <a:tint val="99000"/>
+      </a:schemeClr>
+    </dgm:fillClrLst>
+    <dgm:linClrLst meth="repeat">
+      <a:schemeClr val="accent1">
+        <a:tint val="99000"/>
+      </a:schemeClr>
+    </dgm:linClrLst>
+    <dgm:effectClrLst/>
+    <dgm:txLinClrLst/>
+    <dgm:txFillClrLst meth="repeat">
+      <a:schemeClr val="tx1"/>
+    </dgm:txFillClrLst>
+    <dgm:txEffectClrLst/>
+  </dgm:styleLbl>
+  <dgm:styleLbl name="parChTrans1D3">
+    <dgm:fillClrLst meth="repeat">
+      <a:schemeClr val="accent1">
+        <a:tint val="80000"/>
+      </a:schemeClr>
+    </dgm:fillClrLst>
+    <dgm:linClrLst meth="repeat">
+      <a:schemeClr val="accent1">
+        <a:tint val="80000"/>
+      </a:schemeClr>
+    </dgm:linClrLst>
+    <dgm:effectClrLst/>
+    <dgm:txLinClrLst/>
+    <dgm:txFillClrLst meth="repeat">
+      <a:schemeClr val="tx1"/>
+    </dgm:txFillClrLst>
+    <dgm:txEffectClrLst/>
+  </dgm:styleLbl>
+  <dgm:styleLbl name="parChTrans1D4">
+    <dgm:fillClrLst meth="repeat">
+      <a:schemeClr val="accent1">
+        <a:tint val="70000"/>
+      </a:schemeClr>
+    </dgm:fillClrLst>
+    <dgm:linClrLst meth="repeat">
+      <a:schemeClr val="accent1">
+        <a:tint val="70000"/>
+      </a:schemeClr>
+    </dgm:linClrLst>
+    <dgm:effectClrLst/>
+    <dgm:txLinClrLst/>
+    <dgm:txFillClrLst meth="repeat">
+      <a:schemeClr val="tx1"/>
+    </dgm:txFillClrLst>
+    <dgm:txEffectClrLst/>
+  </dgm:styleLbl>
+  <dgm:styleLbl name="fgAcc1">
+    <dgm:fillClrLst meth="repeat">
+      <a:schemeClr val="lt1">
+        <a:alpha val="90000"/>
+      </a:schemeClr>
+    </dgm:fillClrLst>
+    <dgm:linClrLst>
+      <a:schemeClr val="accent1">
+        <a:shade val="80000"/>
+      </a:schemeClr>
+      <a:schemeClr val="accent1">
+        <a:tint val="70000"/>
+      </a:schemeClr>
+    </dgm:linClrLst>
+    <dgm:effectClrLst/>
+    <dgm:txLinClrLst/>
+    <dgm:txFillClrLst meth="repeat">
+      <a:schemeClr val="dk1"/>
+    </dgm:txFillClrLst>
+    <dgm:txEffectClrLst/>
+  </dgm:styleLbl>
+  <dgm:styleLbl name="conFgAcc1">
+    <dgm:fillClrLst meth="repeat">
+      <a:schemeClr val="lt1">
+        <a:alpha val="90000"/>
+      </a:schemeClr>
+    </dgm:fillClrLst>
+    <dgm:linClrLst>
+      <a:schemeClr val="accent1">
+        <a:shade val="80000"/>
+      </a:schemeClr>
+      <a:schemeClr val="accent1">
+        <a:tint val="70000"/>
+      </a:schemeClr>
+    </dgm:linClrLst>
+    <dgm:effectClrLst/>
+    <dgm:txLinClrLst/>
+    <dgm:txFillClrLst meth="repeat">
+      <a:schemeClr val="dk1"/>
+    </dgm:txFillClrLst>
+    <dgm:txEffectClrLst/>
+  </dgm:styleLbl>
+  <dgm:styleLbl name="alignAcc1">
+    <dgm:fillClrLst meth="repeat">
+      <a:schemeClr val="lt1">
+        <a:alpha val="90000"/>
+      </a:schemeClr>
+    </dgm:fillClrLst>
+    <dgm:linClrLst>
+      <a:schemeClr val="accent1">
+        <a:shade val="80000"/>
+      </a:schemeClr>
+      <a:schemeClr val="accent1">
+        <a:tint val="70000"/>
+      </a:schemeClr>
+    </dgm:linClrLst>
+    <dgm:effectClrLst/>
+    <dgm:txLinClrLst/>
+    <dgm:txFillClrLst meth="repeat">
+      <a:schemeClr val="dk1"/>
+    </dgm:txFillClrLst>
+    <dgm:txEffectClrLst/>
+  </dgm:styleLbl>
+  <dgm:styleLbl name="trAlignAcc1">
+    <dgm:fillClrLst meth="repeat">
+      <a:schemeClr val="lt1">
+        <a:alpha val="40000"/>
+      </a:schemeClr>
+    </dgm:fillClrLst>
+    <dgm:linClrLst meth="repeat">
+      <a:schemeClr val="accent1"/>
+    </dgm:linClrLst>
+    <dgm:effectClrLst/>
+    <dgm:txLinClrLst/>
+    <dgm:txFillClrLst meth="repeat">
+      <a:schemeClr val="dk1"/>
+    </dgm:txFillClrLst>
+    <dgm:txEffectClrLst/>
+  </dgm:styleLbl>
+  <dgm:styleLbl name="bgAcc1">
+    <dgm:fillClrLst meth="repeat">
+      <a:schemeClr val="lt1">
+        <a:alpha val="90000"/>
+      </a:schemeClr>
+    </dgm:fillClrLst>
+    <dgm:linClrLst>
+      <a:schemeClr val="accent1">
+        <a:shade val="80000"/>
+      </a:schemeClr>
+      <a:schemeClr val="accent1">
+        <a:tint val="70000"/>
+      </a:schemeClr>
+    </dgm:linClrLst>
+    <dgm:effectClrLst/>
+    <dgm:txLinClrLst/>
+    <dgm:txFillClrLst meth="repeat">
+      <a:schemeClr val="dk1"/>
+    </dgm:txFillClrLst>
+    <dgm:txEffectClrLst/>
+  </dgm:styleLbl>
+  <dgm:styleLbl name="solidFgAcc1">
+    <dgm:fillClrLst meth="repeat">
+      <a:schemeClr val="lt1"/>
+    </dgm:fillClrLst>
+    <dgm:linClrLst>
+      <a:schemeClr val="accent1">
+        <a:shade val="80000"/>
+      </a:schemeClr>
+      <a:schemeClr val="accent1">
+        <a:tint val="70000"/>
+      </a:schemeClr>
+    </dgm:linClrLst>
+    <dgm:effectClrLst/>
+    <dgm:txLinClrLst/>
+    <dgm:txFillClrLst meth="repeat">
+      <a:schemeClr val="dk1"/>
+    </dgm:txFillClrLst>
+    <dgm:txEffectClrLst/>
+  </dgm:styleLbl>
+  <dgm:styleLbl name="solidAlignAcc1">
+    <dgm:fillClrLst meth="repeat">
+      <a:schemeClr val="lt1"/>
+    </dgm:fillClrLst>
+    <dgm:linClrLst meth="repeat">
+      <a:schemeClr val="accent1"/>
+    </dgm:linClrLst>
+    <dgm:effectClrLst/>
+    <dgm:txLinClrLst/>
+    <dgm:txFillClrLst meth="repeat">
+      <a:schemeClr val="dk1"/>
+    </dgm:txFillClrLst>
+    <dgm:txEffectClrLst/>
+  </dgm:styleLbl>
+  <dgm:styleLbl name="solidBgAcc1">
+    <dgm:fillClrLst meth="repeat">
+      <a:schemeClr val="lt1"/>
+    </dgm:fillClrLst>
+    <dgm:linClrLst meth="repeat">
+      <a:schemeClr val="accent1"/>
+    </dgm:linClrLst>
+    <dgm:effectClrLst/>
+    <dgm:txLinClrLst/>
+    <dgm:txFillClrLst meth="repeat">
+      <a:schemeClr val="dk1"/>
+    </dgm:txFillClrLst>
+    <dgm:txEffectClrLst/>
+  </dgm:styleLbl>
+  <dgm:styleLbl name="fgAccFollowNode1">
+    <dgm:fillClrLst meth="repeat">
+      <a:schemeClr val="accent1">
+        <a:alpha val="90000"/>
+        <a:tint val="40000"/>
+      </a:schemeClr>
+    </dgm:fillClrLst>
+    <dgm:linClrLst meth="repeat">
+      <a:schemeClr val="accent1">
+        <a:alpha val="90000"/>
+        <a:tint val="40000"/>
+      </a:schemeClr>
+    </dgm:linClrLst>
+    <dgm:effectClrLst/>
+    <dgm:txLinClrLst/>
+    <dgm:txFillClrLst meth="repeat">
+      <a:schemeClr val="dk1"/>
+    </dgm:txFillClrLst>
+    <dgm:txEffectClrLst/>
+  </dgm:styleLbl>
+  <dgm:styleLbl name="alignAccFollowNode1">
+    <dgm:fillClrLst meth="repeat">
+      <a:schemeClr val="accent1">
+        <a:alpha val="90000"/>
+        <a:tint val="40000"/>
+      </a:schemeClr>
+    </dgm:fillClrLst>
+    <dgm:linClrLst meth="repeat">
+      <a:schemeClr val="accent1">
+        <a:alpha val="90000"/>
+        <a:tint val="40000"/>
+      </a:schemeClr>
+    </dgm:linClrLst>
+    <dgm:effectClrLst/>
+    <dgm:txLinClrLst/>
+    <dgm:txFillClrLst meth="repeat">
+      <a:schemeClr val="dk1"/>
+    </dgm:txFillClrLst>
+    <dgm:txEffectClrLst/>
+  </dgm:styleLbl>
+  <dgm:styleLbl name="bgAccFollowNode1">
+    <dgm:fillClrLst meth="repeat">
+      <a:schemeClr val="accent1">
+        <a:alpha val="90000"/>
+        <a:tint val="40000"/>
+      </a:schemeClr>
+    </dgm:fillClrLst>
+    <dgm:linClrLst meth="repeat">
+      <a:schemeClr val="lt1"/>
+    </dgm:linClrLst>
+    <dgm:effectClrLst/>
+    <dgm:txLinClrLst/>
+    <dgm:txFillClrLst meth="repeat">
+      <a:schemeClr val="dk1"/>
+    </dgm:txFillClrLst>
+    <dgm:txEffectClrLst/>
+  </dgm:styleLbl>
+  <dgm:styleLbl name="fgAcc0">
+    <dgm:fillClrLst meth="repeat">
+      <a:schemeClr val="lt1">
+        <a:alpha val="90000"/>
+      </a:schemeClr>
+    </dgm:fillClrLst>
+    <dgm:linClrLst meth="repeat">
+      <a:schemeClr val="accent1">
+        <a:shade val="80000"/>
+      </a:schemeClr>
+    </dgm:linClrLst>
+    <dgm:effectClrLst/>
+    <dgm:txLinClrLst/>
+    <dgm:txFillClrLst meth="repeat">
+      <a:schemeClr val="dk1"/>
+    </dgm:txFillClrLst>
+    <dgm:txEffectClrLst/>
+  </dgm:styleLbl>
+  <dgm:styleLbl name="fgAcc2">
+    <dgm:fillClrLst meth="repeat">
+      <a:schemeClr val="lt1">
+        <a:alpha val="90000"/>
+      </a:schemeClr>
+    </dgm:fillClrLst>
+    <dgm:linClrLst meth="repeat">
+      <a:schemeClr val="accent1">
+        <a:tint val="99000"/>
+      </a:schemeClr>
+    </dgm:linClrLst>
+    <dgm:effectClrLst/>
+    <dgm:txLinClrLst/>
+    <dgm:txFillClrLst meth="repeat">
+      <a:schemeClr val="dk1"/>
+    </dgm:txFillClrLst>
+    <dgm:txEffectClrLst/>
+  </dgm:styleLbl>
+  <dgm:styleLbl name="fgAcc3">
+    <dgm:fillClrLst meth="repeat">
+      <a:schemeClr val="lt1">
+        <a:alpha val="90000"/>
+      </a:schemeClr>
+    </dgm:fillClrLst>
+    <dgm:linClrLst meth="repeat">
+      <a:schemeClr val="accent1">
+        <a:tint val="80000"/>
+      </a:schemeClr>
+    </dgm:linClrLst>
+    <dgm:effectClrLst/>
+    <dgm:txLinClrLst/>
+    <dgm:txFillClrLst meth="repeat">
+      <a:schemeClr val="dk1"/>
+    </dgm:txFillClrLst>
+    <dgm:txEffectClrLst/>
+  </dgm:styleLbl>
+  <dgm:styleLbl name="fgAcc4">
+    <dgm:fillClrLst meth="repeat">
+      <a:schemeClr val="lt1">
+        <a:alpha val="90000"/>
+      </a:schemeClr>
+    </dgm:fillClrLst>
+    <dgm:linClrLst meth="repeat">
+      <a:schemeClr val="accent1">
+        <a:tint val="70000"/>
+      </a:schemeClr>
+    </dgm:linClrLst>
+    <dgm:effectClrLst/>
+    <dgm:txLinClrLst/>
+    <dgm:txFillClrLst meth="repeat">
+      <a:schemeClr val="dk1"/>
+    </dgm:txFillClrLst>
+    <dgm:txEffectClrLst/>
+  </dgm:styleLbl>
+  <dgm:styleLbl name="bgShp">
+    <dgm:fillClrLst meth="repeat">
+      <a:schemeClr val="accent1">
+        <a:tint val="40000"/>
+      </a:schemeClr>
+    </dgm:fillClrLst>
+    <dgm:linClrLst meth="repeat">
+      <a:schemeClr val="dk1"/>
+    </dgm:linClrLst>
+    <dgm:effectClrLst/>
+    <dgm:txLinClrLst/>
+    <dgm:txFillClrLst meth="repeat">
+      <a:schemeClr val="dk1"/>
+    </dgm:txFillClrLst>
+    <dgm:txEffectClrLst/>
+  </dgm:styleLbl>
+  <dgm:styleLbl name="dkBgShp">
+    <dgm:fillClrLst meth="repeat">
+      <a:schemeClr val="accent1">
+        <a:shade val="90000"/>
+      </a:schemeClr>
+    </dgm:fillClrLst>
+    <dgm:linClrLst meth="repeat">
+      <a:schemeClr val="dk1"/>
+    </dgm:linClrLst>
+    <dgm:effectClrLst/>
+    <dgm:txLinClrLst/>
+    <dgm:txFillClrLst meth="repeat">
+      <a:schemeClr val="lt1"/>
+    </dgm:txFillClrLst>
+    <dgm:txEffectClrLst/>
+  </dgm:styleLbl>
+  <dgm:styleLbl name="trBgShp">
+    <dgm:fillClrLst meth="repeat">
+      <a:schemeClr val="accent1">
+        <a:tint val="50000"/>
+        <a:alpha val="40000"/>
+      </a:schemeClr>
+    </dgm:fillClrLst>
+    <dgm:linClrLst meth="repeat">
+      <a:schemeClr val="accent1"/>
+    </dgm:linClrLst>
+    <dgm:effectClrLst/>
+    <dgm:txLinClrLst/>
+    <dgm:txFillClrLst meth="repeat">
+      <a:schemeClr val="lt1"/>
+    </dgm:txFillClrLst>
+    <dgm:txEffectClrLst/>
+  </dgm:styleLbl>
+  <dgm:styleLbl name="fgShp">
+    <dgm:fillClrLst meth="repeat">
+      <a:schemeClr val="accent1">
+        <a:tint val="40000"/>
+      </a:schemeClr>
+    </dgm:fillClrLst>
+    <dgm:linClrLst meth="repeat">
+      <a:schemeClr val="lt1"/>
+    </dgm:linClrLst>
+    <dgm:effectClrLst/>
+    <dgm:txLinClrLst/>
+    <dgm:txFillClrLst meth="repeat">
+      <a:schemeClr val="dk1"/>
+    </dgm:txFillClrLst>
+    <dgm:txEffectClrLst/>
+  </dgm:styleLbl>
+  <dgm:styleLbl name="revTx">
+    <dgm:fillClrLst meth="repeat">
+      <a:schemeClr val="lt1">
+        <a:alpha val="0"/>
+      </a:schemeClr>
+    </dgm:fillClrLst>
+    <dgm:linClrLst meth="repeat">
+      <a:schemeClr val="dk1">
+        <a:alpha val="0"/>
+      </a:schemeClr>
+    </dgm:linClrLst>
+    <dgm:effectClrLst/>
+    <dgm:txLinClrLst/>
+    <dgm:txFillClrLst meth="repeat">
+      <a:schemeClr val="tx1"/>
+    </dgm:txFillClrLst>
+    <dgm:txEffectClrLst/>
+  </dgm:styleLbl>
+</dgm:colorsDef>
+</file>
+
+<file path=ppt/diagrams/data1.xml><?xml version="1.0" encoding="utf-8"?>
+<dgm:dataModel xmlns:dgm="http://schemas.openxmlformats.org/drawingml/2006/diagram" xmlns:a="http://schemas.openxmlformats.org/drawingml/2006/main">
+  <dgm:ptLst>
+    <dgm:pt modelId="{05737378-F74C-4E24-9EC2-0D2BB5758FB1}" type="doc">
+      <dgm:prSet loTypeId="urn:microsoft.com/office/officeart/2005/8/layout/default" loCatId="Inbox" qsTypeId="urn:microsoft.com/office/officeart/2005/8/quickstyle/simple2" qsCatId="simple" csTypeId="urn:microsoft.com/office/officeart/2005/8/colors/accent1_3" csCatId="accent1"/>
+      <dgm:spPr/>
+      <dgm:t>
+        <a:bodyPr/>
+        <a:lstStyle/>
+        <a:p>
+          <a:endParaRPr lang="en-US"/>
+        </a:p>
+      </dgm:t>
+    </dgm:pt>
+    <dgm:pt modelId="{CA08021B-585B-46E7-BA1F-5420E56DFF26}">
+      <dgm:prSet/>
+      <dgm:spPr/>
+      <dgm:t>
+        <a:bodyPr/>
+        <a:lstStyle/>
+        <a:p>
+          <a:r>
+            <a:rPr lang="en-US"/>
+            <a:t>Signup</a:t>
+          </a:r>
+        </a:p>
+      </dgm:t>
+    </dgm:pt>
+    <dgm:pt modelId="{C3858590-1432-4944-89FA-CB68A3AE18A5}" type="parTrans" cxnId="{5C69498A-C0CF-4B1C-8B83-AB4936C606E8}">
+      <dgm:prSet/>
+      <dgm:spPr/>
+      <dgm:t>
+        <a:bodyPr/>
+        <a:lstStyle/>
+        <a:p>
+          <a:endParaRPr lang="en-US"/>
+        </a:p>
+      </dgm:t>
+    </dgm:pt>
+    <dgm:pt modelId="{3AE963F2-851B-4C54-8100-1077DEBC4009}" type="sibTrans" cxnId="{5C69498A-C0CF-4B1C-8B83-AB4936C606E8}">
+      <dgm:prSet/>
+      <dgm:spPr/>
+      <dgm:t>
+        <a:bodyPr/>
+        <a:lstStyle/>
+        <a:p>
+          <a:endParaRPr lang="en-US"/>
+        </a:p>
+      </dgm:t>
+    </dgm:pt>
+    <dgm:pt modelId="{DF64254A-9EBD-4EFC-9802-521BFBFB7109}">
+      <dgm:prSet/>
+      <dgm:spPr/>
+      <dgm:t>
+        <a:bodyPr/>
+        <a:lstStyle/>
+        <a:p>
+          <a:r>
+            <a:rPr lang="en-US"/>
+            <a:t>login </a:t>
+          </a:r>
+        </a:p>
+      </dgm:t>
+    </dgm:pt>
+    <dgm:pt modelId="{392C3C0E-C17E-4820-B9FD-69B100A6C062}" type="parTrans" cxnId="{83C7D896-DA89-4D78-8869-A1959AA3B220}">
+      <dgm:prSet/>
+      <dgm:spPr/>
+      <dgm:t>
+        <a:bodyPr/>
+        <a:lstStyle/>
+        <a:p>
+          <a:endParaRPr lang="en-US"/>
+        </a:p>
+      </dgm:t>
+    </dgm:pt>
+    <dgm:pt modelId="{E3181219-D854-4321-94E5-2C4540E74E9F}" type="sibTrans" cxnId="{83C7D896-DA89-4D78-8869-A1959AA3B220}">
+      <dgm:prSet/>
+      <dgm:spPr/>
+      <dgm:t>
+        <a:bodyPr/>
+        <a:lstStyle/>
+        <a:p>
+          <a:endParaRPr lang="en-US"/>
+        </a:p>
+      </dgm:t>
+    </dgm:pt>
+    <dgm:pt modelId="{93FF2072-4925-412F-B5EF-CEF7128B76E3}">
+      <dgm:prSet/>
+      <dgm:spPr/>
+      <dgm:t>
+        <a:bodyPr/>
+        <a:lstStyle/>
+        <a:p>
+          <a:r>
+            <a:rPr lang="en-US"/>
+            <a:t>Skip</a:t>
+          </a:r>
+        </a:p>
+      </dgm:t>
+    </dgm:pt>
+    <dgm:pt modelId="{788A7467-1AA9-4A64-B7DD-F71092FECF52}" type="parTrans" cxnId="{A44AC37C-A6C0-40FD-848D-F560872F35CB}">
+      <dgm:prSet/>
+      <dgm:spPr/>
+      <dgm:t>
+        <a:bodyPr/>
+        <a:lstStyle/>
+        <a:p>
+          <a:endParaRPr lang="en-US"/>
+        </a:p>
+      </dgm:t>
+    </dgm:pt>
+    <dgm:pt modelId="{A20F0525-71D9-473D-9413-0B9A01E37F5E}" type="sibTrans" cxnId="{A44AC37C-A6C0-40FD-848D-F560872F35CB}">
+      <dgm:prSet/>
+      <dgm:spPr/>
+      <dgm:t>
+        <a:bodyPr/>
+        <a:lstStyle/>
+        <a:p>
+          <a:endParaRPr lang="en-US"/>
+        </a:p>
+      </dgm:t>
+    </dgm:pt>
+    <dgm:pt modelId="{EC304DEE-ECC8-4115-AC0C-7FAE380EE5DC}">
+      <dgm:prSet/>
+      <dgm:spPr/>
+      <dgm:t>
+        <a:bodyPr/>
+        <a:lstStyle/>
+        <a:p>
+          <a:r>
+            <a:rPr lang="en-US"/>
+            <a:t>List of dish (home page for all users)</a:t>
+          </a:r>
+        </a:p>
+      </dgm:t>
+    </dgm:pt>
+    <dgm:pt modelId="{32ED1675-E964-4124-A5F9-87012E54751F}" type="parTrans" cxnId="{58A1DB5A-EBB6-4C4E-8A19-4709FF509CD9}">
+      <dgm:prSet/>
+      <dgm:spPr/>
+      <dgm:t>
+        <a:bodyPr/>
+        <a:lstStyle/>
+        <a:p>
+          <a:endParaRPr lang="en-US"/>
+        </a:p>
+      </dgm:t>
+    </dgm:pt>
+    <dgm:pt modelId="{76D59B59-E733-4A24-B6FD-96DD6E6B0254}" type="sibTrans" cxnId="{58A1DB5A-EBB6-4C4E-8A19-4709FF509CD9}">
+      <dgm:prSet/>
+      <dgm:spPr/>
+      <dgm:t>
+        <a:bodyPr/>
+        <a:lstStyle/>
+        <a:p>
+          <a:endParaRPr lang="en-US"/>
+        </a:p>
+      </dgm:t>
+    </dgm:pt>
+    <dgm:pt modelId="{EAB44E80-EB98-4FB7-B58D-9054D1F44343}">
+      <dgm:prSet/>
+      <dgm:spPr/>
+      <dgm:t>
+        <a:bodyPr/>
+        <a:lstStyle/>
+        <a:p>
+          <a:r>
+            <a:rPr lang="en-US"/>
+            <a:t>Profile page </a:t>
+          </a:r>
+        </a:p>
+      </dgm:t>
+    </dgm:pt>
+    <dgm:pt modelId="{1AD31A3F-A9DF-4B29-A02B-660D5D646C0F}" type="parTrans" cxnId="{12B57F1A-7AAC-4763-B00C-DEFB40CF4EF5}">
+      <dgm:prSet/>
+      <dgm:spPr/>
+      <dgm:t>
+        <a:bodyPr/>
+        <a:lstStyle/>
+        <a:p>
+          <a:endParaRPr lang="en-US"/>
+        </a:p>
+      </dgm:t>
+    </dgm:pt>
+    <dgm:pt modelId="{E6FECD94-72AC-4865-AC62-6FCC3C529198}" type="sibTrans" cxnId="{12B57F1A-7AAC-4763-B00C-DEFB40CF4EF5}">
+      <dgm:prSet/>
+      <dgm:spPr/>
+      <dgm:t>
+        <a:bodyPr/>
+        <a:lstStyle/>
+        <a:p>
+          <a:endParaRPr lang="en-US"/>
+        </a:p>
+      </dgm:t>
+    </dgm:pt>
+    <dgm:pt modelId="{833137B7-273E-4CB6-8381-2C2F2ACF41A9}">
+      <dgm:prSet/>
+      <dgm:spPr/>
+      <dgm:t>
+        <a:bodyPr/>
+        <a:lstStyle/>
+        <a:p>
+          <a:r>
+            <a:rPr lang="en-US"/>
+            <a:t>Settings page </a:t>
+          </a:r>
+        </a:p>
+      </dgm:t>
+    </dgm:pt>
+    <dgm:pt modelId="{C85722CF-114F-4466-82C8-7058DC435DD6}" type="parTrans" cxnId="{605E9C4D-8446-4E80-BAC0-C2D3D0AFDFE5}">
+      <dgm:prSet/>
+      <dgm:spPr/>
+      <dgm:t>
+        <a:bodyPr/>
+        <a:lstStyle/>
+        <a:p>
+          <a:endParaRPr lang="en-US"/>
+        </a:p>
+      </dgm:t>
+    </dgm:pt>
+    <dgm:pt modelId="{2CB78FF2-AAAD-4541-81AE-E58D28D208BA}" type="sibTrans" cxnId="{605E9C4D-8446-4E80-BAC0-C2D3D0AFDFE5}">
+      <dgm:prSet/>
+      <dgm:spPr/>
+      <dgm:t>
+        <a:bodyPr/>
+        <a:lstStyle/>
+        <a:p>
+          <a:endParaRPr lang="en-US"/>
+        </a:p>
+      </dgm:t>
+    </dgm:pt>
+    <dgm:pt modelId="{BE9C5062-E235-4175-A274-94C994B2BBD2}">
+      <dgm:prSet/>
+      <dgm:spPr/>
+      <dgm:t>
+        <a:bodyPr/>
+        <a:lstStyle/>
+        <a:p>
+          <a:r>
+            <a:rPr lang="en-US"/>
+            <a:t>Add new dish </a:t>
+          </a:r>
+        </a:p>
+      </dgm:t>
+    </dgm:pt>
+    <dgm:pt modelId="{9AD3C363-D4CB-4F02-80AD-A19E42C0CFA4}" type="parTrans" cxnId="{631E0B0C-32CD-4BA6-B298-C74890F8D470}">
+      <dgm:prSet/>
+      <dgm:spPr/>
+      <dgm:t>
+        <a:bodyPr/>
+        <a:lstStyle/>
+        <a:p>
+          <a:endParaRPr lang="en-US"/>
+        </a:p>
+      </dgm:t>
+    </dgm:pt>
+    <dgm:pt modelId="{10BB8CC6-3A31-48FF-BCD5-DC47BE72146B}" type="sibTrans" cxnId="{631E0B0C-32CD-4BA6-B298-C74890F8D470}">
+      <dgm:prSet/>
+      <dgm:spPr/>
+      <dgm:t>
+        <a:bodyPr/>
+        <a:lstStyle/>
+        <a:p>
+          <a:endParaRPr lang="en-US"/>
+        </a:p>
+      </dgm:t>
+    </dgm:pt>
+    <dgm:pt modelId="{74DC694E-3D09-4A3E-AA06-0F436465B8DD}" type="pres">
+      <dgm:prSet presAssocID="{05737378-F74C-4E24-9EC2-0D2BB5758FB1}" presName="diagram" presStyleCnt="0">
+        <dgm:presLayoutVars>
+          <dgm:dir/>
+          <dgm:resizeHandles val="exact"/>
+        </dgm:presLayoutVars>
+      </dgm:prSet>
+      <dgm:spPr/>
+    </dgm:pt>
+    <dgm:pt modelId="{2CAB0F38-E292-4E90-B35F-6EB8A903C9CB}" type="pres">
+      <dgm:prSet presAssocID="{CA08021B-585B-46E7-BA1F-5420E56DFF26}" presName="node" presStyleLbl="node1" presStyleIdx="0" presStyleCnt="7">
+        <dgm:presLayoutVars>
+          <dgm:bulletEnabled val="1"/>
+        </dgm:presLayoutVars>
+      </dgm:prSet>
+      <dgm:spPr/>
+    </dgm:pt>
+    <dgm:pt modelId="{63441EE2-73B0-4816-B767-6FDF68D8E957}" type="pres">
+      <dgm:prSet presAssocID="{3AE963F2-851B-4C54-8100-1077DEBC4009}" presName="sibTrans" presStyleCnt="0"/>
+      <dgm:spPr/>
+    </dgm:pt>
+    <dgm:pt modelId="{35CD2B37-F779-4962-82A3-DEC6CC6C87F5}" type="pres">
+      <dgm:prSet presAssocID="{DF64254A-9EBD-4EFC-9802-521BFBFB7109}" presName="node" presStyleLbl="node1" presStyleIdx="1" presStyleCnt="7">
+        <dgm:presLayoutVars>
+          <dgm:bulletEnabled val="1"/>
+        </dgm:presLayoutVars>
+      </dgm:prSet>
+      <dgm:spPr/>
+    </dgm:pt>
+    <dgm:pt modelId="{875024A1-D88A-450E-9C62-4A6E444B67E8}" type="pres">
+      <dgm:prSet presAssocID="{E3181219-D854-4321-94E5-2C4540E74E9F}" presName="sibTrans" presStyleCnt="0"/>
+      <dgm:spPr/>
+    </dgm:pt>
+    <dgm:pt modelId="{071F557A-7AF5-4245-8C6A-20AC9955B137}" type="pres">
+      <dgm:prSet presAssocID="{93FF2072-4925-412F-B5EF-CEF7128B76E3}" presName="node" presStyleLbl="node1" presStyleIdx="2" presStyleCnt="7">
+        <dgm:presLayoutVars>
+          <dgm:bulletEnabled val="1"/>
+        </dgm:presLayoutVars>
+      </dgm:prSet>
+      <dgm:spPr/>
+    </dgm:pt>
+    <dgm:pt modelId="{72DA49D2-15E3-4818-A7F5-8D609BB2B4EE}" type="pres">
+      <dgm:prSet presAssocID="{A20F0525-71D9-473D-9413-0B9A01E37F5E}" presName="sibTrans" presStyleCnt="0"/>
+      <dgm:spPr/>
+    </dgm:pt>
+    <dgm:pt modelId="{556F3AFB-5CAC-40F2-BD2F-7BCE935EBF20}" type="pres">
+      <dgm:prSet presAssocID="{EC304DEE-ECC8-4115-AC0C-7FAE380EE5DC}" presName="node" presStyleLbl="node1" presStyleIdx="3" presStyleCnt="7">
+        <dgm:presLayoutVars>
+          <dgm:bulletEnabled val="1"/>
+        </dgm:presLayoutVars>
+      </dgm:prSet>
+      <dgm:spPr/>
+    </dgm:pt>
+    <dgm:pt modelId="{8E181051-9221-4B36-8761-DBFE5D1CC42D}" type="pres">
+      <dgm:prSet presAssocID="{76D59B59-E733-4A24-B6FD-96DD6E6B0254}" presName="sibTrans" presStyleCnt="0"/>
+      <dgm:spPr/>
+    </dgm:pt>
+    <dgm:pt modelId="{46E7CDFA-621F-40A9-A72F-13159B4965BE}" type="pres">
+      <dgm:prSet presAssocID="{EAB44E80-EB98-4FB7-B58D-9054D1F44343}" presName="node" presStyleLbl="node1" presStyleIdx="4" presStyleCnt="7">
+        <dgm:presLayoutVars>
+          <dgm:bulletEnabled val="1"/>
+        </dgm:presLayoutVars>
+      </dgm:prSet>
+      <dgm:spPr/>
+    </dgm:pt>
+    <dgm:pt modelId="{9309253B-4A3F-413D-A3B8-AE6FBE19481F}" type="pres">
+      <dgm:prSet presAssocID="{E6FECD94-72AC-4865-AC62-6FCC3C529198}" presName="sibTrans" presStyleCnt="0"/>
+      <dgm:spPr/>
+    </dgm:pt>
+    <dgm:pt modelId="{87505D9B-FB99-4C9F-A1CB-5FFBDDBFE589}" type="pres">
+      <dgm:prSet presAssocID="{833137B7-273E-4CB6-8381-2C2F2ACF41A9}" presName="node" presStyleLbl="node1" presStyleIdx="5" presStyleCnt="7">
+        <dgm:presLayoutVars>
+          <dgm:bulletEnabled val="1"/>
+        </dgm:presLayoutVars>
+      </dgm:prSet>
+      <dgm:spPr/>
+    </dgm:pt>
+    <dgm:pt modelId="{5F06CE04-DBE2-493A-A3A7-CB2280886FCD}" type="pres">
+      <dgm:prSet presAssocID="{2CB78FF2-AAAD-4541-81AE-E58D28D208BA}" presName="sibTrans" presStyleCnt="0"/>
+      <dgm:spPr/>
+    </dgm:pt>
+    <dgm:pt modelId="{E875863E-5C66-47F5-9A02-8D09F1459740}" type="pres">
+      <dgm:prSet presAssocID="{BE9C5062-E235-4175-A274-94C994B2BBD2}" presName="node" presStyleLbl="node1" presStyleIdx="6" presStyleCnt="7">
+        <dgm:presLayoutVars>
+          <dgm:bulletEnabled val="1"/>
+        </dgm:presLayoutVars>
+      </dgm:prSet>
+      <dgm:spPr/>
+    </dgm:pt>
+  </dgm:ptLst>
+  <dgm:cxnLst>
+    <dgm:cxn modelId="{631E0B0C-32CD-4BA6-B298-C74890F8D470}" srcId="{05737378-F74C-4E24-9EC2-0D2BB5758FB1}" destId="{BE9C5062-E235-4175-A274-94C994B2BBD2}" srcOrd="6" destOrd="0" parTransId="{9AD3C363-D4CB-4F02-80AD-A19E42C0CFA4}" sibTransId="{10BB8CC6-3A31-48FF-BCD5-DC47BE72146B}"/>
+    <dgm:cxn modelId="{12B57F1A-7AAC-4763-B00C-DEFB40CF4EF5}" srcId="{05737378-F74C-4E24-9EC2-0D2BB5758FB1}" destId="{EAB44E80-EB98-4FB7-B58D-9054D1F44343}" srcOrd="4" destOrd="0" parTransId="{1AD31A3F-A9DF-4B29-A02B-660D5D646C0F}" sibTransId="{E6FECD94-72AC-4865-AC62-6FCC3C529198}"/>
+    <dgm:cxn modelId="{CEACC82D-DB64-4938-9351-7B5AC828A031}" type="presOf" srcId="{833137B7-273E-4CB6-8381-2C2F2ACF41A9}" destId="{87505D9B-FB99-4C9F-A1CB-5FFBDDBFE589}" srcOrd="0" destOrd="0" presId="urn:microsoft.com/office/officeart/2005/8/layout/default"/>
+    <dgm:cxn modelId="{2FD89F2E-6323-47C1-A288-BF6C85565E3A}" type="presOf" srcId="{CA08021B-585B-46E7-BA1F-5420E56DFF26}" destId="{2CAB0F38-E292-4E90-B35F-6EB8A903C9CB}" srcOrd="0" destOrd="0" presId="urn:microsoft.com/office/officeart/2005/8/layout/default"/>
+    <dgm:cxn modelId="{0399C53C-6814-4E54-8A1D-59202A7B6098}" type="presOf" srcId="{BE9C5062-E235-4175-A274-94C994B2BBD2}" destId="{E875863E-5C66-47F5-9A02-8D09F1459740}" srcOrd="0" destOrd="0" presId="urn:microsoft.com/office/officeart/2005/8/layout/default"/>
+    <dgm:cxn modelId="{1C189D45-A246-4B35-9B1C-5230D6F5E2C5}" type="presOf" srcId="{EAB44E80-EB98-4FB7-B58D-9054D1F44343}" destId="{46E7CDFA-621F-40A9-A72F-13159B4965BE}" srcOrd="0" destOrd="0" presId="urn:microsoft.com/office/officeart/2005/8/layout/default"/>
+    <dgm:cxn modelId="{605E9C4D-8446-4E80-BAC0-C2D3D0AFDFE5}" srcId="{05737378-F74C-4E24-9EC2-0D2BB5758FB1}" destId="{833137B7-273E-4CB6-8381-2C2F2ACF41A9}" srcOrd="5" destOrd="0" parTransId="{C85722CF-114F-4466-82C8-7058DC435DD6}" sibTransId="{2CB78FF2-AAAD-4541-81AE-E58D28D208BA}"/>
+    <dgm:cxn modelId="{6EB64C4E-1006-460D-A24E-D8E4963FBDE2}" type="presOf" srcId="{DF64254A-9EBD-4EFC-9802-521BFBFB7109}" destId="{35CD2B37-F779-4962-82A3-DEC6CC6C87F5}" srcOrd="0" destOrd="0" presId="urn:microsoft.com/office/officeart/2005/8/layout/default"/>
+    <dgm:cxn modelId="{58A1DB5A-EBB6-4C4E-8A19-4709FF509CD9}" srcId="{05737378-F74C-4E24-9EC2-0D2BB5758FB1}" destId="{EC304DEE-ECC8-4115-AC0C-7FAE380EE5DC}" srcOrd="3" destOrd="0" parTransId="{32ED1675-E964-4124-A5F9-87012E54751F}" sibTransId="{76D59B59-E733-4A24-B6FD-96DD6E6B0254}"/>
+    <dgm:cxn modelId="{A44AC37C-A6C0-40FD-848D-F560872F35CB}" srcId="{05737378-F74C-4E24-9EC2-0D2BB5758FB1}" destId="{93FF2072-4925-412F-B5EF-CEF7128B76E3}" srcOrd="2" destOrd="0" parTransId="{788A7467-1AA9-4A64-B7DD-F71092FECF52}" sibTransId="{A20F0525-71D9-473D-9413-0B9A01E37F5E}"/>
+    <dgm:cxn modelId="{5C69498A-C0CF-4B1C-8B83-AB4936C606E8}" srcId="{05737378-F74C-4E24-9EC2-0D2BB5758FB1}" destId="{CA08021B-585B-46E7-BA1F-5420E56DFF26}" srcOrd="0" destOrd="0" parTransId="{C3858590-1432-4944-89FA-CB68A3AE18A5}" sibTransId="{3AE963F2-851B-4C54-8100-1077DEBC4009}"/>
+    <dgm:cxn modelId="{83C7D896-DA89-4D78-8869-A1959AA3B220}" srcId="{05737378-F74C-4E24-9EC2-0D2BB5758FB1}" destId="{DF64254A-9EBD-4EFC-9802-521BFBFB7109}" srcOrd="1" destOrd="0" parTransId="{392C3C0E-C17E-4820-B9FD-69B100A6C062}" sibTransId="{E3181219-D854-4321-94E5-2C4540E74E9F}"/>
+    <dgm:cxn modelId="{43349697-EC21-4CAD-B1F7-8BC34652A224}" type="presOf" srcId="{05737378-F74C-4E24-9EC2-0D2BB5758FB1}" destId="{74DC694E-3D09-4A3E-AA06-0F436465B8DD}" srcOrd="0" destOrd="0" presId="urn:microsoft.com/office/officeart/2005/8/layout/default"/>
+    <dgm:cxn modelId="{4399BBC2-44DF-4F09-B368-B98BE89C9832}" type="presOf" srcId="{EC304DEE-ECC8-4115-AC0C-7FAE380EE5DC}" destId="{556F3AFB-5CAC-40F2-BD2F-7BCE935EBF20}" srcOrd="0" destOrd="0" presId="urn:microsoft.com/office/officeart/2005/8/layout/default"/>
+    <dgm:cxn modelId="{CBBD9FDB-C440-4C27-8BA1-44A1CEF84AEB}" type="presOf" srcId="{93FF2072-4925-412F-B5EF-CEF7128B76E3}" destId="{071F557A-7AF5-4245-8C6A-20AC9955B137}" srcOrd="0" destOrd="0" presId="urn:microsoft.com/office/officeart/2005/8/layout/default"/>
+    <dgm:cxn modelId="{DE2CC34A-01CB-424A-A21E-CA3E8BB53EF0}" type="presParOf" srcId="{74DC694E-3D09-4A3E-AA06-0F436465B8DD}" destId="{2CAB0F38-E292-4E90-B35F-6EB8A903C9CB}" srcOrd="0" destOrd="0" presId="urn:microsoft.com/office/officeart/2005/8/layout/default"/>
+    <dgm:cxn modelId="{0764B002-8DDF-4CC0-B1C8-05B0AC4B6816}" type="presParOf" srcId="{74DC694E-3D09-4A3E-AA06-0F436465B8DD}" destId="{63441EE2-73B0-4816-B767-6FDF68D8E957}" srcOrd="1" destOrd="0" presId="urn:microsoft.com/office/officeart/2005/8/layout/default"/>
+    <dgm:cxn modelId="{94D04591-D1D0-4E98-AF89-666DEAF86190}" type="presParOf" srcId="{74DC694E-3D09-4A3E-AA06-0F436465B8DD}" destId="{35CD2B37-F779-4962-82A3-DEC6CC6C87F5}" srcOrd="2" destOrd="0" presId="urn:microsoft.com/office/officeart/2005/8/layout/default"/>
+    <dgm:cxn modelId="{CF18C84B-2DC2-418C-B17E-5FE5E35BA09E}" type="presParOf" srcId="{74DC694E-3D09-4A3E-AA06-0F436465B8DD}" destId="{875024A1-D88A-450E-9C62-4A6E444B67E8}" srcOrd="3" destOrd="0" presId="urn:microsoft.com/office/officeart/2005/8/layout/default"/>
+    <dgm:cxn modelId="{E093C987-1B78-49C6-BEFB-954D6A5F0B86}" type="presParOf" srcId="{74DC694E-3D09-4A3E-AA06-0F436465B8DD}" destId="{071F557A-7AF5-4245-8C6A-20AC9955B137}" srcOrd="4" destOrd="0" presId="urn:microsoft.com/office/officeart/2005/8/layout/default"/>
+    <dgm:cxn modelId="{D2293D22-6703-4473-821A-3D0A34A2B636}" type="presParOf" srcId="{74DC694E-3D09-4A3E-AA06-0F436465B8DD}" destId="{72DA49D2-15E3-4818-A7F5-8D609BB2B4EE}" srcOrd="5" destOrd="0" presId="urn:microsoft.com/office/officeart/2005/8/layout/default"/>
+    <dgm:cxn modelId="{5D9E58CA-469C-4DFC-92FA-E6257A755320}" type="presParOf" srcId="{74DC694E-3D09-4A3E-AA06-0F436465B8DD}" destId="{556F3AFB-5CAC-40F2-BD2F-7BCE935EBF20}" srcOrd="6" destOrd="0" presId="urn:microsoft.com/office/officeart/2005/8/layout/default"/>
+    <dgm:cxn modelId="{E9724286-83A5-4026-96D4-4AE871CF2961}" type="presParOf" srcId="{74DC694E-3D09-4A3E-AA06-0F436465B8DD}" destId="{8E181051-9221-4B36-8761-DBFE5D1CC42D}" srcOrd="7" destOrd="0" presId="urn:microsoft.com/office/officeart/2005/8/layout/default"/>
+    <dgm:cxn modelId="{10E84176-EF55-4311-9DBE-FEC9C5526F81}" type="presParOf" srcId="{74DC694E-3D09-4A3E-AA06-0F436465B8DD}" destId="{46E7CDFA-621F-40A9-A72F-13159B4965BE}" srcOrd="8" destOrd="0" presId="urn:microsoft.com/office/officeart/2005/8/layout/default"/>
+    <dgm:cxn modelId="{3F5134AA-2150-4D00-825A-D705CA618E86}" type="presParOf" srcId="{74DC694E-3D09-4A3E-AA06-0F436465B8DD}" destId="{9309253B-4A3F-413D-A3B8-AE6FBE19481F}" srcOrd="9" destOrd="0" presId="urn:microsoft.com/office/officeart/2005/8/layout/default"/>
+    <dgm:cxn modelId="{BA1011F5-9B59-46A1-8B38-FB4AA3C074D9}" type="presParOf" srcId="{74DC694E-3D09-4A3E-AA06-0F436465B8DD}" destId="{87505D9B-FB99-4C9F-A1CB-5FFBDDBFE589}" srcOrd="10" destOrd="0" presId="urn:microsoft.com/office/officeart/2005/8/layout/default"/>
+    <dgm:cxn modelId="{8A1759C3-1279-4192-A17F-230BA036A445}" type="presParOf" srcId="{74DC694E-3D09-4A3E-AA06-0F436465B8DD}" destId="{5F06CE04-DBE2-493A-A3A7-CB2280886FCD}" srcOrd="11" destOrd="0" presId="urn:microsoft.com/office/officeart/2005/8/layout/default"/>
+    <dgm:cxn modelId="{AAB8826F-981D-49F9-803A-22DF3D5F446A}" type="presParOf" srcId="{74DC694E-3D09-4A3E-AA06-0F436465B8DD}" destId="{E875863E-5C66-47F5-9A02-8D09F1459740}" srcOrd="12" destOrd="0" presId="urn:microsoft.com/office/officeart/2005/8/layout/default"/>
+  </dgm:cxnLst>
+  <dgm:bg/>
+  <dgm:whole/>
+  <dgm:extLst>
+    <a:ext uri="http://schemas.microsoft.com/office/drawing/2008/diagram">
+      <dsp:dataModelExt xmlns:dsp="http://schemas.microsoft.com/office/drawing/2008/diagram" relId="rId6" minVer="http://schemas.openxmlformats.org/drawingml/2006/diagram"/>
+    </a:ext>
+  </dgm:extLst>
+</dgm:dataModel>
+</file>
+
+<file path=ppt/diagrams/drawing1.xml><?xml version="1.0" encoding="utf-8"?>
+<dsp:drawing xmlns:dgm="http://schemas.openxmlformats.org/drawingml/2006/diagram" xmlns:dsp="http://schemas.microsoft.com/office/drawing/2008/diagram" xmlns:a="http://schemas.openxmlformats.org/drawingml/2006/main">
+  <dsp:spTree>
+    <dsp:nvGrpSpPr>
+      <dsp:cNvPr id="0" name=""/>
+      <dsp:cNvGrpSpPr/>
+    </dsp:nvGrpSpPr>
+    <dsp:grpSpPr/>
+    <dsp:sp modelId="{2CAB0F38-E292-4E90-B35F-6EB8A903C9CB}">
+      <dsp:nvSpPr>
+        <dsp:cNvPr id="0" name=""/>
+        <dsp:cNvSpPr/>
+      </dsp:nvSpPr>
+      <dsp:spPr>
+        <a:xfrm>
+          <a:off x="2982" y="259257"/>
+          <a:ext cx="2365833" cy="1419500"/>
+        </a:xfrm>
+        <a:prstGeom prst="rect">
+          <a:avLst/>
+        </a:prstGeom>
+        <a:solidFill>
+          <a:schemeClr val="accent1">
+            <a:shade val="80000"/>
+            <a:hueOff val="0"/>
+            <a:satOff val="0"/>
+            <a:lumOff val="0"/>
+            <a:alphaOff val="0"/>
+          </a:schemeClr>
+        </a:solidFill>
+        <a:ln w="50800" cap="flat" cmpd="sng" algn="in">
+          <a:solidFill>
+            <a:schemeClr val="lt1">
+              <a:hueOff val="0"/>
+              <a:satOff val="0"/>
+              <a:lumOff val="0"/>
+              <a:alphaOff val="0"/>
+            </a:schemeClr>
+          </a:solidFill>
+          <a:prstDash val="solid"/>
+        </a:ln>
+        <a:effectLst/>
+      </dsp:spPr>
+      <dsp:style>
+        <a:lnRef idx="3">
+          <a:scrgbClr r="0" g="0" b="0"/>
+        </a:lnRef>
+        <a:fillRef idx="1">
+          <a:scrgbClr r="0" g="0" b="0"/>
+        </a:fillRef>
+        <a:effectRef idx="1">
+          <a:scrgbClr r="0" g="0" b="0"/>
+        </a:effectRef>
+        <a:fontRef idx="minor">
+          <a:schemeClr val="lt1"/>
+        </a:fontRef>
+      </dsp:style>
+      <dsp:txBody>
+        <a:bodyPr spcFirstLastPara="0" vert="horz" wrap="square" lIns="110490" tIns="110490" rIns="110490" bIns="110490" numCol="1" spcCol="1270" anchor="ctr" anchorCtr="0">
+          <a:noAutofit/>
+        </a:bodyPr>
+        <a:lstStyle/>
+        <a:p>
+          <a:pPr marL="0" lvl="0" indent="0" algn="ctr" defTabSz="1289050">
+            <a:lnSpc>
+              <a:spcPct val="90000"/>
+            </a:lnSpc>
+            <a:spcBef>
+              <a:spcPct val="0"/>
+            </a:spcBef>
+            <a:spcAft>
+              <a:spcPct val="35000"/>
+            </a:spcAft>
+            <a:buNone/>
+          </a:pPr>
+          <a:r>
+            <a:rPr lang="en-US" sz="2900" kern="1200"/>
+            <a:t>Signup</a:t>
+          </a:r>
+        </a:p>
+      </dsp:txBody>
+      <dsp:txXfrm>
+        <a:off x="2982" y="259257"/>
+        <a:ext cx="2365833" cy="1419500"/>
+      </dsp:txXfrm>
+    </dsp:sp>
+    <dsp:sp modelId="{35CD2B37-F779-4962-82A3-DEC6CC6C87F5}">
+      <dsp:nvSpPr>
+        <dsp:cNvPr id="0" name=""/>
+        <dsp:cNvSpPr/>
+      </dsp:nvSpPr>
+      <dsp:spPr>
+        <a:xfrm>
+          <a:off x="2605399" y="259257"/>
+          <a:ext cx="2365833" cy="1419500"/>
+        </a:xfrm>
+        <a:prstGeom prst="rect">
+          <a:avLst/>
+        </a:prstGeom>
+        <a:solidFill>
+          <a:schemeClr val="accent1">
+            <a:shade val="80000"/>
+            <a:hueOff val="-874"/>
+            <a:satOff val="1596"/>
+            <a:lumOff val="2714"/>
+            <a:alphaOff val="0"/>
+          </a:schemeClr>
+        </a:solidFill>
+        <a:ln w="50800" cap="flat" cmpd="sng" algn="in">
+          <a:solidFill>
+            <a:schemeClr val="lt1">
+              <a:hueOff val="0"/>
+              <a:satOff val="0"/>
+              <a:lumOff val="0"/>
+              <a:alphaOff val="0"/>
+            </a:schemeClr>
+          </a:solidFill>
+          <a:prstDash val="solid"/>
+        </a:ln>
+        <a:effectLst/>
+      </dsp:spPr>
+      <dsp:style>
+        <a:lnRef idx="3">
+          <a:scrgbClr r="0" g="0" b="0"/>
+        </a:lnRef>
+        <a:fillRef idx="1">
+          <a:scrgbClr r="0" g="0" b="0"/>
+        </a:fillRef>
+        <a:effectRef idx="1">
+          <a:scrgbClr r="0" g="0" b="0"/>
+        </a:effectRef>
+        <a:fontRef idx="minor">
+          <a:schemeClr val="lt1"/>
+        </a:fontRef>
+      </dsp:style>
+      <dsp:txBody>
+        <a:bodyPr spcFirstLastPara="0" vert="horz" wrap="square" lIns="110490" tIns="110490" rIns="110490" bIns="110490" numCol="1" spcCol="1270" anchor="ctr" anchorCtr="0">
+          <a:noAutofit/>
+        </a:bodyPr>
+        <a:lstStyle/>
+        <a:p>
+          <a:pPr marL="0" lvl="0" indent="0" algn="ctr" defTabSz="1289050">
+            <a:lnSpc>
+              <a:spcPct val="90000"/>
+            </a:lnSpc>
+            <a:spcBef>
+              <a:spcPct val="0"/>
+            </a:spcBef>
+            <a:spcAft>
+              <a:spcPct val="35000"/>
+            </a:spcAft>
+            <a:buNone/>
+          </a:pPr>
+          <a:r>
+            <a:rPr lang="en-US" sz="2900" kern="1200"/>
+            <a:t>login </a:t>
+          </a:r>
+        </a:p>
+      </dsp:txBody>
+      <dsp:txXfrm>
+        <a:off x="2605399" y="259257"/>
+        <a:ext cx="2365833" cy="1419500"/>
+      </dsp:txXfrm>
+    </dsp:sp>
+    <dsp:sp modelId="{071F557A-7AF5-4245-8C6A-20AC9955B137}">
+      <dsp:nvSpPr>
+        <dsp:cNvPr id="0" name=""/>
+        <dsp:cNvSpPr/>
+      </dsp:nvSpPr>
+      <dsp:spPr>
+        <a:xfrm>
+          <a:off x="5207816" y="259257"/>
+          <a:ext cx="2365833" cy="1419500"/>
+        </a:xfrm>
+        <a:prstGeom prst="rect">
+          <a:avLst/>
+        </a:prstGeom>
+        <a:solidFill>
+          <a:schemeClr val="accent1">
+            <a:shade val="80000"/>
+            <a:hueOff val="-1747"/>
+            <a:satOff val="3192"/>
+            <a:lumOff val="5428"/>
+            <a:alphaOff val="0"/>
+          </a:schemeClr>
+        </a:solidFill>
+        <a:ln w="50800" cap="flat" cmpd="sng" algn="in">
+          <a:solidFill>
+            <a:schemeClr val="lt1">
+              <a:hueOff val="0"/>
+              <a:satOff val="0"/>
+              <a:lumOff val="0"/>
+              <a:alphaOff val="0"/>
+            </a:schemeClr>
+          </a:solidFill>
+          <a:prstDash val="solid"/>
+        </a:ln>
+        <a:effectLst/>
+      </dsp:spPr>
+      <dsp:style>
+        <a:lnRef idx="3">
+          <a:scrgbClr r="0" g="0" b="0"/>
+        </a:lnRef>
+        <a:fillRef idx="1">
+          <a:scrgbClr r="0" g="0" b="0"/>
+        </a:fillRef>
+        <a:effectRef idx="1">
+          <a:scrgbClr r="0" g="0" b="0"/>
+        </a:effectRef>
+        <a:fontRef idx="minor">
+          <a:schemeClr val="lt1"/>
+        </a:fontRef>
+      </dsp:style>
+      <dsp:txBody>
+        <a:bodyPr spcFirstLastPara="0" vert="horz" wrap="square" lIns="110490" tIns="110490" rIns="110490" bIns="110490" numCol="1" spcCol="1270" anchor="ctr" anchorCtr="0">
+          <a:noAutofit/>
+        </a:bodyPr>
+        <a:lstStyle/>
+        <a:p>
+          <a:pPr marL="0" lvl="0" indent="0" algn="ctr" defTabSz="1289050">
+            <a:lnSpc>
+              <a:spcPct val="90000"/>
+            </a:lnSpc>
+            <a:spcBef>
+              <a:spcPct val="0"/>
+            </a:spcBef>
+            <a:spcAft>
+              <a:spcPct val="35000"/>
+            </a:spcAft>
+            <a:buNone/>
+          </a:pPr>
+          <a:r>
+            <a:rPr lang="en-US" sz="2900" kern="1200"/>
+            <a:t>Skip</a:t>
+          </a:r>
+        </a:p>
+      </dsp:txBody>
+      <dsp:txXfrm>
+        <a:off x="5207816" y="259257"/>
+        <a:ext cx="2365833" cy="1419500"/>
+      </dsp:txXfrm>
+    </dsp:sp>
+    <dsp:sp modelId="{556F3AFB-5CAC-40F2-BD2F-7BCE935EBF20}">
+      <dsp:nvSpPr>
+        <dsp:cNvPr id="0" name=""/>
+        <dsp:cNvSpPr/>
+      </dsp:nvSpPr>
+      <dsp:spPr>
+        <a:xfrm>
+          <a:off x="7810233" y="259257"/>
+          <a:ext cx="2365833" cy="1419500"/>
+        </a:xfrm>
+        <a:prstGeom prst="rect">
+          <a:avLst/>
+        </a:prstGeom>
+        <a:solidFill>
+          <a:schemeClr val="accent1">
+            <a:shade val="80000"/>
+            <a:hueOff val="-2621"/>
+            <a:satOff val="4789"/>
+            <a:lumOff val="8141"/>
+            <a:alphaOff val="0"/>
+          </a:schemeClr>
+        </a:solidFill>
+        <a:ln w="50800" cap="flat" cmpd="sng" algn="in">
+          <a:solidFill>
+            <a:schemeClr val="lt1">
+              <a:hueOff val="0"/>
+              <a:satOff val="0"/>
+              <a:lumOff val="0"/>
+              <a:alphaOff val="0"/>
+            </a:schemeClr>
+          </a:solidFill>
+          <a:prstDash val="solid"/>
+        </a:ln>
+        <a:effectLst/>
+      </dsp:spPr>
+      <dsp:style>
+        <a:lnRef idx="3">
+          <a:scrgbClr r="0" g="0" b="0"/>
+        </a:lnRef>
+        <a:fillRef idx="1">
+          <a:scrgbClr r="0" g="0" b="0"/>
+        </a:fillRef>
+        <a:effectRef idx="1">
+          <a:scrgbClr r="0" g="0" b="0"/>
+        </a:effectRef>
+        <a:fontRef idx="minor">
+          <a:schemeClr val="lt1"/>
+        </a:fontRef>
+      </dsp:style>
+      <dsp:txBody>
+        <a:bodyPr spcFirstLastPara="0" vert="horz" wrap="square" lIns="110490" tIns="110490" rIns="110490" bIns="110490" numCol="1" spcCol="1270" anchor="ctr" anchorCtr="0">
+          <a:noAutofit/>
+        </a:bodyPr>
+        <a:lstStyle/>
+        <a:p>
+          <a:pPr marL="0" lvl="0" indent="0" algn="ctr" defTabSz="1289050">
+            <a:lnSpc>
+              <a:spcPct val="90000"/>
+            </a:lnSpc>
+            <a:spcBef>
+              <a:spcPct val="0"/>
+            </a:spcBef>
+            <a:spcAft>
+              <a:spcPct val="35000"/>
+            </a:spcAft>
+            <a:buNone/>
+          </a:pPr>
+          <a:r>
+            <a:rPr lang="en-US" sz="2900" kern="1200"/>
+            <a:t>List of dish (home page for all users)</a:t>
+          </a:r>
+        </a:p>
+      </dsp:txBody>
+      <dsp:txXfrm>
+        <a:off x="7810233" y="259257"/>
+        <a:ext cx="2365833" cy="1419500"/>
+      </dsp:txXfrm>
+    </dsp:sp>
+    <dsp:sp modelId="{46E7CDFA-621F-40A9-A72F-13159B4965BE}">
+      <dsp:nvSpPr>
+        <dsp:cNvPr id="0" name=""/>
+        <dsp:cNvSpPr/>
+      </dsp:nvSpPr>
+      <dsp:spPr>
+        <a:xfrm>
+          <a:off x="1304190" y="1915341"/>
+          <a:ext cx="2365833" cy="1419500"/>
+        </a:xfrm>
+        <a:prstGeom prst="rect">
+          <a:avLst/>
+        </a:prstGeom>
+        <a:solidFill>
+          <a:schemeClr val="accent1">
+            <a:shade val="80000"/>
+            <a:hueOff val="-3494"/>
+            <a:satOff val="6385"/>
+            <a:lumOff val="10855"/>
+            <a:alphaOff val="0"/>
+          </a:schemeClr>
+        </a:solidFill>
+        <a:ln w="50800" cap="flat" cmpd="sng" algn="in">
+          <a:solidFill>
+            <a:schemeClr val="lt1">
+              <a:hueOff val="0"/>
+              <a:satOff val="0"/>
+              <a:lumOff val="0"/>
+              <a:alphaOff val="0"/>
+            </a:schemeClr>
+          </a:solidFill>
+          <a:prstDash val="solid"/>
+        </a:ln>
+        <a:effectLst/>
+      </dsp:spPr>
+      <dsp:style>
+        <a:lnRef idx="3">
+          <a:scrgbClr r="0" g="0" b="0"/>
+        </a:lnRef>
+        <a:fillRef idx="1">
+          <a:scrgbClr r="0" g="0" b="0"/>
+        </a:fillRef>
+        <a:effectRef idx="1">
+          <a:scrgbClr r="0" g="0" b="0"/>
+        </a:effectRef>
+        <a:fontRef idx="minor">
+          <a:schemeClr val="lt1"/>
+        </a:fontRef>
+      </dsp:style>
+      <dsp:txBody>
+        <a:bodyPr spcFirstLastPara="0" vert="horz" wrap="square" lIns="110490" tIns="110490" rIns="110490" bIns="110490" numCol="1" spcCol="1270" anchor="ctr" anchorCtr="0">
+          <a:noAutofit/>
+        </a:bodyPr>
+        <a:lstStyle/>
+        <a:p>
+          <a:pPr marL="0" lvl="0" indent="0" algn="ctr" defTabSz="1289050">
+            <a:lnSpc>
+              <a:spcPct val="90000"/>
+            </a:lnSpc>
+            <a:spcBef>
+              <a:spcPct val="0"/>
+            </a:spcBef>
+            <a:spcAft>
+              <a:spcPct val="35000"/>
+            </a:spcAft>
+            <a:buNone/>
+          </a:pPr>
+          <a:r>
+            <a:rPr lang="en-US" sz="2900" kern="1200"/>
+            <a:t>Profile page </a:t>
+          </a:r>
+        </a:p>
+      </dsp:txBody>
+      <dsp:txXfrm>
+        <a:off x="1304190" y="1915341"/>
+        <a:ext cx="2365833" cy="1419500"/>
+      </dsp:txXfrm>
+    </dsp:sp>
+    <dsp:sp modelId="{87505D9B-FB99-4C9F-A1CB-5FFBDDBFE589}">
+      <dsp:nvSpPr>
+        <dsp:cNvPr id="0" name=""/>
+        <dsp:cNvSpPr/>
+      </dsp:nvSpPr>
+      <dsp:spPr>
+        <a:xfrm>
+          <a:off x="3906608" y="1915341"/>
+          <a:ext cx="2365833" cy="1419500"/>
+        </a:xfrm>
+        <a:prstGeom prst="rect">
+          <a:avLst/>
+        </a:prstGeom>
+        <a:solidFill>
+          <a:schemeClr val="accent1">
+            <a:shade val="80000"/>
+            <a:hueOff val="-4368"/>
+            <a:satOff val="7981"/>
+            <a:lumOff val="13569"/>
+            <a:alphaOff val="0"/>
+          </a:schemeClr>
+        </a:solidFill>
+        <a:ln w="50800" cap="flat" cmpd="sng" algn="in">
+          <a:solidFill>
+            <a:schemeClr val="lt1">
+              <a:hueOff val="0"/>
+              <a:satOff val="0"/>
+              <a:lumOff val="0"/>
+              <a:alphaOff val="0"/>
+            </a:schemeClr>
+          </a:solidFill>
+          <a:prstDash val="solid"/>
+        </a:ln>
+        <a:effectLst/>
+      </dsp:spPr>
+      <dsp:style>
+        <a:lnRef idx="3">
+          <a:scrgbClr r="0" g="0" b="0"/>
+        </a:lnRef>
+        <a:fillRef idx="1">
+          <a:scrgbClr r="0" g="0" b="0"/>
+        </a:fillRef>
+        <a:effectRef idx="1">
+          <a:scrgbClr r="0" g="0" b="0"/>
+        </a:effectRef>
+        <a:fontRef idx="minor">
+          <a:schemeClr val="lt1"/>
+        </a:fontRef>
+      </dsp:style>
+      <dsp:txBody>
+        <a:bodyPr spcFirstLastPara="0" vert="horz" wrap="square" lIns="110490" tIns="110490" rIns="110490" bIns="110490" numCol="1" spcCol="1270" anchor="ctr" anchorCtr="0">
+          <a:noAutofit/>
+        </a:bodyPr>
+        <a:lstStyle/>
+        <a:p>
+          <a:pPr marL="0" lvl="0" indent="0" algn="ctr" defTabSz="1289050">
+            <a:lnSpc>
+              <a:spcPct val="90000"/>
+            </a:lnSpc>
+            <a:spcBef>
+              <a:spcPct val="0"/>
+            </a:spcBef>
+            <a:spcAft>
+              <a:spcPct val="35000"/>
+            </a:spcAft>
+            <a:buNone/>
+          </a:pPr>
+          <a:r>
+            <a:rPr lang="en-US" sz="2900" kern="1200"/>
+            <a:t>Settings page </a:t>
+          </a:r>
+        </a:p>
+      </dsp:txBody>
+      <dsp:txXfrm>
+        <a:off x="3906608" y="1915341"/>
+        <a:ext cx="2365833" cy="1419500"/>
+      </dsp:txXfrm>
+    </dsp:sp>
+    <dsp:sp modelId="{E875863E-5C66-47F5-9A02-8D09F1459740}">
+      <dsp:nvSpPr>
+        <dsp:cNvPr id="0" name=""/>
+        <dsp:cNvSpPr/>
+      </dsp:nvSpPr>
+      <dsp:spPr>
+        <a:xfrm>
+          <a:off x="6509025" y="1915341"/>
+          <a:ext cx="2365833" cy="1419500"/>
+        </a:xfrm>
+        <a:prstGeom prst="rect">
+          <a:avLst/>
+        </a:prstGeom>
+        <a:solidFill>
+          <a:schemeClr val="accent1">
+            <a:shade val="80000"/>
+            <a:hueOff val="-5241"/>
+            <a:satOff val="9577"/>
+            <a:lumOff val="16283"/>
+            <a:alphaOff val="0"/>
+          </a:schemeClr>
+        </a:solidFill>
+        <a:ln w="50800" cap="flat" cmpd="sng" algn="in">
+          <a:solidFill>
+            <a:schemeClr val="lt1">
+              <a:hueOff val="0"/>
+              <a:satOff val="0"/>
+              <a:lumOff val="0"/>
+              <a:alphaOff val="0"/>
+            </a:schemeClr>
+          </a:solidFill>
+          <a:prstDash val="solid"/>
+        </a:ln>
+        <a:effectLst/>
+      </dsp:spPr>
+      <dsp:style>
+        <a:lnRef idx="3">
+          <a:scrgbClr r="0" g="0" b="0"/>
+        </a:lnRef>
+        <a:fillRef idx="1">
+          <a:scrgbClr r="0" g="0" b="0"/>
+        </a:fillRef>
+        <a:effectRef idx="1">
+          <a:scrgbClr r="0" g="0" b="0"/>
+        </a:effectRef>
+        <a:fontRef idx="minor">
+          <a:schemeClr val="lt1"/>
+        </a:fontRef>
+      </dsp:style>
+      <dsp:txBody>
+        <a:bodyPr spcFirstLastPara="0" vert="horz" wrap="square" lIns="110490" tIns="110490" rIns="110490" bIns="110490" numCol="1" spcCol="1270" anchor="ctr" anchorCtr="0">
+          <a:noAutofit/>
+        </a:bodyPr>
+        <a:lstStyle/>
+        <a:p>
+          <a:pPr marL="0" lvl="0" indent="0" algn="ctr" defTabSz="1289050">
+            <a:lnSpc>
+              <a:spcPct val="90000"/>
+            </a:lnSpc>
+            <a:spcBef>
+              <a:spcPct val="0"/>
+            </a:spcBef>
+            <a:spcAft>
+              <a:spcPct val="35000"/>
+            </a:spcAft>
+            <a:buNone/>
+          </a:pPr>
+          <a:r>
+            <a:rPr lang="en-US" sz="2900" kern="1200"/>
+            <a:t>Add new dish </a:t>
+          </a:r>
+        </a:p>
+      </dsp:txBody>
+      <dsp:txXfrm>
+        <a:off x="6509025" y="1915341"/>
+        <a:ext cx="2365833" cy="1419500"/>
+      </dsp:txXfrm>
+    </dsp:sp>
+  </dsp:spTree>
+</dsp:drawing>
+</file>
+
+<file path=ppt/diagrams/layout1.xml><?xml version="1.0" encoding="utf-8"?>
+<dgm:layoutDef xmlns:dgm="http://schemas.openxmlformats.org/drawingml/2006/diagram" xmlns:a="http://schemas.openxmlformats.org/drawingml/2006/main" uniqueId="urn:microsoft.com/office/officeart/2005/8/layout/default">
+  <dgm:title val=""/>
+  <dgm:desc val=""/>
+  <dgm:catLst>
+    <dgm:cat type="list" pri="400"/>
+  </dgm:catLst>
+  <dgm:sampData>
+    <dgm:dataModel>
+      <dgm:ptLst>
+        <dgm:pt modelId="0" type="doc"/>
+        <dgm:pt modelId="1">
+          <dgm:prSet phldr="1"/>
+        </dgm:pt>
+        <dgm:pt modelId="2">
+          <dgm:prSet phldr="1"/>
+        </dgm:pt>
+        <dgm:pt modelId="3">
+          <dgm:prSet phldr="1"/>
+        </dgm:pt>
+        <dgm:pt modelId="4">
+          <dgm:prSet phldr="1"/>
+        </dgm:pt>
+        <dgm:pt modelId="5">
+          <dgm:prSet phldr="1"/>
+        </dgm:pt>
+      </dgm:ptLst>
+      <dgm:cxnLst>
+        <dgm:cxn modelId="6" srcId="0" destId="1" srcOrd="0" destOrd="0"/>
+        <dgm:cxn modelId="7" srcId="0" destId="2" srcOrd="1" destOrd="0"/>
+        <dgm:cxn modelId="8" srcId="0" destId="3" srcOrd="2" destOrd="0"/>
+        <dgm:cxn modelId="9" srcId="0" destId="4" srcOrd="3" destOrd="0"/>
+        <dgm:cxn modelId="10" srcId="0" destId="5" srcOrd="4" destOrd="0"/>
+      </dgm:cxnLst>
+      <dgm:bg/>
+      <dgm:whole/>
+    </dgm:dataModel>
+  </dgm:sampData>
+  <dgm:styleData>
+    <dgm:dataModel>
+      <dgm:ptLst>
+        <dgm:pt modelId="0" type="doc"/>
+        <dgm:pt modelId="1"/>
+        <dgm:pt modelId="2"/>
+      </dgm:ptLst>
+      <dgm:cxnLst>
+        <dgm:cxn modelId="3" srcId="0" destId="1" srcOrd="0" destOrd="0"/>
+        <dgm:cxn modelId="4" srcId="0" destId="2" srcOrd="1" destOrd="0"/>
+      </dgm:cxnLst>
+      <dgm:bg/>
+      <dgm:whole/>
+    </dgm:dataModel>
+  </dgm:styleData>
+  <dgm:clrData>
+    <dgm:dataModel>
+      <dgm:ptLst>
+        <dgm:pt modelId="0" type="doc"/>
+        <dgm:pt modelId="1"/>
+        <dgm:pt modelId="2"/>
+        <dgm:pt modelId="3"/>
+        <dgm:pt modelId="4"/>
+        <dgm:pt modelId="5"/>
+        <dgm:pt modelId="6"/>
+      </dgm:ptLst>
+      <dgm:cxnLst>
+        <dgm:cxn modelId="7" srcId="0" destId="1" srcOrd="0" destOrd="0"/>
+        <dgm:cxn modelId="8" srcId="0" destId="2" srcOrd="1" destOrd="0"/>
+        <dgm:cxn modelId="9" srcId="0" destId="3" srcOrd="2" destOrd="0"/>
+        <dgm:cxn modelId="10" srcId="0" destId="4" srcOrd="3" destOrd="0"/>
+        <dgm:cxn modelId="11" srcId="0" destId="5" srcOrd="4" destOrd="0"/>
+        <dgm:cxn modelId="12" srcId="0" destId="6" srcOrd="5" destOrd="0"/>
+      </dgm:cxnLst>
+      <dgm:bg/>
+      <dgm:whole/>
+    </dgm:dataModel>
+  </dgm:clrData>
+  <dgm:layoutNode name="diagram">
+    <dgm:varLst>
+      <dgm:dir/>
+      <dgm:resizeHandles val="exact"/>
+    </dgm:varLst>
+    <dgm:choose name="Name0">
+      <dgm:if name="Name1" func="var" arg="dir" op="equ" val="norm">
+        <dgm:alg type="snake">
+          <dgm:param type="grDir" val="tL"/>
+          <dgm:param type="flowDir" val="row"/>
+          <dgm:param type="contDir" val="sameDir"/>
+          <dgm:param type="off" val="ctr"/>
+        </dgm:alg>
+      </dgm:if>
+      <dgm:else name="Name2">
+        <dgm:alg type="snake">
+          <dgm:param type="grDir" val="tR"/>
+          <dgm:param type="flowDir" val="row"/>
+          <dgm:param type="contDir" val="sameDir"/>
+          <dgm:param type="off" val="ctr"/>
+        </dgm:alg>
+      </dgm:else>
+    </dgm:choose>
+    <dgm:shape xmlns:r="http://schemas.openxmlformats.org/officeDocument/2006/relationships" r:blip="">
+      <dgm:adjLst/>
+    </dgm:shape>
+    <dgm:presOf/>
+    <dgm:constrLst>
+      <dgm:constr type="w" for="ch" forName="node" refType="w"/>
+      <dgm:constr type="h" for="ch" forName="node" refType="w" refFor="ch" refForName="node" fact="0.6"/>
+      <dgm:constr type="w" for="ch" forName="sibTrans" refType="w" refFor="ch" refForName="node" fact="0.1"/>
+      <dgm:constr type="sp" refType="w" refFor="ch" refForName="sibTrans"/>
+      <dgm:constr type="primFontSz" for="ch" forName="node" op="equ" val="65"/>
+    </dgm:constrLst>
+    <dgm:ruleLst/>
+    <dgm:forEach name="Name3" axis="ch" ptType="node">
+      <dgm:layoutNode name="node">
+        <dgm:varLst>
+          <dgm:bulletEnabled val="1"/>
+        </dgm:varLst>
+        <dgm:alg type="tx"/>
+        <dgm:shape xmlns:r="http://schemas.openxmlformats.org/officeDocument/2006/relationships" type="rect" r:blip="">
+          <dgm:adjLst/>
+        </dgm:shape>
+        <dgm:presOf axis="desOrSelf" ptType="node"/>
+        <dgm:constrLst>
+          <dgm:constr type="lMarg" refType="primFontSz" fact="0.3"/>
+          <dgm:constr type="rMarg" refType="primFontSz" fact="0.3"/>
+          <dgm:constr type="tMarg" refType="primFontSz" fact="0.3"/>
+          <dgm:constr type="bMarg" refType="primFontSz" fact="0.3"/>
+        </dgm:constrLst>
+        <dgm:ruleLst>
+          <dgm:rule type="primFontSz" val="5" fact="NaN" max="NaN"/>
+        </dgm:ruleLst>
+      </dgm:layoutNode>
+      <dgm:forEach name="Name4" axis="followSib" ptType="sibTrans" cnt="1">
+        <dgm:layoutNode name="sibTrans">
+          <dgm:alg type="sp"/>
+          <dgm:shape xmlns:r="http://schemas.openxmlformats.org/officeDocument/2006/relationships" r:blip="">
+            <dgm:adjLst/>
+          </dgm:shape>
+          <dgm:presOf/>
+          <dgm:constrLst/>
+          <dgm:ruleLst/>
+        </dgm:layoutNode>
+      </dgm:forEach>
+    </dgm:forEach>
+  </dgm:layoutNode>
+</dgm:layoutDef>
+</file>
+
+<file path=ppt/diagrams/quickStyle1.xml><?xml version="1.0" encoding="utf-8"?>
+<dgm:styleDef xmlns:dgm="http://schemas.openxmlformats.org/drawingml/2006/diagram" xmlns:a="http://schemas.openxmlformats.org/drawingml/2006/main" uniqueId="urn:microsoft.com/office/officeart/2005/8/quickstyle/simple2">
+  <dgm:title val=""/>
+  <dgm:desc val=""/>
+  <dgm:catLst>
+    <dgm:cat type="simple" pri="10200"/>
+  </dgm:catLst>
+  <dgm:scene3d>
+    <a:camera prst="orthographicFront"/>
+    <a:lightRig rig="threePt" dir="t"/>
+  </dgm:scene3d>
+  <dgm:styleLbl name="node0">
+    <dgm:scene3d>
+      <a:camera prst="orthographicFront"/>
+      <a:lightRig rig="threePt" dir="t"/>
+    </dgm:scene3d>
+    <dgm:sp3d/>
+    <dgm:txPr/>
+    <dgm:style>
+      <a:lnRef idx="3">
+        <a:scrgbClr r="0" g="0" b="0"/>
+      </a:lnRef>
+      <a:fillRef idx="1">
+        <a:scrgbClr r="0" g="0" b="0"/>
+      </a:fillRef>
+      <a:effectRef idx="1">
+        <a:scrgbClr r="0" g="0" b="0"/>
+      </a:effectRef>
+      <a:fontRef idx="minor">
+        <a:schemeClr val="lt1"/>
+      </a:fontRef>
+    </dgm:style>
+  </dgm:styleLbl>
+  <dgm:styleLbl name="lnNode1">
+    <dgm:scene3d>
+      <a:camera prst="orthographicFront"/>
+      <a:lightRig rig="threePt" dir="t"/>
+    </dgm:scene3d>
+    <dgm:sp3d/>
+    <dgm:txPr/>
+    <dgm:style>
+      <a:lnRef idx="3">
+        <a:scrgbClr r="0" g="0" b="0"/>
+      </a:lnRef>
+      <a:fillRef idx="1">
+        <a:scrgbClr r="0" g="0" b="0"/>
+      </a:fillRef>
+      <a:effectRef idx="1">
+        <a:scrgbClr r="0" g="0" b="0"/>
+      </a:effectRef>
+      <a:fontRef idx="minor">
+        <a:schemeClr val="lt1"/>
+      </a:fontRef>
+    </dgm:style>
+  </dgm:styleLbl>
+  <dgm:styleLbl name="vennNode1">
+    <dgm:scene3d>
+      <a:camera prst="orthographicFront"/>
+      <a:lightRig rig="threePt" dir="t"/>
+    </dgm:scene3d>
+    <dgm:sp3d/>
+    <dgm:txPr/>
+    <dgm:style>
+      <a:lnRef idx="3">
+        <a:scrgbClr r="0" g="0" b="0"/>
+      </a:lnRef>
+      <a:fillRef idx="1">
+        <a:scrgbClr r="0" g="0" b="0"/>
+      </a:fillRef>
+      <a:effectRef idx="0">
+        <a:scrgbClr r="0" g="0" b="0"/>
+      </a:effectRef>
+      <a:fontRef idx="minor">
+        <a:schemeClr val="tx1"/>
+      </a:fontRef>
+    </dgm:style>
+  </dgm:styleLbl>
+  <dgm:styleLbl name="alignNode1">
+    <dgm:scene3d>
+      <a:camera prst="orthographicFront"/>
+      <a:lightRig rig="threePt" dir="t"/>
+    </dgm:scene3d>
+    <dgm:sp3d/>
+    <dgm:txPr/>
+    <dgm:style>
+      <a:lnRef idx="2">
+        <a:scrgbClr r="0" g="0" b="0"/>
+      </a:lnRef>
+      <a:fillRef idx="1">
+        <a:scrgbClr r="0" g="0" b="0"/>
+      </a:fillRef>
+      <a:effectRef idx="1">
+        <a:scrgbClr r="0" g="0" b="0"/>
+      </a:effectRef>
+      <a:fontRef idx="minor">
+        <a:schemeClr val="lt1"/>
+      </a:fontRef>
+    </dgm:style>
+  </dgm:styleLbl>
+  <dgm:styleLbl name="node1">
+    <dgm:scene3d>
+      <a:camera prst="orthographicFront"/>
+      <a:lightRig rig="threePt" dir="t"/>
+    </dgm:scene3d>
+    <dgm:sp3d/>
+    <dgm:txPr/>
+    <dgm:style>
+      <a:lnRef idx="3">
+        <a:scrgbClr r="0" g="0" b="0"/>
+      </a:lnRef>
+      <a:fillRef idx="1">
+        <a:scrgbClr r="0" g="0" b="0"/>
+      </a:fillRef>
+      <a:effectRef idx="1">
+        <a:scrgbClr r="0" g="0" b="0"/>
+      </a:effectRef>
+      <a:fontRef idx="minor">
+        <a:schemeClr val="lt1"/>
+      </a:fontRef>
+    </dgm:style>
+  </dgm:styleLbl>
+  <dgm:styleLbl name="node2">
+    <dgm:scene3d>
+      <a:camera prst="orthographicFront"/>
+      <a:lightRig rig="threePt" dir="t"/>
+    </dgm:scene3d>
+    <dgm:sp3d/>
+    <dgm:txPr/>
+    <dgm:style>
+      <a:lnRef idx="3">
+        <a:scrgbClr r="0" g="0" b="0"/>
+      </a:lnRef>
+      <a:fillRef idx="1">
+        <a:scrgbClr r="0" g="0" b="0"/>
+      </a:fillRef>
+      <a:effectRef idx="1">
+        <a:scrgbClr r="0" g="0" b="0"/>
+      </a:effectRef>
+      <a:fontRef idx="minor">
+        <a:schemeClr val="lt1"/>
+      </a:fontRef>
+    </dgm:style>
+  </dgm:styleLbl>
+  <dgm:styleLbl name="node3">
+    <dgm:scene3d>
+      <a:camera prst="orthographicFront"/>
+      <a:lightRig rig="threePt" dir="t"/>
+    </dgm:scene3d>
+    <dgm:sp3d/>
+    <dgm:txPr/>
+    <dgm:style>
+      <a:lnRef idx="3">
+        <a:scrgbClr r="0" g="0" b="0"/>
+      </a:lnRef>
+      <a:fillRef idx="1">
+        <a:scrgbClr r="0" g="0" b="0"/>
+      </a:fillRef>
+      <a:effectRef idx="1">
+        <a:scrgbClr r="0" g="0" b="0"/>
+      </a:effectRef>
+      <a:fontRef idx="minor">
+        <a:schemeClr val="lt1"/>
+      </a:fontRef>
+    </dgm:style>
+  </dgm:styleLbl>
+  <dgm:styleLbl name="node4">
+    <dgm:scene3d>
+      <a:camera prst="orthographicFront"/>
+      <a:lightRig rig="threePt" dir="t"/>
+    </dgm:scene3d>
+    <dgm:sp3d/>
+    <dgm:txPr/>
+    <dgm:style>
+      <a:lnRef idx="3">
+        <a:scrgbClr r="0" g="0" b="0"/>
+      </a:lnRef>
+      <a:fillRef idx="1">
+        <a:scrgbClr r="0" g="0" b="0"/>
+      </a:fillRef>
+      <a:effectRef idx="1">
+        <a:scrgbClr r="0" g="0" b="0"/>
+      </a:effectRef>
+      <a:fontRef idx="minor">
+        <a:schemeClr val="lt1"/>
+      </a:fontRef>
+    </dgm:style>
+  </dgm:styleLbl>
+  <dgm:styleLbl name="fgImgPlace1">
+    <dgm:scene3d>
+      <a:camera prst="orthographicFront"/>
+      <a:lightRig rig="threePt" dir="t"/>
+    </dgm:scene3d>
+    <dgm:sp3d/>
+    <dgm:txPr/>
+    <dgm:style>
+      <a:lnRef idx="3">
+        <a:scrgbClr r="0" g="0" b="0"/>
+      </a:lnRef>
+      <a:fillRef idx="1">
+        <a:scrgbClr r="0" g="0" b="0"/>
+      </a:fillRef>
+      <a:effectRef idx="1">
+        <a:scrgbClr r="0" g="0" b="0"/>
+      </a:effectRef>
+      <a:fontRef idx="minor"/>
+    </dgm:style>
+  </dgm:styleLbl>
+  <dgm:styleLbl name="alignImgPlace1">
+    <dgm:scene3d>
+      <a:camera prst="orthographicFront"/>
+      <a:lightRig rig="threePt" dir="t"/>
+    </dgm:scene3d>
+    <dgm:sp3d/>
+    <dgm:txPr/>
+    <dgm:style>
+      <a:lnRef idx="3">
+        <a:scrgbClr r="0" g="0" b="0"/>
+      </a:lnRef>
+      <a:fillRef idx="1">
+        <a:scrgbClr r="0" g="0" b="0"/>
+      </a:fillRef>
+      <a:effectRef idx="1">
+        <a:scrgbClr r="0" g="0" b="0"/>
+      </a:effectRef>
+      <a:fontRef idx="minor"/>
+    </dgm:style>
+  </dgm:styleLbl>
+  <dgm:styleLbl name="bgImgPlace1">
+    <dgm:scene3d>
+      <a:camera prst="orthographicFront"/>
+      <a:lightRig rig="threePt" dir="t"/>
+    </dgm:scene3d>
+    <dgm:sp3d/>
+    <dgm:txPr/>
+    <dgm:style>
+      <a:lnRef idx="3">
+        <a:scrgbClr r="0" g="0" b="0"/>
+      </a:lnRef>
+      <a:fillRef idx="1">
+        <a:scrgbClr r="0" g="0" b="0"/>
+      </a:fillRef>
+      <a:effectRef idx="1">
+        <a:scrgbClr r="0" g="0" b="0"/>
+      </a:effectRef>
+      <a:fontRef idx="minor"/>
+    </dgm:style>
+  </dgm:styleLbl>
+  <dgm:styleLbl name="sibTrans2D1">
+    <dgm:scene3d>
+      <a:camera prst="orthographicFront"/>
+      <a:lightRig rig="threePt" dir="t"/>
+    </dgm:scene3d>
+    <dgm:sp3d/>
+    <dgm:txPr/>
+    <dgm:style>
+      <a:lnRef idx="0">
+        <a:scrgbClr r="0" g="0" b="0"/>
+      </a:lnRef>
+      <a:fillRef idx="1">
+        <a:scrgbClr r="0" g="0" b="0"/>
+      </a:fillRef>
+      <a:effectRef idx="1">
+        <a:scrgbClr r="0" g="0" b="0"/>
+      </a:effectRef>
+      <a:fontRef idx="minor">
+        <a:schemeClr val="lt1"/>
+      </a:fontRef>
+    </dgm:style>
+  </dgm:styleLbl>
+  <dgm:styleLbl name="fgSibTrans2D1">
+    <dgm:scene3d>
+      <a:camera prst="orthographicFront"/>
+      <a:lightRig rig="threePt" dir="t"/>
+    </dgm:scene3d>
+    <dgm:sp3d/>
+    <dgm:txPr/>
+    <dgm:style>
+      <a:lnRef idx="0">
+        <a:scrgbClr r="0" g="0" b="0"/>
+      </a:lnRef>
+      <a:fillRef idx="1">
+        <a:scrgbClr r="0" g="0" b="0"/>
+      </a:fillRef>
+      <a:effectRef idx="1">
+        <a:scrgbClr r="0" g="0" b="0"/>
+      </a:effectRef>
+      <a:fontRef idx="minor">
+        <a:schemeClr val="lt1"/>
+      </a:fontRef>
+    </dgm:style>
+  </dgm:styleLbl>
+  <dgm:styleLbl name="bgSibTrans2D1">
+    <dgm:scene3d>
+      <a:camera prst="orthographicFront"/>
+      <a:lightRig rig="threePt" dir="t"/>
+    </dgm:scene3d>
+    <dgm:sp3d/>
+    <dgm:txPr/>
+    <dgm:style>
+      <a:lnRef idx="0">
+        <a:scrgbClr r="0" g="0" b="0"/>
+      </a:lnRef>
+      <a:fillRef idx="1">
+        <a:scrgbClr r="0" g="0" b="0"/>
+      </a:fillRef>
+      <a:effectRef idx="1">
+        <a:scrgbClr r="0" g="0" b="0"/>
+      </a:effectRef>
+      <a:fontRef idx="minor">
+        <a:schemeClr val="lt1"/>
+      </a:fontRef>
+    </dgm:style>
+  </dgm:styleLbl>
+  <dgm:styleLbl name="sibTrans1D1">
+    <dgm:scene3d>
+      <a:camera prst="orthographicFront"/>
+      <a:lightRig rig="threePt" dir="t"/>
+    </dgm:scene3d>
+    <dgm:sp3d/>
+    <dgm:txPr/>
+    <dgm:style>
+      <a:lnRef idx="1">
+        <a:scrgbClr r="0" g="0" b="0"/>
+      </a:lnRef>
+      <a:fillRef idx="0">
+        <a:scrgbClr r="0" g="0" b="0"/>
+      </a:fillRef>
+      <a:effectRef idx="0">
+        <a:scrgbClr r="0" g="0" b="0"/>
+      </a:effectRef>
+      <a:fontRef idx="minor"/>
+    </dgm:style>
+  </dgm:styleLbl>
+  <dgm:styleLbl name="callout">
+    <dgm:scene3d>
+      <a:camera prst="orthographicFront"/>
+      <a:lightRig rig="threePt" dir="t"/>
+    </dgm:scene3d>
+    <dgm:sp3d/>
+    <dgm:txPr/>
+    <dgm:style>
+      <a:lnRef idx="2">
+        <a:scrgbClr r="0" g="0" b="0"/>
+      </a:lnRef>
+      <a:fillRef idx="1">
+        <a:scrgbClr r="0" g="0" b="0"/>
+      </a:fillRef>
+      <a:effectRef idx="1">
+        <a:scrgbClr r="0" g="0" b="0"/>
+      </a:effectRef>
+      <a:fontRef idx="minor"/>
+    </dgm:style>
+  </dgm:styleLbl>
+  <dgm:styleLbl name="asst0">
+    <dgm:scene3d>
+      <a:camera prst="orthographicFront"/>
+      <a:lightRig rig="threePt" dir="t"/>
+    </dgm:scene3d>
+    <dgm:sp3d/>
+    <dgm:txPr/>
+    <dgm:style>
+      <a:lnRef idx="3">
+        <a:scrgbClr r="0" g="0" b="0"/>
+      </a:lnRef>
+      <a:fillRef idx="1">
+        <a:scrgbClr r="0" g="0" b="0"/>
+      </a:fillRef>
+      <a:effectRef idx="1">
+        <a:scrgbClr r="0" g="0" b="0"/>
+      </a:effectRef>
+      <a:fontRef idx="minor">
+        <a:schemeClr val="lt1"/>
+      </a:fontRef>
+    </dgm:style>
+  </dgm:styleLbl>
+  <dgm:styleLbl name="asst1">
+    <dgm:scene3d>
+      <a:camera prst="orthographicFront"/>
+      <a:lightRig rig="threePt" dir="t"/>
+    </dgm:scene3d>
+    <dgm:sp3d/>
+    <dgm:txPr/>
+    <dgm:style>
+      <a:lnRef idx="3">
+        <a:scrgbClr r="0" g="0" b="0"/>
+      </a:lnRef>
+      <a:fillRef idx="1">
+        <a:scrgbClr r="0" g="0" b="0"/>
+      </a:fillRef>
+      <a:effectRef idx="1">
+        <a:scrgbClr r="0" g="0" b="0"/>
+      </a:effectRef>
+      <a:fontRef idx="minor">
+        <a:schemeClr val="lt1"/>
+      </a:fontRef>
+    </dgm:style>
+  </dgm:styleLbl>
+  <dgm:styleLbl name="asst2">
+    <dgm:scene3d>
+      <a:camera prst="orthographicFront"/>
+      <a:lightRig rig="threePt" dir="t"/>
+    </dgm:scene3d>
+    <dgm:sp3d/>
+    <dgm:txPr/>
+    <dgm:style>
+      <a:lnRef idx="3">
+        <a:scrgbClr r="0" g="0" b="0"/>
+      </a:lnRef>
+      <a:fillRef idx="1">
+        <a:scrgbClr r="0" g="0" b="0"/>
+      </a:fillRef>
+      <a:effectRef idx="1">
+        <a:scrgbClr r="0" g="0" b="0"/>
+      </a:effectRef>
+      <a:fontRef idx="minor">
+        <a:schemeClr val="lt1"/>
+      </a:fontRef>
+    </dgm:style>
+  </dgm:styleLbl>
+  <dgm:styleLbl name="asst3">
+    <dgm:scene3d>
+      <a:camera prst="orthographicFront"/>
+      <a:lightRig rig="threePt" dir="t"/>
+    </dgm:scene3d>
+    <dgm:sp3d/>
+    <dgm:txPr/>
+    <dgm:style>
+      <a:lnRef idx="3">
+        <a:scrgbClr r="0" g="0" b="0"/>
+      </a:lnRef>
+      <a:fillRef idx="1">
+        <a:scrgbClr r="0" g="0" b="0"/>
+      </a:fillRef>
+      <a:effectRef idx="1">
+        <a:scrgbClr r="0" g="0" b="0"/>
+      </a:effectRef>
+      <a:fontRef idx="minor">
+        <a:schemeClr val="lt1"/>
+      </a:fontRef>
+    </dgm:style>
+  </dgm:styleLbl>
+  <dgm:styleLbl name="asst4">
+    <dgm:scene3d>
+      <a:camera prst="orthographicFront"/>
+      <a:lightRig rig="threePt" dir="t"/>
+    </dgm:scene3d>
+    <dgm:sp3d/>
+    <dgm:txPr/>
+    <dgm:style>
+      <a:lnRef idx="3">
+        <a:scrgbClr r="0" g="0" b="0"/>
+      </a:lnRef>
+      <a:fillRef idx="1">
+        <a:scrgbClr r="0" g="0" b="0"/>
+      </a:fillRef>
+      <a:effectRef idx="1">
+        <a:scrgbClr r="0" g="0" b="0"/>
+      </a:effectRef>
+      <a:fontRef idx="minor">
+        <a:schemeClr val="lt1"/>
+      </a:fontRef>
+    </dgm:style>
+  </dgm:styleLbl>
+  <dgm:styleLbl name="parChTrans2D1">
+    <dgm:scene3d>
+      <a:camera prst="orthographicFront"/>
+      <a:lightRig rig="threePt" dir="t"/>
+    </dgm:scene3d>
+    <dgm:sp3d/>
+    <dgm:txPr/>
+    <dgm:style>
+      <a:lnRef idx="3">
+        <a:scrgbClr r="0" g="0" b="0"/>
+      </a:lnRef>
+      <a:fillRef idx="1">
+        <a:scrgbClr r="0" g="0" b="0"/>
+      </a:fillRef>
+      <a:effectRef idx="1">
+        <a:scrgbClr r="0" g="0" b="0"/>
+      </a:effectRef>
+      <a:fontRef idx="minor">
+        <a:schemeClr val="lt1"/>
+      </a:fontRef>
+    </dgm:style>
+  </dgm:styleLbl>
+  <dgm:styleLbl name="parChTrans2D2">
+    <dgm:scene3d>
+      <a:camera prst="orthographicFront"/>
+      <a:lightRig rig="threePt" dir="t"/>
+    </dgm:scene3d>
+    <dgm:sp3d/>
+    <dgm:txPr/>
+    <dgm:style>
+      <a:lnRef idx="3">
+        <a:scrgbClr r="0" g="0" b="0"/>
+      </a:lnRef>
+      <a:fillRef idx="1">
+        <a:scrgbClr r="0" g="0" b="0"/>
+      </a:fillRef>
+      <a:effectRef idx="1">
+        <a:scrgbClr r="0" g="0" b="0"/>
+      </a:effectRef>
+      <a:fontRef idx="minor">
+        <a:schemeClr val="lt1"/>
+      </a:fontRef>
+    </dgm:style>
+  </dgm:styleLbl>
+  <dgm:styleLbl name="parChTrans2D3">
+    <dgm:scene3d>
+      <a:camera prst="orthographicFront"/>
+      <a:lightRig rig="threePt" dir="t"/>
+    </dgm:scene3d>
+    <dgm:sp3d/>
+    <dgm:txPr/>
+    <dgm:style>
+      <a:lnRef idx="3">
+        <a:scrgbClr r="0" g="0" b="0"/>
+      </a:lnRef>
+      <a:fillRef idx="1">
+        <a:scrgbClr r="0" g="0" b="0"/>
+      </a:fillRef>
+      <a:effectRef idx="1">
+        <a:scrgbClr r="0" g="0" b="0"/>
+      </a:effectRef>
+      <a:fontRef idx="minor">
+        <a:schemeClr val="lt1"/>
+      </a:fontRef>
+    </dgm:style>
+  </dgm:styleLbl>
+  <dgm:styleLbl name="parChTrans2D4">
+    <dgm:scene3d>
+      <a:camera prst="orthographicFront"/>
+      <a:lightRig rig="threePt" dir="t"/>
+    </dgm:scene3d>
+    <dgm:sp3d/>
+    <dgm:txPr/>
+    <dgm:style>
+      <a:lnRef idx="3">
+        <a:scrgbClr r="0" g="0" b="0"/>
+      </a:lnRef>
+      <a:fillRef idx="1">
+        <a:scrgbClr r="0" g="0" b="0"/>
+      </a:fillRef>
+      <a:effectRef idx="1">
+        <a:scrgbClr r="0" g="0" b="0"/>
+      </a:effectRef>
+      <a:fontRef idx="minor">
+        <a:schemeClr val="lt1"/>
+      </a:fontRef>
+    </dgm:style>
+  </dgm:styleLbl>
+  <dgm:styleLbl name="parChTrans1D1">
+    <dgm:scene3d>
+      <a:camera prst="orthographicFront"/>
+      <a:lightRig rig="threePt" dir="t"/>
+    </dgm:scene3d>
+    <dgm:sp3d/>
+    <dgm:txPr/>
+    <dgm:style>
+      <a:lnRef idx="2">
+        <a:scrgbClr r="0" g="0" b="0"/>
+      </a:lnRef>
+      <a:fillRef idx="0">
+        <a:scrgbClr r="0" g="0" b="0"/>
+      </a:fillRef>
+      <a:effectRef idx="0">
+        <a:scrgbClr r="0" g="0" b="0"/>
+      </a:effectRef>
+      <a:fontRef idx="minor"/>
+    </dgm:style>
+  </dgm:styleLbl>
+  <dgm:styleLbl name="parChTrans1D2">
+    <dgm:scene3d>
+      <a:camera prst="orthographicFront"/>
+      <a:lightRig rig="threePt" dir="t"/>
+    </dgm:scene3d>
+    <dgm:sp3d/>
+    <dgm:txPr/>
+    <dgm:style>
+      <a:lnRef idx="2">
+        <a:scrgbClr r="0" g="0" b="0"/>
+      </a:lnRef>
+      <a:fillRef idx="0">
+        <a:scrgbClr r="0" g="0" b="0"/>
+      </a:fillRef>
+      <a:effectRef idx="0">
+        <a:scrgbClr r="0" g="0" b="0"/>
+      </a:effectRef>
+      <a:fontRef idx="minor"/>
+    </dgm:style>
+  </dgm:styleLbl>
+  <dgm:styleLbl name="parChTrans1D3">
+    <dgm:scene3d>
+      <a:camera prst="orthographicFront"/>
+      <a:lightRig rig="threePt" dir="t"/>
+    </dgm:scene3d>
+    <dgm:sp3d/>
+    <dgm:txPr/>
+    <dgm:style>
+      <a:lnRef idx="2">
+        <a:scrgbClr r="0" g="0" b="0"/>
+      </a:lnRef>
+      <a:fillRef idx="0">
+        <a:scrgbClr r="0" g="0" b="0"/>
+      </a:fillRef>
+      <a:effectRef idx="0">
+        <a:scrgbClr r="0" g="0" b="0"/>
+      </a:effectRef>
+      <a:fontRef idx="minor"/>
+    </dgm:style>
+  </dgm:styleLbl>
+  <dgm:styleLbl name="parChTrans1D4">
+    <dgm:scene3d>
+      <a:camera prst="orthographicFront"/>
+      <a:lightRig rig="threePt" dir="t"/>
+    </dgm:scene3d>
+    <dgm:sp3d/>
+    <dgm:txPr/>
+    <dgm:style>
+      <a:lnRef idx="2">
+        <a:scrgbClr r="0" g="0" b="0"/>
+      </a:lnRef>
+      <a:fillRef idx="0">
+        <a:scrgbClr r="0" g="0" b="0"/>
+      </a:fillRef>
+      <a:effectRef idx="0">
+        <a:scrgbClr r="0" g="0" b="0"/>
+      </a:effectRef>
+      <a:fontRef idx="minor"/>
+    </dgm:style>
+  </dgm:styleLbl>
+  <dgm:styleLbl name="fgAcc1">
+    <dgm:scene3d>
+      <a:camera prst="orthographicFront"/>
+      <a:lightRig rig="threePt" dir="t"/>
+    </dgm:scene3d>
+    <dgm:sp3d/>
+    <dgm:txPr/>
+    <dgm:style>
+      <a:lnRef idx="2">
+        <a:scrgbClr r="0" g="0" b="0"/>
+      </a:lnRef>
+      <a:fillRef idx="1">
+        <a:scrgbClr r="0" g="0" b="0"/>
+      </a:fillRef>
+      <a:effectRef idx="0">
+        <a:scrgbClr r="0" g="0" b="0"/>
+      </a:effectRef>
+      <a:fontRef idx="minor"/>
+    </dgm:style>
+  </dgm:styleLbl>
+  <dgm:styleLbl name="conFgAcc1">
+    <dgm:scene3d>
+      <a:camera prst="orthographicFront"/>
+      <a:lightRig rig="threePt" dir="t"/>
+    </dgm:scene3d>
+    <dgm:sp3d/>
+    <dgm:txPr/>
+    <dgm:style>
+      <a:lnRef idx="2">
+        <a:scrgbClr r="0" g="0" b="0"/>
+      </a:lnRef>
+      <a:fillRef idx="1">
+        <a:scrgbClr r="0" g="0" b="0"/>
+      </a:fillRef>
+      <a:effectRef idx="0">
+        <a:scrgbClr r="0" g="0" b="0"/>
+      </a:effectRef>
+      <a:fontRef idx="minor"/>
+    </dgm:style>
+  </dgm:styleLbl>
+  <dgm:styleLbl name="alignAcc1">
+    <dgm:scene3d>
+      <a:camera prst="orthographicFront"/>
+      <a:lightRig rig="threePt" dir="t"/>
+    </dgm:scene3d>
+    <dgm:sp3d/>
+    <dgm:txPr/>
+    <dgm:style>
+      <a:lnRef idx="2">
+        <a:scrgbClr r="0" g="0" b="0"/>
+      </a:lnRef>
+      <a:fillRef idx="1">
+        <a:scrgbClr r="0" g="0" b="0"/>
+      </a:fillRef>
+      <a:effectRef idx="0">
+        <a:scrgbClr r="0" g="0" b="0"/>
+      </a:effectRef>
+      <a:fontRef idx="minor"/>
+    </dgm:style>
+  </dgm:styleLbl>
+  <dgm:styleLbl name="trAlignAcc1">
+    <dgm:scene3d>
+      <a:camera prst="orthographicFront"/>
+      <a:lightRig rig="threePt" dir="t"/>
+    </dgm:scene3d>
+    <dgm:sp3d/>
+    <dgm:txPr/>
+    <dgm:style>
+      <a:lnRef idx="1">
+        <a:scrgbClr r="0" g="0" b="0"/>
+      </a:lnRef>
+      <a:fillRef idx="1">
+        <a:scrgbClr r="0" g="0" b="0"/>
+      </a:fillRef>
+      <a:effectRef idx="0">
+        <a:scrgbClr r="0" g="0" b="0"/>
+      </a:effectRef>
+      <a:fontRef idx="minor"/>
+    </dgm:style>
+  </dgm:styleLbl>
+  <dgm:styleLbl name="bgAcc1">
+    <dgm:scene3d>
+      <a:camera prst="orthographicFront"/>
+      <a:lightRig rig="threePt" dir="t"/>
+    </dgm:scene3d>
+    <dgm:sp3d/>
+    <dgm:txPr/>
+    <dgm:style>
+      <a:lnRef idx="2">
+        <a:scrgbClr r="0" g="0" b="0"/>
+      </a:lnRef>
+      <a:fillRef idx="1">
+        <a:scrgbClr r="0" g="0" b="0"/>
+      </a:fillRef>
+      <a:effectRef idx="0">
+        <a:scrgbClr r="0" g="0" b="0"/>
+      </a:effectRef>
+      <a:fontRef idx="minor"/>
+    </dgm:style>
+  </dgm:styleLbl>
+  <dgm:styleLbl name="solidFgAcc1">
+    <dgm:scene3d>
+      <a:camera prst="orthographicFront"/>
+      <a:lightRig rig="threePt" dir="t"/>
+    </dgm:scene3d>
+    <dgm:sp3d/>
+    <dgm:txPr/>
+    <dgm:style>
+      <a:lnRef idx="2">
+        <a:scrgbClr r="0" g="0" b="0"/>
+      </a:lnRef>
+      <a:fillRef idx="1">
+        <a:scrgbClr r="0" g="0" b="0"/>
+      </a:fillRef>
+      <a:effectRef idx="0">
+        <a:scrgbClr r="0" g="0" b="0"/>
+      </a:effectRef>
+      <a:fontRef idx="minor"/>
+    </dgm:style>
+  </dgm:styleLbl>
+  <dgm:styleLbl name="solidAlignAcc1">
+    <dgm:scene3d>
+      <a:camera prst="orthographicFront"/>
+      <a:lightRig rig="threePt" dir="t"/>
+    </dgm:scene3d>
+    <dgm:sp3d/>
+    <dgm:txPr/>
+    <dgm:style>
+      <a:lnRef idx="2">
+        <a:scrgbClr r="0" g="0" b="0"/>
+      </a:lnRef>
+      <a:fillRef idx="1">
+        <a:scrgbClr r="0" g="0" b="0"/>
+      </a:fillRef>
+      <a:effectRef idx="0">
+        <a:scrgbClr r="0" g="0" b="0"/>
+      </a:effectRef>
+      <a:fontRef idx="minor"/>
+    </dgm:style>
+  </dgm:styleLbl>
+  <dgm:styleLbl name="solidBgAcc1">
+    <dgm:scene3d>
+      <a:camera prst="orthographicFront"/>
+      <a:lightRig rig="threePt" dir="t"/>
+    </dgm:scene3d>
+    <dgm:sp3d/>
+    <dgm:txPr/>
+    <dgm:style>
+      <a:lnRef idx="2">
+        <a:scrgbClr r="0" g="0" b="0"/>
+      </a:lnRef>
+      <a:fillRef idx="1">
+        <a:scrgbClr r="0" g="0" b="0"/>
+      </a:fillRef>
+      <a:effectRef idx="0">
+        <a:scrgbClr r="0" g="0" b="0"/>
+      </a:effectRef>
+      <a:fontRef idx="minor"/>
+    </dgm:style>
+  </dgm:styleLbl>
+  <dgm:styleLbl name="fgAccFollowNode1">
+    <dgm:scene3d>
+      <a:camera prst="orthographicFront"/>
+      <a:lightRig rig="threePt" dir="t"/>
+    </dgm:scene3d>
+    <dgm:sp3d/>
+    <dgm:txPr/>
+    <dgm:style>
+      <a:lnRef idx="2">
+        <a:scrgbClr r="0" g="0" b="0"/>
+      </a:lnRef>
+      <a:fillRef idx="1">
+        <a:scrgbClr r="0" g="0" b="0"/>
+      </a:fillRef>
+      <a:effectRef idx="0">
+        <a:scrgbClr r="0" g="0" b="0"/>
+      </a:effectRef>
+      <a:fontRef idx="minor"/>
+    </dgm:style>
+  </dgm:styleLbl>
+  <dgm:styleLbl name="alignAccFollowNode1">
+    <dgm:scene3d>
+      <a:camera prst="orthographicFront"/>
+      <a:lightRig rig="threePt" dir="t"/>
+    </dgm:scene3d>
+    <dgm:sp3d/>
+    <dgm:txPr/>
+    <dgm:style>
+      <a:lnRef idx="2">
+        <a:scrgbClr r="0" g="0" b="0"/>
+      </a:lnRef>
+      <a:fillRef idx="1">
+        <a:scrgbClr r="0" g="0" b="0"/>
+      </a:fillRef>
+      <a:effectRef idx="0">
+        <a:scrgbClr r="0" g="0" b="0"/>
+      </a:effectRef>
+      <a:fontRef idx="minor"/>
+    </dgm:style>
+  </dgm:styleLbl>
+  <dgm:styleLbl name="bgAccFollowNode1">
+    <dgm:scene3d>
+      <a:camera prst="orthographicFront"/>
+      <a:lightRig rig="threePt" dir="t"/>
+    </dgm:scene3d>
+    <dgm:sp3d/>
+    <dgm:txPr/>
+    <dgm:style>
+      <a:lnRef idx="2">
+        <a:scrgbClr r="0" g="0" b="0"/>
+      </a:lnRef>
+      <a:fillRef idx="1">
+        <a:scrgbClr r="0" g="0" b="0"/>
+      </a:fillRef>
+      <a:effectRef idx="0">
+        <a:scrgbClr r="0" g="0" b="0"/>
+      </a:effectRef>
+      <a:fontRef idx="minor"/>
+    </dgm:style>
+  </dgm:styleLbl>
+  <dgm:styleLbl name="fgAcc0">
+    <dgm:scene3d>
+      <a:camera prst="orthographicFront"/>
+      <a:lightRig rig="threePt" dir="t"/>
+    </dgm:scene3d>
+    <dgm:sp3d/>
+    <dgm:txPr/>
+    <dgm:style>
+      <a:lnRef idx="2">
+        <a:scrgbClr r="0" g="0" b="0"/>
+      </a:lnRef>
+      <a:fillRef idx="1">
+        <a:scrgbClr r="0" g="0" b="0"/>
+      </a:fillRef>
+      <a:effectRef idx="0">
+        <a:scrgbClr r="0" g="0" b="0"/>
+      </a:effectRef>
+      <a:fontRef idx="minor"/>
+    </dgm:style>
+  </dgm:styleLbl>
+  <dgm:styleLbl name="fgAcc2">
+    <dgm:scene3d>
+      <a:camera prst="orthographicFront"/>
+      <a:lightRig rig="threePt" dir="t"/>
+    </dgm:scene3d>
+    <dgm:sp3d/>
+    <dgm:txPr/>
+    <dgm:style>
+      <a:lnRef idx="2">
+        <a:scrgbClr r="0" g="0" b="0"/>
+      </a:lnRef>
+      <a:fillRef idx="1">
+        <a:scrgbClr r="0" g="0" b="0"/>
+      </a:fillRef>
+      <a:effectRef idx="0">
+        <a:scrgbClr r="0" g="0" b="0"/>
+      </a:effectRef>
+      <a:fontRef idx="minor"/>
+    </dgm:style>
+  </dgm:styleLbl>
+  <dgm:styleLbl name="fgAcc3">
+    <dgm:scene3d>
+      <a:camera prst="orthographicFront"/>
+      <a:lightRig rig="threePt" dir="t"/>
+    </dgm:scene3d>
+    <dgm:sp3d/>
+    <dgm:txPr/>
+    <dgm:style>
+      <a:lnRef idx="2">
+        <a:scrgbClr r="0" g="0" b="0"/>
+      </a:lnRef>
+      <a:fillRef idx="1">
+        <a:scrgbClr r="0" g="0" b="0"/>
+      </a:fillRef>
+      <a:effectRef idx="0">
+        <a:scrgbClr r="0" g="0" b="0"/>
+      </a:effectRef>
+      <a:fontRef idx="minor"/>
+    </dgm:style>
+  </dgm:styleLbl>
+  <dgm:styleLbl name="fgAcc4">
+    <dgm:scene3d>
+      <a:camera prst="orthographicFront"/>
+      <a:lightRig rig="threePt" dir="t"/>
+    </dgm:scene3d>
+    <dgm:sp3d/>
+    <dgm:txPr/>
+    <dgm:style>
+      <a:lnRef idx="2">
+        <a:scrgbClr r="0" g="0" b="0"/>
+      </a:lnRef>
+      <a:fillRef idx="1">
+        <a:scrgbClr r="0" g="0" b="0"/>
+      </a:fillRef>
+      <a:effectRef idx="0">
+        <a:scrgbClr r="0" g="0" b="0"/>
+      </a:effectRef>
+      <a:fontRef idx="minor"/>
+    </dgm:style>
+  </dgm:styleLbl>
+  <dgm:styleLbl name="bgShp">
+    <dgm:scene3d>
+      <a:camera prst="orthographicFront"/>
+      <a:lightRig rig="threePt" dir="t"/>
+    </dgm:scene3d>
+    <dgm:sp3d/>
+    <dgm:txPr/>
+    <dgm:style>
+      <a:lnRef idx="0">
+        <a:scrgbClr r="0" g="0" b="0"/>
+      </a:lnRef>
+      <a:fillRef idx="1">
+        <a:scrgbClr r="0" g="0" b="0"/>
+      </a:fillRef>
+      <a:effectRef idx="0">
+        <a:scrgbClr r="0" g="0" b="0"/>
+      </a:effectRef>
+      <a:fontRef idx="minor"/>
+    </dgm:style>
+  </dgm:styleLbl>
+  <dgm:styleLbl name="dkBgShp">
+    <dgm:scene3d>
+      <a:camera prst="orthographicFront"/>
+      <a:lightRig rig="threePt" dir="t"/>
+    </dgm:scene3d>
+    <dgm:sp3d/>
+    <dgm:txPr/>
+    <dgm:style>
+      <a:lnRef idx="0">
+        <a:scrgbClr r="0" g="0" b="0"/>
+      </a:lnRef>
+      <a:fillRef idx="1">
+        <a:scrgbClr r="0" g="0" b="0"/>
+      </a:fillRef>
+      <a:effectRef idx="0">
+        <a:scrgbClr r="0" g="0" b="0"/>
+      </a:effectRef>
+      <a:fontRef idx="minor"/>
+    </dgm:style>
+  </dgm:styleLbl>
+  <dgm:styleLbl name="trBgShp">
+    <dgm:scene3d>
+      <a:camera prst="orthographicFront"/>
+      <a:lightRig rig="threePt" dir="t"/>
+    </dgm:scene3d>
+    <dgm:sp3d/>
+    <dgm:txPr/>
+    <dgm:style>
+      <a:lnRef idx="0">
+        <a:scrgbClr r="0" g="0" b="0"/>
+      </a:lnRef>
+      <a:fillRef idx="1">
+        <a:scrgbClr r="0" g="0" b="0"/>
+      </a:fillRef>
+      <a:effectRef idx="0">
+        <a:scrgbClr r="0" g="0" b="0"/>
+      </a:effectRef>
+      <a:fontRef idx="minor"/>
+    </dgm:style>
+  </dgm:styleLbl>
+  <dgm:styleLbl name="fgShp">
+    <dgm:scene3d>
+      <a:camera prst="orthographicFront"/>
+      <a:lightRig rig="threePt" dir="t"/>
+    </dgm:scene3d>
+    <dgm:sp3d/>
+    <dgm:txPr/>
+    <dgm:style>
+      <a:lnRef idx="3">
+        <a:scrgbClr r="0" g="0" b="0"/>
+      </a:lnRef>
+      <a:fillRef idx="1">
+        <a:scrgbClr r="0" g="0" b="0"/>
+      </a:fillRef>
+      <a:effectRef idx="1">
+        <a:scrgbClr r="0" g="0" b="0"/>
+      </a:effectRef>
+      <a:fontRef idx="minor"/>
+    </dgm:style>
+  </dgm:styleLbl>
+  <dgm:styleLbl name="revTx">
+    <dgm:scene3d>
+      <a:camera prst="orthographicFront"/>
+      <a:lightRig rig="threePt" dir="t"/>
+    </dgm:scene3d>
+    <dgm:sp3d/>
+    <dgm:txPr/>
+    <dgm:style>
+      <a:lnRef idx="0">
+        <a:scrgbClr r="0" g="0" b="0"/>
+      </a:lnRef>
+      <a:fillRef idx="0">
+        <a:scrgbClr r="0" g="0" b="0"/>
+      </a:fillRef>
+      <a:effectRef idx="0">
+        <a:scrgbClr r="0" g="0" b="0"/>
+      </a:effectRef>
+      <a:fontRef idx="minor"/>
+    </dgm:style>
+  </dgm:styleLbl>
+</dgm:styleDef>
 </file>
 
 <file path=ppt/slideLayouts/slideLayout1.xml><?xml version="1.0" encoding="utf-8"?>
@@ -7257,13 +10267,8 @@
             <a:pPr marL="411480"/>
             <a:r>
               <a:rPr lang="en-US" sz="2400" dirty="0"/>
-              <a:t>Web Developers Can Be </a:t>
+              <a:t>Web Developers Can Be Mobile Developers (HTML, CSS, JS)</a:t>
             </a:r>
-            <a:r>
-              <a:rPr lang="en-US" sz="2400"/>
-              <a:t>Mobile Developers (HTML, CSS, JS)</a:t>
-            </a:r>
-            <a:endParaRPr lang="en-US" sz="2400" dirty="0"/>
           </a:p>
           <a:p>
             <a:endParaRPr lang="en-US" sz="2400" dirty="0"/>
@@ -7399,6 +10404,14 @@
 <file path=ppt/slides/slide7.xml><?xml version="1.0" encoding="utf-8"?>
 <p:sld xmlns:a="http://schemas.openxmlformats.org/drawingml/2006/main" xmlns:r="http://schemas.openxmlformats.org/officeDocument/2006/relationships" xmlns:p="http://schemas.openxmlformats.org/presentationml/2006/main">
   <p:cSld>
+    <p:bg>
+      <p:bgPr>
+        <a:solidFill>
+          <a:schemeClr val="bg2"/>
+        </a:solidFill>
+        <a:effectLst/>
+      </p:bgPr>
+    </p:bg>
     <p:spTree>
       <p:nvGrpSpPr>
         <p:cNvPr id="1" name=""/>
@@ -7415,6 +10428,536 @@
       </p:grpSpPr>
       <p:sp>
         <p:nvSpPr>
+          <p:cNvPr id="10" name="Freeform 6" title="Left scallop edge">
+            <a:extLst>
+              <a:ext uri="{FF2B5EF4-FFF2-40B4-BE49-F238E27FC236}">
+                <a16:creationId xmlns:a16="http://schemas.microsoft.com/office/drawing/2014/main" id="{D09F5552-39CF-49BE-9BA3-F2C2E97DD974}"/>
+              </a:ext>
+            </a:extLst>
+          </p:cNvPr>
+          <p:cNvSpPr>
+            <a:spLocks noGrp="1" noRot="1" noChangeAspect="1" noMove="1" noResize="1" noEditPoints="1" noAdjustHandles="1" noChangeArrowheads="1" noChangeShapeType="1" noTextEdit="1"/>
+          </p:cNvSpPr>
+          <p:nvPr>
+            <p:extLst>
+              <p:ext uri="{386F3935-93C4-4BCD-93E2-E3B085C9AB24}">
+                <p16:designElem xmlns:p16="http://schemas.microsoft.com/office/powerpoint/2015/main" val="1"/>
+              </p:ext>
+            </p:extLst>
+          </p:nvPr>
+        </p:nvSpPr>
+        <p:spPr bwMode="auto">
+          <a:xfrm>
+            <a:off x="0" y="0"/>
+            <a:ext cx="885825" cy="6858000"/>
+          </a:xfrm>
+          <a:custGeom>
+            <a:avLst/>
+            <a:gdLst/>
+            <a:ahLst/>
+            <a:cxnLst/>
+            <a:rect l="0" t="0" r="r" b="b"/>
+            <a:pathLst>
+              <a:path w="558" h="4320">
+                <a:moveTo>
+                  <a:pt x="0" y="0"/>
+                </a:moveTo>
+                <a:lnTo>
+                  <a:pt x="447" y="0"/>
+                </a:lnTo>
+                <a:lnTo>
+                  <a:pt x="448" y="43"/>
+                </a:lnTo>
+                <a:lnTo>
+                  <a:pt x="453" y="81"/>
+                </a:lnTo>
+                <a:lnTo>
+                  <a:pt x="460" y="114"/>
+                </a:lnTo>
+                <a:lnTo>
+                  <a:pt x="469" y="143"/>
+                </a:lnTo>
+                <a:lnTo>
+                  <a:pt x="479" y="169"/>
+                </a:lnTo>
+                <a:lnTo>
+                  <a:pt x="491" y="192"/>
+                </a:lnTo>
+                <a:lnTo>
+                  <a:pt x="503" y="216"/>
+                </a:lnTo>
+                <a:lnTo>
+                  <a:pt x="515" y="240"/>
+                </a:lnTo>
+                <a:lnTo>
+                  <a:pt x="525" y="263"/>
+                </a:lnTo>
+                <a:lnTo>
+                  <a:pt x="535" y="289"/>
+                </a:lnTo>
+                <a:lnTo>
+                  <a:pt x="545" y="318"/>
+                </a:lnTo>
+                <a:lnTo>
+                  <a:pt x="552" y="351"/>
+                </a:lnTo>
+                <a:lnTo>
+                  <a:pt x="556" y="389"/>
+                </a:lnTo>
+                <a:lnTo>
+                  <a:pt x="558" y="432"/>
+                </a:lnTo>
+                <a:lnTo>
+                  <a:pt x="556" y="475"/>
+                </a:lnTo>
+                <a:lnTo>
+                  <a:pt x="552" y="513"/>
+                </a:lnTo>
+                <a:lnTo>
+                  <a:pt x="545" y="546"/>
+                </a:lnTo>
+                <a:lnTo>
+                  <a:pt x="535" y="575"/>
+                </a:lnTo>
+                <a:lnTo>
+                  <a:pt x="525" y="601"/>
+                </a:lnTo>
+                <a:lnTo>
+                  <a:pt x="515" y="624"/>
+                </a:lnTo>
+                <a:lnTo>
+                  <a:pt x="503" y="648"/>
+                </a:lnTo>
+                <a:lnTo>
+                  <a:pt x="491" y="672"/>
+                </a:lnTo>
+                <a:lnTo>
+                  <a:pt x="479" y="695"/>
+                </a:lnTo>
+                <a:lnTo>
+                  <a:pt x="469" y="721"/>
+                </a:lnTo>
+                <a:lnTo>
+                  <a:pt x="460" y="750"/>
+                </a:lnTo>
+                <a:lnTo>
+                  <a:pt x="453" y="783"/>
+                </a:lnTo>
+                <a:lnTo>
+                  <a:pt x="448" y="821"/>
+                </a:lnTo>
+                <a:lnTo>
+                  <a:pt x="447" y="864"/>
+                </a:lnTo>
+                <a:lnTo>
+                  <a:pt x="448" y="907"/>
+                </a:lnTo>
+                <a:lnTo>
+                  <a:pt x="453" y="945"/>
+                </a:lnTo>
+                <a:lnTo>
+                  <a:pt x="460" y="978"/>
+                </a:lnTo>
+                <a:lnTo>
+                  <a:pt x="469" y="1007"/>
+                </a:lnTo>
+                <a:lnTo>
+                  <a:pt x="479" y="1033"/>
+                </a:lnTo>
+                <a:lnTo>
+                  <a:pt x="491" y="1056"/>
+                </a:lnTo>
+                <a:lnTo>
+                  <a:pt x="503" y="1080"/>
+                </a:lnTo>
+                <a:lnTo>
+                  <a:pt x="515" y="1104"/>
+                </a:lnTo>
+                <a:lnTo>
+                  <a:pt x="525" y="1127"/>
+                </a:lnTo>
+                <a:lnTo>
+                  <a:pt x="535" y="1153"/>
+                </a:lnTo>
+                <a:lnTo>
+                  <a:pt x="545" y="1182"/>
+                </a:lnTo>
+                <a:lnTo>
+                  <a:pt x="552" y="1215"/>
+                </a:lnTo>
+                <a:lnTo>
+                  <a:pt x="556" y="1253"/>
+                </a:lnTo>
+                <a:lnTo>
+                  <a:pt x="558" y="1296"/>
+                </a:lnTo>
+                <a:lnTo>
+                  <a:pt x="556" y="1339"/>
+                </a:lnTo>
+                <a:lnTo>
+                  <a:pt x="552" y="1377"/>
+                </a:lnTo>
+                <a:lnTo>
+                  <a:pt x="545" y="1410"/>
+                </a:lnTo>
+                <a:lnTo>
+                  <a:pt x="535" y="1439"/>
+                </a:lnTo>
+                <a:lnTo>
+                  <a:pt x="525" y="1465"/>
+                </a:lnTo>
+                <a:lnTo>
+                  <a:pt x="515" y="1488"/>
+                </a:lnTo>
+                <a:lnTo>
+                  <a:pt x="503" y="1512"/>
+                </a:lnTo>
+                <a:lnTo>
+                  <a:pt x="491" y="1536"/>
+                </a:lnTo>
+                <a:lnTo>
+                  <a:pt x="479" y="1559"/>
+                </a:lnTo>
+                <a:lnTo>
+                  <a:pt x="469" y="1585"/>
+                </a:lnTo>
+                <a:lnTo>
+                  <a:pt x="460" y="1614"/>
+                </a:lnTo>
+                <a:lnTo>
+                  <a:pt x="453" y="1647"/>
+                </a:lnTo>
+                <a:lnTo>
+                  <a:pt x="448" y="1685"/>
+                </a:lnTo>
+                <a:lnTo>
+                  <a:pt x="447" y="1728"/>
+                </a:lnTo>
+                <a:lnTo>
+                  <a:pt x="448" y="1771"/>
+                </a:lnTo>
+                <a:lnTo>
+                  <a:pt x="453" y="1809"/>
+                </a:lnTo>
+                <a:lnTo>
+                  <a:pt x="460" y="1842"/>
+                </a:lnTo>
+                <a:lnTo>
+                  <a:pt x="469" y="1871"/>
+                </a:lnTo>
+                <a:lnTo>
+                  <a:pt x="479" y="1897"/>
+                </a:lnTo>
+                <a:lnTo>
+                  <a:pt x="491" y="1920"/>
+                </a:lnTo>
+                <a:lnTo>
+                  <a:pt x="503" y="1944"/>
+                </a:lnTo>
+                <a:lnTo>
+                  <a:pt x="515" y="1968"/>
+                </a:lnTo>
+                <a:lnTo>
+                  <a:pt x="525" y="1991"/>
+                </a:lnTo>
+                <a:lnTo>
+                  <a:pt x="535" y="2017"/>
+                </a:lnTo>
+                <a:lnTo>
+                  <a:pt x="545" y="2046"/>
+                </a:lnTo>
+                <a:lnTo>
+                  <a:pt x="552" y="2079"/>
+                </a:lnTo>
+                <a:lnTo>
+                  <a:pt x="556" y="2117"/>
+                </a:lnTo>
+                <a:lnTo>
+                  <a:pt x="558" y="2159"/>
+                </a:lnTo>
+                <a:lnTo>
+                  <a:pt x="556" y="2203"/>
+                </a:lnTo>
+                <a:lnTo>
+                  <a:pt x="552" y="2241"/>
+                </a:lnTo>
+                <a:lnTo>
+                  <a:pt x="545" y="2274"/>
+                </a:lnTo>
+                <a:lnTo>
+                  <a:pt x="535" y="2303"/>
+                </a:lnTo>
+                <a:lnTo>
+                  <a:pt x="525" y="2329"/>
+                </a:lnTo>
+                <a:lnTo>
+                  <a:pt x="515" y="2352"/>
+                </a:lnTo>
+                <a:lnTo>
+                  <a:pt x="503" y="2376"/>
+                </a:lnTo>
+                <a:lnTo>
+                  <a:pt x="491" y="2400"/>
+                </a:lnTo>
+                <a:lnTo>
+                  <a:pt x="479" y="2423"/>
+                </a:lnTo>
+                <a:lnTo>
+                  <a:pt x="469" y="2449"/>
+                </a:lnTo>
+                <a:lnTo>
+                  <a:pt x="460" y="2478"/>
+                </a:lnTo>
+                <a:lnTo>
+                  <a:pt x="453" y="2511"/>
+                </a:lnTo>
+                <a:lnTo>
+                  <a:pt x="448" y="2549"/>
+                </a:lnTo>
+                <a:lnTo>
+                  <a:pt x="447" y="2592"/>
+                </a:lnTo>
+                <a:lnTo>
+                  <a:pt x="448" y="2635"/>
+                </a:lnTo>
+                <a:lnTo>
+                  <a:pt x="453" y="2673"/>
+                </a:lnTo>
+                <a:lnTo>
+                  <a:pt x="460" y="2706"/>
+                </a:lnTo>
+                <a:lnTo>
+                  <a:pt x="469" y="2735"/>
+                </a:lnTo>
+                <a:lnTo>
+                  <a:pt x="479" y="2761"/>
+                </a:lnTo>
+                <a:lnTo>
+                  <a:pt x="491" y="2784"/>
+                </a:lnTo>
+                <a:lnTo>
+                  <a:pt x="515" y="2832"/>
+                </a:lnTo>
+                <a:lnTo>
+                  <a:pt x="525" y="2855"/>
+                </a:lnTo>
+                <a:lnTo>
+                  <a:pt x="535" y="2881"/>
+                </a:lnTo>
+                <a:lnTo>
+                  <a:pt x="545" y="2910"/>
+                </a:lnTo>
+                <a:lnTo>
+                  <a:pt x="552" y="2943"/>
+                </a:lnTo>
+                <a:lnTo>
+                  <a:pt x="556" y="2981"/>
+                </a:lnTo>
+                <a:lnTo>
+                  <a:pt x="558" y="3024"/>
+                </a:lnTo>
+                <a:lnTo>
+                  <a:pt x="556" y="3067"/>
+                </a:lnTo>
+                <a:lnTo>
+                  <a:pt x="552" y="3105"/>
+                </a:lnTo>
+                <a:lnTo>
+                  <a:pt x="545" y="3138"/>
+                </a:lnTo>
+                <a:lnTo>
+                  <a:pt x="535" y="3167"/>
+                </a:lnTo>
+                <a:lnTo>
+                  <a:pt x="525" y="3193"/>
+                </a:lnTo>
+                <a:lnTo>
+                  <a:pt x="515" y="3216"/>
+                </a:lnTo>
+                <a:lnTo>
+                  <a:pt x="503" y="3240"/>
+                </a:lnTo>
+                <a:lnTo>
+                  <a:pt x="491" y="3264"/>
+                </a:lnTo>
+                <a:lnTo>
+                  <a:pt x="479" y="3287"/>
+                </a:lnTo>
+                <a:lnTo>
+                  <a:pt x="469" y="3313"/>
+                </a:lnTo>
+                <a:lnTo>
+                  <a:pt x="460" y="3342"/>
+                </a:lnTo>
+                <a:lnTo>
+                  <a:pt x="453" y="3375"/>
+                </a:lnTo>
+                <a:lnTo>
+                  <a:pt x="448" y="3413"/>
+                </a:lnTo>
+                <a:lnTo>
+                  <a:pt x="447" y="3456"/>
+                </a:lnTo>
+                <a:lnTo>
+                  <a:pt x="448" y="3499"/>
+                </a:lnTo>
+                <a:lnTo>
+                  <a:pt x="453" y="3537"/>
+                </a:lnTo>
+                <a:lnTo>
+                  <a:pt x="460" y="3570"/>
+                </a:lnTo>
+                <a:lnTo>
+                  <a:pt x="469" y="3599"/>
+                </a:lnTo>
+                <a:lnTo>
+                  <a:pt x="479" y="3625"/>
+                </a:lnTo>
+                <a:lnTo>
+                  <a:pt x="491" y="3648"/>
+                </a:lnTo>
+                <a:lnTo>
+                  <a:pt x="503" y="3672"/>
+                </a:lnTo>
+                <a:lnTo>
+                  <a:pt x="515" y="3696"/>
+                </a:lnTo>
+                <a:lnTo>
+                  <a:pt x="525" y="3719"/>
+                </a:lnTo>
+                <a:lnTo>
+                  <a:pt x="535" y="3745"/>
+                </a:lnTo>
+                <a:lnTo>
+                  <a:pt x="545" y="3774"/>
+                </a:lnTo>
+                <a:lnTo>
+                  <a:pt x="552" y="3807"/>
+                </a:lnTo>
+                <a:lnTo>
+                  <a:pt x="556" y="3845"/>
+                </a:lnTo>
+                <a:lnTo>
+                  <a:pt x="558" y="3888"/>
+                </a:lnTo>
+                <a:lnTo>
+                  <a:pt x="556" y="3931"/>
+                </a:lnTo>
+                <a:lnTo>
+                  <a:pt x="552" y="3969"/>
+                </a:lnTo>
+                <a:lnTo>
+                  <a:pt x="545" y="4002"/>
+                </a:lnTo>
+                <a:lnTo>
+                  <a:pt x="535" y="4031"/>
+                </a:lnTo>
+                <a:lnTo>
+                  <a:pt x="525" y="4057"/>
+                </a:lnTo>
+                <a:lnTo>
+                  <a:pt x="515" y="4080"/>
+                </a:lnTo>
+                <a:lnTo>
+                  <a:pt x="503" y="4104"/>
+                </a:lnTo>
+                <a:lnTo>
+                  <a:pt x="491" y="4128"/>
+                </a:lnTo>
+                <a:lnTo>
+                  <a:pt x="479" y="4151"/>
+                </a:lnTo>
+                <a:lnTo>
+                  <a:pt x="469" y="4177"/>
+                </a:lnTo>
+                <a:lnTo>
+                  <a:pt x="460" y="4206"/>
+                </a:lnTo>
+                <a:lnTo>
+                  <a:pt x="453" y="4239"/>
+                </a:lnTo>
+                <a:lnTo>
+                  <a:pt x="448" y="4277"/>
+                </a:lnTo>
+                <a:lnTo>
+                  <a:pt x="447" y="4320"/>
+                </a:lnTo>
+                <a:lnTo>
+                  <a:pt x="0" y="4320"/>
+                </a:lnTo>
+                <a:lnTo>
+                  <a:pt x="0" y="0"/>
+                </a:lnTo>
+                <a:close/>
+              </a:path>
+            </a:pathLst>
+          </a:custGeom>
+          <a:solidFill>
+            <a:schemeClr val="tx2"/>
+          </a:solidFill>
+          <a:ln w="0">
+            <a:noFill/>
+            <a:prstDash val="solid"/>
+            <a:round/>
+            <a:headEnd/>
+            <a:tailEnd/>
+          </a:ln>
+        </p:spPr>
+      </p:sp>
+      <p:sp>
+        <p:nvSpPr>
+          <p:cNvPr id="12" name="Rectangle 11" title="right edge border">
+            <a:extLst>
+              <a:ext uri="{FF2B5EF4-FFF2-40B4-BE49-F238E27FC236}">
+                <a16:creationId xmlns:a16="http://schemas.microsoft.com/office/drawing/2014/main" id="{6CCDD5D4-DC0E-4B2C-8B6B-FCAA00ECE04E}"/>
+              </a:ext>
+            </a:extLst>
+          </p:cNvPr>
+          <p:cNvSpPr>
+            <a:spLocks noGrp="1" noRot="1" noChangeAspect="1" noMove="1" noResize="1" noEditPoints="1" noAdjustHandles="1" noChangeArrowheads="1" noChangeShapeType="1" noTextEdit="1"/>
+          </p:cNvSpPr>
+          <p:nvPr>
+            <p:extLst>
+              <p:ext uri="{386F3935-93C4-4BCD-93E2-E3B085C9AB24}">
+                <p16:designElem xmlns:p16="http://schemas.microsoft.com/office/powerpoint/2015/main" val="1"/>
+              </p:ext>
+            </p:extLst>
+          </p:nvPr>
+        </p:nvSpPr>
+        <p:spPr>
+          <a:xfrm>
+            <a:off x="11908536" y="0"/>
+            <a:ext cx="283464" cy="6858000"/>
+          </a:xfrm>
+          <a:prstGeom prst="rect">
+            <a:avLst/>
+          </a:prstGeom>
+          <a:solidFill>
+            <a:schemeClr val="accent1"/>
+          </a:solidFill>
+          <a:ln>
+            <a:noFill/>
+          </a:ln>
+        </p:spPr>
+        <p:style>
+          <a:lnRef idx="2">
+            <a:schemeClr val="accent1">
+              <a:shade val="50000"/>
+            </a:schemeClr>
+          </a:lnRef>
+          <a:fillRef idx="1">
+            <a:schemeClr val="accent1"/>
+          </a:fillRef>
+          <a:effectRef idx="0">
+            <a:schemeClr val="accent1"/>
+          </a:effectRef>
+          <a:fontRef idx="minor">
+            <a:schemeClr val="lt1"/>
+          </a:fontRef>
+        </p:style>
+      </p:sp>
+      <p:sp>
+        <p:nvSpPr>
           <p:cNvPr id="2" name="Title 1">
             <a:extLst>
               <a:ext uri="{FF2B5EF4-FFF2-40B4-BE49-F238E27FC236}">
@@ -7429,9 +10972,16 @@
             <p:ph type="title"/>
           </p:nvPr>
         </p:nvSpPr>
-        <p:spPr/>
+        <p:spPr>
+          <a:xfrm>
+            <a:off x="1251678" y="382385"/>
+            <a:ext cx="10178322" cy="1492132"/>
+          </a:xfrm>
+        </p:spPr>
         <p:txBody>
-          <a:bodyPr/>
+          <a:bodyPr vert="horz" lIns="91440" tIns="45720" rIns="91440" bIns="45720" rtlCol="0" anchor="ctr">
+            <a:normAutofit/>
+          </a:bodyPr>
           <a:lstStyle/>
           <a:p>
             <a:r>
@@ -7441,6 +10991,28 @@
           </a:p>
         </p:txBody>
       </p:sp>
+      <p:graphicFrame>
+        <p:nvGraphicFramePr>
+          <p:cNvPr id="5" name="TextBox 2"/>
+          <p:cNvGraphicFramePr/>
+          <p:nvPr>
+            <p:extLst>
+              <p:ext uri="{D42A27DB-BD31-4B8C-83A1-F6EECF244321}">
+                <p14:modId xmlns:p14="http://schemas.microsoft.com/office/powerpoint/2010/main" val="3249131824"/>
+              </p:ext>
+            </p:extLst>
+          </p:nvPr>
+        </p:nvGraphicFramePr>
+        <p:xfrm>
+          <a:off x="1250950" y="2286000"/>
+          <a:ext cx="10179050" cy="3594100"/>
+        </p:xfrm>
+        <a:graphic>
+          <a:graphicData uri="http://schemas.openxmlformats.org/drawingml/2006/diagram">
+            <dgm:relIds xmlns:dgm="http://schemas.openxmlformats.org/drawingml/2006/diagram" xmlns:r="http://schemas.openxmlformats.org/officeDocument/2006/relationships" r:dm="rId2" r:lo="rId3" r:qs="rId4" r:cs="rId5"/>
+          </a:graphicData>
+        </a:graphic>
+      </p:graphicFrame>
     </p:spTree>
     <p:extLst>
       <p:ext uri="{BB962C8B-B14F-4D97-AF65-F5344CB8AC3E}">

--- a/Pick a dish app.pptx
+++ b/Pick a dish app.pptx
@@ -113,7 +113,7 @@
   </p:defaultTextStyle>
   <p:extLst>
     <p:ext uri="{EFAFB233-063F-42B5-8137-9DF3F51BA10A}">
-      <p15:sldGuideLst xmlns:p15="http://schemas.microsoft.com/office/powerpoint/2012/main"/>
+      <p15:sldGuideLst xmlns:p15="http://schemas.microsoft.com/office/powerpoint/2012/main" xmlns=""/>
     </p:ext>
   </p:extLst>
 </p:presentation>
@@ -1272,6 +1272,13 @@
         </dgm:presLayoutVars>
       </dgm:prSet>
       <dgm:spPr/>
+      <dgm:t>
+        <a:bodyPr/>
+        <a:lstStyle/>
+        <a:p>
+          <a:endParaRPr lang="en-US"/>
+        </a:p>
+      </dgm:t>
     </dgm:pt>
     <dgm:pt modelId="{2CAB0F38-E292-4E90-B35F-6EB8A903C9CB}" type="pres">
       <dgm:prSet presAssocID="{CA08021B-585B-46E7-BA1F-5420E56DFF26}" presName="node" presStyleLbl="node1" presStyleIdx="0" presStyleCnt="7">
@@ -1280,6 +1287,13 @@
         </dgm:presLayoutVars>
       </dgm:prSet>
       <dgm:spPr/>
+      <dgm:t>
+        <a:bodyPr/>
+        <a:lstStyle/>
+        <a:p>
+          <a:endParaRPr lang="en-US"/>
+        </a:p>
+      </dgm:t>
     </dgm:pt>
     <dgm:pt modelId="{63441EE2-73B0-4816-B767-6FDF68D8E957}" type="pres">
       <dgm:prSet presAssocID="{3AE963F2-851B-4C54-8100-1077DEBC4009}" presName="sibTrans" presStyleCnt="0"/>
@@ -1292,6 +1306,13 @@
         </dgm:presLayoutVars>
       </dgm:prSet>
       <dgm:spPr/>
+      <dgm:t>
+        <a:bodyPr/>
+        <a:lstStyle/>
+        <a:p>
+          <a:endParaRPr lang="en-US"/>
+        </a:p>
+      </dgm:t>
     </dgm:pt>
     <dgm:pt modelId="{875024A1-D88A-450E-9C62-4A6E444B67E8}" type="pres">
       <dgm:prSet presAssocID="{E3181219-D854-4321-94E5-2C4540E74E9F}" presName="sibTrans" presStyleCnt="0"/>
@@ -1304,6 +1325,13 @@
         </dgm:presLayoutVars>
       </dgm:prSet>
       <dgm:spPr/>
+      <dgm:t>
+        <a:bodyPr/>
+        <a:lstStyle/>
+        <a:p>
+          <a:endParaRPr lang="en-US"/>
+        </a:p>
+      </dgm:t>
     </dgm:pt>
     <dgm:pt modelId="{72DA49D2-15E3-4818-A7F5-8D609BB2B4EE}" type="pres">
       <dgm:prSet presAssocID="{A20F0525-71D9-473D-9413-0B9A01E37F5E}" presName="sibTrans" presStyleCnt="0"/>
@@ -1316,6 +1344,13 @@
         </dgm:presLayoutVars>
       </dgm:prSet>
       <dgm:spPr/>
+      <dgm:t>
+        <a:bodyPr/>
+        <a:lstStyle/>
+        <a:p>
+          <a:endParaRPr lang="en-US"/>
+        </a:p>
+      </dgm:t>
     </dgm:pt>
     <dgm:pt modelId="{8E181051-9221-4B36-8761-DBFE5D1CC42D}" type="pres">
       <dgm:prSet presAssocID="{76D59B59-E733-4A24-B6FD-96DD6E6B0254}" presName="sibTrans" presStyleCnt="0"/>
@@ -1328,6 +1363,13 @@
         </dgm:presLayoutVars>
       </dgm:prSet>
       <dgm:spPr/>
+      <dgm:t>
+        <a:bodyPr/>
+        <a:lstStyle/>
+        <a:p>
+          <a:endParaRPr lang="en-US"/>
+        </a:p>
+      </dgm:t>
     </dgm:pt>
     <dgm:pt modelId="{9309253B-4A3F-413D-A3B8-AE6FBE19481F}" type="pres">
       <dgm:prSet presAssocID="{E6FECD94-72AC-4865-AC62-6FCC3C529198}" presName="sibTrans" presStyleCnt="0"/>
@@ -1340,6 +1382,13 @@
         </dgm:presLayoutVars>
       </dgm:prSet>
       <dgm:spPr/>
+      <dgm:t>
+        <a:bodyPr/>
+        <a:lstStyle/>
+        <a:p>
+          <a:endParaRPr lang="en-US"/>
+        </a:p>
+      </dgm:t>
     </dgm:pt>
     <dgm:pt modelId="{5F06CE04-DBE2-493A-A3A7-CB2280886FCD}" type="pres">
       <dgm:prSet presAssocID="{2CB78FF2-AAAD-4541-81AE-E58D28D208BA}" presName="sibTrans" presStyleCnt="0"/>
@@ -1352,24 +1401,31 @@
         </dgm:presLayoutVars>
       </dgm:prSet>
       <dgm:spPr/>
+      <dgm:t>
+        <a:bodyPr/>
+        <a:lstStyle/>
+        <a:p>
+          <a:endParaRPr lang="en-US"/>
+        </a:p>
+      </dgm:t>
     </dgm:pt>
   </dgm:ptLst>
   <dgm:cxnLst>
+    <dgm:cxn modelId="{2FD89F2E-6323-47C1-A288-BF6C85565E3A}" type="presOf" srcId="{CA08021B-585B-46E7-BA1F-5420E56DFF26}" destId="{2CAB0F38-E292-4E90-B35F-6EB8A903C9CB}" srcOrd="0" destOrd="0" presId="urn:microsoft.com/office/officeart/2005/8/layout/default"/>
     <dgm:cxn modelId="{631E0B0C-32CD-4BA6-B298-C74890F8D470}" srcId="{05737378-F74C-4E24-9EC2-0D2BB5758FB1}" destId="{BE9C5062-E235-4175-A274-94C994B2BBD2}" srcOrd="6" destOrd="0" parTransId="{9AD3C363-D4CB-4F02-80AD-A19E42C0CFA4}" sibTransId="{10BB8CC6-3A31-48FF-BCD5-DC47BE72146B}"/>
     <dgm:cxn modelId="{12B57F1A-7AAC-4763-B00C-DEFB40CF4EF5}" srcId="{05737378-F74C-4E24-9EC2-0D2BB5758FB1}" destId="{EAB44E80-EB98-4FB7-B58D-9054D1F44343}" srcOrd="4" destOrd="0" parTransId="{1AD31A3F-A9DF-4B29-A02B-660D5D646C0F}" sibTransId="{E6FECD94-72AC-4865-AC62-6FCC3C529198}"/>
-    <dgm:cxn modelId="{CEACC82D-DB64-4938-9351-7B5AC828A031}" type="presOf" srcId="{833137B7-273E-4CB6-8381-2C2F2ACF41A9}" destId="{87505D9B-FB99-4C9F-A1CB-5FFBDDBFE589}" srcOrd="0" destOrd="0" presId="urn:microsoft.com/office/officeart/2005/8/layout/default"/>
-    <dgm:cxn modelId="{2FD89F2E-6323-47C1-A288-BF6C85565E3A}" type="presOf" srcId="{CA08021B-585B-46E7-BA1F-5420E56DFF26}" destId="{2CAB0F38-E292-4E90-B35F-6EB8A903C9CB}" srcOrd="0" destOrd="0" presId="urn:microsoft.com/office/officeart/2005/8/layout/default"/>
-    <dgm:cxn modelId="{0399C53C-6814-4E54-8A1D-59202A7B6098}" type="presOf" srcId="{BE9C5062-E235-4175-A274-94C994B2BBD2}" destId="{E875863E-5C66-47F5-9A02-8D09F1459740}" srcOrd="0" destOrd="0" presId="urn:microsoft.com/office/officeart/2005/8/layout/default"/>
+    <dgm:cxn modelId="{A44AC37C-A6C0-40FD-848D-F560872F35CB}" srcId="{05737378-F74C-4E24-9EC2-0D2BB5758FB1}" destId="{93FF2072-4925-412F-B5EF-CEF7128B76E3}" srcOrd="2" destOrd="0" parTransId="{788A7467-1AA9-4A64-B7DD-F71092FECF52}" sibTransId="{A20F0525-71D9-473D-9413-0B9A01E37F5E}"/>
     <dgm:cxn modelId="{1C189D45-A246-4B35-9B1C-5230D6F5E2C5}" type="presOf" srcId="{EAB44E80-EB98-4FB7-B58D-9054D1F44343}" destId="{46E7CDFA-621F-40A9-A72F-13159B4965BE}" srcOrd="0" destOrd="0" presId="urn:microsoft.com/office/officeart/2005/8/layout/default"/>
     <dgm:cxn modelId="{605E9C4D-8446-4E80-BAC0-C2D3D0AFDFE5}" srcId="{05737378-F74C-4E24-9EC2-0D2BB5758FB1}" destId="{833137B7-273E-4CB6-8381-2C2F2ACF41A9}" srcOrd="5" destOrd="0" parTransId="{C85722CF-114F-4466-82C8-7058DC435DD6}" sibTransId="{2CB78FF2-AAAD-4541-81AE-E58D28D208BA}"/>
+    <dgm:cxn modelId="{CEACC82D-DB64-4938-9351-7B5AC828A031}" type="presOf" srcId="{833137B7-273E-4CB6-8381-2C2F2ACF41A9}" destId="{87505D9B-FB99-4C9F-A1CB-5FFBDDBFE589}" srcOrd="0" destOrd="0" presId="urn:microsoft.com/office/officeart/2005/8/layout/default"/>
+    <dgm:cxn modelId="{5C69498A-C0CF-4B1C-8B83-AB4936C606E8}" srcId="{05737378-F74C-4E24-9EC2-0D2BB5758FB1}" destId="{CA08021B-585B-46E7-BA1F-5420E56DFF26}" srcOrd="0" destOrd="0" parTransId="{C3858590-1432-4944-89FA-CB68A3AE18A5}" sibTransId="{3AE963F2-851B-4C54-8100-1077DEBC4009}"/>
+    <dgm:cxn modelId="{CBBD9FDB-C440-4C27-8BA1-44A1CEF84AEB}" type="presOf" srcId="{93FF2072-4925-412F-B5EF-CEF7128B76E3}" destId="{071F557A-7AF5-4245-8C6A-20AC9955B137}" srcOrd="0" destOrd="0" presId="urn:microsoft.com/office/officeart/2005/8/layout/default"/>
+    <dgm:cxn modelId="{58A1DB5A-EBB6-4C4E-8A19-4709FF509CD9}" srcId="{05737378-F74C-4E24-9EC2-0D2BB5758FB1}" destId="{EC304DEE-ECC8-4115-AC0C-7FAE380EE5DC}" srcOrd="3" destOrd="0" parTransId="{32ED1675-E964-4124-A5F9-87012E54751F}" sibTransId="{76D59B59-E733-4A24-B6FD-96DD6E6B0254}"/>
+    <dgm:cxn modelId="{4399BBC2-44DF-4F09-B368-B98BE89C9832}" type="presOf" srcId="{EC304DEE-ECC8-4115-AC0C-7FAE380EE5DC}" destId="{556F3AFB-5CAC-40F2-BD2F-7BCE935EBF20}" srcOrd="0" destOrd="0" presId="urn:microsoft.com/office/officeart/2005/8/layout/default"/>
+    <dgm:cxn modelId="{83C7D896-DA89-4D78-8869-A1959AA3B220}" srcId="{05737378-F74C-4E24-9EC2-0D2BB5758FB1}" destId="{DF64254A-9EBD-4EFC-9802-521BFBFB7109}" srcOrd="1" destOrd="0" parTransId="{392C3C0E-C17E-4820-B9FD-69B100A6C062}" sibTransId="{E3181219-D854-4321-94E5-2C4540E74E9F}"/>
     <dgm:cxn modelId="{6EB64C4E-1006-460D-A24E-D8E4963FBDE2}" type="presOf" srcId="{DF64254A-9EBD-4EFC-9802-521BFBFB7109}" destId="{35CD2B37-F779-4962-82A3-DEC6CC6C87F5}" srcOrd="0" destOrd="0" presId="urn:microsoft.com/office/officeart/2005/8/layout/default"/>
-    <dgm:cxn modelId="{58A1DB5A-EBB6-4C4E-8A19-4709FF509CD9}" srcId="{05737378-F74C-4E24-9EC2-0D2BB5758FB1}" destId="{EC304DEE-ECC8-4115-AC0C-7FAE380EE5DC}" srcOrd="3" destOrd="0" parTransId="{32ED1675-E964-4124-A5F9-87012E54751F}" sibTransId="{76D59B59-E733-4A24-B6FD-96DD6E6B0254}"/>
-    <dgm:cxn modelId="{A44AC37C-A6C0-40FD-848D-F560872F35CB}" srcId="{05737378-F74C-4E24-9EC2-0D2BB5758FB1}" destId="{93FF2072-4925-412F-B5EF-CEF7128B76E3}" srcOrd="2" destOrd="0" parTransId="{788A7467-1AA9-4A64-B7DD-F71092FECF52}" sibTransId="{A20F0525-71D9-473D-9413-0B9A01E37F5E}"/>
-    <dgm:cxn modelId="{5C69498A-C0CF-4B1C-8B83-AB4936C606E8}" srcId="{05737378-F74C-4E24-9EC2-0D2BB5758FB1}" destId="{CA08021B-585B-46E7-BA1F-5420E56DFF26}" srcOrd="0" destOrd="0" parTransId="{C3858590-1432-4944-89FA-CB68A3AE18A5}" sibTransId="{3AE963F2-851B-4C54-8100-1077DEBC4009}"/>
-    <dgm:cxn modelId="{83C7D896-DA89-4D78-8869-A1959AA3B220}" srcId="{05737378-F74C-4E24-9EC2-0D2BB5758FB1}" destId="{DF64254A-9EBD-4EFC-9802-521BFBFB7109}" srcOrd="1" destOrd="0" parTransId="{392C3C0E-C17E-4820-B9FD-69B100A6C062}" sibTransId="{E3181219-D854-4321-94E5-2C4540E74E9F}"/>
+    <dgm:cxn modelId="{0399C53C-6814-4E54-8A1D-59202A7B6098}" type="presOf" srcId="{BE9C5062-E235-4175-A274-94C994B2BBD2}" destId="{E875863E-5C66-47F5-9A02-8D09F1459740}" srcOrd="0" destOrd="0" presId="urn:microsoft.com/office/officeart/2005/8/layout/default"/>
     <dgm:cxn modelId="{43349697-EC21-4CAD-B1F7-8BC34652A224}" type="presOf" srcId="{05737378-F74C-4E24-9EC2-0D2BB5758FB1}" destId="{74DC694E-3D09-4A3E-AA06-0F436465B8DD}" srcOrd="0" destOrd="0" presId="urn:microsoft.com/office/officeart/2005/8/layout/default"/>
-    <dgm:cxn modelId="{4399BBC2-44DF-4F09-B368-B98BE89C9832}" type="presOf" srcId="{EC304DEE-ECC8-4115-AC0C-7FAE380EE5DC}" destId="{556F3AFB-5CAC-40F2-BD2F-7BCE935EBF20}" srcOrd="0" destOrd="0" presId="urn:microsoft.com/office/officeart/2005/8/layout/default"/>
-    <dgm:cxn modelId="{CBBD9FDB-C440-4C27-8BA1-44A1CEF84AEB}" type="presOf" srcId="{93FF2072-4925-412F-B5EF-CEF7128B76E3}" destId="{071F557A-7AF5-4245-8C6A-20AC9955B137}" srcOrd="0" destOrd="0" presId="urn:microsoft.com/office/officeart/2005/8/layout/default"/>
     <dgm:cxn modelId="{DE2CC34A-01CB-424A-A21E-CA3E8BB53EF0}" type="presParOf" srcId="{74DC694E-3D09-4A3E-AA06-0F436465B8DD}" destId="{2CAB0F38-E292-4E90-B35F-6EB8A903C9CB}" srcOrd="0" destOrd="0" presId="urn:microsoft.com/office/officeart/2005/8/layout/default"/>
     <dgm:cxn modelId="{0764B002-8DDF-4CC0-B1C8-05B0AC4B6816}" type="presParOf" srcId="{74DC694E-3D09-4A3E-AA06-0F436465B8DD}" destId="{63441EE2-73B0-4816-B767-6FDF68D8E957}" srcOrd="1" destOrd="0" presId="urn:microsoft.com/office/officeart/2005/8/layout/default"/>
     <dgm:cxn modelId="{94D04591-D1D0-4E98-AF89-666DEAF86190}" type="presParOf" srcId="{74DC694E-3D09-4A3E-AA06-0F436465B8DD}" destId="{35CD2B37-F779-4962-82A3-DEC6CC6C87F5}" srcOrd="2" destOrd="0" presId="urn:microsoft.com/office/officeart/2005/8/layout/default"/>
@@ -1457,7 +1513,7 @@
         </a:bodyPr>
         <a:lstStyle/>
         <a:p>
-          <a:pPr marL="0" lvl="0" indent="0" algn="ctr" defTabSz="1289050">
+          <a:pPr lvl="0" algn="ctr" defTabSz="1289050">
             <a:lnSpc>
               <a:spcPct val="90000"/>
             </a:lnSpc>
@@ -1467,7 +1523,6 @@
             <a:spcAft>
               <a:spcPct val="35000"/>
             </a:spcAft>
-            <a:buNone/>
           </a:pPr>
           <a:r>
             <a:rPr lang="en-US" sz="2900" kern="1200"/>
@@ -1535,7 +1590,7 @@
         </a:bodyPr>
         <a:lstStyle/>
         <a:p>
-          <a:pPr marL="0" lvl="0" indent="0" algn="ctr" defTabSz="1289050">
+          <a:pPr lvl="0" algn="ctr" defTabSz="1289050">
             <a:lnSpc>
               <a:spcPct val="90000"/>
             </a:lnSpc>
@@ -1545,7 +1600,6 @@
             <a:spcAft>
               <a:spcPct val="35000"/>
             </a:spcAft>
-            <a:buNone/>
           </a:pPr>
           <a:r>
             <a:rPr lang="en-US" sz="2900" kern="1200"/>
@@ -1613,7 +1667,7 @@
         </a:bodyPr>
         <a:lstStyle/>
         <a:p>
-          <a:pPr marL="0" lvl="0" indent="0" algn="ctr" defTabSz="1289050">
+          <a:pPr lvl="0" algn="ctr" defTabSz="1289050">
             <a:lnSpc>
               <a:spcPct val="90000"/>
             </a:lnSpc>
@@ -1623,7 +1677,6 @@
             <a:spcAft>
               <a:spcPct val="35000"/>
             </a:spcAft>
-            <a:buNone/>
           </a:pPr>
           <a:r>
             <a:rPr lang="en-US" sz="2900" kern="1200"/>
@@ -1691,7 +1744,7 @@
         </a:bodyPr>
         <a:lstStyle/>
         <a:p>
-          <a:pPr marL="0" lvl="0" indent="0" algn="ctr" defTabSz="1289050">
+          <a:pPr lvl="0" algn="ctr" defTabSz="1289050">
             <a:lnSpc>
               <a:spcPct val="90000"/>
             </a:lnSpc>
@@ -1701,7 +1754,6 @@
             <a:spcAft>
               <a:spcPct val="35000"/>
             </a:spcAft>
-            <a:buNone/>
           </a:pPr>
           <a:r>
             <a:rPr lang="en-US" sz="2900" kern="1200"/>
@@ -1769,7 +1821,7 @@
         </a:bodyPr>
         <a:lstStyle/>
         <a:p>
-          <a:pPr marL="0" lvl="0" indent="0" algn="ctr" defTabSz="1289050">
+          <a:pPr lvl="0" algn="ctr" defTabSz="1289050">
             <a:lnSpc>
               <a:spcPct val="90000"/>
             </a:lnSpc>
@@ -1779,7 +1831,6 @@
             <a:spcAft>
               <a:spcPct val="35000"/>
             </a:spcAft>
-            <a:buNone/>
           </a:pPr>
           <a:r>
             <a:rPr lang="en-US" sz="2900" kern="1200"/>
@@ -1847,7 +1898,7 @@
         </a:bodyPr>
         <a:lstStyle/>
         <a:p>
-          <a:pPr marL="0" lvl="0" indent="0" algn="ctr" defTabSz="1289050">
+          <a:pPr lvl="0" algn="ctr" defTabSz="1289050">
             <a:lnSpc>
               <a:spcPct val="90000"/>
             </a:lnSpc>
@@ -1857,7 +1908,6 @@
             <a:spcAft>
               <a:spcPct val="35000"/>
             </a:spcAft>
-            <a:buNone/>
           </a:pPr>
           <a:r>
             <a:rPr lang="en-US" sz="2900" kern="1200"/>
@@ -1925,7 +1975,7 @@
         </a:bodyPr>
         <a:lstStyle/>
         <a:p>
-          <a:pPr marL="0" lvl="0" indent="0" algn="ctr" defTabSz="1289050">
+          <a:pPr lvl="0" algn="ctr" defTabSz="1289050">
             <a:lnSpc>
               <a:spcPct val="90000"/>
             </a:lnSpc>
@@ -1935,7 +1985,6 @@
             <a:spcAft>
               <a:spcPct val="35000"/>
             </a:spcAft>
-            <a:buNone/>
           </a:pPr>
           <a:r>
             <a:rPr lang="en-US" sz="2900" kern="1200"/>
@@ -4345,7 +4394,7 @@
             <a:fld id="{9334D819-9F07-4261-B09B-9E467E5D9002}" type="datetimeFigureOut">
               <a:rPr lang="en-US" dirty="0"/>
               <a:pPr/>
-              <a:t>11/9/2017</a:t>
+              <a:t>09/11/17</a:t>
             </a:fld>
             <a:endParaRPr lang="en-US" dirty="0"/>
           </a:p>
@@ -4579,7 +4628,7 @@
           <a:p>
             <a:fld id="{9334D819-9F07-4261-B09B-9E467E5D9002}" type="datetimeFigureOut">
               <a:rPr lang="en-US" dirty="0"/>
-              <a:t>11/9/2017</a:t>
+              <a:t>09/11/17</a:t>
             </a:fld>
             <a:endParaRPr lang="en-US" dirty="0"/>
           </a:p>
@@ -4754,7 +4803,7 @@
           <a:p>
             <a:fld id="{9334D819-9F07-4261-B09B-9E467E5D9002}" type="datetimeFigureOut">
               <a:rPr lang="en-US" dirty="0"/>
-              <a:t>11/9/2017</a:t>
+              <a:t>09/11/17</a:t>
             </a:fld>
             <a:endParaRPr lang="en-US" dirty="0"/>
           </a:p>
@@ -4919,7 +4968,7 @@
           <a:p>
             <a:fld id="{9334D819-9F07-4261-B09B-9E467E5D9002}" type="datetimeFigureOut">
               <a:rPr lang="en-US" dirty="0"/>
-              <a:t>11/9/2017</a:t>
+              <a:t>09/11/17</a:t>
             </a:fld>
             <a:endParaRPr lang="en-US" dirty="0"/>
           </a:p>
@@ -5191,7 +5240,7 @@
             <a:fld id="{9334D819-9F07-4261-B09B-9E467E5D9002}" type="datetimeFigureOut">
               <a:rPr lang="en-US" dirty="0"/>
               <a:pPr/>
-              <a:t>11/9/2017</a:t>
+              <a:t>09/11/17</a:t>
             </a:fld>
             <a:endParaRPr lang="en-US" dirty="0"/>
           </a:p>
@@ -6388,7 +6437,7 @@
           <a:p>
             <a:fld id="{9334D819-9F07-4261-B09B-9E467E5D9002}" type="datetimeFigureOut">
               <a:rPr lang="en-US" dirty="0"/>
-              <a:t>11/9/2017</a:t>
+              <a:t>09/11/17</a:t>
             </a:fld>
             <a:endParaRPr lang="en-US" dirty="0"/>
           </a:p>
@@ -6443,7 +6492,7 @@
   </p:clrMapOvr>
   <p:extLst mod="1">
     <p:ext uri="{DCECCB84-F9BA-43D5-87BE-67443E8EF086}">
-      <p15:sldGuideLst xmlns:p15="http://schemas.microsoft.com/office/powerpoint/2012/main"/>
+      <p15:sldGuideLst xmlns:p15="http://schemas.microsoft.com/office/powerpoint/2012/main" xmlns=""/>
     </p:ext>
   </p:extLst>
 </p:sldLayout>
@@ -6773,7 +6822,7 @@
           <a:p>
             <a:fld id="{9334D819-9F07-4261-B09B-9E467E5D9002}" type="datetimeFigureOut">
               <a:rPr lang="en-US" dirty="0"/>
-              <a:t>11/9/2017</a:t>
+              <a:t>09/11/17</a:t>
             </a:fld>
             <a:endParaRPr lang="en-US" dirty="0"/>
           </a:p>
@@ -6828,7 +6877,7 @@
   </p:clrMapOvr>
   <p:extLst mod="1">
     <p:ext uri="{DCECCB84-F9BA-43D5-87BE-67443E8EF086}">
-      <p15:sldGuideLst xmlns:p15="http://schemas.microsoft.com/office/powerpoint/2012/main"/>
+      <p15:sldGuideLst xmlns:p15="http://schemas.microsoft.com/office/powerpoint/2012/main" xmlns=""/>
     </p:ext>
   </p:extLst>
 </p:sldLayout>
@@ -6891,7 +6940,7 @@
           <a:p>
             <a:fld id="{9334D819-9F07-4261-B09B-9E467E5D9002}" type="datetimeFigureOut">
               <a:rPr lang="en-US" dirty="0"/>
-              <a:t>11/9/2017</a:t>
+              <a:t>09/11/17</a:t>
             </a:fld>
             <a:endParaRPr lang="en-US" dirty="0"/>
           </a:p>
@@ -6981,7 +7030,7 @@
           <a:p>
             <a:fld id="{9334D819-9F07-4261-B09B-9E467E5D9002}" type="datetimeFigureOut">
               <a:rPr lang="en-US" dirty="0"/>
-              <a:t>11/9/2017</a:t>
+              <a:t>09/11/17</a:t>
             </a:fld>
             <a:endParaRPr lang="en-US" dirty="0"/>
           </a:p>
@@ -7739,7 +7788,7 @@
           <a:p>
             <a:fld id="{9334D819-9F07-4261-B09B-9E467E5D9002}" type="datetimeFigureOut">
               <a:rPr lang="en-US" dirty="0"/>
-              <a:t>11/9/2017</a:t>
+              <a:t>09/11/17</a:t>
             </a:fld>
             <a:endParaRPr lang="en-US" dirty="0"/>
           </a:p>
@@ -7842,7 +7891,7 @@
   </p:clrMapOvr>
   <p:extLst mod="1">
     <p:ext uri="{DCECCB84-F9BA-43D5-87BE-67443E8EF086}">
-      <p15:sldGuideLst xmlns:p15="http://schemas.microsoft.com/office/powerpoint/2012/main">
+      <p15:sldGuideLst xmlns:p15="http://schemas.microsoft.com/office/powerpoint/2012/main" xmlns="">
         <p15:guide id="1" orient="horz" pos="696">
           <p15:clr>
             <a:srgbClr val="FBAE40"/>
@@ -8574,7 +8623,7 @@
           <a:p>
             <a:fld id="{9334D819-9F07-4261-B09B-9E467E5D9002}" type="datetimeFigureOut">
               <a:rPr lang="en-US" dirty="0"/>
-              <a:t>11/9/2017</a:t>
+              <a:t>09/11/17</a:t>
             </a:fld>
             <a:endParaRPr lang="en-US" dirty="0"/>
           </a:p>
@@ -8797,7 +8846,7 @@
             <a:fld id="{9334D819-9F07-4261-B09B-9E467E5D9002}" type="datetimeFigureOut">
               <a:rPr lang="en-US" dirty="0"/>
               <a:pPr/>
-              <a:t>11/9/2017</a:t>
+              <a:t>09/11/17</a:t>
             </a:fld>
             <a:endParaRPr lang="en-US" dirty="0"/>
           </a:p>
@@ -9738,7 +9787,7 @@
   </p:txStyles>
   <p:extLst mod="1">
     <p:ext uri="{27BBF7A9-308A-43DC-89C8-2F10F3537804}">
-      <p15:sldGuideLst xmlns:p15="http://schemas.microsoft.com/office/powerpoint/2012/main">
+      <p15:sldGuideLst xmlns:p15="http://schemas.microsoft.com/office/powerpoint/2012/main" xmlns="">
         <p15:guide id="1" pos="792">
           <p15:clr>
             <a:srgbClr val="F26B43"/>
@@ -9797,7 +9846,7 @@
           <p:cNvPr id="2" name="Title 1">
             <a:extLst>
               <a:ext uri="{FF2B5EF4-FFF2-40B4-BE49-F238E27FC236}">
-                <a16:creationId xmlns:a16="http://schemas.microsoft.com/office/drawing/2014/main" id="{0E52C71E-D495-4B06-9663-B87220326D0D}"/>
+                <a16:creationId xmlns:a16="http://schemas.microsoft.com/office/drawing/2014/main" xmlns="" id="{0E52C71E-D495-4B06-9663-B87220326D0D}"/>
               </a:ext>
             </a:extLst>
           </p:cNvPr>
@@ -9825,7 +9874,7 @@
           <p:cNvPr id="3" name="Subtitle 2">
             <a:extLst>
               <a:ext uri="{FF2B5EF4-FFF2-40B4-BE49-F238E27FC236}">
-                <a16:creationId xmlns:a16="http://schemas.microsoft.com/office/drawing/2014/main" id="{8831B2C1-060E-4041-862C-29CA6B5265D3}"/>
+                <a16:creationId xmlns:a16="http://schemas.microsoft.com/office/drawing/2014/main" xmlns="" id="{8831B2C1-060E-4041-862C-29CA6B5265D3}"/>
               </a:ext>
             </a:extLst>
           </p:cNvPr>
@@ -9883,7 +9932,7 @@
           <p:cNvPr id="2" name="Title 1">
             <a:extLst>
               <a:ext uri="{FF2B5EF4-FFF2-40B4-BE49-F238E27FC236}">
-                <a16:creationId xmlns:a16="http://schemas.microsoft.com/office/drawing/2014/main" id="{4259A47C-5E27-4927-9AB7-7858CC6B6837}"/>
+                <a16:creationId xmlns:a16="http://schemas.microsoft.com/office/drawing/2014/main" xmlns="" id="{4259A47C-5E27-4927-9AB7-7858CC6B6837}"/>
               </a:ext>
             </a:extLst>
           </p:cNvPr>
@@ -9911,7 +9960,7 @@
           <p:cNvPr id="3" name="Vertical Text Placeholder 2">
             <a:extLst>
               <a:ext uri="{FF2B5EF4-FFF2-40B4-BE49-F238E27FC236}">
-                <a16:creationId xmlns:a16="http://schemas.microsoft.com/office/drawing/2014/main" id="{9F629151-CF71-41D0-859A-9BF538BE93B2}"/>
+                <a16:creationId xmlns:a16="http://schemas.microsoft.com/office/drawing/2014/main" xmlns="" id="{9F629151-CF71-41D0-859A-9BF538BE93B2}"/>
               </a:ext>
             </a:extLst>
           </p:cNvPr>
@@ -9934,8 +9983,23 @@
           <a:p>
             <a:r>
               <a:rPr lang="en-US" dirty="0"/>
-              <a:t>This app is the main stage to share opinions in dishes that we take to our social event like Friday family meeting ;)</a:t>
+              <a:t>This app is the main stage to share opinions in dishes that we take to our social event like Friday family meeting </a:t>
             </a:r>
+            <a:r>
+              <a:rPr lang="en-US" dirty="0" smtClean="0"/>
+              <a:t>;)</a:t>
+            </a:r>
+          </a:p>
+          <a:p>
+            <a:r>
+              <a:rPr lang="en-US" dirty="0" smtClean="0"/>
+              <a:t>You can </a:t>
+            </a:r>
+            <a:r>
+              <a:rPr lang="en-US" smtClean="0"/>
+              <a:t>view dishes' shops  </a:t>
+            </a:r>
+            <a:endParaRPr lang="en-US" dirty="0"/>
           </a:p>
           <a:p>
             <a:r>
@@ -10083,7 +10147,7 @@
           <p:cNvPr id="2" name="Title 1">
             <a:extLst>
               <a:ext uri="{FF2B5EF4-FFF2-40B4-BE49-F238E27FC236}">
-                <a16:creationId xmlns:a16="http://schemas.microsoft.com/office/drawing/2014/main" id="{0294A5BE-F9FE-4B15-A51E-E3572F60C864}"/>
+                <a16:creationId xmlns:a16="http://schemas.microsoft.com/office/drawing/2014/main" xmlns="" id="{0294A5BE-F9FE-4B15-A51E-E3572F60C864}"/>
               </a:ext>
             </a:extLst>
           </p:cNvPr>
@@ -10111,7 +10175,7 @@
           <p:cNvPr id="3" name="Vertical Text Placeholder 2">
             <a:extLst>
               <a:ext uri="{FF2B5EF4-FFF2-40B4-BE49-F238E27FC236}">
-                <a16:creationId xmlns:a16="http://schemas.microsoft.com/office/drawing/2014/main" id="{D8D46301-BB14-4106-BB7C-CD02A0DDE508}"/>
+                <a16:creationId xmlns:a16="http://schemas.microsoft.com/office/drawing/2014/main" xmlns="" id="{D8D46301-BB14-4106-BB7C-CD02A0DDE508}"/>
               </a:ext>
             </a:extLst>
           </p:cNvPr>
@@ -10192,7 +10256,7 @@
           <p:cNvPr id="2" name="Title 1">
             <a:extLst>
               <a:ext uri="{FF2B5EF4-FFF2-40B4-BE49-F238E27FC236}">
-                <a16:creationId xmlns:a16="http://schemas.microsoft.com/office/drawing/2014/main" id="{DEAB97D2-A703-4DF9-A135-61E99FBBAEE5}"/>
+                <a16:creationId xmlns:a16="http://schemas.microsoft.com/office/drawing/2014/main" xmlns="" id="{DEAB97D2-A703-4DF9-A135-61E99FBBAEE5}"/>
               </a:ext>
             </a:extLst>
           </p:cNvPr>
@@ -10229,7 +10293,7 @@
           <p:cNvPr id="3" name="Content Placeholder 2">
             <a:extLst>
               <a:ext uri="{FF2B5EF4-FFF2-40B4-BE49-F238E27FC236}">
-                <a16:creationId xmlns:a16="http://schemas.microsoft.com/office/drawing/2014/main" id="{E18A2BED-03F4-401A-8B62-B874394465E0}"/>
+                <a16:creationId xmlns:a16="http://schemas.microsoft.com/office/drawing/2014/main" xmlns="" id="{E18A2BED-03F4-401A-8B62-B874394465E0}"/>
               </a:ext>
             </a:extLst>
           </p:cNvPr>
@@ -10340,7 +10404,7 @@
           <p:cNvPr id="2" name="Title 1">
             <a:extLst>
               <a:ext uri="{FF2B5EF4-FFF2-40B4-BE49-F238E27FC236}">
-                <a16:creationId xmlns:a16="http://schemas.microsoft.com/office/drawing/2014/main" id="{269A0B15-D693-4459-AF1A-5C00C7406E29}"/>
+                <a16:creationId xmlns:a16="http://schemas.microsoft.com/office/drawing/2014/main" xmlns="" id="{269A0B15-D693-4459-AF1A-5C00C7406E29}"/>
               </a:ext>
             </a:extLst>
           </p:cNvPr>
@@ -10368,7 +10432,7 @@
           <p:cNvPr id="3" name="Subtitle 2">
             <a:extLst>
               <a:ext uri="{FF2B5EF4-FFF2-40B4-BE49-F238E27FC236}">
-                <a16:creationId xmlns:a16="http://schemas.microsoft.com/office/drawing/2014/main" id="{89781140-EE1A-423E-B26F-9FA9172BDC16}"/>
+                <a16:creationId xmlns:a16="http://schemas.microsoft.com/office/drawing/2014/main" xmlns="" id="{89781140-EE1A-423E-B26F-9FA9172BDC16}"/>
               </a:ext>
             </a:extLst>
           </p:cNvPr>
@@ -10431,7 +10495,7 @@
           <p:cNvPr id="10" name="Freeform 6" title="Left scallop edge">
             <a:extLst>
               <a:ext uri="{FF2B5EF4-FFF2-40B4-BE49-F238E27FC236}">
-                <a16:creationId xmlns:a16="http://schemas.microsoft.com/office/drawing/2014/main" id="{D09F5552-39CF-49BE-9BA3-F2C2E97DD974}"/>
+                <a16:creationId xmlns:a16="http://schemas.microsoft.com/office/drawing/2014/main" xmlns="" id="{D09F5552-39CF-49BE-9BA3-F2C2E97DD974}"/>
               </a:ext>
             </a:extLst>
           </p:cNvPr>
@@ -10441,7 +10505,7 @@
           <p:nvPr>
             <p:extLst>
               <p:ext uri="{386F3935-93C4-4BCD-93E2-E3B085C9AB24}">
-                <p16:designElem xmlns:p16="http://schemas.microsoft.com/office/powerpoint/2015/main" val="1"/>
+                <p16:designElem xmlns:p16="http://schemas.microsoft.com/office/powerpoint/2015/main" xmlns="" val="1"/>
               </p:ext>
             </p:extLst>
           </p:nvPr>
@@ -10909,7 +10973,7 @@
           <p:cNvPr id="12" name="Rectangle 11" title="right edge border">
             <a:extLst>
               <a:ext uri="{FF2B5EF4-FFF2-40B4-BE49-F238E27FC236}">
-                <a16:creationId xmlns:a16="http://schemas.microsoft.com/office/drawing/2014/main" id="{6CCDD5D4-DC0E-4B2C-8B6B-FCAA00ECE04E}"/>
+                <a16:creationId xmlns:a16="http://schemas.microsoft.com/office/drawing/2014/main" xmlns="" id="{6CCDD5D4-DC0E-4B2C-8B6B-FCAA00ECE04E}"/>
               </a:ext>
             </a:extLst>
           </p:cNvPr>
@@ -10919,7 +10983,7 @@
           <p:nvPr>
             <p:extLst>
               <p:ext uri="{386F3935-93C4-4BCD-93E2-E3B085C9AB24}">
-                <p16:designElem xmlns:p16="http://schemas.microsoft.com/office/powerpoint/2015/main" val="1"/>
+                <p16:designElem xmlns:p16="http://schemas.microsoft.com/office/powerpoint/2015/main" xmlns="" val="1"/>
               </p:ext>
             </p:extLst>
           </p:nvPr>
@@ -10961,7 +11025,7 @@
           <p:cNvPr id="2" name="Title 1">
             <a:extLst>
               <a:ext uri="{FF2B5EF4-FFF2-40B4-BE49-F238E27FC236}">
-                <a16:creationId xmlns:a16="http://schemas.microsoft.com/office/drawing/2014/main" id="{CBFE0AFB-9382-4169-AED7-D90AAA1642C6}"/>
+                <a16:creationId xmlns:a16="http://schemas.microsoft.com/office/drawing/2014/main" xmlns="" id="{CBFE0AFB-9382-4169-AED7-D90AAA1642C6}"/>
               </a:ext>
             </a:extLst>
           </p:cNvPr>
@@ -11048,7 +11112,7 @@
           <p:cNvPr id="2" name="Title 1">
             <a:extLst>
               <a:ext uri="{FF2B5EF4-FFF2-40B4-BE49-F238E27FC236}">
-                <a16:creationId xmlns:a16="http://schemas.microsoft.com/office/drawing/2014/main" id="{27865403-966F-4171-AFD2-4095C3936E6B}"/>
+                <a16:creationId xmlns:a16="http://schemas.microsoft.com/office/drawing/2014/main" xmlns="" id="{27865403-966F-4171-AFD2-4095C3936E6B}"/>
               </a:ext>
             </a:extLst>
           </p:cNvPr>
@@ -11083,7 +11147,7 @@
           <p:cNvPr id="3" name="Text Placeholder 2">
             <a:extLst>
               <a:ext uri="{FF2B5EF4-FFF2-40B4-BE49-F238E27FC236}">
-                <a16:creationId xmlns:a16="http://schemas.microsoft.com/office/drawing/2014/main" id="{95384BE1-ECA6-4759-9219-426C433BB524}"/>
+                <a16:creationId xmlns:a16="http://schemas.microsoft.com/office/drawing/2014/main" xmlns="" id="{95384BE1-ECA6-4759-9219-426C433BB524}"/>
               </a:ext>
             </a:extLst>
           </p:cNvPr>
@@ -11162,7 +11226,7 @@
     </a:clrScheme>
     <a:fontScheme name="Badge">
       <a:majorFont>
-        <a:latin typeface="Impact" panose="020B0806030902050204"/>
+        <a:latin typeface="Impact"/>
         <a:ea typeface=""/>
         <a:cs typeface=""/>
         <a:font script="Jpan" typeface="メイリオ"/>
@@ -11197,7 +11261,7 @@
         <a:font script="Geor" typeface="Sylfaen"/>
       </a:majorFont>
       <a:minorFont>
-        <a:latin typeface="Gill Sans MT" panose="020B0502020104020203"/>
+        <a:latin typeface="Gill Sans MT"/>
         <a:ea typeface=""/>
         <a:cs typeface=""/>
         <a:font script="Grek" typeface="Corbel"/>
@@ -11373,7 +11437,7 @@
   <a:extraClrSchemeLst/>
   <a:extLst>
     <a:ext uri="{05A4C25C-085E-4340-85A3-A5531E510DB2}">
-      <thm15:themeFamily xmlns:thm15="http://schemas.microsoft.com/office/thememl/2012/main" name="Badge" id="{71A07785-5930-41D4-9A83-E23602B48E98}" vid="{771EA782-DFA6-45B1-AEA3-661F1715B310}"/>
+      <thm15:themeFamily xmlns:thm15="http://schemas.microsoft.com/office/thememl/2012/main" xmlns="" name="Badge" id="{71A07785-5930-41D4-9A83-E23602B48E98}" vid="{771EA782-DFA6-45B1-AEA3-661F1715B310}"/>
     </a:ext>
   </a:extLst>
 </a:theme>

--- a/Pick a dish app.pptx
+++ b/Pick a dish app.pptx
@@ -113,7 +113,7 @@
   </p:defaultTextStyle>
   <p:extLst>
     <p:ext uri="{EFAFB233-063F-42B5-8137-9DF3F51BA10A}">
-      <p15:sldGuideLst xmlns:p15="http://schemas.microsoft.com/office/powerpoint/2012/main" xmlns=""/>
+      <p15:sldGuideLst xmlns="" xmlns:p15="http://schemas.microsoft.com/office/powerpoint/2012/main"/>
     </p:ext>
   </p:extLst>
 </p:presentation>
@@ -6492,7 +6492,7 @@
   </p:clrMapOvr>
   <p:extLst mod="1">
     <p:ext uri="{DCECCB84-F9BA-43D5-87BE-67443E8EF086}">
-      <p15:sldGuideLst xmlns:p15="http://schemas.microsoft.com/office/powerpoint/2012/main" xmlns=""/>
+      <p15:sldGuideLst xmlns="" xmlns:p15="http://schemas.microsoft.com/office/powerpoint/2012/main"/>
     </p:ext>
   </p:extLst>
 </p:sldLayout>
@@ -6877,7 +6877,7 @@
   </p:clrMapOvr>
   <p:extLst mod="1">
     <p:ext uri="{DCECCB84-F9BA-43D5-87BE-67443E8EF086}">
-      <p15:sldGuideLst xmlns:p15="http://schemas.microsoft.com/office/powerpoint/2012/main" xmlns=""/>
+      <p15:sldGuideLst xmlns="" xmlns:p15="http://schemas.microsoft.com/office/powerpoint/2012/main"/>
     </p:ext>
   </p:extLst>
 </p:sldLayout>
@@ -7891,7 +7891,7 @@
   </p:clrMapOvr>
   <p:extLst mod="1">
     <p:ext uri="{DCECCB84-F9BA-43D5-87BE-67443E8EF086}">
-      <p15:sldGuideLst xmlns:p15="http://schemas.microsoft.com/office/powerpoint/2012/main" xmlns="">
+      <p15:sldGuideLst xmlns="" xmlns:p15="http://schemas.microsoft.com/office/powerpoint/2012/main">
         <p15:guide id="1" orient="horz" pos="696">
           <p15:clr>
             <a:srgbClr val="FBAE40"/>
@@ -9787,7 +9787,7 @@
   </p:txStyles>
   <p:extLst mod="1">
     <p:ext uri="{27BBF7A9-308A-43DC-89C8-2F10F3537804}">
-      <p15:sldGuideLst xmlns:p15="http://schemas.microsoft.com/office/powerpoint/2012/main" xmlns="">
+      <p15:sldGuideLst xmlns="" xmlns:p15="http://schemas.microsoft.com/office/powerpoint/2012/main">
         <p15:guide id="1" pos="792">
           <p15:clr>
             <a:srgbClr val="F26B43"/>
@@ -9846,7 +9846,7 @@
           <p:cNvPr id="2" name="Title 1">
             <a:extLst>
               <a:ext uri="{FF2B5EF4-FFF2-40B4-BE49-F238E27FC236}">
-                <a16:creationId xmlns:a16="http://schemas.microsoft.com/office/drawing/2014/main" xmlns="" id="{0E52C71E-D495-4B06-9663-B87220326D0D}"/>
+                <a16:creationId xmlns="" xmlns:a16="http://schemas.microsoft.com/office/drawing/2014/main" id="{0E52C71E-D495-4B06-9663-B87220326D0D}"/>
               </a:ext>
             </a:extLst>
           </p:cNvPr>
@@ -9874,7 +9874,7 @@
           <p:cNvPr id="3" name="Subtitle 2">
             <a:extLst>
               <a:ext uri="{FF2B5EF4-FFF2-40B4-BE49-F238E27FC236}">
-                <a16:creationId xmlns:a16="http://schemas.microsoft.com/office/drawing/2014/main" xmlns="" id="{8831B2C1-060E-4041-862C-29CA6B5265D3}"/>
+                <a16:creationId xmlns="" xmlns:a16="http://schemas.microsoft.com/office/drawing/2014/main" id="{8831B2C1-060E-4041-862C-29CA6B5265D3}"/>
               </a:ext>
             </a:extLst>
           </p:cNvPr>
@@ -9932,7 +9932,7 @@
           <p:cNvPr id="2" name="Title 1">
             <a:extLst>
               <a:ext uri="{FF2B5EF4-FFF2-40B4-BE49-F238E27FC236}">
-                <a16:creationId xmlns:a16="http://schemas.microsoft.com/office/drawing/2014/main" xmlns="" id="{4259A47C-5E27-4927-9AB7-7858CC6B6837}"/>
+                <a16:creationId xmlns="" xmlns:a16="http://schemas.microsoft.com/office/drawing/2014/main" id="{4259A47C-5E27-4927-9AB7-7858CC6B6837}"/>
               </a:ext>
             </a:extLst>
           </p:cNvPr>
@@ -9960,7 +9960,7 @@
           <p:cNvPr id="3" name="Vertical Text Placeholder 2">
             <a:extLst>
               <a:ext uri="{FF2B5EF4-FFF2-40B4-BE49-F238E27FC236}">
-                <a16:creationId xmlns:a16="http://schemas.microsoft.com/office/drawing/2014/main" xmlns="" id="{9F629151-CF71-41D0-859A-9BF538BE93B2}"/>
+                <a16:creationId xmlns="" xmlns:a16="http://schemas.microsoft.com/office/drawing/2014/main" id="{9F629151-CF71-41D0-859A-9BF538BE93B2}"/>
               </a:ext>
             </a:extLst>
           </p:cNvPr>
@@ -9973,55 +9973,53 @@
         </p:nvSpPr>
         <p:spPr>
           <a:xfrm>
-            <a:off x="1523664" y="1190847"/>
+            <a:off x="1539706" y="1399394"/>
             <a:ext cx="7925135" cy="5939382"/>
           </a:xfrm>
         </p:spPr>
         <p:txBody>
-          <a:bodyPr vert="horz"/>
+          <a:bodyPr vert="horz">
+            <a:normAutofit/>
+          </a:bodyPr>
           <a:lstStyle/>
           <a:p>
             <a:r>
-              <a:rPr lang="en-US" dirty="0"/>
+              <a:rPr lang="en-US" sz="2400" dirty="0"/>
               <a:t>This app is the main stage to share opinions in dishes that we take to our social event like Friday family meeting </a:t>
             </a:r>
             <a:r>
-              <a:rPr lang="en-US" dirty="0" smtClean="0"/>
+              <a:rPr lang="en-US" sz="2400" dirty="0" smtClean="0"/>
               <a:t>;)</a:t>
             </a:r>
           </a:p>
           <a:p>
             <a:r>
-              <a:rPr lang="en-US" dirty="0" smtClean="0"/>
-              <a:t>You can </a:t>
+              <a:rPr lang="en-US" sz="2400" dirty="0" smtClean="0"/>
+              <a:t>You can view dishes' shops  </a:t>
             </a:r>
+            <a:endParaRPr lang="en-US" sz="2400" dirty="0"/>
+          </a:p>
+          <a:p>
             <a:r>
-              <a:rPr lang="en-US" smtClean="0"/>
-              <a:t>view dishes' shops  </a:t>
-            </a:r>
-            <a:endParaRPr lang="en-US" dirty="0"/>
-          </a:p>
-          <a:p>
-            <a:r>
-              <a:rPr lang="en-US" dirty="0"/>
+              <a:rPr lang="en-US" sz="2400" dirty="0"/>
               <a:t>You can add tips for dishes added by you or other user </a:t>
             </a:r>
           </a:p>
           <a:p>
             <a:r>
-              <a:rPr lang="en-US" dirty="0"/>
+              <a:rPr lang="en-US" sz="2400" dirty="0"/>
               <a:t>You can know what appropriate occasion to take this dish for !</a:t>
             </a:r>
           </a:p>
           <a:p>
             <a:r>
-              <a:rPr lang="en-US" dirty="0"/>
+              <a:rPr lang="en-US" sz="2400" dirty="0"/>
               <a:t>you can view other users opinion and rating </a:t>
             </a:r>
           </a:p>
           <a:p>
             <a:r>
-              <a:rPr lang="en-US" dirty="0"/>
+              <a:rPr lang="en-US" sz="2400" dirty="0"/>
               <a:t>Images and location maybe added later </a:t>
             </a:r>
           </a:p>
@@ -10095,15 +10093,15 @@
           <a:lstStyle/>
           <a:p>
             <a:r>
-              <a:rPr lang="en-US" dirty="0"/>
+              <a:rPr lang="en-US" sz="2800" dirty="0"/>
               <a:t>We want to build this app for </a:t>
             </a:r>
             <a:r>
-              <a:rPr lang="en-US" dirty="0" err="1"/>
+              <a:rPr lang="en-US" sz="2800" dirty="0" err="1"/>
               <a:t>ios</a:t>
             </a:r>
             <a:r>
-              <a:rPr lang="en-US" dirty="0"/>
+              <a:rPr lang="en-US" sz="2800" dirty="0"/>
               <a:t> and android also if we have time to do that </a:t>
             </a:r>
           </a:p>
@@ -10147,7 +10145,7 @@
           <p:cNvPr id="2" name="Title 1">
             <a:extLst>
               <a:ext uri="{FF2B5EF4-FFF2-40B4-BE49-F238E27FC236}">
-                <a16:creationId xmlns:a16="http://schemas.microsoft.com/office/drawing/2014/main" xmlns="" id="{0294A5BE-F9FE-4B15-A51E-E3572F60C864}"/>
+                <a16:creationId xmlns="" xmlns:a16="http://schemas.microsoft.com/office/drawing/2014/main" id="{0294A5BE-F9FE-4B15-A51E-E3572F60C864}"/>
               </a:ext>
             </a:extLst>
           </p:cNvPr>
@@ -10175,7 +10173,7 @@
           <p:cNvPr id="3" name="Vertical Text Placeholder 2">
             <a:extLst>
               <a:ext uri="{FF2B5EF4-FFF2-40B4-BE49-F238E27FC236}">
-                <a16:creationId xmlns:a16="http://schemas.microsoft.com/office/drawing/2014/main" xmlns="" id="{D8D46301-BB14-4106-BB7C-CD02A0DDE508}"/>
+                <a16:creationId xmlns="" xmlns:a16="http://schemas.microsoft.com/office/drawing/2014/main" id="{D8D46301-BB14-4106-BB7C-CD02A0DDE508}"/>
               </a:ext>
             </a:extLst>
           </p:cNvPr>
@@ -10192,28 +10190,32 @@
           <a:lstStyle/>
           <a:p>
             <a:r>
-              <a:rPr lang="en-US" dirty="0"/>
+              <a:rPr lang="en-US" sz="2800" dirty="0"/>
               <a:t>We used firebase database as backend for our app “like”</a:t>
             </a:r>
           </a:p>
           <a:p>
             <a:r>
-              <a:rPr lang="en-US" dirty="0"/>
+              <a:rPr lang="en-US" sz="2800" dirty="0"/>
               <a:t>We used ionic icons for app icons </a:t>
             </a:r>
           </a:p>
           <a:p>
             <a:r>
-              <a:rPr lang="en-US" dirty="0"/>
+              <a:rPr lang="en-US" sz="2800" dirty="0"/>
               <a:t>We used </a:t>
             </a:r>
             <a:r>
-              <a:rPr lang="en-US" dirty="0" err="1"/>
+              <a:rPr lang="en-US" sz="2800" dirty="0" err="1"/>
               <a:t>colorlovers</a:t>
             </a:r>
             <a:r>
+              <a:rPr lang="en-US" sz="2800" dirty="0"/>
+              <a:t> for color matching</a:t>
+            </a:r>
+            <a:r>
               <a:rPr lang="en-US" dirty="0"/>
-              <a:t> for color matching </a:t>
+              <a:t> </a:t>
             </a:r>
           </a:p>
           <a:p>
@@ -10256,7 +10258,7 @@
           <p:cNvPr id="2" name="Title 1">
             <a:extLst>
               <a:ext uri="{FF2B5EF4-FFF2-40B4-BE49-F238E27FC236}">
-                <a16:creationId xmlns:a16="http://schemas.microsoft.com/office/drawing/2014/main" xmlns="" id="{DEAB97D2-A703-4DF9-A135-61E99FBBAEE5}"/>
+                <a16:creationId xmlns="" xmlns:a16="http://schemas.microsoft.com/office/drawing/2014/main" id="{DEAB97D2-A703-4DF9-A135-61E99FBBAEE5}"/>
               </a:ext>
             </a:extLst>
           </p:cNvPr>
@@ -10293,7 +10295,7 @@
           <p:cNvPr id="3" name="Content Placeholder 2">
             <a:extLst>
               <a:ext uri="{FF2B5EF4-FFF2-40B4-BE49-F238E27FC236}">
-                <a16:creationId xmlns:a16="http://schemas.microsoft.com/office/drawing/2014/main" xmlns="" id="{E18A2BED-03F4-401A-8B62-B874394465E0}"/>
+                <a16:creationId xmlns="" xmlns:a16="http://schemas.microsoft.com/office/drawing/2014/main" id="{E18A2BED-03F4-401A-8B62-B874394465E0}"/>
               </a:ext>
             </a:extLst>
           </p:cNvPr>
@@ -10404,7 +10406,7 @@
           <p:cNvPr id="2" name="Title 1">
             <a:extLst>
               <a:ext uri="{FF2B5EF4-FFF2-40B4-BE49-F238E27FC236}">
-                <a16:creationId xmlns:a16="http://schemas.microsoft.com/office/drawing/2014/main" xmlns="" id="{269A0B15-D693-4459-AF1A-5C00C7406E29}"/>
+                <a16:creationId xmlns="" xmlns:a16="http://schemas.microsoft.com/office/drawing/2014/main" id="{269A0B15-D693-4459-AF1A-5C00C7406E29}"/>
               </a:ext>
             </a:extLst>
           </p:cNvPr>
@@ -10432,7 +10434,7 @@
           <p:cNvPr id="3" name="Subtitle 2">
             <a:extLst>
               <a:ext uri="{FF2B5EF4-FFF2-40B4-BE49-F238E27FC236}">
-                <a16:creationId xmlns:a16="http://schemas.microsoft.com/office/drawing/2014/main" xmlns="" id="{89781140-EE1A-423E-B26F-9FA9172BDC16}"/>
+                <a16:creationId xmlns="" xmlns:a16="http://schemas.microsoft.com/office/drawing/2014/main" id="{89781140-EE1A-423E-B26F-9FA9172BDC16}"/>
               </a:ext>
             </a:extLst>
           </p:cNvPr>
@@ -10495,7 +10497,7 @@
           <p:cNvPr id="10" name="Freeform 6" title="Left scallop edge">
             <a:extLst>
               <a:ext uri="{FF2B5EF4-FFF2-40B4-BE49-F238E27FC236}">
-                <a16:creationId xmlns:a16="http://schemas.microsoft.com/office/drawing/2014/main" xmlns="" id="{D09F5552-39CF-49BE-9BA3-F2C2E97DD974}"/>
+                <a16:creationId xmlns="" xmlns:a16="http://schemas.microsoft.com/office/drawing/2014/main" id="{D09F5552-39CF-49BE-9BA3-F2C2E97DD974}"/>
               </a:ext>
             </a:extLst>
           </p:cNvPr>
@@ -10505,7 +10507,7 @@
           <p:nvPr>
             <p:extLst>
               <p:ext uri="{386F3935-93C4-4BCD-93E2-E3B085C9AB24}">
-                <p16:designElem xmlns:p16="http://schemas.microsoft.com/office/powerpoint/2015/main" xmlns="" val="1"/>
+                <p16:designElem xmlns="" xmlns:p16="http://schemas.microsoft.com/office/powerpoint/2015/main" val="1"/>
               </p:ext>
             </p:extLst>
           </p:nvPr>
@@ -10973,7 +10975,7 @@
           <p:cNvPr id="12" name="Rectangle 11" title="right edge border">
             <a:extLst>
               <a:ext uri="{FF2B5EF4-FFF2-40B4-BE49-F238E27FC236}">
-                <a16:creationId xmlns:a16="http://schemas.microsoft.com/office/drawing/2014/main" xmlns="" id="{6CCDD5D4-DC0E-4B2C-8B6B-FCAA00ECE04E}"/>
+                <a16:creationId xmlns="" xmlns:a16="http://schemas.microsoft.com/office/drawing/2014/main" id="{6CCDD5D4-DC0E-4B2C-8B6B-FCAA00ECE04E}"/>
               </a:ext>
             </a:extLst>
           </p:cNvPr>
@@ -10983,7 +10985,7 @@
           <p:nvPr>
             <p:extLst>
               <p:ext uri="{386F3935-93C4-4BCD-93E2-E3B085C9AB24}">
-                <p16:designElem xmlns:p16="http://schemas.microsoft.com/office/powerpoint/2015/main" xmlns="" val="1"/>
+                <p16:designElem xmlns="" xmlns:p16="http://schemas.microsoft.com/office/powerpoint/2015/main" val="1"/>
               </p:ext>
             </p:extLst>
           </p:nvPr>
@@ -11025,7 +11027,7 @@
           <p:cNvPr id="2" name="Title 1">
             <a:extLst>
               <a:ext uri="{FF2B5EF4-FFF2-40B4-BE49-F238E27FC236}">
-                <a16:creationId xmlns:a16="http://schemas.microsoft.com/office/drawing/2014/main" xmlns="" id="{CBFE0AFB-9382-4169-AED7-D90AAA1642C6}"/>
+                <a16:creationId xmlns="" xmlns:a16="http://schemas.microsoft.com/office/drawing/2014/main" id="{CBFE0AFB-9382-4169-AED7-D90AAA1642C6}"/>
               </a:ext>
             </a:extLst>
           </p:cNvPr>
@@ -11112,7 +11114,7 @@
           <p:cNvPr id="2" name="Title 1">
             <a:extLst>
               <a:ext uri="{FF2B5EF4-FFF2-40B4-BE49-F238E27FC236}">
-                <a16:creationId xmlns:a16="http://schemas.microsoft.com/office/drawing/2014/main" xmlns="" id="{27865403-966F-4171-AFD2-4095C3936E6B}"/>
+                <a16:creationId xmlns="" xmlns:a16="http://schemas.microsoft.com/office/drawing/2014/main" id="{27865403-966F-4171-AFD2-4095C3936E6B}"/>
               </a:ext>
             </a:extLst>
           </p:cNvPr>
@@ -11147,7 +11149,7 @@
           <p:cNvPr id="3" name="Text Placeholder 2">
             <a:extLst>
               <a:ext uri="{FF2B5EF4-FFF2-40B4-BE49-F238E27FC236}">
-                <a16:creationId xmlns:a16="http://schemas.microsoft.com/office/drawing/2014/main" xmlns="" id="{95384BE1-ECA6-4759-9219-426C433BB524}"/>
+                <a16:creationId xmlns="" xmlns:a16="http://schemas.microsoft.com/office/drawing/2014/main" id="{95384BE1-ECA6-4759-9219-426C433BB524}"/>
               </a:ext>
             </a:extLst>
           </p:cNvPr>
@@ -11437,7 +11439,7 @@
   <a:extraClrSchemeLst/>
   <a:extLst>
     <a:ext uri="{05A4C25C-085E-4340-85A3-A5531E510DB2}">
-      <thm15:themeFamily xmlns:thm15="http://schemas.microsoft.com/office/thememl/2012/main" xmlns="" name="Badge" id="{71A07785-5930-41D4-9A83-E23602B48E98}" vid="{771EA782-DFA6-45B1-AEA3-661F1715B310}"/>
+      <thm15:themeFamily xmlns="" xmlns:thm15="http://schemas.microsoft.com/office/thememl/2012/main" name="Badge" id="{71A07785-5930-41D4-9A83-E23602B48E98}" vid="{771EA782-DFA6-45B1-AEA3-661F1715B310}"/>
     </a:ext>
   </a:extLst>
 </a:theme>

--- a/Pick a dish app.pptx
+++ b/Pick a dish app.pptx
@@ -8,11 +8,13 @@
     <p:sldId id="256" r:id="rId2"/>
     <p:sldId id="259" r:id="rId3"/>
     <p:sldId id="260" r:id="rId4"/>
-    <p:sldId id="261" r:id="rId5"/>
-    <p:sldId id="258" r:id="rId6"/>
+    <p:sldId id="258" r:id="rId5"/>
+    <p:sldId id="265" r:id="rId6"/>
     <p:sldId id="263" r:id="rId7"/>
-    <p:sldId id="262" r:id="rId8"/>
-    <p:sldId id="257" r:id="rId9"/>
+    <p:sldId id="266" r:id="rId8"/>
+    <p:sldId id="267" r:id="rId9"/>
+    <p:sldId id="262" r:id="rId10"/>
+    <p:sldId id="257" r:id="rId11"/>
   </p:sldIdLst>
   <p:sldSz cx="12192000" cy="6858000"/>
   <p:notesSz cx="6858000" cy="9144000"/>
@@ -10417,6 +10419,99 @@
 </p:sld>
 </file>
 
+<file path=ppt/slides/slide10.xml><?xml version="1.0" encoding="utf-8"?>
+<p:sld xmlns:a="http://schemas.openxmlformats.org/drawingml/2006/main" xmlns:r="http://schemas.openxmlformats.org/officeDocument/2006/relationships" xmlns:p="http://schemas.openxmlformats.org/presentationml/2006/main">
+  <p:cSld>
+    <p:spTree>
+      <p:nvGrpSpPr>
+        <p:cNvPr id="1" name=""/>
+        <p:cNvGrpSpPr/>
+        <p:nvPr/>
+      </p:nvGrpSpPr>
+      <p:grpSpPr>
+        <a:xfrm>
+          <a:off x="0" y="0"/>
+          <a:ext cx="0" cy="0"/>
+          <a:chOff x="0" y="0"/>
+          <a:chExt cx="0" cy="0"/>
+        </a:xfrm>
+      </p:grpSpPr>
+      <p:sp>
+        <p:nvSpPr>
+          <p:cNvPr id="2" name="Title 1">
+            <a:extLst>
+              <a:ext uri="{FF2B5EF4-FFF2-40B4-BE49-F238E27FC236}">
+                <a16:creationId xmlns:a16="http://schemas.microsoft.com/office/drawing/2014/main" id="{27865403-966F-4171-AFD2-4095C3936E6B}"/>
+              </a:ext>
+            </a:extLst>
+          </p:cNvPr>
+          <p:cNvSpPr>
+            <a:spLocks noGrp="1"/>
+          </p:cNvSpPr>
+          <p:nvPr>
+            <p:ph type="title"/>
+          </p:nvPr>
+        </p:nvSpPr>
+        <p:spPr/>
+        <p:txBody>
+          <a:bodyPr/>
+          <a:lstStyle/>
+          <a:p>
+            <a:r>
+              <a:rPr lang="en-US" dirty="0"/>
+              <a:t>Thanks </a:t>
+            </a:r>
+            <a:r>
+              <a:rPr lang="en-US" dirty="0">
+                <a:sym typeface="Wingdings" panose="05000000000000000000" pitchFamily="2" charset="2"/>
+              </a:rPr>
+              <a:t></a:t>
+            </a:r>
+            <a:endParaRPr lang="en-US" dirty="0"/>
+          </a:p>
+        </p:txBody>
+      </p:sp>
+      <p:sp>
+        <p:nvSpPr>
+          <p:cNvPr id="3" name="Text Placeholder 2">
+            <a:extLst>
+              <a:ext uri="{FF2B5EF4-FFF2-40B4-BE49-F238E27FC236}">
+                <a16:creationId xmlns:a16="http://schemas.microsoft.com/office/drawing/2014/main" id="{95384BE1-ECA6-4759-9219-426C433BB524}"/>
+              </a:ext>
+            </a:extLst>
+          </p:cNvPr>
+          <p:cNvSpPr>
+            <a:spLocks noGrp="1"/>
+          </p:cNvSpPr>
+          <p:nvPr>
+            <p:ph type="body" idx="1"/>
+          </p:nvPr>
+        </p:nvSpPr>
+        <p:spPr/>
+        <p:txBody>
+          <a:bodyPr/>
+          <a:lstStyle/>
+          <a:p>
+            <a:r>
+              <a:rPr lang="en-US" dirty="0"/>
+              <a:t>Any Questions ?</a:t>
+            </a:r>
+          </a:p>
+        </p:txBody>
+      </p:sp>
+    </p:spTree>
+    <p:extLst>
+      <p:ext uri="{BB962C8B-B14F-4D97-AF65-F5344CB8AC3E}">
+        <p14:creationId xmlns:p14="http://schemas.microsoft.com/office/powerpoint/2010/main" val="1820284329"/>
+      </p:ext>
+    </p:extLst>
+  </p:cSld>
+  <p:clrMapOvr>
+    <a:masterClrMapping/>
+  </p:clrMapOvr>
+</p:sld>
+</file>
+
 <file path=ppt/slides/slide2.xml><?xml version="1.0" encoding="utf-8"?>
 <p:sld xmlns:a="http://schemas.openxmlformats.org/drawingml/2006/main" xmlns:r="http://schemas.openxmlformats.org/officeDocument/2006/relationships" xmlns:p="http://schemas.openxmlformats.org/presentationml/2006/main">
   <p:cSld>
@@ -11088,7 +11183,7 @@
               </a:lnSpc>
             </a:pPr>
             <a:r>
-              <a:rPr lang="en-US">
+              <a:rPr lang="en-US" dirty="0">
                 <a:solidFill>
                   <a:schemeClr val="tx1"/>
                 </a:solidFill>
@@ -11103,7 +11198,7 @@
               </a:lnSpc>
             </a:pPr>
             <a:r>
-              <a:rPr lang="en-US">
+              <a:rPr lang="en-US" dirty="0">
                 <a:solidFill>
                   <a:schemeClr val="tx1"/>
                 </a:solidFill>
@@ -11118,7 +11213,7 @@
               </a:lnSpc>
             </a:pPr>
             <a:r>
-              <a:rPr lang="en-US">
+              <a:rPr lang="en-US" dirty="0">
                 <a:solidFill>
                   <a:schemeClr val="tx1"/>
                 </a:solidFill>
@@ -11133,7 +11228,7 @@
               </a:lnSpc>
             </a:pPr>
             <a:r>
-              <a:rPr lang="en-US">
+              <a:rPr lang="en-US" dirty="0">
                 <a:solidFill>
                   <a:schemeClr val="tx1"/>
                 </a:solidFill>
@@ -11148,7 +11243,7 @@
               </a:lnSpc>
             </a:pPr>
             <a:r>
-              <a:rPr lang="en-US">
+              <a:rPr lang="en-US" dirty="0">
                 <a:solidFill>
                   <a:schemeClr val="tx1"/>
                 </a:solidFill>
@@ -11163,7 +11258,7 @@
               </a:lnSpc>
             </a:pPr>
             <a:r>
-              <a:rPr lang="en-US">
+              <a:rPr lang="en-US" dirty="0">
                 <a:solidFill>
                   <a:schemeClr val="tx1"/>
                 </a:solidFill>
@@ -11220,7 +11315,7 @@
           <a:p>
             <a:r>
               <a:rPr lang="en-US" dirty="0"/>
-              <a:t>Platform </a:t>
+              <a:t>Platform and tools  </a:t>
             </a:r>
           </a:p>
         </p:txBody>
@@ -11254,6 +11349,32 @@
             </a:r>
           </a:p>
           <a:p>
+            <a:r>
+              <a:rPr lang="en-US" sz="2800" dirty="0">
+                <a:solidFill>
+                  <a:schemeClr val="tx1"/>
+                </a:solidFill>
+              </a:rPr>
+              <a:t>We used firebase database as backend for our app </a:t>
+            </a:r>
+          </a:p>
+          <a:p>
+            <a:r>
+              <a:rPr lang="en-US" sz="2800" dirty="0">
+                <a:solidFill>
+                  <a:schemeClr val="tx1"/>
+                </a:solidFill>
+              </a:rPr>
+              <a:t>We used ionic icons for app icons </a:t>
+            </a:r>
+          </a:p>
+          <a:p>
+            <a:endParaRPr lang="en-US" sz="2800" dirty="0"/>
+          </a:p>
+          <a:p>
+            <a:endParaRPr lang="en-US" sz="2800" dirty="0"/>
+          </a:p>
+          <a:p>
             <a:endParaRPr lang="en-US" dirty="0"/>
           </a:p>
         </p:txBody>
@@ -11272,705 +11393,6 @@
 </file>
 
 <file path=ppt/slides/slide4.xml><?xml version="1.0" encoding="utf-8"?>
-<p:sld xmlns:a="http://schemas.openxmlformats.org/drawingml/2006/main" xmlns:r="http://schemas.openxmlformats.org/officeDocument/2006/relationships" xmlns:p="http://schemas.openxmlformats.org/presentationml/2006/main">
-  <p:cSld>
-    <p:bg>
-      <p:bgPr>
-        <a:solidFill>
-          <a:schemeClr val="bg2"/>
-        </a:solidFill>
-        <a:effectLst/>
-      </p:bgPr>
-    </p:bg>
-    <p:spTree>
-      <p:nvGrpSpPr>
-        <p:cNvPr id="1" name=""/>
-        <p:cNvGrpSpPr/>
-        <p:nvPr/>
-      </p:nvGrpSpPr>
-      <p:grpSpPr>
-        <a:xfrm>
-          <a:off x="0" y="0"/>
-          <a:ext cx="0" cy="0"/>
-          <a:chOff x="0" y="0"/>
-          <a:chExt cx="0" cy="0"/>
-        </a:xfrm>
-      </p:grpSpPr>
-      <p:sp>
-        <p:nvSpPr>
-          <p:cNvPr id="9" name="Freeform 6" title="Left scallop edge">
-            <a:extLst>
-              <a:ext uri="{FF2B5EF4-FFF2-40B4-BE49-F238E27FC236}">
-                <a16:creationId xmlns:a16="http://schemas.microsoft.com/office/drawing/2014/main" id="{841EFD0D-0D37-447B-B1EA-4F7197EB2911}"/>
-              </a:ext>
-            </a:extLst>
-          </p:cNvPr>
-          <p:cNvSpPr>
-            <a:spLocks noGrp="1" noRot="1" noChangeAspect="1" noMove="1" noResize="1" noEditPoints="1" noAdjustHandles="1" noChangeArrowheads="1" noChangeShapeType="1" noTextEdit="1"/>
-          </p:cNvSpPr>
-          <p:nvPr>
-            <p:extLst>
-              <p:ext uri="{386F3935-93C4-4BCD-93E2-E3B085C9AB24}">
-                <p16:designElem xmlns:p16="http://schemas.microsoft.com/office/powerpoint/2015/main" val="1"/>
-              </p:ext>
-            </p:extLst>
-          </p:nvPr>
-        </p:nvSpPr>
-        <p:spPr bwMode="auto">
-          <a:xfrm>
-            <a:off x="0" y="0"/>
-            <a:ext cx="885825" cy="6858000"/>
-          </a:xfrm>
-          <a:custGeom>
-            <a:avLst/>
-            <a:gdLst/>
-            <a:ahLst/>
-            <a:cxnLst/>
-            <a:rect l="0" t="0" r="r" b="b"/>
-            <a:pathLst>
-              <a:path w="558" h="4320">
-                <a:moveTo>
-                  <a:pt x="0" y="0"/>
-                </a:moveTo>
-                <a:lnTo>
-                  <a:pt x="447" y="0"/>
-                </a:lnTo>
-                <a:lnTo>
-                  <a:pt x="448" y="43"/>
-                </a:lnTo>
-                <a:lnTo>
-                  <a:pt x="453" y="81"/>
-                </a:lnTo>
-                <a:lnTo>
-                  <a:pt x="460" y="114"/>
-                </a:lnTo>
-                <a:lnTo>
-                  <a:pt x="469" y="143"/>
-                </a:lnTo>
-                <a:lnTo>
-                  <a:pt x="479" y="169"/>
-                </a:lnTo>
-                <a:lnTo>
-                  <a:pt x="491" y="192"/>
-                </a:lnTo>
-                <a:lnTo>
-                  <a:pt x="503" y="216"/>
-                </a:lnTo>
-                <a:lnTo>
-                  <a:pt x="515" y="240"/>
-                </a:lnTo>
-                <a:lnTo>
-                  <a:pt x="525" y="263"/>
-                </a:lnTo>
-                <a:lnTo>
-                  <a:pt x="535" y="289"/>
-                </a:lnTo>
-                <a:lnTo>
-                  <a:pt x="545" y="318"/>
-                </a:lnTo>
-                <a:lnTo>
-                  <a:pt x="552" y="351"/>
-                </a:lnTo>
-                <a:lnTo>
-                  <a:pt x="556" y="389"/>
-                </a:lnTo>
-                <a:lnTo>
-                  <a:pt x="558" y="432"/>
-                </a:lnTo>
-                <a:lnTo>
-                  <a:pt x="556" y="475"/>
-                </a:lnTo>
-                <a:lnTo>
-                  <a:pt x="552" y="513"/>
-                </a:lnTo>
-                <a:lnTo>
-                  <a:pt x="545" y="546"/>
-                </a:lnTo>
-                <a:lnTo>
-                  <a:pt x="535" y="575"/>
-                </a:lnTo>
-                <a:lnTo>
-                  <a:pt x="525" y="601"/>
-                </a:lnTo>
-                <a:lnTo>
-                  <a:pt x="515" y="624"/>
-                </a:lnTo>
-                <a:lnTo>
-                  <a:pt x="503" y="648"/>
-                </a:lnTo>
-                <a:lnTo>
-                  <a:pt x="491" y="672"/>
-                </a:lnTo>
-                <a:lnTo>
-                  <a:pt x="479" y="695"/>
-                </a:lnTo>
-                <a:lnTo>
-                  <a:pt x="469" y="721"/>
-                </a:lnTo>
-                <a:lnTo>
-                  <a:pt x="460" y="750"/>
-                </a:lnTo>
-                <a:lnTo>
-                  <a:pt x="453" y="783"/>
-                </a:lnTo>
-                <a:lnTo>
-                  <a:pt x="448" y="821"/>
-                </a:lnTo>
-                <a:lnTo>
-                  <a:pt x="447" y="864"/>
-                </a:lnTo>
-                <a:lnTo>
-                  <a:pt x="448" y="907"/>
-                </a:lnTo>
-                <a:lnTo>
-                  <a:pt x="453" y="945"/>
-                </a:lnTo>
-                <a:lnTo>
-                  <a:pt x="460" y="978"/>
-                </a:lnTo>
-                <a:lnTo>
-                  <a:pt x="469" y="1007"/>
-                </a:lnTo>
-                <a:lnTo>
-                  <a:pt x="479" y="1033"/>
-                </a:lnTo>
-                <a:lnTo>
-                  <a:pt x="491" y="1056"/>
-                </a:lnTo>
-                <a:lnTo>
-                  <a:pt x="503" y="1080"/>
-                </a:lnTo>
-                <a:lnTo>
-                  <a:pt x="515" y="1104"/>
-                </a:lnTo>
-                <a:lnTo>
-                  <a:pt x="525" y="1127"/>
-                </a:lnTo>
-                <a:lnTo>
-                  <a:pt x="535" y="1153"/>
-                </a:lnTo>
-                <a:lnTo>
-                  <a:pt x="545" y="1182"/>
-                </a:lnTo>
-                <a:lnTo>
-                  <a:pt x="552" y="1215"/>
-                </a:lnTo>
-                <a:lnTo>
-                  <a:pt x="556" y="1253"/>
-                </a:lnTo>
-                <a:lnTo>
-                  <a:pt x="558" y="1296"/>
-                </a:lnTo>
-                <a:lnTo>
-                  <a:pt x="556" y="1339"/>
-                </a:lnTo>
-                <a:lnTo>
-                  <a:pt x="552" y="1377"/>
-                </a:lnTo>
-                <a:lnTo>
-                  <a:pt x="545" y="1410"/>
-                </a:lnTo>
-                <a:lnTo>
-                  <a:pt x="535" y="1439"/>
-                </a:lnTo>
-                <a:lnTo>
-                  <a:pt x="525" y="1465"/>
-                </a:lnTo>
-                <a:lnTo>
-                  <a:pt x="515" y="1488"/>
-                </a:lnTo>
-                <a:lnTo>
-                  <a:pt x="503" y="1512"/>
-                </a:lnTo>
-                <a:lnTo>
-                  <a:pt x="491" y="1536"/>
-                </a:lnTo>
-                <a:lnTo>
-                  <a:pt x="479" y="1559"/>
-                </a:lnTo>
-                <a:lnTo>
-                  <a:pt x="469" y="1585"/>
-                </a:lnTo>
-                <a:lnTo>
-                  <a:pt x="460" y="1614"/>
-                </a:lnTo>
-                <a:lnTo>
-                  <a:pt x="453" y="1647"/>
-                </a:lnTo>
-                <a:lnTo>
-                  <a:pt x="448" y="1685"/>
-                </a:lnTo>
-                <a:lnTo>
-                  <a:pt x="447" y="1728"/>
-                </a:lnTo>
-                <a:lnTo>
-                  <a:pt x="448" y="1771"/>
-                </a:lnTo>
-                <a:lnTo>
-                  <a:pt x="453" y="1809"/>
-                </a:lnTo>
-                <a:lnTo>
-                  <a:pt x="460" y="1842"/>
-                </a:lnTo>
-                <a:lnTo>
-                  <a:pt x="469" y="1871"/>
-                </a:lnTo>
-                <a:lnTo>
-                  <a:pt x="479" y="1897"/>
-                </a:lnTo>
-                <a:lnTo>
-                  <a:pt x="491" y="1920"/>
-                </a:lnTo>
-                <a:lnTo>
-                  <a:pt x="503" y="1944"/>
-                </a:lnTo>
-                <a:lnTo>
-                  <a:pt x="515" y="1968"/>
-                </a:lnTo>
-                <a:lnTo>
-                  <a:pt x="525" y="1991"/>
-                </a:lnTo>
-                <a:lnTo>
-                  <a:pt x="535" y="2017"/>
-                </a:lnTo>
-                <a:lnTo>
-                  <a:pt x="545" y="2046"/>
-                </a:lnTo>
-                <a:lnTo>
-                  <a:pt x="552" y="2079"/>
-                </a:lnTo>
-                <a:lnTo>
-                  <a:pt x="556" y="2117"/>
-                </a:lnTo>
-                <a:lnTo>
-                  <a:pt x="558" y="2159"/>
-                </a:lnTo>
-                <a:lnTo>
-                  <a:pt x="556" y="2203"/>
-                </a:lnTo>
-                <a:lnTo>
-                  <a:pt x="552" y="2241"/>
-                </a:lnTo>
-                <a:lnTo>
-                  <a:pt x="545" y="2274"/>
-                </a:lnTo>
-                <a:lnTo>
-                  <a:pt x="535" y="2303"/>
-                </a:lnTo>
-                <a:lnTo>
-                  <a:pt x="525" y="2329"/>
-                </a:lnTo>
-                <a:lnTo>
-                  <a:pt x="515" y="2352"/>
-                </a:lnTo>
-                <a:lnTo>
-                  <a:pt x="503" y="2376"/>
-                </a:lnTo>
-                <a:lnTo>
-                  <a:pt x="491" y="2400"/>
-                </a:lnTo>
-                <a:lnTo>
-                  <a:pt x="479" y="2423"/>
-                </a:lnTo>
-                <a:lnTo>
-                  <a:pt x="469" y="2449"/>
-                </a:lnTo>
-                <a:lnTo>
-                  <a:pt x="460" y="2478"/>
-                </a:lnTo>
-                <a:lnTo>
-                  <a:pt x="453" y="2511"/>
-                </a:lnTo>
-                <a:lnTo>
-                  <a:pt x="448" y="2549"/>
-                </a:lnTo>
-                <a:lnTo>
-                  <a:pt x="447" y="2592"/>
-                </a:lnTo>
-                <a:lnTo>
-                  <a:pt x="448" y="2635"/>
-                </a:lnTo>
-                <a:lnTo>
-                  <a:pt x="453" y="2673"/>
-                </a:lnTo>
-                <a:lnTo>
-                  <a:pt x="460" y="2706"/>
-                </a:lnTo>
-                <a:lnTo>
-                  <a:pt x="469" y="2735"/>
-                </a:lnTo>
-                <a:lnTo>
-                  <a:pt x="479" y="2761"/>
-                </a:lnTo>
-                <a:lnTo>
-                  <a:pt x="491" y="2784"/>
-                </a:lnTo>
-                <a:lnTo>
-                  <a:pt x="515" y="2832"/>
-                </a:lnTo>
-                <a:lnTo>
-                  <a:pt x="525" y="2855"/>
-                </a:lnTo>
-                <a:lnTo>
-                  <a:pt x="535" y="2881"/>
-                </a:lnTo>
-                <a:lnTo>
-                  <a:pt x="545" y="2910"/>
-                </a:lnTo>
-                <a:lnTo>
-                  <a:pt x="552" y="2943"/>
-                </a:lnTo>
-                <a:lnTo>
-                  <a:pt x="556" y="2981"/>
-                </a:lnTo>
-                <a:lnTo>
-                  <a:pt x="558" y="3024"/>
-                </a:lnTo>
-                <a:lnTo>
-                  <a:pt x="556" y="3067"/>
-                </a:lnTo>
-                <a:lnTo>
-                  <a:pt x="552" y="3105"/>
-                </a:lnTo>
-                <a:lnTo>
-                  <a:pt x="545" y="3138"/>
-                </a:lnTo>
-                <a:lnTo>
-                  <a:pt x="535" y="3167"/>
-                </a:lnTo>
-                <a:lnTo>
-                  <a:pt x="525" y="3193"/>
-                </a:lnTo>
-                <a:lnTo>
-                  <a:pt x="515" y="3216"/>
-                </a:lnTo>
-                <a:lnTo>
-                  <a:pt x="503" y="3240"/>
-                </a:lnTo>
-                <a:lnTo>
-                  <a:pt x="491" y="3264"/>
-                </a:lnTo>
-                <a:lnTo>
-                  <a:pt x="479" y="3287"/>
-                </a:lnTo>
-                <a:lnTo>
-                  <a:pt x="469" y="3313"/>
-                </a:lnTo>
-                <a:lnTo>
-                  <a:pt x="460" y="3342"/>
-                </a:lnTo>
-                <a:lnTo>
-                  <a:pt x="453" y="3375"/>
-                </a:lnTo>
-                <a:lnTo>
-                  <a:pt x="448" y="3413"/>
-                </a:lnTo>
-                <a:lnTo>
-                  <a:pt x="447" y="3456"/>
-                </a:lnTo>
-                <a:lnTo>
-                  <a:pt x="448" y="3499"/>
-                </a:lnTo>
-                <a:lnTo>
-                  <a:pt x="453" y="3537"/>
-                </a:lnTo>
-                <a:lnTo>
-                  <a:pt x="460" y="3570"/>
-                </a:lnTo>
-                <a:lnTo>
-                  <a:pt x="469" y="3599"/>
-                </a:lnTo>
-                <a:lnTo>
-                  <a:pt x="479" y="3625"/>
-                </a:lnTo>
-                <a:lnTo>
-                  <a:pt x="491" y="3648"/>
-                </a:lnTo>
-                <a:lnTo>
-                  <a:pt x="503" y="3672"/>
-                </a:lnTo>
-                <a:lnTo>
-                  <a:pt x="515" y="3696"/>
-                </a:lnTo>
-                <a:lnTo>
-                  <a:pt x="525" y="3719"/>
-                </a:lnTo>
-                <a:lnTo>
-                  <a:pt x="535" y="3745"/>
-                </a:lnTo>
-                <a:lnTo>
-                  <a:pt x="545" y="3774"/>
-                </a:lnTo>
-                <a:lnTo>
-                  <a:pt x="552" y="3807"/>
-                </a:lnTo>
-                <a:lnTo>
-                  <a:pt x="556" y="3845"/>
-                </a:lnTo>
-                <a:lnTo>
-                  <a:pt x="558" y="3888"/>
-                </a:lnTo>
-                <a:lnTo>
-                  <a:pt x="556" y="3931"/>
-                </a:lnTo>
-                <a:lnTo>
-                  <a:pt x="552" y="3969"/>
-                </a:lnTo>
-                <a:lnTo>
-                  <a:pt x="545" y="4002"/>
-                </a:lnTo>
-                <a:lnTo>
-                  <a:pt x="535" y="4031"/>
-                </a:lnTo>
-                <a:lnTo>
-                  <a:pt x="525" y="4057"/>
-                </a:lnTo>
-                <a:lnTo>
-                  <a:pt x="515" y="4080"/>
-                </a:lnTo>
-                <a:lnTo>
-                  <a:pt x="503" y="4104"/>
-                </a:lnTo>
-                <a:lnTo>
-                  <a:pt x="491" y="4128"/>
-                </a:lnTo>
-                <a:lnTo>
-                  <a:pt x="479" y="4151"/>
-                </a:lnTo>
-                <a:lnTo>
-                  <a:pt x="469" y="4177"/>
-                </a:lnTo>
-                <a:lnTo>
-                  <a:pt x="460" y="4206"/>
-                </a:lnTo>
-                <a:lnTo>
-                  <a:pt x="453" y="4239"/>
-                </a:lnTo>
-                <a:lnTo>
-                  <a:pt x="448" y="4277"/>
-                </a:lnTo>
-                <a:lnTo>
-                  <a:pt x="447" y="4320"/>
-                </a:lnTo>
-                <a:lnTo>
-                  <a:pt x="0" y="4320"/>
-                </a:lnTo>
-                <a:lnTo>
-                  <a:pt x="0" y="0"/>
-                </a:lnTo>
-                <a:close/>
-              </a:path>
-            </a:pathLst>
-          </a:custGeom>
-          <a:solidFill>
-            <a:schemeClr val="tx2"/>
-          </a:solidFill>
-          <a:ln w="0">
-            <a:noFill/>
-            <a:prstDash val="solid"/>
-            <a:round/>
-            <a:headEnd/>
-            <a:tailEnd/>
-          </a:ln>
-        </p:spPr>
-      </p:sp>
-      <p:sp>
-        <p:nvSpPr>
-          <p:cNvPr id="11" name="Rectangle 10" title="right edge border">
-            <a:extLst>
-              <a:ext uri="{FF2B5EF4-FFF2-40B4-BE49-F238E27FC236}">
-                <a16:creationId xmlns:a16="http://schemas.microsoft.com/office/drawing/2014/main" id="{5A6DFF24-307B-44B0-93F0-893676F1488A}"/>
-              </a:ext>
-            </a:extLst>
-          </p:cNvPr>
-          <p:cNvSpPr>
-            <a:spLocks noGrp="1" noRot="1" noChangeAspect="1" noMove="1" noResize="1" noEditPoints="1" noAdjustHandles="1" noChangeArrowheads="1" noChangeShapeType="1" noTextEdit="1"/>
-          </p:cNvSpPr>
-          <p:nvPr>
-            <p:extLst>
-              <p:ext uri="{386F3935-93C4-4BCD-93E2-E3B085C9AB24}">
-                <p16:designElem xmlns:p16="http://schemas.microsoft.com/office/powerpoint/2015/main" val="1"/>
-              </p:ext>
-            </p:extLst>
-          </p:nvPr>
-        </p:nvSpPr>
-        <p:spPr>
-          <a:xfrm>
-            <a:off x="11908536" y="0"/>
-            <a:ext cx="283464" cy="6858000"/>
-          </a:xfrm>
-          <a:prstGeom prst="rect">
-            <a:avLst/>
-          </a:prstGeom>
-          <a:solidFill>
-            <a:schemeClr val="accent1"/>
-          </a:solidFill>
-          <a:ln>
-            <a:noFill/>
-          </a:ln>
-        </p:spPr>
-        <p:style>
-          <a:lnRef idx="2">
-            <a:schemeClr val="accent1">
-              <a:shade val="50000"/>
-            </a:schemeClr>
-          </a:lnRef>
-          <a:fillRef idx="1">
-            <a:schemeClr val="accent1"/>
-          </a:fillRef>
-          <a:effectRef idx="0">
-            <a:schemeClr val="accent1"/>
-          </a:effectRef>
-          <a:fontRef idx="minor">
-            <a:schemeClr val="lt1"/>
-          </a:fontRef>
-        </p:style>
-      </p:sp>
-      <p:pic>
-        <p:nvPicPr>
-          <p:cNvPr id="4" name="Picture 3">
-            <a:extLst>
-              <a:ext uri="{FF2B5EF4-FFF2-40B4-BE49-F238E27FC236}">
-                <a16:creationId xmlns:a16="http://schemas.microsoft.com/office/drawing/2014/main" id="{6074218C-B0A0-4934-9C81-9E2D6A950CCA}"/>
-              </a:ext>
-            </a:extLst>
-          </p:cNvPr>
-          <p:cNvPicPr>
-            <a:picLocks noChangeAspect="1"/>
-          </p:cNvPicPr>
-          <p:nvPr/>
-        </p:nvPicPr>
-        <p:blipFill>
-          <a:blip r:embed="rId2"/>
-          <a:stretch>
-            <a:fillRect/>
-          </a:stretch>
-        </p:blipFill>
-        <p:spPr>
-          <a:xfrm>
-            <a:off x="7555992" y="553022"/>
-            <a:ext cx="3902582" cy="5739090"/>
-          </a:xfrm>
-          <a:prstGeom prst="rect">
-            <a:avLst/>
-          </a:prstGeom>
-        </p:spPr>
-      </p:pic>
-      <p:sp>
-        <p:nvSpPr>
-          <p:cNvPr id="2" name="Title 1">
-            <a:extLst>
-              <a:ext uri="{FF2B5EF4-FFF2-40B4-BE49-F238E27FC236}">
-                <a16:creationId xmlns:a16="http://schemas.microsoft.com/office/drawing/2014/main" id="{0294A5BE-F9FE-4B15-A51E-E3572F60C864}"/>
-              </a:ext>
-            </a:extLst>
-          </p:cNvPr>
-          <p:cNvSpPr>
-            <a:spLocks noGrp="1"/>
-          </p:cNvSpPr>
-          <p:nvPr>
-            <p:ph type="title"/>
-          </p:nvPr>
-        </p:nvSpPr>
-        <p:spPr>
-          <a:xfrm>
-            <a:off x="1251678" y="382385"/>
-            <a:ext cx="5984274" cy="1492132"/>
-          </a:xfrm>
-        </p:spPr>
-        <p:txBody>
-          <a:bodyPr vert="horz" lIns="91440" tIns="45720" rIns="91440" bIns="45720" rtlCol="0" anchor="t">
-            <a:normAutofit/>
-          </a:bodyPr>
-          <a:lstStyle/>
-          <a:p>
-            <a:r>
-              <a:rPr lang="en-US" dirty="0"/>
-              <a:t>tools</a:t>
-            </a:r>
-          </a:p>
-        </p:txBody>
-      </p:sp>
-      <p:sp>
-        <p:nvSpPr>
-          <p:cNvPr id="3" name="Vertical Text Placeholder 2">
-            <a:extLst>
-              <a:ext uri="{FF2B5EF4-FFF2-40B4-BE49-F238E27FC236}">
-                <a16:creationId xmlns:a16="http://schemas.microsoft.com/office/drawing/2014/main" id="{D8D46301-BB14-4106-BB7C-CD02A0DDE508}"/>
-              </a:ext>
-            </a:extLst>
-          </p:cNvPr>
-          <p:cNvSpPr>
-            <a:spLocks noGrp="1"/>
-          </p:cNvSpPr>
-          <p:nvPr>
-            <p:ph type="body" orient="vert" idx="1"/>
-          </p:nvPr>
-        </p:nvSpPr>
-        <p:spPr>
-          <a:xfrm>
-            <a:off x="1251678" y="2286001"/>
-            <a:ext cx="5984274" cy="4085056"/>
-          </a:xfrm>
-        </p:spPr>
-        <p:txBody>
-          <a:bodyPr vert="horz" lIns="91440" tIns="45720" rIns="91440" bIns="45720" rtlCol="0">
-            <a:normAutofit/>
-          </a:bodyPr>
-          <a:lstStyle/>
-          <a:p>
-            <a:r>
-              <a:rPr lang="en-US">
-                <a:solidFill>
-                  <a:schemeClr val="tx1"/>
-                </a:solidFill>
-              </a:rPr>
-              <a:t>We used firebase database as backend for our app “like”</a:t>
-            </a:r>
-          </a:p>
-          <a:p>
-            <a:r>
-              <a:rPr lang="en-US">
-                <a:solidFill>
-                  <a:schemeClr val="tx1"/>
-                </a:solidFill>
-              </a:rPr>
-              <a:t>We used ionic icons for app icons </a:t>
-            </a:r>
-          </a:p>
-          <a:p>
-            <a:r>
-              <a:rPr lang="en-US">
-                <a:solidFill>
-                  <a:schemeClr val="tx1"/>
-                </a:solidFill>
-              </a:rPr>
-              <a:t>We used colorlovers for color matching </a:t>
-            </a:r>
-          </a:p>
-          <a:p>
-            <a:endParaRPr lang="en-US">
-              <a:solidFill>
-                <a:schemeClr val="tx1"/>
-              </a:solidFill>
-            </a:endParaRPr>
-          </a:p>
-        </p:txBody>
-      </p:sp>
-    </p:spTree>
-    <p:extLst>
-      <p:ext uri="{BB962C8B-B14F-4D97-AF65-F5344CB8AC3E}">
-        <p14:creationId xmlns:p14="http://schemas.microsoft.com/office/powerpoint/2010/main" val="2393217521"/>
-      </p:ext>
-    </p:extLst>
-  </p:cSld>
-  <p:clrMapOvr>
-    <a:masterClrMapping/>
-  </p:clrMapOvr>
-</p:sld>
-</file>
-
-<file path=ppt/slides/slide5.xml><?xml version="1.0" encoding="utf-8"?>
 <p:sld xmlns:a="http://schemas.openxmlformats.org/drawingml/2006/main" xmlns:r="http://schemas.openxmlformats.org/officeDocument/2006/relationships" xmlns:p="http://schemas.openxmlformats.org/presentationml/2006/main">
   <p:cSld>
     <p:spTree>
@@ -12047,61 +11469,40 @@
           </a:bodyPr>
           <a:lstStyle/>
           <a:p>
-            <a:pPr>
-              <a:buFont typeface="Wingdings" charset="2"/>
-              <a:buChar char="Ø"/>
+            <a:r>
+              <a:rPr lang="en-US" dirty="0"/>
+              <a:t>Work as team.</a:t>
+            </a:r>
+          </a:p>
+          <a:p>
+            <a:r>
+              <a:rPr lang="en-US" dirty="0"/>
+              <a:t>Work with firebase database </a:t>
+            </a:r>
+          </a:p>
+          <a:p>
+            <a:r>
+              <a:rPr lang="en-US" dirty="0"/>
+              <a:t>Presentation and writing skills </a:t>
+            </a:r>
+          </a:p>
+          <a:p>
+            <a:r>
+              <a:rPr lang="en-US" dirty="0"/>
+              <a:t>Work with ionic and Agular </a:t>
+            </a:r>
+          </a:p>
+          <a:p>
+            <a:r>
+              <a:rPr lang="en-US" dirty="0"/>
+              <a:t>Work with GitHub.</a:t>
+            </a:r>
+          </a:p>
+          <a:p>
+            <a:pPr marL="0" indent="0">
+              <a:buNone/>
             </a:pPr>
-            <a:r>
-              <a:rPr lang="en-US" sz="2400" b="1" dirty="0"/>
-              <a:t>Advantages:</a:t>
-            </a:r>
-          </a:p>
-          <a:p>
-            <a:pPr marL="411480"/>
-            <a:r>
-              <a:rPr lang="en-US" sz="2400" dirty="0"/>
-              <a:t>Ionic View</a:t>
-            </a:r>
-          </a:p>
-          <a:p>
-            <a:pPr marL="411480"/>
-            <a:r>
-              <a:rPr lang="en-US" sz="2400" dirty="0"/>
-              <a:t>Web Developers Can Be Mobile Developers (HTML, CSS, JS)</a:t>
-            </a:r>
-          </a:p>
-          <a:p>
             <a:endParaRPr lang="en-US" sz="2400" dirty="0"/>
-          </a:p>
-          <a:p>
-            <a:pPr>
-              <a:buFont typeface="Wingdings" charset="2"/>
-              <a:buChar char="Ø"/>
-            </a:pPr>
-            <a:r>
-              <a:rPr lang="en-US" sz="2400" b="1" dirty="0"/>
-              <a:t>Disadvantages:</a:t>
-            </a:r>
-          </a:p>
-          <a:p>
-            <a:pPr marL="411480">
-              <a:buFont typeface="Arial" charset="0"/>
-              <a:buChar char="•"/>
-            </a:pPr>
-            <a:r>
-              <a:rPr lang="en-US" sz="2400" dirty="0"/>
-              <a:t>Command line</a:t>
-            </a:r>
-          </a:p>
-          <a:p>
-            <a:pPr marL="411480">
-              <a:buFont typeface="Arial" charset="0"/>
-              <a:buChar char="•"/>
-            </a:pPr>
-            <a:r>
-              <a:rPr lang="en-US" sz="2400" dirty="0"/>
-              <a:t>Few up to date tutorials </a:t>
-            </a:r>
           </a:p>
         </p:txBody>
       </p:sp>
@@ -12109,6 +11510,90 @@
     <p:extLst>
       <p:ext uri="{BB962C8B-B14F-4D97-AF65-F5344CB8AC3E}">
         <p14:creationId xmlns:p14="http://schemas.microsoft.com/office/powerpoint/2010/main" val="3300281320"/>
+      </p:ext>
+    </p:extLst>
+  </p:cSld>
+  <p:clrMapOvr>
+    <a:masterClrMapping/>
+  </p:clrMapOvr>
+</p:sld>
+</file>
+
+<file path=ppt/slides/slide5.xml><?xml version="1.0" encoding="utf-8"?>
+<p:sld xmlns:a="http://schemas.openxmlformats.org/drawingml/2006/main" xmlns:r="http://schemas.openxmlformats.org/officeDocument/2006/relationships" xmlns:p="http://schemas.openxmlformats.org/presentationml/2006/main">
+  <p:cSld>
+    <p:spTree>
+      <p:nvGrpSpPr>
+        <p:cNvPr id="1" name=""/>
+        <p:cNvGrpSpPr/>
+        <p:nvPr/>
+      </p:nvGrpSpPr>
+      <p:grpSpPr>
+        <a:xfrm>
+          <a:off x="0" y="0"/>
+          <a:ext cx="0" cy="0"/>
+          <a:chOff x="0" y="0"/>
+          <a:chExt cx="0" cy="0"/>
+        </a:xfrm>
+      </p:grpSpPr>
+      <p:sp>
+        <p:nvSpPr>
+          <p:cNvPr id="2" name="Title 1">
+            <a:extLst>
+              <a:ext uri="{FF2B5EF4-FFF2-40B4-BE49-F238E27FC236}">
+                <a16:creationId xmlns:a16="http://schemas.microsoft.com/office/drawing/2014/main" id="{45B86E5E-D50E-4DD4-AFB9-7F48A70197BA}"/>
+              </a:ext>
+            </a:extLst>
+          </p:cNvPr>
+          <p:cNvSpPr>
+            <a:spLocks noGrp="1"/>
+          </p:cNvSpPr>
+          <p:nvPr>
+            <p:ph type="title"/>
+          </p:nvPr>
+        </p:nvSpPr>
+        <p:spPr/>
+        <p:txBody>
+          <a:bodyPr/>
+          <a:lstStyle/>
+          <a:p>
+            <a:r>
+              <a:rPr lang="en-GB" dirty="0"/>
+              <a:t>features</a:t>
+            </a:r>
+            <a:endParaRPr lang="en-US" dirty="0"/>
+          </a:p>
+        </p:txBody>
+      </p:sp>
+      <p:sp>
+        <p:nvSpPr>
+          <p:cNvPr id="3" name="Content Placeholder 2">
+            <a:extLst>
+              <a:ext uri="{FF2B5EF4-FFF2-40B4-BE49-F238E27FC236}">
+                <a16:creationId xmlns:a16="http://schemas.microsoft.com/office/drawing/2014/main" id="{B294C894-43DA-43BA-9577-9ACFD44A1B26}"/>
+              </a:ext>
+            </a:extLst>
+          </p:cNvPr>
+          <p:cNvSpPr>
+            <a:spLocks noGrp="1"/>
+          </p:cNvSpPr>
+          <p:nvPr>
+            <p:ph idx="1"/>
+          </p:nvPr>
+        </p:nvSpPr>
+        <p:spPr/>
+        <p:txBody>
+          <a:bodyPr/>
+          <a:lstStyle/>
+          <a:p>
+            <a:endParaRPr lang="en-US"/>
+          </a:p>
+        </p:txBody>
+      </p:sp>
+    </p:spTree>
+    <p:extLst>
+      <p:ext uri="{BB962C8B-B14F-4D97-AF65-F5344CB8AC3E}">
+        <p14:creationId xmlns:p14="http://schemas.microsoft.com/office/powerpoint/2010/main" val="2469331397"/>
       </p:ext>
     </p:extLst>
   </p:cSld>
@@ -12765,7 +12250,7 @@
           <p:cNvPr id="2" name="Title 1">
             <a:extLst>
               <a:ext uri="{FF2B5EF4-FFF2-40B4-BE49-F238E27FC236}">
-                <a16:creationId xmlns:a16="http://schemas.microsoft.com/office/drawing/2014/main" id="{269A0B15-D693-4459-AF1A-5C00C7406E29}"/>
+                <a16:creationId xmlns:a16="http://schemas.microsoft.com/office/drawing/2014/main" id="{77A88685-22FC-43B9-B3E9-025FCA498429}"/>
               </a:ext>
             </a:extLst>
           </p:cNvPr>
@@ -12773,7 +12258,7 @@
             <a:spLocks noGrp="1"/>
           </p:cNvSpPr>
           <p:nvPr>
-            <p:ph type="ctrTitle"/>
+            <p:ph type="title"/>
           </p:nvPr>
         </p:nvSpPr>
         <p:spPr/>
@@ -12782,18 +12267,19 @@
           <a:lstStyle/>
           <a:p>
             <a:r>
-              <a:rPr lang="en-US" dirty="0"/>
-              <a:t>demo</a:t>
+              <a:rPr lang="en-GB" dirty="0"/>
+              <a:t>Challenges </a:t>
             </a:r>
+            <a:endParaRPr lang="en-US" dirty="0"/>
           </a:p>
         </p:txBody>
       </p:sp>
       <p:sp>
         <p:nvSpPr>
-          <p:cNvPr id="3" name="Subtitle 2">
+          <p:cNvPr id="3" name="Content Placeholder 2">
             <a:extLst>
               <a:ext uri="{FF2B5EF4-FFF2-40B4-BE49-F238E27FC236}">
-                <a16:creationId xmlns:a16="http://schemas.microsoft.com/office/drawing/2014/main" id="{89781140-EE1A-423E-B26F-9FA9172BDC16}"/>
+                <a16:creationId xmlns:a16="http://schemas.microsoft.com/office/drawing/2014/main" id="{5A10B657-F23A-4437-86D2-269772544C9E}"/>
               </a:ext>
             </a:extLst>
           </p:cNvPr>
@@ -12801,7 +12287,7 @@
             <a:spLocks noGrp="1"/>
           </p:cNvSpPr>
           <p:nvPr>
-            <p:ph type="subTitle" idx="1"/>
+            <p:ph idx="1"/>
           </p:nvPr>
         </p:nvSpPr>
         <p:spPr/>
@@ -12816,7 +12302,7 @@
     </p:spTree>
     <p:extLst>
       <p:ext uri="{BB962C8B-B14F-4D97-AF65-F5344CB8AC3E}">
-        <p14:creationId xmlns:p14="http://schemas.microsoft.com/office/powerpoint/2010/main" val="1762289637"/>
+        <p14:creationId xmlns:p14="http://schemas.microsoft.com/office/powerpoint/2010/main" val="3674357239"/>
       </p:ext>
     </p:extLst>
   </p:cSld>
@@ -12848,7 +12334,7 @@
           <p:cNvPr id="2" name="Title 1">
             <a:extLst>
               <a:ext uri="{FF2B5EF4-FFF2-40B4-BE49-F238E27FC236}">
-                <a16:creationId xmlns:a16="http://schemas.microsoft.com/office/drawing/2014/main" id="{27865403-966F-4171-AFD2-4095C3936E6B}"/>
+                <a16:creationId xmlns:a16="http://schemas.microsoft.com/office/drawing/2014/main" id="{62B38921-F153-46EC-9C43-821C8373A987}"/>
               </a:ext>
             </a:extLst>
           </p:cNvPr>
@@ -12866,15 +12352,8 @@
           <a:p>
             <a:r>
               <a:rPr lang="en-US" dirty="0"/>
-              <a:t>Thanks </a:t>
+              <a:t>Future work </a:t>
             </a:r>
-            <a:r>
-              <a:rPr lang="en-US" dirty="0">
-                <a:sym typeface="Wingdings" panose="05000000000000000000" pitchFamily="2" charset="2"/>
-              </a:rPr>
-              <a:t></a:t>
-            </a:r>
-            <a:endParaRPr lang="en-US" dirty="0"/>
           </a:p>
         </p:txBody>
       </p:sp>
@@ -12883,7 +12362,7 @@
           <p:cNvPr id="3" name="Text Placeholder 2">
             <a:extLst>
               <a:ext uri="{FF2B5EF4-FFF2-40B4-BE49-F238E27FC236}">
-                <a16:creationId xmlns:a16="http://schemas.microsoft.com/office/drawing/2014/main" id="{95384BE1-ECA6-4759-9219-426C433BB524}"/>
+                <a16:creationId xmlns:a16="http://schemas.microsoft.com/office/drawing/2014/main" id="{2CB6AAC8-A36D-4493-A68E-73BBD148B0D3}"/>
               </a:ext>
             </a:extLst>
           </p:cNvPr>
@@ -12901,7 +12380,7 @@
           <a:p>
             <a:r>
               <a:rPr lang="en-US" dirty="0"/>
-              <a:t>Pray for us </a:t>
+              <a:t>And recommendation </a:t>
             </a:r>
           </a:p>
         </p:txBody>
@@ -12909,7 +12388,93 @@
     </p:spTree>
     <p:extLst>
       <p:ext uri="{BB962C8B-B14F-4D97-AF65-F5344CB8AC3E}">
-        <p14:creationId xmlns:p14="http://schemas.microsoft.com/office/powerpoint/2010/main" val="1820284329"/>
+        <p14:creationId xmlns:p14="http://schemas.microsoft.com/office/powerpoint/2010/main" val="2907705664"/>
+      </p:ext>
+    </p:extLst>
+  </p:cSld>
+  <p:clrMapOvr>
+    <a:masterClrMapping/>
+  </p:clrMapOvr>
+</p:sld>
+</file>
+
+<file path=ppt/slides/slide9.xml><?xml version="1.0" encoding="utf-8"?>
+<p:sld xmlns:a="http://schemas.openxmlformats.org/drawingml/2006/main" xmlns:r="http://schemas.openxmlformats.org/officeDocument/2006/relationships" xmlns:p="http://schemas.openxmlformats.org/presentationml/2006/main">
+  <p:cSld>
+    <p:spTree>
+      <p:nvGrpSpPr>
+        <p:cNvPr id="1" name=""/>
+        <p:cNvGrpSpPr/>
+        <p:nvPr/>
+      </p:nvGrpSpPr>
+      <p:grpSpPr>
+        <a:xfrm>
+          <a:off x="0" y="0"/>
+          <a:ext cx="0" cy="0"/>
+          <a:chOff x="0" y="0"/>
+          <a:chExt cx="0" cy="0"/>
+        </a:xfrm>
+      </p:grpSpPr>
+      <p:sp>
+        <p:nvSpPr>
+          <p:cNvPr id="2" name="Title 1">
+            <a:extLst>
+              <a:ext uri="{FF2B5EF4-FFF2-40B4-BE49-F238E27FC236}">
+                <a16:creationId xmlns:a16="http://schemas.microsoft.com/office/drawing/2014/main" id="{269A0B15-D693-4459-AF1A-5C00C7406E29}"/>
+              </a:ext>
+            </a:extLst>
+          </p:cNvPr>
+          <p:cNvSpPr>
+            <a:spLocks noGrp="1"/>
+          </p:cNvSpPr>
+          <p:nvPr>
+            <p:ph type="ctrTitle"/>
+          </p:nvPr>
+        </p:nvSpPr>
+        <p:spPr/>
+        <p:txBody>
+          <a:bodyPr/>
+          <a:lstStyle/>
+          <a:p>
+            <a:r>
+              <a:rPr lang="en-US" dirty="0"/>
+              <a:t>demo</a:t>
+            </a:r>
+          </a:p>
+        </p:txBody>
+      </p:sp>
+      <p:sp>
+        <p:nvSpPr>
+          <p:cNvPr id="3" name="Subtitle 2">
+            <a:extLst>
+              <a:ext uri="{FF2B5EF4-FFF2-40B4-BE49-F238E27FC236}">
+                <a16:creationId xmlns:a16="http://schemas.microsoft.com/office/drawing/2014/main" id="{89781140-EE1A-423E-B26F-9FA9172BDC16}"/>
+              </a:ext>
+            </a:extLst>
+          </p:cNvPr>
+          <p:cNvSpPr>
+            <a:spLocks noGrp="1"/>
+          </p:cNvSpPr>
+          <p:nvPr>
+            <p:ph type="subTitle" idx="1"/>
+          </p:nvPr>
+        </p:nvSpPr>
+        <p:spPr/>
+        <p:txBody>
+          <a:bodyPr/>
+          <a:lstStyle/>
+          <a:p>
+            <a:r>
+              <a:rPr lang="en-US" dirty="0"/>
+              <a:t>And desiccation </a:t>
+            </a:r>
+          </a:p>
+        </p:txBody>
+      </p:sp>
+    </p:spTree>
+    <p:extLst>
+      <p:ext uri="{BB962C8B-B14F-4D97-AF65-F5344CB8AC3E}">
+        <p14:creationId xmlns:p14="http://schemas.microsoft.com/office/powerpoint/2010/main" val="1762289637"/>
       </p:ext>
     </p:extLst>
   </p:cSld>

--- a/Pick a dish app.pptx
+++ b/Pick a dish app.pptx
@@ -115,7 +115,7 @@
   </p:defaultTextStyle>
   <p:extLst>
     <p:ext uri="{EFAFB233-063F-42B5-8137-9DF3F51BA10A}">
-      <p15:sldGuideLst xmlns:p15="http://schemas.microsoft.com/office/powerpoint/2012/main">
+      <p15:sldGuideLst xmlns:p15="http://schemas.microsoft.com/office/powerpoint/2012/main" xmlns="">
         <p15:guide id="1" orient="horz" pos="2160">
           <p15:clr>
             <a:srgbClr val="A4A3A4"/>
@@ -1372,6 +1372,13 @@
         </dgm:presLayoutVars>
       </dgm:prSet>
       <dgm:spPr/>
+      <dgm:t>
+        <a:bodyPr/>
+        <a:lstStyle/>
+        <a:p>
+          <a:endParaRPr lang="en-US"/>
+        </a:p>
+      </dgm:t>
     </dgm:pt>
     <dgm:pt modelId="{2CAB0F38-E292-4E90-B35F-6EB8A903C9CB}" type="pres">
       <dgm:prSet presAssocID="{CA08021B-585B-46E7-BA1F-5420E56DFF26}" presName="node" presStyleLbl="node1" presStyleIdx="0" presStyleCnt="12">
@@ -1380,6 +1387,13 @@
         </dgm:presLayoutVars>
       </dgm:prSet>
       <dgm:spPr/>
+      <dgm:t>
+        <a:bodyPr/>
+        <a:lstStyle/>
+        <a:p>
+          <a:endParaRPr lang="en-US"/>
+        </a:p>
+      </dgm:t>
     </dgm:pt>
     <dgm:pt modelId="{63441EE2-73B0-4816-B767-6FDF68D8E957}" type="pres">
       <dgm:prSet presAssocID="{3AE963F2-851B-4C54-8100-1077DEBC4009}" presName="sibTrans" presStyleCnt="0"/>
@@ -1392,6 +1406,13 @@
         </dgm:presLayoutVars>
       </dgm:prSet>
       <dgm:spPr/>
+      <dgm:t>
+        <a:bodyPr/>
+        <a:lstStyle/>
+        <a:p>
+          <a:endParaRPr lang="en-US"/>
+        </a:p>
+      </dgm:t>
     </dgm:pt>
     <dgm:pt modelId="{875024A1-D88A-450E-9C62-4A6E444B67E8}" type="pres">
       <dgm:prSet presAssocID="{E3181219-D854-4321-94E5-2C4540E74E9F}" presName="sibTrans" presStyleCnt="0"/>
@@ -1404,6 +1425,13 @@
         </dgm:presLayoutVars>
       </dgm:prSet>
       <dgm:spPr/>
+      <dgm:t>
+        <a:bodyPr/>
+        <a:lstStyle/>
+        <a:p>
+          <a:endParaRPr lang="en-US"/>
+        </a:p>
+      </dgm:t>
     </dgm:pt>
     <dgm:pt modelId="{72DA49D2-15E3-4818-A7F5-8D609BB2B4EE}" type="pres">
       <dgm:prSet presAssocID="{A20F0525-71D9-473D-9413-0B9A01E37F5E}" presName="sibTrans" presStyleCnt="0"/>
@@ -1416,6 +1444,13 @@
         </dgm:presLayoutVars>
       </dgm:prSet>
       <dgm:spPr/>
+      <dgm:t>
+        <a:bodyPr/>
+        <a:lstStyle/>
+        <a:p>
+          <a:endParaRPr lang="en-US"/>
+        </a:p>
+      </dgm:t>
     </dgm:pt>
     <dgm:pt modelId="{8E181051-9221-4B36-8761-DBFE5D1CC42D}" type="pres">
       <dgm:prSet presAssocID="{76D59B59-E733-4A24-B6FD-96DD6E6B0254}" presName="sibTrans" presStyleCnt="0"/>
@@ -1428,6 +1463,13 @@
         </dgm:presLayoutVars>
       </dgm:prSet>
       <dgm:spPr/>
+      <dgm:t>
+        <a:bodyPr/>
+        <a:lstStyle/>
+        <a:p>
+          <a:endParaRPr lang="en-US"/>
+        </a:p>
+      </dgm:t>
     </dgm:pt>
     <dgm:pt modelId="{9309253B-4A3F-413D-A3B8-AE6FBE19481F}" type="pres">
       <dgm:prSet presAssocID="{E6FECD94-72AC-4865-AC62-6FCC3C529198}" presName="sibTrans" presStyleCnt="0"/>
@@ -1440,6 +1482,13 @@
         </dgm:presLayoutVars>
       </dgm:prSet>
       <dgm:spPr/>
+      <dgm:t>
+        <a:bodyPr/>
+        <a:lstStyle/>
+        <a:p>
+          <a:endParaRPr lang="en-US"/>
+        </a:p>
+      </dgm:t>
     </dgm:pt>
     <dgm:pt modelId="{5F06CE04-DBE2-493A-A3A7-CB2280886FCD}" type="pres">
       <dgm:prSet presAssocID="{2CB78FF2-AAAD-4541-81AE-E58D28D208BA}" presName="sibTrans" presStyleCnt="0"/>
@@ -1452,6 +1501,13 @@
         </dgm:presLayoutVars>
       </dgm:prSet>
       <dgm:spPr/>
+      <dgm:t>
+        <a:bodyPr/>
+        <a:lstStyle/>
+        <a:p>
+          <a:endParaRPr lang="en-US"/>
+        </a:p>
+      </dgm:t>
     </dgm:pt>
     <dgm:pt modelId="{F7EBA5FE-26AB-4BDB-8624-082CEDA7776B}" type="pres">
       <dgm:prSet presAssocID="{10BB8CC6-3A31-48FF-BCD5-DC47BE72146B}" presName="sibTrans" presStyleCnt="0"/>
@@ -1464,6 +1520,13 @@
         </dgm:presLayoutVars>
       </dgm:prSet>
       <dgm:spPr/>
+      <dgm:t>
+        <a:bodyPr/>
+        <a:lstStyle/>
+        <a:p>
+          <a:endParaRPr lang="en-US"/>
+        </a:p>
+      </dgm:t>
     </dgm:pt>
     <dgm:pt modelId="{A10E726B-60BC-477B-9D04-197AC48C9DC4}" type="pres">
       <dgm:prSet presAssocID="{72912596-1194-4126-8E06-3BCF376FB764}" presName="sibTrans" presStyleCnt="0"/>
@@ -1476,6 +1539,13 @@
         </dgm:presLayoutVars>
       </dgm:prSet>
       <dgm:spPr/>
+      <dgm:t>
+        <a:bodyPr/>
+        <a:lstStyle/>
+        <a:p>
+          <a:endParaRPr lang="en-US"/>
+        </a:p>
+      </dgm:t>
     </dgm:pt>
     <dgm:pt modelId="{DA6AA187-C63B-4EBE-80F4-5E2F8ADE9C54}" type="pres">
       <dgm:prSet presAssocID="{9D4190AC-B3D2-43C6-A8A9-231E6F4741D7}" presName="sibTrans" presStyleCnt="0"/>
@@ -1488,6 +1558,13 @@
         </dgm:presLayoutVars>
       </dgm:prSet>
       <dgm:spPr/>
+      <dgm:t>
+        <a:bodyPr/>
+        <a:lstStyle/>
+        <a:p>
+          <a:endParaRPr lang="en-US"/>
+        </a:p>
+      </dgm:t>
     </dgm:pt>
     <dgm:pt modelId="{41235C63-C841-4B2D-AFF7-A0630920172F}" type="pres">
       <dgm:prSet presAssocID="{C2CE6673-EAC7-46A9-BE21-723358925710}" presName="sibTrans" presStyleCnt="0"/>
@@ -1500,6 +1577,13 @@
         </dgm:presLayoutVars>
       </dgm:prSet>
       <dgm:spPr/>
+      <dgm:t>
+        <a:bodyPr/>
+        <a:lstStyle/>
+        <a:p>
+          <a:endParaRPr lang="en-US"/>
+        </a:p>
+      </dgm:t>
     </dgm:pt>
     <dgm:pt modelId="{70289C8D-5A99-4A82-BA15-5EF95CDE63F5}" type="pres">
       <dgm:prSet presAssocID="{A8251120-2E7C-46DC-8314-2C7837025E49}" presName="sibTrans" presStyleCnt="0"/>
@@ -1512,34 +1596,41 @@
         </dgm:presLayoutVars>
       </dgm:prSet>
       <dgm:spPr/>
+      <dgm:t>
+        <a:bodyPr/>
+        <a:lstStyle/>
+        <a:p>
+          <a:endParaRPr lang="en-US"/>
+        </a:p>
+      </dgm:t>
     </dgm:pt>
   </dgm:ptLst>
   <dgm:cxnLst>
+    <dgm:cxn modelId="{8106C6B0-F846-4FEC-8E0F-FAB2C7C9574D}" type="presOf" srcId="{85D9D1EC-D603-41AE-A0D5-D40BB7861333}" destId="{B7D51C12-D406-40C3-B188-97D6C4C03636}" srcOrd="0" destOrd="0" presId="urn:microsoft.com/office/officeart/2005/8/layout/default"/>
+    <dgm:cxn modelId="{14869B52-DF14-4BF7-9DE1-929F097CEF01}" type="presOf" srcId="{93FF2072-4925-412F-B5EF-CEF7128B76E3}" destId="{071F557A-7AF5-4245-8C6A-20AC9955B137}" srcOrd="0" destOrd="0" presId="urn:microsoft.com/office/officeart/2005/8/layout/default"/>
+    <dgm:cxn modelId="{1FDC86EA-A094-4E71-AEA2-9174A76B0E59}" type="presOf" srcId="{70AB44C9-9218-4B17-BF8C-395A8A9293A7}" destId="{887A92B0-3B07-4217-9C68-EB1E87976F03}" srcOrd="0" destOrd="0" presId="urn:microsoft.com/office/officeart/2005/8/layout/default"/>
+    <dgm:cxn modelId="{4C96918B-B013-4CA3-905E-18F7331B018E}" type="presOf" srcId="{BE9C5062-E235-4175-A274-94C994B2BBD2}" destId="{E875863E-5C66-47F5-9A02-8D09F1459740}" srcOrd="0" destOrd="0" presId="urn:microsoft.com/office/officeart/2005/8/layout/default"/>
+    <dgm:cxn modelId="{C5EF76C1-85B4-410A-B920-B2287746D835}" srcId="{05737378-F74C-4E24-9EC2-0D2BB5758FB1}" destId="{70AB44C9-9218-4B17-BF8C-395A8A9293A7}" srcOrd="10" destOrd="0" parTransId="{283A6A4F-E8C8-48B7-A47F-03377034D211}" sibTransId="{A8251120-2E7C-46DC-8314-2C7837025E49}"/>
+    <dgm:cxn modelId="{08073DB3-02EA-4C77-8F26-C87C8B6C3ED3}" type="presOf" srcId="{833137B7-273E-4CB6-8381-2C2F2ACF41A9}" destId="{87505D9B-FB99-4C9F-A1CB-5FFBDDBFE589}" srcOrd="0" destOrd="0" presId="urn:microsoft.com/office/officeart/2005/8/layout/default"/>
+    <dgm:cxn modelId="{83C7D896-DA89-4D78-8869-A1959AA3B220}" srcId="{05737378-F74C-4E24-9EC2-0D2BB5758FB1}" destId="{DF64254A-9EBD-4EFC-9802-521BFBFB7109}" srcOrd="1" destOrd="0" parTransId="{392C3C0E-C17E-4820-B9FD-69B100A6C062}" sibTransId="{E3181219-D854-4321-94E5-2C4540E74E9F}"/>
+    <dgm:cxn modelId="{D3F94EE7-BDF2-4B1E-8070-AE51AD075A6D}" type="presOf" srcId="{DF64254A-9EBD-4EFC-9802-521BFBFB7109}" destId="{35CD2B37-F779-4962-82A3-DEC6CC6C87F5}" srcOrd="0" destOrd="0" presId="urn:microsoft.com/office/officeart/2005/8/layout/default"/>
+    <dgm:cxn modelId="{540AFBF0-7756-4B28-BD69-B6E65DB3B15C}" srcId="{05737378-F74C-4E24-9EC2-0D2BB5758FB1}" destId="{0DEABE5C-1100-4841-AE6B-8418162BA37F}" srcOrd="8" destOrd="0" parTransId="{3D7765CE-D4A2-4B26-860F-F9AC5E3AE6D1}" sibTransId="{9D4190AC-B3D2-43C6-A8A9-231E6F4741D7}"/>
+    <dgm:cxn modelId="{58A1DB5A-EBB6-4C4E-8A19-4709FF509CD9}" srcId="{05737378-F74C-4E24-9EC2-0D2BB5758FB1}" destId="{EC304DEE-ECC8-4115-AC0C-7FAE380EE5DC}" srcOrd="3" destOrd="0" parTransId="{32ED1675-E964-4124-A5F9-87012E54751F}" sibTransId="{76D59B59-E733-4A24-B6FD-96DD6E6B0254}"/>
+    <dgm:cxn modelId="{12B57F1A-7AAC-4763-B00C-DEFB40CF4EF5}" srcId="{05737378-F74C-4E24-9EC2-0D2BB5758FB1}" destId="{EAB44E80-EB98-4FB7-B58D-9054D1F44343}" srcOrd="4" destOrd="0" parTransId="{1AD31A3F-A9DF-4B29-A02B-660D5D646C0F}" sibTransId="{E6FECD94-72AC-4865-AC62-6FCC3C529198}"/>
+    <dgm:cxn modelId="{D25356F8-626A-4283-9AE4-B2E30D657B6C}" type="presOf" srcId="{05737378-F74C-4E24-9EC2-0D2BB5758FB1}" destId="{74DC694E-3D09-4A3E-AA06-0F436465B8DD}" srcOrd="0" destOrd="0" presId="urn:microsoft.com/office/officeart/2005/8/layout/default"/>
+    <dgm:cxn modelId="{EB1EE9A3-B12F-4095-B15A-8A4BC3093D8D}" type="presOf" srcId="{05E9AB3C-DFD6-4864-A678-A90FD79237AF}" destId="{7843059E-BCF7-45F4-B578-65601AC84C15}" srcOrd="0" destOrd="0" presId="urn:microsoft.com/office/officeart/2005/8/layout/default"/>
+    <dgm:cxn modelId="{D39C1D97-F9E6-479B-A32B-CEDF77D52252}" type="presOf" srcId="{CA08021B-585B-46E7-BA1F-5420E56DFF26}" destId="{2CAB0F38-E292-4E90-B35F-6EB8A903C9CB}" srcOrd="0" destOrd="0" presId="urn:microsoft.com/office/officeart/2005/8/layout/default"/>
+    <dgm:cxn modelId="{D999D6EB-61A2-4986-B990-CDA108B5280C}" type="presOf" srcId="{0DEABE5C-1100-4841-AE6B-8418162BA37F}" destId="{71D7D387-6645-4FFF-8203-40963EE90B98}" srcOrd="0" destOrd="0" presId="urn:microsoft.com/office/officeart/2005/8/layout/default"/>
+    <dgm:cxn modelId="{5837B3DE-5634-42DD-9DD6-B6E5BF73F3F1}" type="presOf" srcId="{EAB44E80-EB98-4FB7-B58D-9054D1F44343}" destId="{46E7CDFA-621F-40A9-A72F-13159B4965BE}" srcOrd="0" destOrd="0" presId="urn:microsoft.com/office/officeart/2005/8/layout/default"/>
+    <dgm:cxn modelId="{5C69498A-C0CF-4B1C-8B83-AB4936C606E8}" srcId="{05737378-F74C-4E24-9EC2-0D2BB5758FB1}" destId="{CA08021B-585B-46E7-BA1F-5420E56DFF26}" srcOrd="0" destOrd="0" parTransId="{C3858590-1432-4944-89FA-CB68A3AE18A5}" sibTransId="{3AE963F2-851B-4C54-8100-1077DEBC4009}"/>
+    <dgm:cxn modelId="{BC698B29-8830-4BD6-BBD7-0DA1B1C4A00E}" srcId="{05737378-F74C-4E24-9EC2-0D2BB5758FB1}" destId="{933E1672-E9BF-4F75-81D1-24766C128B0B}" srcOrd="9" destOrd="0" parTransId="{3D6A42A4-8419-4927-B099-DDF810CD127F}" sibTransId="{C2CE6673-EAC7-46A9-BE21-723358925710}"/>
+    <dgm:cxn modelId="{43B85156-CD02-417A-8B98-074ABCAFC629}" srcId="{05737378-F74C-4E24-9EC2-0D2BB5758FB1}" destId="{05E9AB3C-DFD6-4864-A678-A90FD79237AF}" srcOrd="7" destOrd="0" parTransId="{4D10C5E8-8B46-4450-B1CB-CC37690D0044}" sibTransId="{72912596-1194-4126-8E06-3BCF376FB764}"/>
+    <dgm:cxn modelId="{7F9FB9A5-108D-4614-BF5A-796C77DB19E7}" type="presOf" srcId="{EC304DEE-ECC8-4115-AC0C-7FAE380EE5DC}" destId="{556F3AFB-5CAC-40F2-BD2F-7BCE935EBF20}" srcOrd="0" destOrd="0" presId="urn:microsoft.com/office/officeart/2005/8/layout/default"/>
+    <dgm:cxn modelId="{EF496DB7-EBB7-4F7C-9EDE-E5F5F4FC8621}" srcId="{05737378-F74C-4E24-9EC2-0D2BB5758FB1}" destId="{85D9D1EC-D603-41AE-A0D5-D40BB7861333}" srcOrd="11" destOrd="0" parTransId="{0A32FE30-FCFC-491D-A031-3C484A183302}" sibTransId="{31706799-9539-4B59-AF0B-4B5330E8A253}"/>
+    <dgm:cxn modelId="{5B2A3EA0-54FF-4812-A101-80913D9E9C07}" type="presOf" srcId="{933E1672-E9BF-4F75-81D1-24766C128B0B}" destId="{C0939774-B50A-4E11-AC98-9F1BF4E8D7B3}" srcOrd="0" destOrd="0" presId="urn:microsoft.com/office/officeart/2005/8/layout/default"/>
+    <dgm:cxn modelId="{A44AC37C-A6C0-40FD-848D-F560872F35CB}" srcId="{05737378-F74C-4E24-9EC2-0D2BB5758FB1}" destId="{93FF2072-4925-412F-B5EF-CEF7128B76E3}" srcOrd="2" destOrd="0" parTransId="{788A7467-1AA9-4A64-B7DD-F71092FECF52}" sibTransId="{A20F0525-71D9-473D-9413-0B9A01E37F5E}"/>
+    <dgm:cxn modelId="{605E9C4D-8446-4E80-BAC0-C2D3D0AFDFE5}" srcId="{05737378-F74C-4E24-9EC2-0D2BB5758FB1}" destId="{833137B7-273E-4CB6-8381-2C2F2ACF41A9}" srcOrd="5" destOrd="0" parTransId="{C85722CF-114F-4466-82C8-7058DC435DD6}" sibTransId="{2CB78FF2-AAAD-4541-81AE-E58D28D208BA}"/>
     <dgm:cxn modelId="{631E0B0C-32CD-4BA6-B298-C74890F8D470}" srcId="{05737378-F74C-4E24-9EC2-0D2BB5758FB1}" destId="{BE9C5062-E235-4175-A274-94C994B2BBD2}" srcOrd="6" destOrd="0" parTransId="{9AD3C363-D4CB-4F02-80AD-A19E42C0CFA4}" sibTransId="{10BB8CC6-3A31-48FF-BCD5-DC47BE72146B}"/>
-    <dgm:cxn modelId="{12B57F1A-7AAC-4763-B00C-DEFB40CF4EF5}" srcId="{05737378-F74C-4E24-9EC2-0D2BB5758FB1}" destId="{EAB44E80-EB98-4FB7-B58D-9054D1F44343}" srcOrd="4" destOrd="0" parTransId="{1AD31A3F-A9DF-4B29-A02B-660D5D646C0F}" sibTransId="{E6FECD94-72AC-4865-AC62-6FCC3C529198}"/>
-    <dgm:cxn modelId="{BC698B29-8830-4BD6-BBD7-0DA1B1C4A00E}" srcId="{05737378-F74C-4E24-9EC2-0D2BB5758FB1}" destId="{933E1672-E9BF-4F75-81D1-24766C128B0B}" srcOrd="9" destOrd="0" parTransId="{3D6A42A4-8419-4927-B099-DDF810CD127F}" sibTransId="{C2CE6673-EAC7-46A9-BE21-723358925710}"/>
-    <dgm:cxn modelId="{605E9C4D-8446-4E80-BAC0-C2D3D0AFDFE5}" srcId="{05737378-F74C-4E24-9EC2-0D2BB5758FB1}" destId="{833137B7-273E-4CB6-8381-2C2F2ACF41A9}" srcOrd="5" destOrd="0" parTransId="{C85722CF-114F-4466-82C8-7058DC435DD6}" sibTransId="{2CB78FF2-AAAD-4541-81AE-E58D28D208BA}"/>
-    <dgm:cxn modelId="{14869B52-DF14-4BF7-9DE1-929F097CEF01}" type="presOf" srcId="{93FF2072-4925-412F-B5EF-CEF7128B76E3}" destId="{071F557A-7AF5-4245-8C6A-20AC9955B137}" srcOrd="0" destOrd="0" presId="urn:microsoft.com/office/officeart/2005/8/layout/default"/>
-    <dgm:cxn modelId="{43B85156-CD02-417A-8B98-074ABCAFC629}" srcId="{05737378-F74C-4E24-9EC2-0D2BB5758FB1}" destId="{05E9AB3C-DFD6-4864-A678-A90FD79237AF}" srcOrd="7" destOrd="0" parTransId="{4D10C5E8-8B46-4450-B1CB-CC37690D0044}" sibTransId="{72912596-1194-4126-8E06-3BCF376FB764}"/>
-    <dgm:cxn modelId="{58A1DB5A-EBB6-4C4E-8A19-4709FF509CD9}" srcId="{05737378-F74C-4E24-9EC2-0D2BB5758FB1}" destId="{EC304DEE-ECC8-4115-AC0C-7FAE380EE5DC}" srcOrd="3" destOrd="0" parTransId="{32ED1675-E964-4124-A5F9-87012E54751F}" sibTransId="{76D59B59-E733-4A24-B6FD-96DD6E6B0254}"/>
-    <dgm:cxn modelId="{A44AC37C-A6C0-40FD-848D-F560872F35CB}" srcId="{05737378-F74C-4E24-9EC2-0D2BB5758FB1}" destId="{93FF2072-4925-412F-B5EF-CEF7128B76E3}" srcOrd="2" destOrd="0" parTransId="{788A7467-1AA9-4A64-B7DD-F71092FECF52}" sibTransId="{A20F0525-71D9-473D-9413-0B9A01E37F5E}"/>
-    <dgm:cxn modelId="{5C69498A-C0CF-4B1C-8B83-AB4936C606E8}" srcId="{05737378-F74C-4E24-9EC2-0D2BB5758FB1}" destId="{CA08021B-585B-46E7-BA1F-5420E56DFF26}" srcOrd="0" destOrd="0" parTransId="{C3858590-1432-4944-89FA-CB68A3AE18A5}" sibTransId="{3AE963F2-851B-4C54-8100-1077DEBC4009}"/>
-    <dgm:cxn modelId="{4C96918B-B013-4CA3-905E-18F7331B018E}" type="presOf" srcId="{BE9C5062-E235-4175-A274-94C994B2BBD2}" destId="{E875863E-5C66-47F5-9A02-8D09F1459740}" srcOrd="0" destOrd="0" presId="urn:microsoft.com/office/officeart/2005/8/layout/default"/>
-    <dgm:cxn modelId="{83C7D896-DA89-4D78-8869-A1959AA3B220}" srcId="{05737378-F74C-4E24-9EC2-0D2BB5758FB1}" destId="{DF64254A-9EBD-4EFC-9802-521BFBFB7109}" srcOrd="1" destOrd="0" parTransId="{392C3C0E-C17E-4820-B9FD-69B100A6C062}" sibTransId="{E3181219-D854-4321-94E5-2C4540E74E9F}"/>
-    <dgm:cxn modelId="{D39C1D97-F9E6-479B-A32B-CEDF77D52252}" type="presOf" srcId="{CA08021B-585B-46E7-BA1F-5420E56DFF26}" destId="{2CAB0F38-E292-4E90-B35F-6EB8A903C9CB}" srcOrd="0" destOrd="0" presId="urn:microsoft.com/office/officeart/2005/8/layout/default"/>
-    <dgm:cxn modelId="{5B2A3EA0-54FF-4812-A101-80913D9E9C07}" type="presOf" srcId="{933E1672-E9BF-4F75-81D1-24766C128B0B}" destId="{C0939774-B50A-4E11-AC98-9F1BF4E8D7B3}" srcOrd="0" destOrd="0" presId="urn:microsoft.com/office/officeart/2005/8/layout/default"/>
-    <dgm:cxn modelId="{EB1EE9A3-B12F-4095-B15A-8A4BC3093D8D}" type="presOf" srcId="{05E9AB3C-DFD6-4864-A678-A90FD79237AF}" destId="{7843059E-BCF7-45F4-B578-65601AC84C15}" srcOrd="0" destOrd="0" presId="urn:microsoft.com/office/officeart/2005/8/layout/default"/>
-    <dgm:cxn modelId="{7F9FB9A5-108D-4614-BF5A-796C77DB19E7}" type="presOf" srcId="{EC304DEE-ECC8-4115-AC0C-7FAE380EE5DC}" destId="{556F3AFB-5CAC-40F2-BD2F-7BCE935EBF20}" srcOrd="0" destOrd="0" presId="urn:microsoft.com/office/officeart/2005/8/layout/default"/>
-    <dgm:cxn modelId="{8106C6B0-F846-4FEC-8E0F-FAB2C7C9574D}" type="presOf" srcId="{85D9D1EC-D603-41AE-A0D5-D40BB7861333}" destId="{B7D51C12-D406-40C3-B188-97D6C4C03636}" srcOrd="0" destOrd="0" presId="urn:microsoft.com/office/officeart/2005/8/layout/default"/>
-    <dgm:cxn modelId="{08073DB3-02EA-4C77-8F26-C87C8B6C3ED3}" type="presOf" srcId="{833137B7-273E-4CB6-8381-2C2F2ACF41A9}" destId="{87505D9B-FB99-4C9F-A1CB-5FFBDDBFE589}" srcOrd="0" destOrd="0" presId="urn:microsoft.com/office/officeart/2005/8/layout/default"/>
-    <dgm:cxn modelId="{EF496DB7-EBB7-4F7C-9EDE-E5F5F4FC8621}" srcId="{05737378-F74C-4E24-9EC2-0D2BB5758FB1}" destId="{85D9D1EC-D603-41AE-A0D5-D40BB7861333}" srcOrd="11" destOrd="0" parTransId="{0A32FE30-FCFC-491D-A031-3C484A183302}" sibTransId="{31706799-9539-4B59-AF0B-4B5330E8A253}"/>
-    <dgm:cxn modelId="{C5EF76C1-85B4-410A-B920-B2287746D835}" srcId="{05737378-F74C-4E24-9EC2-0D2BB5758FB1}" destId="{70AB44C9-9218-4B17-BF8C-395A8A9293A7}" srcOrd="10" destOrd="0" parTransId="{283A6A4F-E8C8-48B7-A47F-03377034D211}" sibTransId="{A8251120-2E7C-46DC-8314-2C7837025E49}"/>
-    <dgm:cxn modelId="{5837B3DE-5634-42DD-9DD6-B6E5BF73F3F1}" type="presOf" srcId="{EAB44E80-EB98-4FB7-B58D-9054D1F44343}" destId="{46E7CDFA-621F-40A9-A72F-13159B4965BE}" srcOrd="0" destOrd="0" presId="urn:microsoft.com/office/officeart/2005/8/layout/default"/>
-    <dgm:cxn modelId="{D3F94EE7-BDF2-4B1E-8070-AE51AD075A6D}" type="presOf" srcId="{DF64254A-9EBD-4EFC-9802-521BFBFB7109}" destId="{35CD2B37-F779-4962-82A3-DEC6CC6C87F5}" srcOrd="0" destOrd="0" presId="urn:microsoft.com/office/officeart/2005/8/layout/default"/>
-    <dgm:cxn modelId="{1FDC86EA-A094-4E71-AEA2-9174A76B0E59}" type="presOf" srcId="{70AB44C9-9218-4B17-BF8C-395A8A9293A7}" destId="{887A92B0-3B07-4217-9C68-EB1E87976F03}" srcOrd="0" destOrd="0" presId="urn:microsoft.com/office/officeart/2005/8/layout/default"/>
-    <dgm:cxn modelId="{D999D6EB-61A2-4986-B990-CDA108B5280C}" type="presOf" srcId="{0DEABE5C-1100-4841-AE6B-8418162BA37F}" destId="{71D7D387-6645-4FFF-8203-40963EE90B98}" srcOrd="0" destOrd="0" presId="urn:microsoft.com/office/officeart/2005/8/layout/default"/>
-    <dgm:cxn modelId="{540AFBF0-7756-4B28-BD69-B6E65DB3B15C}" srcId="{05737378-F74C-4E24-9EC2-0D2BB5758FB1}" destId="{0DEABE5C-1100-4841-AE6B-8418162BA37F}" srcOrd="8" destOrd="0" parTransId="{3D7765CE-D4A2-4B26-860F-F9AC5E3AE6D1}" sibTransId="{9D4190AC-B3D2-43C6-A8A9-231E6F4741D7}"/>
-    <dgm:cxn modelId="{D25356F8-626A-4283-9AE4-B2E30D657B6C}" type="presOf" srcId="{05737378-F74C-4E24-9EC2-0D2BB5758FB1}" destId="{74DC694E-3D09-4A3E-AA06-0F436465B8DD}" srcOrd="0" destOrd="0" presId="urn:microsoft.com/office/officeart/2005/8/layout/default"/>
     <dgm:cxn modelId="{1C0F507F-2D90-416F-A3AA-20E4CCD964D5}" type="presParOf" srcId="{74DC694E-3D09-4A3E-AA06-0F436465B8DD}" destId="{2CAB0F38-E292-4E90-B35F-6EB8A903C9CB}" srcOrd="0" destOrd="0" presId="urn:microsoft.com/office/officeart/2005/8/layout/default"/>
     <dgm:cxn modelId="{77B2D0E8-1127-4063-A94F-B34A2411374D}" type="presParOf" srcId="{74DC694E-3D09-4A3E-AA06-0F436465B8DD}" destId="{63441EE2-73B0-4816-B767-6FDF68D8E957}" srcOrd="1" destOrd="0" presId="urn:microsoft.com/office/officeart/2005/8/layout/default"/>
     <dgm:cxn modelId="{6DB20DFC-CA99-43F3-8B84-48705E1DD7BD}" type="presParOf" srcId="{74DC694E-3D09-4A3E-AA06-0F436465B8DD}" destId="{35CD2B37-F779-4962-82A3-DEC6CC6C87F5}" srcOrd="2" destOrd="0" presId="urn:microsoft.com/office/officeart/2005/8/layout/default"/>
@@ -1636,7 +1727,7 @@
         </a:bodyPr>
         <a:lstStyle/>
         <a:p>
-          <a:pPr marL="0" lvl="0" indent="0" algn="ctr" defTabSz="977900">
+          <a:pPr lvl="0" algn="ctr" defTabSz="977900">
             <a:lnSpc>
               <a:spcPct val="90000"/>
             </a:lnSpc>
@@ -1646,7 +1737,6 @@
             <a:spcAft>
               <a:spcPct val="35000"/>
             </a:spcAft>
-            <a:buNone/>
           </a:pPr>
           <a:r>
             <a:rPr lang="en-US" sz="2200" kern="1200"/>
@@ -1713,7 +1803,7 @@
         </a:bodyPr>
         <a:lstStyle/>
         <a:p>
-          <a:pPr marL="0" lvl="0" indent="0" algn="ctr" defTabSz="977900">
+          <a:pPr lvl="0" algn="ctr" defTabSz="977900">
             <a:lnSpc>
               <a:spcPct val="90000"/>
             </a:lnSpc>
@@ -1723,7 +1813,6 @@
             <a:spcAft>
               <a:spcPct val="35000"/>
             </a:spcAft>
-            <a:buNone/>
           </a:pPr>
           <a:r>
             <a:rPr lang="en-US" sz="2200" kern="1200"/>
@@ -1790,7 +1879,7 @@
         </a:bodyPr>
         <a:lstStyle/>
         <a:p>
-          <a:pPr marL="0" lvl="0" indent="0" algn="ctr" defTabSz="977900">
+          <a:pPr lvl="0" algn="ctr" defTabSz="977900">
             <a:lnSpc>
               <a:spcPct val="90000"/>
             </a:lnSpc>
@@ -1800,7 +1889,6 @@
             <a:spcAft>
               <a:spcPct val="35000"/>
             </a:spcAft>
-            <a:buNone/>
           </a:pPr>
           <a:r>
             <a:rPr lang="en-US" sz="2200" kern="1200"/>
@@ -1867,7 +1955,7 @@
         </a:bodyPr>
         <a:lstStyle/>
         <a:p>
-          <a:pPr marL="0" lvl="0" indent="0" algn="ctr" defTabSz="977900">
+          <a:pPr lvl="0" algn="ctr" defTabSz="977900">
             <a:lnSpc>
               <a:spcPct val="90000"/>
             </a:lnSpc>
@@ -1877,7 +1965,6 @@
             <a:spcAft>
               <a:spcPct val="35000"/>
             </a:spcAft>
-            <a:buNone/>
           </a:pPr>
           <a:r>
             <a:rPr lang="en-US" sz="2200" kern="1200" dirty="0"/>
@@ -1944,7 +2031,7 @@
         </a:bodyPr>
         <a:lstStyle/>
         <a:p>
-          <a:pPr marL="0" lvl="0" indent="0" algn="ctr" defTabSz="977900">
+          <a:pPr lvl="0" algn="ctr" defTabSz="977900">
             <a:lnSpc>
               <a:spcPct val="90000"/>
             </a:lnSpc>
@@ -1954,7 +2041,6 @@
             <a:spcAft>
               <a:spcPct val="35000"/>
             </a:spcAft>
-            <a:buNone/>
           </a:pPr>
           <a:r>
             <a:rPr lang="en-US" sz="2200" kern="1200"/>
@@ -2021,7 +2107,7 @@
         </a:bodyPr>
         <a:lstStyle/>
         <a:p>
-          <a:pPr marL="0" lvl="0" indent="0" algn="ctr" defTabSz="977900">
+          <a:pPr lvl="0" algn="ctr" defTabSz="977900">
             <a:lnSpc>
               <a:spcPct val="90000"/>
             </a:lnSpc>
@@ -2031,7 +2117,6 @@
             <a:spcAft>
               <a:spcPct val="35000"/>
             </a:spcAft>
-            <a:buNone/>
           </a:pPr>
           <a:r>
             <a:rPr lang="en-US" sz="2200" kern="1200"/>
@@ -2098,7 +2183,7 @@
         </a:bodyPr>
         <a:lstStyle/>
         <a:p>
-          <a:pPr marL="0" lvl="0" indent="0" algn="ctr" defTabSz="977900">
+          <a:pPr lvl="0" algn="ctr" defTabSz="977900">
             <a:lnSpc>
               <a:spcPct val="90000"/>
             </a:lnSpc>
@@ -2108,7 +2193,6 @@
             <a:spcAft>
               <a:spcPct val="35000"/>
             </a:spcAft>
-            <a:buNone/>
           </a:pPr>
           <a:r>
             <a:rPr lang="en-US" sz="2200" kern="1200" dirty="0"/>
@@ -2175,7 +2259,7 @@
         </a:bodyPr>
         <a:lstStyle/>
         <a:p>
-          <a:pPr marL="0" lvl="0" indent="0" algn="ctr" defTabSz="977900">
+          <a:pPr lvl="0" algn="ctr" defTabSz="977900">
             <a:lnSpc>
               <a:spcPct val="90000"/>
             </a:lnSpc>
@@ -2185,7 +2269,6 @@
             <a:spcAft>
               <a:spcPct val="35000"/>
             </a:spcAft>
-            <a:buNone/>
           </a:pPr>
           <a:r>
             <a:rPr lang="en-US" sz="2200" kern="1200" dirty="0"/>
@@ -2252,7 +2335,7 @@
         </a:bodyPr>
         <a:lstStyle/>
         <a:p>
-          <a:pPr marL="0" lvl="0" indent="0" algn="ctr" defTabSz="977900">
+          <a:pPr lvl="0" algn="ctr" defTabSz="977900">
             <a:lnSpc>
               <a:spcPct val="90000"/>
             </a:lnSpc>
@@ -2262,7 +2345,6 @@
             <a:spcAft>
               <a:spcPct val="35000"/>
             </a:spcAft>
-            <a:buNone/>
           </a:pPr>
           <a:r>
             <a:rPr lang="en-US" sz="2200" kern="1200" dirty="0"/>
@@ -2329,7 +2411,7 @@
         </a:bodyPr>
         <a:lstStyle/>
         <a:p>
-          <a:pPr marL="0" lvl="0" indent="0" algn="ctr" defTabSz="977900">
+          <a:pPr lvl="0" algn="ctr" defTabSz="977900">
             <a:lnSpc>
               <a:spcPct val="90000"/>
             </a:lnSpc>
@@ -2339,7 +2421,6 @@
             <a:spcAft>
               <a:spcPct val="35000"/>
             </a:spcAft>
-            <a:buNone/>
           </a:pPr>
           <a:r>
             <a:rPr lang="en-US" sz="2200" kern="1200" dirty="0"/>
@@ -2406,7 +2487,7 @@
         </a:bodyPr>
         <a:lstStyle/>
         <a:p>
-          <a:pPr marL="0" lvl="0" indent="0" algn="ctr" defTabSz="977900">
+          <a:pPr lvl="0" algn="ctr" defTabSz="977900">
             <a:lnSpc>
               <a:spcPct val="90000"/>
             </a:lnSpc>
@@ -2416,7 +2497,6 @@
             <a:spcAft>
               <a:spcPct val="35000"/>
             </a:spcAft>
-            <a:buNone/>
           </a:pPr>
           <a:r>
             <a:rPr lang="en-US" sz="2200" kern="1200" dirty="0"/>
@@ -2483,7 +2563,7 @@
         </a:bodyPr>
         <a:lstStyle/>
         <a:p>
-          <a:pPr marL="0" lvl="0" indent="0" algn="ctr" defTabSz="977900">
+          <a:pPr lvl="0" algn="ctr" defTabSz="977900">
             <a:lnSpc>
               <a:spcPct val="90000"/>
             </a:lnSpc>
@@ -2493,7 +2573,6 @@
             <a:spcAft>
               <a:spcPct val="35000"/>
             </a:spcAft>
-            <a:buNone/>
           </a:pPr>
           <a:r>
             <a:rPr lang="en-US" sz="2200" kern="1200" dirty="0"/>
@@ -4903,7 +4982,7 @@
             <a:fld id="{9334D819-9F07-4261-B09B-9E467E5D9002}" type="datetimeFigureOut">
               <a:rPr lang="en-US" dirty="0"/>
               <a:pPr/>
-              <a:t>12/18/2017</a:t>
+              <a:t>18/12/17</a:t>
             </a:fld>
             <a:endParaRPr lang="en-US" dirty="0"/>
           </a:p>
@@ -5137,7 +5216,7 @@
           <a:p>
             <a:fld id="{9334D819-9F07-4261-B09B-9E467E5D9002}" type="datetimeFigureOut">
               <a:rPr lang="en-US" dirty="0"/>
-              <a:t>12/18/2017</a:t>
+              <a:t>18/12/17</a:t>
             </a:fld>
             <a:endParaRPr lang="en-US" dirty="0"/>
           </a:p>
@@ -5312,7 +5391,7 @@
           <a:p>
             <a:fld id="{9334D819-9F07-4261-B09B-9E467E5D9002}" type="datetimeFigureOut">
               <a:rPr lang="en-US" dirty="0"/>
-              <a:t>12/18/2017</a:t>
+              <a:t>18/12/17</a:t>
             </a:fld>
             <a:endParaRPr lang="en-US" dirty="0"/>
           </a:p>
@@ -5477,7 +5556,7 @@
           <a:p>
             <a:fld id="{9334D819-9F07-4261-B09B-9E467E5D9002}" type="datetimeFigureOut">
               <a:rPr lang="en-US" dirty="0"/>
-              <a:t>12/18/2017</a:t>
+              <a:t>18/12/17</a:t>
             </a:fld>
             <a:endParaRPr lang="en-US" dirty="0"/>
           </a:p>
@@ -5749,7 +5828,7 @@
             <a:fld id="{9334D819-9F07-4261-B09B-9E467E5D9002}" type="datetimeFigureOut">
               <a:rPr lang="en-US" dirty="0"/>
               <a:pPr/>
-              <a:t>12/18/2017</a:t>
+              <a:t>18/12/17</a:t>
             </a:fld>
             <a:endParaRPr lang="en-US" dirty="0"/>
           </a:p>
@@ -6946,7 +7025,7 @@
           <a:p>
             <a:fld id="{9334D819-9F07-4261-B09B-9E467E5D9002}" type="datetimeFigureOut">
               <a:rPr lang="en-US" dirty="0"/>
-              <a:t>12/18/2017</a:t>
+              <a:t>18/12/17</a:t>
             </a:fld>
             <a:endParaRPr lang="en-US" dirty="0"/>
           </a:p>
@@ -7001,7 +7080,7 @@
   </p:clrMapOvr>
   <p:extLst mod="1">
     <p:ext uri="{DCECCB84-F9BA-43D5-87BE-67443E8EF086}">
-      <p15:sldGuideLst xmlns:p15="http://schemas.microsoft.com/office/powerpoint/2012/main"/>
+      <p15:sldGuideLst xmlns:p15="http://schemas.microsoft.com/office/powerpoint/2012/main" xmlns=""/>
     </p:ext>
   </p:extLst>
 </p:sldLayout>
@@ -7331,7 +7410,7 @@
           <a:p>
             <a:fld id="{9334D819-9F07-4261-B09B-9E467E5D9002}" type="datetimeFigureOut">
               <a:rPr lang="en-US" dirty="0"/>
-              <a:t>12/18/2017</a:t>
+              <a:t>18/12/17</a:t>
             </a:fld>
             <a:endParaRPr lang="en-US" dirty="0"/>
           </a:p>
@@ -7386,7 +7465,7 @@
   </p:clrMapOvr>
   <p:extLst mod="1">
     <p:ext uri="{DCECCB84-F9BA-43D5-87BE-67443E8EF086}">
-      <p15:sldGuideLst xmlns:p15="http://schemas.microsoft.com/office/powerpoint/2012/main"/>
+      <p15:sldGuideLst xmlns:p15="http://schemas.microsoft.com/office/powerpoint/2012/main" xmlns=""/>
     </p:ext>
   </p:extLst>
 </p:sldLayout>
@@ -7449,7 +7528,7 @@
           <a:p>
             <a:fld id="{9334D819-9F07-4261-B09B-9E467E5D9002}" type="datetimeFigureOut">
               <a:rPr lang="en-US" dirty="0"/>
-              <a:t>12/18/2017</a:t>
+              <a:t>18/12/17</a:t>
             </a:fld>
             <a:endParaRPr lang="en-US" dirty="0"/>
           </a:p>
@@ -7539,7 +7618,7 @@
           <a:p>
             <a:fld id="{9334D819-9F07-4261-B09B-9E467E5D9002}" type="datetimeFigureOut">
               <a:rPr lang="en-US" dirty="0"/>
-              <a:t>12/18/2017</a:t>
+              <a:t>18/12/17</a:t>
             </a:fld>
             <a:endParaRPr lang="en-US" dirty="0"/>
           </a:p>
@@ -8297,7 +8376,7 @@
           <a:p>
             <a:fld id="{9334D819-9F07-4261-B09B-9E467E5D9002}" type="datetimeFigureOut">
               <a:rPr lang="en-US" dirty="0"/>
-              <a:t>12/18/2017</a:t>
+              <a:t>18/12/17</a:t>
             </a:fld>
             <a:endParaRPr lang="en-US" dirty="0"/>
           </a:p>
@@ -8400,7 +8479,7 @@
   </p:clrMapOvr>
   <p:extLst mod="1">
     <p:ext uri="{DCECCB84-F9BA-43D5-87BE-67443E8EF086}">
-      <p15:sldGuideLst xmlns:p15="http://schemas.microsoft.com/office/powerpoint/2012/main">
+      <p15:sldGuideLst xmlns:p15="http://schemas.microsoft.com/office/powerpoint/2012/main" xmlns="">
         <p15:guide id="1" orient="horz" pos="696">
           <p15:clr>
             <a:srgbClr val="FBAE40"/>
@@ -9132,7 +9211,7 @@
           <a:p>
             <a:fld id="{9334D819-9F07-4261-B09B-9E467E5D9002}" type="datetimeFigureOut">
               <a:rPr lang="en-US" dirty="0"/>
-              <a:t>12/18/2017</a:t>
+              <a:t>18/12/17</a:t>
             </a:fld>
             <a:endParaRPr lang="en-US" dirty="0"/>
           </a:p>
@@ -9355,7 +9434,7 @@
             <a:fld id="{9334D819-9F07-4261-B09B-9E467E5D9002}" type="datetimeFigureOut">
               <a:rPr lang="en-US" dirty="0"/>
               <a:pPr/>
-              <a:t>12/18/2017</a:t>
+              <a:t>18/12/17</a:t>
             </a:fld>
             <a:endParaRPr lang="en-US" dirty="0"/>
           </a:p>
@@ -10296,7 +10375,7 @@
   </p:txStyles>
   <p:extLst mod="1">
     <p:ext uri="{27BBF7A9-308A-43DC-89C8-2F10F3537804}">
-      <p15:sldGuideLst xmlns:p15="http://schemas.microsoft.com/office/powerpoint/2012/main">
+      <p15:sldGuideLst xmlns:p15="http://schemas.microsoft.com/office/powerpoint/2012/main" xmlns="">
         <p15:guide id="1" pos="792">
           <p15:clr>
             <a:srgbClr val="F26B43"/>
@@ -10355,7 +10434,7 @@
           <p:cNvPr id="2" name="Title 1">
             <a:extLst>
               <a:ext uri="{FF2B5EF4-FFF2-40B4-BE49-F238E27FC236}">
-                <a16:creationId xmlns:a16="http://schemas.microsoft.com/office/drawing/2014/main" id="{0E52C71E-D495-4B06-9663-B87220326D0D}"/>
+                <a16:creationId xmlns:a16="http://schemas.microsoft.com/office/drawing/2014/main" xmlns="" id="{0E52C71E-D495-4B06-9663-B87220326D0D}"/>
               </a:ext>
             </a:extLst>
           </p:cNvPr>
@@ -10383,7 +10462,7 @@
           <p:cNvPr id="3" name="Subtitle 2">
             <a:extLst>
               <a:ext uri="{FF2B5EF4-FFF2-40B4-BE49-F238E27FC236}">
-                <a16:creationId xmlns:a16="http://schemas.microsoft.com/office/drawing/2014/main" id="{8831B2C1-060E-4041-862C-29CA6B5265D3}"/>
+                <a16:creationId xmlns:a16="http://schemas.microsoft.com/office/drawing/2014/main" xmlns="" id="{8831B2C1-060E-4041-862C-29CA6B5265D3}"/>
               </a:ext>
             </a:extLst>
           </p:cNvPr>
@@ -10441,7 +10520,7 @@
           <p:cNvPr id="2" name="Title 1">
             <a:extLst>
               <a:ext uri="{FF2B5EF4-FFF2-40B4-BE49-F238E27FC236}">
-                <a16:creationId xmlns:a16="http://schemas.microsoft.com/office/drawing/2014/main" id="{27865403-966F-4171-AFD2-4095C3936E6B}"/>
+                <a16:creationId xmlns:a16="http://schemas.microsoft.com/office/drawing/2014/main" xmlns="" id="{27865403-966F-4171-AFD2-4095C3936E6B}"/>
               </a:ext>
             </a:extLst>
           </p:cNvPr>
@@ -10476,7 +10555,7 @@
           <p:cNvPr id="3" name="Text Placeholder 2">
             <a:extLst>
               <a:ext uri="{FF2B5EF4-FFF2-40B4-BE49-F238E27FC236}">
-                <a16:creationId xmlns:a16="http://schemas.microsoft.com/office/drawing/2014/main" id="{95384BE1-ECA6-4759-9219-426C433BB524}"/>
+                <a16:creationId xmlns:a16="http://schemas.microsoft.com/office/drawing/2014/main" xmlns="" id="{95384BE1-ECA6-4759-9219-426C433BB524}"/>
               </a:ext>
             </a:extLst>
           </p:cNvPr>
@@ -10542,7 +10621,7 @@
           <p:cNvPr id="71" name="Freeform 6" title="Left scallop edge">
             <a:extLst>
               <a:ext uri="{FF2B5EF4-FFF2-40B4-BE49-F238E27FC236}">
-                <a16:creationId xmlns:a16="http://schemas.microsoft.com/office/drawing/2014/main" id="{841EFD0D-0D37-447B-B1EA-4F7197EB2911}"/>
+                <a16:creationId xmlns:a16="http://schemas.microsoft.com/office/drawing/2014/main" xmlns="" id="{841EFD0D-0D37-447B-B1EA-4F7197EB2911}"/>
               </a:ext>
             </a:extLst>
           </p:cNvPr>
@@ -10552,7 +10631,7 @@
           <p:nvPr>
             <p:extLst>
               <p:ext uri="{386F3935-93C4-4BCD-93E2-E3B085C9AB24}">
-                <p16:designElem xmlns:p16="http://schemas.microsoft.com/office/powerpoint/2015/main" val="1"/>
+                <p16:designElem xmlns:p16="http://schemas.microsoft.com/office/powerpoint/2015/main" xmlns="" val="1"/>
               </p:ext>
             </p:extLst>
           </p:nvPr>
@@ -11020,7 +11099,7 @@
           <p:cNvPr id="73" name="Rectangle 72" title="right edge border">
             <a:extLst>
               <a:ext uri="{FF2B5EF4-FFF2-40B4-BE49-F238E27FC236}">
-                <a16:creationId xmlns:a16="http://schemas.microsoft.com/office/drawing/2014/main" id="{5A6DFF24-307B-44B0-93F0-893676F1488A}"/>
+                <a16:creationId xmlns:a16="http://schemas.microsoft.com/office/drawing/2014/main" xmlns="" id="{5A6DFF24-307B-44B0-93F0-893676F1488A}"/>
               </a:ext>
             </a:extLst>
           </p:cNvPr>
@@ -11030,7 +11109,7 @@
           <p:nvPr>
             <p:extLst>
               <p:ext uri="{386F3935-93C4-4BCD-93E2-E3B085C9AB24}">
-                <p16:designElem xmlns:p16="http://schemas.microsoft.com/office/powerpoint/2015/main" val="1"/>
+                <p16:designElem xmlns:p16="http://schemas.microsoft.com/office/powerpoint/2015/main" xmlns="" val="1"/>
               </p:ext>
             </p:extLst>
           </p:nvPr>
@@ -11072,7 +11151,7 @@
           <p:cNvPr id="1026" name="Picture 2" descr="Image result for dysh app">
             <a:extLst>
               <a:ext uri="{FF2B5EF4-FFF2-40B4-BE49-F238E27FC236}">
-                <a16:creationId xmlns:a16="http://schemas.microsoft.com/office/drawing/2014/main" id="{316F83B2-6343-48D9-AE65-74CA7D8BA1E1}"/>
+                <a16:creationId xmlns:a16="http://schemas.microsoft.com/office/drawing/2014/main" xmlns="" id="{316F83B2-6343-48D9-AE65-74CA7D8BA1E1}"/>
               </a:ext>
             </a:extLst>
           </p:cNvPr>
@@ -11096,8 +11175,8 @@
         </p:blipFill>
         <p:spPr bwMode="auto">
           <a:xfrm>
-            <a:off x="7555992" y="3520120"/>
-            <a:ext cx="3902582" cy="1151261"/>
+            <a:off x="4799158" y="4513678"/>
+            <a:ext cx="2576513" cy="760071"/>
           </a:xfrm>
           <a:prstGeom prst="rect">
             <a:avLst/>
@@ -11119,7 +11198,7 @@
           <p:cNvPr id="2" name="Title 1">
             <a:extLst>
               <a:ext uri="{FF2B5EF4-FFF2-40B4-BE49-F238E27FC236}">
-                <a16:creationId xmlns:a16="http://schemas.microsoft.com/office/drawing/2014/main" id="{4259A47C-5E27-4927-9AB7-7858CC6B6837}"/>
+                <a16:creationId xmlns:a16="http://schemas.microsoft.com/office/drawing/2014/main" xmlns="" id="{4259A47C-5E27-4927-9AB7-7858CC6B6837}"/>
               </a:ext>
             </a:extLst>
           </p:cNvPr>
@@ -11154,7 +11233,7 @@
           <p:cNvPr id="3" name="Vertical Text Placeholder 2">
             <a:extLst>
               <a:ext uri="{FF2B5EF4-FFF2-40B4-BE49-F238E27FC236}">
-                <a16:creationId xmlns:a16="http://schemas.microsoft.com/office/drawing/2014/main" id="{9F629151-CF71-41D0-859A-9BF538BE93B2}"/>
+                <a16:creationId xmlns:a16="http://schemas.microsoft.com/office/drawing/2014/main" xmlns="" id="{9F629151-CF71-41D0-859A-9BF538BE93B2}"/>
               </a:ext>
             </a:extLst>
           </p:cNvPr>
@@ -11167,7 +11246,7 @@
         </p:nvSpPr>
         <p:spPr>
           <a:xfrm>
-            <a:off x="1251678" y="2286001"/>
+            <a:off x="1145353" y="1467294"/>
             <a:ext cx="5984274" cy="3593591"/>
           </a:xfrm>
         </p:spPr>
@@ -11188,7 +11267,31 @@
                   <a:schemeClr val="tx1"/>
                 </a:solidFill>
               </a:rPr>
-              <a:t>This app is the main stage to share opinions in dishes that we take to our social event like Friday family meeting ;)</a:t>
+              <a:t>This app is the main stage to share opinions </a:t>
+            </a:r>
+            <a:r>
+              <a:rPr lang="en-US" dirty="0" smtClean="0">
+                <a:solidFill>
+                  <a:schemeClr val="tx1"/>
+                </a:solidFill>
+              </a:rPr>
+              <a:t>of </a:t>
+            </a:r>
+            <a:r>
+              <a:rPr lang="en-US" dirty="0">
+                <a:solidFill>
+                  <a:schemeClr val="tx1"/>
+                </a:solidFill>
+              </a:rPr>
+              <a:t>dishes </a:t>
+            </a:r>
+            <a:r>
+              <a:rPr lang="en-US" dirty="0" smtClean="0">
+                <a:solidFill>
+                  <a:schemeClr val="tx1"/>
+                </a:solidFill>
+              </a:rPr>
+              <a:t>and shops .It almost has the same features as shop’s rating application exclude it supports:</a:t>
             </a:r>
           </a:p>
           <a:p>
@@ -11203,8 +11306,37 @@
                   <a:schemeClr val="tx1"/>
                 </a:solidFill>
               </a:rPr>
-              <a:t>You can view dishes' shops  </a:t>
+              <a:t>V</a:t>
             </a:r>
+            <a:r>
+              <a:rPr lang="en-US" dirty="0" smtClean="0">
+                <a:solidFill>
+                  <a:schemeClr val="tx1"/>
+                </a:solidFill>
+              </a:rPr>
+              <a:t>iew </a:t>
+            </a:r>
+            <a:r>
+              <a:rPr lang="en-US" dirty="0">
+                <a:solidFill>
+                  <a:schemeClr val="tx1"/>
+                </a:solidFill>
+              </a:rPr>
+              <a:t>dishes' </a:t>
+            </a:r>
+            <a:r>
+              <a:rPr lang="en-US" dirty="0" smtClean="0">
+                <a:solidFill>
+                  <a:schemeClr val="tx1"/>
+                </a:solidFill>
+              </a:rPr>
+              <a:t>shops. </a:t>
+            </a:r>
+            <a:endParaRPr lang="en-US" dirty="0">
+              <a:solidFill>
+                <a:schemeClr val="tx1"/>
+              </a:solidFill>
+            </a:endParaRPr>
           </a:p>
           <a:p>
             <a:pPr>
@@ -11213,58 +11345,66 @@
               </a:lnSpc>
             </a:pPr>
             <a:r>
-              <a:rPr lang="en-US" dirty="0">
+              <a:rPr lang="en-US" dirty="0" smtClean="0">
                 <a:solidFill>
                   <a:schemeClr val="tx1"/>
                 </a:solidFill>
               </a:rPr>
-              <a:t>You can add tips for dishes added by you or other user </a:t>
+              <a:t>View</a:t>
             </a:r>
-          </a:p>
-          <a:p>
-            <a:pPr>
-              <a:lnSpc>
-                <a:spcPct val="100000"/>
-              </a:lnSpc>
-            </a:pPr>
+            <a:r>
+              <a:rPr lang="en-US" dirty="0" smtClean="0">
+                <a:solidFill>
+                  <a:schemeClr val="tx1"/>
+                </a:solidFill>
+              </a:rPr>
+              <a:t> </a:t>
+            </a:r>
             <a:r>
               <a:rPr lang="en-US" dirty="0">
                 <a:solidFill>
                   <a:schemeClr val="tx1"/>
                 </a:solidFill>
               </a:rPr>
-              <a:t>You can know what appropriate occasion to take this dish for !</a:t>
+              <a:t>appropriate </a:t>
             </a:r>
-          </a:p>
-          <a:p>
-            <a:pPr>
-              <a:lnSpc>
-                <a:spcPct val="100000"/>
-              </a:lnSpc>
-            </a:pPr>
+            <a:r>
+              <a:rPr lang="en-US" dirty="0" smtClean="0">
+                <a:solidFill>
+                  <a:schemeClr val="tx1"/>
+                </a:solidFill>
+              </a:rPr>
+              <a:t>occasions </a:t>
+            </a:r>
             <a:r>
               <a:rPr lang="en-US" dirty="0">
                 <a:solidFill>
                   <a:schemeClr val="tx1"/>
                 </a:solidFill>
               </a:rPr>
-              <a:t>you can view other users opinion and rating </a:t>
+              <a:t>to take this dish </a:t>
             </a:r>
-          </a:p>
-          <a:p>
-            <a:pPr>
-              <a:lnSpc>
-                <a:spcPct val="100000"/>
-              </a:lnSpc>
-            </a:pPr>
             <a:r>
-              <a:rPr lang="en-US" dirty="0">
+              <a:rPr lang="en-US" dirty="0" smtClean="0">
                 <a:solidFill>
                   <a:schemeClr val="tx1"/>
                 </a:solidFill>
               </a:rPr>
-              <a:t>Images and location maybe added later </a:t>
+              <a:t>for.</a:t>
             </a:r>
+          </a:p>
+          <a:p>
+            <a:pPr marL="0" indent="0">
+              <a:lnSpc>
+                <a:spcPct val="100000"/>
+              </a:lnSpc>
+              <a:buNone/>
+            </a:pPr>
+            <a:endParaRPr lang="en-US" dirty="0">
+              <a:solidFill>
+                <a:schemeClr val="tx1"/>
+              </a:solidFill>
+            </a:endParaRPr>
           </a:p>
         </p:txBody>
       </p:sp>
@@ -11314,68 +11454,399 @@
           <a:lstStyle/>
           <a:p>
             <a:r>
+              <a:rPr lang="en-US" dirty="0" smtClean="0"/>
+              <a:t>Platform and tools  </a:t>
+            </a:r>
+            <a:endParaRPr lang="en-US" dirty="0"/>
+          </a:p>
+        </p:txBody>
+      </p:sp>
+      <p:pic>
+        <p:nvPicPr>
+          <p:cNvPr id="4" name="Picture 3"/>
+          <p:cNvPicPr>
+            <a:picLocks noChangeAspect="1"/>
+          </p:cNvPicPr>
+          <p:nvPr/>
+        </p:nvPicPr>
+        <p:blipFill>
+          <a:blip r:embed="rId2">
+            <a:extLst>
+              <a:ext uri="{28A0092B-C50C-407E-A947-70E740481C1C}">
+                <a14:useLocalDpi xmlns:a14="http://schemas.microsoft.com/office/drawing/2010/main" val="0"/>
+              </a:ext>
+            </a:extLst>
+          </a:blip>
+          <a:stretch>
+            <a:fillRect/>
+          </a:stretch>
+        </p:blipFill>
+        <p:spPr>
+          <a:xfrm>
+            <a:off x="985998" y="1519837"/>
+            <a:ext cx="4266508" cy="2186586"/>
+          </a:xfrm>
+          <a:prstGeom prst="rect">
+            <a:avLst/>
+          </a:prstGeom>
+        </p:spPr>
+      </p:pic>
+      <p:pic>
+        <p:nvPicPr>
+          <p:cNvPr id="5" name="Picture 4"/>
+          <p:cNvPicPr>
+            <a:picLocks noChangeAspect="1"/>
+          </p:cNvPicPr>
+          <p:nvPr/>
+        </p:nvPicPr>
+        <p:blipFill>
+          <a:blip r:embed="rId3">
+            <a:extLst>
+              <a:ext uri="{28A0092B-C50C-407E-A947-70E740481C1C}">
+                <a14:useLocalDpi xmlns:a14="http://schemas.microsoft.com/office/drawing/2010/main" val="0"/>
+              </a:ext>
+            </a:extLst>
+          </a:blip>
+          <a:stretch>
+            <a:fillRect/>
+          </a:stretch>
+        </p:blipFill>
+        <p:spPr>
+          <a:xfrm>
+            <a:off x="5757796" y="1148316"/>
+            <a:ext cx="3271403" cy="3271403"/>
+          </a:xfrm>
+          <a:prstGeom prst="rect">
+            <a:avLst/>
+          </a:prstGeom>
+        </p:spPr>
+      </p:pic>
+      <p:pic>
+        <p:nvPicPr>
+          <p:cNvPr id="7" name="Picture 6"/>
+          <p:cNvPicPr>
+            <a:picLocks noChangeAspect="1"/>
+          </p:cNvPicPr>
+          <p:nvPr/>
+        </p:nvPicPr>
+        <p:blipFill>
+          <a:blip r:embed="rId4">
+            <a:extLst>
+              <a:ext uri="{28A0092B-C50C-407E-A947-70E740481C1C}">
+                <a14:useLocalDpi xmlns:a14="http://schemas.microsoft.com/office/drawing/2010/main" val="0"/>
+              </a:ext>
+            </a:extLst>
+          </a:blip>
+          <a:stretch>
+            <a:fillRect/>
+          </a:stretch>
+        </p:blipFill>
+        <p:spPr>
+          <a:xfrm>
+            <a:off x="9154704" y="1655828"/>
+            <a:ext cx="1054782" cy="1054782"/>
+          </a:xfrm>
+          <a:prstGeom prst="rect">
+            <a:avLst/>
+          </a:prstGeom>
+        </p:spPr>
+      </p:pic>
+      <p:pic>
+        <p:nvPicPr>
+          <p:cNvPr id="8" name="Picture 7"/>
+          <p:cNvPicPr>
+            <a:picLocks noChangeAspect="1"/>
+          </p:cNvPicPr>
+          <p:nvPr/>
+        </p:nvPicPr>
+        <p:blipFill>
+          <a:blip r:embed="rId5">
+            <a:extLst>
+              <a:ext uri="{28A0092B-C50C-407E-A947-70E740481C1C}">
+                <a14:useLocalDpi xmlns:a14="http://schemas.microsoft.com/office/drawing/2010/main" val="0"/>
+              </a:ext>
+            </a:extLst>
+          </a:blip>
+          <a:stretch>
+            <a:fillRect/>
+          </a:stretch>
+        </p:blipFill>
+        <p:spPr>
+          <a:xfrm>
+            <a:off x="10590820" y="1655828"/>
+            <a:ext cx="1095154" cy="1095154"/>
+          </a:xfrm>
+          <a:prstGeom prst="rect">
+            <a:avLst/>
+          </a:prstGeom>
+        </p:spPr>
+      </p:pic>
+      <p:pic>
+        <p:nvPicPr>
+          <p:cNvPr id="9" name="Picture 8"/>
+          <p:cNvPicPr>
+            <a:picLocks noChangeAspect="1"/>
+          </p:cNvPicPr>
+          <p:nvPr/>
+        </p:nvPicPr>
+        <p:blipFill>
+          <a:blip r:embed="rId6">
+            <a:extLst>
+              <a:ext uri="{28A0092B-C50C-407E-A947-70E740481C1C}">
+                <a14:useLocalDpi xmlns:a14="http://schemas.microsoft.com/office/drawing/2010/main" val="0"/>
+              </a:ext>
+            </a:extLst>
+          </a:blip>
+          <a:stretch>
+            <a:fillRect/>
+          </a:stretch>
+        </p:blipFill>
+        <p:spPr>
+          <a:xfrm>
+            <a:off x="9973593" y="2784017"/>
+            <a:ext cx="1055603" cy="1055603"/>
+          </a:xfrm>
+          <a:prstGeom prst="rect">
+            <a:avLst/>
+          </a:prstGeom>
+        </p:spPr>
+      </p:pic>
+      <p:pic>
+        <p:nvPicPr>
+          <p:cNvPr id="10" name="Picture 9"/>
+          <p:cNvPicPr>
+            <a:picLocks noChangeAspect="1"/>
+          </p:cNvPicPr>
+          <p:nvPr/>
+        </p:nvPicPr>
+        <p:blipFill>
+          <a:blip r:embed="rId7">
+            <a:extLst>
+              <a:ext uri="{28A0092B-C50C-407E-A947-70E740481C1C}">
+                <a14:useLocalDpi xmlns:a14="http://schemas.microsoft.com/office/drawing/2010/main" val="0"/>
+              </a:ext>
+            </a:extLst>
+          </a:blip>
+          <a:stretch>
+            <a:fillRect/>
+          </a:stretch>
+        </p:blipFill>
+        <p:spPr>
+          <a:xfrm>
+            <a:off x="2457266" y="4353645"/>
+            <a:ext cx="2216249" cy="2216249"/>
+          </a:xfrm>
+          <a:prstGeom prst="rect">
+            <a:avLst/>
+          </a:prstGeom>
+        </p:spPr>
+      </p:pic>
+      <p:pic>
+        <p:nvPicPr>
+          <p:cNvPr id="11" name="Picture 10"/>
+          <p:cNvPicPr>
+            <a:picLocks noChangeAspect="1"/>
+          </p:cNvPicPr>
+          <p:nvPr/>
+        </p:nvPicPr>
+        <p:blipFill>
+          <a:blip r:embed="rId8">
+            <a:extLst>
+              <a:ext uri="{BEBA8EAE-BF5A-486C-A8C5-ECC9F3942E4B}">
+                <a14:imgProps xmlns:a14="http://schemas.microsoft.com/office/drawing/2010/main">
+                  <a14:imgLayer r:embed="rId9">
+                    <a14:imgEffect>
+                      <a14:saturation sat="400000"/>
+                    </a14:imgEffect>
+                  </a14:imgLayer>
+                </a14:imgProps>
+              </a:ext>
+              <a:ext uri="{28A0092B-C50C-407E-A947-70E740481C1C}">
+                <a14:useLocalDpi xmlns:a14="http://schemas.microsoft.com/office/drawing/2010/main" val="0"/>
+              </a:ext>
+            </a:extLst>
+          </a:blip>
+          <a:stretch>
+            <a:fillRect/>
+          </a:stretch>
+        </p:blipFill>
+        <p:spPr>
+          <a:xfrm>
+            <a:off x="7018862" y="4353645"/>
+            <a:ext cx="2425763" cy="2216250"/>
+          </a:xfrm>
+          <a:prstGeom prst="rect">
+            <a:avLst/>
+          </a:prstGeom>
+        </p:spPr>
+      </p:pic>
+      <p:sp>
+        <p:nvSpPr>
+          <p:cNvPr id="14" name="TextBox 13"/>
+          <p:cNvSpPr txBox="1"/>
+          <p:nvPr/>
+        </p:nvSpPr>
+        <p:spPr>
+          <a:xfrm>
+            <a:off x="2332520" y="2970324"/>
+            <a:ext cx="2465740" cy="1472198"/>
+          </a:xfrm>
+          <a:prstGeom prst="rect">
+            <a:avLst/>
+          </a:prstGeom>
+          <a:noFill/>
+        </p:spPr>
+        <p:txBody>
+          <a:bodyPr wrap="none" rtlCol="0">
+            <a:spAutoFit/>
+          </a:bodyPr>
+          <a:lstStyle/>
+          <a:p>
+            <a:pPr defTabSz="914400">
+              <a:spcBef>
+                <a:spcPts val="700"/>
+              </a:spcBef>
+              <a:buClr>
+                <a:schemeClr val="tx2"/>
+              </a:buClr>
+            </a:pPr>
+            <a:endParaRPr lang="en-US" dirty="0"/>
+          </a:p>
+          <a:p>
+            <a:pPr marL="228600" indent="-228600" defTabSz="914400">
+              <a:spcBef>
+                <a:spcPts val="700"/>
+              </a:spcBef>
+              <a:buClr>
+                <a:schemeClr val="tx2"/>
+              </a:buClr>
+              <a:buFont typeface="Arial" panose="020B0604020202020204" pitchFamily="34" charset="0"/>
+              <a:buChar char="•"/>
+            </a:pPr>
+            <a:endParaRPr lang="en-US" dirty="0"/>
+          </a:p>
+          <a:p>
+            <a:pPr defTabSz="914400">
+              <a:spcBef>
+                <a:spcPts val="700"/>
+              </a:spcBef>
+              <a:buClr>
+                <a:schemeClr val="tx2"/>
+              </a:buClr>
+            </a:pPr>
+            <a:r>
+              <a:rPr lang="en-US" sz="2400" b="1" dirty="0"/>
+              <a:t>Version </a:t>
+            </a:r>
+            <a:r>
+              <a:rPr lang="en-US" sz="2400" b="1" dirty="0" smtClean="0"/>
+              <a:t>control</a:t>
+            </a:r>
+            <a:endParaRPr lang="en-US" sz="2400" b="1" dirty="0"/>
+          </a:p>
+          <a:p>
+            <a:endParaRPr lang="en-US" dirty="0"/>
+          </a:p>
+        </p:txBody>
+      </p:sp>
+      <p:sp>
+        <p:nvSpPr>
+          <p:cNvPr id="15" name="Rectangle 14"/>
+          <p:cNvSpPr/>
+          <p:nvPr/>
+        </p:nvSpPr>
+        <p:spPr>
+          <a:xfrm>
+            <a:off x="6802161" y="1431575"/>
+            <a:ext cx="1528175" cy="461665"/>
+          </a:xfrm>
+          <a:prstGeom prst="rect">
+            <a:avLst/>
+          </a:prstGeom>
+        </p:spPr>
+        <p:txBody>
+          <a:bodyPr wrap="none">
+            <a:spAutoFit/>
+          </a:bodyPr>
+          <a:lstStyle/>
+          <a:p>
+            <a:r>
+              <a:rPr lang="en-US" sz="2400" b="1" dirty="0"/>
+              <a:t>Platform</a:t>
+            </a:r>
+            <a:r>
               <a:rPr lang="en-US" dirty="0"/>
-              <a:t>Platform and tools  </a:t>
+              <a:t> </a:t>
             </a:r>
           </a:p>
         </p:txBody>
       </p:sp>
       <p:sp>
         <p:nvSpPr>
-          <p:cNvPr id="3" name="Vertical Text Placeholder 2"/>
-          <p:cNvSpPr>
-            <a:spLocks noGrp="1"/>
-          </p:cNvSpPr>
-          <p:nvPr>
-            <p:ph type="body" orient="vert" idx="1"/>
-          </p:nvPr>
+          <p:cNvPr id="16" name="Rectangle 15"/>
+          <p:cNvSpPr/>
+          <p:nvPr/>
         </p:nvSpPr>
-        <p:spPr/>
+        <p:spPr>
+          <a:xfrm>
+            <a:off x="2508686" y="1424995"/>
+            <a:ext cx="1612942" cy="461665"/>
+          </a:xfrm>
+          <a:prstGeom prst="rect">
+            <a:avLst/>
+          </a:prstGeom>
+        </p:spPr>
         <p:txBody>
-          <a:bodyPr vert="horz"/>
+          <a:bodyPr wrap="none">
+            <a:spAutoFit/>
+          </a:bodyPr>
           <a:lstStyle/>
           <a:p>
             <a:r>
-              <a:rPr lang="en-US" sz="2800" dirty="0"/>
-              <a:t>We want to build this app for </a:t>
+              <a:rPr lang="en-US" sz="2400" b="1" dirty="0"/>
+              <a:t>Database </a:t>
+            </a:r>
+          </a:p>
+        </p:txBody>
+      </p:sp>
+      <p:sp>
+        <p:nvSpPr>
+          <p:cNvPr id="17" name="Rectangle 16"/>
+          <p:cNvSpPr/>
+          <p:nvPr/>
+        </p:nvSpPr>
+        <p:spPr>
+          <a:xfrm>
+            <a:off x="6383820" y="3770893"/>
+            <a:ext cx="3298275" cy="461665"/>
+          </a:xfrm>
+          <a:prstGeom prst="rect">
+            <a:avLst/>
+          </a:prstGeom>
+        </p:spPr>
+        <p:txBody>
+          <a:bodyPr wrap="none">
+            <a:spAutoFit/>
+          </a:bodyPr>
+          <a:lstStyle/>
+          <a:p>
+            <a:pPr defTabSz="914400">
+              <a:spcBef>
+                <a:spcPts val="700"/>
+              </a:spcBef>
+              <a:buClr>
+                <a:schemeClr val="tx2"/>
+              </a:buClr>
+            </a:pPr>
+            <a:r>
+              <a:rPr lang="en-US" sz="2400" b="1" dirty="0"/>
+              <a:t>Project </a:t>
             </a:r>
             <a:r>
-              <a:rPr lang="en-US" sz="2800" dirty="0" err="1"/>
-              <a:t>ios</a:t>
+              <a:rPr lang="en-US" sz="2400" b="1" dirty="0" smtClean="0"/>
+              <a:t>management</a:t>
             </a:r>
-            <a:r>
-              <a:rPr lang="en-US" sz="2800" dirty="0"/>
-              <a:t> and android also if we have time to do that </a:t>
-            </a:r>
-          </a:p>
-          <a:p>
-            <a:r>
-              <a:rPr lang="en-US" sz="2800" dirty="0">
-                <a:solidFill>
-                  <a:schemeClr val="tx1"/>
-                </a:solidFill>
-              </a:rPr>
-              <a:t>We used firebase database as backend for our app </a:t>
-            </a:r>
-          </a:p>
-          <a:p>
-            <a:r>
-              <a:rPr lang="en-US" sz="2800" dirty="0">
-                <a:solidFill>
-                  <a:schemeClr val="tx1"/>
-                </a:solidFill>
-              </a:rPr>
-              <a:t>We used ionic icons for app icons </a:t>
-            </a:r>
-          </a:p>
-          <a:p>
-            <a:endParaRPr lang="en-US" sz="2800" dirty="0"/>
-          </a:p>
-          <a:p>
-            <a:endParaRPr lang="en-US" sz="2800" dirty="0"/>
-          </a:p>
-          <a:p>
-            <a:endParaRPr lang="en-US" dirty="0"/>
+            <a:endParaRPr lang="en-US" sz="2400" b="1" dirty="0"/>
           </a:p>
         </p:txBody>
       </p:sp>
@@ -11414,7 +11885,7 @@
           <p:cNvPr id="2" name="Title 1">
             <a:extLst>
               <a:ext uri="{FF2B5EF4-FFF2-40B4-BE49-F238E27FC236}">
-                <a16:creationId xmlns:a16="http://schemas.microsoft.com/office/drawing/2014/main" id="{DEAB97D2-A703-4DF9-A135-61E99FBBAEE5}"/>
+                <a16:creationId xmlns:a16="http://schemas.microsoft.com/office/drawing/2014/main" xmlns="" id="{DEAB97D2-A703-4DF9-A135-61E99FBBAEE5}"/>
               </a:ext>
             </a:extLst>
           </p:cNvPr>
@@ -11451,7 +11922,7 @@
           <p:cNvPr id="3" name="Content Placeholder 2">
             <a:extLst>
               <a:ext uri="{FF2B5EF4-FFF2-40B4-BE49-F238E27FC236}">
-                <a16:creationId xmlns:a16="http://schemas.microsoft.com/office/drawing/2014/main" id="{E18A2BED-03F4-401A-8B62-B874394465E0}"/>
+                <a16:creationId xmlns:a16="http://schemas.microsoft.com/office/drawing/2014/main" xmlns="" id="{E18A2BED-03F4-401A-8B62-B874394465E0}"/>
               </a:ext>
             </a:extLst>
           </p:cNvPr>
@@ -11462,47 +11933,316 @@
             <p:ph idx="1"/>
           </p:nvPr>
         </p:nvSpPr>
-        <p:spPr/>
+        <p:spPr>
+          <a:xfrm>
+            <a:off x="8184038" y="3438793"/>
+            <a:ext cx="4702942" cy="629512"/>
+          </a:xfrm>
+        </p:spPr>
         <p:txBody>
           <a:bodyPr>
             <a:normAutofit/>
           </a:bodyPr>
           <a:lstStyle/>
           <a:p>
+            <a:pPr marL="0" indent="0">
+              <a:buNone/>
+            </a:pPr>
             <a:r>
-              <a:rPr lang="en-US" dirty="0"/>
-              <a:t>Work as team.</a:t>
+              <a:rPr lang="en-US" sz="1800" dirty="0">
+                <a:solidFill>
+                  <a:schemeClr val="tx1"/>
+                </a:solidFill>
+              </a:rPr>
+              <a:t>Management </a:t>
             </a:r>
+            <a:r>
+              <a:rPr lang="en-US" sz="1800" dirty="0" smtClean="0">
+                <a:solidFill>
+                  <a:schemeClr val="tx1"/>
+                </a:solidFill>
+              </a:rPr>
+              <a:t>skills</a:t>
+            </a:r>
+            <a:endParaRPr lang="en-US" sz="1800" dirty="0">
+              <a:solidFill>
+                <a:schemeClr val="tx1"/>
+              </a:solidFill>
+            </a:endParaRPr>
           </a:p>
+        </p:txBody>
+      </p:sp>
+      <p:pic>
+        <p:nvPicPr>
+          <p:cNvPr id="5" name="Picture 4"/>
+          <p:cNvPicPr>
+            <a:picLocks noChangeAspect="1"/>
+          </p:cNvPicPr>
+          <p:nvPr/>
+        </p:nvPicPr>
+        <p:blipFill>
+          <a:blip r:embed="rId2">
+            <a:extLst>
+              <a:ext uri="{28A0092B-C50C-407E-A947-70E740481C1C}">
+                <a14:useLocalDpi xmlns:a14="http://schemas.microsoft.com/office/drawing/2010/main" val="0"/>
+              </a:ext>
+            </a:extLst>
+          </a:blip>
+          <a:stretch>
+            <a:fillRect/>
+          </a:stretch>
+        </p:blipFill>
+        <p:spPr>
+          <a:xfrm>
+            <a:off x="8059406" y="1399921"/>
+            <a:ext cx="2038872" cy="2038872"/>
+          </a:xfrm>
+          <a:prstGeom prst="rect">
+            <a:avLst/>
+          </a:prstGeom>
+        </p:spPr>
+      </p:pic>
+      <p:pic>
+        <p:nvPicPr>
+          <p:cNvPr id="7" name="Picture 6"/>
+          <p:cNvPicPr>
+            <a:picLocks noChangeAspect="1"/>
+          </p:cNvPicPr>
+          <p:nvPr/>
+        </p:nvPicPr>
+        <p:blipFill>
+          <a:blip r:embed="rId3">
+            <a:extLst>
+              <a:ext uri="{28A0092B-C50C-407E-A947-70E740481C1C}">
+                <a14:useLocalDpi xmlns:a14="http://schemas.microsoft.com/office/drawing/2010/main" val="0"/>
+              </a:ext>
+            </a:extLst>
+          </a:blip>
+          <a:stretch>
+            <a:fillRect/>
+          </a:stretch>
+        </p:blipFill>
+        <p:spPr>
+          <a:xfrm>
+            <a:off x="5049590" y="1385794"/>
+            <a:ext cx="1958236" cy="1958236"/>
+          </a:xfrm>
+          <a:prstGeom prst="rect">
+            <a:avLst/>
+          </a:prstGeom>
+        </p:spPr>
+      </p:pic>
+      <p:pic>
+        <p:nvPicPr>
+          <p:cNvPr id="8" name="Picture 7"/>
+          <p:cNvPicPr>
+            <a:picLocks noChangeAspect="1"/>
+          </p:cNvPicPr>
+          <p:nvPr/>
+        </p:nvPicPr>
+        <p:blipFill>
+          <a:blip r:embed="rId4">
+            <a:extLst>
+              <a:ext uri="{28A0092B-C50C-407E-A947-70E740481C1C}">
+                <a14:useLocalDpi xmlns:a14="http://schemas.microsoft.com/office/drawing/2010/main" val="0"/>
+              </a:ext>
+            </a:extLst>
+          </a:blip>
+          <a:stretch>
+            <a:fillRect/>
+          </a:stretch>
+        </p:blipFill>
+        <p:spPr>
+          <a:xfrm>
+            <a:off x="1696266" y="1319285"/>
+            <a:ext cx="1958236" cy="1958236"/>
+          </a:xfrm>
+          <a:prstGeom prst="rect">
+            <a:avLst/>
+          </a:prstGeom>
+        </p:spPr>
+      </p:pic>
+      <p:sp>
+        <p:nvSpPr>
+          <p:cNvPr id="9" name="Rectangle 8"/>
+          <p:cNvSpPr/>
+          <p:nvPr/>
+        </p:nvSpPr>
+        <p:spPr>
+          <a:xfrm>
+            <a:off x="5247821" y="3384348"/>
+            <a:ext cx="1561774" cy="369332"/>
+          </a:xfrm>
+          <a:prstGeom prst="rect">
+            <a:avLst/>
+          </a:prstGeom>
+        </p:spPr>
+        <p:txBody>
+          <a:bodyPr wrap="none">
+            <a:spAutoFit/>
+          </a:bodyPr>
+          <a:lstStyle/>
           <a:p>
             <a:r>
               <a:rPr lang="en-US" dirty="0"/>
-              <a:t>Work with firebase database </a:t>
+              <a:t>Work as </a:t>
             </a:r>
+            <a:r>
+              <a:rPr lang="en-US" dirty="0" smtClean="0"/>
+              <a:t>team</a:t>
+            </a:r>
+            <a:endParaRPr lang="en-US" dirty="0"/>
           </a:p>
+        </p:txBody>
+      </p:sp>
+      <p:sp>
+        <p:nvSpPr>
+          <p:cNvPr id="10" name="Rectangle 9"/>
+          <p:cNvSpPr/>
+          <p:nvPr/>
+        </p:nvSpPr>
+        <p:spPr>
+          <a:xfrm>
+            <a:off x="1867876" y="3358157"/>
+            <a:ext cx="1927322" cy="369332"/>
+          </a:xfrm>
+          <a:prstGeom prst="rect">
+            <a:avLst/>
+          </a:prstGeom>
+        </p:spPr>
+        <p:txBody>
+          <a:bodyPr wrap="none">
+            <a:spAutoFit/>
+          </a:bodyPr>
+          <a:lstStyle/>
           <a:p>
             <a:r>
               <a:rPr lang="en-US" dirty="0"/>
-              <a:t>Presentation and writing skills </a:t>
+              <a:t>Presentation </a:t>
             </a:r>
+            <a:r>
+              <a:rPr lang="en-US" dirty="0" smtClean="0"/>
+              <a:t>skills </a:t>
+            </a:r>
+            <a:endParaRPr lang="en-US" dirty="0"/>
           </a:p>
+        </p:txBody>
+      </p:sp>
+      <p:pic>
+        <p:nvPicPr>
+          <p:cNvPr id="11" name="Picture 10"/>
+          <p:cNvPicPr>
+            <a:picLocks noChangeAspect="1"/>
+          </p:cNvPicPr>
+          <p:nvPr/>
+        </p:nvPicPr>
+        <p:blipFill>
+          <a:blip r:embed="rId5">
+            <a:extLst>
+              <a:ext uri="{28A0092B-C50C-407E-A947-70E740481C1C}">
+                <a14:useLocalDpi xmlns:a14="http://schemas.microsoft.com/office/drawing/2010/main" val="0"/>
+              </a:ext>
+            </a:extLst>
+          </a:blip>
+          <a:stretch>
+            <a:fillRect/>
+          </a:stretch>
+        </p:blipFill>
+        <p:spPr>
+          <a:xfrm>
+            <a:off x="6460435" y="4160528"/>
+            <a:ext cx="1929581" cy="1929581"/>
+          </a:xfrm>
+          <a:prstGeom prst="rect">
+            <a:avLst/>
+          </a:prstGeom>
+        </p:spPr>
+      </p:pic>
+      <p:pic>
+        <p:nvPicPr>
+          <p:cNvPr id="12" name="Picture 11"/>
+          <p:cNvPicPr>
+            <a:picLocks noChangeAspect="1"/>
+          </p:cNvPicPr>
+          <p:nvPr/>
+        </p:nvPicPr>
+        <p:blipFill>
+          <a:blip r:embed="rId6">
+            <a:extLst>
+              <a:ext uri="{28A0092B-C50C-407E-A947-70E740481C1C}">
+                <a14:useLocalDpi xmlns:a14="http://schemas.microsoft.com/office/drawing/2010/main" val="0"/>
+              </a:ext>
+            </a:extLst>
+          </a:blip>
+          <a:stretch>
+            <a:fillRect/>
+          </a:stretch>
+        </p:blipFill>
+        <p:spPr>
+          <a:xfrm>
+            <a:off x="3406878" y="4015670"/>
+            <a:ext cx="2074440" cy="2074440"/>
+          </a:xfrm>
+          <a:prstGeom prst="rect">
+            <a:avLst/>
+          </a:prstGeom>
+        </p:spPr>
+      </p:pic>
+      <p:sp>
+        <p:nvSpPr>
+          <p:cNvPr id="13" name="Rectangle 12"/>
+          <p:cNvSpPr/>
+          <p:nvPr/>
+        </p:nvSpPr>
+        <p:spPr>
+          <a:xfrm>
+            <a:off x="7007826" y="6234969"/>
+            <a:ext cx="1468864" cy="369332"/>
+          </a:xfrm>
+          <a:prstGeom prst="rect">
+            <a:avLst/>
+          </a:prstGeom>
+        </p:spPr>
+        <p:txBody>
+          <a:bodyPr wrap="none">
+            <a:spAutoFit/>
+          </a:bodyPr>
+          <a:lstStyle/>
           <a:p>
             <a:r>
               <a:rPr lang="en-US" dirty="0"/>
-              <a:t>Work with ionic and Agular </a:t>
+              <a:t>Try new thing</a:t>
             </a:r>
+            <a:endParaRPr lang="en-US" dirty="0"/>
           </a:p>
+        </p:txBody>
+      </p:sp>
+      <p:sp>
+        <p:nvSpPr>
+          <p:cNvPr id="14" name="Rectangle 13"/>
+          <p:cNvSpPr/>
+          <p:nvPr/>
+        </p:nvSpPr>
+        <p:spPr>
+          <a:xfrm>
+            <a:off x="3975649" y="6234969"/>
+            <a:ext cx="1361270" cy="369332"/>
+          </a:xfrm>
+          <a:prstGeom prst="rect">
+            <a:avLst/>
+          </a:prstGeom>
+        </p:spPr>
+        <p:txBody>
+          <a:bodyPr wrap="none">
+            <a:spAutoFit/>
+          </a:bodyPr>
+          <a:lstStyle/>
           <a:p>
             <a:r>
-              <a:rPr lang="en-US" dirty="0"/>
-              <a:t>Work with GitHub.</a:t>
+              <a:rPr lang="en-US" dirty="0" smtClean="0"/>
+              <a:t>Coding skills</a:t>
             </a:r>
-          </a:p>
-          <a:p>
-            <a:pPr marL="0" indent="0">
-              <a:buNone/>
-            </a:pPr>
-            <a:endParaRPr lang="en-US" sz="2400" dirty="0"/>
+            <a:endParaRPr lang="en-US" dirty="0"/>
           </a:p>
         </p:txBody>
       </p:sp>
@@ -11541,7 +12281,7 @@
           <p:cNvPr id="2" name="Title 1">
             <a:extLst>
               <a:ext uri="{FF2B5EF4-FFF2-40B4-BE49-F238E27FC236}">
-                <a16:creationId xmlns:a16="http://schemas.microsoft.com/office/drawing/2014/main" id="{45B86E5E-D50E-4DD4-AFB9-7F48A70197BA}"/>
+                <a16:creationId xmlns:a16="http://schemas.microsoft.com/office/drawing/2014/main" xmlns="" id="{45B86E5E-D50E-4DD4-AFB9-7F48A70197BA}"/>
               </a:ext>
             </a:extLst>
           </p:cNvPr>
@@ -11562,31 +12302,6 @@
               <a:t>features</a:t>
             </a:r>
             <a:endParaRPr lang="en-US" dirty="0"/>
-          </a:p>
-        </p:txBody>
-      </p:sp>
-      <p:sp>
-        <p:nvSpPr>
-          <p:cNvPr id="3" name="Content Placeholder 2">
-            <a:extLst>
-              <a:ext uri="{FF2B5EF4-FFF2-40B4-BE49-F238E27FC236}">
-                <a16:creationId xmlns:a16="http://schemas.microsoft.com/office/drawing/2014/main" id="{B294C894-43DA-43BA-9577-9ACFD44A1B26}"/>
-              </a:ext>
-            </a:extLst>
-          </p:cNvPr>
-          <p:cNvSpPr>
-            <a:spLocks noGrp="1"/>
-          </p:cNvSpPr>
-          <p:nvPr>
-            <p:ph idx="1"/>
-          </p:nvPr>
-        </p:nvSpPr>
-        <p:spPr/>
-        <p:txBody>
-          <a:bodyPr/>
-          <a:lstStyle/>
-          <a:p>
-            <a:endParaRPr lang="en-US"/>
           </a:p>
         </p:txBody>
       </p:sp>
@@ -11633,7 +12348,7 @@
           <p:cNvPr id="10" name="Freeform 6" title="Left scallop edge">
             <a:extLst>
               <a:ext uri="{FF2B5EF4-FFF2-40B4-BE49-F238E27FC236}">
-                <a16:creationId xmlns:a16="http://schemas.microsoft.com/office/drawing/2014/main" id="{D09F5552-39CF-49BE-9BA3-F2C2E97DD974}"/>
+                <a16:creationId xmlns:a16="http://schemas.microsoft.com/office/drawing/2014/main" xmlns="" id="{D09F5552-39CF-49BE-9BA3-F2C2E97DD974}"/>
               </a:ext>
             </a:extLst>
           </p:cNvPr>
@@ -11643,7 +12358,7 @@
           <p:nvPr>
             <p:extLst>
               <p:ext uri="{386F3935-93C4-4BCD-93E2-E3B085C9AB24}">
-                <p16:designElem xmlns:p16="http://schemas.microsoft.com/office/powerpoint/2015/main" val="1"/>
+                <p16:designElem xmlns:p16="http://schemas.microsoft.com/office/powerpoint/2015/main" xmlns="" val="1"/>
               </p:ext>
             </p:extLst>
           </p:nvPr>
@@ -12111,7 +12826,7 @@
           <p:cNvPr id="12" name="Rectangle 11" title="right edge border">
             <a:extLst>
               <a:ext uri="{FF2B5EF4-FFF2-40B4-BE49-F238E27FC236}">
-                <a16:creationId xmlns:a16="http://schemas.microsoft.com/office/drawing/2014/main" id="{6CCDD5D4-DC0E-4B2C-8B6B-FCAA00ECE04E}"/>
+                <a16:creationId xmlns:a16="http://schemas.microsoft.com/office/drawing/2014/main" xmlns="" id="{6CCDD5D4-DC0E-4B2C-8B6B-FCAA00ECE04E}"/>
               </a:ext>
             </a:extLst>
           </p:cNvPr>
@@ -12121,7 +12836,7 @@
           <p:nvPr>
             <p:extLst>
               <p:ext uri="{386F3935-93C4-4BCD-93E2-E3B085C9AB24}">
-                <p16:designElem xmlns:p16="http://schemas.microsoft.com/office/powerpoint/2015/main" val="1"/>
+                <p16:designElem xmlns:p16="http://schemas.microsoft.com/office/powerpoint/2015/main" xmlns="" val="1"/>
               </p:ext>
             </p:extLst>
           </p:nvPr>
@@ -12163,7 +12878,7 @@
           <p:cNvPr id="2" name="Title 1">
             <a:extLst>
               <a:ext uri="{FF2B5EF4-FFF2-40B4-BE49-F238E27FC236}">
-                <a16:creationId xmlns:a16="http://schemas.microsoft.com/office/drawing/2014/main" id="{CBFE0AFB-9382-4169-AED7-D90AAA1642C6}"/>
+                <a16:creationId xmlns:a16="http://schemas.microsoft.com/office/drawing/2014/main" xmlns="" id="{CBFE0AFB-9382-4169-AED7-D90AAA1642C6}"/>
               </a:ext>
             </a:extLst>
           </p:cNvPr>
@@ -12250,7 +12965,7 @@
           <p:cNvPr id="2" name="Title 1">
             <a:extLst>
               <a:ext uri="{FF2B5EF4-FFF2-40B4-BE49-F238E27FC236}">
-                <a16:creationId xmlns:a16="http://schemas.microsoft.com/office/drawing/2014/main" id="{77A88685-22FC-43B9-B3E9-025FCA498429}"/>
+                <a16:creationId xmlns:a16="http://schemas.microsoft.com/office/drawing/2014/main" xmlns="" id="{77A88685-22FC-43B9-B3E9-025FCA498429}"/>
               </a:ext>
             </a:extLst>
           </p:cNvPr>
@@ -12279,7 +12994,7 @@
           <p:cNvPr id="3" name="Content Placeholder 2">
             <a:extLst>
               <a:ext uri="{FF2B5EF4-FFF2-40B4-BE49-F238E27FC236}">
-                <a16:creationId xmlns:a16="http://schemas.microsoft.com/office/drawing/2014/main" id="{5A10B657-F23A-4437-86D2-269772544C9E}"/>
+                <a16:creationId xmlns:a16="http://schemas.microsoft.com/office/drawing/2014/main" xmlns="" id="{5A10B657-F23A-4437-86D2-269772544C9E}"/>
               </a:ext>
             </a:extLst>
           </p:cNvPr>
@@ -12334,7 +13049,7 @@
           <p:cNvPr id="2" name="Title 1">
             <a:extLst>
               <a:ext uri="{FF2B5EF4-FFF2-40B4-BE49-F238E27FC236}">
-                <a16:creationId xmlns:a16="http://schemas.microsoft.com/office/drawing/2014/main" id="{62B38921-F153-46EC-9C43-821C8373A987}"/>
+                <a16:creationId xmlns:a16="http://schemas.microsoft.com/office/drawing/2014/main" xmlns="" id="{62B38921-F153-46EC-9C43-821C8373A987}"/>
               </a:ext>
             </a:extLst>
           </p:cNvPr>
@@ -12362,7 +13077,7 @@
           <p:cNvPr id="3" name="Text Placeholder 2">
             <a:extLst>
               <a:ext uri="{FF2B5EF4-FFF2-40B4-BE49-F238E27FC236}">
-                <a16:creationId xmlns:a16="http://schemas.microsoft.com/office/drawing/2014/main" id="{2CB6AAC8-A36D-4493-A68E-73BBD148B0D3}"/>
+                <a16:creationId xmlns:a16="http://schemas.microsoft.com/office/drawing/2014/main" xmlns="" id="{2CB6AAC8-A36D-4493-A68E-73BBD148B0D3}"/>
               </a:ext>
             </a:extLst>
           </p:cNvPr>
@@ -12420,7 +13135,7 @@
           <p:cNvPr id="2" name="Title 1">
             <a:extLst>
               <a:ext uri="{FF2B5EF4-FFF2-40B4-BE49-F238E27FC236}">
-                <a16:creationId xmlns:a16="http://schemas.microsoft.com/office/drawing/2014/main" id="{269A0B15-D693-4459-AF1A-5C00C7406E29}"/>
+                <a16:creationId xmlns:a16="http://schemas.microsoft.com/office/drawing/2014/main" xmlns="" id="{269A0B15-D693-4459-AF1A-5C00C7406E29}"/>
               </a:ext>
             </a:extLst>
           </p:cNvPr>
@@ -12448,7 +13163,7 @@
           <p:cNvPr id="3" name="Subtitle 2">
             <a:extLst>
               <a:ext uri="{FF2B5EF4-FFF2-40B4-BE49-F238E27FC236}">
-                <a16:creationId xmlns:a16="http://schemas.microsoft.com/office/drawing/2014/main" id="{89781140-EE1A-423E-B26F-9FA9172BDC16}"/>
+                <a16:creationId xmlns:a16="http://schemas.microsoft.com/office/drawing/2014/main" xmlns="" id="{89781140-EE1A-423E-B26F-9FA9172BDC16}"/>
               </a:ext>
             </a:extLst>
           </p:cNvPr>
@@ -12738,7 +13453,7 @@
   <a:extraClrSchemeLst/>
   <a:extLst>
     <a:ext uri="{05A4C25C-085E-4340-85A3-A5531E510DB2}">
-      <thm15:themeFamily xmlns:thm15="http://schemas.microsoft.com/office/thememl/2012/main" name="Badge" id="{71A07785-5930-41D4-9A83-E23602B48E98}" vid="{771EA782-DFA6-45B1-AEA3-661F1715B310}"/>
+      <thm15:themeFamily xmlns:thm15="http://schemas.microsoft.com/office/thememl/2012/main" xmlns="" name="Badge" id="{71A07785-5930-41D4-9A83-E23602B48E98}" vid="{771EA782-DFA6-45B1-AEA3-661F1715B310}"/>
     </a:ext>
   </a:extLst>
 </a:theme>

--- a/Pick a dish app.pptx
+++ b/Pick a dish app.pptx
@@ -11483,7 +11483,7 @@
         </p:blipFill>
         <p:spPr>
           <a:xfrm>
-            <a:off x="985998" y="1519837"/>
+            <a:off x="985998" y="1317517"/>
             <a:ext cx="4266508" cy="2186586"/>
           </a:xfrm>
           <a:prstGeom prst="rect">
@@ -11513,7 +11513,7 @@
         </p:blipFill>
         <p:spPr>
           <a:xfrm>
-            <a:off x="5757796" y="1148316"/>
+            <a:off x="5757796" y="775109"/>
             <a:ext cx="3271403" cy="3271403"/>
           </a:xfrm>
           <a:prstGeom prst="rect">
@@ -11633,7 +11633,7 @@
         </p:blipFill>
         <p:spPr>
           <a:xfrm>
-            <a:off x="2457266" y="4353645"/>
+            <a:off x="2446398" y="4046512"/>
             <a:ext cx="2216249" cy="2216249"/>
           </a:xfrm>
           <a:prstGeom prst="rect">
@@ -11672,7 +11672,7 @@
         </p:blipFill>
         <p:spPr>
           <a:xfrm>
-            <a:off x="7018862" y="4353645"/>
+            <a:off x="7018861" y="3965472"/>
             <a:ext cx="2425763" cy="2216250"/>
           </a:xfrm>
           <a:prstGeom prst="rect">
@@ -11688,7 +11688,7 @@
         </p:nvSpPr>
         <p:spPr>
           <a:xfrm>
-            <a:off x="2332520" y="2970324"/>
+            <a:off x="2457266" y="5526662"/>
             <a:ext cx="2465740" cy="1472198"/>
           </a:xfrm>
           <a:prstGeom prst="rect">
@@ -11757,7 +11757,7 @@
         </p:nvSpPr>
         <p:spPr>
           <a:xfrm>
-            <a:off x="6802161" y="1431575"/>
+            <a:off x="7018861" y="2970323"/>
             <a:ext cx="1528175" cy="461665"/>
           </a:xfrm>
           <a:prstGeom prst="rect">
@@ -11789,7 +11789,7 @@
         </p:nvSpPr>
         <p:spPr>
           <a:xfrm>
-            <a:off x="2508686" y="1424995"/>
+            <a:off x="2545525" y="2970324"/>
             <a:ext cx="1612942" cy="461665"/>
           </a:xfrm>
           <a:prstGeom prst="rect">
@@ -11817,7 +11817,7 @@
         </p:nvSpPr>
         <p:spPr>
           <a:xfrm>
-            <a:off x="6383820" y="3770893"/>
+            <a:off x="7018861" y="6262761"/>
             <a:ext cx="3298275" cy="461665"/>
           </a:xfrm>
           <a:prstGeom prst="rect">

--- a/Pick a dish app.pptx
+++ b/Pick a dish app.pptx
@@ -4,17 +4,21 @@
   <p:sldMasterIdLst>
     <p:sldMasterId id="2147483648" r:id="rId1"/>
   </p:sldMasterIdLst>
+  <p:notesMasterIdLst>
+    <p:notesMasterId r:id="rId13"/>
+  </p:notesMasterIdLst>
   <p:sldIdLst>
     <p:sldId id="256" r:id="rId2"/>
     <p:sldId id="259" r:id="rId3"/>
     <p:sldId id="260" r:id="rId4"/>
     <p:sldId id="258" r:id="rId5"/>
-    <p:sldId id="265" r:id="rId6"/>
-    <p:sldId id="263" r:id="rId7"/>
-    <p:sldId id="266" r:id="rId8"/>
-    <p:sldId id="267" r:id="rId9"/>
-    <p:sldId id="262" r:id="rId10"/>
-    <p:sldId id="257" r:id="rId11"/>
+    <p:sldId id="263" r:id="rId6"/>
+    <p:sldId id="265" r:id="rId7"/>
+    <p:sldId id="268" r:id="rId8"/>
+    <p:sldId id="266" r:id="rId9"/>
+    <p:sldId id="267" r:id="rId10"/>
+    <p:sldId id="262" r:id="rId11"/>
+    <p:sldId id="257" r:id="rId12"/>
   </p:sldIdLst>
   <p:sldSz cx="12192000" cy="6858000"/>
   <p:notesSz cx="6858000" cy="9144000"/>
@@ -115,7 +119,7 @@
   </p:defaultTextStyle>
   <p:extLst>
     <p:ext uri="{EFAFB233-063F-42B5-8137-9DF3F51BA10A}">
-      <p15:sldGuideLst xmlns:p15="http://schemas.microsoft.com/office/powerpoint/2012/main" xmlns="">
+      <p15:sldGuideLst xmlns:p15="http://schemas.microsoft.com/office/powerpoint/2012/main">
         <p15:guide id="1" orient="horz" pos="2160">
           <p15:clr>
             <a:srgbClr val="A4A3A4"/>
@@ -137,6 +141,788 @@
 </file>
 
 <file path=ppt/diagrams/colors1.xml><?xml version="1.0" encoding="utf-8"?>
+<dgm:colorsDef xmlns:dgm="http://schemas.openxmlformats.org/drawingml/2006/diagram" xmlns:a="http://schemas.openxmlformats.org/drawingml/2006/main" uniqueId="urn:microsoft.com/office/officeart/2005/8/colors/colorful2">
+  <dgm:title val=""/>
+  <dgm:desc val=""/>
+  <dgm:catLst>
+    <dgm:cat type="colorful" pri="10200"/>
+  </dgm:catLst>
+  <dgm:styleLbl name="node0">
+    <dgm:fillClrLst meth="repeat">
+      <a:schemeClr val="accent1"/>
+    </dgm:fillClrLst>
+    <dgm:linClrLst meth="repeat">
+      <a:schemeClr val="lt1"/>
+    </dgm:linClrLst>
+    <dgm:effectClrLst/>
+    <dgm:txLinClrLst/>
+    <dgm:txFillClrLst/>
+    <dgm:txEffectClrLst/>
+  </dgm:styleLbl>
+  <dgm:styleLbl name="node1">
+    <dgm:fillClrLst>
+      <a:schemeClr val="accent2"/>
+      <a:schemeClr val="accent3"/>
+    </dgm:fillClrLst>
+    <dgm:linClrLst meth="repeat">
+      <a:schemeClr val="lt1"/>
+    </dgm:linClrLst>
+    <dgm:effectClrLst/>
+    <dgm:txLinClrLst/>
+    <dgm:txFillClrLst/>
+    <dgm:txEffectClrLst/>
+  </dgm:styleLbl>
+  <dgm:styleLbl name="alignNode1">
+    <dgm:fillClrLst>
+      <a:schemeClr val="accent2"/>
+      <a:schemeClr val="accent3"/>
+    </dgm:fillClrLst>
+    <dgm:linClrLst>
+      <a:schemeClr val="accent2"/>
+      <a:schemeClr val="accent3"/>
+    </dgm:linClrLst>
+    <dgm:effectClrLst/>
+    <dgm:txLinClrLst/>
+    <dgm:txFillClrLst/>
+    <dgm:txEffectClrLst/>
+  </dgm:styleLbl>
+  <dgm:styleLbl name="lnNode1">
+    <dgm:fillClrLst>
+      <a:schemeClr val="accent2"/>
+      <a:schemeClr val="accent3"/>
+    </dgm:fillClrLst>
+    <dgm:linClrLst meth="repeat">
+      <a:schemeClr val="lt1"/>
+    </dgm:linClrLst>
+    <dgm:effectClrLst/>
+    <dgm:txLinClrLst/>
+    <dgm:txFillClrLst/>
+    <dgm:txEffectClrLst/>
+  </dgm:styleLbl>
+  <dgm:styleLbl name="vennNode1">
+    <dgm:fillClrLst>
+      <a:schemeClr val="accent2">
+        <a:alpha val="50000"/>
+      </a:schemeClr>
+      <a:schemeClr val="accent3">
+        <a:alpha val="50000"/>
+      </a:schemeClr>
+    </dgm:fillClrLst>
+    <dgm:linClrLst meth="repeat">
+      <a:schemeClr val="lt1"/>
+    </dgm:linClrLst>
+    <dgm:effectClrLst/>
+    <dgm:txLinClrLst/>
+    <dgm:txFillClrLst/>
+    <dgm:txEffectClrLst/>
+  </dgm:styleLbl>
+  <dgm:styleLbl name="node2">
+    <dgm:fillClrLst>
+      <a:schemeClr val="accent3"/>
+    </dgm:fillClrLst>
+    <dgm:linClrLst meth="repeat">
+      <a:schemeClr val="lt1"/>
+    </dgm:linClrLst>
+    <dgm:effectClrLst/>
+    <dgm:txLinClrLst/>
+    <dgm:txFillClrLst/>
+    <dgm:txEffectClrLst/>
+  </dgm:styleLbl>
+  <dgm:styleLbl name="node3">
+    <dgm:fillClrLst>
+      <a:schemeClr val="accent4"/>
+    </dgm:fillClrLst>
+    <dgm:linClrLst meth="repeat">
+      <a:schemeClr val="lt1"/>
+    </dgm:linClrLst>
+    <dgm:effectClrLst/>
+    <dgm:txLinClrLst/>
+    <dgm:txFillClrLst/>
+    <dgm:txEffectClrLst/>
+  </dgm:styleLbl>
+  <dgm:styleLbl name="node4">
+    <dgm:fillClrLst>
+      <a:schemeClr val="accent5"/>
+    </dgm:fillClrLst>
+    <dgm:linClrLst meth="repeat">
+      <a:schemeClr val="lt1"/>
+    </dgm:linClrLst>
+    <dgm:effectClrLst/>
+    <dgm:txLinClrLst/>
+    <dgm:txFillClrLst/>
+    <dgm:txEffectClrLst/>
+  </dgm:styleLbl>
+  <dgm:styleLbl name="fgImgPlace1">
+    <dgm:fillClrLst>
+      <a:schemeClr val="accent2">
+        <a:tint val="50000"/>
+      </a:schemeClr>
+      <a:schemeClr val="accent3">
+        <a:tint val="50000"/>
+      </a:schemeClr>
+    </dgm:fillClrLst>
+    <dgm:linClrLst meth="repeat">
+      <a:schemeClr val="lt1"/>
+    </dgm:linClrLst>
+    <dgm:effectClrLst/>
+    <dgm:txLinClrLst/>
+    <dgm:txFillClrLst meth="repeat">
+      <a:schemeClr val="lt1"/>
+    </dgm:txFillClrLst>
+    <dgm:txEffectClrLst/>
+  </dgm:styleLbl>
+  <dgm:styleLbl name="alignImgPlace1">
+    <dgm:fillClrLst>
+      <a:schemeClr val="accent2">
+        <a:tint val="50000"/>
+      </a:schemeClr>
+      <a:schemeClr val="accent3">
+        <a:tint val="20000"/>
+      </a:schemeClr>
+    </dgm:fillClrLst>
+    <dgm:linClrLst meth="repeat">
+      <a:schemeClr val="lt1"/>
+    </dgm:linClrLst>
+    <dgm:effectClrLst/>
+    <dgm:txLinClrLst/>
+    <dgm:txFillClrLst meth="repeat">
+      <a:schemeClr val="lt1"/>
+    </dgm:txFillClrLst>
+    <dgm:txEffectClrLst/>
+  </dgm:styleLbl>
+  <dgm:styleLbl name="bgImgPlace1">
+    <dgm:fillClrLst>
+      <a:schemeClr val="accent2">
+        <a:tint val="50000"/>
+      </a:schemeClr>
+      <a:schemeClr val="accent3">
+        <a:tint val="20000"/>
+      </a:schemeClr>
+    </dgm:fillClrLst>
+    <dgm:linClrLst meth="repeat">
+      <a:schemeClr val="lt1"/>
+    </dgm:linClrLst>
+    <dgm:effectClrLst/>
+    <dgm:txLinClrLst/>
+    <dgm:txFillClrLst meth="repeat">
+      <a:schemeClr val="lt1"/>
+    </dgm:txFillClrLst>
+    <dgm:txEffectClrLst/>
+  </dgm:styleLbl>
+  <dgm:styleLbl name="sibTrans2D1">
+    <dgm:fillClrLst>
+      <a:schemeClr val="accent2"/>
+      <a:schemeClr val="accent3"/>
+    </dgm:fillClrLst>
+    <dgm:linClrLst meth="repeat">
+      <a:schemeClr val="lt1"/>
+    </dgm:linClrLst>
+    <dgm:effectClrLst/>
+    <dgm:txLinClrLst/>
+    <dgm:txFillClrLst/>
+    <dgm:txEffectClrLst/>
+  </dgm:styleLbl>
+  <dgm:styleLbl name="fgSibTrans2D1">
+    <dgm:fillClrLst>
+      <a:schemeClr val="accent2"/>
+      <a:schemeClr val="accent3"/>
+    </dgm:fillClrLst>
+    <dgm:linClrLst meth="repeat">
+      <a:schemeClr val="lt1"/>
+    </dgm:linClrLst>
+    <dgm:effectClrLst/>
+    <dgm:txLinClrLst/>
+    <dgm:txFillClrLst meth="repeat">
+      <a:schemeClr val="lt1"/>
+    </dgm:txFillClrLst>
+    <dgm:txEffectClrLst/>
+  </dgm:styleLbl>
+  <dgm:styleLbl name="bgSibTrans2D1">
+    <dgm:fillClrLst>
+      <a:schemeClr val="accent2"/>
+      <a:schemeClr val="accent3"/>
+    </dgm:fillClrLst>
+    <dgm:linClrLst meth="repeat">
+      <a:schemeClr val="lt1"/>
+    </dgm:linClrLst>
+    <dgm:effectClrLst/>
+    <dgm:txLinClrLst/>
+    <dgm:txFillClrLst meth="repeat">
+      <a:schemeClr val="lt1"/>
+    </dgm:txFillClrLst>
+    <dgm:txEffectClrLst/>
+  </dgm:styleLbl>
+  <dgm:styleLbl name="sibTrans1D1">
+    <dgm:fillClrLst/>
+    <dgm:linClrLst>
+      <a:schemeClr val="accent2"/>
+      <a:schemeClr val="accent3"/>
+    </dgm:linClrLst>
+    <dgm:effectClrLst/>
+    <dgm:txLinClrLst/>
+    <dgm:txFillClrLst meth="repeat">
+      <a:schemeClr val="tx1"/>
+    </dgm:txFillClrLst>
+    <dgm:txEffectClrLst/>
+  </dgm:styleLbl>
+  <dgm:styleLbl name="callout">
+    <dgm:fillClrLst meth="repeat">
+      <a:schemeClr val="accent2"/>
+    </dgm:fillClrLst>
+    <dgm:linClrLst meth="repeat">
+      <a:schemeClr val="accent2">
+        <a:tint val="50000"/>
+      </a:schemeClr>
+    </dgm:linClrLst>
+    <dgm:effectClrLst/>
+    <dgm:txLinClrLst/>
+    <dgm:txFillClrLst meth="repeat">
+      <a:schemeClr val="tx1"/>
+    </dgm:txFillClrLst>
+    <dgm:txEffectClrLst/>
+  </dgm:styleLbl>
+  <dgm:styleLbl name="asst0">
+    <dgm:fillClrLst meth="repeat">
+      <a:schemeClr val="accent2"/>
+    </dgm:fillClrLst>
+    <dgm:linClrLst meth="repeat">
+      <a:schemeClr val="lt1">
+        <a:shade val="80000"/>
+      </a:schemeClr>
+    </dgm:linClrLst>
+    <dgm:effectClrLst/>
+    <dgm:txLinClrLst/>
+    <dgm:txFillClrLst/>
+    <dgm:txEffectClrLst/>
+  </dgm:styleLbl>
+  <dgm:styleLbl name="asst1">
+    <dgm:fillClrLst meth="repeat">
+      <a:schemeClr val="accent3"/>
+    </dgm:fillClrLst>
+    <dgm:linClrLst meth="repeat">
+      <a:schemeClr val="lt1">
+        <a:shade val="80000"/>
+      </a:schemeClr>
+    </dgm:linClrLst>
+    <dgm:effectClrLst/>
+    <dgm:txLinClrLst/>
+    <dgm:txFillClrLst/>
+    <dgm:txEffectClrLst/>
+  </dgm:styleLbl>
+  <dgm:styleLbl name="asst2">
+    <dgm:fillClrLst>
+      <a:schemeClr val="accent4"/>
+    </dgm:fillClrLst>
+    <dgm:linClrLst meth="repeat">
+      <a:schemeClr val="lt1"/>
+    </dgm:linClrLst>
+    <dgm:effectClrLst/>
+    <dgm:txLinClrLst/>
+    <dgm:txFillClrLst/>
+    <dgm:txEffectClrLst/>
+  </dgm:styleLbl>
+  <dgm:styleLbl name="asst3">
+    <dgm:fillClrLst>
+      <a:schemeClr val="accent5"/>
+    </dgm:fillClrLst>
+    <dgm:linClrLst meth="repeat">
+      <a:schemeClr val="lt1"/>
+    </dgm:linClrLst>
+    <dgm:effectClrLst/>
+    <dgm:txLinClrLst/>
+    <dgm:txFillClrLst/>
+    <dgm:txEffectClrLst/>
+  </dgm:styleLbl>
+  <dgm:styleLbl name="asst4">
+    <dgm:fillClrLst>
+      <a:schemeClr val="accent6"/>
+    </dgm:fillClrLst>
+    <dgm:linClrLst meth="repeat">
+      <a:schemeClr val="lt1"/>
+    </dgm:linClrLst>
+    <dgm:effectClrLst/>
+    <dgm:txLinClrLst/>
+    <dgm:txFillClrLst/>
+    <dgm:txEffectClrLst/>
+  </dgm:styleLbl>
+  <dgm:styleLbl name="parChTrans2D1">
+    <dgm:fillClrLst meth="repeat">
+      <a:schemeClr val="accent2"/>
+    </dgm:fillClrLst>
+    <dgm:linClrLst meth="repeat">
+      <a:schemeClr val="lt1"/>
+    </dgm:linClrLst>
+    <dgm:effectClrLst/>
+    <dgm:txLinClrLst/>
+    <dgm:txFillClrLst meth="repeat">
+      <a:schemeClr val="lt1"/>
+    </dgm:txFillClrLst>
+    <dgm:txEffectClrLst/>
+  </dgm:styleLbl>
+  <dgm:styleLbl name="parChTrans2D2">
+    <dgm:fillClrLst meth="repeat">
+      <a:schemeClr val="accent3"/>
+    </dgm:fillClrLst>
+    <dgm:linClrLst meth="repeat">
+      <a:schemeClr val="lt1"/>
+    </dgm:linClrLst>
+    <dgm:effectClrLst/>
+    <dgm:txLinClrLst/>
+    <dgm:txFillClrLst/>
+    <dgm:txEffectClrLst/>
+  </dgm:styleLbl>
+  <dgm:styleLbl name="parChTrans2D3">
+    <dgm:fillClrLst meth="repeat">
+      <a:schemeClr val="accent4"/>
+    </dgm:fillClrLst>
+    <dgm:linClrLst meth="repeat">
+      <a:schemeClr val="lt1"/>
+    </dgm:linClrLst>
+    <dgm:effectClrLst/>
+    <dgm:txLinClrLst/>
+    <dgm:txFillClrLst/>
+    <dgm:txEffectClrLst/>
+  </dgm:styleLbl>
+  <dgm:styleLbl name="parChTrans2D4">
+    <dgm:fillClrLst meth="repeat">
+      <a:schemeClr val="accent5"/>
+    </dgm:fillClrLst>
+    <dgm:linClrLst meth="repeat">
+      <a:schemeClr val="lt1"/>
+    </dgm:linClrLst>
+    <dgm:effectClrLst/>
+    <dgm:txLinClrLst/>
+    <dgm:txFillClrLst meth="repeat">
+      <a:schemeClr val="lt1"/>
+    </dgm:txFillClrLst>
+    <dgm:txEffectClrLst/>
+  </dgm:styleLbl>
+  <dgm:styleLbl name="parChTrans1D1">
+    <dgm:fillClrLst meth="repeat">
+      <a:schemeClr val="accent2"/>
+    </dgm:fillClrLst>
+    <dgm:linClrLst meth="repeat">
+      <a:schemeClr val="accent2"/>
+    </dgm:linClrLst>
+    <dgm:effectClrLst/>
+    <dgm:txLinClrLst/>
+    <dgm:txFillClrLst meth="repeat">
+      <a:schemeClr val="tx1"/>
+    </dgm:txFillClrLst>
+    <dgm:txEffectClrLst/>
+  </dgm:styleLbl>
+  <dgm:styleLbl name="parChTrans1D2">
+    <dgm:fillClrLst meth="repeat">
+      <a:schemeClr val="accent2">
+        <a:tint val="90000"/>
+      </a:schemeClr>
+    </dgm:fillClrLst>
+    <dgm:linClrLst meth="repeat">
+      <a:schemeClr val="accent3"/>
+    </dgm:linClrLst>
+    <dgm:effectClrLst/>
+    <dgm:txLinClrLst/>
+    <dgm:txFillClrLst meth="repeat">
+      <a:schemeClr val="tx1"/>
+    </dgm:txFillClrLst>
+    <dgm:txEffectClrLst/>
+  </dgm:styleLbl>
+  <dgm:styleLbl name="parChTrans1D3">
+    <dgm:fillClrLst meth="repeat">
+      <a:schemeClr val="accent2">
+        <a:tint val="70000"/>
+      </a:schemeClr>
+    </dgm:fillClrLst>
+    <dgm:linClrLst meth="repeat">
+      <a:schemeClr val="accent4"/>
+    </dgm:linClrLst>
+    <dgm:effectClrLst/>
+    <dgm:txLinClrLst/>
+    <dgm:txFillClrLst meth="repeat">
+      <a:schemeClr val="tx1"/>
+    </dgm:txFillClrLst>
+    <dgm:txEffectClrLst/>
+  </dgm:styleLbl>
+  <dgm:styleLbl name="parChTrans1D4">
+    <dgm:fillClrLst meth="repeat">
+      <a:schemeClr val="accent2">
+        <a:tint val="50000"/>
+      </a:schemeClr>
+    </dgm:fillClrLst>
+    <dgm:linClrLst meth="repeat">
+      <a:schemeClr val="accent5"/>
+    </dgm:linClrLst>
+    <dgm:effectClrLst/>
+    <dgm:txLinClrLst/>
+    <dgm:txFillClrLst meth="repeat">
+      <a:schemeClr val="tx1"/>
+    </dgm:txFillClrLst>
+    <dgm:txEffectClrLst/>
+  </dgm:styleLbl>
+  <dgm:styleLbl name="fgAcc1">
+    <dgm:fillClrLst meth="repeat">
+      <a:schemeClr val="lt1">
+        <a:alpha val="90000"/>
+      </a:schemeClr>
+    </dgm:fillClrLst>
+    <dgm:linClrLst>
+      <a:schemeClr val="accent2"/>
+      <a:schemeClr val="accent3"/>
+    </dgm:linClrLst>
+    <dgm:effectClrLst/>
+    <dgm:txLinClrLst/>
+    <dgm:txFillClrLst meth="repeat">
+      <a:schemeClr val="dk1"/>
+    </dgm:txFillClrLst>
+    <dgm:txEffectClrLst/>
+  </dgm:styleLbl>
+  <dgm:styleLbl name="conFgAcc1">
+    <dgm:fillClrLst meth="repeat">
+      <a:schemeClr val="lt1">
+        <a:alpha val="90000"/>
+      </a:schemeClr>
+    </dgm:fillClrLst>
+    <dgm:linClrLst>
+      <a:schemeClr val="accent2"/>
+      <a:schemeClr val="accent3"/>
+    </dgm:linClrLst>
+    <dgm:effectClrLst/>
+    <dgm:txLinClrLst/>
+    <dgm:txFillClrLst meth="repeat">
+      <a:schemeClr val="dk1"/>
+    </dgm:txFillClrLst>
+    <dgm:txEffectClrLst/>
+  </dgm:styleLbl>
+  <dgm:styleLbl name="alignAcc1">
+    <dgm:fillClrLst meth="repeat">
+      <a:schemeClr val="lt1">
+        <a:alpha val="90000"/>
+      </a:schemeClr>
+    </dgm:fillClrLst>
+    <dgm:linClrLst>
+      <a:schemeClr val="accent2"/>
+      <a:schemeClr val="accent3"/>
+    </dgm:linClrLst>
+    <dgm:effectClrLst/>
+    <dgm:txLinClrLst/>
+    <dgm:txFillClrLst meth="repeat">
+      <a:schemeClr val="dk1"/>
+    </dgm:txFillClrLst>
+    <dgm:txEffectClrLst/>
+  </dgm:styleLbl>
+  <dgm:styleLbl name="trAlignAcc1">
+    <dgm:fillClrLst meth="repeat">
+      <a:schemeClr val="lt1">
+        <a:alpha val="40000"/>
+      </a:schemeClr>
+    </dgm:fillClrLst>
+    <dgm:linClrLst meth="repeat">
+      <a:schemeClr val="accent2"/>
+    </dgm:linClrLst>
+    <dgm:effectClrLst/>
+    <dgm:txLinClrLst/>
+    <dgm:txFillClrLst meth="repeat">
+      <a:schemeClr val="dk1"/>
+    </dgm:txFillClrLst>
+    <dgm:txEffectClrLst/>
+  </dgm:styleLbl>
+  <dgm:styleLbl name="bgAcc1">
+    <dgm:fillClrLst meth="repeat">
+      <a:schemeClr val="lt1">
+        <a:alpha val="90000"/>
+      </a:schemeClr>
+    </dgm:fillClrLst>
+    <dgm:linClrLst>
+      <a:schemeClr val="accent2"/>
+      <a:schemeClr val="accent3"/>
+    </dgm:linClrLst>
+    <dgm:effectClrLst/>
+    <dgm:txLinClrLst/>
+    <dgm:txFillClrLst meth="repeat">
+      <a:schemeClr val="dk1"/>
+    </dgm:txFillClrLst>
+    <dgm:txEffectClrLst/>
+  </dgm:styleLbl>
+  <dgm:styleLbl name="solidFgAcc1">
+    <dgm:fillClrLst meth="repeat">
+      <a:schemeClr val="lt1"/>
+    </dgm:fillClrLst>
+    <dgm:linClrLst>
+      <a:schemeClr val="accent2"/>
+      <a:schemeClr val="accent3"/>
+    </dgm:linClrLst>
+    <dgm:effectClrLst/>
+    <dgm:txLinClrLst/>
+    <dgm:txFillClrLst meth="repeat">
+      <a:schemeClr val="dk1"/>
+    </dgm:txFillClrLst>
+    <dgm:txEffectClrLst/>
+  </dgm:styleLbl>
+  <dgm:styleLbl name="solidAlignAcc1">
+    <dgm:fillClrLst meth="repeat">
+      <a:schemeClr val="lt1"/>
+    </dgm:fillClrLst>
+    <dgm:linClrLst>
+      <a:schemeClr val="accent2"/>
+      <a:schemeClr val="accent3"/>
+    </dgm:linClrLst>
+    <dgm:effectClrLst/>
+    <dgm:txLinClrLst/>
+    <dgm:txFillClrLst meth="repeat">
+      <a:schemeClr val="dk1"/>
+    </dgm:txFillClrLst>
+    <dgm:txEffectClrLst/>
+  </dgm:styleLbl>
+  <dgm:styleLbl name="solidBgAcc1">
+    <dgm:fillClrLst meth="repeat">
+      <a:schemeClr val="lt1"/>
+    </dgm:fillClrLst>
+    <dgm:linClrLst>
+      <a:schemeClr val="accent2"/>
+      <a:schemeClr val="accent3"/>
+    </dgm:linClrLst>
+    <dgm:effectClrLst/>
+    <dgm:txLinClrLst/>
+    <dgm:txFillClrLst meth="repeat">
+      <a:schemeClr val="dk1"/>
+    </dgm:txFillClrLst>
+    <dgm:txEffectClrLst/>
+  </dgm:styleLbl>
+  <dgm:styleLbl name="fgAccFollowNode1">
+    <dgm:fillClrLst>
+      <a:schemeClr val="accent2">
+        <a:tint val="40000"/>
+        <a:alpha val="90000"/>
+      </a:schemeClr>
+      <a:schemeClr val="accent3">
+        <a:tint val="40000"/>
+        <a:alpha val="90000"/>
+      </a:schemeClr>
+    </dgm:fillClrLst>
+    <dgm:linClrLst>
+      <a:schemeClr val="accent2">
+        <a:tint val="40000"/>
+        <a:alpha val="90000"/>
+      </a:schemeClr>
+      <a:schemeClr val="accent3">
+        <a:tint val="40000"/>
+        <a:alpha val="90000"/>
+      </a:schemeClr>
+    </dgm:linClrLst>
+    <dgm:effectClrLst/>
+    <dgm:txLinClrLst/>
+    <dgm:txFillClrLst meth="repeat">
+      <a:schemeClr val="dk1"/>
+    </dgm:txFillClrLst>
+    <dgm:txEffectClrLst/>
+  </dgm:styleLbl>
+  <dgm:styleLbl name="alignAccFollowNode1">
+    <dgm:fillClrLst>
+      <a:schemeClr val="accent2">
+        <a:tint val="40000"/>
+        <a:alpha val="90000"/>
+      </a:schemeClr>
+      <a:schemeClr val="accent3">
+        <a:tint val="40000"/>
+        <a:alpha val="90000"/>
+      </a:schemeClr>
+    </dgm:fillClrLst>
+    <dgm:linClrLst>
+      <a:schemeClr val="accent2">
+        <a:tint val="40000"/>
+        <a:alpha val="90000"/>
+      </a:schemeClr>
+      <a:schemeClr val="accent3">
+        <a:tint val="40000"/>
+        <a:alpha val="90000"/>
+      </a:schemeClr>
+    </dgm:linClrLst>
+    <dgm:effectClrLst/>
+    <dgm:txLinClrLst/>
+    <dgm:txFillClrLst meth="repeat">
+      <a:schemeClr val="dk1"/>
+    </dgm:txFillClrLst>
+    <dgm:txEffectClrLst/>
+  </dgm:styleLbl>
+  <dgm:styleLbl name="bgAccFollowNode1">
+    <dgm:fillClrLst>
+      <a:schemeClr val="accent2">
+        <a:tint val="40000"/>
+        <a:alpha val="90000"/>
+      </a:schemeClr>
+      <a:schemeClr val="accent3">
+        <a:tint val="40000"/>
+        <a:alpha val="90000"/>
+      </a:schemeClr>
+    </dgm:fillClrLst>
+    <dgm:linClrLst>
+      <a:schemeClr val="accent2">
+        <a:tint val="40000"/>
+        <a:alpha val="90000"/>
+      </a:schemeClr>
+      <a:schemeClr val="accent3">
+        <a:tint val="40000"/>
+        <a:alpha val="90000"/>
+      </a:schemeClr>
+    </dgm:linClrLst>
+    <dgm:effectClrLst/>
+    <dgm:txLinClrLst/>
+    <dgm:txFillClrLst meth="repeat">
+      <a:schemeClr val="dk1"/>
+    </dgm:txFillClrLst>
+    <dgm:txEffectClrLst/>
+  </dgm:styleLbl>
+  <dgm:styleLbl name="fgAcc0">
+    <dgm:fillClrLst meth="repeat">
+      <a:schemeClr val="lt1">
+        <a:alpha val="90000"/>
+      </a:schemeClr>
+    </dgm:fillClrLst>
+    <dgm:linClrLst>
+      <a:schemeClr val="accent1"/>
+    </dgm:linClrLst>
+    <dgm:effectClrLst/>
+    <dgm:txLinClrLst/>
+    <dgm:txFillClrLst meth="repeat">
+      <a:schemeClr val="dk1"/>
+    </dgm:txFillClrLst>
+    <dgm:txEffectClrLst/>
+  </dgm:styleLbl>
+  <dgm:styleLbl name="fgAcc2">
+    <dgm:fillClrLst meth="repeat">
+      <a:schemeClr val="lt1">
+        <a:alpha val="90000"/>
+      </a:schemeClr>
+    </dgm:fillClrLst>
+    <dgm:linClrLst>
+      <a:schemeClr val="accent3"/>
+    </dgm:linClrLst>
+    <dgm:effectClrLst/>
+    <dgm:txLinClrLst/>
+    <dgm:txFillClrLst meth="repeat">
+      <a:schemeClr val="dk1"/>
+    </dgm:txFillClrLst>
+    <dgm:txEffectClrLst/>
+  </dgm:styleLbl>
+  <dgm:styleLbl name="fgAcc3">
+    <dgm:fillClrLst meth="repeat">
+      <a:schemeClr val="lt1">
+        <a:alpha val="90000"/>
+      </a:schemeClr>
+    </dgm:fillClrLst>
+    <dgm:linClrLst>
+      <a:schemeClr val="accent4"/>
+    </dgm:linClrLst>
+    <dgm:effectClrLst/>
+    <dgm:txLinClrLst/>
+    <dgm:txFillClrLst meth="repeat">
+      <a:schemeClr val="dk1"/>
+    </dgm:txFillClrLst>
+    <dgm:txEffectClrLst/>
+  </dgm:styleLbl>
+  <dgm:styleLbl name="fgAcc4">
+    <dgm:fillClrLst meth="repeat">
+      <a:schemeClr val="lt1">
+        <a:alpha val="90000"/>
+      </a:schemeClr>
+    </dgm:fillClrLst>
+    <dgm:linClrLst>
+      <a:schemeClr val="accent5"/>
+    </dgm:linClrLst>
+    <dgm:effectClrLst/>
+    <dgm:txLinClrLst/>
+    <dgm:txFillClrLst meth="repeat">
+      <a:schemeClr val="dk1"/>
+    </dgm:txFillClrLst>
+    <dgm:txEffectClrLst/>
+  </dgm:styleLbl>
+  <dgm:styleLbl name="bgShp">
+    <dgm:fillClrLst meth="repeat">
+      <a:schemeClr val="accent2">
+        <a:tint val="40000"/>
+      </a:schemeClr>
+    </dgm:fillClrLst>
+    <dgm:linClrLst meth="repeat">
+      <a:schemeClr val="dk1"/>
+    </dgm:linClrLst>
+    <dgm:effectClrLst/>
+    <dgm:txLinClrLst/>
+    <dgm:txFillClrLst meth="repeat">
+      <a:schemeClr val="dk1"/>
+    </dgm:txFillClrLst>
+    <dgm:txEffectClrLst/>
+  </dgm:styleLbl>
+  <dgm:styleLbl name="dkBgShp">
+    <dgm:fillClrLst meth="repeat">
+      <a:schemeClr val="accent2">
+        <a:shade val="90000"/>
+      </a:schemeClr>
+    </dgm:fillClrLst>
+    <dgm:linClrLst meth="repeat">
+      <a:schemeClr val="dk1"/>
+    </dgm:linClrLst>
+    <dgm:effectClrLst/>
+    <dgm:txLinClrLst/>
+    <dgm:txFillClrLst meth="repeat">
+      <a:schemeClr val="lt1"/>
+    </dgm:txFillClrLst>
+    <dgm:txEffectClrLst/>
+  </dgm:styleLbl>
+  <dgm:styleLbl name="trBgShp">
+    <dgm:fillClrLst meth="repeat">
+      <a:schemeClr val="accent2">
+        <a:tint val="50000"/>
+        <a:alpha val="40000"/>
+      </a:schemeClr>
+    </dgm:fillClrLst>
+    <dgm:linClrLst meth="repeat">
+      <a:schemeClr val="accent2"/>
+    </dgm:linClrLst>
+    <dgm:effectClrLst/>
+    <dgm:txLinClrLst/>
+    <dgm:txFillClrLst meth="repeat">
+      <a:schemeClr val="lt1"/>
+    </dgm:txFillClrLst>
+    <dgm:txEffectClrLst/>
+  </dgm:styleLbl>
+  <dgm:styleLbl name="fgShp">
+    <dgm:fillClrLst meth="repeat">
+      <a:schemeClr val="accent2">
+        <a:tint val="40000"/>
+      </a:schemeClr>
+    </dgm:fillClrLst>
+    <dgm:linClrLst meth="repeat">
+      <a:schemeClr val="lt1"/>
+    </dgm:linClrLst>
+    <dgm:effectClrLst/>
+    <dgm:txLinClrLst/>
+    <dgm:txFillClrLst meth="repeat">
+      <a:schemeClr val="dk1"/>
+    </dgm:txFillClrLst>
+    <dgm:txEffectClrLst/>
+  </dgm:styleLbl>
+  <dgm:styleLbl name="revTx">
+    <dgm:fillClrLst meth="repeat">
+      <a:schemeClr val="lt1">
+        <a:alpha val="0"/>
+      </a:schemeClr>
+    </dgm:fillClrLst>
+    <dgm:linClrLst meth="repeat">
+      <a:schemeClr val="dk1">
+        <a:alpha val="0"/>
+      </a:schemeClr>
+    </dgm:linClrLst>
+    <dgm:effectClrLst/>
+    <dgm:txLinClrLst/>
+    <dgm:txFillClrLst meth="repeat">
+      <a:schemeClr val="tx1"/>
+    </dgm:txFillClrLst>
+    <dgm:txEffectClrLst/>
+  </dgm:styleLbl>
+</dgm:colorsDef>
+</file>
+
+<file path=ppt/diagrams/colors2.xml><?xml version="1.0" encoding="utf-8"?>
 <dgm:colorsDef xmlns:dgm="http://schemas.openxmlformats.org/drawingml/2006/diagram" xmlns:a="http://schemas.openxmlformats.org/drawingml/2006/main" uniqueId="urn:microsoft.com/office/officeart/2005/8/colors/colorful2">
   <dgm:title val=""/>
   <dgm:desc val=""/>
@@ -1012,7 +1798,7 @@
         <a:lstStyle/>
         <a:p>
           <a:r>
-            <a:rPr lang="en-US"/>
+            <a:rPr lang="en-US" dirty="0"/>
             <a:t>Skip</a:t>
           </a:r>
         </a:p>
@@ -1049,7 +1835,7 @@
         <a:p>
           <a:r>
             <a:rPr lang="en-US" dirty="0"/>
-            <a:t>List of dish (home page for all users)</a:t>
+            <a:t>List of dish (home page)</a:t>
           </a:r>
         </a:p>
       </dgm:t>
@@ -1084,8 +1870,8 @@
         <a:lstStyle/>
         <a:p>
           <a:r>
-            <a:rPr lang="en-US"/>
-            <a:t>Profile page </a:t>
+            <a:rPr lang="en-US" dirty="0"/>
+            <a:t>Profile page (name and bio)</a:t>
           </a:r>
         </a:p>
       </dgm:t>
@@ -1364,13 +2150,22 @@
         </a:p>
       </dgm:t>
     </dgm:pt>
-    <dgm:pt modelId="{74DC694E-3D09-4A3E-AA06-0F436465B8DD}" type="pres">
-      <dgm:prSet presAssocID="{05737378-F74C-4E24-9EC2-0D2BB5758FB1}" presName="diagram" presStyleCnt="0">
-        <dgm:presLayoutVars>
-          <dgm:dir/>
-          <dgm:resizeHandles val="exact"/>
-        </dgm:presLayoutVars>
-      </dgm:prSet>
+    <dgm:pt modelId="{CEFBEC40-31D5-4F80-AE5D-15FBAFBBF5A0}">
+      <dgm:prSet/>
+      <dgm:spPr/>
+      <dgm:t>
+        <a:bodyPr/>
+        <a:lstStyle/>
+        <a:p>
+          <a:r>
+            <a:rPr lang="en-US" dirty="0"/>
+            <a:t>Forget password </a:t>
+          </a:r>
+        </a:p>
+      </dgm:t>
+    </dgm:pt>
+    <dgm:pt modelId="{A6FD00DA-84F5-43A5-86EF-A56BA0FE0F7A}" type="parTrans" cxnId="{E27AA84A-57F7-455D-8EB7-8F81DA5260AE}">
+      <dgm:prSet/>
       <dgm:spPr/>
       <dgm:t>
         <a:bodyPr/>
@@ -1380,12 +2175,8 @@
         </a:p>
       </dgm:t>
     </dgm:pt>
-    <dgm:pt modelId="{2CAB0F38-E292-4E90-B35F-6EB8A903C9CB}" type="pres">
-      <dgm:prSet presAssocID="{CA08021B-585B-46E7-BA1F-5420E56DFF26}" presName="node" presStyleLbl="node1" presStyleIdx="0" presStyleCnt="12">
-        <dgm:presLayoutVars>
-          <dgm:bulletEnabled val="1"/>
-        </dgm:presLayoutVars>
-      </dgm:prSet>
+    <dgm:pt modelId="{7AEDD36E-0B87-4FC4-91FC-30E8D827C823}" type="sibTrans" cxnId="{E27AA84A-57F7-455D-8EB7-8F81DA5260AE}">
+      <dgm:prSet/>
       <dgm:spPr/>
       <dgm:t>
         <a:bodyPr/>
@@ -1395,16 +2186,237 @@
         </a:p>
       </dgm:t>
     </dgm:pt>
+    <dgm:pt modelId="{74DC694E-3D09-4A3E-AA06-0F436465B8DD}" type="pres">
+      <dgm:prSet presAssocID="{05737378-F74C-4E24-9EC2-0D2BB5758FB1}" presName="diagram" presStyleCnt="0">
+        <dgm:presLayoutVars>
+          <dgm:dir/>
+          <dgm:resizeHandles val="exact"/>
+        </dgm:presLayoutVars>
+      </dgm:prSet>
+      <dgm:spPr/>
+    </dgm:pt>
+    <dgm:pt modelId="{2CAB0F38-E292-4E90-B35F-6EB8A903C9CB}" type="pres">
+      <dgm:prSet presAssocID="{CA08021B-585B-46E7-BA1F-5420E56DFF26}" presName="node" presStyleLbl="node1" presStyleIdx="0" presStyleCnt="13">
+        <dgm:presLayoutVars>
+          <dgm:bulletEnabled val="1"/>
+        </dgm:presLayoutVars>
+      </dgm:prSet>
+      <dgm:spPr/>
+    </dgm:pt>
     <dgm:pt modelId="{63441EE2-73B0-4816-B767-6FDF68D8E957}" type="pres">
       <dgm:prSet presAssocID="{3AE963F2-851B-4C54-8100-1077DEBC4009}" presName="sibTrans" presStyleCnt="0"/>
       <dgm:spPr/>
     </dgm:pt>
     <dgm:pt modelId="{35CD2B37-F779-4962-82A3-DEC6CC6C87F5}" type="pres">
-      <dgm:prSet presAssocID="{DF64254A-9EBD-4EFC-9802-521BFBFB7109}" presName="node" presStyleLbl="node1" presStyleIdx="1" presStyleCnt="12">
+      <dgm:prSet presAssocID="{DF64254A-9EBD-4EFC-9802-521BFBFB7109}" presName="node" presStyleLbl="node1" presStyleIdx="1" presStyleCnt="13">
         <dgm:presLayoutVars>
           <dgm:bulletEnabled val="1"/>
         </dgm:presLayoutVars>
       </dgm:prSet>
+      <dgm:spPr/>
+    </dgm:pt>
+    <dgm:pt modelId="{875024A1-D88A-450E-9C62-4A6E444B67E8}" type="pres">
+      <dgm:prSet presAssocID="{E3181219-D854-4321-94E5-2C4540E74E9F}" presName="sibTrans" presStyleCnt="0"/>
+      <dgm:spPr/>
+    </dgm:pt>
+    <dgm:pt modelId="{071F557A-7AF5-4245-8C6A-20AC9955B137}" type="pres">
+      <dgm:prSet presAssocID="{93FF2072-4925-412F-B5EF-CEF7128B76E3}" presName="node" presStyleLbl="node1" presStyleIdx="2" presStyleCnt="13">
+        <dgm:presLayoutVars>
+          <dgm:bulletEnabled val="1"/>
+        </dgm:presLayoutVars>
+      </dgm:prSet>
+      <dgm:spPr/>
+    </dgm:pt>
+    <dgm:pt modelId="{72DA49D2-15E3-4818-A7F5-8D609BB2B4EE}" type="pres">
+      <dgm:prSet presAssocID="{A20F0525-71D9-473D-9413-0B9A01E37F5E}" presName="sibTrans" presStyleCnt="0"/>
+      <dgm:spPr/>
+    </dgm:pt>
+    <dgm:pt modelId="{D8CA33B2-CD12-4D9B-B73D-AEBEFF4856CD}" type="pres">
+      <dgm:prSet presAssocID="{CEFBEC40-31D5-4F80-AE5D-15FBAFBBF5A0}" presName="node" presStyleLbl="node1" presStyleIdx="3" presStyleCnt="13">
+        <dgm:presLayoutVars>
+          <dgm:bulletEnabled val="1"/>
+        </dgm:presLayoutVars>
+      </dgm:prSet>
+      <dgm:spPr/>
+    </dgm:pt>
+    <dgm:pt modelId="{08A1EADD-141B-4BDE-92D5-1C422EF0A383}" type="pres">
+      <dgm:prSet presAssocID="{7AEDD36E-0B87-4FC4-91FC-30E8D827C823}" presName="sibTrans" presStyleCnt="0"/>
+      <dgm:spPr/>
+    </dgm:pt>
+    <dgm:pt modelId="{556F3AFB-5CAC-40F2-BD2F-7BCE935EBF20}" type="pres">
+      <dgm:prSet presAssocID="{EC304DEE-ECC8-4115-AC0C-7FAE380EE5DC}" presName="node" presStyleLbl="node1" presStyleIdx="4" presStyleCnt="13">
+        <dgm:presLayoutVars>
+          <dgm:bulletEnabled val="1"/>
+        </dgm:presLayoutVars>
+      </dgm:prSet>
+      <dgm:spPr/>
+    </dgm:pt>
+    <dgm:pt modelId="{8E181051-9221-4B36-8761-DBFE5D1CC42D}" type="pres">
+      <dgm:prSet presAssocID="{76D59B59-E733-4A24-B6FD-96DD6E6B0254}" presName="sibTrans" presStyleCnt="0"/>
+      <dgm:spPr/>
+    </dgm:pt>
+    <dgm:pt modelId="{46E7CDFA-621F-40A9-A72F-13159B4965BE}" type="pres">
+      <dgm:prSet presAssocID="{EAB44E80-EB98-4FB7-B58D-9054D1F44343}" presName="node" presStyleLbl="node1" presStyleIdx="5" presStyleCnt="13">
+        <dgm:presLayoutVars>
+          <dgm:bulletEnabled val="1"/>
+        </dgm:presLayoutVars>
+      </dgm:prSet>
+      <dgm:spPr/>
+    </dgm:pt>
+    <dgm:pt modelId="{9309253B-4A3F-413D-A3B8-AE6FBE19481F}" type="pres">
+      <dgm:prSet presAssocID="{E6FECD94-72AC-4865-AC62-6FCC3C529198}" presName="sibTrans" presStyleCnt="0"/>
+      <dgm:spPr/>
+    </dgm:pt>
+    <dgm:pt modelId="{87505D9B-FB99-4C9F-A1CB-5FFBDDBFE589}" type="pres">
+      <dgm:prSet presAssocID="{833137B7-273E-4CB6-8381-2C2F2ACF41A9}" presName="node" presStyleLbl="node1" presStyleIdx="6" presStyleCnt="13">
+        <dgm:presLayoutVars>
+          <dgm:bulletEnabled val="1"/>
+        </dgm:presLayoutVars>
+      </dgm:prSet>
+      <dgm:spPr/>
+    </dgm:pt>
+    <dgm:pt modelId="{5F06CE04-DBE2-493A-A3A7-CB2280886FCD}" type="pres">
+      <dgm:prSet presAssocID="{2CB78FF2-AAAD-4541-81AE-E58D28D208BA}" presName="sibTrans" presStyleCnt="0"/>
+      <dgm:spPr/>
+    </dgm:pt>
+    <dgm:pt modelId="{E875863E-5C66-47F5-9A02-8D09F1459740}" type="pres">
+      <dgm:prSet presAssocID="{BE9C5062-E235-4175-A274-94C994B2BBD2}" presName="node" presStyleLbl="node1" presStyleIdx="7" presStyleCnt="13">
+        <dgm:presLayoutVars>
+          <dgm:bulletEnabled val="1"/>
+        </dgm:presLayoutVars>
+      </dgm:prSet>
+      <dgm:spPr/>
+    </dgm:pt>
+    <dgm:pt modelId="{F7EBA5FE-26AB-4BDB-8624-082CEDA7776B}" type="pres">
+      <dgm:prSet presAssocID="{10BB8CC6-3A31-48FF-BCD5-DC47BE72146B}" presName="sibTrans" presStyleCnt="0"/>
+      <dgm:spPr/>
+    </dgm:pt>
+    <dgm:pt modelId="{7843059E-BCF7-45F4-B578-65601AC84C15}" type="pres">
+      <dgm:prSet presAssocID="{05E9AB3C-DFD6-4864-A678-A90FD79237AF}" presName="node" presStyleLbl="node1" presStyleIdx="8" presStyleCnt="13">
+        <dgm:presLayoutVars>
+          <dgm:bulletEnabled val="1"/>
+        </dgm:presLayoutVars>
+      </dgm:prSet>
+      <dgm:spPr/>
+    </dgm:pt>
+    <dgm:pt modelId="{A10E726B-60BC-477B-9D04-197AC48C9DC4}" type="pres">
+      <dgm:prSet presAssocID="{72912596-1194-4126-8E06-3BCF376FB764}" presName="sibTrans" presStyleCnt="0"/>
+      <dgm:spPr/>
+    </dgm:pt>
+    <dgm:pt modelId="{71D7D387-6645-4FFF-8203-40963EE90B98}" type="pres">
+      <dgm:prSet presAssocID="{0DEABE5C-1100-4841-AE6B-8418162BA37F}" presName="node" presStyleLbl="node1" presStyleIdx="9" presStyleCnt="13">
+        <dgm:presLayoutVars>
+          <dgm:bulletEnabled val="1"/>
+        </dgm:presLayoutVars>
+      </dgm:prSet>
+      <dgm:spPr/>
+    </dgm:pt>
+    <dgm:pt modelId="{DA6AA187-C63B-4EBE-80F4-5E2F8ADE9C54}" type="pres">
+      <dgm:prSet presAssocID="{9D4190AC-B3D2-43C6-A8A9-231E6F4741D7}" presName="sibTrans" presStyleCnt="0"/>
+      <dgm:spPr/>
+    </dgm:pt>
+    <dgm:pt modelId="{C0939774-B50A-4E11-AC98-9F1BF4E8D7B3}" type="pres">
+      <dgm:prSet presAssocID="{933E1672-E9BF-4F75-81D1-24766C128B0B}" presName="node" presStyleLbl="node1" presStyleIdx="10" presStyleCnt="13">
+        <dgm:presLayoutVars>
+          <dgm:bulletEnabled val="1"/>
+        </dgm:presLayoutVars>
+      </dgm:prSet>
+      <dgm:spPr/>
+    </dgm:pt>
+    <dgm:pt modelId="{41235C63-C841-4B2D-AFF7-A0630920172F}" type="pres">
+      <dgm:prSet presAssocID="{C2CE6673-EAC7-46A9-BE21-723358925710}" presName="sibTrans" presStyleCnt="0"/>
+      <dgm:spPr/>
+    </dgm:pt>
+    <dgm:pt modelId="{887A92B0-3B07-4217-9C68-EB1E87976F03}" type="pres">
+      <dgm:prSet presAssocID="{70AB44C9-9218-4B17-BF8C-395A8A9293A7}" presName="node" presStyleLbl="node1" presStyleIdx="11" presStyleCnt="13">
+        <dgm:presLayoutVars>
+          <dgm:bulletEnabled val="1"/>
+        </dgm:presLayoutVars>
+      </dgm:prSet>
+      <dgm:spPr/>
+    </dgm:pt>
+    <dgm:pt modelId="{70289C8D-5A99-4A82-BA15-5EF95CDE63F5}" type="pres">
+      <dgm:prSet presAssocID="{A8251120-2E7C-46DC-8314-2C7837025E49}" presName="sibTrans" presStyleCnt="0"/>
+      <dgm:spPr/>
+    </dgm:pt>
+    <dgm:pt modelId="{B7D51C12-D406-40C3-B188-97D6C4C03636}" type="pres">
+      <dgm:prSet presAssocID="{85D9D1EC-D603-41AE-A0D5-D40BB7861333}" presName="node" presStyleLbl="node1" presStyleIdx="12" presStyleCnt="13">
+        <dgm:presLayoutVars>
+          <dgm:bulletEnabled val="1"/>
+        </dgm:presLayoutVars>
+      </dgm:prSet>
+      <dgm:spPr/>
+    </dgm:pt>
+  </dgm:ptLst>
+  <dgm:cxnLst>
+    <dgm:cxn modelId="{631E0B0C-32CD-4BA6-B298-C74890F8D470}" srcId="{05737378-F74C-4E24-9EC2-0D2BB5758FB1}" destId="{BE9C5062-E235-4175-A274-94C994B2BBD2}" srcOrd="7" destOrd="0" parTransId="{9AD3C363-D4CB-4F02-80AD-A19E42C0CFA4}" sibTransId="{10BB8CC6-3A31-48FF-BCD5-DC47BE72146B}"/>
+    <dgm:cxn modelId="{12B57F1A-7AAC-4763-B00C-DEFB40CF4EF5}" srcId="{05737378-F74C-4E24-9EC2-0D2BB5758FB1}" destId="{EAB44E80-EB98-4FB7-B58D-9054D1F44343}" srcOrd="5" destOrd="0" parTransId="{1AD31A3F-A9DF-4B29-A02B-660D5D646C0F}" sibTransId="{E6FECD94-72AC-4865-AC62-6FCC3C529198}"/>
+    <dgm:cxn modelId="{BC698B29-8830-4BD6-BBD7-0DA1B1C4A00E}" srcId="{05737378-F74C-4E24-9EC2-0D2BB5758FB1}" destId="{933E1672-E9BF-4F75-81D1-24766C128B0B}" srcOrd="10" destOrd="0" parTransId="{3D6A42A4-8419-4927-B099-DDF810CD127F}" sibTransId="{C2CE6673-EAC7-46A9-BE21-723358925710}"/>
+    <dgm:cxn modelId="{E27AA84A-57F7-455D-8EB7-8F81DA5260AE}" srcId="{05737378-F74C-4E24-9EC2-0D2BB5758FB1}" destId="{CEFBEC40-31D5-4F80-AE5D-15FBAFBBF5A0}" srcOrd="3" destOrd="0" parTransId="{A6FD00DA-84F5-43A5-86EF-A56BA0FE0F7A}" sibTransId="{7AEDD36E-0B87-4FC4-91FC-30E8D827C823}"/>
+    <dgm:cxn modelId="{605E9C4D-8446-4E80-BAC0-C2D3D0AFDFE5}" srcId="{05737378-F74C-4E24-9EC2-0D2BB5758FB1}" destId="{833137B7-273E-4CB6-8381-2C2F2ACF41A9}" srcOrd="6" destOrd="0" parTransId="{C85722CF-114F-4466-82C8-7058DC435DD6}" sibTransId="{2CB78FF2-AAAD-4541-81AE-E58D28D208BA}"/>
+    <dgm:cxn modelId="{14869B52-DF14-4BF7-9DE1-929F097CEF01}" type="presOf" srcId="{93FF2072-4925-412F-B5EF-CEF7128B76E3}" destId="{071F557A-7AF5-4245-8C6A-20AC9955B137}" srcOrd="0" destOrd="0" presId="urn:microsoft.com/office/officeart/2005/8/layout/default"/>
+    <dgm:cxn modelId="{43B85156-CD02-417A-8B98-074ABCAFC629}" srcId="{05737378-F74C-4E24-9EC2-0D2BB5758FB1}" destId="{05E9AB3C-DFD6-4864-A678-A90FD79237AF}" srcOrd="8" destOrd="0" parTransId="{4D10C5E8-8B46-4450-B1CB-CC37690D0044}" sibTransId="{72912596-1194-4126-8E06-3BCF376FB764}"/>
+    <dgm:cxn modelId="{58A1DB5A-EBB6-4C4E-8A19-4709FF509CD9}" srcId="{05737378-F74C-4E24-9EC2-0D2BB5758FB1}" destId="{EC304DEE-ECC8-4115-AC0C-7FAE380EE5DC}" srcOrd="4" destOrd="0" parTransId="{32ED1675-E964-4124-A5F9-87012E54751F}" sibTransId="{76D59B59-E733-4A24-B6FD-96DD6E6B0254}"/>
+    <dgm:cxn modelId="{A44AC37C-A6C0-40FD-848D-F560872F35CB}" srcId="{05737378-F74C-4E24-9EC2-0D2BB5758FB1}" destId="{93FF2072-4925-412F-B5EF-CEF7128B76E3}" srcOrd="2" destOrd="0" parTransId="{788A7467-1AA9-4A64-B7DD-F71092FECF52}" sibTransId="{A20F0525-71D9-473D-9413-0B9A01E37F5E}"/>
+    <dgm:cxn modelId="{5C69498A-C0CF-4B1C-8B83-AB4936C606E8}" srcId="{05737378-F74C-4E24-9EC2-0D2BB5758FB1}" destId="{CA08021B-585B-46E7-BA1F-5420E56DFF26}" srcOrd="0" destOrd="0" parTransId="{C3858590-1432-4944-89FA-CB68A3AE18A5}" sibTransId="{3AE963F2-851B-4C54-8100-1077DEBC4009}"/>
+    <dgm:cxn modelId="{B388398B-DD25-4D96-861D-5EC744A50C20}" type="presOf" srcId="{CEFBEC40-31D5-4F80-AE5D-15FBAFBBF5A0}" destId="{D8CA33B2-CD12-4D9B-B73D-AEBEFF4856CD}" srcOrd="0" destOrd="0" presId="urn:microsoft.com/office/officeart/2005/8/layout/default"/>
+    <dgm:cxn modelId="{4C96918B-B013-4CA3-905E-18F7331B018E}" type="presOf" srcId="{BE9C5062-E235-4175-A274-94C994B2BBD2}" destId="{E875863E-5C66-47F5-9A02-8D09F1459740}" srcOrd="0" destOrd="0" presId="urn:microsoft.com/office/officeart/2005/8/layout/default"/>
+    <dgm:cxn modelId="{83C7D896-DA89-4D78-8869-A1959AA3B220}" srcId="{05737378-F74C-4E24-9EC2-0D2BB5758FB1}" destId="{DF64254A-9EBD-4EFC-9802-521BFBFB7109}" srcOrd="1" destOrd="0" parTransId="{392C3C0E-C17E-4820-B9FD-69B100A6C062}" sibTransId="{E3181219-D854-4321-94E5-2C4540E74E9F}"/>
+    <dgm:cxn modelId="{D39C1D97-F9E6-479B-A32B-CEDF77D52252}" type="presOf" srcId="{CA08021B-585B-46E7-BA1F-5420E56DFF26}" destId="{2CAB0F38-E292-4E90-B35F-6EB8A903C9CB}" srcOrd="0" destOrd="0" presId="urn:microsoft.com/office/officeart/2005/8/layout/default"/>
+    <dgm:cxn modelId="{5B2A3EA0-54FF-4812-A101-80913D9E9C07}" type="presOf" srcId="{933E1672-E9BF-4F75-81D1-24766C128B0B}" destId="{C0939774-B50A-4E11-AC98-9F1BF4E8D7B3}" srcOrd="0" destOrd="0" presId="urn:microsoft.com/office/officeart/2005/8/layout/default"/>
+    <dgm:cxn modelId="{EB1EE9A3-B12F-4095-B15A-8A4BC3093D8D}" type="presOf" srcId="{05E9AB3C-DFD6-4864-A678-A90FD79237AF}" destId="{7843059E-BCF7-45F4-B578-65601AC84C15}" srcOrd="0" destOrd="0" presId="urn:microsoft.com/office/officeart/2005/8/layout/default"/>
+    <dgm:cxn modelId="{7F9FB9A5-108D-4614-BF5A-796C77DB19E7}" type="presOf" srcId="{EC304DEE-ECC8-4115-AC0C-7FAE380EE5DC}" destId="{556F3AFB-5CAC-40F2-BD2F-7BCE935EBF20}" srcOrd="0" destOrd="0" presId="urn:microsoft.com/office/officeart/2005/8/layout/default"/>
+    <dgm:cxn modelId="{8106C6B0-F846-4FEC-8E0F-FAB2C7C9574D}" type="presOf" srcId="{85D9D1EC-D603-41AE-A0D5-D40BB7861333}" destId="{B7D51C12-D406-40C3-B188-97D6C4C03636}" srcOrd="0" destOrd="0" presId="urn:microsoft.com/office/officeart/2005/8/layout/default"/>
+    <dgm:cxn modelId="{08073DB3-02EA-4C77-8F26-C87C8B6C3ED3}" type="presOf" srcId="{833137B7-273E-4CB6-8381-2C2F2ACF41A9}" destId="{87505D9B-FB99-4C9F-A1CB-5FFBDDBFE589}" srcOrd="0" destOrd="0" presId="urn:microsoft.com/office/officeart/2005/8/layout/default"/>
+    <dgm:cxn modelId="{EF496DB7-EBB7-4F7C-9EDE-E5F5F4FC8621}" srcId="{05737378-F74C-4E24-9EC2-0D2BB5758FB1}" destId="{85D9D1EC-D603-41AE-A0D5-D40BB7861333}" srcOrd="12" destOrd="0" parTransId="{0A32FE30-FCFC-491D-A031-3C484A183302}" sibTransId="{31706799-9539-4B59-AF0B-4B5330E8A253}"/>
+    <dgm:cxn modelId="{C5EF76C1-85B4-410A-B920-B2287746D835}" srcId="{05737378-F74C-4E24-9EC2-0D2BB5758FB1}" destId="{70AB44C9-9218-4B17-BF8C-395A8A9293A7}" srcOrd="11" destOrd="0" parTransId="{283A6A4F-E8C8-48B7-A47F-03377034D211}" sibTransId="{A8251120-2E7C-46DC-8314-2C7837025E49}"/>
+    <dgm:cxn modelId="{5837B3DE-5634-42DD-9DD6-B6E5BF73F3F1}" type="presOf" srcId="{EAB44E80-EB98-4FB7-B58D-9054D1F44343}" destId="{46E7CDFA-621F-40A9-A72F-13159B4965BE}" srcOrd="0" destOrd="0" presId="urn:microsoft.com/office/officeart/2005/8/layout/default"/>
+    <dgm:cxn modelId="{D3F94EE7-BDF2-4B1E-8070-AE51AD075A6D}" type="presOf" srcId="{DF64254A-9EBD-4EFC-9802-521BFBFB7109}" destId="{35CD2B37-F779-4962-82A3-DEC6CC6C87F5}" srcOrd="0" destOrd="0" presId="urn:microsoft.com/office/officeart/2005/8/layout/default"/>
+    <dgm:cxn modelId="{1FDC86EA-A094-4E71-AEA2-9174A76B0E59}" type="presOf" srcId="{70AB44C9-9218-4B17-BF8C-395A8A9293A7}" destId="{887A92B0-3B07-4217-9C68-EB1E87976F03}" srcOrd="0" destOrd="0" presId="urn:microsoft.com/office/officeart/2005/8/layout/default"/>
+    <dgm:cxn modelId="{D999D6EB-61A2-4986-B990-CDA108B5280C}" type="presOf" srcId="{0DEABE5C-1100-4841-AE6B-8418162BA37F}" destId="{71D7D387-6645-4FFF-8203-40963EE90B98}" srcOrd="0" destOrd="0" presId="urn:microsoft.com/office/officeart/2005/8/layout/default"/>
+    <dgm:cxn modelId="{540AFBF0-7756-4B28-BD69-B6E65DB3B15C}" srcId="{05737378-F74C-4E24-9EC2-0D2BB5758FB1}" destId="{0DEABE5C-1100-4841-AE6B-8418162BA37F}" srcOrd="9" destOrd="0" parTransId="{3D7765CE-D4A2-4B26-860F-F9AC5E3AE6D1}" sibTransId="{9D4190AC-B3D2-43C6-A8A9-231E6F4741D7}"/>
+    <dgm:cxn modelId="{D25356F8-626A-4283-9AE4-B2E30D657B6C}" type="presOf" srcId="{05737378-F74C-4E24-9EC2-0D2BB5758FB1}" destId="{74DC694E-3D09-4A3E-AA06-0F436465B8DD}" srcOrd="0" destOrd="0" presId="urn:microsoft.com/office/officeart/2005/8/layout/default"/>
+    <dgm:cxn modelId="{1C0F507F-2D90-416F-A3AA-20E4CCD964D5}" type="presParOf" srcId="{74DC694E-3D09-4A3E-AA06-0F436465B8DD}" destId="{2CAB0F38-E292-4E90-B35F-6EB8A903C9CB}" srcOrd="0" destOrd="0" presId="urn:microsoft.com/office/officeart/2005/8/layout/default"/>
+    <dgm:cxn modelId="{77B2D0E8-1127-4063-A94F-B34A2411374D}" type="presParOf" srcId="{74DC694E-3D09-4A3E-AA06-0F436465B8DD}" destId="{63441EE2-73B0-4816-B767-6FDF68D8E957}" srcOrd="1" destOrd="0" presId="urn:microsoft.com/office/officeart/2005/8/layout/default"/>
+    <dgm:cxn modelId="{6DB20DFC-CA99-43F3-8B84-48705E1DD7BD}" type="presParOf" srcId="{74DC694E-3D09-4A3E-AA06-0F436465B8DD}" destId="{35CD2B37-F779-4962-82A3-DEC6CC6C87F5}" srcOrd="2" destOrd="0" presId="urn:microsoft.com/office/officeart/2005/8/layout/default"/>
+    <dgm:cxn modelId="{2FCB7500-23FC-4085-919B-E9CBAA862520}" type="presParOf" srcId="{74DC694E-3D09-4A3E-AA06-0F436465B8DD}" destId="{875024A1-D88A-450E-9C62-4A6E444B67E8}" srcOrd="3" destOrd="0" presId="urn:microsoft.com/office/officeart/2005/8/layout/default"/>
+    <dgm:cxn modelId="{CEBC3FFC-D8E7-476E-8449-F00E5D25A019}" type="presParOf" srcId="{74DC694E-3D09-4A3E-AA06-0F436465B8DD}" destId="{071F557A-7AF5-4245-8C6A-20AC9955B137}" srcOrd="4" destOrd="0" presId="urn:microsoft.com/office/officeart/2005/8/layout/default"/>
+    <dgm:cxn modelId="{C959C9EA-EF0A-4D22-B147-FEFA33FCA87F}" type="presParOf" srcId="{74DC694E-3D09-4A3E-AA06-0F436465B8DD}" destId="{72DA49D2-15E3-4818-A7F5-8D609BB2B4EE}" srcOrd="5" destOrd="0" presId="urn:microsoft.com/office/officeart/2005/8/layout/default"/>
+    <dgm:cxn modelId="{8CDEC66D-C727-423C-A03F-C5C46B2664C9}" type="presParOf" srcId="{74DC694E-3D09-4A3E-AA06-0F436465B8DD}" destId="{D8CA33B2-CD12-4D9B-B73D-AEBEFF4856CD}" srcOrd="6" destOrd="0" presId="urn:microsoft.com/office/officeart/2005/8/layout/default"/>
+    <dgm:cxn modelId="{E8C44EFA-EAD7-4CF2-BFEE-F96D99A47CA8}" type="presParOf" srcId="{74DC694E-3D09-4A3E-AA06-0F436465B8DD}" destId="{08A1EADD-141B-4BDE-92D5-1C422EF0A383}" srcOrd="7" destOrd="0" presId="urn:microsoft.com/office/officeart/2005/8/layout/default"/>
+    <dgm:cxn modelId="{807EABD0-895A-42B7-A25E-6DF54A6B2951}" type="presParOf" srcId="{74DC694E-3D09-4A3E-AA06-0F436465B8DD}" destId="{556F3AFB-5CAC-40F2-BD2F-7BCE935EBF20}" srcOrd="8" destOrd="0" presId="urn:microsoft.com/office/officeart/2005/8/layout/default"/>
+    <dgm:cxn modelId="{2A0AA83A-6EF6-413B-B4FC-25DF33B267F6}" type="presParOf" srcId="{74DC694E-3D09-4A3E-AA06-0F436465B8DD}" destId="{8E181051-9221-4B36-8761-DBFE5D1CC42D}" srcOrd="9" destOrd="0" presId="urn:microsoft.com/office/officeart/2005/8/layout/default"/>
+    <dgm:cxn modelId="{0249967A-212C-46A8-B99E-90C46BEFCFCD}" type="presParOf" srcId="{74DC694E-3D09-4A3E-AA06-0F436465B8DD}" destId="{46E7CDFA-621F-40A9-A72F-13159B4965BE}" srcOrd="10" destOrd="0" presId="urn:microsoft.com/office/officeart/2005/8/layout/default"/>
+    <dgm:cxn modelId="{31B297B7-DCB8-4FB9-BF49-26D3E0F26D0B}" type="presParOf" srcId="{74DC694E-3D09-4A3E-AA06-0F436465B8DD}" destId="{9309253B-4A3F-413D-A3B8-AE6FBE19481F}" srcOrd="11" destOrd="0" presId="urn:microsoft.com/office/officeart/2005/8/layout/default"/>
+    <dgm:cxn modelId="{6EF49D64-3ECE-473F-9122-3993B393DC15}" type="presParOf" srcId="{74DC694E-3D09-4A3E-AA06-0F436465B8DD}" destId="{87505D9B-FB99-4C9F-A1CB-5FFBDDBFE589}" srcOrd="12" destOrd="0" presId="urn:microsoft.com/office/officeart/2005/8/layout/default"/>
+    <dgm:cxn modelId="{CB5EA98E-ED71-400D-B12D-52A2E6756BB4}" type="presParOf" srcId="{74DC694E-3D09-4A3E-AA06-0F436465B8DD}" destId="{5F06CE04-DBE2-493A-A3A7-CB2280886FCD}" srcOrd="13" destOrd="0" presId="urn:microsoft.com/office/officeart/2005/8/layout/default"/>
+    <dgm:cxn modelId="{815408EF-5892-4A0F-B153-C26F51CEE57A}" type="presParOf" srcId="{74DC694E-3D09-4A3E-AA06-0F436465B8DD}" destId="{E875863E-5C66-47F5-9A02-8D09F1459740}" srcOrd="14" destOrd="0" presId="urn:microsoft.com/office/officeart/2005/8/layout/default"/>
+    <dgm:cxn modelId="{E879C6B7-2141-4F6B-A4B7-F384EA208151}" type="presParOf" srcId="{74DC694E-3D09-4A3E-AA06-0F436465B8DD}" destId="{F7EBA5FE-26AB-4BDB-8624-082CEDA7776B}" srcOrd="15" destOrd="0" presId="urn:microsoft.com/office/officeart/2005/8/layout/default"/>
+    <dgm:cxn modelId="{7FB2CC66-44CC-42BF-B4A4-871EE62830E3}" type="presParOf" srcId="{74DC694E-3D09-4A3E-AA06-0F436465B8DD}" destId="{7843059E-BCF7-45F4-B578-65601AC84C15}" srcOrd="16" destOrd="0" presId="urn:microsoft.com/office/officeart/2005/8/layout/default"/>
+    <dgm:cxn modelId="{853BF4C1-1129-4F44-BCDE-EB5321A0EF9B}" type="presParOf" srcId="{74DC694E-3D09-4A3E-AA06-0F436465B8DD}" destId="{A10E726B-60BC-477B-9D04-197AC48C9DC4}" srcOrd="17" destOrd="0" presId="urn:microsoft.com/office/officeart/2005/8/layout/default"/>
+    <dgm:cxn modelId="{A43124B3-9855-4FDD-AD0C-31EA9F1EF2E4}" type="presParOf" srcId="{74DC694E-3D09-4A3E-AA06-0F436465B8DD}" destId="{71D7D387-6645-4FFF-8203-40963EE90B98}" srcOrd="18" destOrd="0" presId="urn:microsoft.com/office/officeart/2005/8/layout/default"/>
+    <dgm:cxn modelId="{C8647F6E-2226-48AB-BDBD-47B222C59FE5}" type="presParOf" srcId="{74DC694E-3D09-4A3E-AA06-0F436465B8DD}" destId="{DA6AA187-C63B-4EBE-80F4-5E2F8ADE9C54}" srcOrd="19" destOrd="0" presId="urn:microsoft.com/office/officeart/2005/8/layout/default"/>
+    <dgm:cxn modelId="{02790BC3-7B9C-4072-A700-006EEFA44F8C}" type="presParOf" srcId="{74DC694E-3D09-4A3E-AA06-0F436465B8DD}" destId="{C0939774-B50A-4E11-AC98-9F1BF4E8D7B3}" srcOrd="20" destOrd="0" presId="urn:microsoft.com/office/officeart/2005/8/layout/default"/>
+    <dgm:cxn modelId="{D60372B4-4467-4CCE-90B5-C24B47187F10}" type="presParOf" srcId="{74DC694E-3D09-4A3E-AA06-0F436465B8DD}" destId="{41235C63-C841-4B2D-AFF7-A0630920172F}" srcOrd="21" destOrd="0" presId="urn:microsoft.com/office/officeart/2005/8/layout/default"/>
+    <dgm:cxn modelId="{71EEF566-35B5-4955-884A-CDA6F3278862}" type="presParOf" srcId="{74DC694E-3D09-4A3E-AA06-0F436465B8DD}" destId="{887A92B0-3B07-4217-9C68-EB1E87976F03}" srcOrd="22" destOrd="0" presId="urn:microsoft.com/office/officeart/2005/8/layout/default"/>
+    <dgm:cxn modelId="{96D70D0D-B285-464A-A6F8-EA2BAEB4467D}" type="presParOf" srcId="{74DC694E-3D09-4A3E-AA06-0F436465B8DD}" destId="{70289C8D-5A99-4A82-BA15-5EF95CDE63F5}" srcOrd="23" destOrd="0" presId="urn:microsoft.com/office/officeart/2005/8/layout/default"/>
+    <dgm:cxn modelId="{FED85F8F-EC2D-4055-8FD3-434892B9BD50}" type="presParOf" srcId="{74DC694E-3D09-4A3E-AA06-0F436465B8DD}" destId="{B7D51C12-D406-40C3-B188-97D6C4C03636}" srcOrd="24" destOrd="0" presId="urn:microsoft.com/office/officeart/2005/8/layout/default"/>
+  </dgm:cxnLst>
+  <dgm:bg/>
+  <dgm:whole/>
+  <dgm:extLst>
+    <a:ext uri="http://schemas.microsoft.com/office/drawing/2008/diagram">
+      <dsp:dataModelExt xmlns:dsp="http://schemas.microsoft.com/office/drawing/2008/diagram" relId="rId6" minVer="http://schemas.openxmlformats.org/drawingml/2006/diagram"/>
+    </a:ext>
+  </dgm:extLst>
+</dgm:dataModel>
+</file>
+
+<file path=ppt/diagrams/data2.xml><?xml version="1.0" encoding="utf-8"?>
+<dgm:dataModel xmlns:dgm="http://schemas.openxmlformats.org/drawingml/2006/diagram" xmlns:a="http://schemas.openxmlformats.org/drawingml/2006/main">
+  <dgm:ptLst>
+    <dgm:pt modelId="{05737378-F74C-4E24-9EC2-0D2BB5758FB1}" type="doc">
+      <dgm:prSet loTypeId="urn:microsoft.com/office/officeart/2005/8/layout/default" loCatId="Inbox" qsTypeId="urn:microsoft.com/office/officeart/2005/8/quickstyle/simple2" qsCatId="simple" csTypeId="urn:microsoft.com/office/officeart/2005/8/colors/colorful2" csCatId="colorful" phldr="1"/>
       <dgm:spPr/>
       <dgm:t>
         <a:bodyPr/>
@@ -1414,16 +2426,22 @@
         </a:p>
       </dgm:t>
     </dgm:pt>
-    <dgm:pt modelId="{875024A1-D88A-450E-9C62-4A6E444B67E8}" type="pres">
-      <dgm:prSet presAssocID="{E3181219-D854-4321-94E5-2C4540E74E9F}" presName="sibTrans" presStyleCnt="0"/>
+    <dgm:pt modelId="{CA08021B-585B-46E7-BA1F-5420E56DFF26}">
+      <dgm:prSet/>
       <dgm:spPr/>
+      <dgm:t>
+        <a:bodyPr/>
+        <a:lstStyle/>
+        <a:p>
+          <a:r>
+            <a:rPr lang="en-US" dirty="0"/>
+            <a:t>Filters in dishes list </a:t>
+          </a:r>
+        </a:p>
+      </dgm:t>
     </dgm:pt>
-    <dgm:pt modelId="{071F557A-7AF5-4245-8C6A-20AC9955B137}" type="pres">
-      <dgm:prSet presAssocID="{93FF2072-4925-412F-B5EF-CEF7128B76E3}" presName="node" presStyleLbl="node1" presStyleIdx="2" presStyleCnt="12">
-        <dgm:presLayoutVars>
-          <dgm:bulletEnabled val="1"/>
-        </dgm:presLayoutVars>
-      </dgm:prSet>
+    <dgm:pt modelId="{C3858590-1432-4944-89FA-CB68A3AE18A5}" type="parTrans" cxnId="{5C69498A-C0CF-4B1C-8B83-AB4936C606E8}">
+      <dgm:prSet/>
       <dgm:spPr/>
       <dgm:t>
         <a:bodyPr/>
@@ -1433,16 +2451,8 @@
         </a:p>
       </dgm:t>
     </dgm:pt>
-    <dgm:pt modelId="{72DA49D2-15E3-4818-A7F5-8D609BB2B4EE}" type="pres">
-      <dgm:prSet presAssocID="{A20F0525-71D9-473D-9413-0B9A01E37F5E}" presName="sibTrans" presStyleCnt="0"/>
-      <dgm:spPr/>
-    </dgm:pt>
-    <dgm:pt modelId="{556F3AFB-5CAC-40F2-BD2F-7BCE935EBF20}" type="pres">
-      <dgm:prSet presAssocID="{EC304DEE-ECC8-4115-AC0C-7FAE380EE5DC}" presName="node" presStyleLbl="node1" presStyleIdx="3" presStyleCnt="12">
-        <dgm:presLayoutVars>
-          <dgm:bulletEnabled val="1"/>
-        </dgm:presLayoutVars>
-      </dgm:prSet>
+    <dgm:pt modelId="{3AE963F2-851B-4C54-8100-1077DEBC4009}" type="sibTrans" cxnId="{5C69498A-C0CF-4B1C-8B83-AB4936C606E8}">
+      <dgm:prSet/>
       <dgm:spPr/>
       <dgm:t>
         <a:bodyPr/>
@@ -1452,16 +2462,22 @@
         </a:p>
       </dgm:t>
     </dgm:pt>
-    <dgm:pt modelId="{8E181051-9221-4B36-8761-DBFE5D1CC42D}" type="pres">
-      <dgm:prSet presAssocID="{76D59B59-E733-4A24-B6FD-96DD6E6B0254}" presName="sibTrans" presStyleCnt="0"/>
+    <dgm:pt modelId="{DF64254A-9EBD-4EFC-9802-521BFBFB7109}">
+      <dgm:prSet/>
       <dgm:spPr/>
+      <dgm:t>
+        <a:bodyPr/>
+        <a:lstStyle/>
+        <a:p>
+          <a:r>
+            <a:rPr lang="en-US" dirty="0"/>
+            <a:t>Search in dishes list </a:t>
+          </a:r>
+        </a:p>
+      </dgm:t>
     </dgm:pt>
-    <dgm:pt modelId="{46E7CDFA-621F-40A9-A72F-13159B4965BE}" type="pres">
-      <dgm:prSet presAssocID="{EAB44E80-EB98-4FB7-B58D-9054D1F44343}" presName="node" presStyleLbl="node1" presStyleIdx="4" presStyleCnt="12">
-        <dgm:presLayoutVars>
-          <dgm:bulletEnabled val="1"/>
-        </dgm:presLayoutVars>
-      </dgm:prSet>
+    <dgm:pt modelId="{392C3C0E-C17E-4820-B9FD-69B100A6C062}" type="parTrans" cxnId="{83C7D896-DA89-4D78-8869-A1959AA3B220}">
+      <dgm:prSet/>
       <dgm:spPr/>
       <dgm:t>
         <a:bodyPr/>
@@ -1471,16 +2487,8 @@
         </a:p>
       </dgm:t>
     </dgm:pt>
-    <dgm:pt modelId="{9309253B-4A3F-413D-A3B8-AE6FBE19481F}" type="pres">
-      <dgm:prSet presAssocID="{E6FECD94-72AC-4865-AC62-6FCC3C529198}" presName="sibTrans" presStyleCnt="0"/>
-      <dgm:spPr/>
-    </dgm:pt>
-    <dgm:pt modelId="{87505D9B-FB99-4C9F-A1CB-5FFBDDBFE589}" type="pres">
-      <dgm:prSet presAssocID="{833137B7-273E-4CB6-8381-2C2F2ACF41A9}" presName="node" presStyleLbl="node1" presStyleIdx="5" presStyleCnt="12">
-        <dgm:presLayoutVars>
-          <dgm:bulletEnabled val="1"/>
-        </dgm:presLayoutVars>
-      </dgm:prSet>
+    <dgm:pt modelId="{E3181219-D854-4321-94E5-2C4540E74E9F}" type="sibTrans" cxnId="{83C7D896-DA89-4D78-8869-A1959AA3B220}">
+      <dgm:prSet/>
       <dgm:spPr/>
       <dgm:t>
         <a:bodyPr/>
@@ -1490,16 +2498,22 @@
         </a:p>
       </dgm:t>
     </dgm:pt>
-    <dgm:pt modelId="{5F06CE04-DBE2-493A-A3A7-CB2280886FCD}" type="pres">
-      <dgm:prSet presAssocID="{2CB78FF2-AAAD-4541-81AE-E58D28D208BA}" presName="sibTrans" presStyleCnt="0"/>
+    <dgm:pt modelId="{EC304DEE-ECC8-4115-AC0C-7FAE380EE5DC}">
+      <dgm:prSet/>
       <dgm:spPr/>
+      <dgm:t>
+        <a:bodyPr/>
+        <a:lstStyle/>
+        <a:p>
+          <a:r>
+            <a:rPr lang="en-US" dirty="0"/>
+            <a:t>Filters in shops list </a:t>
+          </a:r>
+        </a:p>
+      </dgm:t>
     </dgm:pt>
-    <dgm:pt modelId="{E875863E-5C66-47F5-9A02-8D09F1459740}" type="pres">
-      <dgm:prSet presAssocID="{BE9C5062-E235-4175-A274-94C994B2BBD2}" presName="node" presStyleLbl="node1" presStyleIdx="6" presStyleCnt="12">
-        <dgm:presLayoutVars>
-          <dgm:bulletEnabled val="1"/>
-        </dgm:presLayoutVars>
-      </dgm:prSet>
+    <dgm:pt modelId="{32ED1675-E964-4124-A5F9-87012E54751F}" type="parTrans" cxnId="{58A1DB5A-EBB6-4C4E-8A19-4709FF509CD9}">
+      <dgm:prSet/>
       <dgm:spPr/>
       <dgm:t>
         <a:bodyPr/>
@@ -1509,16 +2523,8 @@
         </a:p>
       </dgm:t>
     </dgm:pt>
-    <dgm:pt modelId="{F7EBA5FE-26AB-4BDB-8624-082CEDA7776B}" type="pres">
-      <dgm:prSet presAssocID="{10BB8CC6-3A31-48FF-BCD5-DC47BE72146B}" presName="sibTrans" presStyleCnt="0"/>
-      <dgm:spPr/>
-    </dgm:pt>
-    <dgm:pt modelId="{7843059E-BCF7-45F4-B578-65601AC84C15}" type="pres">
-      <dgm:prSet presAssocID="{05E9AB3C-DFD6-4864-A678-A90FD79237AF}" presName="node" presStyleLbl="node1" presStyleIdx="7" presStyleCnt="12">
-        <dgm:presLayoutVars>
-          <dgm:bulletEnabled val="1"/>
-        </dgm:presLayoutVars>
-      </dgm:prSet>
+    <dgm:pt modelId="{76D59B59-E733-4A24-B6FD-96DD6E6B0254}" type="sibTrans" cxnId="{58A1DB5A-EBB6-4C4E-8A19-4709FF509CD9}">
+      <dgm:prSet/>
       <dgm:spPr/>
       <dgm:t>
         <a:bodyPr/>
@@ -1528,16 +2534,22 @@
         </a:p>
       </dgm:t>
     </dgm:pt>
-    <dgm:pt modelId="{A10E726B-60BC-477B-9D04-197AC48C9DC4}" type="pres">
-      <dgm:prSet presAssocID="{72912596-1194-4126-8E06-3BCF376FB764}" presName="sibTrans" presStyleCnt="0"/>
+    <dgm:pt modelId="{EAB44E80-EB98-4FB7-B58D-9054D1F44343}">
+      <dgm:prSet/>
       <dgm:spPr/>
+      <dgm:t>
+        <a:bodyPr/>
+        <a:lstStyle/>
+        <a:p>
+          <a:r>
+            <a:rPr lang="en-US" dirty="0"/>
+            <a:t>View added ratings </a:t>
+          </a:r>
+        </a:p>
+      </dgm:t>
     </dgm:pt>
-    <dgm:pt modelId="{71D7D387-6645-4FFF-8203-40963EE90B98}" type="pres">
-      <dgm:prSet presAssocID="{0DEABE5C-1100-4841-AE6B-8418162BA37F}" presName="node" presStyleLbl="node1" presStyleIdx="8" presStyleCnt="12">
-        <dgm:presLayoutVars>
-          <dgm:bulletEnabled val="1"/>
-        </dgm:presLayoutVars>
-      </dgm:prSet>
+    <dgm:pt modelId="{1AD31A3F-A9DF-4B29-A02B-660D5D646C0F}" type="parTrans" cxnId="{12B57F1A-7AAC-4763-B00C-DEFB40CF4EF5}">
+      <dgm:prSet/>
       <dgm:spPr/>
       <dgm:t>
         <a:bodyPr/>
@@ -1547,16 +2559,8 @@
         </a:p>
       </dgm:t>
     </dgm:pt>
-    <dgm:pt modelId="{DA6AA187-C63B-4EBE-80F4-5E2F8ADE9C54}" type="pres">
-      <dgm:prSet presAssocID="{9D4190AC-B3D2-43C6-A8A9-231E6F4741D7}" presName="sibTrans" presStyleCnt="0"/>
-      <dgm:spPr/>
-    </dgm:pt>
-    <dgm:pt modelId="{C0939774-B50A-4E11-AC98-9F1BF4E8D7B3}" type="pres">
-      <dgm:prSet presAssocID="{933E1672-E9BF-4F75-81D1-24766C128B0B}" presName="node" presStyleLbl="node1" presStyleIdx="9" presStyleCnt="12">
-        <dgm:presLayoutVars>
-          <dgm:bulletEnabled val="1"/>
-        </dgm:presLayoutVars>
-      </dgm:prSet>
+    <dgm:pt modelId="{E6FECD94-72AC-4865-AC62-6FCC3C529198}" type="sibTrans" cxnId="{12B57F1A-7AAC-4763-B00C-DEFB40CF4EF5}">
+      <dgm:prSet/>
       <dgm:spPr/>
       <dgm:t>
         <a:bodyPr/>
@@ -1566,16 +2570,22 @@
         </a:p>
       </dgm:t>
     </dgm:pt>
-    <dgm:pt modelId="{41235C63-C841-4B2D-AFF7-A0630920172F}" type="pres">
-      <dgm:prSet presAssocID="{C2CE6673-EAC7-46A9-BE21-723358925710}" presName="sibTrans" presStyleCnt="0"/>
+    <dgm:pt modelId="{833137B7-273E-4CB6-8381-2C2F2ACF41A9}">
+      <dgm:prSet/>
       <dgm:spPr/>
+      <dgm:t>
+        <a:bodyPr/>
+        <a:lstStyle/>
+        <a:p>
+          <a:r>
+            <a:rPr lang="en-US" dirty="0"/>
+            <a:t>User liked list </a:t>
+          </a:r>
+        </a:p>
+      </dgm:t>
     </dgm:pt>
-    <dgm:pt modelId="{887A92B0-3B07-4217-9C68-EB1E87976F03}" type="pres">
-      <dgm:prSet presAssocID="{70AB44C9-9218-4B17-BF8C-395A8A9293A7}" presName="node" presStyleLbl="node1" presStyleIdx="10" presStyleCnt="12">
-        <dgm:presLayoutVars>
-          <dgm:bulletEnabled val="1"/>
-        </dgm:presLayoutVars>
-      </dgm:prSet>
+    <dgm:pt modelId="{C85722CF-114F-4466-82C8-7058DC435DD6}" type="parTrans" cxnId="{605E9C4D-8446-4E80-BAC0-C2D3D0AFDFE5}">
+      <dgm:prSet/>
       <dgm:spPr/>
       <dgm:t>
         <a:bodyPr/>
@@ -1585,16 +2595,8 @@
         </a:p>
       </dgm:t>
     </dgm:pt>
-    <dgm:pt modelId="{70289C8D-5A99-4A82-BA15-5EF95CDE63F5}" type="pres">
-      <dgm:prSet presAssocID="{A8251120-2E7C-46DC-8314-2C7837025E49}" presName="sibTrans" presStyleCnt="0"/>
-      <dgm:spPr/>
-    </dgm:pt>
-    <dgm:pt modelId="{B7D51C12-D406-40C3-B188-97D6C4C03636}" type="pres">
-      <dgm:prSet presAssocID="{85D9D1EC-D603-41AE-A0D5-D40BB7861333}" presName="node" presStyleLbl="node1" presStyleIdx="11" presStyleCnt="12">
-        <dgm:presLayoutVars>
-          <dgm:bulletEnabled val="1"/>
-        </dgm:presLayoutVars>
-      </dgm:prSet>
+    <dgm:pt modelId="{2CB78FF2-AAAD-4541-81AE-E58D28D208BA}" type="sibTrans" cxnId="{605E9C4D-8446-4E80-BAC0-C2D3D0AFDFE5}">
+      <dgm:prSet/>
       <dgm:spPr/>
       <dgm:t>
         <a:bodyPr/>
@@ -1604,39 +2606,337 @@
         </a:p>
       </dgm:t>
     </dgm:pt>
+    <dgm:pt modelId="{BE9C5062-E235-4175-A274-94C994B2BBD2}">
+      <dgm:prSet/>
+      <dgm:spPr/>
+      <dgm:t>
+        <a:bodyPr/>
+        <a:lstStyle/>
+        <a:p>
+          <a:r>
+            <a:rPr lang="en-US" dirty="0"/>
+            <a:t>User current location </a:t>
+          </a:r>
+        </a:p>
+      </dgm:t>
+    </dgm:pt>
+    <dgm:pt modelId="{9AD3C363-D4CB-4F02-80AD-A19E42C0CFA4}" type="parTrans" cxnId="{631E0B0C-32CD-4BA6-B298-C74890F8D470}">
+      <dgm:prSet/>
+      <dgm:spPr/>
+      <dgm:t>
+        <a:bodyPr/>
+        <a:lstStyle/>
+        <a:p>
+          <a:endParaRPr lang="en-US"/>
+        </a:p>
+      </dgm:t>
+    </dgm:pt>
+    <dgm:pt modelId="{10BB8CC6-3A31-48FF-BCD5-DC47BE72146B}" type="sibTrans" cxnId="{631E0B0C-32CD-4BA6-B298-C74890F8D470}">
+      <dgm:prSet/>
+      <dgm:spPr/>
+      <dgm:t>
+        <a:bodyPr/>
+        <a:lstStyle/>
+        <a:p>
+          <a:endParaRPr lang="en-US"/>
+        </a:p>
+      </dgm:t>
+    </dgm:pt>
+    <dgm:pt modelId="{05E9AB3C-DFD6-4864-A678-A90FD79237AF}">
+      <dgm:prSet/>
+      <dgm:spPr/>
+      <dgm:t>
+        <a:bodyPr/>
+        <a:lstStyle/>
+        <a:p>
+          <a:r>
+            <a:rPr lang="en-US" dirty="0"/>
+            <a:t>View tips in dish page </a:t>
+          </a:r>
+        </a:p>
+      </dgm:t>
+    </dgm:pt>
+    <dgm:pt modelId="{4D10C5E8-8B46-4450-B1CB-CC37690D0044}" type="parTrans" cxnId="{43B85156-CD02-417A-8B98-074ABCAFC629}">
+      <dgm:prSet/>
+      <dgm:spPr/>
+      <dgm:t>
+        <a:bodyPr/>
+        <a:lstStyle/>
+        <a:p>
+          <a:endParaRPr lang="en-US"/>
+        </a:p>
+      </dgm:t>
+    </dgm:pt>
+    <dgm:pt modelId="{72912596-1194-4126-8E06-3BCF376FB764}" type="sibTrans" cxnId="{43B85156-CD02-417A-8B98-074ABCAFC629}">
+      <dgm:prSet/>
+      <dgm:spPr/>
+      <dgm:t>
+        <a:bodyPr/>
+        <a:lstStyle/>
+        <a:p>
+          <a:endParaRPr lang="en-US"/>
+        </a:p>
+      </dgm:t>
+    </dgm:pt>
+    <dgm:pt modelId="{0DEABE5C-1100-4841-AE6B-8418162BA37F}">
+      <dgm:prSet/>
+      <dgm:spPr/>
+      <dgm:t>
+        <a:bodyPr/>
+        <a:lstStyle/>
+        <a:p>
+          <a:r>
+            <a:rPr lang="en-US" dirty="0"/>
+            <a:t>Change profile photo</a:t>
+          </a:r>
+        </a:p>
+      </dgm:t>
+    </dgm:pt>
+    <dgm:pt modelId="{3D7765CE-D4A2-4B26-860F-F9AC5E3AE6D1}" type="parTrans" cxnId="{540AFBF0-7756-4B28-BD69-B6E65DB3B15C}">
+      <dgm:prSet/>
+      <dgm:spPr/>
+      <dgm:t>
+        <a:bodyPr/>
+        <a:lstStyle/>
+        <a:p>
+          <a:endParaRPr lang="en-US"/>
+        </a:p>
+      </dgm:t>
+    </dgm:pt>
+    <dgm:pt modelId="{9D4190AC-B3D2-43C6-A8A9-231E6F4741D7}" type="sibTrans" cxnId="{540AFBF0-7756-4B28-BD69-B6E65DB3B15C}">
+      <dgm:prSet/>
+      <dgm:spPr/>
+      <dgm:t>
+        <a:bodyPr/>
+        <a:lstStyle/>
+        <a:p>
+          <a:endParaRPr lang="en-US"/>
+        </a:p>
+      </dgm:t>
+    </dgm:pt>
+    <dgm:pt modelId="{CEFBEC40-31D5-4F80-AE5D-15FBAFBBF5A0}">
+      <dgm:prSet/>
+      <dgm:spPr/>
+      <dgm:t>
+        <a:bodyPr/>
+        <a:lstStyle/>
+        <a:p>
+          <a:r>
+            <a:rPr lang="en-US" dirty="0"/>
+            <a:t>Order by in dishes list </a:t>
+          </a:r>
+        </a:p>
+      </dgm:t>
+    </dgm:pt>
+    <dgm:pt modelId="{A6FD00DA-84F5-43A5-86EF-A56BA0FE0F7A}" type="parTrans" cxnId="{E27AA84A-57F7-455D-8EB7-8F81DA5260AE}">
+      <dgm:prSet/>
+      <dgm:spPr/>
+      <dgm:t>
+        <a:bodyPr/>
+        <a:lstStyle/>
+        <a:p>
+          <a:endParaRPr lang="en-US"/>
+        </a:p>
+      </dgm:t>
+    </dgm:pt>
+    <dgm:pt modelId="{7AEDD36E-0B87-4FC4-91FC-30E8D827C823}" type="sibTrans" cxnId="{E27AA84A-57F7-455D-8EB7-8F81DA5260AE}">
+      <dgm:prSet/>
+      <dgm:spPr/>
+      <dgm:t>
+        <a:bodyPr/>
+        <a:lstStyle/>
+        <a:p>
+          <a:endParaRPr lang="en-US"/>
+        </a:p>
+      </dgm:t>
+    </dgm:pt>
+    <dgm:pt modelId="{27CD27FC-1C78-4066-BFAA-6106CA4C407B}">
+      <dgm:prSet/>
+      <dgm:spPr/>
+      <dgm:t>
+        <a:bodyPr/>
+        <a:lstStyle/>
+        <a:p>
+          <a:endParaRPr lang="en-US" dirty="0"/>
+        </a:p>
+      </dgm:t>
+    </dgm:pt>
+    <dgm:pt modelId="{9F661BE4-71DC-4105-8BD5-301DB76E4A0F}" type="parTrans" cxnId="{473012C6-2575-4D87-8FE6-DD657648F194}">
+      <dgm:prSet/>
+      <dgm:spPr/>
+      <dgm:t>
+        <a:bodyPr/>
+        <a:lstStyle/>
+        <a:p>
+          <a:endParaRPr lang="en-US"/>
+        </a:p>
+      </dgm:t>
+    </dgm:pt>
+    <dgm:pt modelId="{F779E767-8151-4530-9627-B8E71853BDFF}" type="sibTrans" cxnId="{473012C6-2575-4D87-8FE6-DD657648F194}">
+      <dgm:prSet/>
+      <dgm:spPr/>
+      <dgm:t>
+        <a:bodyPr/>
+        <a:lstStyle/>
+        <a:p>
+          <a:endParaRPr lang="en-US"/>
+        </a:p>
+      </dgm:t>
+    </dgm:pt>
+    <dgm:pt modelId="{74DC694E-3D09-4A3E-AA06-0F436465B8DD}" type="pres">
+      <dgm:prSet presAssocID="{05737378-F74C-4E24-9EC2-0D2BB5758FB1}" presName="diagram" presStyleCnt="0">
+        <dgm:presLayoutVars>
+          <dgm:dir/>
+          <dgm:resizeHandles val="exact"/>
+        </dgm:presLayoutVars>
+      </dgm:prSet>
+      <dgm:spPr/>
+    </dgm:pt>
+    <dgm:pt modelId="{2CAB0F38-E292-4E90-B35F-6EB8A903C9CB}" type="pres">
+      <dgm:prSet presAssocID="{CA08021B-585B-46E7-BA1F-5420E56DFF26}" presName="node" presStyleLbl="node1" presStyleIdx="0" presStyleCnt="10">
+        <dgm:presLayoutVars>
+          <dgm:bulletEnabled val="1"/>
+        </dgm:presLayoutVars>
+      </dgm:prSet>
+      <dgm:spPr/>
+    </dgm:pt>
+    <dgm:pt modelId="{63441EE2-73B0-4816-B767-6FDF68D8E957}" type="pres">
+      <dgm:prSet presAssocID="{3AE963F2-851B-4C54-8100-1077DEBC4009}" presName="sibTrans" presStyleCnt="0"/>
+      <dgm:spPr/>
+    </dgm:pt>
+    <dgm:pt modelId="{35CD2B37-F779-4962-82A3-DEC6CC6C87F5}" type="pres">
+      <dgm:prSet presAssocID="{DF64254A-9EBD-4EFC-9802-521BFBFB7109}" presName="node" presStyleLbl="node1" presStyleIdx="1" presStyleCnt="10">
+        <dgm:presLayoutVars>
+          <dgm:bulletEnabled val="1"/>
+        </dgm:presLayoutVars>
+      </dgm:prSet>
+      <dgm:spPr/>
+    </dgm:pt>
+    <dgm:pt modelId="{875024A1-D88A-450E-9C62-4A6E444B67E8}" type="pres">
+      <dgm:prSet presAssocID="{E3181219-D854-4321-94E5-2C4540E74E9F}" presName="sibTrans" presStyleCnt="0"/>
+      <dgm:spPr/>
+    </dgm:pt>
+    <dgm:pt modelId="{D8CA33B2-CD12-4D9B-B73D-AEBEFF4856CD}" type="pres">
+      <dgm:prSet presAssocID="{CEFBEC40-31D5-4F80-AE5D-15FBAFBBF5A0}" presName="node" presStyleLbl="node1" presStyleIdx="2" presStyleCnt="10">
+        <dgm:presLayoutVars>
+          <dgm:bulletEnabled val="1"/>
+        </dgm:presLayoutVars>
+      </dgm:prSet>
+      <dgm:spPr/>
+    </dgm:pt>
+    <dgm:pt modelId="{08A1EADD-141B-4BDE-92D5-1C422EF0A383}" type="pres">
+      <dgm:prSet presAssocID="{7AEDD36E-0B87-4FC4-91FC-30E8D827C823}" presName="sibTrans" presStyleCnt="0"/>
+      <dgm:spPr/>
+    </dgm:pt>
+    <dgm:pt modelId="{556F3AFB-5CAC-40F2-BD2F-7BCE935EBF20}" type="pres">
+      <dgm:prSet presAssocID="{EC304DEE-ECC8-4115-AC0C-7FAE380EE5DC}" presName="node" presStyleLbl="node1" presStyleIdx="3" presStyleCnt="10">
+        <dgm:presLayoutVars>
+          <dgm:bulletEnabled val="1"/>
+        </dgm:presLayoutVars>
+      </dgm:prSet>
+      <dgm:spPr/>
+    </dgm:pt>
+    <dgm:pt modelId="{8E181051-9221-4B36-8761-DBFE5D1CC42D}" type="pres">
+      <dgm:prSet presAssocID="{76D59B59-E733-4A24-B6FD-96DD6E6B0254}" presName="sibTrans" presStyleCnt="0"/>
+      <dgm:spPr/>
+    </dgm:pt>
+    <dgm:pt modelId="{46E7CDFA-621F-40A9-A72F-13159B4965BE}" type="pres">
+      <dgm:prSet presAssocID="{EAB44E80-EB98-4FB7-B58D-9054D1F44343}" presName="node" presStyleLbl="node1" presStyleIdx="4" presStyleCnt="10">
+        <dgm:presLayoutVars>
+          <dgm:bulletEnabled val="1"/>
+        </dgm:presLayoutVars>
+      </dgm:prSet>
+      <dgm:spPr/>
+    </dgm:pt>
+    <dgm:pt modelId="{9309253B-4A3F-413D-A3B8-AE6FBE19481F}" type="pres">
+      <dgm:prSet presAssocID="{E6FECD94-72AC-4865-AC62-6FCC3C529198}" presName="sibTrans" presStyleCnt="0"/>
+      <dgm:spPr/>
+    </dgm:pt>
+    <dgm:pt modelId="{87505D9B-FB99-4C9F-A1CB-5FFBDDBFE589}" type="pres">
+      <dgm:prSet presAssocID="{833137B7-273E-4CB6-8381-2C2F2ACF41A9}" presName="node" presStyleLbl="node1" presStyleIdx="5" presStyleCnt="10">
+        <dgm:presLayoutVars>
+          <dgm:bulletEnabled val="1"/>
+        </dgm:presLayoutVars>
+      </dgm:prSet>
+      <dgm:spPr/>
+    </dgm:pt>
+    <dgm:pt modelId="{5F06CE04-DBE2-493A-A3A7-CB2280886FCD}" type="pres">
+      <dgm:prSet presAssocID="{2CB78FF2-AAAD-4541-81AE-E58D28D208BA}" presName="sibTrans" presStyleCnt="0"/>
+      <dgm:spPr/>
+    </dgm:pt>
+    <dgm:pt modelId="{E875863E-5C66-47F5-9A02-8D09F1459740}" type="pres">
+      <dgm:prSet presAssocID="{BE9C5062-E235-4175-A274-94C994B2BBD2}" presName="node" presStyleLbl="node1" presStyleIdx="6" presStyleCnt="10">
+        <dgm:presLayoutVars>
+          <dgm:bulletEnabled val="1"/>
+        </dgm:presLayoutVars>
+      </dgm:prSet>
+      <dgm:spPr/>
+    </dgm:pt>
+    <dgm:pt modelId="{F7EBA5FE-26AB-4BDB-8624-082CEDA7776B}" type="pres">
+      <dgm:prSet presAssocID="{10BB8CC6-3A31-48FF-BCD5-DC47BE72146B}" presName="sibTrans" presStyleCnt="0"/>
+      <dgm:spPr/>
+    </dgm:pt>
+    <dgm:pt modelId="{7843059E-BCF7-45F4-B578-65601AC84C15}" type="pres">
+      <dgm:prSet presAssocID="{05E9AB3C-DFD6-4864-A678-A90FD79237AF}" presName="node" presStyleLbl="node1" presStyleIdx="7" presStyleCnt="10">
+        <dgm:presLayoutVars>
+          <dgm:bulletEnabled val="1"/>
+        </dgm:presLayoutVars>
+      </dgm:prSet>
+      <dgm:spPr/>
+    </dgm:pt>
+    <dgm:pt modelId="{A10E726B-60BC-477B-9D04-197AC48C9DC4}" type="pres">
+      <dgm:prSet presAssocID="{72912596-1194-4126-8E06-3BCF376FB764}" presName="sibTrans" presStyleCnt="0"/>
+      <dgm:spPr/>
+    </dgm:pt>
+    <dgm:pt modelId="{71D7D387-6645-4FFF-8203-40963EE90B98}" type="pres">
+      <dgm:prSet presAssocID="{0DEABE5C-1100-4841-AE6B-8418162BA37F}" presName="node" presStyleLbl="node1" presStyleIdx="8" presStyleCnt="10">
+        <dgm:presLayoutVars>
+          <dgm:bulletEnabled val="1"/>
+        </dgm:presLayoutVars>
+      </dgm:prSet>
+      <dgm:spPr/>
+    </dgm:pt>
+    <dgm:pt modelId="{DA6AA187-C63B-4EBE-80F4-5E2F8ADE9C54}" type="pres">
+      <dgm:prSet presAssocID="{9D4190AC-B3D2-43C6-A8A9-231E6F4741D7}" presName="sibTrans" presStyleCnt="0"/>
+      <dgm:spPr/>
+    </dgm:pt>
+    <dgm:pt modelId="{F98ADD5E-C142-4430-B4C0-7EA272D37E54}" type="pres">
+      <dgm:prSet presAssocID="{27CD27FC-1C78-4066-BFAA-6106CA4C407B}" presName="node" presStyleLbl="node1" presStyleIdx="9" presStyleCnt="10">
+        <dgm:presLayoutVars>
+          <dgm:bulletEnabled val="1"/>
+        </dgm:presLayoutVars>
+      </dgm:prSet>
+      <dgm:spPr/>
+    </dgm:pt>
   </dgm:ptLst>
   <dgm:cxnLst>
-    <dgm:cxn modelId="{8106C6B0-F846-4FEC-8E0F-FAB2C7C9574D}" type="presOf" srcId="{85D9D1EC-D603-41AE-A0D5-D40BB7861333}" destId="{B7D51C12-D406-40C3-B188-97D6C4C03636}" srcOrd="0" destOrd="0" presId="urn:microsoft.com/office/officeart/2005/8/layout/default"/>
-    <dgm:cxn modelId="{14869B52-DF14-4BF7-9DE1-929F097CEF01}" type="presOf" srcId="{93FF2072-4925-412F-B5EF-CEF7128B76E3}" destId="{071F557A-7AF5-4245-8C6A-20AC9955B137}" srcOrd="0" destOrd="0" presId="urn:microsoft.com/office/officeart/2005/8/layout/default"/>
-    <dgm:cxn modelId="{1FDC86EA-A094-4E71-AEA2-9174A76B0E59}" type="presOf" srcId="{70AB44C9-9218-4B17-BF8C-395A8A9293A7}" destId="{887A92B0-3B07-4217-9C68-EB1E87976F03}" srcOrd="0" destOrd="0" presId="urn:microsoft.com/office/officeart/2005/8/layout/default"/>
+    <dgm:cxn modelId="{631E0B0C-32CD-4BA6-B298-C74890F8D470}" srcId="{05737378-F74C-4E24-9EC2-0D2BB5758FB1}" destId="{BE9C5062-E235-4175-A274-94C994B2BBD2}" srcOrd="6" destOrd="0" parTransId="{9AD3C363-D4CB-4F02-80AD-A19E42C0CFA4}" sibTransId="{10BB8CC6-3A31-48FF-BCD5-DC47BE72146B}"/>
+    <dgm:cxn modelId="{12B57F1A-7AAC-4763-B00C-DEFB40CF4EF5}" srcId="{05737378-F74C-4E24-9EC2-0D2BB5758FB1}" destId="{EAB44E80-EB98-4FB7-B58D-9054D1F44343}" srcOrd="4" destOrd="0" parTransId="{1AD31A3F-A9DF-4B29-A02B-660D5D646C0F}" sibTransId="{E6FECD94-72AC-4865-AC62-6FCC3C529198}"/>
+    <dgm:cxn modelId="{E27AA84A-57F7-455D-8EB7-8F81DA5260AE}" srcId="{05737378-F74C-4E24-9EC2-0D2BB5758FB1}" destId="{CEFBEC40-31D5-4F80-AE5D-15FBAFBBF5A0}" srcOrd="2" destOrd="0" parTransId="{A6FD00DA-84F5-43A5-86EF-A56BA0FE0F7A}" sibTransId="{7AEDD36E-0B87-4FC4-91FC-30E8D827C823}"/>
+    <dgm:cxn modelId="{605E9C4D-8446-4E80-BAC0-C2D3D0AFDFE5}" srcId="{05737378-F74C-4E24-9EC2-0D2BB5758FB1}" destId="{833137B7-273E-4CB6-8381-2C2F2ACF41A9}" srcOrd="5" destOrd="0" parTransId="{C85722CF-114F-4466-82C8-7058DC435DD6}" sibTransId="{2CB78FF2-AAAD-4541-81AE-E58D28D208BA}"/>
+    <dgm:cxn modelId="{43B85156-CD02-417A-8B98-074ABCAFC629}" srcId="{05737378-F74C-4E24-9EC2-0D2BB5758FB1}" destId="{05E9AB3C-DFD6-4864-A678-A90FD79237AF}" srcOrd="7" destOrd="0" parTransId="{4D10C5E8-8B46-4450-B1CB-CC37690D0044}" sibTransId="{72912596-1194-4126-8E06-3BCF376FB764}"/>
+    <dgm:cxn modelId="{58A1DB5A-EBB6-4C4E-8A19-4709FF509CD9}" srcId="{05737378-F74C-4E24-9EC2-0D2BB5758FB1}" destId="{EC304DEE-ECC8-4115-AC0C-7FAE380EE5DC}" srcOrd="3" destOrd="0" parTransId="{32ED1675-E964-4124-A5F9-87012E54751F}" sibTransId="{76D59B59-E733-4A24-B6FD-96DD6E6B0254}"/>
+    <dgm:cxn modelId="{5C69498A-C0CF-4B1C-8B83-AB4936C606E8}" srcId="{05737378-F74C-4E24-9EC2-0D2BB5758FB1}" destId="{CA08021B-585B-46E7-BA1F-5420E56DFF26}" srcOrd="0" destOrd="0" parTransId="{C3858590-1432-4944-89FA-CB68A3AE18A5}" sibTransId="{3AE963F2-851B-4C54-8100-1077DEBC4009}"/>
+    <dgm:cxn modelId="{B388398B-DD25-4D96-861D-5EC744A50C20}" type="presOf" srcId="{CEFBEC40-31D5-4F80-AE5D-15FBAFBBF5A0}" destId="{D8CA33B2-CD12-4D9B-B73D-AEBEFF4856CD}" srcOrd="0" destOrd="0" presId="urn:microsoft.com/office/officeart/2005/8/layout/default"/>
     <dgm:cxn modelId="{4C96918B-B013-4CA3-905E-18F7331B018E}" type="presOf" srcId="{BE9C5062-E235-4175-A274-94C994B2BBD2}" destId="{E875863E-5C66-47F5-9A02-8D09F1459740}" srcOrd="0" destOrd="0" presId="urn:microsoft.com/office/officeart/2005/8/layout/default"/>
-    <dgm:cxn modelId="{C5EF76C1-85B4-410A-B920-B2287746D835}" srcId="{05737378-F74C-4E24-9EC2-0D2BB5758FB1}" destId="{70AB44C9-9218-4B17-BF8C-395A8A9293A7}" srcOrd="10" destOrd="0" parTransId="{283A6A4F-E8C8-48B7-A47F-03377034D211}" sibTransId="{A8251120-2E7C-46DC-8314-2C7837025E49}"/>
+    <dgm:cxn modelId="{83C7D896-DA89-4D78-8869-A1959AA3B220}" srcId="{05737378-F74C-4E24-9EC2-0D2BB5758FB1}" destId="{DF64254A-9EBD-4EFC-9802-521BFBFB7109}" srcOrd="1" destOrd="0" parTransId="{392C3C0E-C17E-4820-B9FD-69B100A6C062}" sibTransId="{E3181219-D854-4321-94E5-2C4540E74E9F}"/>
+    <dgm:cxn modelId="{D39C1D97-F9E6-479B-A32B-CEDF77D52252}" type="presOf" srcId="{CA08021B-585B-46E7-BA1F-5420E56DFF26}" destId="{2CAB0F38-E292-4E90-B35F-6EB8A903C9CB}" srcOrd="0" destOrd="0" presId="urn:microsoft.com/office/officeart/2005/8/layout/default"/>
+    <dgm:cxn modelId="{EB1EE9A3-B12F-4095-B15A-8A4BC3093D8D}" type="presOf" srcId="{05E9AB3C-DFD6-4864-A678-A90FD79237AF}" destId="{7843059E-BCF7-45F4-B578-65601AC84C15}" srcOrd="0" destOrd="0" presId="urn:microsoft.com/office/officeart/2005/8/layout/default"/>
+    <dgm:cxn modelId="{7F9FB9A5-108D-4614-BF5A-796C77DB19E7}" type="presOf" srcId="{EC304DEE-ECC8-4115-AC0C-7FAE380EE5DC}" destId="{556F3AFB-5CAC-40F2-BD2F-7BCE935EBF20}" srcOrd="0" destOrd="0" presId="urn:microsoft.com/office/officeart/2005/8/layout/default"/>
     <dgm:cxn modelId="{08073DB3-02EA-4C77-8F26-C87C8B6C3ED3}" type="presOf" srcId="{833137B7-273E-4CB6-8381-2C2F2ACF41A9}" destId="{87505D9B-FB99-4C9F-A1CB-5FFBDDBFE589}" srcOrd="0" destOrd="0" presId="urn:microsoft.com/office/officeart/2005/8/layout/default"/>
-    <dgm:cxn modelId="{83C7D896-DA89-4D78-8869-A1959AA3B220}" srcId="{05737378-F74C-4E24-9EC2-0D2BB5758FB1}" destId="{DF64254A-9EBD-4EFC-9802-521BFBFB7109}" srcOrd="1" destOrd="0" parTransId="{392C3C0E-C17E-4820-B9FD-69B100A6C062}" sibTransId="{E3181219-D854-4321-94E5-2C4540E74E9F}"/>
+    <dgm:cxn modelId="{473012C6-2575-4D87-8FE6-DD657648F194}" srcId="{05737378-F74C-4E24-9EC2-0D2BB5758FB1}" destId="{27CD27FC-1C78-4066-BFAA-6106CA4C407B}" srcOrd="9" destOrd="0" parTransId="{9F661BE4-71DC-4105-8BD5-301DB76E4A0F}" sibTransId="{F779E767-8151-4530-9627-B8E71853BDFF}"/>
+    <dgm:cxn modelId="{5837B3DE-5634-42DD-9DD6-B6E5BF73F3F1}" type="presOf" srcId="{EAB44E80-EB98-4FB7-B58D-9054D1F44343}" destId="{46E7CDFA-621F-40A9-A72F-13159B4965BE}" srcOrd="0" destOrd="0" presId="urn:microsoft.com/office/officeart/2005/8/layout/default"/>
     <dgm:cxn modelId="{D3F94EE7-BDF2-4B1E-8070-AE51AD075A6D}" type="presOf" srcId="{DF64254A-9EBD-4EFC-9802-521BFBFB7109}" destId="{35CD2B37-F779-4962-82A3-DEC6CC6C87F5}" srcOrd="0" destOrd="0" presId="urn:microsoft.com/office/officeart/2005/8/layout/default"/>
+    <dgm:cxn modelId="{EB1087E9-D1B0-4D0B-A44C-9164620F1478}" type="presOf" srcId="{27CD27FC-1C78-4066-BFAA-6106CA4C407B}" destId="{F98ADD5E-C142-4430-B4C0-7EA272D37E54}" srcOrd="0" destOrd="0" presId="urn:microsoft.com/office/officeart/2005/8/layout/default"/>
+    <dgm:cxn modelId="{D999D6EB-61A2-4986-B990-CDA108B5280C}" type="presOf" srcId="{0DEABE5C-1100-4841-AE6B-8418162BA37F}" destId="{71D7D387-6645-4FFF-8203-40963EE90B98}" srcOrd="0" destOrd="0" presId="urn:microsoft.com/office/officeart/2005/8/layout/default"/>
     <dgm:cxn modelId="{540AFBF0-7756-4B28-BD69-B6E65DB3B15C}" srcId="{05737378-F74C-4E24-9EC2-0D2BB5758FB1}" destId="{0DEABE5C-1100-4841-AE6B-8418162BA37F}" srcOrd="8" destOrd="0" parTransId="{3D7765CE-D4A2-4B26-860F-F9AC5E3AE6D1}" sibTransId="{9D4190AC-B3D2-43C6-A8A9-231E6F4741D7}"/>
-    <dgm:cxn modelId="{58A1DB5A-EBB6-4C4E-8A19-4709FF509CD9}" srcId="{05737378-F74C-4E24-9EC2-0D2BB5758FB1}" destId="{EC304DEE-ECC8-4115-AC0C-7FAE380EE5DC}" srcOrd="3" destOrd="0" parTransId="{32ED1675-E964-4124-A5F9-87012E54751F}" sibTransId="{76D59B59-E733-4A24-B6FD-96DD6E6B0254}"/>
-    <dgm:cxn modelId="{12B57F1A-7AAC-4763-B00C-DEFB40CF4EF5}" srcId="{05737378-F74C-4E24-9EC2-0D2BB5758FB1}" destId="{EAB44E80-EB98-4FB7-B58D-9054D1F44343}" srcOrd="4" destOrd="0" parTransId="{1AD31A3F-A9DF-4B29-A02B-660D5D646C0F}" sibTransId="{E6FECD94-72AC-4865-AC62-6FCC3C529198}"/>
     <dgm:cxn modelId="{D25356F8-626A-4283-9AE4-B2E30D657B6C}" type="presOf" srcId="{05737378-F74C-4E24-9EC2-0D2BB5758FB1}" destId="{74DC694E-3D09-4A3E-AA06-0F436465B8DD}" srcOrd="0" destOrd="0" presId="urn:microsoft.com/office/officeart/2005/8/layout/default"/>
-    <dgm:cxn modelId="{EB1EE9A3-B12F-4095-B15A-8A4BC3093D8D}" type="presOf" srcId="{05E9AB3C-DFD6-4864-A678-A90FD79237AF}" destId="{7843059E-BCF7-45F4-B578-65601AC84C15}" srcOrd="0" destOrd="0" presId="urn:microsoft.com/office/officeart/2005/8/layout/default"/>
-    <dgm:cxn modelId="{D39C1D97-F9E6-479B-A32B-CEDF77D52252}" type="presOf" srcId="{CA08021B-585B-46E7-BA1F-5420E56DFF26}" destId="{2CAB0F38-E292-4E90-B35F-6EB8A903C9CB}" srcOrd="0" destOrd="0" presId="urn:microsoft.com/office/officeart/2005/8/layout/default"/>
-    <dgm:cxn modelId="{D999D6EB-61A2-4986-B990-CDA108B5280C}" type="presOf" srcId="{0DEABE5C-1100-4841-AE6B-8418162BA37F}" destId="{71D7D387-6645-4FFF-8203-40963EE90B98}" srcOrd="0" destOrd="0" presId="urn:microsoft.com/office/officeart/2005/8/layout/default"/>
-    <dgm:cxn modelId="{5837B3DE-5634-42DD-9DD6-B6E5BF73F3F1}" type="presOf" srcId="{EAB44E80-EB98-4FB7-B58D-9054D1F44343}" destId="{46E7CDFA-621F-40A9-A72F-13159B4965BE}" srcOrd="0" destOrd="0" presId="urn:microsoft.com/office/officeart/2005/8/layout/default"/>
-    <dgm:cxn modelId="{5C69498A-C0CF-4B1C-8B83-AB4936C606E8}" srcId="{05737378-F74C-4E24-9EC2-0D2BB5758FB1}" destId="{CA08021B-585B-46E7-BA1F-5420E56DFF26}" srcOrd="0" destOrd="0" parTransId="{C3858590-1432-4944-89FA-CB68A3AE18A5}" sibTransId="{3AE963F2-851B-4C54-8100-1077DEBC4009}"/>
-    <dgm:cxn modelId="{BC698B29-8830-4BD6-BBD7-0DA1B1C4A00E}" srcId="{05737378-F74C-4E24-9EC2-0D2BB5758FB1}" destId="{933E1672-E9BF-4F75-81D1-24766C128B0B}" srcOrd="9" destOrd="0" parTransId="{3D6A42A4-8419-4927-B099-DDF810CD127F}" sibTransId="{C2CE6673-EAC7-46A9-BE21-723358925710}"/>
-    <dgm:cxn modelId="{43B85156-CD02-417A-8B98-074ABCAFC629}" srcId="{05737378-F74C-4E24-9EC2-0D2BB5758FB1}" destId="{05E9AB3C-DFD6-4864-A678-A90FD79237AF}" srcOrd="7" destOrd="0" parTransId="{4D10C5E8-8B46-4450-B1CB-CC37690D0044}" sibTransId="{72912596-1194-4126-8E06-3BCF376FB764}"/>
-    <dgm:cxn modelId="{7F9FB9A5-108D-4614-BF5A-796C77DB19E7}" type="presOf" srcId="{EC304DEE-ECC8-4115-AC0C-7FAE380EE5DC}" destId="{556F3AFB-5CAC-40F2-BD2F-7BCE935EBF20}" srcOrd="0" destOrd="0" presId="urn:microsoft.com/office/officeart/2005/8/layout/default"/>
-    <dgm:cxn modelId="{EF496DB7-EBB7-4F7C-9EDE-E5F5F4FC8621}" srcId="{05737378-F74C-4E24-9EC2-0D2BB5758FB1}" destId="{85D9D1EC-D603-41AE-A0D5-D40BB7861333}" srcOrd="11" destOrd="0" parTransId="{0A32FE30-FCFC-491D-A031-3C484A183302}" sibTransId="{31706799-9539-4B59-AF0B-4B5330E8A253}"/>
-    <dgm:cxn modelId="{5B2A3EA0-54FF-4812-A101-80913D9E9C07}" type="presOf" srcId="{933E1672-E9BF-4F75-81D1-24766C128B0B}" destId="{C0939774-B50A-4E11-AC98-9F1BF4E8D7B3}" srcOrd="0" destOrd="0" presId="urn:microsoft.com/office/officeart/2005/8/layout/default"/>
-    <dgm:cxn modelId="{A44AC37C-A6C0-40FD-848D-F560872F35CB}" srcId="{05737378-F74C-4E24-9EC2-0D2BB5758FB1}" destId="{93FF2072-4925-412F-B5EF-CEF7128B76E3}" srcOrd="2" destOrd="0" parTransId="{788A7467-1AA9-4A64-B7DD-F71092FECF52}" sibTransId="{A20F0525-71D9-473D-9413-0B9A01E37F5E}"/>
-    <dgm:cxn modelId="{605E9C4D-8446-4E80-BAC0-C2D3D0AFDFE5}" srcId="{05737378-F74C-4E24-9EC2-0D2BB5758FB1}" destId="{833137B7-273E-4CB6-8381-2C2F2ACF41A9}" srcOrd="5" destOrd="0" parTransId="{C85722CF-114F-4466-82C8-7058DC435DD6}" sibTransId="{2CB78FF2-AAAD-4541-81AE-E58D28D208BA}"/>
-    <dgm:cxn modelId="{631E0B0C-32CD-4BA6-B298-C74890F8D470}" srcId="{05737378-F74C-4E24-9EC2-0D2BB5758FB1}" destId="{BE9C5062-E235-4175-A274-94C994B2BBD2}" srcOrd="6" destOrd="0" parTransId="{9AD3C363-D4CB-4F02-80AD-A19E42C0CFA4}" sibTransId="{10BB8CC6-3A31-48FF-BCD5-DC47BE72146B}"/>
     <dgm:cxn modelId="{1C0F507F-2D90-416F-A3AA-20E4CCD964D5}" type="presParOf" srcId="{74DC694E-3D09-4A3E-AA06-0F436465B8DD}" destId="{2CAB0F38-E292-4E90-B35F-6EB8A903C9CB}" srcOrd="0" destOrd="0" presId="urn:microsoft.com/office/officeart/2005/8/layout/default"/>
     <dgm:cxn modelId="{77B2D0E8-1127-4063-A94F-B34A2411374D}" type="presParOf" srcId="{74DC694E-3D09-4A3E-AA06-0F436465B8DD}" destId="{63441EE2-73B0-4816-B767-6FDF68D8E957}" srcOrd="1" destOrd="0" presId="urn:microsoft.com/office/officeart/2005/8/layout/default"/>
     <dgm:cxn modelId="{6DB20DFC-CA99-43F3-8B84-48705E1DD7BD}" type="presParOf" srcId="{74DC694E-3D09-4A3E-AA06-0F436465B8DD}" destId="{35CD2B37-F779-4962-82A3-DEC6CC6C87F5}" srcOrd="2" destOrd="0" presId="urn:microsoft.com/office/officeart/2005/8/layout/default"/>
     <dgm:cxn modelId="{2FCB7500-23FC-4085-919B-E9CBAA862520}" type="presParOf" srcId="{74DC694E-3D09-4A3E-AA06-0F436465B8DD}" destId="{875024A1-D88A-450E-9C62-4A6E444B67E8}" srcOrd="3" destOrd="0" presId="urn:microsoft.com/office/officeart/2005/8/layout/default"/>
-    <dgm:cxn modelId="{CEBC3FFC-D8E7-476E-8449-F00E5D25A019}" type="presParOf" srcId="{74DC694E-3D09-4A3E-AA06-0F436465B8DD}" destId="{071F557A-7AF5-4245-8C6A-20AC9955B137}" srcOrd="4" destOrd="0" presId="urn:microsoft.com/office/officeart/2005/8/layout/default"/>
-    <dgm:cxn modelId="{C959C9EA-EF0A-4D22-B147-FEFA33FCA87F}" type="presParOf" srcId="{74DC694E-3D09-4A3E-AA06-0F436465B8DD}" destId="{72DA49D2-15E3-4818-A7F5-8D609BB2B4EE}" srcOrd="5" destOrd="0" presId="urn:microsoft.com/office/officeart/2005/8/layout/default"/>
+    <dgm:cxn modelId="{8CDEC66D-C727-423C-A03F-C5C46B2664C9}" type="presParOf" srcId="{74DC694E-3D09-4A3E-AA06-0F436465B8DD}" destId="{D8CA33B2-CD12-4D9B-B73D-AEBEFF4856CD}" srcOrd="4" destOrd="0" presId="urn:microsoft.com/office/officeart/2005/8/layout/default"/>
+    <dgm:cxn modelId="{E8C44EFA-EAD7-4CF2-BFEE-F96D99A47CA8}" type="presParOf" srcId="{74DC694E-3D09-4A3E-AA06-0F436465B8DD}" destId="{08A1EADD-141B-4BDE-92D5-1C422EF0A383}" srcOrd="5" destOrd="0" presId="urn:microsoft.com/office/officeart/2005/8/layout/default"/>
     <dgm:cxn modelId="{807EABD0-895A-42B7-A25E-6DF54A6B2951}" type="presParOf" srcId="{74DC694E-3D09-4A3E-AA06-0F436465B8DD}" destId="{556F3AFB-5CAC-40F2-BD2F-7BCE935EBF20}" srcOrd="6" destOrd="0" presId="urn:microsoft.com/office/officeart/2005/8/layout/default"/>
     <dgm:cxn modelId="{2A0AA83A-6EF6-413B-B4FC-25DF33B267F6}" type="presParOf" srcId="{74DC694E-3D09-4A3E-AA06-0F436465B8DD}" destId="{8E181051-9221-4B36-8761-DBFE5D1CC42D}" srcOrd="7" destOrd="0" presId="urn:microsoft.com/office/officeart/2005/8/layout/default"/>
     <dgm:cxn modelId="{0249967A-212C-46A8-B99E-90C46BEFCFCD}" type="presParOf" srcId="{74DC694E-3D09-4A3E-AA06-0F436465B8DD}" destId="{46E7CDFA-621F-40A9-A72F-13159B4965BE}" srcOrd="8" destOrd="0" presId="urn:microsoft.com/office/officeart/2005/8/layout/default"/>
@@ -1649,11 +2949,7 @@
     <dgm:cxn modelId="{853BF4C1-1129-4F44-BCDE-EB5321A0EF9B}" type="presParOf" srcId="{74DC694E-3D09-4A3E-AA06-0F436465B8DD}" destId="{A10E726B-60BC-477B-9D04-197AC48C9DC4}" srcOrd="15" destOrd="0" presId="urn:microsoft.com/office/officeart/2005/8/layout/default"/>
     <dgm:cxn modelId="{A43124B3-9855-4FDD-AD0C-31EA9F1EF2E4}" type="presParOf" srcId="{74DC694E-3D09-4A3E-AA06-0F436465B8DD}" destId="{71D7D387-6645-4FFF-8203-40963EE90B98}" srcOrd="16" destOrd="0" presId="urn:microsoft.com/office/officeart/2005/8/layout/default"/>
     <dgm:cxn modelId="{C8647F6E-2226-48AB-BDBD-47B222C59FE5}" type="presParOf" srcId="{74DC694E-3D09-4A3E-AA06-0F436465B8DD}" destId="{DA6AA187-C63B-4EBE-80F4-5E2F8ADE9C54}" srcOrd="17" destOrd="0" presId="urn:microsoft.com/office/officeart/2005/8/layout/default"/>
-    <dgm:cxn modelId="{02790BC3-7B9C-4072-A700-006EEFA44F8C}" type="presParOf" srcId="{74DC694E-3D09-4A3E-AA06-0F436465B8DD}" destId="{C0939774-B50A-4E11-AC98-9F1BF4E8D7B3}" srcOrd="18" destOrd="0" presId="urn:microsoft.com/office/officeart/2005/8/layout/default"/>
-    <dgm:cxn modelId="{D60372B4-4467-4CCE-90B5-C24B47187F10}" type="presParOf" srcId="{74DC694E-3D09-4A3E-AA06-0F436465B8DD}" destId="{41235C63-C841-4B2D-AFF7-A0630920172F}" srcOrd="19" destOrd="0" presId="urn:microsoft.com/office/officeart/2005/8/layout/default"/>
-    <dgm:cxn modelId="{71EEF566-35B5-4955-884A-CDA6F3278862}" type="presParOf" srcId="{74DC694E-3D09-4A3E-AA06-0F436465B8DD}" destId="{887A92B0-3B07-4217-9C68-EB1E87976F03}" srcOrd="20" destOrd="0" presId="urn:microsoft.com/office/officeart/2005/8/layout/default"/>
-    <dgm:cxn modelId="{96D70D0D-B285-464A-A6F8-EA2BAEB4467D}" type="presParOf" srcId="{74DC694E-3D09-4A3E-AA06-0F436465B8DD}" destId="{70289C8D-5A99-4A82-BA15-5EF95CDE63F5}" srcOrd="21" destOrd="0" presId="urn:microsoft.com/office/officeart/2005/8/layout/default"/>
-    <dgm:cxn modelId="{FED85F8F-EC2D-4055-8FD3-434892B9BD50}" type="presParOf" srcId="{74DC694E-3D09-4A3E-AA06-0F436465B8DD}" destId="{B7D51C12-D406-40C3-B188-97D6C4C03636}" srcOrd="22" destOrd="0" presId="urn:microsoft.com/office/officeart/2005/8/layout/default"/>
+    <dgm:cxn modelId="{8E9BD6A2-BB0B-4086-B9C6-B31174055800}" type="presParOf" srcId="{74DC694E-3D09-4A3E-AA06-0F436465B8DD}" destId="{F98ADD5E-C142-4430-B4C0-7EA272D37E54}" srcOrd="18" destOrd="0" presId="urn:microsoft.com/office/officeart/2005/8/layout/default"/>
   </dgm:cxnLst>
   <dgm:bg/>
   <dgm:whole/>
@@ -1727,7 +3023,7 @@
         </a:bodyPr>
         <a:lstStyle/>
         <a:p>
-          <a:pPr lvl="0" algn="ctr" defTabSz="977900">
+          <a:pPr marL="0" lvl="0" indent="0" algn="ctr" defTabSz="977900">
             <a:lnSpc>
               <a:spcPct val="90000"/>
             </a:lnSpc>
@@ -1737,6 +3033,7 @@
             <a:spcAft>
               <a:spcPct val="35000"/>
             </a:spcAft>
+            <a:buNone/>
           </a:pPr>
           <a:r>
             <a:rPr lang="en-US" sz="2200" kern="1200"/>
@@ -1764,9 +3061,9 @@
         </a:prstGeom>
         <a:solidFill>
           <a:schemeClr val="accent2">
-            <a:hueOff val="-70"/>
-            <a:satOff val="-8"/>
-            <a:lumOff val="-2799"/>
+            <a:hueOff val="-65"/>
+            <a:satOff val="-7"/>
+            <a:lumOff val="-2565"/>
             <a:alphaOff val="0"/>
           </a:schemeClr>
         </a:solidFill>
@@ -1803,7 +3100,7 @@
         </a:bodyPr>
         <a:lstStyle/>
         <a:p>
-          <a:pPr lvl="0" algn="ctr" defTabSz="977900">
+          <a:pPr marL="0" lvl="0" indent="0" algn="ctr" defTabSz="977900">
             <a:lnSpc>
               <a:spcPct val="90000"/>
             </a:lnSpc>
@@ -1813,6 +3110,7 @@
             <a:spcAft>
               <a:spcPct val="35000"/>
             </a:spcAft>
+            <a:buNone/>
           </a:pPr>
           <a:r>
             <a:rPr lang="en-US" sz="2200" kern="1200"/>
@@ -1840,9 +3138,9 @@
         </a:prstGeom>
         <a:solidFill>
           <a:schemeClr val="accent2">
-            <a:hueOff val="-141"/>
-            <a:satOff val="-16"/>
-            <a:lumOff val="-5597"/>
+            <a:hueOff val="-129"/>
+            <a:satOff val="-15"/>
+            <a:lumOff val="-5131"/>
             <a:alphaOff val="0"/>
           </a:schemeClr>
         </a:solidFill>
@@ -1879,7 +3177,7 @@
         </a:bodyPr>
         <a:lstStyle/>
         <a:p>
-          <a:pPr lvl="0" algn="ctr" defTabSz="977900">
+          <a:pPr marL="0" lvl="0" indent="0" algn="ctr" defTabSz="977900">
             <a:lnSpc>
               <a:spcPct val="90000"/>
             </a:lnSpc>
@@ -1889,9 +3187,10 @@
             <a:spcAft>
               <a:spcPct val="35000"/>
             </a:spcAft>
+            <a:buNone/>
           </a:pPr>
           <a:r>
-            <a:rPr lang="en-US" sz="2200" kern="1200"/>
+            <a:rPr lang="en-US" sz="2200" kern="1200" dirty="0"/>
             <a:t>Skip</a:t>
           </a:r>
         </a:p>
@@ -1901,7 +3200,7 @@
         <a:ext cx="1796741" cy="1078044"/>
       </dsp:txXfrm>
     </dsp:sp>
-    <dsp:sp modelId="{556F3AFB-5CAC-40F2-BD2F-7BCE935EBF20}">
+    <dsp:sp modelId="{D8CA33B2-CD12-4D9B-B73D-AEBEFF4856CD}">
       <dsp:nvSpPr>
         <dsp:cNvPr id="0" name=""/>
         <dsp:cNvSpPr/>
@@ -1916,9 +3215,9 @@
         </a:prstGeom>
         <a:solidFill>
           <a:schemeClr val="accent2">
-            <a:hueOff val="-211"/>
-            <a:satOff val="-24"/>
-            <a:lumOff val="-8396"/>
+            <a:hueOff val="-194"/>
+            <a:satOff val="-22"/>
+            <a:lumOff val="-7696"/>
             <a:alphaOff val="0"/>
           </a:schemeClr>
         </a:solidFill>
@@ -1955,7 +3254,7 @@
         </a:bodyPr>
         <a:lstStyle/>
         <a:p>
-          <a:pPr lvl="0" algn="ctr" defTabSz="977900">
+          <a:pPr marL="0" lvl="0" indent="0" algn="ctr" defTabSz="977900">
             <a:lnSpc>
               <a:spcPct val="90000"/>
             </a:lnSpc>
@@ -1965,10 +3264,11 @@
             <a:spcAft>
               <a:spcPct val="35000"/>
             </a:spcAft>
+            <a:buNone/>
           </a:pPr>
           <a:r>
             <a:rPr lang="en-US" sz="2200" kern="1200" dirty="0"/>
-            <a:t>List of dish (home page for all users)</a:t>
+            <a:t>Forget password </a:t>
           </a:r>
         </a:p>
       </dsp:txBody>
@@ -1977,7 +3277,7 @@
         <a:ext cx="1796741" cy="1078044"/>
       </dsp:txXfrm>
     </dsp:sp>
-    <dsp:sp modelId="{46E7CDFA-621F-40A9-A72F-13159B4965BE}">
+    <dsp:sp modelId="{556F3AFB-5CAC-40F2-BD2F-7BCE935EBF20}">
       <dsp:nvSpPr>
         <dsp:cNvPr id="0" name=""/>
         <dsp:cNvSpPr/>
@@ -1992,9 +3292,9 @@
         </a:prstGeom>
         <a:solidFill>
           <a:schemeClr val="accent2">
-            <a:hueOff val="-281"/>
-            <a:satOff val="-32"/>
-            <a:lumOff val="-11195"/>
+            <a:hueOff val="-258"/>
+            <a:satOff val="-30"/>
+            <a:lumOff val="-10262"/>
             <a:alphaOff val="0"/>
           </a:schemeClr>
         </a:solidFill>
@@ -2031,7 +3331,7 @@
         </a:bodyPr>
         <a:lstStyle/>
         <a:p>
-          <a:pPr lvl="0" algn="ctr" defTabSz="977900">
+          <a:pPr marL="0" lvl="0" indent="0" algn="ctr" defTabSz="977900">
             <a:lnSpc>
               <a:spcPct val="90000"/>
             </a:lnSpc>
@@ -2041,10 +3341,11 @@
             <a:spcAft>
               <a:spcPct val="35000"/>
             </a:spcAft>
+            <a:buNone/>
           </a:pPr>
           <a:r>
-            <a:rPr lang="en-US" sz="2200" kern="1200"/>
-            <a:t>Profile page </a:t>
+            <a:rPr lang="en-US" sz="2200" kern="1200" dirty="0"/>
+            <a:t>List of dish (home page)</a:t>
           </a:r>
         </a:p>
       </dsp:txBody>
@@ -2053,7 +3354,7 @@
         <a:ext cx="1796741" cy="1078044"/>
       </dsp:txXfrm>
     </dsp:sp>
-    <dsp:sp modelId="{87505D9B-FB99-4C9F-A1CB-5FFBDDBFE589}">
+    <dsp:sp modelId="{46E7CDFA-621F-40A9-A72F-13159B4965BE}">
       <dsp:nvSpPr>
         <dsp:cNvPr id="0" name=""/>
         <dsp:cNvSpPr/>
@@ -2068,9 +3369,9 @@
         </a:prstGeom>
         <a:solidFill>
           <a:schemeClr val="accent2">
-            <a:hueOff val="-352"/>
-            <a:satOff val="-40"/>
-            <a:lumOff val="-13993"/>
+            <a:hueOff val="-323"/>
+            <a:satOff val="-37"/>
+            <a:lumOff val="-12827"/>
             <a:alphaOff val="0"/>
           </a:schemeClr>
         </a:solidFill>
@@ -2107,7 +3408,7 @@
         </a:bodyPr>
         <a:lstStyle/>
         <a:p>
-          <a:pPr lvl="0" algn="ctr" defTabSz="977900">
+          <a:pPr marL="0" lvl="0" indent="0" algn="ctr" defTabSz="977900">
             <a:lnSpc>
               <a:spcPct val="90000"/>
             </a:lnSpc>
@@ -2117,10 +3418,11 @@
             <a:spcAft>
               <a:spcPct val="35000"/>
             </a:spcAft>
+            <a:buNone/>
           </a:pPr>
           <a:r>
-            <a:rPr lang="en-US" sz="2200" kern="1200"/>
-            <a:t>Settings page </a:t>
+            <a:rPr lang="en-US" sz="2200" kern="1200" dirty="0"/>
+            <a:t>Profile page (name and bio)</a:t>
           </a:r>
         </a:p>
       </dsp:txBody>
@@ -2129,7 +3431,7 @@
         <a:ext cx="1796741" cy="1078044"/>
       </dsp:txXfrm>
     </dsp:sp>
-    <dsp:sp modelId="{E875863E-5C66-47F5-9A02-8D09F1459740}">
+    <dsp:sp modelId="{87505D9B-FB99-4C9F-A1CB-5FFBDDBFE589}">
       <dsp:nvSpPr>
         <dsp:cNvPr id="0" name=""/>
         <dsp:cNvSpPr/>
@@ -2144,9 +3446,9 @@
         </a:prstGeom>
         <a:solidFill>
           <a:schemeClr val="accent2">
-            <a:hueOff val="-422"/>
-            <a:satOff val="-49"/>
-            <a:lumOff val="-16792"/>
+            <a:hueOff val="-387"/>
+            <a:satOff val="-44"/>
+            <a:lumOff val="-15393"/>
             <a:alphaOff val="0"/>
           </a:schemeClr>
         </a:solidFill>
@@ -2183,7 +3485,7 @@
         </a:bodyPr>
         <a:lstStyle/>
         <a:p>
-          <a:pPr lvl="0" algn="ctr" defTabSz="977900">
+          <a:pPr marL="0" lvl="0" indent="0" algn="ctr" defTabSz="977900">
             <a:lnSpc>
               <a:spcPct val="90000"/>
             </a:lnSpc>
@@ -2193,10 +3495,11 @@
             <a:spcAft>
               <a:spcPct val="35000"/>
             </a:spcAft>
+            <a:buNone/>
           </a:pPr>
           <a:r>
-            <a:rPr lang="en-US" sz="2200" kern="1200" dirty="0"/>
-            <a:t>Add new dish</a:t>
+            <a:rPr lang="en-US" sz="2200" kern="1200"/>
+            <a:t>Settings page </a:t>
           </a:r>
         </a:p>
       </dsp:txBody>
@@ -2205,7 +3508,7 @@
         <a:ext cx="1796741" cy="1078044"/>
       </dsp:txXfrm>
     </dsp:sp>
-    <dsp:sp modelId="{7843059E-BCF7-45F4-B578-65601AC84C15}">
+    <dsp:sp modelId="{E875863E-5C66-47F5-9A02-8D09F1459740}">
       <dsp:nvSpPr>
         <dsp:cNvPr id="0" name=""/>
         <dsp:cNvSpPr/>
@@ -2220,9 +3523,9 @@
         </a:prstGeom>
         <a:solidFill>
           <a:schemeClr val="accent2">
-            <a:hueOff val="-493"/>
-            <a:satOff val="-57"/>
-            <a:lumOff val="-19590"/>
+            <a:hueOff val="-452"/>
+            <a:satOff val="-52"/>
+            <a:lumOff val="-17958"/>
             <a:alphaOff val="0"/>
           </a:schemeClr>
         </a:solidFill>
@@ -2259,7 +3562,7 @@
         </a:bodyPr>
         <a:lstStyle/>
         <a:p>
-          <a:pPr lvl="0" algn="ctr" defTabSz="977900">
+          <a:pPr marL="0" lvl="0" indent="0" algn="ctr" defTabSz="977900">
             <a:lnSpc>
               <a:spcPct val="90000"/>
             </a:lnSpc>
@@ -2269,10 +3572,11 @@
             <a:spcAft>
               <a:spcPct val="35000"/>
             </a:spcAft>
+            <a:buNone/>
           </a:pPr>
           <a:r>
             <a:rPr lang="en-US" sz="2200" kern="1200" dirty="0"/>
-            <a:t> dish page </a:t>
+            <a:t>Add new dish</a:t>
           </a:r>
         </a:p>
       </dsp:txBody>
@@ -2281,7 +3585,7 @@
         <a:ext cx="1796741" cy="1078044"/>
       </dsp:txXfrm>
     </dsp:sp>
-    <dsp:sp modelId="{71D7D387-6645-4FFF-8203-40963EE90B98}">
+    <dsp:sp modelId="{7843059E-BCF7-45F4-B578-65601AC84C15}">
       <dsp:nvSpPr>
         <dsp:cNvPr id="0" name=""/>
         <dsp:cNvSpPr/>
@@ -2296,9 +3600,9 @@
         </a:prstGeom>
         <a:solidFill>
           <a:schemeClr val="accent2">
-            <a:hueOff val="-563"/>
-            <a:satOff val="-65"/>
-            <a:lumOff val="-22389"/>
+            <a:hueOff val="-516"/>
+            <a:satOff val="-59"/>
+            <a:lumOff val="-20523"/>
             <a:alphaOff val="0"/>
           </a:schemeClr>
         </a:solidFill>
@@ -2335,7 +3639,7 @@
         </a:bodyPr>
         <a:lstStyle/>
         <a:p>
-          <a:pPr lvl="0" algn="ctr" defTabSz="977900">
+          <a:pPr marL="0" lvl="0" indent="0" algn="ctr" defTabSz="977900">
             <a:lnSpc>
               <a:spcPct val="90000"/>
             </a:lnSpc>
@@ -2345,10 +3649,11 @@
             <a:spcAft>
               <a:spcPct val="35000"/>
             </a:spcAft>
+            <a:buNone/>
           </a:pPr>
           <a:r>
             <a:rPr lang="en-US" sz="2200" kern="1200" dirty="0"/>
-            <a:t>Shops page </a:t>
+            <a:t> dish page </a:t>
           </a:r>
         </a:p>
       </dsp:txBody>
@@ -2357,7 +3662,7 @@
         <a:ext cx="1796741" cy="1078044"/>
       </dsp:txXfrm>
     </dsp:sp>
-    <dsp:sp modelId="{C0939774-B50A-4E11-AC98-9F1BF4E8D7B3}">
+    <dsp:sp modelId="{71D7D387-6645-4FFF-8203-40963EE90B98}">
       <dsp:nvSpPr>
         <dsp:cNvPr id="0" name=""/>
         <dsp:cNvSpPr/>
@@ -2372,9 +3677,9 @@
         </a:prstGeom>
         <a:solidFill>
           <a:schemeClr val="accent2">
-            <a:hueOff val="-633"/>
-            <a:satOff val="-73"/>
-            <a:lumOff val="-25188"/>
+            <a:hueOff val="-581"/>
+            <a:satOff val="-67"/>
+            <a:lumOff val="-23089"/>
             <a:alphaOff val="0"/>
           </a:schemeClr>
         </a:solidFill>
@@ -2411,7 +3716,7 @@
         </a:bodyPr>
         <a:lstStyle/>
         <a:p>
-          <a:pPr lvl="0" algn="ctr" defTabSz="977900">
+          <a:pPr marL="0" lvl="0" indent="0" algn="ctr" defTabSz="977900">
             <a:lnSpc>
               <a:spcPct val="90000"/>
             </a:lnSpc>
@@ -2421,10 +3726,11 @@
             <a:spcAft>
               <a:spcPct val="35000"/>
             </a:spcAft>
+            <a:buNone/>
           </a:pPr>
           <a:r>
             <a:rPr lang="en-US" sz="2200" kern="1200" dirty="0"/>
-            <a:t>Shop page </a:t>
+            <a:t>Shops page </a:t>
           </a:r>
         </a:p>
       </dsp:txBody>
@@ -2433,14 +3739,14 @@
         <a:ext cx="1796741" cy="1078044"/>
       </dsp:txXfrm>
     </dsp:sp>
-    <dsp:sp modelId="{887A92B0-3B07-4217-9C68-EB1E87976F03}">
+    <dsp:sp modelId="{C0939774-B50A-4E11-AC98-9F1BF4E8D7B3}">
       <dsp:nvSpPr>
         <dsp:cNvPr id="0" name=""/>
         <dsp:cNvSpPr/>
       </dsp:nvSpPr>
       <dsp:spPr>
         <a:xfrm>
-          <a:off x="3202946" y="2515746"/>
+          <a:off x="2214738" y="2515746"/>
           <a:ext cx="1796741" cy="1078044"/>
         </a:xfrm>
         <a:prstGeom prst="rect">
@@ -2448,9 +3754,9 @@
         </a:prstGeom>
         <a:solidFill>
           <a:schemeClr val="accent2">
-            <a:hueOff val="-704"/>
-            <a:satOff val="-81"/>
-            <a:lumOff val="-27986"/>
+            <a:hueOff val="-645"/>
+            <a:satOff val="-74"/>
+            <a:lumOff val="-25654"/>
             <a:alphaOff val="0"/>
           </a:schemeClr>
         </a:solidFill>
@@ -2487,7 +3793,7 @@
         </a:bodyPr>
         <a:lstStyle/>
         <a:p>
-          <a:pPr lvl="0" algn="ctr" defTabSz="977900">
+          <a:pPr marL="0" lvl="0" indent="0" algn="ctr" defTabSz="977900">
             <a:lnSpc>
               <a:spcPct val="90000"/>
             </a:lnSpc>
@@ -2497,6 +3803,84 @@
             <a:spcAft>
               <a:spcPct val="35000"/>
             </a:spcAft>
+            <a:buNone/>
+          </a:pPr>
+          <a:r>
+            <a:rPr lang="en-US" sz="2200" kern="1200" dirty="0"/>
+            <a:t>Shop page </a:t>
+          </a:r>
+        </a:p>
+      </dsp:txBody>
+      <dsp:txXfrm>
+        <a:off x="2214738" y="2515746"/>
+        <a:ext cx="1796741" cy="1078044"/>
+      </dsp:txXfrm>
+    </dsp:sp>
+    <dsp:sp modelId="{887A92B0-3B07-4217-9C68-EB1E87976F03}">
+      <dsp:nvSpPr>
+        <dsp:cNvPr id="0" name=""/>
+        <dsp:cNvSpPr/>
+      </dsp:nvSpPr>
+      <dsp:spPr>
+        <a:xfrm>
+          <a:off x="4191154" y="2515746"/>
+          <a:ext cx="1796741" cy="1078044"/>
+        </a:xfrm>
+        <a:prstGeom prst="rect">
+          <a:avLst/>
+        </a:prstGeom>
+        <a:solidFill>
+          <a:schemeClr val="accent2">
+            <a:hueOff val="-710"/>
+            <a:satOff val="-82"/>
+            <a:lumOff val="-28220"/>
+            <a:alphaOff val="0"/>
+          </a:schemeClr>
+        </a:solidFill>
+        <a:ln w="50800" cap="flat" cmpd="sng" algn="in">
+          <a:solidFill>
+            <a:schemeClr val="lt1">
+              <a:hueOff val="0"/>
+              <a:satOff val="0"/>
+              <a:lumOff val="0"/>
+              <a:alphaOff val="0"/>
+            </a:schemeClr>
+          </a:solidFill>
+          <a:prstDash val="solid"/>
+        </a:ln>
+        <a:effectLst/>
+      </dsp:spPr>
+      <dsp:style>
+        <a:lnRef idx="3">
+          <a:scrgbClr r="0" g="0" b="0"/>
+        </a:lnRef>
+        <a:fillRef idx="1">
+          <a:scrgbClr r="0" g="0" b="0"/>
+        </a:fillRef>
+        <a:effectRef idx="1">
+          <a:scrgbClr r="0" g="0" b="0"/>
+        </a:effectRef>
+        <a:fontRef idx="minor">
+          <a:schemeClr val="lt1"/>
+        </a:fontRef>
+      </dsp:style>
+      <dsp:txBody>
+        <a:bodyPr spcFirstLastPara="0" vert="horz" wrap="square" lIns="83820" tIns="83820" rIns="83820" bIns="83820" numCol="1" spcCol="1270" anchor="ctr" anchorCtr="0">
+          <a:noAutofit/>
+        </a:bodyPr>
+        <a:lstStyle/>
+        <a:p>
+          <a:pPr marL="0" lvl="0" indent="0" algn="ctr" defTabSz="977900">
+            <a:lnSpc>
+              <a:spcPct val="90000"/>
+            </a:lnSpc>
+            <a:spcBef>
+              <a:spcPct val="0"/>
+            </a:spcBef>
+            <a:spcAft>
+              <a:spcPct val="35000"/>
+            </a:spcAft>
+            <a:buNone/>
           </a:pPr>
           <a:r>
             <a:rPr lang="en-US" sz="2200" kern="1200" dirty="0"/>
@@ -2505,7 +3889,7 @@
         </a:p>
       </dsp:txBody>
       <dsp:txXfrm>
-        <a:off x="3202946" y="2515746"/>
+        <a:off x="4191154" y="2515746"/>
         <a:ext cx="1796741" cy="1078044"/>
       </dsp:txXfrm>
     </dsp:sp>
@@ -2516,7 +3900,7 @@
       </dsp:nvSpPr>
       <dsp:spPr>
         <a:xfrm>
-          <a:off x="5179362" y="2515746"/>
+          <a:off x="6167569" y="2515746"/>
           <a:ext cx="1796741" cy="1078044"/>
         </a:xfrm>
         <a:prstGeom prst="rect">
@@ -2563,7 +3947,7 @@
         </a:bodyPr>
         <a:lstStyle/>
         <a:p>
-          <a:pPr lvl="0" algn="ctr" defTabSz="977900">
+          <a:pPr marL="0" lvl="0" indent="0" algn="ctr" defTabSz="977900">
             <a:lnSpc>
               <a:spcPct val="90000"/>
             </a:lnSpc>
@@ -2573,6 +3957,7 @@
             <a:spcAft>
               <a:spcPct val="35000"/>
             </a:spcAft>
+            <a:buNone/>
           </a:pPr>
           <a:r>
             <a:rPr lang="en-US" sz="2200" kern="1200" dirty="0"/>
@@ -2581,7 +3966,7 @@
         </a:p>
       </dsp:txBody>
       <dsp:txXfrm>
-        <a:off x="5179362" y="2515746"/>
+        <a:off x="6167569" y="2515746"/>
         <a:ext cx="1796741" cy="1078044"/>
       </dsp:txXfrm>
     </dsp:sp>
@@ -2589,7 +3974,933 @@
 </dsp:drawing>
 </file>
 
+<file path=ppt/diagrams/drawing2.xml><?xml version="1.0" encoding="utf-8"?>
+<dsp:drawing xmlns:dgm="http://schemas.openxmlformats.org/drawingml/2006/diagram" xmlns:dsp="http://schemas.microsoft.com/office/drawing/2008/diagram" xmlns:a="http://schemas.openxmlformats.org/drawingml/2006/main">
+  <dsp:spTree>
+    <dsp:nvGrpSpPr>
+      <dsp:cNvPr id="0" name=""/>
+      <dsp:cNvGrpSpPr/>
+    </dsp:nvGrpSpPr>
+    <dsp:grpSpPr/>
+    <dsp:sp modelId="{2CAB0F38-E292-4E90-B35F-6EB8A903C9CB}">
+      <dsp:nvSpPr>
+        <dsp:cNvPr id="0" name=""/>
+        <dsp:cNvSpPr/>
+      </dsp:nvSpPr>
+      <dsp:spPr>
+        <a:xfrm>
+          <a:off x="3479" y="572631"/>
+          <a:ext cx="1883720" cy="1130232"/>
+        </a:xfrm>
+        <a:prstGeom prst="rect">
+          <a:avLst/>
+        </a:prstGeom>
+        <a:solidFill>
+          <a:schemeClr val="accent2">
+            <a:hueOff val="0"/>
+            <a:satOff val="0"/>
+            <a:lumOff val="0"/>
+            <a:alphaOff val="0"/>
+          </a:schemeClr>
+        </a:solidFill>
+        <a:ln w="50800" cap="flat" cmpd="sng" algn="in">
+          <a:solidFill>
+            <a:schemeClr val="lt1">
+              <a:hueOff val="0"/>
+              <a:satOff val="0"/>
+              <a:lumOff val="0"/>
+              <a:alphaOff val="0"/>
+            </a:schemeClr>
+          </a:solidFill>
+          <a:prstDash val="solid"/>
+        </a:ln>
+        <a:effectLst/>
+      </dsp:spPr>
+      <dsp:style>
+        <a:lnRef idx="3">
+          <a:scrgbClr r="0" g="0" b="0"/>
+        </a:lnRef>
+        <a:fillRef idx="1">
+          <a:scrgbClr r="0" g="0" b="0"/>
+        </a:fillRef>
+        <a:effectRef idx="1">
+          <a:scrgbClr r="0" g="0" b="0"/>
+        </a:effectRef>
+        <a:fontRef idx="minor">
+          <a:schemeClr val="lt1"/>
+        </a:fontRef>
+      </dsp:style>
+      <dsp:txBody>
+        <a:bodyPr spcFirstLastPara="0" vert="horz" wrap="square" lIns="95250" tIns="95250" rIns="95250" bIns="95250" numCol="1" spcCol="1270" anchor="ctr" anchorCtr="0">
+          <a:noAutofit/>
+        </a:bodyPr>
+        <a:lstStyle/>
+        <a:p>
+          <a:pPr marL="0" lvl="0" indent="0" algn="ctr" defTabSz="1111250">
+            <a:lnSpc>
+              <a:spcPct val="90000"/>
+            </a:lnSpc>
+            <a:spcBef>
+              <a:spcPct val="0"/>
+            </a:spcBef>
+            <a:spcAft>
+              <a:spcPct val="35000"/>
+            </a:spcAft>
+            <a:buNone/>
+          </a:pPr>
+          <a:r>
+            <a:rPr lang="en-US" sz="2500" kern="1200" dirty="0"/>
+            <a:t>Filters in dishes list </a:t>
+          </a:r>
+        </a:p>
+      </dsp:txBody>
+      <dsp:txXfrm>
+        <a:off x="3479" y="572631"/>
+        <a:ext cx="1883720" cy="1130232"/>
+      </dsp:txXfrm>
+    </dsp:sp>
+    <dsp:sp modelId="{35CD2B37-F779-4962-82A3-DEC6CC6C87F5}">
+      <dsp:nvSpPr>
+        <dsp:cNvPr id="0" name=""/>
+        <dsp:cNvSpPr/>
+      </dsp:nvSpPr>
+      <dsp:spPr>
+        <a:xfrm>
+          <a:off x="2075571" y="572631"/>
+          <a:ext cx="1883720" cy="1130232"/>
+        </a:xfrm>
+        <a:prstGeom prst="rect">
+          <a:avLst/>
+        </a:prstGeom>
+        <a:solidFill>
+          <a:schemeClr val="accent2">
+            <a:hueOff val="-86"/>
+            <a:satOff val="-10"/>
+            <a:lumOff val="-3421"/>
+            <a:alphaOff val="0"/>
+          </a:schemeClr>
+        </a:solidFill>
+        <a:ln w="50800" cap="flat" cmpd="sng" algn="in">
+          <a:solidFill>
+            <a:schemeClr val="lt1">
+              <a:hueOff val="0"/>
+              <a:satOff val="0"/>
+              <a:lumOff val="0"/>
+              <a:alphaOff val="0"/>
+            </a:schemeClr>
+          </a:solidFill>
+          <a:prstDash val="solid"/>
+        </a:ln>
+        <a:effectLst/>
+      </dsp:spPr>
+      <dsp:style>
+        <a:lnRef idx="3">
+          <a:scrgbClr r="0" g="0" b="0"/>
+        </a:lnRef>
+        <a:fillRef idx="1">
+          <a:scrgbClr r="0" g="0" b="0"/>
+        </a:fillRef>
+        <a:effectRef idx="1">
+          <a:scrgbClr r="0" g="0" b="0"/>
+        </a:effectRef>
+        <a:fontRef idx="minor">
+          <a:schemeClr val="lt1"/>
+        </a:fontRef>
+      </dsp:style>
+      <dsp:txBody>
+        <a:bodyPr spcFirstLastPara="0" vert="horz" wrap="square" lIns="95250" tIns="95250" rIns="95250" bIns="95250" numCol="1" spcCol="1270" anchor="ctr" anchorCtr="0">
+          <a:noAutofit/>
+        </a:bodyPr>
+        <a:lstStyle/>
+        <a:p>
+          <a:pPr marL="0" lvl="0" indent="0" algn="ctr" defTabSz="1111250">
+            <a:lnSpc>
+              <a:spcPct val="90000"/>
+            </a:lnSpc>
+            <a:spcBef>
+              <a:spcPct val="0"/>
+            </a:spcBef>
+            <a:spcAft>
+              <a:spcPct val="35000"/>
+            </a:spcAft>
+            <a:buNone/>
+          </a:pPr>
+          <a:r>
+            <a:rPr lang="en-US" sz="2500" kern="1200" dirty="0"/>
+            <a:t>Search in dishes list </a:t>
+          </a:r>
+        </a:p>
+      </dsp:txBody>
+      <dsp:txXfrm>
+        <a:off x="2075571" y="572631"/>
+        <a:ext cx="1883720" cy="1130232"/>
+      </dsp:txXfrm>
+    </dsp:sp>
+    <dsp:sp modelId="{D8CA33B2-CD12-4D9B-B73D-AEBEFF4856CD}">
+      <dsp:nvSpPr>
+        <dsp:cNvPr id="0" name=""/>
+        <dsp:cNvSpPr/>
+      </dsp:nvSpPr>
+      <dsp:spPr>
+        <a:xfrm>
+          <a:off x="4147664" y="572631"/>
+          <a:ext cx="1883720" cy="1130232"/>
+        </a:xfrm>
+        <a:prstGeom prst="rect">
+          <a:avLst/>
+        </a:prstGeom>
+        <a:solidFill>
+          <a:schemeClr val="accent2">
+            <a:hueOff val="-172"/>
+            <a:satOff val="-20"/>
+            <a:lumOff val="-6841"/>
+            <a:alphaOff val="0"/>
+          </a:schemeClr>
+        </a:solidFill>
+        <a:ln w="50800" cap="flat" cmpd="sng" algn="in">
+          <a:solidFill>
+            <a:schemeClr val="lt1">
+              <a:hueOff val="0"/>
+              <a:satOff val="0"/>
+              <a:lumOff val="0"/>
+              <a:alphaOff val="0"/>
+            </a:schemeClr>
+          </a:solidFill>
+          <a:prstDash val="solid"/>
+        </a:ln>
+        <a:effectLst/>
+      </dsp:spPr>
+      <dsp:style>
+        <a:lnRef idx="3">
+          <a:scrgbClr r="0" g="0" b="0"/>
+        </a:lnRef>
+        <a:fillRef idx="1">
+          <a:scrgbClr r="0" g="0" b="0"/>
+        </a:fillRef>
+        <a:effectRef idx="1">
+          <a:scrgbClr r="0" g="0" b="0"/>
+        </a:effectRef>
+        <a:fontRef idx="minor">
+          <a:schemeClr val="lt1"/>
+        </a:fontRef>
+      </dsp:style>
+      <dsp:txBody>
+        <a:bodyPr spcFirstLastPara="0" vert="horz" wrap="square" lIns="95250" tIns="95250" rIns="95250" bIns="95250" numCol="1" spcCol="1270" anchor="ctr" anchorCtr="0">
+          <a:noAutofit/>
+        </a:bodyPr>
+        <a:lstStyle/>
+        <a:p>
+          <a:pPr marL="0" lvl="0" indent="0" algn="ctr" defTabSz="1111250">
+            <a:lnSpc>
+              <a:spcPct val="90000"/>
+            </a:lnSpc>
+            <a:spcBef>
+              <a:spcPct val="0"/>
+            </a:spcBef>
+            <a:spcAft>
+              <a:spcPct val="35000"/>
+            </a:spcAft>
+            <a:buNone/>
+          </a:pPr>
+          <a:r>
+            <a:rPr lang="en-US" sz="2500" kern="1200" dirty="0"/>
+            <a:t>Order by in dishes list </a:t>
+          </a:r>
+        </a:p>
+      </dsp:txBody>
+      <dsp:txXfrm>
+        <a:off x="4147664" y="572631"/>
+        <a:ext cx="1883720" cy="1130232"/>
+      </dsp:txXfrm>
+    </dsp:sp>
+    <dsp:sp modelId="{556F3AFB-5CAC-40F2-BD2F-7BCE935EBF20}">
+      <dsp:nvSpPr>
+        <dsp:cNvPr id="0" name=""/>
+        <dsp:cNvSpPr/>
+      </dsp:nvSpPr>
+      <dsp:spPr>
+        <a:xfrm>
+          <a:off x="6219757" y="572631"/>
+          <a:ext cx="1883720" cy="1130232"/>
+        </a:xfrm>
+        <a:prstGeom prst="rect">
+          <a:avLst/>
+        </a:prstGeom>
+        <a:solidFill>
+          <a:schemeClr val="accent2">
+            <a:hueOff val="-258"/>
+            <a:satOff val="-30"/>
+            <a:lumOff val="-10262"/>
+            <a:alphaOff val="0"/>
+          </a:schemeClr>
+        </a:solidFill>
+        <a:ln w="50800" cap="flat" cmpd="sng" algn="in">
+          <a:solidFill>
+            <a:schemeClr val="lt1">
+              <a:hueOff val="0"/>
+              <a:satOff val="0"/>
+              <a:lumOff val="0"/>
+              <a:alphaOff val="0"/>
+            </a:schemeClr>
+          </a:solidFill>
+          <a:prstDash val="solid"/>
+        </a:ln>
+        <a:effectLst/>
+      </dsp:spPr>
+      <dsp:style>
+        <a:lnRef idx="3">
+          <a:scrgbClr r="0" g="0" b="0"/>
+        </a:lnRef>
+        <a:fillRef idx="1">
+          <a:scrgbClr r="0" g="0" b="0"/>
+        </a:fillRef>
+        <a:effectRef idx="1">
+          <a:scrgbClr r="0" g="0" b="0"/>
+        </a:effectRef>
+        <a:fontRef idx="minor">
+          <a:schemeClr val="lt1"/>
+        </a:fontRef>
+      </dsp:style>
+      <dsp:txBody>
+        <a:bodyPr spcFirstLastPara="0" vert="horz" wrap="square" lIns="95250" tIns="95250" rIns="95250" bIns="95250" numCol="1" spcCol="1270" anchor="ctr" anchorCtr="0">
+          <a:noAutofit/>
+        </a:bodyPr>
+        <a:lstStyle/>
+        <a:p>
+          <a:pPr marL="0" lvl="0" indent="0" algn="ctr" defTabSz="1111250">
+            <a:lnSpc>
+              <a:spcPct val="90000"/>
+            </a:lnSpc>
+            <a:spcBef>
+              <a:spcPct val="0"/>
+            </a:spcBef>
+            <a:spcAft>
+              <a:spcPct val="35000"/>
+            </a:spcAft>
+            <a:buNone/>
+          </a:pPr>
+          <a:r>
+            <a:rPr lang="en-US" sz="2500" kern="1200" dirty="0"/>
+            <a:t>Filters in shops list </a:t>
+          </a:r>
+        </a:p>
+      </dsp:txBody>
+      <dsp:txXfrm>
+        <a:off x="6219757" y="572631"/>
+        <a:ext cx="1883720" cy="1130232"/>
+      </dsp:txXfrm>
+    </dsp:sp>
+    <dsp:sp modelId="{46E7CDFA-621F-40A9-A72F-13159B4965BE}">
+      <dsp:nvSpPr>
+        <dsp:cNvPr id="0" name=""/>
+        <dsp:cNvSpPr/>
+      </dsp:nvSpPr>
+      <dsp:spPr>
+        <a:xfrm>
+          <a:off x="8291850" y="572631"/>
+          <a:ext cx="1883720" cy="1130232"/>
+        </a:xfrm>
+        <a:prstGeom prst="rect">
+          <a:avLst/>
+        </a:prstGeom>
+        <a:solidFill>
+          <a:schemeClr val="accent2">
+            <a:hueOff val="-344"/>
+            <a:satOff val="-40"/>
+            <a:lumOff val="-13682"/>
+            <a:alphaOff val="0"/>
+          </a:schemeClr>
+        </a:solidFill>
+        <a:ln w="50800" cap="flat" cmpd="sng" algn="in">
+          <a:solidFill>
+            <a:schemeClr val="lt1">
+              <a:hueOff val="0"/>
+              <a:satOff val="0"/>
+              <a:lumOff val="0"/>
+              <a:alphaOff val="0"/>
+            </a:schemeClr>
+          </a:solidFill>
+          <a:prstDash val="solid"/>
+        </a:ln>
+        <a:effectLst/>
+      </dsp:spPr>
+      <dsp:style>
+        <a:lnRef idx="3">
+          <a:scrgbClr r="0" g="0" b="0"/>
+        </a:lnRef>
+        <a:fillRef idx="1">
+          <a:scrgbClr r="0" g="0" b="0"/>
+        </a:fillRef>
+        <a:effectRef idx="1">
+          <a:scrgbClr r="0" g="0" b="0"/>
+        </a:effectRef>
+        <a:fontRef idx="minor">
+          <a:schemeClr val="lt1"/>
+        </a:fontRef>
+      </dsp:style>
+      <dsp:txBody>
+        <a:bodyPr spcFirstLastPara="0" vert="horz" wrap="square" lIns="95250" tIns="95250" rIns="95250" bIns="95250" numCol="1" spcCol="1270" anchor="ctr" anchorCtr="0">
+          <a:noAutofit/>
+        </a:bodyPr>
+        <a:lstStyle/>
+        <a:p>
+          <a:pPr marL="0" lvl="0" indent="0" algn="ctr" defTabSz="1111250">
+            <a:lnSpc>
+              <a:spcPct val="90000"/>
+            </a:lnSpc>
+            <a:spcBef>
+              <a:spcPct val="0"/>
+            </a:spcBef>
+            <a:spcAft>
+              <a:spcPct val="35000"/>
+            </a:spcAft>
+            <a:buNone/>
+          </a:pPr>
+          <a:r>
+            <a:rPr lang="en-US" sz="2500" kern="1200" dirty="0"/>
+            <a:t>View added ratings </a:t>
+          </a:r>
+        </a:p>
+      </dsp:txBody>
+      <dsp:txXfrm>
+        <a:off x="8291850" y="572631"/>
+        <a:ext cx="1883720" cy="1130232"/>
+      </dsp:txXfrm>
+    </dsp:sp>
+    <dsp:sp modelId="{87505D9B-FB99-4C9F-A1CB-5FFBDDBFE589}">
+      <dsp:nvSpPr>
+        <dsp:cNvPr id="0" name=""/>
+        <dsp:cNvSpPr/>
+      </dsp:nvSpPr>
+      <dsp:spPr>
+        <a:xfrm>
+          <a:off x="3479" y="1891236"/>
+          <a:ext cx="1883720" cy="1130232"/>
+        </a:xfrm>
+        <a:prstGeom prst="rect">
+          <a:avLst/>
+        </a:prstGeom>
+        <a:solidFill>
+          <a:schemeClr val="accent2">
+            <a:hueOff val="-430"/>
+            <a:satOff val="-49"/>
+            <a:lumOff val="-17103"/>
+            <a:alphaOff val="0"/>
+          </a:schemeClr>
+        </a:solidFill>
+        <a:ln w="50800" cap="flat" cmpd="sng" algn="in">
+          <a:solidFill>
+            <a:schemeClr val="lt1">
+              <a:hueOff val="0"/>
+              <a:satOff val="0"/>
+              <a:lumOff val="0"/>
+              <a:alphaOff val="0"/>
+            </a:schemeClr>
+          </a:solidFill>
+          <a:prstDash val="solid"/>
+        </a:ln>
+        <a:effectLst/>
+      </dsp:spPr>
+      <dsp:style>
+        <a:lnRef idx="3">
+          <a:scrgbClr r="0" g="0" b="0"/>
+        </a:lnRef>
+        <a:fillRef idx="1">
+          <a:scrgbClr r="0" g="0" b="0"/>
+        </a:fillRef>
+        <a:effectRef idx="1">
+          <a:scrgbClr r="0" g="0" b="0"/>
+        </a:effectRef>
+        <a:fontRef idx="minor">
+          <a:schemeClr val="lt1"/>
+        </a:fontRef>
+      </dsp:style>
+      <dsp:txBody>
+        <a:bodyPr spcFirstLastPara="0" vert="horz" wrap="square" lIns="95250" tIns="95250" rIns="95250" bIns="95250" numCol="1" spcCol="1270" anchor="ctr" anchorCtr="0">
+          <a:noAutofit/>
+        </a:bodyPr>
+        <a:lstStyle/>
+        <a:p>
+          <a:pPr marL="0" lvl="0" indent="0" algn="ctr" defTabSz="1111250">
+            <a:lnSpc>
+              <a:spcPct val="90000"/>
+            </a:lnSpc>
+            <a:spcBef>
+              <a:spcPct val="0"/>
+            </a:spcBef>
+            <a:spcAft>
+              <a:spcPct val="35000"/>
+            </a:spcAft>
+            <a:buNone/>
+          </a:pPr>
+          <a:r>
+            <a:rPr lang="en-US" sz="2500" kern="1200" dirty="0"/>
+            <a:t>User liked list </a:t>
+          </a:r>
+        </a:p>
+      </dsp:txBody>
+      <dsp:txXfrm>
+        <a:off x="3479" y="1891236"/>
+        <a:ext cx="1883720" cy="1130232"/>
+      </dsp:txXfrm>
+    </dsp:sp>
+    <dsp:sp modelId="{E875863E-5C66-47F5-9A02-8D09F1459740}">
+      <dsp:nvSpPr>
+        <dsp:cNvPr id="0" name=""/>
+        <dsp:cNvSpPr/>
+      </dsp:nvSpPr>
+      <dsp:spPr>
+        <a:xfrm>
+          <a:off x="2075571" y="1891236"/>
+          <a:ext cx="1883720" cy="1130232"/>
+        </a:xfrm>
+        <a:prstGeom prst="rect">
+          <a:avLst/>
+        </a:prstGeom>
+        <a:solidFill>
+          <a:schemeClr val="accent2">
+            <a:hueOff val="-516"/>
+            <a:satOff val="-59"/>
+            <a:lumOff val="-20523"/>
+            <a:alphaOff val="0"/>
+          </a:schemeClr>
+        </a:solidFill>
+        <a:ln w="50800" cap="flat" cmpd="sng" algn="in">
+          <a:solidFill>
+            <a:schemeClr val="lt1">
+              <a:hueOff val="0"/>
+              <a:satOff val="0"/>
+              <a:lumOff val="0"/>
+              <a:alphaOff val="0"/>
+            </a:schemeClr>
+          </a:solidFill>
+          <a:prstDash val="solid"/>
+        </a:ln>
+        <a:effectLst/>
+      </dsp:spPr>
+      <dsp:style>
+        <a:lnRef idx="3">
+          <a:scrgbClr r="0" g="0" b="0"/>
+        </a:lnRef>
+        <a:fillRef idx="1">
+          <a:scrgbClr r="0" g="0" b="0"/>
+        </a:fillRef>
+        <a:effectRef idx="1">
+          <a:scrgbClr r="0" g="0" b="0"/>
+        </a:effectRef>
+        <a:fontRef idx="minor">
+          <a:schemeClr val="lt1"/>
+        </a:fontRef>
+      </dsp:style>
+      <dsp:txBody>
+        <a:bodyPr spcFirstLastPara="0" vert="horz" wrap="square" lIns="95250" tIns="95250" rIns="95250" bIns="95250" numCol="1" spcCol="1270" anchor="ctr" anchorCtr="0">
+          <a:noAutofit/>
+        </a:bodyPr>
+        <a:lstStyle/>
+        <a:p>
+          <a:pPr marL="0" lvl="0" indent="0" algn="ctr" defTabSz="1111250">
+            <a:lnSpc>
+              <a:spcPct val="90000"/>
+            </a:lnSpc>
+            <a:spcBef>
+              <a:spcPct val="0"/>
+            </a:spcBef>
+            <a:spcAft>
+              <a:spcPct val="35000"/>
+            </a:spcAft>
+            <a:buNone/>
+          </a:pPr>
+          <a:r>
+            <a:rPr lang="en-US" sz="2500" kern="1200" dirty="0"/>
+            <a:t>User current location </a:t>
+          </a:r>
+        </a:p>
+      </dsp:txBody>
+      <dsp:txXfrm>
+        <a:off x="2075571" y="1891236"/>
+        <a:ext cx="1883720" cy="1130232"/>
+      </dsp:txXfrm>
+    </dsp:sp>
+    <dsp:sp modelId="{7843059E-BCF7-45F4-B578-65601AC84C15}">
+      <dsp:nvSpPr>
+        <dsp:cNvPr id="0" name=""/>
+        <dsp:cNvSpPr/>
+      </dsp:nvSpPr>
+      <dsp:spPr>
+        <a:xfrm>
+          <a:off x="4147664" y="1891236"/>
+          <a:ext cx="1883720" cy="1130232"/>
+        </a:xfrm>
+        <a:prstGeom prst="rect">
+          <a:avLst/>
+        </a:prstGeom>
+        <a:solidFill>
+          <a:schemeClr val="accent2">
+            <a:hueOff val="-602"/>
+            <a:satOff val="-69"/>
+            <a:lumOff val="-23944"/>
+            <a:alphaOff val="0"/>
+          </a:schemeClr>
+        </a:solidFill>
+        <a:ln w="50800" cap="flat" cmpd="sng" algn="in">
+          <a:solidFill>
+            <a:schemeClr val="lt1">
+              <a:hueOff val="0"/>
+              <a:satOff val="0"/>
+              <a:lumOff val="0"/>
+              <a:alphaOff val="0"/>
+            </a:schemeClr>
+          </a:solidFill>
+          <a:prstDash val="solid"/>
+        </a:ln>
+        <a:effectLst/>
+      </dsp:spPr>
+      <dsp:style>
+        <a:lnRef idx="3">
+          <a:scrgbClr r="0" g="0" b="0"/>
+        </a:lnRef>
+        <a:fillRef idx="1">
+          <a:scrgbClr r="0" g="0" b="0"/>
+        </a:fillRef>
+        <a:effectRef idx="1">
+          <a:scrgbClr r="0" g="0" b="0"/>
+        </a:effectRef>
+        <a:fontRef idx="minor">
+          <a:schemeClr val="lt1"/>
+        </a:fontRef>
+      </dsp:style>
+      <dsp:txBody>
+        <a:bodyPr spcFirstLastPara="0" vert="horz" wrap="square" lIns="95250" tIns="95250" rIns="95250" bIns="95250" numCol="1" spcCol="1270" anchor="ctr" anchorCtr="0">
+          <a:noAutofit/>
+        </a:bodyPr>
+        <a:lstStyle/>
+        <a:p>
+          <a:pPr marL="0" lvl="0" indent="0" algn="ctr" defTabSz="1111250">
+            <a:lnSpc>
+              <a:spcPct val="90000"/>
+            </a:lnSpc>
+            <a:spcBef>
+              <a:spcPct val="0"/>
+            </a:spcBef>
+            <a:spcAft>
+              <a:spcPct val="35000"/>
+            </a:spcAft>
+            <a:buNone/>
+          </a:pPr>
+          <a:r>
+            <a:rPr lang="en-US" sz="2500" kern="1200" dirty="0"/>
+            <a:t>View tips in dish page </a:t>
+          </a:r>
+        </a:p>
+      </dsp:txBody>
+      <dsp:txXfrm>
+        <a:off x="4147664" y="1891236"/>
+        <a:ext cx="1883720" cy="1130232"/>
+      </dsp:txXfrm>
+    </dsp:sp>
+    <dsp:sp modelId="{71D7D387-6645-4FFF-8203-40963EE90B98}">
+      <dsp:nvSpPr>
+        <dsp:cNvPr id="0" name=""/>
+        <dsp:cNvSpPr/>
+      </dsp:nvSpPr>
+      <dsp:spPr>
+        <a:xfrm>
+          <a:off x="6219757" y="1891236"/>
+          <a:ext cx="1883720" cy="1130232"/>
+        </a:xfrm>
+        <a:prstGeom prst="rect">
+          <a:avLst/>
+        </a:prstGeom>
+        <a:solidFill>
+          <a:schemeClr val="accent2">
+            <a:hueOff val="-688"/>
+            <a:satOff val="-79"/>
+            <a:lumOff val="-27364"/>
+            <a:alphaOff val="0"/>
+          </a:schemeClr>
+        </a:solidFill>
+        <a:ln w="50800" cap="flat" cmpd="sng" algn="in">
+          <a:solidFill>
+            <a:schemeClr val="lt1">
+              <a:hueOff val="0"/>
+              <a:satOff val="0"/>
+              <a:lumOff val="0"/>
+              <a:alphaOff val="0"/>
+            </a:schemeClr>
+          </a:solidFill>
+          <a:prstDash val="solid"/>
+        </a:ln>
+        <a:effectLst/>
+      </dsp:spPr>
+      <dsp:style>
+        <a:lnRef idx="3">
+          <a:scrgbClr r="0" g="0" b="0"/>
+        </a:lnRef>
+        <a:fillRef idx="1">
+          <a:scrgbClr r="0" g="0" b="0"/>
+        </a:fillRef>
+        <a:effectRef idx="1">
+          <a:scrgbClr r="0" g="0" b="0"/>
+        </a:effectRef>
+        <a:fontRef idx="minor">
+          <a:schemeClr val="lt1"/>
+        </a:fontRef>
+      </dsp:style>
+      <dsp:txBody>
+        <a:bodyPr spcFirstLastPara="0" vert="horz" wrap="square" lIns="95250" tIns="95250" rIns="95250" bIns="95250" numCol="1" spcCol="1270" anchor="ctr" anchorCtr="0">
+          <a:noAutofit/>
+        </a:bodyPr>
+        <a:lstStyle/>
+        <a:p>
+          <a:pPr marL="0" lvl="0" indent="0" algn="ctr" defTabSz="1111250">
+            <a:lnSpc>
+              <a:spcPct val="90000"/>
+            </a:lnSpc>
+            <a:spcBef>
+              <a:spcPct val="0"/>
+            </a:spcBef>
+            <a:spcAft>
+              <a:spcPct val="35000"/>
+            </a:spcAft>
+            <a:buNone/>
+          </a:pPr>
+          <a:r>
+            <a:rPr lang="en-US" sz="2500" kern="1200" dirty="0"/>
+            <a:t>Change profile photo</a:t>
+          </a:r>
+        </a:p>
+      </dsp:txBody>
+      <dsp:txXfrm>
+        <a:off x="6219757" y="1891236"/>
+        <a:ext cx="1883720" cy="1130232"/>
+      </dsp:txXfrm>
+    </dsp:sp>
+    <dsp:sp modelId="{F98ADD5E-C142-4430-B4C0-7EA272D37E54}">
+      <dsp:nvSpPr>
+        <dsp:cNvPr id="0" name=""/>
+        <dsp:cNvSpPr/>
+      </dsp:nvSpPr>
+      <dsp:spPr>
+        <a:xfrm>
+          <a:off x="8291850" y="1891236"/>
+          <a:ext cx="1883720" cy="1130232"/>
+        </a:xfrm>
+        <a:prstGeom prst="rect">
+          <a:avLst/>
+        </a:prstGeom>
+        <a:solidFill>
+          <a:schemeClr val="accent2">
+            <a:hueOff val="-774"/>
+            <a:satOff val="-89"/>
+            <a:lumOff val="-30785"/>
+            <a:alphaOff val="0"/>
+          </a:schemeClr>
+        </a:solidFill>
+        <a:ln w="50800" cap="flat" cmpd="sng" algn="in">
+          <a:solidFill>
+            <a:schemeClr val="lt1">
+              <a:hueOff val="0"/>
+              <a:satOff val="0"/>
+              <a:lumOff val="0"/>
+              <a:alphaOff val="0"/>
+            </a:schemeClr>
+          </a:solidFill>
+          <a:prstDash val="solid"/>
+        </a:ln>
+        <a:effectLst/>
+      </dsp:spPr>
+      <dsp:style>
+        <a:lnRef idx="3">
+          <a:scrgbClr r="0" g="0" b="0"/>
+        </a:lnRef>
+        <a:fillRef idx="1">
+          <a:scrgbClr r="0" g="0" b="0"/>
+        </a:fillRef>
+        <a:effectRef idx="1">
+          <a:scrgbClr r="0" g="0" b="0"/>
+        </a:effectRef>
+        <a:fontRef idx="minor">
+          <a:schemeClr val="lt1"/>
+        </a:fontRef>
+      </dsp:style>
+      <dsp:txBody>
+        <a:bodyPr spcFirstLastPara="0" vert="horz" wrap="square" lIns="95250" tIns="95250" rIns="95250" bIns="95250" numCol="1" spcCol="1270" anchor="ctr" anchorCtr="0">
+          <a:noAutofit/>
+        </a:bodyPr>
+        <a:lstStyle/>
+        <a:p>
+          <a:pPr marL="0" lvl="0" indent="0" algn="ctr" defTabSz="1111250">
+            <a:lnSpc>
+              <a:spcPct val="90000"/>
+            </a:lnSpc>
+            <a:spcBef>
+              <a:spcPct val="0"/>
+            </a:spcBef>
+            <a:spcAft>
+              <a:spcPct val="35000"/>
+            </a:spcAft>
+            <a:buNone/>
+          </a:pPr>
+          <a:endParaRPr lang="en-US" sz="2500" kern="1200" dirty="0"/>
+        </a:p>
+      </dsp:txBody>
+      <dsp:txXfrm>
+        <a:off x="8291850" y="1891236"/>
+        <a:ext cx="1883720" cy="1130232"/>
+      </dsp:txXfrm>
+    </dsp:sp>
+  </dsp:spTree>
+</dsp:drawing>
+</file>
+
 <file path=ppt/diagrams/layout1.xml><?xml version="1.0" encoding="utf-8"?>
+<dgm:layoutDef xmlns:dgm="http://schemas.openxmlformats.org/drawingml/2006/diagram" xmlns:a="http://schemas.openxmlformats.org/drawingml/2006/main" uniqueId="urn:microsoft.com/office/officeart/2005/8/layout/default">
+  <dgm:title val=""/>
+  <dgm:desc val=""/>
+  <dgm:catLst>
+    <dgm:cat type="list" pri="400"/>
+  </dgm:catLst>
+  <dgm:sampData>
+    <dgm:dataModel>
+      <dgm:ptLst>
+        <dgm:pt modelId="0" type="doc"/>
+        <dgm:pt modelId="1">
+          <dgm:prSet phldr="1"/>
+        </dgm:pt>
+        <dgm:pt modelId="2">
+          <dgm:prSet phldr="1"/>
+        </dgm:pt>
+        <dgm:pt modelId="3">
+          <dgm:prSet phldr="1"/>
+        </dgm:pt>
+        <dgm:pt modelId="4">
+          <dgm:prSet phldr="1"/>
+        </dgm:pt>
+        <dgm:pt modelId="5">
+          <dgm:prSet phldr="1"/>
+        </dgm:pt>
+      </dgm:ptLst>
+      <dgm:cxnLst>
+        <dgm:cxn modelId="6" srcId="0" destId="1" srcOrd="0" destOrd="0"/>
+        <dgm:cxn modelId="7" srcId="0" destId="2" srcOrd="1" destOrd="0"/>
+        <dgm:cxn modelId="8" srcId="0" destId="3" srcOrd="2" destOrd="0"/>
+        <dgm:cxn modelId="9" srcId="0" destId="4" srcOrd="3" destOrd="0"/>
+        <dgm:cxn modelId="10" srcId="0" destId="5" srcOrd="4" destOrd="0"/>
+      </dgm:cxnLst>
+      <dgm:bg/>
+      <dgm:whole/>
+    </dgm:dataModel>
+  </dgm:sampData>
+  <dgm:styleData>
+    <dgm:dataModel>
+      <dgm:ptLst>
+        <dgm:pt modelId="0" type="doc"/>
+        <dgm:pt modelId="1"/>
+        <dgm:pt modelId="2"/>
+      </dgm:ptLst>
+      <dgm:cxnLst>
+        <dgm:cxn modelId="3" srcId="0" destId="1" srcOrd="0" destOrd="0"/>
+        <dgm:cxn modelId="4" srcId="0" destId="2" srcOrd="1" destOrd="0"/>
+      </dgm:cxnLst>
+      <dgm:bg/>
+      <dgm:whole/>
+    </dgm:dataModel>
+  </dgm:styleData>
+  <dgm:clrData>
+    <dgm:dataModel>
+      <dgm:ptLst>
+        <dgm:pt modelId="0" type="doc"/>
+        <dgm:pt modelId="1"/>
+        <dgm:pt modelId="2"/>
+        <dgm:pt modelId="3"/>
+        <dgm:pt modelId="4"/>
+        <dgm:pt modelId="5"/>
+        <dgm:pt modelId="6"/>
+      </dgm:ptLst>
+      <dgm:cxnLst>
+        <dgm:cxn modelId="7" srcId="0" destId="1" srcOrd="0" destOrd="0"/>
+        <dgm:cxn modelId="8" srcId="0" destId="2" srcOrd="1" destOrd="0"/>
+        <dgm:cxn modelId="9" srcId="0" destId="3" srcOrd="2" destOrd="0"/>
+        <dgm:cxn modelId="10" srcId="0" destId="4" srcOrd="3" destOrd="0"/>
+        <dgm:cxn modelId="11" srcId="0" destId="5" srcOrd="4" destOrd="0"/>
+        <dgm:cxn modelId="12" srcId="0" destId="6" srcOrd="5" destOrd="0"/>
+      </dgm:cxnLst>
+      <dgm:bg/>
+      <dgm:whole/>
+    </dgm:dataModel>
+  </dgm:clrData>
+  <dgm:layoutNode name="diagram">
+    <dgm:varLst>
+      <dgm:dir/>
+      <dgm:resizeHandles val="exact"/>
+    </dgm:varLst>
+    <dgm:choose name="Name0">
+      <dgm:if name="Name1" func="var" arg="dir" op="equ" val="norm">
+        <dgm:alg type="snake">
+          <dgm:param type="grDir" val="tL"/>
+          <dgm:param type="flowDir" val="row"/>
+          <dgm:param type="contDir" val="sameDir"/>
+          <dgm:param type="off" val="ctr"/>
+        </dgm:alg>
+      </dgm:if>
+      <dgm:else name="Name2">
+        <dgm:alg type="snake">
+          <dgm:param type="grDir" val="tR"/>
+          <dgm:param type="flowDir" val="row"/>
+          <dgm:param type="contDir" val="sameDir"/>
+          <dgm:param type="off" val="ctr"/>
+        </dgm:alg>
+      </dgm:else>
+    </dgm:choose>
+    <dgm:shape xmlns:r="http://schemas.openxmlformats.org/officeDocument/2006/relationships" r:blip="">
+      <dgm:adjLst/>
+    </dgm:shape>
+    <dgm:presOf/>
+    <dgm:constrLst>
+      <dgm:constr type="w" for="ch" forName="node" refType="w"/>
+      <dgm:constr type="h" for="ch" forName="node" refType="w" refFor="ch" refForName="node" fact="0.6"/>
+      <dgm:constr type="w" for="ch" forName="sibTrans" refType="w" refFor="ch" refForName="node" fact="0.1"/>
+      <dgm:constr type="sp" refType="w" refFor="ch" refForName="sibTrans"/>
+      <dgm:constr type="primFontSz" for="ch" forName="node" op="equ" val="65"/>
+    </dgm:constrLst>
+    <dgm:ruleLst/>
+    <dgm:forEach name="Name3" axis="ch" ptType="node">
+      <dgm:layoutNode name="node">
+        <dgm:varLst>
+          <dgm:bulletEnabled val="1"/>
+        </dgm:varLst>
+        <dgm:alg type="tx"/>
+        <dgm:shape xmlns:r="http://schemas.openxmlformats.org/officeDocument/2006/relationships" type="rect" r:blip="">
+          <dgm:adjLst/>
+        </dgm:shape>
+        <dgm:presOf axis="desOrSelf" ptType="node"/>
+        <dgm:constrLst>
+          <dgm:constr type="lMarg" refType="primFontSz" fact="0.3"/>
+          <dgm:constr type="rMarg" refType="primFontSz" fact="0.3"/>
+          <dgm:constr type="tMarg" refType="primFontSz" fact="0.3"/>
+          <dgm:constr type="bMarg" refType="primFontSz" fact="0.3"/>
+        </dgm:constrLst>
+        <dgm:ruleLst>
+          <dgm:rule type="primFontSz" val="5" fact="NaN" max="NaN"/>
+        </dgm:ruleLst>
+      </dgm:layoutNode>
+      <dgm:forEach name="Name4" axis="followSib" ptType="sibTrans" cnt="1">
+        <dgm:layoutNode name="sibTrans">
+          <dgm:alg type="sp"/>
+          <dgm:shape xmlns:r="http://schemas.openxmlformats.org/officeDocument/2006/relationships" r:blip="">
+            <dgm:adjLst/>
+          </dgm:shape>
+          <dgm:presOf/>
+          <dgm:constrLst/>
+          <dgm:ruleLst/>
+        </dgm:layoutNode>
+      </dgm:forEach>
+    </dgm:forEach>
+  </dgm:layoutNode>
+</dgm:layoutDef>
+</file>
+
+<file path=ppt/diagrams/layout2.xml><?xml version="1.0" encoding="utf-8"?>
 <dgm:layoutDef xmlns:dgm="http://schemas.openxmlformats.org/drawingml/2006/diagram" xmlns:a="http://schemas.openxmlformats.org/drawingml/2006/main" uniqueId="urn:microsoft.com/office/officeart/2005/8/layout/default">
   <dgm:title val=""/>
   <dgm:desc val=""/>
@@ -3770,6 +6081,1503 @@
 </dgm:styleDef>
 </file>
 
+<file path=ppt/diagrams/quickStyle2.xml><?xml version="1.0" encoding="utf-8"?>
+<dgm:styleDef xmlns:dgm="http://schemas.openxmlformats.org/drawingml/2006/diagram" xmlns:a="http://schemas.openxmlformats.org/drawingml/2006/main" uniqueId="urn:microsoft.com/office/officeart/2005/8/quickstyle/simple2">
+  <dgm:title val=""/>
+  <dgm:desc val=""/>
+  <dgm:catLst>
+    <dgm:cat type="simple" pri="10200"/>
+  </dgm:catLst>
+  <dgm:scene3d>
+    <a:camera prst="orthographicFront"/>
+    <a:lightRig rig="threePt" dir="t"/>
+  </dgm:scene3d>
+  <dgm:styleLbl name="node0">
+    <dgm:scene3d>
+      <a:camera prst="orthographicFront"/>
+      <a:lightRig rig="threePt" dir="t"/>
+    </dgm:scene3d>
+    <dgm:sp3d/>
+    <dgm:txPr/>
+    <dgm:style>
+      <a:lnRef idx="3">
+        <a:scrgbClr r="0" g="0" b="0"/>
+      </a:lnRef>
+      <a:fillRef idx="1">
+        <a:scrgbClr r="0" g="0" b="0"/>
+      </a:fillRef>
+      <a:effectRef idx="1">
+        <a:scrgbClr r="0" g="0" b="0"/>
+      </a:effectRef>
+      <a:fontRef idx="minor">
+        <a:schemeClr val="lt1"/>
+      </a:fontRef>
+    </dgm:style>
+  </dgm:styleLbl>
+  <dgm:styleLbl name="lnNode1">
+    <dgm:scene3d>
+      <a:camera prst="orthographicFront"/>
+      <a:lightRig rig="threePt" dir="t"/>
+    </dgm:scene3d>
+    <dgm:sp3d/>
+    <dgm:txPr/>
+    <dgm:style>
+      <a:lnRef idx="3">
+        <a:scrgbClr r="0" g="0" b="0"/>
+      </a:lnRef>
+      <a:fillRef idx="1">
+        <a:scrgbClr r="0" g="0" b="0"/>
+      </a:fillRef>
+      <a:effectRef idx="1">
+        <a:scrgbClr r="0" g="0" b="0"/>
+      </a:effectRef>
+      <a:fontRef idx="minor">
+        <a:schemeClr val="lt1"/>
+      </a:fontRef>
+    </dgm:style>
+  </dgm:styleLbl>
+  <dgm:styleLbl name="vennNode1">
+    <dgm:scene3d>
+      <a:camera prst="orthographicFront"/>
+      <a:lightRig rig="threePt" dir="t"/>
+    </dgm:scene3d>
+    <dgm:sp3d/>
+    <dgm:txPr/>
+    <dgm:style>
+      <a:lnRef idx="3">
+        <a:scrgbClr r="0" g="0" b="0"/>
+      </a:lnRef>
+      <a:fillRef idx="1">
+        <a:scrgbClr r="0" g="0" b="0"/>
+      </a:fillRef>
+      <a:effectRef idx="0">
+        <a:scrgbClr r="0" g="0" b="0"/>
+      </a:effectRef>
+      <a:fontRef idx="minor">
+        <a:schemeClr val="tx1"/>
+      </a:fontRef>
+    </dgm:style>
+  </dgm:styleLbl>
+  <dgm:styleLbl name="alignNode1">
+    <dgm:scene3d>
+      <a:camera prst="orthographicFront"/>
+      <a:lightRig rig="threePt" dir="t"/>
+    </dgm:scene3d>
+    <dgm:sp3d/>
+    <dgm:txPr/>
+    <dgm:style>
+      <a:lnRef idx="2">
+        <a:scrgbClr r="0" g="0" b="0"/>
+      </a:lnRef>
+      <a:fillRef idx="1">
+        <a:scrgbClr r="0" g="0" b="0"/>
+      </a:fillRef>
+      <a:effectRef idx="1">
+        <a:scrgbClr r="0" g="0" b="0"/>
+      </a:effectRef>
+      <a:fontRef idx="minor">
+        <a:schemeClr val="lt1"/>
+      </a:fontRef>
+    </dgm:style>
+  </dgm:styleLbl>
+  <dgm:styleLbl name="node1">
+    <dgm:scene3d>
+      <a:camera prst="orthographicFront"/>
+      <a:lightRig rig="threePt" dir="t"/>
+    </dgm:scene3d>
+    <dgm:sp3d/>
+    <dgm:txPr/>
+    <dgm:style>
+      <a:lnRef idx="3">
+        <a:scrgbClr r="0" g="0" b="0"/>
+      </a:lnRef>
+      <a:fillRef idx="1">
+        <a:scrgbClr r="0" g="0" b="0"/>
+      </a:fillRef>
+      <a:effectRef idx="1">
+        <a:scrgbClr r="0" g="0" b="0"/>
+      </a:effectRef>
+      <a:fontRef idx="minor">
+        <a:schemeClr val="lt1"/>
+      </a:fontRef>
+    </dgm:style>
+  </dgm:styleLbl>
+  <dgm:styleLbl name="node2">
+    <dgm:scene3d>
+      <a:camera prst="orthographicFront"/>
+      <a:lightRig rig="threePt" dir="t"/>
+    </dgm:scene3d>
+    <dgm:sp3d/>
+    <dgm:txPr/>
+    <dgm:style>
+      <a:lnRef idx="3">
+        <a:scrgbClr r="0" g="0" b="0"/>
+      </a:lnRef>
+      <a:fillRef idx="1">
+        <a:scrgbClr r="0" g="0" b="0"/>
+      </a:fillRef>
+      <a:effectRef idx="1">
+        <a:scrgbClr r="0" g="0" b="0"/>
+      </a:effectRef>
+      <a:fontRef idx="minor">
+        <a:schemeClr val="lt1"/>
+      </a:fontRef>
+    </dgm:style>
+  </dgm:styleLbl>
+  <dgm:styleLbl name="node3">
+    <dgm:scene3d>
+      <a:camera prst="orthographicFront"/>
+      <a:lightRig rig="threePt" dir="t"/>
+    </dgm:scene3d>
+    <dgm:sp3d/>
+    <dgm:txPr/>
+    <dgm:style>
+      <a:lnRef idx="3">
+        <a:scrgbClr r="0" g="0" b="0"/>
+      </a:lnRef>
+      <a:fillRef idx="1">
+        <a:scrgbClr r="0" g="0" b="0"/>
+      </a:fillRef>
+      <a:effectRef idx="1">
+        <a:scrgbClr r="0" g="0" b="0"/>
+      </a:effectRef>
+      <a:fontRef idx="minor">
+        <a:schemeClr val="lt1"/>
+      </a:fontRef>
+    </dgm:style>
+  </dgm:styleLbl>
+  <dgm:styleLbl name="node4">
+    <dgm:scene3d>
+      <a:camera prst="orthographicFront"/>
+      <a:lightRig rig="threePt" dir="t"/>
+    </dgm:scene3d>
+    <dgm:sp3d/>
+    <dgm:txPr/>
+    <dgm:style>
+      <a:lnRef idx="3">
+        <a:scrgbClr r="0" g="0" b="0"/>
+      </a:lnRef>
+      <a:fillRef idx="1">
+        <a:scrgbClr r="0" g="0" b="0"/>
+      </a:fillRef>
+      <a:effectRef idx="1">
+        <a:scrgbClr r="0" g="0" b="0"/>
+      </a:effectRef>
+      <a:fontRef idx="minor">
+        <a:schemeClr val="lt1"/>
+      </a:fontRef>
+    </dgm:style>
+  </dgm:styleLbl>
+  <dgm:styleLbl name="fgImgPlace1">
+    <dgm:scene3d>
+      <a:camera prst="orthographicFront"/>
+      <a:lightRig rig="threePt" dir="t"/>
+    </dgm:scene3d>
+    <dgm:sp3d/>
+    <dgm:txPr/>
+    <dgm:style>
+      <a:lnRef idx="3">
+        <a:scrgbClr r="0" g="0" b="0"/>
+      </a:lnRef>
+      <a:fillRef idx="1">
+        <a:scrgbClr r="0" g="0" b="0"/>
+      </a:fillRef>
+      <a:effectRef idx="1">
+        <a:scrgbClr r="0" g="0" b="0"/>
+      </a:effectRef>
+      <a:fontRef idx="minor"/>
+    </dgm:style>
+  </dgm:styleLbl>
+  <dgm:styleLbl name="alignImgPlace1">
+    <dgm:scene3d>
+      <a:camera prst="orthographicFront"/>
+      <a:lightRig rig="threePt" dir="t"/>
+    </dgm:scene3d>
+    <dgm:sp3d/>
+    <dgm:txPr/>
+    <dgm:style>
+      <a:lnRef idx="3">
+        <a:scrgbClr r="0" g="0" b="0"/>
+      </a:lnRef>
+      <a:fillRef idx="1">
+        <a:scrgbClr r="0" g="0" b="0"/>
+      </a:fillRef>
+      <a:effectRef idx="1">
+        <a:scrgbClr r="0" g="0" b="0"/>
+      </a:effectRef>
+      <a:fontRef idx="minor"/>
+    </dgm:style>
+  </dgm:styleLbl>
+  <dgm:styleLbl name="bgImgPlace1">
+    <dgm:scene3d>
+      <a:camera prst="orthographicFront"/>
+      <a:lightRig rig="threePt" dir="t"/>
+    </dgm:scene3d>
+    <dgm:sp3d/>
+    <dgm:txPr/>
+    <dgm:style>
+      <a:lnRef idx="3">
+        <a:scrgbClr r="0" g="0" b="0"/>
+      </a:lnRef>
+      <a:fillRef idx="1">
+        <a:scrgbClr r="0" g="0" b="0"/>
+      </a:fillRef>
+      <a:effectRef idx="1">
+        <a:scrgbClr r="0" g="0" b="0"/>
+      </a:effectRef>
+      <a:fontRef idx="minor"/>
+    </dgm:style>
+  </dgm:styleLbl>
+  <dgm:styleLbl name="sibTrans2D1">
+    <dgm:scene3d>
+      <a:camera prst="orthographicFront"/>
+      <a:lightRig rig="threePt" dir="t"/>
+    </dgm:scene3d>
+    <dgm:sp3d/>
+    <dgm:txPr/>
+    <dgm:style>
+      <a:lnRef idx="0">
+        <a:scrgbClr r="0" g="0" b="0"/>
+      </a:lnRef>
+      <a:fillRef idx="1">
+        <a:scrgbClr r="0" g="0" b="0"/>
+      </a:fillRef>
+      <a:effectRef idx="1">
+        <a:scrgbClr r="0" g="0" b="0"/>
+      </a:effectRef>
+      <a:fontRef idx="minor">
+        <a:schemeClr val="lt1"/>
+      </a:fontRef>
+    </dgm:style>
+  </dgm:styleLbl>
+  <dgm:styleLbl name="fgSibTrans2D1">
+    <dgm:scene3d>
+      <a:camera prst="orthographicFront"/>
+      <a:lightRig rig="threePt" dir="t"/>
+    </dgm:scene3d>
+    <dgm:sp3d/>
+    <dgm:txPr/>
+    <dgm:style>
+      <a:lnRef idx="0">
+        <a:scrgbClr r="0" g="0" b="0"/>
+      </a:lnRef>
+      <a:fillRef idx="1">
+        <a:scrgbClr r="0" g="0" b="0"/>
+      </a:fillRef>
+      <a:effectRef idx="1">
+        <a:scrgbClr r="0" g="0" b="0"/>
+      </a:effectRef>
+      <a:fontRef idx="minor">
+        <a:schemeClr val="lt1"/>
+      </a:fontRef>
+    </dgm:style>
+  </dgm:styleLbl>
+  <dgm:styleLbl name="bgSibTrans2D1">
+    <dgm:scene3d>
+      <a:camera prst="orthographicFront"/>
+      <a:lightRig rig="threePt" dir="t"/>
+    </dgm:scene3d>
+    <dgm:sp3d/>
+    <dgm:txPr/>
+    <dgm:style>
+      <a:lnRef idx="0">
+        <a:scrgbClr r="0" g="0" b="0"/>
+      </a:lnRef>
+      <a:fillRef idx="1">
+        <a:scrgbClr r="0" g="0" b="0"/>
+      </a:fillRef>
+      <a:effectRef idx="1">
+        <a:scrgbClr r="0" g="0" b="0"/>
+      </a:effectRef>
+      <a:fontRef idx="minor">
+        <a:schemeClr val="lt1"/>
+      </a:fontRef>
+    </dgm:style>
+  </dgm:styleLbl>
+  <dgm:styleLbl name="sibTrans1D1">
+    <dgm:scene3d>
+      <a:camera prst="orthographicFront"/>
+      <a:lightRig rig="threePt" dir="t"/>
+    </dgm:scene3d>
+    <dgm:sp3d/>
+    <dgm:txPr/>
+    <dgm:style>
+      <a:lnRef idx="1">
+        <a:scrgbClr r="0" g="0" b="0"/>
+      </a:lnRef>
+      <a:fillRef idx="0">
+        <a:scrgbClr r="0" g="0" b="0"/>
+      </a:fillRef>
+      <a:effectRef idx="0">
+        <a:scrgbClr r="0" g="0" b="0"/>
+      </a:effectRef>
+      <a:fontRef idx="minor"/>
+    </dgm:style>
+  </dgm:styleLbl>
+  <dgm:styleLbl name="callout">
+    <dgm:scene3d>
+      <a:camera prst="orthographicFront"/>
+      <a:lightRig rig="threePt" dir="t"/>
+    </dgm:scene3d>
+    <dgm:sp3d/>
+    <dgm:txPr/>
+    <dgm:style>
+      <a:lnRef idx="2">
+        <a:scrgbClr r="0" g="0" b="0"/>
+      </a:lnRef>
+      <a:fillRef idx="1">
+        <a:scrgbClr r="0" g="0" b="0"/>
+      </a:fillRef>
+      <a:effectRef idx="1">
+        <a:scrgbClr r="0" g="0" b="0"/>
+      </a:effectRef>
+      <a:fontRef idx="minor"/>
+    </dgm:style>
+  </dgm:styleLbl>
+  <dgm:styleLbl name="asst0">
+    <dgm:scene3d>
+      <a:camera prst="orthographicFront"/>
+      <a:lightRig rig="threePt" dir="t"/>
+    </dgm:scene3d>
+    <dgm:sp3d/>
+    <dgm:txPr/>
+    <dgm:style>
+      <a:lnRef idx="3">
+        <a:scrgbClr r="0" g="0" b="0"/>
+      </a:lnRef>
+      <a:fillRef idx="1">
+        <a:scrgbClr r="0" g="0" b="0"/>
+      </a:fillRef>
+      <a:effectRef idx="1">
+        <a:scrgbClr r="0" g="0" b="0"/>
+      </a:effectRef>
+      <a:fontRef idx="minor">
+        <a:schemeClr val="lt1"/>
+      </a:fontRef>
+    </dgm:style>
+  </dgm:styleLbl>
+  <dgm:styleLbl name="asst1">
+    <dgm:scene3d>
+      <a:camera prst="orthographicFront"/>
+      <a:lightRig rig="threePt" dir="t"/>
+    </dgm:scene3d>
+    <dgm:sp3d/>
+    <dgm:txPr/>
+    <dgm:style>
+      <a:lnRef idx="3">
+        <a:scrgbClr r="0" g="0" b="0"/>
+      </a:lnRef>
+      <a:fillRef idx="1">
+        <a:scrgbClr r="0" g="0" b="0"/>
+      </a:fillRef>
+      <a:effectRef idx="1">
+        <a:scrgbClr r="0" g="0" b="0"/>
+      </a:effectRef>
+      <a:fontRef idx="minor">
+        <a:schemeClr val="lt1"/>
+      </a:fontRef>
+    </dgm:style>
+  </dgm:styleLbl>
+  <dgm:styleLbl name="asst2">
+    <dgm:scene3d>
+      <a:camera prst="orthographicFront"/>
+      <a:lightRig rig="threePt" dir="t"/>
+    </dgm:scene3d>
+    <dgm:sp3d/>
+    <dgm:txPr/>
+    <dgm:style>
+      <a:lnRef idx="3">
+        <a:scrgbClr r="0" g="0" b="0"/>
+      </a:lnRef>
+      <a:fillRef idx="1">
+        <a:scrgbClr r="0" g="0" b="0"/>
+      </a:fillRef>
+      <a:effectRef idx="1">
+        <a:scrgbClr r="0" g="0" b="0"/>
+      </a:effectRef>
+      <a:fontRef idx="minor">
+        <a:schemeClr val="lt1"/>
+      </a:fontRef>
+    </dgm:style>
+  </dgm:styleLbl>
+  <dgm:styleLbl name="asst3">
+    <dgm:scene3d>
+      <a:camera prst="orthographicFront"/>
+      <a:lightRig rig="threePt" dir="t"/>
+    </dgm:scene3d>
+    <dgm:sp3d/>
+    <dgm:txPr/>
+    <dgm:style>
+      <a:lnRef idx="3">
+        <a:scrgbClr r="0" g="0" b="0"/>
+      </a:lnRef>
+      <a:fillRef idx="1">
+        <a:scrgbClr r="0" g="0" b="0"/>
+      </a:fillRef>
+      <a:effectRef idx="1">
+        <a:scrgbClr r="0" g="0" b="0"/>
+      </a:effectRef>
+      <a:fontRef idx="minor">
+        <a:schemeClr val="lt1"/>
+      </a:fontRef>
+    </dgm:style>
+  </dgm:styleLbl>
+  <dgm:styleLbl name="asst4">
+    <dgm:scene3d>
+      <a:camera prst="orthographicFront"/>
+      <a:lightRig rig="threePt" dir="t"/>
+    </dgm:scene3d>
+    <dgm:sp3d/>
+    <dgm:txPr/>
+    <dgm:style>
+      <a:lnRef idx="3">
+        <a:scrgbClr r="0" g="0" b="0"/>
+      </a:lnRef>
+      <a:fillRef idx="1">
+        <a:scrgbClr r="0" g="0" b="0"/>
+      </a:fillRef>
+      <a:effectRef idx="1">
+        <a:scrgbClr r="0" g="0" b="0"/>
+      </a:effectRef>
+      <a:fontRef idx="minor">
+        <a:schemeClr val="lt1"/>
+      </a:fontRef>
+    </dgm:style>
+  </dgm:styleLbl>
+  <dgm:styleLbl name="parChTrans2D1">
+    <dgm:scene3d>
+      <a:camera prst="orthographicFront"/>
+      <a:lightRig rig="threePt" dir="t"/>
+    </dgm:scene3d>
+    <dgm:sp3d/>
+    <dgm:txPr/>
+    <dgm:style>
+      <a:lnRef idx="3">
+        <a:scrgbClr r="0" g="0" b="0"/>
+      </a:lnRef>
+      <a:fillRef idx="1">
+        <a:scrgbClr r="0" g="0" b="0"/>
+      </a:fillRef>
+      <a:effectRef idx="1">
+        <a:scrgbClr r="0" g="0" b="0"/>
+      </a:effectRef>
+      <a:fontRef idx="minor">
+        <a:schemeClr val="lt1"/>
+      </a:fontRef>
+    </dgm:style>
+  </dgm:styleLbl>
+  <dgm:styleLbl name="parChTrans2D2">
+    <dgm:scene3d>
+      <a:camera prst="orthographicFront"/>
+      <a:lightRig rig="threePt" dir="t"/>
+    </dgm:scene3d>
+    <dgm:sp3d/>
+    <dgm:txPr/>
+    <dgm:style>
+      <a:lnRef idx="3">
+        <a:scrgbClr r="0" g="0" b="0"/>
+      </a:lnRef>
+      <a:fillRef idx="1">
+        <a:scrgbClr r="0" g="0" b="0"/>
+      </a:fillRef>
+      <a:effectRef idx="1">
+        <a:scrgbClr r="0" g="0" b="0"/>
+      </a:effectRef>
+      <a:fontRef idx="minor">
+        <a:schemeClr val="lt1"/>
+      </a:fontRef>
+    </dgm:style>
+  </dgm:styleLbl>
+  <dgm:styleLbl name="parChTrans2D3">
+    <dgm:scene3d>
+      <a:camera prst="orthographicFront"/>
+      <a:lightRig rig="threePt" dir="t"/>
+    </dgm:scene3d>
+    <dgm:sp3d/>
+    <dgm:txPr/>
+    <dgm:style>
+      <a:lnRef idx="3">
+        <a:scrgbClr r="0" g="0" b="0"/>
+      </a:lnRef>
+      <a:fillRef idx="1">
+        <a:scrgbClr r="0" g="0" b="0"/>
+      </a:fillRef>
+      <a:effectRef idx="1">
+        <a:scrgbClr r="0" g="0" b="0"/>
+      </a:effectRef>
+      <a:fontRef idx="minor">
+        <a:schemeClr val="lt1"/>
+      </a:fontRef>
+    </dgm:style>
+  </dgm:styleLbl>
+  <dgm:styleLbl name="parChTrans2D4">
+    <dgm:scene3d>
+      <a:camera prst="orthographicFront"/>
+      <a:lightRig rig="threePt" dir="t"/>
+    </dgm:scene3d>
+    <dgm:sp3d/>
+    <dgm:txPr/>
+    <dgm:style>
+      <a:lnRef idx="3">
+        <a:scrgbClr r="0" g="0" b="0"/>
+      </a:lnRef>
+      <a:fillRef idx="1">
+        <a:scrgbClr r="0" g="0" b="0"/>
+      </a:fillRef>
+      <a:effectRef idx="1">
+        <a:scrgbClr r="0" g="0" b="0"/>
+      </a:effectRef>
+      <a:fontRef idx="minor">
+        <a:schemeClr val="lt1"/>
+      </a:fontRef>
+    </dgm:style>
+  </dgm:styleLbl>
+  <dgm:styleLbl name="parChTrans1D1">
+    <dgm:scene3d>
+      <a:camera prst="orthographicFront"/>
+      <a:lightRig rig="threePt" dir="t"/>
+    </dgm:scene3d>
+    <dgm:sp3d/>
+    <dgm:txPr/>
+    <dgm:style>
+      <a:lnRef idx="2">
+        <a:scrgbClr r="0" g="0" b="0"/>
+      </a:lnRef>
+      <a:fillRef idx="0">
+        <a:scrgbClr r="0" g="0" b="0"/>
+      </a:fillRef>
+      <a:effectRef idx="0">
+        <a:scrgbClr r="0" g="0" b="0"/>
+      </a:effectRef>
+      <a:fontRef idx="minor"/>
+    </dgm:style>
+  </dgm:styleLbl>
+  <dgm:styleLbl name="parChTrans1D2">
+    <dgm:scene3d>
+      <a:camera prst="orthographicFront"/>
+      <a:lightRig rig="threePt" dir="t"/>
+    </dgm:scene3d>
+    <dgm:sp3d/>
+    <dgm:txPr/>
+    <dgm:style>
+      <a:lnRef idx="2">
+        <a:scrgbClr r="0" g="0" b="0"/>
+      </a:lnRef>
+      <a:fillRef idx="0">
+        <a:scrgbClr r="0" g="0" b="0"/>
+      </a:fillRef>
+      <a:effectRef idx="0">
+        <a:scrgbClr r="0" g="0" b="0"/>
+      </a:effectRef>
+      <a:fontRef idx="minor"/>
+    </dgm:style>
+  </dgm:styleLbl>
+  <dgm:styleLbl name="parChTrans1D3">
+    <dgm:scene3d>
+      <a:camera prst="orthographicFront"/>
+      <a:lightRig rig="threePt" dir="t"/>
+    </dgm:scene3d>
+    <dgm:sp3d/>
+    <dgm:txPr/>
+    <dgm:style>
+      <a:lnRef idx="2">
+        <a:scrgbClr r="0" g="0" b="0"/>
+      </a:lnRef>
+      <a:fillRef idx="0">
+        <a:scrgbClr r="0" g="0" b="0"/>
+      </a:fillRef>
+      <a:effectRef idx="0">
+        <a:scrgbClr r="0" g="0" b="0"/>
+      </a:effectRef>
+      <a:fontRef idx="minor"/>
+    </dgm:style>
+  </dgm:styleLbl>
+  <dgm:styleLbl name="parChTrans1D4">
+    <dgm:scene3d>
+      <a:camera prst="orthographicFront"/>
+      <a:lightRig rig="threePt" dir="t"/>
+    </dgm:scene3d>
+    <dgm:sp3d/>
+    <dgm:txPr/>
+    <dgm:style>
+      <a:lnRef idx="2">
+        <a:scrgbClr r="0" g="0" b="0"/>
+      </a:lnRef>
+      <a:fillRef idx="0">
+        <a:scrgbClr r="0" g="0" b="0"/>
+      </a:fillRef>
+      <a:effectRef idx="0">
+        <a:scrgbClr r="0" g="0" b="0"/>
+      </a:effectRef>
+      <a:fontRef idx="minor"/>
+    </dgm:style>
+  </dgm:styleLbl>
+  <dgm:styleLbl name="fgAcc1">
+    <dgm:scene3d>
+      <a:camera prst="orthographicFront"/>
+      <a:lightRig rig="threePt" dir="t"/>
+    </dgm:scene3d>
+    <dgm:sp3d/>
+    <dgm:txPr/>
+    <dgm:style>
+      <a:lnRef idx="2">
+        <a:scrgbClr r="0" g="0" b="0"/>
+      </a:lnRef>
+      <a:fillRef idx="1">
+        <a:scrgbClr r="0" g="0" b="0"/>
+      </a:fillRef>
+      <a:effectRef idx="0">
+        <a:scrgbClr r="0" g="0" b="0"/>
+      </a:effectRef>
+      <a:fontRef idx="minor"/>
+    </dgm:style>
+  </dgm:styleLbl>
+  <dgm:styleLbl name="conFgAcc1">
+    <dgm:scene3d>
+      <a:camera prst="orthographicFront"/>
+      <a:lightRig rig="threePt" dir="t"/>
+    </dgm:scene3d>
+    <dgm:sp3d/>
+    <dgm:txPr/>
+    <dgm:style>
+      <a:lnRef idx="2">
+        <a:scrgbClr r="0" g="0" b="0"/>
+      </a:lnRef>
+      <a:fillRef idx="1">
+        <a:scrgbClr r="0" g="0" b="0"/>
+      </a:fillRef>
+      <a:effectRef idx="0">
+        <a:scrgbClr r="0" g="0" b="0"/>
+      </a:effectRef>
+      <a:fontRef idx="minor"/>
+    </dgm:style>
+  </dgm:styleLbl>
+  <dgm:styleLbl name="alignAcc1">
+    <dgm:scene3d>
+      <a:camera prst="orthographicFront"/>
+      <a:lightRig rig="threePt" dir="t"/>
+    </dgm:scene3d>
+    <dgm:sp3d/>
+    <dgm:txPr/>
+    <dgm:style>
+      <a:lnRef idx="2">
+        <a:scrgbClr r="0" g="0" b="0"/>
+      </a:lnRef>
+      <a:fillRef idx="1">
+        <a:scrgbClr r="0" g="0" b="0"/>
+      </a:fillRef>
+      <a:effectRef idx="0">
+        <a:scrgbClr r="0" g="0" b="0"/>
+      </a:effectRef>
+      <a:fontRef idx="minor"/>
+    </dgm:style>
+  </dgm:styleLbl>
+  <dgm:styleLbl name="trAlignAcc1">
+    <dgm:scene3d>
+      <a:camera prst="orthographicFront"/>
+      <a:lightRig rig="threePt" dir="t"/>
+    </dgm:scene3d>
+    <dgm:sp3d/>
+    <dgm:txPr/>
+    <dgm:style>
+      <a:lnRef idx="1">
+        <a:scrgbClr r="0" g="0" b="0"/>
+      </a:lnRef>
+      <a:fillRef idx="1">
+        <a:scrgbClr r="0" g="0" b="0"/>
+      </a:fillRef>
+      <a:effectRef idx="0">
+        <a:scrgbClr r="0" g="0" b="0"/>
+      </a:effectRef>
+      <a:fontRef idx="minor"/>
+    </dgm:style>
+  </dgm:styleLbl>
+  <dgm:styleLbl name="bgAcc1">
+    <dgm:scene3d>
+      <a:camera prst="orthographicFront"/>
+      <a:lightRig rig="threePt" dir="t"/>
+    </dgm:scene3d>
+    <dgm:sp3d/>
+    <dgm:txPr/>
+    <dgm:style>
+      <a:lnRef idx="2">
+        <a:scrgbClr r="0" g="0" b="0"/>
+      </a:lnRef>
+      <a:fillRef idx="1">
+        <a:scrgbClr r="0" g="0" b="0"/>
+      </a:fillRef>
+      <a:effectRef idx="0">
+        <a:scrgbClr r="0" g="0" b="0"/>
+      </a:effectRef>
+      <a:fontRef idx="minor"/>
+    </dgm:style>
+  </dgm:styleLbl>
+  <dgm:styleLbl name="solidFgAcc1">
+    <dgm:scene3d>
+      <a:camera prst="orthographicFront"/>
+      <a:lightRig rig="threePt" dir="t"/>
+    </dgm:scene3d>
+    <dgm:sp3d/>
+    <dgm:txPr/>
+    <dgm:style>
+      <a:lnRef idx="2">
+        <a:scrgbClr r="0" g="0" b="0"/>
+      </a:lnRef>
+      <a:fillRef idx="1">
+        <a:scrgbClr r="0" g="0" b="0"/>
+      </a:fillRef>
+      <a:effectRef idx="0">
+        <a:scrgbClr r="0" g="0" b="0"/>
+      </a:effectRef>
+      <a:fontRef idx="minor"/>
+    </dgm:style>
+  </dgm:styleLbl>
+  <dgm:styleLbl name="solidAlignAcc1">
+    <dgm:scene3d>
+      <a:camera prst="orthographicFront"/>
+      <a:lightRig rig="threePt" dir="t"/>
+    </dgm:scene3d>
+    <dgm:sp3d/>
+    <dgm:txPr/>
+    <dgm:style>
+      <a:lnRef idx="2">
+        <a:scrgbClr r="0" g="0" b="0"/>
+      </a:lnRef>
+      <a:fillRef idx="1">
+        <a:scrgbClr r="0" g="0" b="0"/>
+      </a:fillRef>
+      <a:effectRef idx="0">
+        <a:scrgbClr r="0" g="0" b="0"/>
+      </a:effectRef>
+      <a:fontRef idx="minor"/>
+    </dgm:style>
+  </dgm:styleLbl>
+  <dgm:styleLbl name="solidBgAcc1">
+    <dgm:scene3d>
+      <a:camera prst="orthographicFront"/>
+      <a:lightRig rig="threePt" dir="t"/>
+    </dgm:scene3d>
+    <dgm:sp3d/>
+    <dgm:txPr/>
+    <dgm:style>
+      <a:lnRef idx="2">
+        <a:scrgbClr r="0" g="0" b="0"/>
+      </a:lnRef>
+      <a:fillRef idx="1">
+        <a:scrgbClr r="0" g="0" b="0"/>
+      </a:fillRef>
+      <a:effectRef idx="0">
+        <a:scrgbClr r="0" g="0" b="0"/>
+      </a:effectRef>
+      <a:fontRef idx="minor"/>
+    </dgm:style>
+  </dgm:styleLbl>
+  <dgm:styleLbl name="fgAccFollowNode1">
+    <dgm:scene3d>
+      <a:camera prst="orthographicFront"/>
+      <a:lightRig rig="threePt" dir="t"/>
+    </dgm:scene3d>
+    <dgm:sp3d/>
+    <dgm:txPr/>
+    <dgm:style>
+      <a:lnRef idx="2">
+        <a:scrgbClr r="0" g="0" b="0"/>
+      </a:lnRef>
+      <a:fillRef idx="1">
+        <a:scrgbClr r="0" g="0" b="0"/>
+      </a:fillRef>
+      <a:effectRef idx="0">
+        <a:scrgbClr r="0" g="0" b="0"/>
+      </a:effectRef>
+      <a:fontRef idx="minor"/>
+    </dgm:style>
+  </dgm:styleLbl>
+  <dgm:styleLbl name="alignAccFollowNode1">
+    <dgm:scene3d>
+      <a:camera prst="orthographicFront"/>
+      <a:lightRig rig="threePt" dir="t"/>
+    </dgm:scene3d>
+    <dgm:sp3d/>
+    <dgm:txPr/>
+    <dgm:style>
+      <a:lnRef idx="2">
+        <a:scrgbClr r="0" g="0" b="0"/>
+      </a:lnRef>
+      <a:fillRef idx="1">
+        <a:scrgbClr r="0" g="0" b="0"/>
+      </a:fillRef>
+      <a:effectRef idx="0">
+        <a:scrgbClr r="0" g="0" b="0"/>
+      </a:effectRef>
+      <a:fontRef idx="minor"/>
+    </dgm:style>
+  </dgm:styleLbl>
+  <dgm:styleLbl name="bgAccFollowNode1">
+    <dgm:scene3d>
+      <a:camera prst="orthographicFront"/>
+      <a:lightRig rig="threePt" dir="t"/>
+    </dgm:scene3d>
+    <dgm:sp3d/>
+    <dgm:txPr/>
+    <dgm:style>
+      <a:lnRef idx="2">
+        <a:scrgbClr r="0" g="0" b="0"/>
+      </a:lnRef>
+      <a:fillRef idx="1">
+        <a:scrgbClr r="0" g="0" b="0"/>
+      </a:fillRef>
+      <a:effectRef idx="0">
+        <a:scrgbClr r="0" g="0" b="0"/>
+      </a:effectRef>
+      <a:fontRef idx="minor"/>
+    </dgm:style>
+  </dgm:styleLbl>
+  <dgm:styleLbl name="fgAcc0">
+    <dgm:scene3d>
+      <a:camera prst="orthographicFront"/>
+      <a:lightRig rig="threePt" dir="t"/>
+    </dgm:scene3d>
+    <dgm:sp3d/>
+    <dgm:txPr/>
+    <dgm:style>
+      <a:lnRef idx="2">
+        <a:scrgbClr r="0" g="0" b="0"/>
+      </a:lnRef>
+      <a:fillRef idx="1">
+        <a:scrgbClr r="0" g="0" b="0"/>
+      </a:fillRef>
+      <a:effectRef idx="0">
+        <a:scrgbClr r="0" g="0" b="0"/>
+      </a:effectRef>
+      <a:fontRef idx="minor"/>
+    </dgm:style>
+  </dgm:styleLbl>
+  <dgm:styleLbl name="fgAcc2">
+    <dgm:scene3d>
+      <a:camera prst="orthographicFront"/>
+      <a:lightRig rig="threePt" dir="t"/>
+    </dgm:scene3d>
+    <dgm:sp3d/>
+    <dgm:txPr/>
+    <dgm:style>
+      <a:lnRef idx="2">
+        <a:scrgbClr r="0" g="0" b="0"/>
+      </a:lnRef>
+      <a:fillRef idx="1">
+        <a:scrgbClr r="0" g="0" b="0"/>
+      </a:fillRef>
+      <a:effectRef idx="0">
+        <a:scrgbClr r="0" g="0" b="0"/>
+      </a:effectRef>
+      <a:fontRef idx="minor"/>
+    </dgm:style>
+  </dgm:styleLbl>
+  <dgm:styleLbl name="fgAcc3">
+    <dgm:scene3d>
+      <a:camera prst="orthographicFront"/>
+      <a:lightRig rig="threePt" dir="t"/>
+    </dgm:scene3d>
+    <dgm:sp3d/>
+    <dgm:txPr/>
+    <dgm:style>
+      <a:lnRef idx="2">
+        <a:scrgbClr r="0" g="0" b="0"/>
+      </a:lnRef>
+      <a:fillRef idx="1">
+        <a:scrgbClr r="0" g="0" b="0"/>
+      </a:fillRef>
+      <a:effectRef idx="0">
+        <a:scrgbClr r="0" g="0" b="0"/>
+      </a:effectRef>
+      <a:fontRef idx="minor"/>
+    </dgm:style>
+  </dgm:styleLbl>
+  <dgm:styleLbl name="fgAcc4">
+    <dgm:scene3d>
+      <a:camera prst="orthographicFront"/>
+      <a:lightRig rig="threePt" dir="t"/>
+    </dgm:scene3d>
+    <dgm:sp3d/>
+    <dgm:txPr/>
+    <dgm:style>
+      <a:lnRef idx="2">
+        <a:scrgbClr r="0" g="0" b="0"/>
+      </a:lnRef>
+      <a:fillRef idx="1">
+        <a:scrgbClr r="0" g="0" b="0"/>
+      </a:fillRef>
+      <a:effectRef idx="0">
+        <a:scrgbClr r="0" g="0" b="0"/>
+      </a:effectRef>
+      <a:fontRef idx="minor"/>
+    </dgm:style>
+  </dgm:styleLbl>
+  <dgm:styleLbl name="bgShp">
+    <dgm:scene3d>
+      <a:camera prst="orthographicFront"/>
+      <a:lightRig rig="threePt" dir="t"/>
+    </dgm:scene3d>
+    <dgm:sp3d/>
+    <dgm:txPr/>
+    <dgm:style>
+      <a:lnRef idx="0">
+        <a:scrgbClr r="0" g="0" b="0"/>
+      </a:lnRef>
+      <a:fillRef idx="1">
+        <a:scrgbClr r="0" g="0" b="0"/>
+      </a:fillRef>
+      <a:effectRef idx="0">
+        <a:scrgbClr r="0" g="0" b="0"/>
+      </a:effectRef>
+      <a:fontRef idx="minor"/>
+    </dgm:style>
+  </dgm:styleLbl>
+  <dgm:styleLbl name="dkBgShp">
+    <dgm:scene3d>
+      <a:camera prst="orthographicFront"/>
+      <a:lightRig rig="threePt" dir="t"/>
+    </dgm:scene3d>
+    <dgm:sp3d/>
+    <dgm:txPr/>
+    <dgm:style>
+      <a:lnRef idx="0">
+        <a:scrgbClr r="0" g="0" b="0"/>
+      </a:lnRef>
+      <a:fillRef idx="1">
+        <a:scrgbClr r="0" g="0" b="0"/>
+      </a:fillRef>
+      <a:effectRef idx="0">
+        <a:scrgbClr r="0" g="0" b="0"/>
+      </a:effectRef>
+      <a:fontRef idx="minor"/>
+    </dgm:style>
+  </dgm:styleLbl>
+  <dgm:styleLbl name="trBgShp">
+    <dgm:scene3d>
+      <a:camera prst="orthographicFront"/>
+      <a:lightRig rig="threePt" dir="t"/>
+    </dgm:scene3d>
+    <dgm:sp3d/>
+    <dgm:txPr/>
+    <dgm:style>
+      <a:lnRef idx="0">
+        <a:scrgbClr r="0" g="0" b="0"/>
+      </a:lnRef>
+      <a:fillRef idx="1">
+        <a:scrgbClr r="0" g="0" b="0"/>
+      </a:fillRef>
+      <a:effectRef idx="0">
+        <a:scrgbClr r="0" g="0" b="0"/>
+      </a:effectRef>
+      <a:fontRef idx="minor"/>
+    </dgm:style>
+  </dgm:styleLbl>
+  <dgm:styleLbl name="fgShp">
+    <dgm:scene3d>
+      <a:camera prst="orthographicFront"/>
+      <a:lightRig rig="threePt" dir="t"/>
+    </dgm:scene3d>
+    <dgm:sp3d/>
+    <dgm:txPr/>
+    <dgm:style>
+      <a:lnRef idx="3">
+        <a:scrgbClr r="0" g="0" b="0"/>
+      </a:lnRef>
+      <a:fillRef idx="1">
+        <a:scrgbClr r="0" g="0" b="0"/>
+      </a:fillRef>
+      <a:effectRef idx="1">
+        <a:scrgbClr r="0" g="0" b="0"/>
+      </a:effectRef>
+      <a:fontRef idx="minor"/>
+    </dgm:style>
+  </dgm:styleLbl>
+  <dgm:styleLbl name="revTx">
+    <dgm:scene3d>
+      <a:camera prst="orthographicFront"/>
+      <a:lightRig rig="threePt" dir="t"/>
+    </dgm:scene3d>
+    <dgm:sp3d/>
+    <dgm:txPr/>
+    <dgm:style>
+      <a:lnRef idx="0">
+        <a:scrgbClr r="0" g="0" b="0"/>
+      </a:lnRef>
+      <a:fillRef idx="0">
+        <a:scrgbClr r="0" g="0" b="0"/>
+      </a:fillRef>
+      <a:effectRef idx="0">
+        <a:scrgbClr r="0" g="0" b="0"/>
+      </a:effectRef>
+      <a:fontRef idx="minor"/>
+    </dgm:style>
+  </dgm:styleLbl>
+</dgm:styleDef>
+</file>
+
+<file path=ppt/notesMasters/notesMaster1.xml><?xml version="1.0" encoding="utf-8"?>
+<p:notesMaster xmlns:a="http://schemas.openxmlformats.org/drawingml/2006/main" xmlns:r="http://schemas.openxmlformats.org/officeDocument/2006/relationships" xmlns:p="http://schemas.openxmlformats.org/presentationml/2006/main">
+  <p:cSld>
+    <p:bg>
+      <p:bgRef idx="1001">
+        <a:schemeClr val="bg1"/>
+      </p:bgRef>
+    </p:bg>
+    <p:spTree>
+      <p:nvGrpSpPr>
+        <p:cNvPr id="1" name=""/>
+        <p:cNvGrpSpPr/>
+        <p:nvPr/>
+      </p:nvGrpSpPr>
+      <p:grpSpPr>
+        <a:xfrm>
+          <a:off x="0" y="0"/>
+          <a:ext cx="0" cy="0"/>
+          <a:chOff x="0" y="0"/>
+          <a:chExt cx="0" cy="0"/>
+        </a:xfrm>
+      </p:grpSpPr>
+      <p:sp>
+        <p:nvSpPr>
+          <p:cNvPr id="2" name="Header Placeholder 1"/>
+          <p:cNvSpPr>
+            <a:spLocks noGrp="1"/>
+          </p:cNvSpPr>
+          <p:nvPr>
+            <p:ph type="hdr" sz="quarter"/>
+          </p:nvPr>
+        </p:nvSpPr>
+        <p:spPr>
+          <a:xfrm>
+            <a:off x="0" y="0"/>
+            <a:ext cx="2971800" cy="458788"/>
+          </a:xfrm>
+          <a:prstGeom prst="rect">
+            <a:avLst/>
+          </a:prstGeom>
+        </p:spPr>
+        <p:txBody>
+          <a:bodyPr vert="horz" lIns="91440" tIns="45720" rIns="91440" bIns="45720" rtlCol="0"/>
+          <a:lstStyle>
+            <a:lvl1pPr algn="l">
+              <a:defRPr sz="1200"/>
+            </a:lvl1pPr>
+          </a:lstStyle>
+          <a:p>
+            <a:endParaRPr lang="en-US"/>
+          </a:p>
+        </p:txBody>
+      </p:sp>
+      <p:sp>
+        <p:nvSpPr>
+          <p:cNvPr id="3" name="Date Placeholder 2"/>
+          <p:cNvSpPr>
+            <a:spLocks noGrp="1"/>
+          </p:cNvSpPr>
+          <p:nvPr>
+            <p:ph type="dt" idx="1"/>
+          </p:nvPr>
+        </p:nvSpPr>
+        <p:spPr>
+          <a:xfrm>
+            <a:off x="3884613" y="0"/>
+            <a:ext cx="2971800" cy="458788"/>
+          </a:xfrm>
+          <a:prstGeom prst="rect">
+            <a:avLst/>
+          </a:prstGeom>
+        </p:spPr>
+        <p:txBody>
+          <a:bodyPr vert="horz" lIns="91440" tIns="45720" rIns="91440" bIns="45720" rtlCol="0"/>
+          <a:lstStyle>
+            <a:lvl1pPr algn="r">
+              <a:defRPr sz="1200"/>
+            </a:lvl1pPr>
+          </a:lstStyle>
+          <a:p>
+            <a:fld id="{4059DE56-531E-4AFF-8617-6FF691608954}" type="datetimeFigureOut">
+              <a:rPr lang="en-US" smtClean="0"/>
+              <a:t>12/19/2017</a:t>
+            </a:fld>
+            <a:endParaRPr lang="en-US"/>
+          </a:p>
+        </p:txBody>
+      </p:sp>
+      <p:sp>
+        <p:nvSpPr>
+          <p:cNvPr id="4" name="Slide Image Placeholder 3"/>
+          <p:cNvSpPr>
+            <a:spLocks noGrp="1" noRot="1" noChangeAspect="1"/>
+          </p:cNvSpPr>
+          <p:nvPr>
+            <p:ph type="sldImg" idx="2"/>
+          </p:nvPr>
+        </p:nvSpPr>
+        <p:spPr>
+          <a:xfrm>
+            <a:off x="685800" y="1143000"/>
+            <a:ext cx="5486400" cy="3086100"/>
+          </a:xfrm>
+          <a:prstGeom prst="rect">
+            <a:avLst/>
+          </a:prstGeom>
+          <a:noFill/>
+          <a:ln w="12700">
+            <a:solidFill>
+              <a:prstClr val="black"/>
+            </a:solidFill>
+          </a:ln>
+        </p:spPr>
+        <p:txBody>
+          <a:bodyPr vert="horz" lIns="91440" tIns="45720" rIns="91440" bIns="45720" rtlCol="0" anchor="ctr"/>
+          <a:lstStyle/>
+          <a:p>
+            <a:endParaRPr lang="en-US"/>
+          </a:p>
+        </p:txBody>
+      </p:sp>
+      <p:sp>
+        <p:nvSpPr>
+          <p:cNvPr id="5" name="Notes Placeholder 4"/>
+          <p:cNvSpPr>
+            <a:spLocks noGrp="1"/>
+          </p:cNvSpPr>
+          <p:nvPr>
+            <p:ph type="body" sz="quarter" idx="3"/>
+          </p:nvPr>
+        </p:nvSpPr>
+        <p:spPr>
+          <a:xfrm>
+            <a:off x="685800" y="4400550"/>
+            <a:ext cx="5486400" cy="3600450"/>
+          </a:xfrm>
+          <a:prstGeom prst="rect">
+            <a:avLst/>
+          </a:prstGeom>
+        </p:spPr>
+        <p:txBody>
+          <a:bodyPr vert="horz" lIns="91440" tIns="45720" rIns="91440" bIns="45720" rtlCol="0"/>
+          <a:lstStyle/>
+          <a:p>
+            <a:pPr lvl="0"/>
+            <a:r>
+              <a:rPr lang="en-US"/>
+              <a:t>Edit Master text styles</a:t>
+            </a:r>
+          </a:p>
+          <a:p>
+            <a:pPr lvl="1"/>
+            <a:r>
+              <a:rPr lang="en-US"/>
+              <a:t>Second level</a:t>
+            </a:r>
+          </a:p>
+          <a:p>
+            <a:pPr lvl="2"/>
+            <a:r>
+              <a:rPr lang="en-US"/>
+              <a:t>Third level</a:t>
+            </a:r>
+          </a:p>
+          <a:p>
+            <a:pPr lvl="3"/>
+            <a:r>
+              <a:rPr lang="en-US"/>
+              <a:t>Fourth level</a:t>
+            </a:r>
+          </a:p>
+          <a:p>
+            <a:pPr lvl="4"/>
+            <a:r>
+              <a:rPr lang="en-US"/>
+              <a:t>Fifth level</a:t>
+            </a:r>
+          </a:p>
+        </p:txBody>
+      </p:sp>
+      <p:sp>
+        <p:nvSpPr>
+          <p:cNvPr id="6" name="Footer Placeholder 5"/>
+          <p:cNvSpPr>
+            <a:spLocks noGrp="1"/>
+          </p:cNvSpPr>
+          <p:nvPr>
+            <p:ph type="ftr" sz="quarter" idx="4"/>
+          </p:nvPr>
+        </p:nvSpPr>
+        <p:spPr>
+          <a:xfrm>
+            <a:off x="0" y="8685213"/>
+            <a:ext cx="2971800" cy="458787"/>
+          </a:xfrm>
+          <a:prstGeom prst="rect">
+            <a:avLst/>
+          </a:prstGeom>
+        </p:spPr>
+        <p:txBody>
+          <a:bodyPr vert="horz" lIns="91440" tIns="45720" rIns="91440" bIns="45720" rtlCol="0" anchor="b"/>
+          <a:lstStyle>
+            <a:lvl1pPr algn="l">
+              <a:defRPr sz="1200"/>
+            </a:lvl1pPr>
+          </a:lstStyle>
+          <a:p>
+            <a:endParaRPr lang="en-US"/>
+          </a:p>
+        </p:txBody>
+      </p:sp>
+      <p:sp>
+        <p:nvSpPr>
+          <p:cNvPr id="7" name="Slide Number Placeholder 6"/>
+          <p:cNvSpPr>
+            <a:spLocks noGrp="1"/>
+          </p:cNvSpPr>
+          <p:nvPr>
+            <p:ph type="sldNum" sz="quarter" idx="5"/>
+          </p:nvPr>
+        </p:nvSpPr>
+        <p:spPr>
+          <a:xfrm>
+            <a:off x="3884613" y="8685213"/>
+            <a:ext cx="2971800" cy="458787"/>
+          </a:xfrm>
+          <a:prstGeom prst="rect">
+            <a:avLst/>
+          </a:prstGeom>
+        </p:spPr>
+        <p:txBody>
+          <a:bodyPr vert="horz" lIns="91440" tIns="45720" rIns="91440" bIns="45720" rtlCol="0" anchor="b"/>
+          <a:lstStyle>
+            <a:lvl1pPr algn="r">
+              <a:defRPr sz="1200"/>
+            </a:lvl1pPr>
+          </a:lstStyle>
+          <a:p>
+            <a:fld id="{DE8AC3B9-6ED6-4F51-BA77-7081B072815D}" type="slidenum">
+              <a:rPr lang="en-US" smtClean="0"/>
+              <a:t>‹#›</a:t>
+            </a:fld>
+            <a:endParaRPr lang="en-US"/>
+          </a:p>
+        </p:txBody>
+      </p:sp>
+    </p:spTree>
+    <p:extLst>
+      <p:ext uri="{BB962C8B-B14F-4D97-AF65-F5344CB8AC3E}">
+        <p14:creationId xmlns:p14="http://schemas.microsoft.com/office/powerpoint/2010/main" val="1357704520"/>
+      </p:ext>
+    </p:extLst>
+  </p:cSld>
+  <p:clrMap bg1="lt1" tx1="dk1" bg2="lt2" tx2="dk2" accent1="accent1" accent2="accent2" accent3="accent3" accent4="accent4" accent5="accent5" accent6="accent6" hlink="hlink" folHlink="folHlink"/>
+  <p:notesStyle>
+    <a:lvl1pPr marL="0" algn="l" defTabSz="914400" rtl="0" eaLnBrk="1" latinLnBrk="0" hangingPunct="1">
+      <a:defRPr sz="1200" kern="1200">
+        <a:solidFill>
+          <a:schemeClr val="tx1"/>
+        </a:solidFill>
+        <a:latin typeface="+mn-lt"/>
+        <a:ea typeface="+mn-ea"/>
+        <a:cs typeface="+mn-cs"/>
+      </a:defRPr>
+    </a:lvl1pPr>
+    <a:lvl2pPr marL="457200" algn="l" defTabSz="914400" rtl="0" eaLnBrk="1" latinLnBrk="0" hangingPunct="1">
+      <a:defRPr sz="1200" kern="1200">
+        <a:solidFill>
+          <a:schemeClr val="tx1"/>
+        </a:solidFill>
+        <a:latin typeface="+mn-lt"/>
+        <a:ea typeface="+mn-ea"/>
+        <a:cs typeface="+mn-cs"/>
+      </a:defRPr>
+    </a:lvl2pPr>
+    <a:lvl3pPr marL="914400" algn="l" defTabSz="914400" rtl="0" eaLnBrk="1" latinLnBrk="0" hangingPunct="1">
+      <a:defRPr sz="1200" kern="1200">
+        <a:solidFill>
+          <a:schemeClr val="tx1"/>
+        </a:solidFill>
+        <a:latin typeface="+mn-lt"/>
+        <a:ea typeface="+mn-ea"/>
+        <a:cs typeface="+mn-cs"/>
+      </a:defRPr>
+    </a:lvl3pPr>
+    <a:lvl4pPr marL="1371600" algn="l" defTabSz="914400" rtl="0" eaLnBrk="1" latinLnBrk="0" hangingPunct="1">
+      <a:defRPr sz="1200" kern="1200">
+        <a:solidFill>
+          <a:schemeClr val="tx1"/>
+        </a:solidFill>
+        <a:latin typeface="+mn-lt"/>
+        <a:ea typeface="+mn-ea"/>
+        <a:cs typeface="+mn-cs"/>
+      </a:defRPr>
+    </a:lvl4pPr>
+    <a:lvl5pPr marL="1828800" algn="l" defTabSz="914400" rtl="0" eaLnBrk="1" latinLnBrk="0" hangingPunct="1">
+      <a:defRPr sz="1200" kern="1200">
+        <a:solidFill>
+          <a:schemeClr val="tx1"/>
+        </a:solidFill>
+        <a:latin typeface="+mn-lt"/>
+        <a:ea typeface="+mn-ea"/>
+        <a:cs typeface="+mn-cs"/>
+      </a:defRPr>
+    </a:lvl5pPr>
+    <a:lvl6pPr marL="2286000" algn="l" defTabSz="914400" rtl="0" eaLnBrk="1" latinLnBrk="0" hangingPunct="1">
+      <a:defRPr sz="1200" kern="1200">
+        <a:solidFill>
+          <a:schemeClr val="tx1"/>
+        </a:solidFill>
+        <a:latin typeface="+mn-lt"/>
+        <a:ea typeface="+mn-ea"/>
+        <a:cs typeface="+mn-cs"/>
+      </a:defRPr>
+    </a:lvl6pPr>
+    <a:lvl7pPr marL="2743200" algn="l" defTabSz="914400" rtl="0" eaLnBrk="1" latinLnBrk="0" hangingPunct="1">
+      <a:defRPr sz="1200" kern="1200">
+        <a:solidFill>
+          <a:schemeClr val="tx1"/>
+        </a:solidFill>
+        <a:latin typeface="+mn-lt"/>
+        <a:ea typeface="+mn-ea"/>
+        <a:cs typeface="+mn-cs"/>
+      </a:defRPr>
+    </a:lvl7pPr>
+    <a:lvl8pPr marL="3200400" algn="l" defTabSz="914400" rtl="0" eaLnBrk="1" latinLnBrk="0" hangingPunct="1">
+      <a:defRPr sz="1200" kern="1200">
+        <a:solidFill>
+          <a:schemeClr val="tx1"/>
+        </a:solidFill>
+        <a:latin typeface="+mn-lt"/>
+        <a:ea typeface="+mn-ea"/>
+        <a:cs typeface="+mn-cs"/>
+      </a:defRPr>
+    </a:lvl8pPr>
+    <a:lvl9pPr marL="3657600" algn="l" defTabSz="914400" rtl="0" eaLnBrk="1" latinLnBrk="0" hangingPunct="1">
+      <a:defRPr sz="1200" kern="1200">
+        <a:solidFill>
+          <a:schemeClr val="tx1"/>
+        </a:solidFill>
+        <a:latin typeface="+mn-lt"/>
+        <a:ea typeface="+mn-ea"/>
+        <a:cs typeface="+mn-cs"/>
+      </a:defRPr>
+    </a:lvl9pPr>
+  </p:notesStyle>
+</p:notesMaster>
+</file>
+
+<file path=ppt/notesSlides/notesSlide1.xml><?xml version="1.0" encoding="utf-8"?>
+<p:notes xmlns:a="http://schemas.openxmlformats.org/drawingml/2006/main" xmlns:r="http://schemas.openxmlformats.org/officeDocument/2006/relationships" xmlns:p="http://schemas.openxmlformats.org/presentationml/2006/main">
+  <p:cSld>
+    <p:spTree>
+      <p:nvGrpSpPr>
+        <p:cNvPr id="1" name=""/>
+        <p:cNvGrpSpPr/>
+        <p:nvPr/>
+      </p:nvGrpSpPr>
+      <p:grpSpPr>
+        <a:xfrm>
+          <a:off x="0" y="0"/>
+          <a:ext cx="0" cy="0"/>
+          <a:chOff x="0" y="0"/>
+          <a:chExt cx="0" cy="0"/>
+        </a:xfrm>
+      </p:grpSpPr>
+      <p:sp>
+        <p:nvSpPr>
+          <p:cNvPr id="2" name="Slide Image Placeholder 1"/>
+          <p:cNvSpPr>
+            <a:spLocks noGrp="1" noRot="1" noChangeAspect="1"/>
+          </p:cNvSpPr>
+          <p:nvPr>
+            <p:ph type="sldImg"/>
+          </p:nvPr>
+        </p:nvSpPr>
+        <p:spPr/>
+      </p:sp>
+      <p:sp>
+        <p:nvSpPr>
+          <p:cNvPr id="3" name="Notes Placeholder 2"/>
+          <p:cNvSpPr>
+            <a:spLocks noGrp="1"/>
+          </p:cNvSpPr>
+          <p:nvPr>
+            <p:ph type="body" idx="1"/>
+          </p:nvPr>
+        </p:nvSpPr>
+        <p:spPr/>
+        <p:txBody>
+          <a:bodyPr/>
+          <a:lstStyle/>
+          <a:p>
+            <a:r>
+              <a:rPr lang="en-US" dirty="0"/>
+              <a:t>1.</a:t>
+            </a:r>
+          </a:p>
+          <a:p>
+            <a:r>
+              <a:rPr lang="en-US" dirty="0"/>
+              <a:t>2.</a:t>
+            </a:r>
+          </a:p>
+          <a:p>
+            <a:r>
+              <a:rPr lang="en-US" dirty="0"/>
+              <a:t>3.</a:t>
+            </a:r>
+          </a:p>
+          <a:p>
+            <a:r>
+              <a:rPr lang="en-US" dirty="0"/>
+              <a:t>4.</a:t>
+            </a:r>
+          </a:p>
+          <a:p>
+            <a:r>
+              <a:rPr lang="en-US" dirty="0"/>
+              <a:t>5.</a:t>
+            </a:r>
+          </a:p>
+          <a:p>
+            <a:endParaRPr lang="en-US" dirty="0"/>
+          </a:p>
+        </p:txBody>
+      </p:sp>
+      <p:sp>
+        <p:nvSpPr>
+          <p:cNvPr id="4" name="Slide Number Placeholder 3"/>
+          <p:cNvSpPr>
+            <a:spLocks noGrp="1"/>
+          </p:cNvSpPr>
+          <p:nvPr>
+            <p:ph type="sldNum" sz="quarter" idx="10"/>
+          </p:nvPr>
+        </p:nvSpPr>
+        <p:spPr/>
+        <p:txBody>
+          <a:bodyPr/>
+          <a:lstStyle/>
+          <a:p>
+            <a:fld id="{DE8AC3B9-6ED6-4F51-BA77-7081B072815D}" type="slidenum">
+              <a:rPr lang="en-US" smtClean="0"/>
+              <a:t>9</a:t>
+            </a:fld>
+            <a:endParaRPr lang="en-US"/>
+          </a:p>
+        </p:txBody>
+      </p:sp>
+    </p:spTree>
+    <p:extLst>
+      <p:ext uri="{BB962C8B-B14F-4D97-AF65-F5344CB8AC3E}">
+        <p14:creationId xmlns:p14="http://schemas.microsoft.com/office/powerpoint/2010/main" val="2381296154"/>
+      </p:ext>
+    </p:extLst>
+  </p:cSld>
+  <p:clrMapOvr>
+    <a:masterClrMapping/>
+  </p:clrMapOvr>
+</p:notes>
+</file>
+
 <file path=ppt/slideLayouts/slideLayout1.xml><?xml version="1.0" encoding="utf-8"?>
 <p:sldLayout xmlns:a="http://schemas.openxmlformats.org/drawingml/2006/main" xmlns:r="http://schemas.openxmlformats.org/officeDocument/2006/relationships" xmlns:p="http://schemas.openxmlformats.org/presentationml/2006/main" showMasterSp="0" type="title" preserve="1">
   <p:cSld name="Title Slide">
@@ -4982,7 +8790,7 @@
             <a:fld id="{9334D819-9F07-4261-B09B-9E467E5D9002}" type="datetimeFigureOut">
               <a:rPr lang="en-US" dirty="0"/>
               <a:pPr/>
-              <a:t>18/12/17</a:t>
+              <a:t>12/19/2017</a:t>
             </a:fld>
             <a:endParaRPr lang="en-US" dirty="0"/>
           </a:p>
@@ -5216,7 +9024,7 @@
           <a:p>
             <a:fld id="{9334D819-9F07-4261-B09B-9E467E5D9002}" type="datetimeFigureOut">
               <a:rPr lang="en-US" dirty="0"/>
-              <a:t>18/12/17</a:t>
+              <a:t>12/19/2017</a:t>
             </a:fld>
             <a:endParaRPr lang="en-US" dirty="0"/>
           </a:p>
@@ -5391,7 +9199,7 @@
           <a:p>
             <a:fld id="{9334D819-9F07-4261-B09B-9E467E5D9002}" type="datetimeFigureOut">
               <a:rPr lang="en-US" dirty="0"/>
-              <a:t>18/12/17</a:t>
+              <a:t>12/19/2017</a:t>
             </a:fld>
             <a:endParaRPr lang="en-US" dirty="0"/>
           </a:p>
@@ -5556,7 +9364,7 @@
           <a:p>
             <a:fld id="{9334D819-9F07-4261-B09B-9E467E5D9002}" type="datetimeFigureOut">
               <a:rPr lang="en-US" dirty="0"/>
-              <a:t>18/12/17</a:t>
+              <a:t>12/19/2017</a:t>
             </a:fld>
             <a:endParaRPr lang="en-US" dirty="0"/>
           </a:p>
@@ -5828,7 +9636,7 @@
             <a:fld id="{9334D819-9F07-4261-B09B-9E467E5D9002}" type="datetimeFigureOut">
               <a:rPr lang="en-US" dirty="0"/>
               <a:pPr/>
-              <a:t>18/12/17</a:t>
+              <a:t>12/19/2017</a:t>
             </a:fld>
             <a:endParaRPr lang="en-US" dirty="0"/>
           </a:p>
@@ -7025,7 +10833,7 @@
           <a:p>
             <a:fld id="{9334D819-9F07-4261-B09B-9E467E5D9002}" type="datetimeFigureOut">
               <a:rPr lang="en-US" dirty="0"/>
-              <a:t>18/12/17</a:t>
+              <a:t>12/19/2017</a:t>
             </a:fld>
             <a:endParaRPr lang="en-US" dirty="0"/>
           </a:p>
@@ -7080,7 +10888,7 @@
   </p:clrMapOvr>
   <p:extLst mod="1">
     <p:ext uri="{DCECCB84-F9BA-43D5-87BE-67443E8EF086}">
-      <p15:sldGuideLst xmlns:p15="http://schemas.microsoft.com/office/powerpoint/2012/main" xmlns=""/>
+      <p15:sldGuideLst xmlns:p15="http://schemas.microsoft.com/office/powerpoint/2012/main"/>
     </p:ext>
   </p:extLst>
 </p:sldLayout>
@@ -7410,7 +11218,7 @@
           <a:p>
             <a:fld id="{9334D819-9F07-4261-B09B-9E467E5D9002}" type="datetimeFigureOut">
               <a:rPr lang="en-US" dirty="0"/>
-              <a:t>18/12/17</a:t>
+              <a:t>12/19/2017</a:t>
             </a:fld>
             <a:endParaRPr lang="en-US" dirty="0"/>
           </a:p>
@@ -7465,7 +11273,7 @@
   </p:clrMapOvr>
   <p:extLst mod="1">
     <p:ext uri="{DCECCB84-F9BA-43D5-87BE-67443E8EF086}">
-      <p15:sldGuideLst xmlns:p15="http://schemas.microsoft.com/office/powerpoint/2012/main" xmlns=""/>
+      <p15:sldGuideLst xmlns:p15="http://schemas.microsoft.com/office/powerpoint/2012/main"/>
     </p:ext>
   </p:extLst>
 </p:sldLayout>
@@ -7528,7 +11336,7 @@
           <a:p>
             <a:fld id="{9334D819-9F07-4261-B09B-9E467E5D9002}" type="datetimeFigureOut">
               <a:rPr lang="en-US" dirty="0"/>
-              <a:t>18/12/17</a:t>
+              <a:t>12/19/2017</a:t>
             </a:fld>
             <a:endParaRPr lang="en-US" dirty="0"/>
           </a:p>
@@ -7618,7 +11426,7 @@
           <a:p>
             <a:fld id="{9334D819-9F07-4261-B09B-9E467E5D9002}" type="datetimeFigureOut">
               <a:rPr lang="en-US" dirty="0"/>
-              <a:t>18/12/17</a:t>
+              <a:t>12/19/2017</a:t>
             </a:fld>
             <a:endParaRPr lang="en-US" dirty="0"/>
           </a:p>
@@ -8376,7 +12184,7 @@
           <a:p>
             <a:fld id="{9334D819-9F07-4261-B09B-9E467E5D9002}" type="datetimeFigureOut">
               <a:rPr lang="en-US" dirty="0"/>
-              <a:t>18/12/17</a:t>
+              <a:t>12/19/2017</a:t>
             </a:fld>
             <a:endParaRPr lang="en-US" dirty="0"/>
           </a:p>
@@ -8479,7 +12287,7 @@
   </p:clrMapOvr>
   <p:extLst mod="1">
     <p:ext uri="{DCECCB84-F9BA-43D5-87BE-67443E8EF086}">
-      <p15:sldGuideLst xmlns:p15="http://schemas.microsoft.com/office/powerpoint/2012/main" xmlns="">
+      <p15:sldGuideLst xmlns:p15="http://schemas.microsoft.com/office/powerpoint/2012/main">
         <p15:guide id="1" orient="horz" pos="696">
           <p15:clr>
             <a:srgbClr val="FBAE40"/>
@@ -9211,7 +13019,7 @@
           <a:p>
             <a:fld id="{9334D819-9F07-4261-B09B-9E467E5D9002}" type="datetimeFigureOut">
               <a:rPr lang="en-US" dirty="0"/>
-              <a:t>18/12/17</a:t>
+              <a:t>12/19/2017</a:t>
             </a:fld>
             <a:endParaRPr lang="en-US" dirty="0"/>
           </a:p>
@@ -9434,7 +13242,7 @@
             <a:fld id="{9334D819-9F07-4261-B09B-9E467E5D9002}" type="datetimeFigureOut">
               <a:rPr lang="en-US" dirty="0"/>
               <a:pPr/>
-              <a:t>18/12/17</a:t>
+              <a:t>12/19/2017</a:t>
             </a:fld>
             <a:endParaRPr lang="en-US" dirty="0"/>
           </a:p>
@@ -10375,7 +14183,7 @@
   </p:txStyles>
   <p:extLst mod="1">
     <p:ext uri="{27BBF7A9-308A-43DC-89C8-2F10F3537804}">
-      <p15:sldGuideLst xmlns:p15="http://schemas.microsoft.com/office/powerpoint/2012/main" xmlns="">
+      <p15:sldGuideLst xmlns:p15="http://schemas.microsoft.com/office/powerpoint/2012/main">
         <p15:guide id="1" pos="792">
           <p15:clr>
             <a:srgbClr val="F26B43"/>
@@ -10434,7 +14242,7 @@
           <p:cNvPr id="2" name="Title 1">
             <a:extLst>
               <a:ext uri="{FF2B5EF4-FFF2-40B4-BE49-F238E27FC236}">
-                <a16:creationId xmlns:a16="http://schemas.microsoft.com/office/drawing/2014/main" xmlns="" id="{0E52C71E-D495-4B06-9663-B87220326D0D}"/>
+                <a16:creationId xmlns:a16="http://schemas.microsoft.com/office/drawing/2014/main" id="{0E52C71E-D495-4B06-9663-B87220326D0D}"/>
               </a:ext>
             </a:extLst>
           </p:cNvPr>
@@ -10462,7 +14270,7 @@
           <p:cNvPr id="3" name="Subtitle 2">
             <a:extLst>
               <a:ext uri="{FF2B5EF4-FFF2-40B4-BE49-F238E27FC236}">
-                <a16:creationId xmlns:a16="http://schemas.microsoft.com/office/drawing/2014/main" xmlns="" id="{8831B2C1-060E-4041-862C-29CA6B5265D3}"/>
+                <a16:creationId xmlns:a16="http://schemas.microsoft.com/office/drawing/2014/main" id="{8831B2C1-060E-4041-862C-29CA6B5265D3}"/>
               </a:ext>
             </a:extLst>
           </p:cNvPr>
@@ -10520,7 +14328,93 @@
           <p:cNvPr id="2" name="Title 1">
             <a:extLst>
               <a:ext uri="{FF2B5EF4-FFF2-40B4-BE49-F238E27FC236}">
-                <a16:creationId xmlns:a16="http://schemas.microsoft.com/office/drawing/2014/main" xmlns="" id="{27865403-966F-4171-AFD2-4095C3936E6B}"/>
+                <a16:creationId xmlns:a16="http://schemas.microsoft.com/office/drawing/2014/main" id="{269A0B15-D693-4459-AF1A-5C00C7406E29}"/>
+              </a:ext>
+            </a:extLst>
+          </p:cNvPr>
+          <p:cNvSpPr>
+            <a:spLocks noGrp="1"/>
+          </p:cNvSpPr>
+          <p:nvPr>
+            <p:ph type="ctrTitle"/>
+          </p:nvPr>
+        </p:nvSpPr>
+        <p:spPr/>
+        <p:txBody>
+          <a:bodyPr/>
+          <a:lstStyle/>
+          <a:p>
+            <a:r>
+              <a:rPr lang="en-US" dirty="0"/>
+              <a:t>demo</a:t>
+            </a:r>
+          </a:p>
+        </p:txBody>
+      </p:sp>
+      <p:sp>
+        <p:nvSpPr>
+          <p:cNvPr id="3" name="Subtitle 2">
+            <a:extLst>
+              <a:ext uri="{FF2B5EF4-FFF2-40B4-BE49-F238E27FC236}">
+                <a16:creationId xmlns:a16="http://schemas.microsoft.com/office/drawing/2014/main" id="{89781140-EE1A-423E-B26F-9FA9172BDC16}"/>
+              </a:ext>
+            </a:extLst>
+          </p:cNvPr>
+          <p:cNvSpPr>
+            <a:spLocks noGrp="1"/>
+          </p:cNvSpPr>
+          <p:nvPr>
+            <p:ph type="subTitle" idx="1"/>
+          </p:nvPr>
+        </p:nvSpPr>
+        <p:spPr/>
+        <p:txBody>
+          <a:bodyPr/>
+          <a:lstStyle/>
+          <a:p>
+            <a:r>
+              <a:rPr lang="en-US" dirty="0"/>
+              <a:t>And desiccation </a:t>
+            </a:r>
+          </a:p>
+        </p:txBody>
+      </p:sp>
+    </p:spTree>
+    <p:extLst>
+      <p:ext uri="{BB962C8B-B14F-4D97-AF65-F5344CB8AC3E}">
+        <p14:creationId xmlns:p14="http://schemas.microsoft.com/office/powerpoint/2010/main" val="1762289637"/>
+      </p:ext>
+    </p:extLst>
+  </p:cSld>
+  <p:clrMapOvr>
+    <a:masterClrMapping/>
+  </p:clrMapOvr>
+</p:sld>
+</file>
+
+<file path=ppt/slides/slide11.xml><?xml version="1.0" encoding="utf-8"?>
+<p:sld xmlns:a="http://schemas.openxmlformats.org/drawingml/2006/main" xmlns:r="http://schemas.openxmlformats.org/officeDocument/2006/relationships" xmlns:p="http://schemas.openxmlformats.org/presentationml/2006/main">
+  <p:cSld>
+    <p:spTree>
+      <p:nvGrpSpPr>
+        <p:cNvPr id="1" name=""/>
+        <p:cNvGrpSpPr/>
+        <p:nvPr/>
+      </p:nvGrpSpPr>
+      <p:grpSpPr>
+        <a:xfrm>
+          <a:off x="0" y="0"/>
+          <a:ext cx="0" cy="0"/>
+          <a:chOff x="0" y="0"/>
+          <a:chExt cx="0" cy="0"/>
+        </a:xfrm>
+      </p:grpSpPr>
+      <p:sp>
+        <p:nvSpPr>
+          <p:cNvPr id="2" name="Title 1">
+            <a:extLst>
+              <a:ext uri="{FF2B5EF4-FFF2-40B4-BE49-F238E27FC236}">
+                <a16:creationId xmlns:a16="http://schemas.microsoft.com/office/drawing/2014/main" id="{27865403-966F-4171-AFD2-4095C3936E6B}"/>
               </a:ext>
             </a:extLst>
           </p:cNvPr>
@@ -10555,7 +14449,7 @@
           <p:cNvPr id="3" name="Text Placeholder 2">
             <a:extLst>
               <a:ext uri="{FF2B5EF4-FFF2-40B4-BE49-F238E27FC236}">
-                <a16:creationId xmlns:a16="http://schemas.microsoft.com/office/drawing/2014/main" xmlns="" id="{95384BE1-ECA6-4759-9219-426C433BB524}"/>
+                <a16:creationId xmlns:a16="http://schemas.microsoft.com/office/drawing/2014/main" id="{95384BE1-ECA6-4759-9219-426C433BB524}"/>
               </a:ext>
             </a:extLst>
           </p:cNvPr>
@@ -10621,7 +14515,7 @@
           <p:cNvPr id="71" name="Freeform 6" title="Left scallop edge">
             <a:extLst>
               <a:ext uri="{FF2B5EF4-FFF2-40B4-BE49-F238E27FC236}">
-                <a16:creationId xmlns:a16="http://schemas.microsoft.com/office/drawing/2014/main" xmlns="" id="{841EFD0D-0D37-447B-B1EA-4F7197EB2911}"/>
+                <a16:creationId xmlns:a16="http://schemas.microsoft.com/office/drawing/2014/main" id="{841EFD0D-0D37-447B-B1EA-4F7197EB2911}"/>
               </a:ext>
             </a:extLst>
           </p:cNvPr>
@@ -10631,7 +14525,7 @@
           <p:nvPr>
             <p:extLst>
               <p:ext uri="{386F3935-93C4-4BCD-93E2-E3B085C9AB24}">
-                <p16:designElem xmlns:p16="http://schemas.microsoft.com/office/powerpoint/2015/main" xmlns="" val="1"/>
+                <p16:designElem xmlns:p16="http://schemas.microsoft.com/office/powerpoint/2015/main" val="1"/>
               </p:ext>
             </p:extLst>
           </p:nvPr>
@@ -11099,7 +14993,7 @@
           <p:cNvPr id="73" name="Rectangle 72" title="right edge border">
             <a:extLst>
               <a:ext uri="{FF2B5EF4-FFF2-40B4-BE49-F238E27FC236}">
-                <a16:creationId xmlns:a16="http://schemas.microsoft.com/office/drawing/2014/main" xmlns="" id="{5A6DFF24-307B-44B0-93F0-893676F1488A}"/>
+                <a16:creationId xmlns:a16="http://schemas.microsoft.com/office/drawing/2014/main" id="{5A6DFF24-307B-44B0-93F0-893676F1488A}"/>
               </a:ext>
             </a:extLst>
           </p:cNvPr>
@@ -11109,7 +15003,7 @@
           <p:nvPr>
             <p:extLst>
               <p:ext uri="{386F3935-93C4-4BCD-93E2-E3B085C9AB24}">
-                <p16:designElem xmlns:p16="http://schemas.microsoft.com/office/powerpoint/2015/main" xmlns="" val="1"/>
+                <p16:designElem xmlns:p16="http://schemas.microsoft.com/office/powerpoint/2015/main" val="1"/>
               </p:ext>
             </p:extLst>
           </p:nvPr>
@@ -11151,7 +15045,7 @@
           <p:cNvPr id="1026" name="Picture 2" descr="Image result for dysh app">
             <a:extLst>
               <a:ext uri="{FF2B5EF4-FFF2-40B4-BE49-F238E27FC236}">
-                <a16:creationId xmlns:a16="http://schemas.microsoft.com/office/drawing/2014/main" xmlns="" id="{316F83B2-6343-48D9-AE65-74CA7D8BA1E1}"/>
+                <a16:creationId xmlns:a16="http://schemas.microsoft.com/office/drawing/2014/main" id="{316F83B2-6343-48D9-AE65-74CA7D8BA1E1}"/>
               </a:ext>
             </a:extLst>
           </p:cNvPr>
@@ -11198,7 +15092,7 @@
           <p:cNvPr id="2" name="Title 1">
             <a:extLst>
               <a:ext uri="{FF2B5EF4-FFF2-40B4-BE49-F238E27FC236}">
-                <a16:creationId xmlns:a16="http://schemas.microsoft.com/office/drawing/2014/main" xmlns="" id="{4259A47C-5E27-4927-9AB7-7858CC6B6837}"/>
+                <a16:creationId xmlns:a16="http://schemas.microsoft.com/office/drawing/2014/main" id="{4259A47C-5E27-4927-9AB7-7858CC6B6837}"/>
               </a:ext>
             </a:extLst>
           </p:cNvPr>
@@ -11233,7 +15127,7 @@
           <p:cNvPr id="3" name="Vertical Text Placeholder 2">
             <a:extLst>
               <a:ext uri="{FF2B5EF4-FFF2-40B4-BE49-F238E27FC236}">
-                <a16:creationId xmlns:a16="http://schemas.microsoft.com/office/drawing/2014/main" xmlns="" id="{9F629151-CF71-41D0-859A-9BF538BE93B2}"/>
+                <a16:creationId xmlns:a16="http://schemas.microsoft.com/office/drawing/2014/main" id="{9F629151-CF71-41D0-859A-9BF538BE93B2}"/>
               </a:ext>
             </a:extLst>
           </p:cNvPr>
@@ -11267,31 +15161,7 @@
                   <a:schemeClr val="tx1"/>
                 </a:solidFill>
               </a:rPr>
-              <a:t>This app is the main stage to share opinions </a:t>
-            </a:r>
-            <a:r>
-              <a:rPr lang="en-US" dirty="0" smtClean="0">
-                <a:solidFill>
-                  <a:schemeClr val="tx1"/>
-                </a:solidFill>
-              </a:rPr>
-              <a:t>of </a:t>
-            </a:r>
-            <a:r>
-              <a:rPr lang="en-US" dirty="0">
-                <a:solidFill>
-                  <a:schemeClr val="tx1"/>
-                </a:solidFill>
-              </a:rPr>
-              <a:t>dishes </a:t>
-            </a:r>
-            <a:r>
-              <a:rPr lang="en-US" dirty="0" smtClean="0">
-                <a:solidFill>
-                  <a:schemeClr val="tx1"/>
-                </a:solidFill>
-              </a:rPr>
-              <a:t>and shops .It almost has the same features as shop’s rating application exclude it supports:</a:t>
+              <a:t>This app is the main stage to share opinions of dishes and shops .It almost has the same features as shop’s rating application exclude it supports:</a:t>
             </a:r>
           </a:p>
           <a:p>
@@ -11306,37 +15176,8 @@
                   <a:schemeClr val="tx1"/>
                 </a:solidFill>
               </a:rPr>
-              <a:t>V</a:t>
+              <a:t>View dishes' shops. </a:t>
             </a:r>
-            <a:r>
-              <a:rPr lang="en-US" dirty="0" smtClean="0">
-                <a:solidFill>
-                  <a:schemeClr val="tx1"/>
-                </a:solidFill>
-              </a:rPr>
-              <a:t>iew </a:t>
-            </a:r>
-            <a:r>
-              <a:rPr lang="en-US" dirty="0">
-                <a:solidFill>
-                  <a:schemeClr val="tx1"/>
-                </a:solidFill>
-              </a:rPr>
-              <a:t>dishes' </a:t>
-            </a:r>
-            <a:r>
-              <a:rPr lang="en-US" dirty="0" smtClean="0">
-                <a:solidFill>
-                  <a:schemeClr val="tx1"/>
-                </a:solidFill>
-              </a:rPr>
-              <a:t>shops. </a:t>
-            </a:r>
-            <a:endParaRPr lang="en-US" dirty="0">
-              <a:solidFill>
-                <a:schemeClr val="tx1"/>
-              </a:solidFill>
-            </a:endParaRPr>
           </a:p>
           <a:p>
             <a:pPr>
@@ -11345,52 +15186,12 @@
               </a:lnSpc>
             </a:pPr>
             <a:r>
-              <a:rPr lang="en-US" dirty="0" smtClean="0">
-                <a:solidFill>
-                  <a:schemeClr val="tx1"/>
-                </a:solidFill>
-              </a:rPr>
-              <a:t>View</a:t>
-            </a:r>
-            <a:r>
-              <a:rPr lang="en-US" dirty="0" smtClean="0">
-                <a:solidFill>
-                  <a:schemeClr val="tx1"/>
-                </a:solidFill>
-              </a:rPr>
-              <a:t> </a:t>
-            </a:r>
-            <a:r>
               <a:rPr lang="en-US" dirty="0">
                 <a:solidFill>
                   <a:schemeClr val="tx1"/>
                 </a:solidFill>
               </a:rPr>
-              <a:t>appropriate </a:t>
-            </a:r>
-            <a:r>
-              <a:rPr lang="en-US" dirty="0" smtClean="0">
-                <a:solidFill>
-                  <a:schemeClr val="tx1"/>
-                </a:solidFill>
-              </a:rPr>
-              <a:t>occasions </a:t>
-            </a:r>
-            <a:r>
-              <a:rPr lang="en-US" dirty="0">
-                <a:solidFill>
-                  <a:schemeClr val="tx1"/>
-                </a:solidFill>
-              </a:rPr>
-              <a:t>to take this dish </a:t>
-            </a:r>
-            <a:r>
-              <a:rPr lang="en-US" dirty="0" smtClean="0">
-                <a:solidFill>
-                  <a:schemeClr val="tx1"/>
-                </a:solidFill>
-              </a:rPr>
-              <a:t>for.</a:t>
+              <a:t>View appropriate occasions to take this dish for.</a:t>
             </a:r>
           </a:p>
           <a:p>
@@ -11454,10 +15255,9 @@
           <a:lstStyle/>
           <a:p>
             <a:r>
-              <a:rPr lang="en-US" dirty="0" smtClean="0"/>
+              <a:rPr lang="en-US" dirty="0"/>
               <a:t>Platform and tools  </a:t>
             </a:r>
-            <a:endParaRPr lang="en-US" dirty="0"/>
           </a:p>
         </p:txBody>
       </p:sp>
@@ -11736,13 +15536,8 @@
             </a:pPr>
             <a:r>
               <a:rPr lang="en-US" sz="2400" b="1" dirty="0"/>
-              <a:t>Version </a:t>
+              <a:t>Version control</a:t>
             </a:r>
-            <a:r>
-              <a:rPr lang="en-US" sz="2400" b="1" dirty="0" smtClean="0"/>
-              <a:t>control</a:t>
-            </a:r>
-            <a:endParaRPr lang="en-US" sz="2400" b="1" dirty="0"/>
           </a:p>
           <a:p>
             <a:endParaRPr lang="en-US" dirty="0"/>
@@ -11840,13 +15635,8 @@
             </a:pPr>
             <a:r>
               <a:rPr lang="en-US" sz="2400" b="1" dirty="0"/>
-              <a:t>Project </a:t>
+              <a:t>Project management</a:t>
             </a:r>
-            <a:r>
-              <a:rPr lang="en-US" sz="2400" b="1" dirty="0" smtClean="0"/>
-              <a:t>management</a:t>
-            </a:r>
-            <a:endParaRPr lang="en-US" sz="2400" b="1" dirty="0"/>
           </a:p>
         </p:txBody>
       </p:sp>
@@ -11885,7 +15675,7 @@
           <p:cNvPr id="2" name="Title 1">
             <a:extLst>
               <a:ext uri="{FF2B5EF4-FFF2-40B4-BE49-F238E27FC236}">
-                <a16:creationId xmlns:a16="http://schemas.microsoft.com/office/drawing/2014/main" xmlns="" id="{DEAB97D2-A703-4DF9-A135-61E99FBBAEE5}"/>
+                <a16:creationId xmlns:a16="http://schemas.microsoft.com/office/drawing/2014/main" id="{DEAB97D2-A703-4DF9-A135-61E99FBBAEE5}"/>
               </a:ext>
             </a:extLst>
           </p:cNvPr>
@@ -11922,7 +15712,7 @@
           <p:cNvPr id="3" name="Content Placeholder 2">
             <a:extLst>
               <a:ext uri="{FF2B5EF4-FFF2-40B4-BE49-F238E27FC236}">
-                <a16:creationId xmlns:a16="http://schemas.microsoft.com/office/drawing/2014/main" xmlns="" id="{E18A2BED-03F4-401A-8B62-B874394465E0}"/>
+                <a16:creationId xmlns:a16="http://schemas.microsoft.com/office/drawing/2014/main" id="{E18A2BED-03F4-401A-8B62-B874394465E0}"/>
               </a:ext>
             </a:extLst>
           </p:cNvPr>
@@ -11954,21 +15744,8 @@
                   <a:schemeClr val="tx1"/>
                 </a:solidFill>
               </a:rPr>
-              <a:t>Management </a:t>
+              <a:t>Management skills</a:t>
             </a:r>
-            <a:r>
-              <a:rPr lang="en-US" sz="1800" dirty="0" smtClean="0">
-                <a:solidFill>
-                  <a:schemeClr val="tx1"/>
-                </a:solidFill>
-              </a:rPr>
-              <a:t>skills</a:t>
-            </a:r>
-            <a:endParaRPr lang="en-US" sz="1800" dirty="0">
-              <a:solidFill>
-                <a:schemeClr val="tx1"/>
-              </a:solidFill>
-            </a:endParaRPr>
           </a:p>
         </p:txBody>
       </p:sp>
@@ -12085,13 +15862,8 @@
           <a:p>
             <a:r>
               <a:rPr lang="en-US" dirty="0"/>
-              <a:t>Work as </a:t>
+              <a:t>Work as team</a:t>
             </a:r>
-            <a:r>
-              <a:rPr lang="en-US" dirty="0" smtClean="0"/>
-              <a:t>team</a:t>
-            </a:r>
-            <a:endParaRPr lang="en-US" dirty="0"/>
           </a:p>
         </p:txBody>
       </p:sp>
@@ -12118,13 +15890,8 @@
           <a:p>
             <a:r>
               <a:rPr lang="en-US" dirty="0"/>
-              <a:t>Presentation </a:t>
+              <a:t>Presentation skills </a:t>
             </a:r>
-            <a:r>
-              <a:rPr lang="en-US" dirty="0" smtClean="0"/>
-              <a:t>skills </a:t>
-            </a:r>
-            <a:endParaRPr lang="en-US" dirty="0"/>
           </a:p>
         </p:txBody>
       </p:sp>
@@ -12213,7 +15980,6 @@
               <a:rPr lang="en-US" dirty="0"/>
               <a:t>Try new thing</a:t>
             </a:r>
-            <a:endParaRPr lang="en-US" dirty="0"/>
           </a:p>
         </p:txBody>
       </p:sp>
@@ -12239,10 +16005,9 @@
           <a:lstStyle/>
           <a:p>
             <a:r>
-              <a:rPr lang="en-US" dirty="0" smtClean="0"/>
+              <a:rPr lang="en-US" dirty="0"/>
               <a:t>Coding skills</a:t>
             </a:r>
-            <a:endParaRPr lang="en-US" dirty="0"/>
           </a:p>
         </p:txBody>
       </p:sp>
@@ -12260,65 +16025,6 @@
 </file>
 
 <file path=ppt/slides/slide5.xml><?xml version="1.0" encoding="utf-8"?>
-<p:sld xmlns:a="http://schemas.openxmlformats.org/drawingml/2006/main" xmlns:r="http://schemas.openxmlformats.org/officeDocument/2006/relationships" xmlns:p="http://schemas.openxmlformats.org/presentationml/2006/main">
-  <p:cSld>
-    <p:spTree>
-      <p:nvGrpSpPr>
-        <p:cNvPr id="1" name=""/>
-        <p:cNvGrpSpPr/>
-        <p:nvPr/>
-      </p:nvGrpSpPr>
-      <p:grpSpPr>
-        <a:xfrm>
-          <a:off x="0" y="0"/>
-          <a:ext cx="0" cy="0"/>
-          <a:chOff x="0" y="0"/>
-          <a:chExt cx="0" cy="0"/>
-        </a:xfrm>
-      </p:grpSpPr>
-      <p:sp>
-        <p:nvSpPr>
-          <p:cNvPr id="2" name="Title 1">
-            <a:extLst>
-              <a:ext uri="{FF2B5EF4-FFF2-40B4-BE49-F238E27FC236}">
-                <a16:creationId xmlns:a16="http://schemas.microsoft.com/office/drawing/2014/main" xmlns="" id="{45B86E5E-D50E-4DD4-AFB9-7F48A70197BA}"/>
-              </a:ext>
-            </a:extLst>
-          </p:cNvPr>
-          <p:cNvSpPr>
-            <a:spLocks noGrp="1"/>
-          </p:cNvSpPr>
-          <p:nvPr>
-            <p:ph type="title"/>
-          </p:nvPr>
-        </p:nvSpPr>
-        <p:spPr/>
-        <p:txBody>
-          <a:bodyPr/>
-          <a:lstStyle/>
-          <a:p>
-            <a:r>
-              <a:rPr lang="en-GB" dirty="0"/>
-              <a:t>features</a:t>
-            </a:r>
-            <a:endParaRPr lang="en-US" dirty="0"/>
-          </a:p>
-        </p:txBody>
-      </p:sp>
-    </p:spTree>
-    <p:extLst>
-      <p:ext uri="{BB962C8B-B14F-4D97-AF65-F5344CB8AC3E}">
-        <p14:creationId xmlns:p14="http://schemas.microsoft.com/office/powerpoint/2010/main" val="2469331397"/>
-      </p:ext>
-    </p:extLst>
-  </p:cSld>
-  <p:clrMapOvr>
-    <a:masterClrMapping/>
-  </p:clrMapOvr>
-</p:sld>
-</file>
-
-<file path=ppt/slides/slide6.xml><?xml version="1.0" encoding="utf-8"?>
 <p:sld xmlns:a="http://schemas.openxmlformats.org/drawingml/2006/main" xmlns:r="http://schemas.openxmlformats.org/officeDocument/2006/relationships" xmlns:p="http://schemas.openxmlformats.org/presentationml/2006/main">
   <p:cSld>
     <p:bg>
@@ -12348,7 +16054,7 @@
           <p:cNvPr id="10" name="Freeform 6" title="Left scallop edge">
             <a:extLst>
               <a:ext uri="{FF2B5EF4-FFF2-40B4-BE49-F238E27FC236}">
-                <a16:creationId xmlns:a16="http://schemas.microsoft.com/office/drawing/2014/main" xmlns="" id="{D09F5552-39CF-49BE-9BA3-F2C2E97DD974}"/>
+                <a16:creationId xmlns:a16="http://schemas.microsoft.com/office/drawing/2014/main" id="{D09F5552-39CF-49BE-9BA3-F2C2E97DD974}"/>
               </a:ext>
             </a:extLst>
           </p:cNvPr>
@@ -12358,7 +16064,7 @@
           <p:nvPr>
             <p:extLst>
               <p:ext uri="{386F3935-93C4-4BCD-93E2-E3B085C9AB24}">
-                <p16:designElem xmlns:p16="http://schemas.microsoft.com/office/powerpoint/2015/main" xmlns="" val="1"/>
+                <p16:designElem xmlns:p16="http://schemas.microsoft.com/office/powerpoint/2015/main" val="1"/>
               </p:ext>
             </p:extLst>
           </p:nvPr>
@@ -12826,7 +16532,7 @@
           <p:cNvPr id="12" name="Rectangle 11" title="right edge border">
             <a:extLst>
               <a:ext uri="{FF2B5EF4-FFF2-40B4-BE49-F238E27FC236}">
-                <a16:creationId xmlns:a16="http://schemas.microsoft.com/office/drawing/2014/main" xmlns="" id="{6CCDD5D4-DC0E-4B2C-8B6B-FCAA00ECE04E}"/>
+                <a16:creationId xmlns:a16="http://schemas.microsoft.com/office/drawing/2014/main" id="{6CCDD5D4-DC0E-4B2C-8B6B-FCAA00ECE04E}"/>
               </a:ext>
             </a:extLst>
           </p:cNvPr>
@@ -12836,7 +16542,7 @@
           <p:nvPr>
             <p:extLst>
               <p:ext uri="{386F3935-93C4-4BCD-93E2-E3B085C9AB24}">
-                <p16:designElem xmlns:p16="http://schemas.microsoft.com/office/powerpoint/2015/main" xmlns="" val="1"/>
+                <p16:designElem xmlns:p16="http://schemas.microsoft.com/office/powerpoint/2015/main" val="1"/>
               </p:ext>
             </p:extLst>
           </p:nvPr>
@@ -12878,7 +16584,7 @@
           <p:cNvPr id="2" name="Title 1">
             <a:extLst>
               <a:ext uri="{FF2B5EF4-FFF2-40B4-BE49-F238E27FC236}">
-                <a16:creationId xmlns:a16="http://schemas.microsoft.com/office/drawing/2014/main" xmlns="" id="{CBFE0AFB-9382-4169-AED7-D90AAA1642C6}"/>
+                <a16:creationId xmlns:a16="http://schemas.microsoft.com/office/drawing/2014/main" id="{CBFE0AFB-9382-4169-AED7-D90AAA1642C6}"/>
               </a:ext>
             </a:extLst>
           </p:cNvPr>
@@ -12915,7 +16621,7 @@
           <p:nvPr>
             <p:extLst>
               <p:ext uri="{D42A27DB-BD31-4B8C-83A1-F6EECF244321}">
-                <p14:modId xmlns:p14="http://schemas.microsoft.com/office/powerpoint/2010/main" val="3757568283"/>
+                <p14:modId xmlns:p14="http://schemas.microsoft.com/office/powerpoint/2010/main" val="969225369"/>
               </p:ext>
             </p:extLst>
           </p:nvPr>
@@ -12934,6 +16640,65 @@
     <p:extLst>
       <p:ext uri="{BB962C8B-B14F-4D97-AF65-F5344CB8AC3E}">
         <p14:creationId xmlns:p14="http://schemas.microsoft.com/office/powerpoint/2010/main" val="2189962122"/>
+      </p:ext>
+    </p:extLst>
+  </p:cSld>
+  <p:clrMapOvr>
+    <a:masterClrMapping/>
+  </p:clrMapOvr>
+</p:sld>
+</file>
+
+<file path=ppt/slides/slide6.xml><?xml version="1.0" encoding="utf-8"?>
+<p:sld xmlns:a="http://schemas.openxmlformats.org/drawingml/2006/main" xmlns:r="http://schemas.openxmlformats.org/officeDocument/2006/relationships" xmlns:p="http://schemas.openxmlformats.org/presentationml/2006/main">
+  <p:cSld>
+    <p:spTree>
+      <p:nvGrpSpPr>
+        <p:cNvPr id="1" name=""/>
+        <p:cNvGrpSpPr/>
+        <p:nvPr/>
+      </p:nvGrpSpPr>
+      <p:grpSpPr>
+        <a:xfrm>
+          <a:off x="0" y="0"/>
+          <a:ext cx="0" cy="0"/>
+          <a:chOff x="0" y="0"/>
+          <a:chExt cx="0" cy="0"/>
+        </a:xfrm>
+      </p:grpSpPr>
+      <p:sp>
+        <p:nvSpPr>
+          <p:cNvPr id="2" name="Title 1">
+            <a:extLst>
+              <a:ext uri="{FF2B5EF4-FFF2-40B4-BE49-F238E27FC236}">
+                <a16:creationId xmlns:a16="http://schemas.microsoft.com/office/drawing/2014/main" id="{45B86E5E-D50E-4DD4-AFB9-7F48A70197BA}"/>
+              </a:ext>
+            </a:extLst>
+          </p:cNvPr>
+          <p:cNvSpPr>
+            <a:spLocks noGrp="1"/>
+          </p:cNvSpPr>
+          <p:nvPr>
+            <p:ph type="title"/>
+          </p:nvPr>
+        </p:nvSpPr>
+        <p:spPr/>
+        <p:txBody>
+          <a:bodyPr/>
+          <a:lstStyle/>
+          <a:p>
+            <a:r>
+              <a:rPr lang="en-GB" dirty="0"/>
+              <a:t>done</a:t>
+            </a:r>
+            <a:endParaRPr lang="en-US" dirty="0"/>
+          </a:p>
+        </p:txBody>
+      </p:sp>
+    </p:spTree>
+    <p:extLst>
+      <p:ext uri="{BB962C8B-B14F-4D97-AF65-F5344CB8AC3E}">
+        <p14:creationId xmlns:p14="http://schemas.microsoft.com/office/powerpoint/2010/main" val="2469331397"/>
       </p:ext>
     </p:extLst>
   </p:cSld>
@@ -12965,7 +16730,94 @@
           <p:cNvPr id="2" name="Title 1">
             <a:extLst>
               <a:ext uri="{FF2B5EF4-FFF2-40B4-BE49-F238E27FC236}">
-                <a16:creationId xmlns:a16="http://schemas.microsoft.com/office/drawing/2014/main" xmlns="" id="{77A88685-22FC-43B9-B3E9-025FCA498429}"/>
+                <a16:creationId xmlns:a16="http://schemas.microsoft.com/office/drawing/2014/main" id="{45B86E5E-D50E-4DD4-AFB9-7F48A70197BA}"/>
+              </a:ext>
+            </a:extLst>
+          </p:cNvPr>
+          <p:cNvSpPr>
+            <a:spLocks noGrp="1"/>
+          </p:cNvSpPr>
+          <p:nvPr>
+            <p:ph type="title"/>
+          </p:nvPr>
+        </p:nvSpPr>
+        <p:spPr/>
+        <p:txBody>
+          <a:bodyPr/>
+          <a:lstStyle/>
+          <a:p>
+            <a:r>
+              <a:rPr lang="en-GB" dirty="0"/>
+              <a:t>Not completed </a:t>
+            </a:r>
+            <a:endParaRPr lang="en-US" dirty="0"/>
+          </a:p>
+        </p:txBody>
+      </p:sp>
+      <p:graphicFrame>
+        <p:nvGraphicFramePr>
+          <p:cNvPr id="3" name="TextBox 2">
+            <a:extLst>
+              <a:ext uri="{FF2B5EF4-FFF2-40B4-BE49-F238E27FC236}">
+                <a16:creationId xmlns:a16="http://schemas.microsoft.com/office/drawing/2014/main" id="{501B63F9-C596-4A38-B8B2-C5FEE9DAE148}"/>
+              </a:ext>
+            </a:extLst>
+          </p:cNvPr>
+          <p:cNvGraphicFramePr/>
+          <p:nvPr>
+            <p:extLst>
+              <p:ext uri="{D42A27DB-BD31-4B8C-83A1-F6EECF244321}">
+                <p14:modId xmlns:p14="http://schemas.microsoft.com/office/powerpoint/2010/main" val="2838746113"/>
+              </p:ext>
+            </p:extLst>
+          </p:nvPr>
+        </p:nvGraphicFramePr>
+        <p:xfrm>
+          <a:off x="1250950" y="2286000"/>
+          <a:ext cx="10179050" cy="3594100"/>
+        </p:xfrm>
+        <a:graphic>
+          <a:graphicData uri="http://schemas.openxmlformats.org/drawingml/2006/diagram">
+            <dgm:relIds xmlns:dgm="http://schemas.openxmlformats.org/drawingml/2006/diagram" xmlns:r="http://schemas.openxmlformats.org/officeDocument/2006/relationships" r:dm="rId2" r:lo="rId3" r:qs="rId4" r:cs="rId5"/>
+          </a:graphicData>
+        </a:graphic>
+      </p:graphicFrame>
+    </p:spTree>
+    <p:extLst>
+      <p:ext uri="{BB962C8B-B14F-4D97-AF65-F5344CB8AC3E}">
+        <p14:creationId xmlns:p14="http://schemas.microsoft.com/office/powerpoint/2010/main" val="908612601"/>
+      </p:ext>
+    </p:extLst>
+  </p:cSld>
+  <p:clrMapOvr>
+    <a:masterClrMapping/>
+  </p:clrMapOvr>
+</p:sld>
+</file>
+
+<file path=ppt/slides/slide8.xml><?xml version="1.0" encoding="utf-8"?>
+<p:sld xmlns:a="http://schemas.openxmlformats.org/drawingml/2006/main" xmlns:r="http://schemas.openxmlformats.org/officeDocument/2006/relationships" xmlns:p="http://schemas.openxmlformats.org/presentationml/2006/main">
+  <p:cSld>
+    <p:spTree>
+      <p:nvGrpSpPr>
+        <p:cNvPr id="1" name=""/>
+        <p:cNvGrpSpPr/>
+        <p:nvPr/>
+      </p:nvGrpSpPr>
+      <p:grpSpPr>
+        <a:xfrm>
+          <a:off x="0" y="0"/>
+          <a:ext cx="0" cy="0"/>
+          <a:chOff x="0" y="0"/>
+          <a:chExt cx="0" cy="0"/>
+        </a:xfrm>
+      </p:grpSpPr>
+      <p:sp>
+        <p:nvSpPr>
+          <p:cNvPr id="2" name="Title 1">
+            <a:extLst>
+              <a:ext uri="{FF2B5EF4-FFF2-40B4-BE49-F238E27FC236}">
+                <a16:creationId xmlns:a16="http://schemas.microsoft.com/office/drawing/2014/main" id="{77A88685-22FC-43B9-B3E9-025FCA498429}"/>
               </a:ext>
             </a:extLst>
           </p:cNvPr>
@@ -12994,7 +16846,7 @@
           <p:cNvPr id="3" name="Content Placeholder 2">
             <a:extLst>
               <a:ext uri="{FF2B5EF4-FFF2-40B4-BE49-F238E27FC236}">
-                <a16:creationId xmlns:a16="http://schemas.microsoft.com/office/drawing/2014/main" xmlns="" id="{5A10B657-F23A-4437-86D2-269772544C9E}"/>
+                <a16:creationId xmlns:a16="http://schemas.microsoft.com/office/drawing/2014/main" id="{5A10B657-F23A-4437-86D2-269772544C9E}"/>
               </a:ext>
             </a:extLst>
           </p:cNvPr>
@@ -13027,7 +16879,7 @@
 </p:sld>
 </file>
 
-<file path=ppt/slides/slide8.xml><?xml version="1.0" encoding="utf-8"?>
+<file path=ppt/slides/slide9.xml><?xml version="1.0" encoding="utf-8"?>
 <p:sld xmlns:a="http://schemas.openxmlformats.org/drawingml/2006/main" xmlns:r="http://schemas.openxmlformats.org/officeDocument/2006/relationships" xmlns:p="http://schemas.openxmlformats.org/presentationml/2006/main">
   <p:cSld>
     <p:spTree>
@@ -13049,7 +16901,7 @@
           <p:cNvPr id="2" name="Title 1">
             <a:extLst>
               <a:ext uri="{FF2B5EF4-FFF2-40B4-BE49-F238E27FC236}">
-                <a16:creationId xmlns:a16="http://schemas.microsoft.com/office/drawing/2014/main" xmlns="" id="{62B38921-F153-46EC-9C43-821C8373A987}"/>
+                <a16:creationId xmlns:a16="http://schemas.microsoft.com/office/drawing/2014/main" id="{62B38921-F153-46EC-9C43-821C8373A987}"/>
               </a:ext>
             </a:extLst>
           </p:cNvPr>
@@ -13077,7 +16929,7 @@
           <p:cNvPr id="3" name="Text Placeholder 2">
             <a:extLst>
               <a:ext uri="{FF2B5EF4-FFF2-40B4-BE49-F238E27FC236}">
-                <a16:creationId xmlns:a16="http://schemas.microsoft.com/office/drawing/2014/main" xmlns="" id="{2CB6AAC8-A36D-4493-A68E-73BBD148B0D3}"/>
+                <a16:creationId xmlns:a16="http://schemas.microsoft.com/office/drawing/2014/main" id="{2CB6AAC8-A36D-4493-A68E-73BBD148B0D3}"/>
               </a:ext>
             </a:extLst>
           </p:cNvPr>
@@ -13104,92 +16956,6 @@
     <p:extLst>
       <p:ext uri="{BB962C8B-B14F-4D97-AF65-F5344CB8AC3E}">
         <p14:creationId xmlns:p14="http://schemas.microsoft.com/office/powerpoint/2010/main" val="2907705664"/>
-      </p:ext>
-    </p:extLst>
-  </p:cSld>
-  <p:clrMapOvr>
-    <a:masterClrMapping/>
-  </p:clrMapOvr>
-</p:sld>
-</file>
-
-<file path=ppt/slides/slide9.xml><?xml version="1.0" encoding="utf-8"?>
-<p:sld xmlns:a="http://schemas.openxmlformats.org/drawingml/2006/main" xmlns:r="http://schemas.openxmlformats.org/officeDocument/2006/relationships" xmlns:p="http://schemas.openxmlformats.org/presentationml/2006/main">
-  <p:cSld>
-    <p:spTree>
-      <p:nvGrpSpPr>
-        <p:cNvPr id="1" name=""/>
-        <p:cNvGrpSpPr/>
-        <p:nvPr/>
-      </p:nvGrpSpPr>
-      <p:grpSpPr>
-        <a:xfrm>
-          <a:off x="0" y="0"/>
-          <a:ext cx="0" cy="0"/>
-          <a:chOff x="0" y="0"/>
-          <a:chExt cx="0" cy="0"/>
-        </a:xfrm>
-      </p:grpSpPr>
-      <p:sp>
-        <p:nvSpPr>
-          <p:cNvPr id="2" name="Title 1">
-            <a:extLst>
-              <a:ext uri="{FF2B5EF4-FFF2-40B4-BE49-F238E27FC236}">
-                <a16:creationId xmlns:a16="http://schemas.microsoft.com/office/drawing/2014/main" xmlns="" id="{269A0B15-D693-4459-AF1A-5C00C7406E29}"/>
-              </a:ext>
-            </a:extLst>
-          </p:cNvPr>
-          <p:cNvSpPr>
-            <a:spLocks noGrp="1"/>
-          </p:cNvSpPr>
-          <p:nvPr>
-            <p:ph type="ctrTitle"/>
-          </p:nvPr>
-        </p:nvSpPr>
-        <p:spPr/>
-        <p:txBody>
-          <a:bodyPr/>
-          <a:lstStyle/>
-          <a:p>
-            <a:r>
-              <a:rPr lang="en-US" dirty="0"/>
-              <a:t>demo</a:t>
-            </a:r>
-          </a:p>
-        </p:txBody>
-      </p:sp>
-      <p:sp>
-        <p:nvSpPr>
-          <p:cNvPr id="3" name="Subtitle 2">
-            <a:extLst>
-              <a:ext uri="{FF2B5EF4-FFF2-40B4-BE49-F238E27FC236}">
-                <a16:creationId xmlns:a16="http://schemas.microsoft.com/office/drawing/2014/main" xmlns="" id="{89781140-EE1A-423E-B26F-9FA9172BDC16}"/>
-              </a:ext>
-            </a:extLst>
-          </p:cNvPr>
-          <p:cNvSpPr>
-            <a:spLocks noGrp="1"/>
-          </p:cNvSpPr>
-          <p:nvPr>
-            <p:ph type="subTitle" idx="1"/>
-          </p:nvPr>
-        </p:nvSpPr>
-        <p:spPr/>
-        <p:txBody>
-          <a:bodyPr/>
-          <a:lstStyle/>
-          <a:p>
-            <a:r>
-              <a:rPr lang="en-US" dirty="0"/>
-              <a:t>And desiccation </a:t>
-            </a:r>
-          </a:p>
-        </p:txBody>
-      </p:sp>
-    </p:spTree>
-    <p:extLst>
-      <p:ext uri="{BB962C8B-B14F-4D97-AF65-F5344CB8AC3E}">
-        <p14:creationId xmlns:p14="http://schemas.microsoft.com/office/powerpoint/2010/main" val="1762289637"/>
       </p:ext>
     </p:extLst>
   </p:cSld>
@@ -13453,7 +17219,302 @@
   <a:extraClrSchemeLst/>
   <a:extLst>
     <a:ext uri="{05A4C25C-085E-4340-85A3-A5531E510DB2}">
-      <thm15:themeFamily xmlns:thm15="http://schemas.microsoft.com/office/thememl/2012/main" xmlns="" name="Badge" id="{71A07785-5930-41D4-9A83-E23602B48E98}" vid="{771EA782-DFA6-45B1-AEA3-661F1715B310}"/>
+      <thm15:themeFamily xmlns:thm15="http://schemas.microsoft.com/office/thememl/2012/main" name="Badge" id="{71A07785-5930-41D4-9A83-E23602B48E98}" vid="{771EA782-DFA6-45B1-AEA3-661F1715B310}"/>
+    </a:ext>
+  </a:extLst>
+</a:theme>
+</file>
+
+<file path=ppt/theme/theme2.xml><?xml version="1.0" encoding="utf-8"?>
+<a:theme xmlns:a="http://schemas.openxmlformats.org/drawingml/2006/main" name="Office Theme">
+  <a:themeElements>
+    <a:clrScheme name="Office">
+      <a:dk1>
+        <a:sysClr val="windowText" lastClr="000000"/>
+      </a:dk1>
+      <a:lt1>
+        <a:sysClr val="window" lastClr="FFFFFF"/>
+      </a:lt1>
+      <a:dk2>
+        <a:srgbClr val="44546A"/>
+      </a:dk2>
+      <a:lt2>
+        <a:srgbClr val="E7E6E6"/>
+      </a:lt2>
+      <a:accent1>
+        <a:srgbClr val="4472C4"/>
+      </a:accent1>
+      <a:accent2>
+        <a:srgbClr val="ED7D31"/>
+      </a:accent2>
+      <a:accent3>
+        <a:srgbClr val="A5A5A5"/>
+      </a:accent3>
+      <a:accent4>
+        <a:srgbClr val="FFC000"/>
+      </a:accent4>
+      <a:accent5>
+        <a:srgbClr val="5B9BD5"/>
+      </a:accent5>
+      <a:accent6>
+        <a:srgbClr val="70AD47"/>
+      </a:accent6>
+      <a:hlink>
+        <a:srgbClr val="0563C1"/>
+      </a:hlink>
+      <a:folHlink>
+        <a:srgbClr val="954F72"/>
+      </a:folHlink>
+    </a:clrScheme>
+    <a:fontScheme name="Office">
+      <a:majorFont>
+        <a:latin typeface="Calibri Light" panose="020F0302020204030204"/>
+        <a:ea typeface=""/>
+        <a:cs typeface=""/>
+        <a:font script="Jpan" typeface="游ゴシック Light"/>
+        <a:font script="Hang" typeface="맑은 고딕"/>
+        <a:font script="Hans" typeface="等线 Light"/>
+        <a:font script="Hant" typeface="新細明體"/>
+        <a:font script="Arab" typeface="Times New Roman"/>
+        <a:font script="Hebr" typeface="Times New Roman"/>
+        <a:font script="Thai" typeface="Angsana New"/>
+        <a:font script="Ethi" typeface="Nyala"/>
+        <a:font script="Beng" typeface="Vrinda"/>
+        <a:font script="Gujr" typeface="Shruti"/>
+        <a:font script="Khmr" typeface="MoolBoran"/>
+        <a:font script="Knda" typeface="Tunga"/>
+        <a:font script="Guru" typeface="Raavi"/>
+        <a:font script="Cans" typeface="Euphemia"/>
+        <a:font script="Cher" typeface="Plantagenet Cherokee"/>
+        <a:font script="Yiii" typeface="Microsoft Yi Baiti"/>
+        <a:font script="Tibt" typeface="Microsoft Himalaya"/>
+        <a:font script="Thaa" typeface="MV Boli"/>
+        <a:font script="Deva" typeface="Mangal"/>
+        <a:font script="Telu" typeface="Gautami"/>
+        <a:font script="Taml" typeface="Latha"/>
+        <a:font script="Syrc" typeface="Estrangelo Edessa"/>
+        <a:font script="Orya" typeface="Kalinga"/>
+        <a:font script="Mlym" typeface="Kartika"/>
+        <a:font script="Laoo" typeface="DokChampa"/>
+        <a:font script="Sinh" typeface="Iskoola Pota"/>
+        <a:font script="Mong" typeface="Mongolian Baiti"/>
+        <a:font script="Viet" typeface="Times New Roman"/>
+        <a:font script="Uigh" typeface="Microsoft Uighur"/>
+        <a:font script="Geor" typeface="Sylfaen"/>
+        <a:font script="Armn" typeface="Arial"/>
+        <a:font script="Bugi" typeface="Leelawadee UI"/>
+        <a:font script="Bopo" typeface="Microsoft JhengHei"/>
+        <a:font script="Java" typeface="Javanese Text"/>
+        <a:font script="Lisu" typeface="Segoe UI"/>
+        <a:font script="Mymr" typeface="Myanmar Text"/>
+        <a:font script="Nkoo" typeface="Ebrima"/>
+        <a:font script="Olck" typeface="Nirmala UI"/>
+        <a:font script="Osma" typeface="Ebrima"/>
+        <a:font script="Phag" typeface="Phagspa"/>
+        <a:font script="Syrn" typeface="Estrangelo Edessa"/>
+        <a:font script="Syrj" typeface="Estrangelo Edessa"/>
+        <a:font script="Syre" typeface="Estrangelo Edessa"/>
+        <a:font script="Sora" typeface="Nirmala UI"/>
+        <a:font script="Tale" typeface="Microsoft Tai Le"/>
+        <a:font script="Talu" typeface="Microsoft New Tai Lue"/>
+        <a:font script="Tfng" typeface="Ebrima"/>
+      </a:majorFont>
+      <a:minorFont>
+        <a:latin typeface="Calibri" panose="020F0502020204030204"/>
+        <a:ea typeface=""/>
+        <a:cs typeface=""/>
+        <a:font script="Jpan" typeface="游ゴシック"/>
+        <a:font script="Hang" typeface="맑은 고딕"/>
+        <a:font script="Hans" typeface="等线"/>
+        <a:font script="Hant" typeface="新細明體"/>
+        <a:font script="Arab" typeface="Arial"/>
+        <a:font script="Hebr" typeface="Arial"/>
+        <a:font script="Thai" typeface="Cordia New"/>
+        <a:font script="Ethi" typeface="Nyala"/>
+        <a:font script="Beng" typeface="Vrinda"/>
+        <a:font script="Gujr" typeface="Shruti"/>
+        <a:font script="Khmr" typeface="DaunPenh"/>
+        <a:font script="Knda" typeface="Tunga"/>
+        <a:font script="Guru" typeface="Raavi"/>
+        <a:font script="Cans" typeface="Euphemia"/>
+        <a:font script="Cher" typeface="Plantagenet Cherokee"/>
+        <a:font script="Yiii" typeface="Microsoft Yi Baiti"/>
+        <a:font script="Tibt" typeface="Microsoft Himalaya"/>
+        <a:font script="Thaa" typeface="MV Boli"/>
+        <a:font script="Deva" typeface="Mangal"/>
+        <a:font script="Telu" typeface="Gautami"/>
+        <a:font script="Taml" typeface="Latha"/>
+        <a:font script="Syrc" typeface="Estrangelo Edessa"/>
+        <a:font script="Orya" typeface="Kalinga"/>
+        <a:font script="Mlym" typeface="Kartika"/>
+        <a:font script="Laoo" typeface="DokChampa"/>
+        <a:font script="Sinh" typeface="Iskoola Pota"/>
+        <a:font script="Mong" typeface="Mongolian Baiti"/>
+        <a:font script="Viet" typeface="Arial"/>
+        <a:font script="Uigh" typeface="Microsoft Uighur"/>
+        <a:font script="Geor" typeface="Sylfaen"/>
+        <a:font script="Armn" typeface="Arial"/>
+        <a:font script="Bugi" typeface="Leelawadee UI"/>
+        <a:font script="Bopo" typeface="Microsoft JhengHei"/>
+        <a:font script="Java" typeface="Javanese Text"/>
+        <a:font script="Lisu" typeface="Segoe UI"/>
+        <a:font script="Mymr" typeface="Myanmar Text"/>
+        <a:font script="Nkoo" typeface="Ebrima"/>
+        <a:font script="Olck" typeface="Nirmala UI"/>
+        <a:font script="Osma" typeface="Ebrima"/>
+        <a:font script="Phag" typeface="Phagspa"/>
+        <a:font script="Syrn" typeface="Estrangelo Edessa"/>
+        <a:font script="Syrj" typeface="Estrangelo Edessa"/>
+        <a:font script="Syre" typeface="Estrangelo Edessa"/>
+        <a:font script="Sora" typeface="Nirmala UI"/>
+        <a:font script="Tale" typeface="Microsoft Tai Le"/>
+        <a:font script="Talu" typeface="Microsoft New Tai Lue"/>
+        <a:font script="Tfng" typeface="Ebrima"/>
+      </a:minorFont>
+    </a:fontScheme>
+    <a:fmtScheme name="Office">
+      <a:fillStyleLst>
+        <a:solidFill>
+          <a:schemeClr val="phClr"/>
+        </a:solidFill>
+        <a:gradFill rotWithShape="1">
+          <a:gsLst>
+            <a:gs pos="0">
+              <a:schemeClr val="phClr">
+                <a:lumMod val="110000"/>
+                <a:satMod val="105000"/>
+                <a:tint val="67000"/>
+              </a:schemeClr>
+            </a:gs>
+            <a:gs pos="50000">
+              <a:schemeClr val="phClr">
+                <a:lumMod val="105000"/>
+                <a:satMod val="103000"/>
+                <a:tint val="73000"/>
+              </a:schemeClr>
+            </a:gs>
+            <a:gs pos="100000">
+              <a:schemeClr val="phClr">
+                <a:lumMod val="105000"/>
+                <a:satMod val="109000"/>
+                <a:tint val="81000"/>
+              </a:schemeClr>
+            </a:gs>
+          </a:gsLst>
+          <a:lin ang="5400000" scaled="0"/>
+        </a:gradFill>
+        <a:gradFill rotWithShape="1">
+          <a:gsLst>
+            <a:gs pos="0">
+              <a:schemeClr val="phClr">
+                <a:satMod val="103000"/>
+                <a:lumMod val="102000"/>
+                <a:tint val="94000"/>
+              </a:schemeClr>
+            </a:gs>
+            <a:gs pos="50000">
+              <a:schemeClr val="phClr">
+                <a:satMod val="110000"/>
+                <a:lumMod val="100000"/>
+                <a:shade val="100000"/>
+              </a:schemeClr>
+            </a:gs>
+            <a:gs pos="100000">
+              <a:schemeClr val="phClr">
+                <a:lumMod val="99000"/>
+                <a:satMod val="120000"/>
+                <a:shade val="78000"/>
+              </a:schemeClr>
+            </a:gs>
+          </a:gsLst>
+          <a:lin ang="5400000" scaled="0"/>
+        </a:gradFill>
+      </a:fillStyleLst>
+      <a:lnStyleLst>
+        <a:ln w="6350" cap="flat" cmpd="sng" algn="ctr">
+          <a:solidFill>
+            <a:schemeClr val="phClr"/>
+          </a:solidFill>
+          <a:prstDash val="solid"/>
+          <a:miter lim="800000"/>
+        </a:ln>
+        <a:ln w="12700" cap="flat" cmpd="sng" algn="ctr">
+          <a:solidFill>
+            <a:schemeClr val="phClr"/>
+          </a:solidFill>
+          <a:prstDash val="solid"/>
+          <a:miter lim="800000"/>
+        </a:ln>
+        <a:ln w="19050" cap="flat" cmpd="sng" algn="ctr">
+          <a:solidFill>
+            <a:schemeClr val="phClr"/>
+          </a:solidFill>
+          <a:prstDash val="solid"/>
+          <a:miter lim="800000"/>
+        </a:ln>
+      </a:lnStyleLst>
+      <a:effectStyleLst>
+        <a:effectStyle>
+          <a:effectLst/>
+        </a:effectStyle>
+        <a:effectStyle>
+          <a:effectLst/>
+        </a:effectStyle>
+        <a:effectStyle>
+          <a:effectLst>
+            <a:outerShdw blurRad="57150" dist="19050" dir="5400000" algn="ctr" rotWithShape="0">
+              <a:srgbClr val="000000">
+                <a:alpha val="63000"/>
+              </a:srgbClr>
+            </a:outerShdw>
+          </a:effectLst>
+        </a:effectStyle>
+      </a:effectStyleLst>
+      <a:bgFillStyleLst>
+        <a:solidFill>
+          <a:schemeClr val="phClr"/>
+        </a:solidFill>
+        <a:solidFill>
+          <a:schemeClr val="phClr">
+            <a:tint val="95000"/>
+            <a:satMod val="170000"/>
+          </a:schemeClr>
+        </a:solidFill>
+        <a:gradFill rotWithShape="1">
+          <a:gsLst>
+            <a:gs pos="0">
+              <a:schemeClr val="phClr">
+                <a:tint val="93000"/>
+                <a:satMod val="150000"/>
+                <a:shade val="98000"/>
+                <a:lumMod val="102000"/>
+              </a:schemeClr>
+            </a:gs>
+            <a:gs pos="50000">
+              <a:schemeClr val="phClr">
+                <a:tint val="98000"/>
+                <a:satMod val="130000"/>
+                <a:shade val="90000"/>
+                <a:lumMod val="103000"/>
+              </a:schemeClr>
+            </a:gs>
+            <a:gs pos="100000">
+              <a:schemeClr val="phClr">
+                <a:shade val="63000"/>
+                <a:satMod val="120000"/>
+              </a:schemeClr>
+            </a:gs>
+          </a:gsLst>
+          <a:lin ang="5400000" scaled="0"/>
+        </a:gradFill>
+      </a:bgFillStyleLst>
+    </a:fmtScheme>
+  </a:themeElements>
+  <a:objectDefaults/>
+  <a:extraClrSchemeLst/>
+  <a:extLst>
+    <a:ext uri="{05A4C25C-085E-4340-85A3-A5531E510DB2}">
+      <thm15:themeFamily xmlns:thm15="http://schemas.microsoft.com/office/thememl/2012/main" name="Office Theme" id="{62F939B6-93AF-4DB8-9C6B-D6C7DFDC589F}" vid="{4A3C46E8-61CC-4603-A589-7422A47A8E4A}"/>
     </a:ext>
   </a:extLst>
 </a:theme>

--- a/Pick a dish app.pptx
+++ b/Pick a dish app.pptx
@@ -1835,7 +1835,15 @@
         <a:p>
           <a:r>
             <a:rPr lang="en-US" dirty="0"/>
-            <a:t>List of dish (home page)</a:t>
+            <a:t>List of </a:t>
+          </a:r>
+          <a:r>
+            <a:rPr lang="en-US" dirty="0" smtClean="0"/>
+            <a:t>dishes </a:t>
+          </a:r>
+          <a:r>
+            <a:rPr lang="en-US" dirty="0"/>
+            <a:t>(home page)</a:t>
           </a:r>
         </a:p>
       </dgm:t>
@@ -2186,6 +2194,162 @@
         </a:p>
       </dgm:t>
     </dgm:pt>
+    <dgm:pt modelId="{84BFB1DE-6CAD-374F-9AF8-E6DFA4A3A2BE}">
+      <dgm:prSet/>
+      <dgm:spPr/>
+      <dgm:t>
+        <a:bodyPr/>
+        <a:lstStyle/>
+        <a:p>
+          <a:r>
+            <a:rPr lang="en-US" dirty="0"/>
+            <a:t> </a:t>
+          </a:r>
+          <a:r>
+            <a:rPr lang="en-US" dirty="0" smtClean="0"/>
+            <a:t>rate dish</a:t>
+          </a:r>
+          <a:endParaRPr lang="en-US" dirty="0"/>
+        </a:p>
+      </dgm:t>
+    </dgm:pt>
+    <dgm:pt modelId="{3199AADF-00D9-7946-B860-F54EAD8745B9}" type="parTrans" cxnId="{0913326A-CE52-3847-9934-141871523133}">
+      <dgm:prSet/>
+      <dgm:spPr/>
+      <dgm:t>
+        <a:bodyPr/>
+        <a:lstStyle/>
+        <a:p>
+          <a:endParaRPr lang="en-US"/>
+        </a:p>
+      </dgm:t>
+    </dgm:pt>
+    <dgm:pt modelId="{E1AF738E-C28E-FA48-A9AD-F5D3E17E240D}" type="sibTrans" cxnId="{0913326A-CE52-3847-9934-141871523133}">
+      <dgm:prSet/>
+      <dgm:spPr/>
+      <dgm:t>
+        <a:bodyPr/>
+        <a:lstStyle/>
+        <a:p>
+          <a:endParaRPr lang="en-US"/>
+        </a:p>
+      </dgm:t>
+    </dgm:pt>
+    <dgm:pt modelId="{E178E8CE-F142-F147-BFCF-F7D4E51713A6}">
+      <dgm:prSet/>
+      <dgm:spPr/>
+      <dgm:t>
+        <a:bodyPr/>
+        <a:lstStyle/>
+        <a:p>
+          <a:r>
+            <a:rPr lang="en-US" dirty="0"/>
+            <a:t> </a:t>
+          </a:r>
+          <a:r>
+            <a:rPr lang="en-US" dirty="0" smtClean="0"/>
+            <a:t>like dish</a:t>
+          </a:r>
+          <a:endParaRPr lang="en-US" dirty="0"/>
+        </a:p>
+      </dgm:t>
+    </dgm:pt>
+    <dgm:pt modelId="{5BAED4A3-0DDA-8845-86B9-BAA642F99B18}" type="parTrans" cxnId="{707E3375-950A-6346-8295-765BF708B049}">
+      <dgm:prSet/>
+      <dgm:spPr/>
+      <dgm:t>
+        <a:bodyPr/>
+        <a:lstStyle/>
+        <a:p>
+          <a:endParaRPr lang="en-US"/>
+        </a:p>
+      </dgm:t>
+    </dgm:pt>
+    <dgm:pt modelId="{C660DE84-6291-DB4A-894E-9B4D935A5234}" type="sibTrans" cxnId="{707E3375-950A-6346-8295-765BF708B049}">
+      <dgm:prSet/>
+      <dgm:spPr/>
+      <dgm:t>
+        <a:bodyPr/>
+        <a:lstStyle/>
+        <a:p>
+          <a:endParaRPr lang="en-US"/>
+        </a:p>
+      </dgm:t>
+    </dgm:pt>
+    <dgm:pt modelId="{737C8729-AC1C-2547-A75A-D353C0F575C5}">
+      <dgm:prSet/>
+      <dgm:spPr/>
+      <dgm:t>
+        <a:bodyPr/>
+        <a:lstStyle/>
+        <a:p>
+          <a:r>
+            <a:rPr lang="en-US" dirty="0" smtClean="0"/>
+            <a:t>Update average ratings </a:t>
+          </a:r>
+          <a:endParaRPr lang="en-US" dirty="0"/>
+        </a:p>
+      </dgm:t>
+    </dgm:pt>
+    <dgm:pt modelId="{95446E11-C063-4B48-95C6-235DF0B0E78C}" type="parTrans" cxnId="{DFA52BA0-5517-B44E-9468-B9EACA4BE571}">
+      <dgm:prSet/>
+      <dgm:spPr/>
+      <dgm:t>
+        <a:bodyPr/>
+        <a:lstStyle/>
+        <a:p>
+          <a:endParaRPr lang="en-US"/>
+        </a:p>
+      </dgm:t>
+    </dgm:pt>
+    <dgm:pt modelId="{62C3BB85-2693-3247-8E13-4F5F9095A34D}" type="sibTrans" cxnId="{DFA52BA0-5517-B44E-9468-B9EACA4BE571}">
+      <dgm:prSet/>
+      <dgm:spPr/>
+      <dgm:t>
+        <a:bodyPr/>
+        <a:lstStyle/>
+        <a:p>
+          <a:endParaRPr lang="en-US"/>
+        </a:p>
+      </dgm:t>
+    </dgm:pt>
+    <dgm:pt modelId="{D9C274F9-EA4D-474E-BBD3-2374473EB87C}">
+      <dgm:prSet/>
+      <dgm:spPr/>
+      <dgm:t>
+        <a:bodyPr/>
+        <a:lstStyle/>
+        <a:p>
+          <a:r>
+            <a:rPr lang="en-US" dirty="0" smtClean="0"/>
+            <a:t>Update number of raters </a:t>
+          </a:r>
+          <a:endParaRPr lang="en-US" dirty="0"/>
+        </a:p>
+      </dgm:t>
+    </dgm:pt>
+    <dgm:pt modelId="{04B4842F-B328-1B4B-B291-3BEA42C8EC93}" type="parTrans" cxnId="{CC99F527-7C52-C04E-A7AD-4BE2F1299EC4}">
+      <dgm:prSet/>
+      <dgm:spPr/>
+      <dgm:t>
+        <a:bodyPr/>
+        <a:lstStyle/>
+        <a:p>
+          <a:endParaRPr lang="en-US"/>
+        </a:p>
+      </dgm:t>
+    </dgm:pt>
+    <dgm:pt modelId="{3B99A8DB-6512-D84B-9B95-B5E47FDD8C3C}" type="sibTrans" cxnId="{CC99F527-7C52-C04E-A7AD-4BE2F1299EC4}">
+      <dgm:prSet/>
+      <dgm:spPr/>
+      <dgm:t>
+        <a:bodyPr/>
+        <a:lstStyle/>
+        <a:p>
+          <a:endParaRPr lang="en-US"/>
+        </a:p>
+      </dgm:t>
+    </dgm:pt>
     <dgm:pt modelId="{74DC694E-3D09-4A3E-AA06-0F436465B8DD}" type="pres">
       <dgm:prSet presAssocID="{05737378-F74C-4E24-9EC2-0D2BB5758FB1}" presName="diagram" presStyleCnt="0">
         <dgm:presLayoutVars>
@@ -2194,188 +2358,370 @@
         </dgm:presLayoutVars>
       </dgm:prSet>
       <dgm:spPr/>
+      <dgm:t>
+        <a:bodyPr/>
+        <a:lstStyle/>
+        <a:p>
+          <a:endParaRPr lang="en-US"/>
+        </a:p>
+      </dgm:t>
     </dgm:pt>
     <dgm:pt modelId="{2CAB0F38-E292-4E90-B35F-6EB8A903C9CB}" type="pres">
-      <dgm:prSet presAssocID="{CA08021B-585B-46E7-BA1F-5420E56DFF26}" presName="node" presStyleLbl="node1" presStyleIdx="0" presStyleCnt="13">
+      <dgm:prSet presAssocID="{CA08021B-585B-46E7-BA1F-5420E56DFF26}" presName="node" presStyleLbl="node1" presStyleIdx="0" presStyleCnt="17">
         <dgm:presLayoutVars>
           <dgm:bulletEnabled val="1"/>
         </dgm:presLayoutVars>
       </dgm:prSet>
       <dgm:spPr/>
+      <dgm:t>
+        <a:bodyPr/>
+        <a:lstStyle/>
+        <a:p>
+          <a:endParaRPr lang="en-US"/>
+        </a:p>
+      </dgm:t>
     </dgm:pt>
     <dgm:pt modelId="{63441EE2-73B0-4816-B767-6FDF68D8E957}" type="pres">
       <dgm:prSet presAssocID="{3AE963F2-851B-4C54-8100-1077DEBC4009}" presName="sibTrans" presStyleCnt="0"/>
       <dgm:spPr/>
     </dgm:pt>
     <dgm:pt modelId="{35CD2B37-F779-4962-82A3-DEC6CC6C87F5}" type="pres">
-      <dgm:prSet presAssocID="{DF64254A-9EBD-4EFC-9802-521BFBFB7109}" presName="node" presStyleLbl="node1" presStyleIdx="1" presStyleCnt="13">
+      <dgm:prSet presAssocID="{DF64254A-9EBD-4EFC-9802-521BFBFB7109}" presName="node" presStyleLbl="node1" presStyleIdx="1" presStyleCnt="17">
         <dgm:presLayoutVars>
           <dgm:bulletEnabled val="1"/>
         </dgm:presLayoutVars>
       </dgm:prSet>
       <dgm:spPr/>
+      <dgm:t>
+        <a:bodyPr/>
+        <a:lstStyle/>
+        <a:p>
+          <a:endParaRPr lang="en-US"/>
+        </a:p>
+      </dgm:t>
     </dgm:pt>
     <dgm:pt modelId="{875024A1-D88A-450E-9C62-4A6E444B67E8}" type="pres">
       <dgm:prSet presAssocID="{E3181219-D854-4321-94E5-2C4540E74E9F}" presName="sibTrans" presStyleCnt="0"/>
       <dgm:spPr/>
     </dgm:pt>
     <dgm:pt modelId="{071F557A-7AF5-4245-8C6A-20AC9955B137}" type="pres">
-      <dgm:prSet presAssocID="{93FF2072-4925-412F-B5EF-CEF7128B76E3}" presName="node" presStyleLbl="node1" presStyleIdx="2" presStyleCnt="13">
+      <dgm:prSet presAssocID="{93FF2072-4925-412F-B5EF-CEF7128B76E3}" presName="node" presStyleLbl="node1" presStyleIdx="2" presStyleCnt="17">
         <dgm:presLayoutVars>
           <dgm:bulletEnabled val="1"/>
         </dgm:presLayoutVars>
       </dgm:prSet>
       <dgm:spPr/>
+      <dgm:t>
+        <a:bodyPr/>
+        <a:lstStyle/>
+        <a:p>
+          <a:endParaRPr lang="en-US"/>
+        </a:p>
+      </dgm:t>
     </dgm:pt>
     <dgm:pt modelId="{72DA49D2-15E3-4818-A7F5-8D609BB2B4EE}" type="pres">
       <dgm:prSet presAssocID="{A20F0525-71D9-473D-9413-0B9A01E37F5E}" presName="sibTrans" presStyleCnt="0"/>
       <dgm:spPr/>
     </dgm:pt>
     <dgm:pt modelId="{D8CA33B2-CD12-4D9B-B73D-AEBEFF4856CD}" type="pres">
-      <dgm:prSet presAssocID="{CEFBEC40-31D5-4F80-AE5D-15FBAFBBF5A0}" presName="node" presStyleLbl="node1" presStyleIdx="3" presStyleCnt="13">
+      <dgm:prSet presAssocID="{CEFBEC40-31D5-4F80-AE5D-15FBAFBBF5A0}" presName="node" presStyleLbl="node1" presStyleIdx="3" presStyleCnt="17">
         <dgm:presLayoutVars>
           <dgm:bulletEnabled val="1"/>
         </dgm:presLayoutVars>
       </dgm:prSet>
       <dgm:spPr/>
+      <dgm:t>
+        <a:bodyPr/>
+        <a:lstStyle/>
+        <a:p>
+          <a:endParaRPr lang="en-US"/>
+        </a:p>
+      </dgm:t>
     </dgm:pt>
     <dgm:pt modelId="{08A1EADD-141B-4BDE-92D5-1C422EF0A383}" type="pres">
       <dgm:prSet presAssocID="{7AEDD36E-0B87-4FC4-91FC-30E8D827C823}" presName="sibTrans" presStyleCnt="0"/>
       <dgm:spPr/>
     </dgm:pt>
     <dgm:pt modelId="{556F3AFB-5CAC-40F2-BD2F-7BCE935EBF20}" type="pres">
-      <dgm:prSet presAssocID="{EC304DEE-ECC8-4115-AC0C-7FAE380EE5DC}" presName="node" presStyleLbl="node1" presStyleIdx="4" presStyleCnt="13">
+      <dgm:prSet presAssocID="{EC304DEE-ECC8-4115-AC0C-7FAE380EE5DC}" presName="node" presStyleLbl="node1" presStyleIdx="4" presStyleCnt="17">
         <dgm:presLayoutVars>
           <dgm:bulletEnabled val="1"/>
         </dgm:presLayoutVars>
       </dgm:prSet>
       <dgm:spPr/>
+      <dgm:t>
+        <a:bodyPr/>
+        <a:lstStyle/>
+        <a:p>
+          <a:endParaRPr lang="en-US"/>
+        </a:p>
+      </dgm:t>
     </dgm:pt>
     <dgm:pt modelId="{8E181051-9221-4B36-8761-DBFE5D1CC42D}" type="pres">
       <dgm:prSet presAssocID="{76D59B59-E733-4A24-B6FD-96DD6E6B0254}" presName="sibTrans" presStyleCnt="0"/>
       <dgm:spPr/>
     </dgm:pt>
     <dgm:pt modelId="{46E7CDFA-621F-40A9-A72F-13159B4965BE}" type="pres">
-      <dgm:prSet presAssocID="{EAB44E80-EB98-4FB7-B58D-9054D1F44343}" presName="node" presStyleLbl="node1" presStyleIdx="5" presStyleCnt="13">
+      <dgm:prSet presAssocID="{EAB44E80-EB98-4FB7-B58D-9054D1F44343}" presName="node" presStyleLbl="node1" presStyleIdx="5" presStyleCnt="17">
         <dgm:presLayoutVars>
           <dgm:bulletEnabled val="1"/>
         </dgm:presLayoutVars>
       </dgm:prSet>
       <dgm:spPr/>
+      <dgm:t>
+        <a:bodyPr/>
+        <a:lstStyle/>
+        <a:p>
+          <a:endParaRPr lang="en-US"/>
+        </a:p>
+      </dgm:t>
     </dgm:pt>
     <dgm:pt modelId="{9309253B-4A3F-413D-A3B8-AE6FBE19481F}" type="pres">
       <dgm:prSet presAssocID="{E6FECD94-72AC-4865-AC62-6FCC3C529198}" presName="sibTrans" presStyleCnt="0"/>
       <dgm:spPr/>
     </dgm:pt>
     <dgm:pt modelId="{87505D9B-FB99-4C9F-A1CB-5FFBDDBFE589}" type="pres">
-      <dgm:prSet presAssocID="{833137B7-273E-4CB6-8381-2C2F2ACF41A9}" presName="node" presStyleLbl="node1" presStyleIdx="6" presStyleCnt="13">
+      <dgm:prSet presAssocID="{833137B7-273E-4CB6-8381-2C2F2ACF41A9}" presName="node" presStyleLbl="node1" presStyleIdx="6" presStyleCnt="17">
         <dgm:presLayoutVars>
           <dgm:bulletEnabled val="1"/>
         </dgm:presLayoutVars>
       </dgm:prSet>
       <dgm:spPr/>
+      <dgm:t>
+        <a:bodyPr/>
+        <a:lstStyle/>
+        <a:p>
+          <a:endParaRPr lang="en-US"/>
+        </a:p>
+      </dgm:t>
     </dgm:pt>
     <dgm:pt modelId="{5F06CE04-DBE2-493A-A3A7-CB2280886FCD}" type="pres">
       <dgm:prSet presAssocID="{2CB78FF2-AAAD-4541-81AE-E58D28D208BA}" presName="sibTrans" presStyleCnt="0"/>
       <dgm:spPr/>
     </dgm:pt>
     <dgm:pt modelId="{E875863E-5C66-47F5-9A02-8D09F1459740}" type="pres">
-      <dgm:prSet presAssocID="{BE9C5062-E235-4175-A274-94C994B2BBD2}" presName="node" presStyleLbl="node1" presStyleIdx="7" presStyleCnt="13">
+      <dgm:prSet presAssocID="{BE9C5062-E235-4175-A274-94C994B2BBD2}" presName="node" presStyleLbl="node1" presStyleIdx="7" presStyleCnt="17">
         <dgm:presLayoutVars>
           <dgm:bulletEnabled val="1"/>
         </dgm:presLayoutVars>
       </dgm:prSet>
       <dgm:spPr/>
+      <dgm:t>
+        <a:bodyPr/>
+        <a:lstStyle/>
+        <a:p>
+          <a:endParaRPr lang="en-US"/>
+        </a:p>
+      </dgm:t>
     </dgm:pt>
     <dgm:pt modelId="{F7EBA5FE-26AB-4BDB-8624-082CEDA7776B}" type="pres">
       <dgm:prSet presAssocID="{10BB8CC6-3A31-48FF-BCD5-DC47BE72146B}" presName="sibTrans" presStyleCnt="0"/>
       <dgm:spPr/>
     </dgm:pt>
     <dgm:pt modelId="{7843059E-BCF7-45F4-B578-65601AC84C15}" type="pres">
-      <dgm:prSet presAssocID="{05E9AB3C-DFD6-4864-A678-A90FD79237AF}" presName="node" presStyleLbl="node1" presStyleIdx="8" presStyleCnt="13">
+      <dgm:prSet presAssocID="{05E9AB3C-DFD6-4864-A678-A90FD79237AF}" presName="node" presStyleLbl="node1" presStyleIdx="8" presStyleCnt="17">
         <dgm:presLayoutVars>
           <dgm:bulletEnabled val="1"/>
         </dgm:presLayoutVars>
       </dgm:prSet>
       <dgm:spPr/>
+      <dgm:t>
+        <a:bodyPr/>
+        <a:lstStyle/>
+        <a:p>
+          <a:endParaRPr lang="en-US"/>
+        </a:p>
+      </dgm:t>
     </dgm:pt>
     <dgm:pt modelId="{A10E726B-60BC-477B-9D04-197AC48C9DC4}" type="pres">
       <dgm:prSet presAssocID="{72912596-1194-4126-8E06-3BCF376FB764}" presName="sibTrans" presStyleCnt="0"/>
       <dgm:spPr/>
     </dgm:pt>
-    <dgm:pt modelId="{71D7D387-6645-4FFF-8203-40963EE90B98}" type="pres">
-      <dgm:prSet presAssocID="{0DEABE5C-1100-4841-AE6B-8418162BA37F}" presName="node" presStyleLbl="node1" presStyleIdx="9" presStyleCnt="13">
+    <dgm:pt modelId="{20A3FC3D-582E-664A-8795-17F2A0D71974}" type="pres">
+      <dgm:prSet presAssocID="{84BFB1DE-6CAD-374F-9AF8-E6DFA4A3A2BE}" presName="node" presStyleLbl="node1" presStyleIdx="9" presStyleCnt="17">
         <dgm:presLayoutVars>
           <dgm:bulletEnabled val="1"/>
         </dgm:presLayoutVars>
       </dgm:prSet>
       <dgm:spPr/>
+      <dgm:t>
+        <a:bodyPr/>
+        <a:lstStyle/>
+        <a:p>
+          <a:endParaRPr lang="en-US"/>
+        </a:p>
+      </dgm:t>
+    </dgm:pt>
+    <dgm:pt modelId="{F31DF824-979C-5F47-969F-A4D77E802BDB}" type="pres">
+      <dgm:prSet presAssocID="{E1AF738E-C28E-FA48-A9AD-F5D3E17E240D}" presName="sibTrans" presStyleCnt="0"/>
+      <dgm:spPr/>
+    </dgm:pt>
+    <dgm:pt modelId="{9BB7B88E-19CE-DA42-8A2D-D71013D1507D}" type="pres">
+      <dgm:prSet presAssocID="{737C8729-AC1C-2547-A75A-D353C0F575C5}" presName="node" presStyleLbl="node1" presStyleIdx="10" presStyleCnt="17">
+        <dgm:presLayoutVars>
+          <dgm:bulletEnabled val="1"/>
+        </dgm:presLayoutVars>
+      </dgm:prSet>
+      <dgm:spPr/>
+      <dgm:t>
+        <a:bodyPr/>
+        <a:lstStyle/>
+        <a:p>
+          <a:endParaRPr lang="en-US"/>
+        </a:p>
+      </dgm:t>
+    </dgm:pt>
+    <dgm:pt modelId="{BA58C6FB-AF44-1341-9DD1-290ABC168EE9}" type="pres">
+      <dgm:prSet presAssocID="{62C3BB85-2693-3247-8E13-4F5F9095A34D}" presName="sibTrans" presStyleCnt="0"/>
+      <dgm:spPr/>
+    </dgm:pt>
+    <dgm:pt modelId="{5D0BD370-B6C2-C64C-A781-46E06E6A032F}" type="pres">
+      <dgm:prSet presAssocID="{D9C274F9-EA4D-474E-BBD3-2374473EB87C}" presName="node" presStyleLbl="node1" presStyleIdx="11" presStyleCnt="17">
+        <dgm:presLayoutVars>
+          <dgm:bulletEnabled val="1"/>
+        </dgm:presLayoutVars>
+      </dgm:prSet>
+      <dgm:spPr/>
+      <dgm:t>
+        <a:bodyPr/>
+        <a:lstStyle/>
+        <a:p>
+          <a:endParaRPr lang="en-US"/>
+        </a:p>
+      </dgm:t>
+    </dgm:pt>
+    <dgm:pt modelId="{6F4320DB-4D28-3449-8837-1927D2B8EBDA}" type="pres">
+      <dgm:prSet presAssocID="{3B99A8DB-6512-D84B-9B95-B5E47FDD8C3C}" presName="sibTrans" presStyleCnt="0"/>
+      <dgm:spPr/>
+    </dgm:pt>
+    <dgm:pt modelId="{9575A828-F6CB-5347-A286-A7E4878A2B34}" type="pres">
+      <dgm:prSet presAssocID="{E178E8CE-F142-F147-BFCF-F7D4E51713A6}" presName="node" presStyleLbl="node1" presStyleIdx="12" presStyleCnt="17">
+        <dgm:presLayoutVars>
+          <dgm:bulletEnabled val="1"/>
+        </dgm:presLayoutVars>
+      </dgm:prSet>
+      <dgm:spPr/>
+      <dgm:t>
+        <a:bodyPr/>
+        <a:lstStyle/>
+        <a:p>
+          <a:endParaRPr lang="en-US"/>
+        </a:p>
+      </dgm:t>
+    </dgm:pt>
+    <dgm:pt modelId="{B11D7F66-7816-4A4D-BC37-0A94A8B09E9E}" type="pres">
+      <dgm:prSet presAssocID="{C660DE84-6291-DB4A-894E-9B4D935A5234}" presName="sibTrans" presStyleCnt="0"/>
+      <dgm:spPr/>
+    </dgm:pt>
+    <dgm:pt modelId="{71D7D387-6645-4FFF-8203-40963EE90B98}" type="pres">
+      <dgm:prSet presAssocID="{0DEABE5C-1100-4841-AE6B-8418162BA37F}" presName="node" presStyleLbl="node1" presStyleIdx="13" presStyleCnt="17">
+        <dgm:presLayoutVars>
+          <dgm:bulletEnabled val="1"/>
+        </dgm:presLayoutVars>
+      </dgm:prSet>
+      <dgm:spPr/>
+      <dgm:t>
+        <a:bodyPr/>
+        <a:lstStyle/>
+        <a:p>
+          <a:endParaRPr lang="en-US"/>
+        </a:p>
+      </dgm:t>
     </dgm:pt>
     <dgm:pt modelId="{DA6AA187-C63B-4EBE-80F4-5E2F8ADE9C54}" type="pres">
       <dgm:prSet presAssocID="{9D4190AC-B3D2-43C6-A8A9-231E6F4741D7}" presName="sibTrans" presStyleCnt="0"/>
       <dgm:spPr/>
     </dgm:pt>
     <dgm:pt modelId="{C0939774-B50A-4E11-AC98-9F1BF4E8D7B3}" type="pres">
-      <dgm:prSet presAssocID="{933E1672-E9BF-4F75-81D1-24766C128B0B}" presName="node" presStyleLbl="node1" presStyleIdx="10" presStyleCnt="13">
+      <dgm:prSet presAssocID="{933E1672-E9BF-4F75-81D1-24766C128B0B}" presName="node" presStyleLbl="node1" presStyleIdx="14" presStyleCnt="17">
         <dgm:presLayoutVars>
           <dgm:bulletEnabled val="1"/>
         </dgm:presLayoutVars>
       </dgm:prSet>
       <dgm:spPr/>
+      <dgm:t>
+        <a:bodyPr/>
+        <a:lstStyle/>
+        <a:p>
+          <a:endParaRPr lang="en-US"/>
+        </a:p>
+      </dgm:t>
     </dgm:pt>
     <dgm:pt modelId="{41235C63-C841-4B2D-AFF7-A0630920172F}" type="pres">
       <dgm:prSet presAssocID="{C2CE6673-EAC7-46A9-BE21-723358925710}" presName="sibTrans" presStyleCnt="0"/>
       <dgm:spPr/>
     </dgm:pt>
     <dgm:pt modelId="{887A92B0-3B07-4217-9C68-EB1E87976F03}" type="pres">
-      <dgm:prSet presAssocID="{70AB44C9-9218-4B17-BF8C-395A8A9293A7}" presName="node" presStyleLbl="node1" presStyleIdx="11" presStyleCnt="13">
+      <dgm:prSet presAssocID="{70AB44C9-9218-4B17-BF8C-395A8A9293A7}" presName="node" presStyleLbl="node1" presStyleIdx="15" presStyleCnt="17">
         <dgm:presLayoutVars>
           <dgm:bulletEnabled val="1"/>
         </dgm:presLayoutVars>
       </dgm:prSet>
       <dgm:spPr/>
+      <dgm:t>
+        <a:bodyPr/>
+        <a:lstStyle/>
+        <a:p>
+          <a:endParaRPr lang="en-US"/>
+        </a:p>
+      </dgm:t>
     </dgm:pt>
     <dgm:pt modelId="{70289C8D-5A99-4A82-BA15-5EF95CDE63F5}" type="pres">
       <dgm:prSet presAssocID="{A8251120-2E7C-46DC-8314-2C7837025E49}" presName="sibTrans" presStyleCnt="0"/>
       <dgm:spPr/>
     </dgm:pt>
     <dgm:pt modelId="{B7D51C12-D406-40C3-B188-97D6C4C03636}" type="pres">
-      <dgm:prSet presAssocID="{85D9D1EC-D603-41AE-A0D5-D40BB7861333}" presName="node" presStyleLbl="node1" presStyleIdx="12" presStyleCnt="13">
+      <dgm:prSet presAssocID="{85D9D1EC-D603-41AE-A0D5-D40BB7861333}" presName="node" presStyleLbl="node1" presStyleIdx="16" presStyleCnt="17">
         <dgm:presLayoutVars>
           <dgm:bulletEnabled val="1"/>
         </dgm:presLayoutVars>
       </dgm:prSet>
       <dgm:spPr/>
+      <dgm:t>
+        <a:bodyPr/>
+        <a:lstStyle/>
+        <a:p>
+          <a:endParaRPr lang="en-US"/>
+        </a:p>
+      </dgm:t>
     </dgm:pt>
   </dgm:ptLst>
   <dgm:cxnLst>
+    <dgm:cxn modelId="{89F417E7-0A69-6C48-8E6E-D9453FBFFD83}" type="presOf" srcId="{E178E8CE-F142-F147-BFCF-F7D4E51713A6}" destId="{9575A828-F6CB-5347-A286-A7E4878A2B34}" srcOrd="0" destOrd="0" presId="urn:microsoft.com/office/officeart/2005/8/layout/default"/>
+    <dgm:cxn modelId="{A44AC37C-A6C0-40FD-848D-F560872F35CB}" srcId="{05737378-F74C-4E24-9EC2-0D2BB5758FB1}" destId="{93FF2072-4925-412F-B5EF-CEF7128B76E3}" srcOrd="2" destOrd="0" parTransId="{788A7467-1AA9-4A64-B7DD-F71092FECF52}" sibTransId="{A20F0525-71D9-473D-9413-0B9A01E37F5E}"/>
+    <dgm:cxn modelId="{605E9C4D-8446-4E80-BAC0-C2D3D0AFDFE5}" srcId="{05737378-F74C-4E24-9EC2-0D2BB5758FB1}" destId="{833137B7-273E-4CB6-8381-2C2F2ACF41A9}" srcOrd="6" destOrd="0" parTransId="{C85722CF-114F-4466-82C8-7058DC435DD6}" sibTransId="{2CB78FF2-AAAD-4541-81AE-E58D28D208BA}"/>
+    <dgm:cxn modelId="{540AFBF0-7756-4B28-BD69-B6E65DB3B15C}" srcId="{05737378-F74C-4E24-9EC2-0D2BB5758FB1}" destId="{0DEABE5C-1100-4841-AE6B-8418162BA37F}" srcOrd="13" destOrd="0" parTransId="{3D7765CE-D4A2-4B26-860F-F9AC5E3AE6D1}" sibTransId="{9D4190AC-B3D2-43C6-A8A9-231E6F4741D7}"/>
+    <dgm:cxn modelId="{EB1EE9A3-B12F-4095-B15A-8A4BC3093D8D}" type="presOf" srcId="{05E9AB3C-DFD6-4864-A678-A90FD79237AF}" destId="{7843059E-BCF7-45F4-B578-65601AC84C15}" srcOrd="0" destOrd="0" presId="urn:microsoft.com/office/officeart/2005/8/layout/default"/>
+    <dgm:cxn modelId="{58A1DB5A-EBB6-4C4E-8A19-4709FF509CD9}" srcId="{05737378-F74C-4E24-9EC2-0D2BB5758FB1}" destId="{EC304DEE-ECC8-4115-AC0C-7FAE380EE5DC}" srcOrd="4" destOrd="0" parTransId="{32ED1675-E964-4124-A5F9-87012E54751F}" sibTransId="{76D59B59-E733-4A24-B6FD-96DD6E6B0254}"/>
+    <dgm:cxn modelId="{EF496DB7-EBB7-4F7C-9EDE-E5F5F4FC8621}" srcId="{05737378-F74C-4E24-9EC2-0D2BB5758FB1}" destId="{85D9D1EC-D603-41AE-A0D5-D40BB7861333}" srcOrd="16" destOrd="0" parTransId="{0A32FE30-FCFC-491D-A031-3C484A183302}" sibTransId="{31706799-9539-4B59-AF0B-4B5330E8A253}"/>
+    <dgm:cxn modelId="{5837B3DE-5634-42DD-9DD6-B6E5BF73F3F1}" type="presOf" srcId="{EAB44E80-EB98-4FB7-B58D-9054D1F44343}" destId="{46E7CDFA-621F-40A9-A72F-13159B4965BE}" srcOrd="0" destOrd="0" presId="urn:microsoft.com/office/officeart/2005/8/layout/default"/>
+    <dgm:cxn modelId="{DFA52BA0-5517-B44E-9468-B9EACA4BE571}" srcId="{05737378-F74C-4E24-9EC2-0D2BB5758FB1}" destId="{737C8729-AC1C-2547-A75A-D353C0F575C5}" srcOrd="10" destOrd="0" parTransId="{95446E11-C063-4B48-95C6-235DF0B0E78C}" sibTransId="{62C3BB85-2693-3247-8E13-4F5F9095A34D}"/>
+    <dgm:cxn modelId="{C5EF76C1-85B4-410A-B920-B2287746D835}" srcId="{05737378-F74C-4E24-9EC2-0D2BB5758FB1}" destId="{70AB44C9-9218-4B17-BF8C-395A8A9293A7}" srcOrd="15" destOrd="0" parTransId="{283A6A4F-E8C8-48B7-A47F-03377034D211}" sibTransId="{A8251120-2E7C-46DC-8314-2C7837025E49}"/>
+    <dgm:cxn modelId="{BC698B29-8830-4BD6-BBD7-0DA1B1C4A00E}" srcId="{05737378-F74C-4E24-9EC2-0D2BB5758FB1}" destId="{933E1672-E9BF-4F75-81D1-24766C128B0B}" srcOrd="14" destOrd="0" parTransId="{3D6A42A4-8419-4927-B099-DDF810CD127F}" sibTransId="{C2CE6673-EAC7-46A9-BE21-723358925710}"/>
+    <dgm:cxn modelId="{08073DB3-02EA-4C77-8F26-C87C8B6C3ED3}" type="presOf" srcId="{833137B7-273E-4CB6-8381-2C2F2ACF41A9}" destId="{87505D9B-FB99-4C9F-A1CB-5FFBDDBFE589}" srcOrd="0" destOrd="0" presId="urn:microsoft.com/office/officeart/2005/8/layout/default"/>
+    <dgm:cxn modelId="{8106C6B0-F846-4FEC-8E0F-FAB2C7C9574D}" type="presOf" srcId="{85D9D1EC-D603-41AE-A0D5-D40BB7861333}" destId="{B7D51C12-D406-40C3-B188-97D6C4C03636}" srcOrd="0" destOrd="0" presId="urn:microsoft.com/office/officeart/2005/8/layout/default"/>
+    <dgm:cxn modelId="{4C96918B-B013-4CA3-905E-18F7331B018E}" type="presOf" srcId="{BE9C5062-E235-4175-A274-94C994B2BBD2}" destId="{E875863E-5C66-47F5-9A02-8D09F1459740}" srcOrd="0" destOrd="0" presId="urn:microsoft.com/office/officeart/2005/8/layout/default"/>
+    <dgm:cxn modelId="{B388398B-DD25-4D96-861D-5EC744A50C20}" type="presOf" srcId="{CEFBEC40-31D5-4F80-AE5D-15FBAFBBF5A0}" destId="{D8CA33B2-CD12-4D9B-B73D-AEBEFF4856CD}" srcOrd="0" destOrd="0" presId="urn:microsoft.com/office/officeart/2005/8/layout/default"/>
+    <dgm:cxn modelId="{D39C1D97-F9E6-479B-A32B-CEDF77D52252}" type="presOf" srcId="{CA08021B-585B-46E7-BA1F-5420E56DFF26}" destId="{2CAB0F38-E292-4E90-B35F-6EB8A903C9CB}" srcOrd="0" destOrd="0" presId="urn:microsoft.com/office/officeart/2005/8/layout/default"/>
+    <dgm:cxn modelId="{707E3375-950A-6346-8295-765BF708B049}" srcId="{05737378-F74C-4E24-9EC2-0D2BB5758FB1}" destId="{E178E8CE-F142-F147-BFCF-F7D4E51713A6}" srcOrd="12" destOrd="0" parTransId="{5BAED4A3-0DDA-8845-86B9-BAA642F99B18}" sibTransId="{C660DE84-6291-DB4A-894E-9B4D935A5234}"/>
+    <dgm:cxn modelId="{D5EF1102-FFC6-8644-BB41-20059300DFBD}" type="presOf" srcId="{84BFB1DE-6CAD-374F-9AF8-E6DFA4A3A2BE}" destId="{20A3FC3D-582E-664A-8795-17F2A0D71974}" srcOrd="0" destOrd="0" presId="urn:microsoft.com/office/officeart/2005/8/layout/default"/>
+    <dgm:cxn modelId="{1FDC86EA-A094-4E71-AEA2-9174A76B0E59}" type="presOf" srcId="{70AB44C9-9218-4B17-BF8C-395A8A9293A7}" destId="{887A92B0-3B07-4217-9C68-EB1E87976F03}" srcOrd="0" destOrd="0" presId="urn:microsoft.com/office/officeart/2005/8/layout/default"/>
+    <dgm:cxn modelId="{12B57F1A-7AAC-4763-B00C-DEFB40CF4EF5}" srcId="{05737378-F74C-4E24-9EC2-0D2BB5758FB1}" destId="{EAB44E80-EB98-4FB7-B58D-9054D1F44343}" srcOrd="5" destOrd="0" parTransId="{1AD31A3F-A9DF-4B29-A02B-660D5D646C0F}" sibTransId="{E6FECD94-72AC-4865-AC62-6FCC3C529198}"/>
+    <dgm:cxn modelId="{F0A8FA6F-0C15-754A-AF30-829ECB5ACC87}" type="presOf" srcId="{737C8729-AC1C-2547-A75A-D353C0F575C5}" destId="{9BB7B88E-19CE-DA42-8A2D-D71013D1507D}" srcOrd="0" destOrd="0" presId="urn:microsoft.com/office/officeart/2005/8/layout/default"/>
+    <dgm:cxn modelId="{D3F94EE7-BDF2-4B1E-8070-AE51AD075A6D}" type="presOf" srcId="{DF64254A-9EBD-4EFC-9802-521BFBFB7109}" destId="{35CD2B37-F779-4962-82A3-DEC6CC6C87F5}" srcOrd="0" destOrd="0" presId="urn:microsoft.com/office/officeart/2005/8/layout/default"/>
+    <dgm:cxn modelId="{0913326A-CE52-3847-9934-141871523133}" srcId="{05737378-F74C-4E24-9EC2-0D2BB5758FB1}" destId="{84BFB1DE-6CAD-374F-9AF8-E6DFA4A3A2BE}" srcOrd="9" destOrd="0" parTransId="{3199AADF-00D9-7946-B860-F54EAD8745B9}" sibTransId="{E1AF738E-C28E-FA48-A9AD-F5D3E17E240D}"/>
+    <dgm:cxn modelId="{43B85156-CD02-417A-8B98-074ABCAFC629}" srcId="{05737378-F74C-4E24-9EC2-0D2BB5758FB1}" destId="{05E9AB3C-DFD6-4864-A678-A90FD79237AF}" srcOrd="8" destOrd="0" parTransId="{4D10C5E8-8B46-4450-B1CB-CC37690D0044}" sibTransId="{72912596-1194-4126-8E06-3BCF376FB764}"/>
+    <dgm:cxn modelId="{7F9FB9A5-108D-4614-BF5A-796C77DB19E7}" type="presOf" srcId="{EC304DEE-ECC8-4115-AC0C-7FAE380EE5DC}" destId="{556F3AFB-5CAC-40F2-BD2F-7BCE935EBF20}" srcOrd="0" destOrd="0" presId="urn:microsoft.com/office/officeart/2005/8/layout/default"/>
+    <dgm:cxn modelId="{5B2A3EA0-54FF-4812-A101-80913D9E9C07}" type="presOf" srcId="{933E1672-E9BF-4F75-81D1-24766C128B0B}" destId="{C0939774-B50A-4E11-AC98-9F1BF4E8D7B3}" srcOrd="0" destOrd="0" presId="urn:microsoft.com/office/officeart/2005/8/layout/default"/>
     <dgm:cxn modelId="{631E0B0C-32CD-4BA6-B298-C74890F8D470}" srcId="{05737378-F74C-4E24-9EC2-0D2BB5758FB1}" destId="{BE9C5062-E235-4175-A274-94C994B2BBD2}" srcOrd="7" destOrd="0" parTransId="{9AD3C363-D4CB-4F02-80AD-A19E42C0CFA4}" sibTransId="{10BB8CC6-3A31-48FF-BCD5-DC47BE72146B}"/>
-    <dgm:cxn modelId="{12B57F1A-7AAC-4763-B00C-DEFB40CF4EF5}" srcId="{05737378-F74C-4E24-9EC2-0D2BB5758FB1}" destId="{EAB44E80-EB98-4FB7-B58D-9054D1F44343}" srcOrd="5" destOrd="0" parTransId="{1AD31A3F-A9DF-4B29-A02B-660D5D646C0F}" sibTransId="{E6FECD94-72AC-4865-AC62-6FCC3C529198}"/>
-    <dgm:cxn modelId="{BC698B29-8830-4BD6-BBD7-0DA1B1C4A00E}" srcId="{05737378-F74C-4E24-9EC2-0D2BB5758FB1}" destId="{933E1672-E9BF-4F75-81D1-24766C128B0B}" srcOrd="10" destOrd="0" parTransId="{3D6A42A4-8419-4927-B099-DDF810CD127F}" sibTransId="{C2CE6673-EAC7-46A9-BE21-723358925710}"/>
+    <dgm:cxn modelId="{D25356F8-626A-4283-9AE4-B2E30D657B6C}" type="presOf" srcId="{05737378-F74C-4E24-9EC2-0D2BB5758FB1}" destId="{74DC694E-3D09-4A3E-AA06-0F436465B8DD}" srcOrd="0" destOrd="0" presId="urn:microsoft.com/office/officeart/2005/8/layout/default"/>
+    <dgm:cxn modelId="{83C7D896-DA89-4D78-8869-A1959AA3B220}" srcId="{05737378-F74C-4E24-9EC2-0D2BB5758FB1}" destId="{DF64254A-9EBD-4EFC-9802-521BFBFB7109}" srcOrd="1" destOrd="0" parTransId="{392C3C0E-C17E-4820-B9FD-69B100A6C062}" sibTransId="{E3181219-D854-4321-94E5-2C4540E74E9F}"/>
+    <dgm:cxn modelId="{CC99F527-7C52-C04E-A7AD-4BE2F1299EC4}" srcId="{05737378-F74C-4E24-9EC2-0D2BB5758FB1}" destId="{D9C274F9-EA4D-474E-BBD3-2374473EB87C}" srcOrd="11" destOrd="0" parTransId="{04B4842F-B328-1B4B-B291-3BEA42C8EC93}" sibTransId="{3B99A8DB-6512-D84B-9B95-B5E47FDD8C3C}"/>
+    <dgm:cxn modelId="{D999D6EB-61A2-4986-B990-CDA108B5280C}" type="presOf" srcId="{0DEABE5C-1100-4841-AE6B-8418162BA37F}" destId="{71D7D387-6645-4FFF-8203-40963EE90B98}" srcOrd="0" destOrd="0" presId="urn:microsoft.com/office/officeart/2005/8/layout/default"/>
+    <dgm:cxn modelId="{5C69498A-C0CF-4B1C-8B83-AB4936C606E8}" srcId="{05737378-F74C-4E24-9EC2-0D2BB5758FB1}" destId="{CA08021B-585B-46E7-BA1F-5420E56DFF26}" srcOrd="0" destOrd="0" parTransId="{C3858590-1432-4944-89FA-CB68A3AE18A5}" sibTransId="{3AE963F2-851B-4C54-8100-1077DEBC4009}"/>
     <dgm:cxn modelId="{E27AA84A-57F7-455D-8EB7-8F81DA5260AE}" srcId="{05737378-F74C-4E24-9EC2-0D2BB5758FB1}" destId="{CEFBEC40-31D5-4F80-AE5D-15FBAFBBF5A0}" srcOrd="3" destOrd="0" parTransId="{A6FD00DA-84F5-43A5-86EF-A56BA0FE0F7A}" sibTransId="{7AEDD36E-0B87-4FC4-91FC-30E8D827C823}"/>
-    <dgm:cxn modelId="{605E9C4D-8446-4E80-BAC0-C2D3D0AFDFE5}" srcId="{05737378-F74C-4E24-9EC2-0D2BB5758FB1}" destId="{833137B7-273E-4CB6-8381-2C2F2ACF41A9}" srcOrd="6" destOrd="0" parTransId="{C85722CF-114F-4466-82C8-7058DC435DD6}" sibTransId="{2CB78FF2-AAAD-4541-81AE-E58D28D208BA}"/>
+    <dgm:cxn modelId="{44876188-67E5-EA4A-84BA-721FCC39060F}" type="presOf" srcId="{D9C274F9-EA4D-474E-BBD3-2374473EB87C}" destId="{5D0BD370-B6C2-C64C-A781-46E06E6A032F}" srcOrd="0" destOrd="0" presId="urn:microsoft.com/office/officeart/2005/8/layout/default"/>
     <dgm:cxn modelId="{14869B52-DF14-4BF7-9DE1-929F097CEF01}" type="presOf" srcId="{93FF2072-4925-412F-B5EF-CEF7128B76E3}" destId="{071F557A-7AF5-4245-8C6A-20AC9955B137}" srcOrd="0" destOrd="0" presId="urn:microsoft.com/office/officeart/2005/8/layout/default"/>
-    <dgm:cxn modelId="{43B85156-CD02-417A-8B98-074ABCAFC629}" srcId="{05737378-F74C-4E24-9EC2-0D2BB5758FB1}" destId="{05E9AB3C-DFD6-4864-A678-A90FD79237AF}" srcOrd="8" destOrd="0" parTransId="{4D10C5E8-8B46-4450-B1CB-CC37690D0044}" sibTransId="{72912596-1194-4126-8E06-3BCF376FB764}"/>
-    <dgm:cxn modelId="{58A1DB5A-EBB6-4C4E-8A19-4709FF509CD9}" srcId="{05737378-F74C-4E24-9EC2-0D2BB5758FB1}" destId="{EC304DEE-ECC8-4115-AC0C-7FAE380EE5DC}" srcOrd="4" destOrd="0" parTransId="{32ED1675-E964-4124-A5F9-87012E54751F}" sibTransId="{76D59B59-E733-4A24-B6FD-96DD6E6B0254}"/>
-    <dgm:cxn modelId="{A44AC37C-A6C0-40FD-848D-F560872F35CB}" srcId="{05737378-F74C-4E24-9EC2-0D2BB5758FB1}" destId="{93FF2072-4925-412F-B5EF-CEF7128B76E3}" srcOrd="2" destOrd="0" parTransId="{788A7467-1AA9-4A64-B7DD-F71092FECF52}" sibTransId="{A20F0525-71D9-473D-9413-0B9A01E37F5E}"/>
-    <dgm:cxn modelId="{5C69498A-C0CF-4B1C-8B83-AB4936C606E8}" srcId="{05737378-F74C-4E24-9EC2-0D2BB5758FB1}" destId="{CA08021B-585B-46E7-BA1F-5420E56DFF26}" srcOrd="0" destOrd="0" parTransId="{C3858590-1432-4944-89FA-CB68A3AE18A5}" sibTransId="{3AE963F2-851B-4C54-8100-1077DEBC4009}"/>
-    <dgm:cxn modelId="{B388398B-DD25-4D96-861D-5EC744A50C20}" type="presOf" srcId="{CEFBEC40-31D5-4F80-AE5D-15FBAFBBF5A0}" destId="{D8CA33B2-CD12-4D9B-B73D-AEBEFF4856CD}" srcOrd="0" destOrd="0" presId="urn:microsoft.com/office/officeart/2005/8/layout/default"/>
-    <dgm:cxn modelId="{4C96918B-B013-4CA3-905E-18F7331B018E}" type="presOf" srcId="{BE9C5062-E235-4175-A274-94C994B2BBD2}" destId="{E875863E-5C66-47F5-9A02-8D09F1459740}" srcOrd="0" destOrd="0" presId="urn:microsoft.com/office/officeart/2005/8/layout/default"/>
-    <dgm:cxn modelId="{83C7D896-DA89-4D78-8869-A1959AA3B220}" srcId="{05737378-F74C-4E24-9EC2-0D2BB5758FB1}" destId="{DF64254A-9EBD-4EFC-9802-521BFBFB7109}" srcOrd="1" destOrd="0" parTransId="{392C3C0E-C17E-4820-B9FD-69B100A6C062}" sibTransId="{E3181219-D854-4321-94E5-2C4540E74E9F}"/>
-    <dgm:cxn modelId="{D39C1D97-F9E6-479B-A32B-CEDF77D52252}" type="presOf" srcId="{CA08021B-585B-46E7-BA1F-5420E56DFF26}" destId="{2CAB0F38-E292-4E90-B35F-6EB8A903C9CB}" srcOrd="0" destOrd="0" presId="urn:microsoft.com/office/officeart/2005/8/layout/default"/>
-    <dgm:cxn modelId="{5B2A3EA0-54FF-4812-A101-80913D9E9C07}" type="presOf" srcId="{933E1672-E9BF-4F75-81D1-24766C128B0B}" destId="{C0939774-B50A-4E11-AC98-9F1BF4E8D7B3}" srcOrd="0" destOrd="0" presId="urn:microsoft.com/office/officeart/2005/8/layout/default"/>
-    <dgm:cxn modelId="{EB1EE9A3-B12F-4095-B15A-8A4BC3093D8D}" type="presOf" srcId="{05E9AB3C-DFD6-4864-A678-A90FD79237AF}" destId="{7843059E-BCF7-45F4-B578-65601AC84C15}" srcOrd="0" destOrd="0" presId="urn:microsoft.com/office/officeart/2005/8/layout/default"/>
-    <dgm:cxn modelId="{7F9FB9A5-108D-4614-BF5A-796C77DB19E7}" type="presOf" srcId="{EC304DEE-ECC8-4115-AC0C-7FAE380EE5DC}" destId="{556F3AFB-5CAC-40F2-BD2F-7BCE935EBF20}" srcOrd="0" destOrd="0" presId="urn:microsoft.com/office/officeart/2005/8/layout/default"/>
-    <dgm:cxn modelId="{8106C6B0-F846-4FEC-8E0F-FAB2C7C9574D}" type="presOf" srcId="{85D9D1EC-D603-41AE-A0D5-D40BB7861333}" destId="{B7D51C12-D406-40C3-B188-97D6C4C03636}" srcOrd="0" destOrd="0" presId="urn:microsoft.com/office/officeart/2005/8/layout/default"/>
-    <dgm:cxn modelId="{08073DB3-02EA-4C77-8F26-C87C8B6C3ED3}" type="presOf" srcId="{833137B7-273E-4CB6-8381-2C2F2ACF41A9}" destId="{87505D9B-FB99-4C9F-A1CB-5FFBDDBFE589}" srcOrd="0" destOrd="0" presId="urn:microsoft.com/office/officeart/2005/8/layout/default"/>
-    <dgm:cxn modelId="{EF496DB7-EBB7-4F7C-9EDE-E5F5F4FC8621}" srcId="{05737378-F74C-4E24-9EC2-0D2BB5758FB1}" destId="{85D9D1EC-D603-41AE-A0D5-D40BB7861333}" srcOrd="12" destOrd="0" parTransId="{0A32FE30-FCFC-491D-A031-3C484A183302}" sibTransId="{31706799-9539-4B59-AF0B-4B5330E8A253}"/>
-    <dgm:cxn modelId="{C5EF76C1-85B4-410A-B920-B2287746D835}" srcId="{05737378-F74C-4E24-9EC2-0D2BB5758FB1}" destId="{70AB44C9-9218-4B17-BF8C-395A8A9293A7}" srcOrd="11" destOrd="0" parTransId="{283A6A4F-E8C8-48B7-A47F-03377034D211}" sibTransId="{A8251120-2E7C-46DC-8314-2C7837025E49}"/>
-    <dgm:cxn modelId="{5837B3DE-5634-42DD-9DD6-B6E5BF73F3F1}" type="presOf" srcId="{EAB44E80-EB98-4FB7-B58D-9054D1F44343}" destId="{46E7CDFA-621F-40A9-A72F-13159B4965BE}" srcOrd="0" destOrd="0" presId="urn:microsoft.com/office/officeart/2005/8/layout/default"/>
-    <dgm:cxn modelId="{D3F94EE7-BDF2-4B1E-8070-AE51AD075A6D}" type="presOf" srcId="{DF64254A-9EBD-4EFC-9802-521BFBFB7109}" destId="{35CD2B37-F779-4962-82A3-DEC6CC6C87F5}" srcOrd="0" destOrd="0" presId="urn:microsoft.com/office/officeart/2005/8/layout/default"/>
-    <dgm:cxn modelId="{1FDC86EA-A094-4E71-AEA2-9174A76B0E59}" type="presOf" srcId="{70AB44C9-9218-4B17-BF8C-395A8A9293A7}" destId="{887A92B0-3B07-4217-9C68-EB1E87976F03}" srcOrd="0" destOrd="0" presId="urn:microsoft.com/office/officeart/2005/8/layout/default"/>
-    <dgm:cxn modelId="{D999D6EB-61A2-4986-B990-CDA108B5280C}" type="presOf" srcId="{0DEABE5C-1100-4841-AE6B-8418162BA37F}" destId="{71D7D387-6645-4FFF-8203-40963EE90B98}" srcOrd="0" destOrd="0" presId="urn:microsoft.com/office/officeart/2005/8/layout/default"/>
-    <dgm:cxn modelId="{540AFBF0-7756-4B28-BD69-B6E65DB3B15C}" srcId="{05737378-F74C-4E24-9EC2-0D2BB5758FB1}" destId="{0DEABE5C-1100-4841-AE6B-8418162BA37F}" srcOrd="9" destOrd="0" parTransId="{3D7765CE-D4A2-4B26-860F-F9AC5E3AE6D1}" sibTransId="{9D4190AC-B3D2-43C6-A8A9-231E6F4741D7}"/>
-    <dgm:cxn modelId="{D25356F8-626A-4283-9AE4-B2E30D657B6C}" type="presOf" srcId="{05737378-F74C-4E24-9EC2-0D2BB5758FB1}" destId="{74DC694E-3D09-4A3E-AA06-0F436465B8DD}" srcOrd="0" destOrd="0" presId="urn:microsoft.com/office/officeart/2005/8/layout/default"/>
     <dgm:cxn modelId="{1C0F507F-2D90-416F-A3AA-20E4CCD964D5}" type="presParOf" srcId="{74DC694E-3D09-4A3E-AA06-0F436465B8DD}" destId="{2CAB0F38-E292-4E90-B35F-6EB8A903C9CB}" srcOrd="0" destOrd="0" presId="urn:microsoft.com/office/officeart/2005/8/layout/default"/>
     <dgm:cxn modelId="{77B2D0E8-1127-4063-A94F-B34A2411374D}" type="presParOf" srcId="{74DC694E-3D09-4A3E-AA06-0F436465B8DD}" destId="{63441EE2-73B0-4816-B767-6FDF68D8E957}" srcOrd="1" destOrd="0" presId="urn:microsoft.com/office/officeart/2005/8/layout/default"/>
     <dgm:cxn modelId="{6DB20DFC-CA99-43F3-8B84-48705E1DD7BD}" type="presParOf" srcId="{74DC694E-3D09-4A3E-AA06-0F436465B8DD}" destId="{35CD2B37-F779-4962-82A3-DEC6CC6C87F5}" srcOrd="2" destOrd="0" presId="urn:microsoft.com/office/officeart/2005/8/layout/default"/>
@@ -2394,19 +2740,27 @@
     <dgm:cxn modelId="{E879C6B7-2141-4F6B-A4B7-F384EA208151}" type="presParOf" srcId="{74DC694E-3D09-4A3E-AA06-0F436465B8DD}" destId="{F7EBA5FE-26AB-4BDB-8624-082CEDA7776B}" srcOrd="15" destOrd="0" presId="urn:microsoft.com/office/officeart/2005/8/layout/default"/>
     <dgm:cxn modelId="{7FB2CC66-44CC-42BF-B4A4-871EE62830E3}" type="presParOf" srcId="{74DC694E-3D09-4A3E-AA06-0F436465B8DD}" destId="{7843059E-BCF7-45F4-B578-65601AC84C15}" srcOrd="16" destOrd="0" presId="urn:microsoft.com/office/officeart/2005/8/layout/default"/>
     <dgm:cxn modelId="{853BF4C1-1129-4F44-BCDE-EB5321A0EF9B}" type="presParOf" srcId="{74DC694E-3D09-4A3E-AA06-0F436465B8DD}" destId="{A10E726B-60BC-477B-9D04-197AC48C9DC4}" srcOrd="17" destOrd="0" presId="urn:microsoft.com/office/officeart/2005/8/layout/default"/>
-    <dgm:cxn modelId="{A43124B3-9855-4FDD-AD0C-31EA9F1EF2E4}" type="presParOf" srcId="{74DC694E-3D09-4A3E-AA06-0F436465B8DD}" destId="{71D7D387-6645-4FFF-8203-40963EE90B98}" srcOrd="18" destOrd="0" presId="urn:microsoft.com/office/officeart/2005/8/layout/default"/>
-    <dgm:cxn modelId="{C8647F6E-2226-48AB-BDBD-47B222C59FE5}" type="presParOf" srcId="{74DC694E-3D09-4A3E-AA06-0F436465B8DD}" destId="{DA6AA187-C63B-4EBE-80F4-5E2F8ADE9C54}" srcOrd="19" destOrd="0" presId="urn:microsoft.com/office/officeart/2005/8/layout/default"/>
-    <dgm:cxn modelId="{02790BC3-7B9C-4072-A700-006EEFA44F8C}" type="presParOf" srcId="{74DC694E-3D09-4A3E-AA06-0F436465B8DD}" destId="{C0939774-B50A-4E11-AC98-9F1BF4E8D7B3}" srcOrd="20" destOrd="0" presId="urn:microsoft.com/office/officeart/2005/8/layout/default"/>
-    <dgm:cxn modelId="{D60372B4-4467-4CCE-90B5-C24B47187F10}" type="presParOf" srcId="{74DC694E-3D09-4A3E-AA06-0F436465B8DD}" destId="{41235C63-C841-4B2D-AFF7-A0630920172F}" srcOrd="21" destOrd="0" presId="urn:microsoft.com/office/officeart/2005/8/layout/default"/>
-    <dgm:cxn modelId="{71EEF566-35B5-4955-884A-CDA6F3278862}" type="presParOf" srcId="{74DC694E-3D09-4A3E-AA06-0F436465B8DD}" destId="{887A92B0-3B07-4217-9C68-EB1E87976F03}" srcOrd="22" destOrd="0" presId="urn:microsoft.com/office/officeart/2005/8/layout/default"/>
-    <dgm:cxn modelId="{96D70D0D-B285-464A-A6F8-EA2BAEB4467D}" type="presParOf" srcId="{74DC694E-3D09-4A3E-AA06-0F436465B8DD}" destId="{70289C8D-5A99-4A82-BA15-5EF95CDE63F5}" srcOrd="23" destOrd="0" presId="urn:microsoft.com/office/officeart/2005/8/layout/default"/>
-    <dgm:cxn modelId="{FED85F8F-EC2D-4055-8FD3-434892B9BD50}" type="presParOf" srcId="{74DC694E-3D09-4A3E-AA06-0F436465B8DD}" destId="{B7D51C12-D406-40C3-B188-97D6C4C03636}" srcOrd="24" destOrd="0" presId="urn:microsoft.com/office/officeart/2005/8/layout/default"/>
+    <dgm:cxn modelId="{A33FB7C3-8D28-0644-9596-140F8E9413FD}" type="presParOf" srcId="{74DC694E-3D09-4A3E-AA06-0F436465B8DD}" destId="{20A3FC3D-582E-664A-8795-17F2A0D71974}" srcOrd="18" destOrd="0" presId="urn:microsoft.com/office/officeart/2005/8/layout/default"/>
+    <dgm:cxn modelId="{0BD6426F-1978-314A-B8D7-A0FB0E35AE2F}" type="presParOf" srcId="{74DC694E-3D09-4A3E-AA06-0F436465B8DD}" destId="{F31DF824-979C-5F47-969F-A4D77E802BDB}" srcOrd="19" destOrd="0" presId="urn:microsoft.com/office/officeart/2005/8/layout/default"/>
+    <dgm:cxn modelId="{53B31C3B-603C-994F-9872-5F0D8346C8FA}" type="presParOf" srcId="{74DC694E-3D09-4A3E-AA06-0F436465B8DD}" destId="{9BB7B88E-19CE-DA42-8A2D-D71013D1507D}" srcOrd="20" destOrd="0" presId="urn:microsoft.com/office/officeart/2005/8/layout/default"/>
+    <dgm:cxn modelId="{B6CC40B0-26A2-C54D-BAD3-71263E9E4E86}" type="presParOf" srcId="{74DC694E-3D09-4A3E-AA06-0F436465B8DD}" destId="{BA58C6FB-AF44-1341-9DD1-290ABC168EE9}" srcOrd="21" destOrd="0" presId="urn:microsoft.com/office/officeart/2005/8/layout/default"/>
+    <dgm:cxn modelId="{D1379957-257C-E94A-B7BF-EB2FAF8E7607}" type="presParOf" srcId="{74DC694E-3D09-4A3E-AA06-0F436465B8DD}" destId="{5D0BD370-B6C2-C64C-A781-46E06E6A032F}" srcOrd="22" destOrd="0" presId="urn:microsoft.com/office/officeart/2005/8/layout/default"/>
+    <dgm:cxn modelId="{002AF273-8B12-674E-89D3-CCB38DF8B132}" type="presParOf" srcId="{74DC694E-3D09-4A3E-AA06-0F436465B8DD}" destId="{6F4320DB-4D28-3449-8837-1927D2B8EBDA}" srcOrd="23" destOrd="0" presId="urn:microsoft.com/office/officeart/2005/8/layout/default"/>
+    <dgm:cxn modelId="{BB094FA8-739F-B64D-83D0-328227C9E823}" type="presParOf" srcId="{74DC694E-3D09-4A3E-AA06-0F436465B8DD}" destId="{9575A828-F6CB-5347-A286-A7E4878A2B34}" srcOrd="24" destOrd="0" presId="urn:microsoft.com/office/officeart/2005/8/layout/default"/>
+    <dgm:cxn modelId="{51C4A1A5-0160-5047-A249-84C7A9678AA7}" type="presParOf" srcId="{74DC694E-3D09-4A3E-AA06-0F436465B8DD}" destId="{B11D7F66-7816-4A4D-BC37-0A94A8B09E9E}" srcOrd="25" destOrd="0" presId="urn:microsoft.com/office/officeart/2005/8/layout/default"/>
+    <dgm:cxn modelId="{A43124B3-9855-4FDD-AD0C-31EA9F1EF2E4}" type="presParOf" srcId="{74DC694E-3D09-4A3E-AA06-0F436465B8DD}" destId="{71D7D387-6645-4FFF-8203-40963EE90B98}" srcOrd="26" destOrd="0" presId="urn:microsoft.com/office/officeart/2005/8/layout/default"/>
+    <dgm:cxn modelId="{C8647F6E-2226-48AB-BDBD-47B222C59FE5}" type="presParOf" srcId="{74DC694E-3D09-4A3E-AA06-0F436465B8DD}" destId="{DA6AA187-C63B-4EBE-80F4-5E2F8ADE9C54}" srcOrd="27" destOrd="0" presId="urn:microsoft.com/office/officeart/2005/8/layout/default"/>
+    <dgm:cxn modelId="{02790BC3-7B9C-4072-A700-006EEFA44F8C}" type="presParOf" srcId="{74DC694E-3D09-4A3E-AA06-0F436465B8DD}" destId="{C0939774-B50A-4E11-AC98-9F1BF4E8D7B3}" srcOrd="28" destOrd="0" presId="urn:microsoft.com/office/officeart/2005/8/layout/default"/>
+    <dgm:cxn modelId="{D60372B4-4467-4CCE-90B5-C24B47187F10}" type="presParOf" srcId="{74DC694E-3D09-4A3E-AA06-0F436465B8DD}" destId="{41235C63-C841-4B2D-AFF7-A0630920172F}" srcOrd="29" destOrd="0" presId="urn:microsoft.com/office/officeart/2005/8/layout/default"/>
+    <dgm:cxn modelId="{71EEF566-35B5-4955-884A-CDA6F3278862}" type="presParOf" srcId="{74DC694E-3D09-4A3E-AA06-0F436465B8DD}" destId="{887A92B0-3B07-4217-9C68-EB1E87976F03}" srcOrd="30" destOrd="0" presId="urn:microsoft.com/office/officeart/2005/8/layout/default"/>
+    <dgm:cxn modelId="{96D70D0D-B285-464A-A6F8-EA2BAEB4467D}" type="presParOf" srcId="{74DC694E-3D09-4A3E-AA06-0F436465B8DD}" destId="{70289C8D-5A99-4A82-BA15-5EF95CDE63F5}" srcOrd="31" destOrd="0" presId="urn:microsoft.com/office/officeart/2005/8/layout/default"/>
+    <dgm:cxn modelId="{FED85F8F-EC2D-4055-8FD3-434892B9BD50}" type="presParOf" srcId="{74DC694E-3D09-4A3E-AA06-0F436465B8DD}" destId="{B7D51C12-D406-40C3-B188-97D6C4C03636}" srcOrd="32" destOrd="0" presId="urn:microsoft.com/office/officeart/2005/8/layout/default"/>
   </dgm:cxnLst>
   <dgm:bg/>
   <dgm:whole/>
   <dgm:extLst>
     <a:ext uri="http://schemas.microsoft.com/office/drawing/2008/diagram">
-      <dsp:dataModelExt xmlns:dsp="http://schemas.microsoft.com/office/drawing/2008/diagram" relId="rId6" minVer="http://schemas.openxmlformats.org/drawingml/2006/diagram"/>
+      <dsp:dataModelExt xmlns:dsp="http://schemas.microsoft.com/office/drawing/2008/diagram" relId="rId7" minVer="http://schemas.openxmlformats.org/drawingml/2006/diagram"/>
     </a:ext>
   </dgm:extLst>
 </dgm:dataModel>
@@ -2608,13 +2962,21 @@
     </dgm:pt>
     <dgm:pt modelId="{BE9C5062-E235-4175-A274-94C994B2BBD2}">
       <dgm:prSet/>
-      <dgm:spPr/>
+      <dgm:spPr>
+        <a:solidFill>
+          <a:srgbClr val="FFFFFF"/>
+        </a:solidFill>
+      </dgm:spPr>
       <dgm:t>
         <a:bodyPr/>
         <a:lstStyle/>
         <a:p>
           <a:r>
-            <a:rPr lang="en-US" dirty="0"/>
+            <a:rPr lang="en-US" dirty="0">
+              <a:solidFill>
+                <a:sysClr val="windowText" lastClr="000000"/>
+              </a:solidFill>
+            </a:rPr>
             <a:t>User current location </a:t>
           </a:r>
         </a:p>
@@ -2752,11 +3114,19 @@
     </dgm:pt>
     <dgm:pt modelId="{27CD27FC-1C78-4066-BFAA-6106CA4C407B}">
       <dgm:prSet/>
-      <dgm:spPr/>
+      <dgm:spPr>
+        <a:solidFill>
+          <a:srgbClr val="604798"/>
+        </a:solidFill>
+      </dgm:spPr>
       <dgm:t>
         <a:bodyPr/>
         <a:lstStyle/>
         <a:p>
+          <a:r>
+            <a:rPr lang="en-US" dirty="0" smtClean="0"/>
+            <a:t>notifications</a:t>
+          </a:r>
           <a:endParaRPr lang="en-US" dirty="0"/>
         </a:p>
       </dgm:t>
@@ -2791,6 +3161,13 @@
         </dgm:presLayoutVars>
       </dgm:prSet>
       <dgm:spPr/>
+      <dgm:t>
+        <a:bodyPr/>
+        <a:lstStyle/>
+        <a:p>
+          <a:endParaRPr lang="en-US"/>
+        </a:p>
+      </dgm:t>
     </dgm:pt>
     <dgm:pt modelId="{2CAB0F38-E292-4E90-B35F-6EB8A903C9CB}" type="pres">
       <dgm:prSet presAssocID="{CA08021B-585B-46E7-BA1F-5420E56DFF26}" presName="node" presStyleLbl="node1" presStyleIdx="0" presStyleCnt="10">
@@ -2799,6 +3176,13 @@
         </dgm:presLayoutVars>
       </dgm:prSet>
       <dgm:spPr/>
+      <dgm:t>
+        <a:bodyPr/>
+        <a:lstStyle/>
+        <a:p>
+          <a:endParaRPr lang="en-US"/>
+        </a:p>
+      </dgm:t>
     </dgm:pt>
     <dgm:pt modelId="{63441EE2-73B0-4816-B767-6FDF68D8E957}" type="pres">
       <dgm:prSet presAssocID="{3AE963F2-851B-4C54-8100-1077DEBC4009}" presName="sibTrans" presStyleCnt="0"/>
@@ -2811,6 +3195,13 @@
         </dgm:presLayoutVars>
       </dgm:prSet>
       <dgm:spPr/>
+      <dgm:t>
+        <a:bodyPr/>
+        <a:lstStyle/>
+        <a:p>
+          <a:endParaRPr lang="en-US"/>
+        </a:p>
+      </dgm:t>
     </dgm:pt>
     <dgm:pt modelId="{875024A1-D88A-450E-9C62-4A6E444B67E8}" type="pres">
       <dgm:prSet presAssocID="{E3181219-D854-4321-94E5-2C4540E74E9F}" presName="sibTrans" presStyleCnt="0"/>
@@ -2823,6 +3214,13 @@
         </dgm:presLayoutVars>
       </dgm:prSet>
       <dgm:spPr/>
+      <dgm:t>
+        <a:bodyPr/>
+        <a:lstStyle/>
+        <a:p>
+          <a:endParaRPr lang="en-US"/>
+        </a:p>
+      </dgm:t>
     </dgm:pt>
     <dgm:pt modelId="{08A1EADD-141B-4BDE-92D5-1C422EF0A383}" type="pres">
       <dgm:prSet presAssocID="{7AEDD36E-0B87-4FC4-91FC-30E8D827C823}" presName="sibTrans" presStyleCnt="0"/>
@@ -2835,6 +3233,13 @@
         </dgm:presLayoutVars>
       </dgm:prSet>
       <dgm:spPr/>
+      <dgm:t>
+        <a:bodyPr/>
+        <a:lstStyle/>
+        <a:p>
+          <a:endParaRPr lang="en-US"/>
+        </a:p>
+      </dgm:t>
     </dgm:pt>
     <dgm:pt modelId="{8E181051-9221-4B36-8761-DBFE5D1CC42D}" type="pres">
       <dgm:prSet presAssocID="{76D59B59-E733-4A24-B6FD-96DD6E6B0254}" presName="sibTrans" presStyleCnt="0"/>
@@ -2847,6 +3252,13 @@
         </dgm:presLayoutVars>
       </dgm:prSet>
       <dgm:spPr/>
+      <dgm:t>
+        <a:bodyPr/>
+        <a:lstStyle/>
+        <a:p>
+          <a:endParaRPr lang="en-US"/>
+        </a:p>
+      </dgm:t>
     </dgm:pt>
     <dgm:pt modelId="{9309253B-4A3F-413D-A3B8-AE6FBE19481F}" type="pres">
       <dgm:prSet presAssocID="{E6FECD94-72AC-4865-AC62-6FCC3C529198}" presName="sibTrans" presStyleCnt="0"/>
@@ -2859,6 +3271,13 @@
         </dgm:presLayoutVars>
       </dgm:prSet>
       <dgm:spPr/>
+      <dgm:t>
+        <a:bodyPr/>
+        <a:lstStyle/>
+        <a:p>
+          <a:endParaRPr lang="en-US"/>
+        </a:p>
+      </dgm:t>
     </dgm:pt>
     <dgm:pt modelId="{5F06CE04-DBE2-493A-A3A7-CB2280886FCD}" type="pres">
       <dgm:prSet presAssocID="{2CB78FF2-AAAD-4541-81AE-E58D28D208BA}" presName="sibTrans" presStyleCnt="0"/>
@@ -2871,6 +3290,13 @@
         </dgm:presLayoutVars>
       </dgm:prSet>
       <dgm:spPr/>
+      <dgm:t>
+        <a:bodyPr/>
+        <a:lstStyle/>
+        <a:p>
+          <a:endParaRPr lang="en-US"/>
+        </a:p>
+      </dgm:t>
     </dgm:pt>
     <dgm:pt modelId="{F7EBA5FE-26AB-4BDB-8624-082CEDA7776B}" type="pres">
       <dgm:prSet presAssocID="{10BB8CC6-3A31-48FF-BCD5-DC47BE72146B}" presName="sibTrans" presStyleCnt="0"/>
@@ -2883,6 +3309,13 @@
         </dgm:presLayoutVars>
       </dgm:prSet>
       <dgm:spPr/>
+      <dgm:t>
+        <a:bodyPr/>
+        <a:lstStyle/>
+        <a:p>
+          <a:endParaRPr lang="en-US"/>
+        </a:p>
+      </dgm:t>
     </dgm:pt>
     <dgm:pt modelId="{A10E726B-60BC-477B-9D04-197AC48C9DC4}" type="pres">
       <dgm:prSet presAssocID="{72912596-1194-4126-8E06-3BCF376FB764}" presName="sibTrans" presStyleCnt="0"/>
@@ -2895,6 +3328,13 @@
         </dgm:presLayoutVars>
       </dgm:prSet>
       <dgm:spPr/>
+      <dgm:t>
+        <a:bodyPr/>
+        <a:lstStyle/>
+        <a:p>
+          <a:endParaRPr lang="en-US"/>
+        </a:p>
+      </dgm:t>
     </dgm:pt>
     <dgm:pt modelId="{DA6AA187-C63B-4EBE-80F4-5E2F8ADE9C54}" type="pres">
       <dgm:prSet presAssocID="{9D4190AC-B3D2-43C6-A8A9-231E6F4741D7}" presName="sibTrans" presStyleCnt="0"/>
@@ -2907,30 +3347,37 @@
         </dgm:presLayoutVars>
       </dgm:prSet>
       <dgm:spPr/>
+      <dgm:t>
+        <a:bodyPr/>
+        <a:lstStyle/>
+        <a:p>
+          <a:endParaRPr lang="en-US"/>
+        </a:p>
+      </dgm:t>
     </dgm:pt>
   </dgm:ptLst>
   <dgm:cxnLst>
+    <dgm:cxn modelId="{EB1EE9A3-B12F-4095-B15A-8A4BC3093D8D}" type="presOf" srcId="{05E9AB3C-DFD6-4864-A678-A90FD79237AF}" destId="{7843059E-BCF7-45F4-B578-65601AC84C15}" srcOrd="0" destOrd="0" presId="urn:microsoft.com/office/officeart/2005/8/layout/default"/>
+    <dgm:cxn modelId="{473012C6-2575-4D87-8FE6-DD657648F194}" srcId="{05737378-F74C-4E24-9EC2-0D2BB5758FB1}" destId="{27CD27FC-1C78-4066-BFAA-6106CA4C407B}" srcOrd="9" destOrd="0" parTransId="{9F661BE4-71DC-4105-8BD5-301DB76E4A0F}" sibTransId="{F779E767-8151-4530-9627-B8E71853BDFF}"/>
     <dgm:cxn modelId="{631E0B0C-32CD-4BA6-B298-C74890F8D470}" srcId="{05737378-F74C-4E24-9EC2-0D2BB5758FB1}" destId="{BE9C5062-E235-4175-A274-94C994B2BBD2}" srcOrd="6" destOrd="0" parTransId="{9AD3C363-D4CB-4F02-80AD-A19E42C0CFA4}" sibTransId="{10BB8CC6-3A31-48FF-BCD5-DC47BE72146B}"/>
     <dgm:cxn modelId="{12B57F1A-7AAC-4763-B00C-DEFB40CF4EF5}" srcId="{05737378-F74C-4E24-9EC2-0D2BB5758FB1}" destId="{EAB44E80-EB98-4FB7-B58D-9054D1F44343}" srcOrd="4" destOrd="0" parTransId="{1AD31A3F-A9DF-4B29-A02B-660D5D646C0F}" sibTransId="{E6FECD94-72AC-4865-AC62-6FCC3C529198}"/>
     <dgm:cxn modelId="{E27AA84A-57F7-455D-8EB7-8F81DA5260AE}" srcId="{05737378-F74C-4E24-9EC2-0D2BB5758FB1}" destId="{CEFBEC40-31D5-4F80-AE5D-15FBAFBBF5A0}" srcOrd="2" destOrd="0" parTransId="{A6FD00DA-84F5-43A5-86EF-A56BA0FE0F7A}" sibTransId="{7AEDD36E-0B87-4FC4-91FC-30E8D827C823}"/>
+    <dgm:cxn modelId="{540AFBF0-7756-4B28-BD69-B6E65DB3B15C}" srcId="{05737378-F74C-4E24-9EC2-0D2BB5758FB1}" destId="{0DEABE5C-1100-4841-AE6B-8418162BA37F}" srcOrd="8" destOrd="0" parTransId="{3D7765CE-D4A2-4B26-860F-F9AC5E3AE6D1}" sibTransId="{9D4190AC-B3D2-43C6-A8A9-231E6F4741D7}"/>
+    <dgm:cxn modelId="{4C96918B-B013-4CA3-905E-18F7331B018E}" type="presOf" srcId="{BE9C5062-E235-4175-A274-94C994B2BBD2}" destId="{E875863E-5C66-47F5-9A02-8D09F1459740}" srcOrd="0" destOrd="0" presId="urn:microsoft.com/office/officeart/2005/8/layout/default"/>
+    <dgm:cxn modelId="{D999D6EB-61A2-4986-B990-CDA108B5280C}" type="presOf" srcId="{0DEABE5C-1100-4841-AE6B-8418162BA37F}" destId="{71D7D387-6645-4FFF-8203-40963EE90B98}" srcOrd="0" destOrd="0" presId="urn:microsoft.com/office/officeart/2005/8/layout/default"/>
+    <dgm:cxn modelId="{7F9FB9A5-108D-4614-BF5A-796C77DB19E7}" type="presOf" srcId="{EC304DEE-ECC8-4115-AC0C-7FAE380EE5DC}" destId="{556F3AFB-5CAC-40F2-BD2F-7BCE935EBF20}" srcOrd="0" destOrd="0" presId="urn:microsoft.com/office/officeart/2005/8/layout/default"/>
     <dgm:cxn modelId="{605E9C4D-8446-4E80-BAC0-C2D3D0AFDFE5}" srcId="{05737378-F74C-4E24-9EC2-0D2BB5758FB1}" destId="{833137B7-273E-4CB6-8381-2C2F2ACF41A9}" srcOrd="5" destOrd="0" parTransId="{C85722CF-114F-4466-82C8-7058DC435DD6}" sibTransId="{2CB78FF2-AAAD-4541-81AE-E58D28D208BA}"/>
-    <dgm:cxn modelId="{43B85156-CD02-417A-8B98-074ABCAFC629}" srcId="{05737378-F74C-4E24-9EC2-0D2BB5758FB1}" destId="{05E9AB3C-DFD6-4864-A678-A90FD79237AF}" srcOrd="7" destOrd="0" parTransId="{4D10C5E8-8B46-4450-B1CB-CC37690D0044}" sibTransId="{72912596-1194-4126-8E06-3BCF376FB764}"/>
+    <dgm:cxn modelId="{D25356F8-626A-4283-9AE4-B2E30D657B6C}" type="presOf" srcId="{05737378-F74C-4E24-9EC2-0D2BB5758FB1}" destId="{74DC694E-3D09-4A3E-AA06-0F436465B8DD}" srcOrd="0" destOrd="0" presId="urn:microsoft.com/office/officeart/2005/8/layout/default"/>
+    <dgm:cxn modelId="{D39C1D97-F9E6-479B-A32B-CEDF77D52252}" type="presOf" srcId="{CA08021B-585B-46E7-BA1F-5420E56DFF26}" destId="{2CAB0F38-E292-4E90-B35F-6EB8A903C9CB}" srcOrd="0" destOrd="0" presId="urn:microsoft.com/office/officeart/2005/8/layout/default"/>
+    <dgm:cxn modelId="{5C69498A-C0CF-4B1C-8B83-AB4936C606E8}" srcId="{05737378-F74C-4E24-9EC2-0D2BB5758FB1}" destId="{CA08021B-585B-46E7-BA1F-5420E56DFF26}" srcOrd="0" destOrd="0" parTransId="{C3858590-1432-4944-89FA-CB68A3AE18A5}" sibTransId="{3AE963F2-851B-4C54-8100-1077DEBC4009}"/>
+    <dgm:cxn modelId="{08073DB3-02EA-4C77-8F26-C87C8B6C3ED3}" type="presOf" srcId="{833137B7-273E-4CB6-8381-2C2F2ACF41A9}" destId="{87505D9B-FB99-4C9F-A1CB-5FFBDDBFE589}" srcOrd="0" destOrd="0" presId="urn:microsoft.com/office/officeart/2005/8/layout/default"/>
     <dgm:cxn modelId="{58A1DB5A-EBB6-4C4E-8A19-4709FF509CD9}" srcId="{05737378-F74C-4E24-9EC2-0D2BB5758FB1}" destId="{EC304DEE-ECC8-4115-AC0C-7FAE380EE5DC}" srcOrd="3" destOrd="0" parTransId="{32ED1675-E964-4124-A5F9-87012E54751F}" sibTransId="{76D59B59-E733-4A24-B6FD-96DD6E6B0254}"/>
-    <dgm:cxn modelId="{5C69498A-C0CF-4B1C-8B83-AB4936C606E8}" srcId="{05737378-F74C-4E24-9EC2-0D2BB5758FB1}" destId="{CA08021B-585B-46E7-BA1F-5420E56DFF26}" srcOrd="0" destOrd="0" parTransId="{C3858590-1432-4944-89FA-CB68A3AE18A5}" sibTransId="{3AE963F2-851B-4C54-8100-1077DEBC4009}"/>
-    <dgm:cxn modelId="{B388398B-DD25-4D96-861D-5EC744A50C20}" type="presOf" srcId="{CEFBEC40-31D5-4F80-AE5D-15FBAFBBF5A0}" destId="{D8CA33B2-CD12-4D9B-B73D-AEBEFF4856CD}" srcOrd="0" destOrd="0" presId="urn:microsoft.com/office/officeart/2005/8/layout/default"/>
-    <dgm:cxn modelId="{4C96918B-B013-4CA3-905E-18F7331B018E}" type="presOf" srcId="{BE9C5062-E235-4175-A274-94C994B2BBD2}" destId="{E875863E-5C66-47F5-9A02-8D09F1459740}" srcOrd="0" destOrd="0" presId="urn:microsoft.com/office/officeart/2005/8/layout/default"/>
     <dgm:cxn modelId="{83C7D896-DA89-4D78-8869-A1959AA3B220}" srcId="{05737378-F74C-4E24-9EC2-0D2BB5758FB1}" destId="{DF64254A-9EBD-4EFC-9802-521BFBFB7109}" srcOrd="1" destOrd="0" parTransId="{392C3C0E-C17E-4820-B9FD-69B100A6C062}" sibTransId="{E3181219-D854-4321-94E5-2C4540E74E9F}"/>
-    <dgm:cxn modelId="{D39C1D97-F9E6-479B-A32B-CEDF77D52252}" type="presOf" srcId="{CA08021B-585B-46E7-BA1F-5420E56DFF26}" destId="{2CAB0F38-E292-4E90-B35F-6EB8A903C9CB}" srcOrd="0" destOrd="0" presId="urn:microsoft.com/office/officeart/2005/8/layout/default"/>
-    <dgm:cxn modelId="{EB1EE9A3-B12F-4095-B15A-8A4BC3093D8D}" type="presOf" srcId="{05E9AB3C-DFD6-4864-A678-A90FD79237AF}" destId="{7843059E-BCF7-45F4-B578-65601AC84C15}" srcOrd="0" destOrd="0" presId="urn:microsoft.com/office/officeart/2005/8/layout/default"/>
-    <dgm:cxn modelId="{7F9FB9A5-108D-4614-BF5A-796C77DB19E7}" type="presOf" srcId="{EC304DEE-ECC8-4115-AC0C-7FAE380EE5DC}" destId="{556F3AFB-5CAC-40F2-BD2F-7BCE935EBF20}" srcOrd="0" destOrd="0" presId="urn:microsoft.com/office/officeart/2005/8/layout/default"/>
-    <dgm:cxn modelId="{08073DB3-02EA-4C77-8F26-C87C8B6C3ED3}" type="presOf" srcId="{833137B7-273E-4CB6-8381-2C2F2ACF41A9}" destId="{87505D9B-FB99-4C9F-A1CB-5FFBDDBFE589}" srcOrd="0" destOrd="0" presId="urn:microsoft.com/office/officeart/2005/8/layout/default"/>
-    <dgm:cxn modelId="{473012C6-2575-4D87-8FE6-DD657648F194}" srcId="{05737378-F74C-4E24-9EC2-0D2BB5758FB1}" destId="{27CD27FC-1C78-4066-BFAA-6106CA4C407B}" srcOrd="9" destOrd="0" parTransId="{9F661BE4-71DC-4105-8BD5-301DB76E4A0F}" sibTransId="{F779E767-8151-4530-9627-B8E71853BDFF}"/>
     <dgm:cxn modelId="{5837B3DE-5634-42DD-9DD6-B6E5BF73F3F1}" type="presOf" srcId="{EAB44E80-EB98-4FB7-B58D-9054D1F44343}" destId="{46E7CDFA-621F-40A9-A72F-13159B4965BE}" srcOrd="0" destOrd="0" presId="urn:microsoft.com/office/officeart/2005/8/layout/default"/>
     <dgm:cxn modelId="{D3F94EE7-BDF2-4B1E-8070-AE51AD075A6D}" type="presOf" srcId="{DF64254A-9EBD-4EFC-9802-521BFBFB7109}" destId="{35CD2B37-F779-4962-82A3-DEC6CC6C87F5}" srcOrd="0" destOrd="0" presId="urn:microsoft.com/office/officeart/2005/8/layout/default"/>
+    <dgm:cxn modelId="{43B85156-CD02-417A-8B98-074ABCAFC629}" srcId="{05737378-F74C-4E24-9EC2-0D2BB5758FB1}" destId="{05E9AB3C-DFD6-4864-A678-A90FD79237AF}" srcOrd="7" destOrd="0" parTransId="{4D10C5E8-8B46-4450-B1CB-CC37690D0044}" sibTransId="{72912596-1194-4126-8E06-3BCF376FB764}"/>
     <dgm:cxn modelId="{EB1087E9-D1B0-4D0B-A44C-9164620F1478}" type="presOf" srcId="{27CD27FC-1C78-4066-BFAA-6106CA4C407B}" destId="{F98ADD5E-C142-4430-B4C0-7EA272D37E54}" srcOrd="0" destOrd="0" presId="urn:microsoft.com/office/officeart/2005/8/layout/default"/>
-    <dgm:cxn modelId="{D999D6EB-61A2-4986-B990-CDA108B5280C}" type="presOf" srcId="{0DEABE5C-1100-4841-AE6B-8418162BA37F}" destId="{71D7D387-6645-4FFF-8203-40963EE90B98}" srcOrd="0" destOrd="0" presId="urn:microsoft.com/office/officeart/2005/8/layout/default"/>
-    <dgm:cxn modelId="{540AFBF0-7756-4B28-BD69-B6E65DB3B15C}" srcId="{05737378-F74C-4E24-9EC2-0D2BB5758FB1}" destId="{0DEABE5C-1100-4841-AE6B-8418162BA37F}" srcOrd="8" destOrd="0" parTransId="{3D7765CE-D4A2-4B26-860F-F9AC5E3AE6D1}" sibTransId="{9D4190AC-B3D2-43C6-A8A9-231E6F4741D7}"/>
-    <dgm:cxn modelId="{D25356F8-626A-4283-9AE4-B2E30D657B6C}" type="presOf" srcId="{05737378-F74C-4E24-9EC2-0D2BB5758FB1}" destId="{74DC694E-3D09-4A3E-AA06-0F436465B8DD}" srcOrd="0" destOrd="0" presId="urn:microsoft.com/office/officeart/2005/8/layout/default"/>
+    <dgm:cxn modelId="{B388398B-DD25-4D96-861D-5EC744A50C20}" type="presOf" srcId="{CEFBEC40-31D5-4F80-AE5D-15FBAFBBF5A0}" destId="{D8CA33B2-CD12-4D9B-B73D-AEBEFF4856CD}" srcOrd="0" destOrd="0" presId="urn:microsoft.com/office/officeart/2005/8/layout/default"/>
     <dgm:cxn modelId="{1C0F507F-2D90-416F-A3AA-20E4CCD964D5}" type="presParOf" srcId="{74DC694E-3D09-4A3E-AA06-0F436465B8DD}" destId="{2CAB0F38-E292-4E90-B35F-6EB8A903C9CB}" srcOrd="0" destOrd="0" presId="urn:microsoft.com/office/officeart/2005/8/layout/default"/>
     <dgm:cxn modelId="{77B2D0E8-1127-4063-A94F-B34A2411374D}" type="presParOf" srcId="{74DC694E-3D09-4A3E-AA06-0F436465B8DD}" destId="{63441EE2-73B0-4816-B767-6FDF68D8E957}" srcOrd="1" destOrd="0" presId="urn:microsoft.com/office/officeart/2005/8/layout/default"/>
     <dgm:cxn modelId="{6DB20DFC-CA99-43F3-8B84-48705E1DD7BD}" type="presParOf" srcId="{74DC694E-3D09-4A3E-AA06-0F436465B8DD}" destId="{35CD2B37-F779-4962-82A3-DEC6CC6C87F5}" srcOrd="2" destOrd="0" presId="urn:microsoft.com/office/officeart/2005/8/layout/default"/>
@@ -2976,8 +3423,8 @@
       </dsp:nvSpPr>
       <dsp:spPr>
         <a:xfrm>
-          <a:off x="238322" y="308"/>
-          <a:ext cx="1796741" cy="1078044"/>
+          <a:off x="1242" y="231424"/>
+          <a:ext cx="1565625" cy="939375"/>
         </a:xfrm>
         <a:prstGeom prst="rect">
           <a:avLst/>
@@ -3018,12 +3465,12 @@
         </a:fontRef>
       </dsp:style>
       <dsp:txBody>
-        <a:bodyPr spcFirstLastPara="0" vert="horz" wrap="square" lIns="83820" tIns="83820" rIns="83820" bIns="83820" numCol="1" spcCol="1270" anchor="ctr" anchorCtr="0">
+        <a:bodyPr spcFirstLastPara="0" vert="horz" wrap="square" lIns="72390" tIns="72390" rIns="72390" bIns="72390" numCol="1" spcCol="1270" anchor="ctr" anchorCtr="0">
           <a:noAutofit/>
         </a:bodyPr>
         <a:lstStyle/>
         <a:p>
-          <a:pPr marL="0" lvl="0" indent="0" algn="ctr" defTabSz="977900">
+          <a:pPr lvl="0" algn="ctr" defTabSz="844550">
             <a:lnSpc>
               <a:spcPct val="90000"/>
             </a:lnSpc>
@@ -3033,17 +3480,16 @@
             <a:spcAft>
               <a:spcPct val="35000"/>
             </a:spcAft>
-            <a:buNone/>
           </a:pPr>
           <a:r>
-            <a:rPr lang="en-US" sz="2200" kern="1200"/>
+            <a:rPr lang="en-US" sz="1900" kern="1200"/>
             <a:t>Signup</a:t>
           </a:r>
         </a:p>
       </dsp:txBody>
       <dsp:txXfrm>
-        <a:off x="238322" y="308"/>
-        <a:ext cx="1796741" cy="1078044"/>
+        <a:off x="1242" y="231424"/>
+        <a:ext cx="1565625" cy="939375"/>
       </dsp:txXfrm>
     </dsp:sp>
     <dsp:sp modelId="{35CD2B37-F779-4962-82A3-DEC6CC6C87F5}">
@@ -3053,17 +3499,17 @@
       </dsp:nvSpPr>
       <dsp:spPr>
         <a:xfrm>
-          <a:off x="2214738" y="308"/>
-          <a:ext cx="1796741" cy="1078044"/>
+          <a:off x="1723430" y="231424"/>
+          <a:ext cx="1565625" cy="939375"/>
         </a:xfrm>
         <a:prstGeom prst="rect">
           <a:avLst/>
         </a:prstGeom>
         <a:solidFill>
           <a:schemeClr val="accent2">
-            <a:hueOff val="-65"/>
-            <a:satOff val="-7"/>
-            <a:lumOff val="-2565"/>
+            <a:hueOff val="-48"/>
+            <a:satOff val="-6"/>
+            <a:lumOff val="-1924"/>
             <a:alphaOff val="0"/>
           </a:schemeClr>
         </a:solidFill>
@@ -3095,12 +3541,12 @@
         </a:fontRef>
       </dsp:style>
       <dsp:txBody>
-        <a:bodyPr spcFirstLastPara="0" vert="horz" wrap="square" lIns="83820" tIns="83820" rIns="83820" bIns="83820" numCol="1" spcCol="1270" anchor="ctr" anchorCtr="0">
+        <a:bodyPr spcFirstLastPara="0" vert="horz" wrap="square" lIns="72390" tIns="72390" rIns="72390" bIns="72390" numCol="1" spcCol="1270" anchor="ctr" anchorCtr="0">
           <a:noAutofit/>
         </a:bodyPr>
         <a:lstStyle/>
         <a:p>
-          <a:pPr marL="0" lvl="0" indent="0" algn="ctr" defTabSz="977900">
+          <a:pPr lvl="0" algn="ctr" defTabSz="844550">
             <a:lnSpc>
               <a:spcPct val="90000"/>
             </a:lnSpc>
@@ -3110,17 +3556,16 @@
             <a:spcAft>
               <a:spcPct val="35000"/>
             </a:spcAft>
-            <a:buNone/>
           </a:pPr>
           <a:r>
-            <a:rPr lang="en-US" sz="2200" kern="1200"/>
+            <a:rPr lang="en-US" sz="1900" kern="1200"/>
             <a:t>login </a:t>
           </a:r>
         </a:p>
       </dsp:txBody>
       <dsp:txXfrm>
-        <a:off x="2214738" y="308"/>
-        <a:ext cx="1796741" cy="1078044"/>
+        <a:off x="1723430" y="231424"/>
+        <a:ext cx="1565625" cy="939375"/>
       </dsp:txXfrm>
     </dsp:sp>
     <dsp:sp modelId="{071F557A-7AF5-4245-8C6A-20AC9955B137}">
@@ -3130,17 +3575,17 @@
       </dsp:nvSpPr>
       <dsp:spPr>
         <a:xfrm>
-          <a:off x="4191154" y="308"/>
-          <a:ext cx="1796741" cy="1078044"/>
+          <a:off x="3445618" y="231424"/>
+          <a:ext cx="1565625" cy="939375"/>
         </a:xfrm>
         <a:prstGeom prst="rect">
           <a:avLst/>
         </a:prstGeom>
         <a:solidFill>
           <a:schemeClr val="accent2">
-            <a:hueOff val="-129"/>
-            <a:satOff val="-15"/>
-            <a:lumOff val="-5131"/>
+            <a:hueOff val="-97"/>
+            <a:satOff val="-11"/>
+            <a:lumOff val="-3848"/>
             <a:alphaOff val="0"/>
           </a:schemeClr>
         </a:solidFill>
@@ -3172,12 +3617,12 @@
         </a:fontRef>
       </dsp:style>
       <dsp:txBody>
-        <a:bodyPr spcFirstLastPara="0" vert="horz" wrap="square" lIns="83820" tIns="83820" rIns="83820" bIns="83820" numCol="1" spcCol="1270" anchor="ctr" anchorCtr="0">
+        <a:bodyPr spcFirstLastPara="0" vert="horz" wrap="square" lIns="72390" tIns="72390" rIns="72390" bIns="72390" numCol="1" spcCol="1270" anchor="ctr" anchorCtr="0">
           <a:noAutofit/>
         </a:bodyPr>
         <a:lstStyle/>
         <a:p>
-          <a:pPr marL="0" lvl="0" indent="0" algn="ctr" defTabSz="977900">
+          <a:pPr lvl="0" algn="ctr" defTabSz="844550">
             <a:lnSpc>
               <a:spcPct val="90000"/>
             </a:lnSpc>
@@ -3187,17 +3632,16 @@
             <a:spcAft>
               <a:spcPct val="35000"/>
             </a:spcAft>
-            <a:buNone/>
           </a:pPr>
           <a:r>
-            <a:rPr lang="en-US" sz="2200" kern="1200" dirty="0"/>
+            <a:rPr lang="en-US" sz="1900" kern="1200" dirty="0"/>
             <a:t>Skip</a:t>
           </a:r>
         </a:p>
       </dsp:txBody>
       <dsp:txXfrm>
-        <a:off x="4191154" y="308"/>
-        <a:ext cx="1796741" cy="1078044"/>
+        <a:off x="3445618" y="231424"/>
+        <a:ext cx="1565625" cy="939375"/>
       </dsp:txXfrm>
     </dsp:sp>
     <dsp:sp modelId="{D8CA33B2-CD12-4D9B-B73D-AEBEFF4856CD}">
@@ -3207,8 +3651,84 @@
       </dsp:nvSpPr>
       <dsp:spPr>
         <a:xfrm>
-          <a:off x="6167569" y="308"/>
-          <a:ext cx="1796741" cy="1078044"/>
+          <a:off x="5167806" y="231424"/>
+          <a:ext cx="1565625" cy="939375"/>
+        </a:xfrm>
+        <a:prstGeom prst="rect">
+          <a:avLst/>
+        </a:prstGeom>
+        <a:solidFill>
+          <a:schemeClr val="accent2">
+            <a:hueOff val="-145"/>
+            <a:satOff val="-17"/>
+            <a:lumOff val="-5772"/>
+            <a:alphaOff val="0"/>
+          </a:schemeClr>
+        </a:solidFill>
+        <a:ln w="50800" cap="flat" cmpd="sng" algn="in">
+          <a:solidFill>
+            <a:schemeClr val="lt1">
+              <a:hueOff val="0"/>
+              <a:satOff val="0"/>
+              <a:lumOff val="0"/>
+              <a:alphaOff val="0"/>
+            </a:schemeClr>
+          </a:solidFill>
+          <a:prstDash val="solid"/>
+        </a:ln>
+        <a:effectLst/>
+      </dsp:spPr>
+      <dsp:style>
+        <a:lnRef idx="3">
+          <a:scrgbClr r="0" g="0" b="0"/>
+        </a:lnRef>
+        <a:fillRef idx="1">
+          <a:scrgbClr r="0" g="0" b="0"/>
+        </a:fillRef>
+        <a:effectRef idx="1">
+          <a:scrgbClr r="0" g="0" b="0"/>
+        </a:effectRef>
+        <a:fontRef idx="minor">
+          <a:schemeClr val="lt1"/>
+        </a:fontRef>
+      </dsp:style>
+      <dsp:txBody>
+        <a:bodyPr spcFirstLastPara="0" vert="horz" wrap="square" lIns="72390" tIns="72390" rIns="72390" bIns="72390" numCol="1" spcCol="1270" anchor="ctr" anchorCtr="0">
+          <a:noAutofit/>
+        </a:bodyPr>
+        <a:lstStyle/>
+        <a:p>
+          <a:pPr lvl="0" algn="ctr" defTabSz="844550">
+            <a:lnSpc>
+              <a:spcPct val="90000"/>
+            </a:lnSpc>
+            <a:spcBef>
+              <a:spcPct val="0"/>
+            </a:spcBef>
+            <a:spcAft>
+              <a:spcPct val="35000"/>
+            </a:spcAft>
+          </a:pPr>
+          <a:r>
+            <a:rPr lang="en-US" sz="1900" kern="1200" dirty="0"/>
+            <a:t>Forget password </a:t>
+          </a:r>
+        </a:p>
+      </dsp:txBody>
+      <dsp:txXfrm>
+        <a:off x="5167806" y="231424"/>
+        <a:ext cx="1565625" cy="939375"/>
+      </dsp:txXfrm>
+    </dsp:sp>
+    <dsp:sp modelId="{556F3AFB-5CAC-40F2-BD2F-7BCE935EBF20}">
+      <dsp:nvSpPr>
+        <dsp:cNvPr id="0" name=""/>
+        <dsp:cNvSpPr/>
+      </dsp:nvSpPr>
+      <dsp:spPr>
+        <a:xfrm>
+          <a:off x="6889994" y="231424"/>
+          <a:ext cx="1565625" cy="939375"/>
         </a:xfrm>
         <a:prstGeom prst="rect">
           <a:avLst/>
@@ -3249,12 +3769,12 @@
         </a:fontRef>
       </dsp:style>
       <dsp:txBody>
-        <a:bodyPr spcFirstLastPara="0" vert="horz" wrap="square" lIns="83820" tIns="83820" rIns="83820" bIns="83820" numCol="1" spcCol="1270" anchor="ctr" anchorCtr="0">
+        <a:bodyPr spcFirstLastPara="0" vert="horz" wrap="square" lIns="72390" tIns="72390" rIns="72390" bIns="72390" numCol="1" spcCol="1270" anchor="ctr" anchorCtr="0">
           <a:noAutofit/>
         </a:bodyPr>
         <a:lstStyle/>
         <a:p>
-          <a:pPr marL="0" lvl="0" indent="0" algn="ctr" defTabSz="977900">
+          <a:pPr lvl="0" algn="ctr" defTabSz="844550">
             <a:lnSpc>
               <a:spcPct val="90000"/>
             </a:lnSpc>
@@ -3264,37 +3784,44 @@
             <a:spcAft>
               <a:spcPct val="35000"/>
             </a:spcAft>
-            <a:buNone/>
           </a:pPr>
           <a:r>
-            <a:rPr lang="en-US" sz="2200" kern="1200" dirty="0"/>
-            <a:t>Forget password </a:t>
+            <a:rPr lang="en-US" sz="1900" kern="1200" dirty="0"/>
+            <a:t>List of </a:t>
+          </a:r>
+          <a:r>
+            <a:rPr lang="en-US" sz="1900" kern="1200" dirty="0" smtClean="0"/>
+            <a:t>dishes </a:t>
+          </a:r>
+          <a:r>
+            <a:rPr lang="en-US" sz="1900" kern="1200" dirty="0"/>
+            <a:t>(home page)</a:t>
           </a:r>
         </a:p>
       </dsp:txBody>
       <dsp:txXfrm>
-        <a:off x="6167569" y="308"/>
-        <a:ext cx="1796741" cy="1078044"/>
+        <a:off x="6889994" y="231424"/>
+        <a:ext cx="1565625" cy="939375"/>
       </dsp:txXfrm>
     </dsp:sp>
-    <dsp:sp modelId="{556F3AFB-5CAC-40F2-BD2F-7BCE935EBF20}">
+    <dsp:sp modelId="{46E7CDFA-621F-40A9-A72F-13159B4965BE}">
       <dsp:nvSpPr>
         <dsp:cNvPr id="0" name=""/>
         <dsp:cNvSpPr/>
       </dsp:nvSpPr>
       <dsp:spPr>
         <a:xfrm>
-          <a:off x="8143985" y="308"/>
-          <a:ext cx="1796741" cy="1078044"/>
+          <a:off x="8612182" y="231424"/>
+          <a:ext cx="1565625" cy="939375"/>
         </a:xfrm>
         <a:prstGeom prst="rect">
           <a:avLst/>
         </a:prstGeom>
         <a:solidFill>
           <a:schemeClr val="accent2">
-            <a:hueOff val="-258"/>
-            <a:satOff val="-30"/>
-            <a:lumOff val="-10262"/>
+            <a:hueOff val="-242"/>
+            <a:satOff val="-28"/>
+            <a:lumOff val="-9620"/>
             <a:alphaOff val="0"/>
           </a:schemeClr>
         </a:solidFill>
@@ -3326,12 +3853,12 @@
         </a:fontRef>
       </dsp:style>
       <dsp:txBody>
-        <a:bodyPr spcFirstLastPara="0" vert="horz" wrap="square" lIns="83820" tIns="83820" rIns="83820" bIns="83820" numCol="1" spcCol="1270" anchor="ctr" anchorCtr="0">
+        <a:bodyPr spcFirstLastPara="0" vert="horz" wrap="square" lIns="72390" tIns="72390" rIns="72390" bIns="72390" numCol="1" spcCol="1270" anchor="ctr" anchorCtr="0">
           <a:noAutofit/>
         </a:bodyPr>
         <a:lstStyle/>
         <a:p>
-          <a:pPr marL="0" lvl="0" indent="0" algn="ctr" defTabSz="977900">
+          <a:pPr lvl="0" algn="ctr" defTabSz="844550">
             <a:lnSpc>
               <a:spcPct val="90000"/>
             </a:lnSpc>
@@ -3341,37 +3868,36 @@
             <a:spcAft>
               <a:spcPct val="35000"/>
             </a:spcAft>
-            <a:buNone/>
           </a:pPr>
           <a:r>
-            <a:rPr lang="en-US" sz="2200" kern="1200" dirty="0"/>
-            <a:t>List of dish (home page)</a:t>
+            <a:rPr lang="en-US" sz="1900" kern="1200" dirty="0"/>
+            <a:t>Profile page (name and bio)</a:t>
           </a:r>
         </a:p>
       </dsp:txBody>
       <dsp:txXfrm>
-        <a:off x="8143985" y="308"/>
-        <a:ext cx="1796741" cy="1078044"/>
+        <a:off x="8612182" y="231424"/>
+        <a:ext cx="1565625" cy="939375"/>
       </dsp:txXfrm>
     </dsp:sp>
-    <dsp:sp modelId="{46E7CDFA-621F-40A9-A72F-13159B4965BE}">
+    <dsp:sp modelId="{87505D9B-FB99-4C9F-A1CB-5FFBDDBFE589}">
       <dsp:nvSpPr>
         <dsp:cNvPr id="0" name=""/>
         <dsp:cNvSpPr/>
       </dsp:nvSpPr>
       <dsp:spPr>
         <a:xfrm>
-          <a:off x="238322" y="1258027"/>
-          <a:ext cx="1796741" cy="1078044"/>
+          <a:off x="1242" y="1327362"/>
+          <a:ext cx="1565625" cy="939375"/>
         </a:xfrm>
         <a:prstGeom prst="rect">
           <a:avLst/>
         </a:prstGeom>
         <a:solidFill>
           <a:schemeClr val="accent2">
-            <a:hueOff val="-323"/>
-            <a:satOff val="-37"/>
-            <a:lumOff val="-12827"/>
+            <a:hueOff val="-290"/>
+            <a:satOff val="-33"/>
+            <a:lumOff val="-11544"/>
             <a:alphaOff val="0"/>
           </a:schemeClr>
         </a:solidFill>
@@ -3403,12 +3929,12 @@
         </a:fontRef>
       </dsp:style>
       <dsp:txBody>
-        <a:bodyPr spcFirstLastPara="0" vert="horz" wrap="square" lIns="83820" tIns="83820" rIns="83820" bIns="83820" numCol="1" spcCol="1270" anchor="ctr" anchorCtr="0">
+        <a:bodyPr spcFirstLastPara="0" vert="horz" wrap="square" lIns="72390" tIns="72390" rIns="72390" bIns="72390" numCol="1" spcCol="1270" anchor="ctr" anchorCtr="0">
           <a:noAutofit/>
         </a:bodyPr>
         <a:lstStyle/>
         <a:p>
-          <a:pPr marL="0" lvl="0" indent="0" algn="ctr" defTabSz="977900">
+          <a:pPr lvl="0" algn="ctr" defTabSz="844550">
             <a:lnSpc>
               <a:spcPct val="90000"/>
             </a:lnSpc>
@@ -3418,28 +3944,103 @@
             <a:spcAft>
               <a:spcPct val="35000"/>
             </a:spcAft>
-            <a:buNone/>
           </a:pPr>
           <a:r>
-            <a:rPr lang="en-US" sz="2200" kern="1200" dirty="0"/>
-            <a:t>Profile page (name and bio)</a:t>
+            <a:rPr lang="en-US" sz="1900" kern="1200"/>
+            <a:t>Settings page </a:t>
           </a:r>
         </a:p>
       </dsp:txBody>
       <dsp:txXfrm>
-        <a:off x="238322" y="1258027"/>
-        <a:ext cx="1796741" cy="1078044"/>
+        <a:off x="1242" y="1327362"/>
+        <a:ext cx="1565625" cy="939375"/>
       </dsp:txXfrm>
     </dsp:sp>
-    <dsp:sp modelId="{87505D9B-FB99-4C9F-A1CB-5FFBDDBFE589}">
+    <dsp:sp modelId="{E875863E-5C66-47F5-9A02-8D09F1459740}">
       <dsp:nvSpPr>
         <dsp:cNvPr id="0" name=""/>
         <dsp:cNvSpPr/>
       </dsp:nvSpPr>
       <dsp:spPr>
         <a:xfrm>
-          <a:off x="2214738" y="1258027"/>
-          <a:ext cx="1796741" cy="1078044"/>
+          <a:off x="1723430" y="1327362"/>
+          <a:ext cx="1565625" cy="939375"/>
+        </a:xfrm>
+        <a:prstGeom prst="rect">
+          <a:avLst/>
+        </a:prstGeom>
+        <a:solidFill>
+          <a:schemeClr val="accent2">
+            <a:hueOff val="-339"/>
+            <a:satOff val="-39"/>
+            <a:lumOff val="-13468"/>
+            <a:alphaOff val="0"/>
+          </a:schemeClr>
+        </a:solidFill>
+        <a:ln w="50800" cap="flat" cmpd="sng" algn="in">
+          <a:solidFill>
+            <a:schemeClr val="lt1">
+              <a:hueOff val="0"/>
+              <a:satOff val="0"/>
+              <a:lumOff val="0"/>
+              <a:alphaOff val="0"/>
+            </a:schemeClr>
+          </a:solidFill>
+          <a:prstDash val="solid"/>
+        </a:ln>
+        <a:effectLst/>
+      </dsp:spPr>
+      <dsp:style>
+        <a:lnRef idx="3">
+          <a:scrgbClr r="0" g="0" b="0"/>
+        </a:lnRef>
+        <a:fillRef idx="1">
+          <a:scrgbClr r="0" g="0" b="0"/>
+        </a:fillRef>
+        <a:effectRef idx="1">
+          <a:scrgbClr r="0" g="0" b="0"/>
+        </a:effectRef>
+        <a:fontRef idx="minor">
+          <a:schemeClr val="lt1"/>
+        </a:fontRef>
+      </dsp:style>
+      <dsp:txBody>
+        <a:bodyPr spcFirstLastPara="0" vert="horz" wrap="square" lIns="72390" tIns="72390" rIns="72390" bIns="72390" numCol="1" spcCol="1270" anchor="ctr" anchorCtr="0">
+          <a:noAutofit/>
+        </a:bodyPr>
+        <a:lstStyle/>
+        <a:p>
+          <a:pPr lvl="0" algn="ctr" defTabSz="844550">
+            <a:lnSpc>
+              <a:spcPct val="90000"/>
+            </a:lnSpc>
+            <a:spcBef>
+              <a:spcPct val="0"/>
+            </a:spcBef>
+            <a:spcAft>
+              <a:spcPct val="35000"/>
+            </a:spcAft>
+          </a:pPr>
+          <a:r>
+            <a:rPr lang="en-US" sz="1900" kern="1200" dirty="0"/>
+            <a:t>Add new dish</a:t>
+          </a:r>
+        </a:p>
+      </dsp:txBody>
+      <dsp:txXfrm>
+        <a:off x="1723430" y="1327362"/>
+        <a:ext cx="1565625" cy="939375"/>
+      </dsp:txXfrm>
+    </dsp:sp>
+    <dsp:sp modelId="{7843059E-BCF7-45F4-B578-65601AC84C15}">
+      <dsp:nvSpPr>
+        <dsp:cNvPr id="0" name=""/>
+        <dsp:cNvSpPr/>
+      </dsp:nvSpPr>
+      <dsp:spPr>
+        <a:xfrm>
+          <a:off x="3445618" y="1327362"/>
+          <a:ext cx="1565625" cy="939375"/>
         </a:xfrm>
         <a:prstGeom prst="rect">
           <a:avLst/>
@@ -3480,12 +4081,12 @@
         </a:fontRef>
       </dsp:style>
       <dsp:txBody>
-        <a:bodyPr spcFirstLastPara="0" vert="horz" wrap="square" lIns="83820" tIns="83820" rIns="83820" bIns="83820" numCol="1" spcCol="1270" anchor="ctr" anchorCtr="0">
+        <a:bodyPr spcFirstLastPara="0" vert="horz" wrap="square" lIns="72390" tIns="72390" rIns="72390" bIns="72390" numCol="1" spcCol="1270" anchor="ctr" anchorCtr="0">
           <a:noAutofit/>
         </a:bodyPr>
         <a:lstStyle/>
         <a:p>
-          <a:pPr marL="0" lvl="0" indent="0" algn="ctr" defTabSz="977900">
+          <a:pPr lvl="0" algn="ctr" defTabSz="844550">
             <a:lnSpc>
               <a:spcPct val="90000"/>
             </a:lnSpc>
@@ -3495,37 +4096,36 @@
             <a:spcAft>
               <a:spcPct val="35000"/>
             </a:spcAft>
-            <a:buNone/>
           </a:pPr>
           <a:r>
-            <a:rPr lang="en-US" sz="2200" kern="1200"/>
-            <a:t>Settings page </a:t>
+            <a:rPr lang="en-US" sz="1900" kern="1200" dirty="0"/>
+            <a:t> dish page </a:t>
           </a:r>
         </a:p>
       </dsp:txBody>
       <dsp:txXfrm>
-        <a:off x="2214738" y="1258027"/>
-        <a:ext cx="1796741" cy="1078044"/>
+        <a:off x="3445618" y="1327362"/>
+        <a:ext cx="1565625" cy="939375"/>
       </dsp:txXfrm>
     </dsp:sp>
-    <dsp:sp modelId="{E875863E-5C66-47F5-9A02-8D09F1459740}">
+    <dsp:sp modelId="{20A3FC3D-582E-664A-8795-17F2A0D71974}">
       <dsp:nvSpPr>
         <dsp:cNvPr id="0" name=""/>
         <dsp:cNvSpPr/>
       </dsp:nvSpPr>
       <dsp:spPr>
         <a:xfrm>
-          <a:off x="4191154" y="1258027"/>
-          <a:ext cx="1796741" cy="1078044"/>
+          <a:off x="5167806" y="1327362"/>
+          <a:ext cx="1565625" cy="939375"/>
         </a:xfrm>
         <a:prstGeom prst="rect">
           <a:avLst/>
         </a:prstGeom>
         <a:solidFill>
           <a:schemeClr val="accent2">
-            <a:hueOff val="-452"/>
-            <a:satOff val="-52"/>
-            <a:lumOff val="-17958"/>
+            <a:hueOff val="-435"/>
+            <a:satOff val="-50"/>
+            <a:lumOff val="-17317"/>
             <a:alphaOff val="0"/>
           </a:schemeClr>
         </a:solidFill>
@@ -3557,12 +4157,12 @@
         </a:fontRef>
       </dsp:style>
       <dsp:txBody>
-        <a:bodyPr spcFirstLastPara="0" vert="horz" wrap="square" lIns="83820" tIns="83820" rIns="83820" bIns="83820" numCol="1" spcCol="1270" anchor="ctr" anchorCtr="0">
+        <a:bodyPr spcFirstLastPara="0" vert="horz" wrap="square" lIns="72390" tIns="72390" rIns="72390" bIns="72390" numCol="1" spcCol="1270" anchor="ctr" anchorCtr="0">
           <a:noAutofit/>
         </a:bodyPr>
         <a:lstStyle/>
         <a:p>
-          <a:pPr marL="0" lvl="0" indent="0" algn="ctr" defTabSz="977900">
+          <a:pPr lvl="0" algn="ctr" defTabSz="844550">
             <a:lnSpc>
               <a:spcPct val="90000"/>
             </a:lnSpc>
@@ -3572,37 +4172,41 @@
             <a:spcAft>
               <a:spcPct val="35000"/>
             </a:spcAft>
-            <a:buNone/>
           </a:pPr>
           <a:r>
-            <a:rPr lang="en-US" sz="2200" kern="1200" dirty="0"/>
-            <a:t>Add new dish</a:t>
+            <a:rPr lang="en-US" sz="1900" kern="1200" dirty="0"/>
+            <a:t> </a:t>
           </a:r>
+          <a:r>
+            <a:rPr lang="en-US" sz="1900" kern="1200" dirty="0" smtClean="0"/>
+            <a:t>rate dish</a:t>
+          </a:r>
+          <a:endParaRPr lang="en-US" sz="1900" kern="1200" dirty="0"/>
         </a:p>
       </dsp:txBody>
       <dsp:txXfrm>
-        <a:off x="4191154" y="1258027"/>
-        <a:ext cx="1796741" cy="1078044"/>
+        <a:off x="5167806" y="1327362"/>
+        <a:ext cx="1565625" cy="939375"/>
       </dsp:txXfrm>
     </dsp:sp>
-    <dsp:sp modelId="{7843059E-BCF7-45F4-B578-65601AC84C15}">
+    <dsp:sp modelId="{9BB7B88E-19CE-DA42-8A2D-D71013D1507D}">
       <dsp:nvSpPr>
         <dsp:cNvPr id="0" name=""/>
         <dsp:cNvSpPr/>
       </dsp:nvSpPr>
       <dsp:spPr>
         <a:xfrm>
-          <a:off x="6167569" y="1258027"/>
-          <a:ext cx="1796741" cy="1078044"/>
+          <a:off x="6889994" y="1327362"/>
+          <a:ext cx="1565625" cy="939375"/>
         </a:xfrm>
         <a:prstGeom prst="rect">
           <a:avLst/>
         </a:prstGeom>
         <a:solidFill>
           <a:schemeClr val="accent2">
-            <a:hueOff val="-516"/>
-            <a:satOff val="-59"/>
-            <a:lumOff val="-20523"/>
+            <a:hueOff val="-484"/>
+            <a:satOff val="-56"/>
+            <a:lumOff val="-19241"/>
             <a:alphaOff val="0"/>
           </a:schemeClr>
         </a:solidFill>
@@ -3634,12 +4238,12 @@
         </a:fontRef>
       </dsp:style>
       <dsp:txBody>
-        <a:bodyPr spcFirstLastPara="0" vert="horz" wrap="square" lIns="83820" tIns="83820" rIns="83820" bIns="83820" numCol="1" spcCol="1270" anchor="ctr" anchorCtr="0">
+        <a:bodyPr spcFirstLastPara="0" vert="horz" wrap="square" lIns="72390" tIns="72390" rIns="72390" bIns="72390" numCol="1" spcCol="1270" anchor="ctr" anchorCtr="0">
           <a:noAutofit/>
         </a:bodyPr>
         <a:lstStyle/>
         <a:p>
-          <a:pPr marL="0" lvl="0" indent="0" algn="ctr" defTabSz="977900">
+          <a:pPr lvl="0" algn="ctr" defTabSz="844550">
             <a:lnSpc>
               <a:spcPct val="90000"/>
             </a:lnSpc>
@@ -3649,28 +4253,105 @@
             <a:spcAft>
               <a:spcPct val="35000"/>
             </a:spcAft>
-            <a:buNone/>
           </a:pPr>
           <a:r>
-            <a:rPr lang="en-US" sz="2200" kern="1200" dirty="0"/>
-            <a:t> dish page </a:t>
+            <a:rPr lang="en-US" sz="1900" kern="1200" dirty="0" smtClean="0"/>
+            <a:t>Update average ratings </a:t>
           </a:r>
+          <a:endParaRPr lang="en-US" sz="1900" kern="1200" dirty="0"/>
         </a:p>
       </dsp:txBody>
       <dsp:txXfrm>
-        <a:off x="6167569" y="1258027"/>
-        <a:ext cx="1796741" cy="1078044"/>
+        <a:off x="6889994" y="1327362"/>
+        <a:ext cx="1565625" cy="939375"/>
       </dsp:txXfrm>
     </dsp:sp>
-    <dsp:sp modelId="{71D7D387-6645-4FFF-8203-40963EE90B98}">
+    <dsp:sp modelId="{5D0BD370-B6C2-C64C-A781-46E06E6A032F}">
       <dsp:nvSpPr>
         <dsp:cNvPr id="0" name=""/>
         <dsp:cNvSpPr/>
       </dsp:nvSpPr>
       <dsp:spPr>
         <a:xfrm>
-          <a:off x="8143985" y="1258027"/>
-          <a:ext cx="1796741" cy="1078044"/>
+          <a:off x="8612182" y="1327362"/>
+          <a:ext cx="1565625" cy="939375"/>
+        </a:xfrm>
+        <a:prstGeom prst="rect">
+          <a:avLst/>
+        </a:prstGeom>
+        <a:solidFill>
+          <a:schemeClr val="accent2">
+            <a:hueOff val="-532"/>
+            <a:satOff val="-61"/>
+            <a:lumOff val="-21165"/>
+            <a:alphaOff val="0"/>
+          </a:schemeClr>
+        </a:solidFill>
+        <a:ln w="50800" cap="flat" cmpd="sng" algn="in">
+          <a:solidFill>
+            <a:schemeClr val="lt1">
+              <a:hueOff val="0"/>
+              <a:satOff val="0"/>
+              <a:lumOff val="0"/>
+              <a:alphaOff val="0"/>
+            </a:schemeClr>
+          </a:solidFill>
+          <a:prstDash val="solid"/>
+        </a:ln>
+        <a:effectLst/>
+      </dsp:spPr>
+      <dsp:style>
+        <a:lnRef idx="3">
+          <a:scrgbClr r="0" g="0" b="0"/>
+        </a:lnRef>
+        <a:fillRef idx="1">
+          <a:scrgbClr r="0" g="0" b="0"/>
+        </a:fillRef>
+        <a:effectRef idx="1">
+          <a:scrgbClr r="0" g="0" b="0"/>
+        </a:effectRef>
+        <a:fontRef idx="minor">
+          <a:schemeClr val="lt1"/>
+        </a:fontRef>
+      </dsp:style>
+      <dsp:txBody>
+        <a:bodyPr spcFirstLastPara="0" vert="horz" wrap="square" lIns="72390" tIns="72390" rIns="72390" bIns="72390" numCol="1" spcCol="1270" anchor="ctr" anchorCtr="0">
+          <a:noAutofit/>
+        </a:bodyPr>
+        <a:lstStyle/>
+        <a:p>
+          <a:pPr lvl="0" algn="ctr" defTabSz="844550">
+            <a:lnSpc>
+              <a:spcPct val="90000"/>
+            </a:lnSpc>
+            <a:spcBef>
+              <a:spcPct val="0"/>
+            </a:spcBef>
+            <a:spcAft>
+              <a:spcPct val="35000"/>
+            </a:spcAft>
+          </a:pPr>
+          <a:r>
+            <a:rPr lang="en-US" sz="1900" kern="1200" dirty="0" smtClean="0"/>
+            <a:t>Update number of raters </a:t>
+          </a:r>
+          <a:endParaRPr lang="en-US" sz="1900" kern="1200" dirty="0"/>
+        </a:p>
+      </dsp:txBody>
+      <dsp:txXfrm>
+        <a:off x="8612182" y="1327362"/>
+        <a:ext cx="1565625" cy="939375"/>
+      </dsp:txXfrm>
+    </dsp:sp>
+    <dsp:sp modelId="{9575A828-F6CB-5347-A286-A7E4878A2B34}">
+      <dsp:nvSpPr>
+        <dsp:cNvPr id="0" name=""/>
+        <dsp:cNvSpPr/>
+      </dsp:nvSpPr>
+      <dsp:spPr>
+        <a:xfrm>
+          <a:off x="862336" y="2423300"/>
+          <a:ext cx="1565625" cy="939375"/>
         </a:xfrm>
         <a:prstGeom prst="rect">
           <a:avLst/>
@@ -3711,12 +4392,12 @@
         </a:fontRef>
       </dsp:style>
       <dsp:txBody>
-        <a:bodyPr spcFirstLastPara="0" vert="horz" wrap="square" lIns="83820" tIns="83820" rIns="83820" bIns="83820" numCol="1" spcCol="1270" anchor="ctr" anchorCtr="0">
+        <a:bodyPr spcFirstLastPara="0" vert="horz" wrap="square" lIns="72390" tIns="72390" rIns="72390" bIns="72390" numCol="1" spcCol="1270" anchor="ctr" anchorCtr="0">
           <a:noAutofit/>
         </a:bodyPr>
         <a:lstStyle/>
         <a:p>
-          <a:pPr marL="0" lvl="0" indent="0" algn="ctr" defTabSz="977900">
+          <a:pPr lvl="0" algn="ctr" defTabSz="844550">
             <a:lnSpc>
               <a:spcPct val="90000"/>
             </a:lnSpc>
@@ -3726,37 +4407,41 @@
             <a:spcAft>
               <a:spcPct val="35000"/>
             </a:spcAft>
-            <a:buNone/>
           </a:pPr>
           <a:r>
-            <a:rPr lang="en-US" sz="2200" kern="1200" dirty="0"/>
-            <a:t>Shops page </a:t>
+            <a:rPr lang="en-US" sz="1900" kern="1200" dirty="0"/>
+            <a:t> </a:t>
           </a:r>
+          <a:r>
+            <a:rPr lang="en-US" sz="1900" kern="1200" dirty="0" smtClean="0"/>
+            <a:t>like dish</a:t>
+          </a:r>
+          <a:endParaRPr lang="en-US" sz="1900" kern="1200" dirty="0"/>
         </a:p>
       </dsp:txBody>
       <dsp:txXfrm>
-        <a:off x="8143985" y="1258027"/>
-        <a:ext cx="1796741" cy="1078044"/>
+        <a:off x="862336" y="2423300"/>
+        <a:ext cx="1565625" cy="939375"/>
       </dsp:txXfrm>
     </dsp:sp>
-    <dsp:sp modelId="{C0939774-B50A-4E11-AC98-9F1BF4E8D7B3}">
+    <dsp:sp modelId="{71D7D387-6645-4FFF-8203-40963EE90B98}">
       <dsp:nvSpPr>
         <dsp:cNvPr id="0" name=""/>
         <dsp:cNvSpPr/>
       </dsp:nvSpPr>
       <dsp:spPr>
         <a:xfrm>
-          <a:off x="2214738" y="2515746"/>
-          <a:ext cx="1796741" cy="1078044"/>
+          <a:off x="2584524" y="2423300"/>
+          <a:ext cx="1565625" cy="939375"/>
         </a:xfrm>
         <a:prstGeom prst="rect">
           <a:avLst/>
         </a:prstGeom>
         <a:solidFill>
           <a:schemeClr val="accent2">
-            <a:hueOff val="-645"/>
-            <a:satOff val="-74"/>
-            <a:lumOff val="-25654"/>
+            <a:hueOff val="-629"/>
+            <a:satOff val="-72"/>
+            <a:lumOff val="-25013"/>
             <a:alphaOff val="0"/>
           </a:schemeClr>
         </a:solidFill>
@@ -3788,12 +4473,12 @@
         </a:fontRef>
       </dsp:style>
       <dsp:txBody>
-        <a:bodyPr spcFirstLastPara="0" vert="horz" wrap="square" lIns="83820" tIns="83820" rIns="83820" bIns="83820" numCol="1" spcCol="1270" anchor="ctr" anchorCtr="0">
+        <a:bodyPr spcFirstLastPara="0" vert="horz" wrap="square" lIns="72390" tIns="72390" rIns="72390" bIns="72390" numCol="1" spcCol="1270" anchor="ctr" anchorCtr="0">
           <a:noAutofit/>
         </a:bodyPr>
         <a:lstStyle/>
         <a:p>
-          <a:pPr marL="0" lvl="0" indent="0" algn="ctr" defTabSz="977900">
+          <a:pPr lvl="0" algn="ctr" defTabSz="844550">
             <a:lnSpc>
               <a:spcPct val="90000"/>
             </a:lnSpc>
@@ -3803,37 +4488,36 @@
             <a:spcAft>
               <a:spcPct val="35000"/>
             </a:spcAft>
-            <a:buNone/>
           </a:pPr>
           <a:r>
-            <a:rPr lang="en-US" sz="2200" kern="1200" dirty="0"/>
-            <a:t>Shop page </a:t>
+            <a:rPr lang="en-US" sz="1900" kern="1200" dirty="0"/>
+            <a:t>Shops page </a:t>
           </a:r>
         </a:p>
       </dsp:txBody>
       <dsp:txXfrm>
-        <a:off x="2214738" y="2515746"/>
-        <a:ext cx="1796741" cy="1078044"/>
+        <a:off x="2584524" y="2423300"/>
+        <a:ext cx="1565625" cy="939375"/>
       </dsp:txXfrm>
     </dsp:sp>
-    <dsp:sp modelId="{887A92B0-3B07-4217-9C68-EB1E87976F03}">
+    <dsp:sp modelId="{C0939774-B50A-4E11-AC98-9F1BF4E8D7B3}">
       <dsp:nvSpPr>
         <dsp:cNvPr id="0" name=""/>
         <dsp:cNvSpPr/>
       </dsp:nvSpPr>
       <dsp:spPr>
         <a:xfrm>
-          <a:off x="4191154" y="2515746"/>
-          <a:ext cx="1796741" cy="1078044"/>
+          <a:off x="4306712" y="2423300"/>
+          <a:ext cx="1565625" cy="939375"/>
         </a:xfrm>
         <a:prstGeom prst="rect">
           <a:avLst/>
         </a:prstGeom>
         <a:solidFill>
           <a:schemeClr val="accent2">
-            <a:hueOff val="-710"/>
-            <a:satOff val="-82"/>
-            <a:lumOff val="-28220"/>
+            <a:hueOff val="-677"/>
+            <a:satOff val="-78"/>
+            <a:lumOff val="-26937"/>
             <a:alphaOff val="0"/>
           </a:schemeClr>
         </a:solidFill>
@@ -3865,12 +4549,12 @@
         </a:fontRef>
       </dsp:style>
       <dsp:txBody>
-        <a:bodyPr spcFirstLastPara="0" vert="horz" wrap="square" lIns="83820" tIns="83820" rIns="83820" bIns="83820" numCol="1" spcCol="1270" anchor="ctr" anchorCtr="0">
+        <a:bodyPr spcFirstLastPara="0" vert="horz" wrap="square" lIns="72390" tIns="72390" rIns="72390" bIns="72390" numCol="1" spcCol="1270" anchor="ctr" anchorCtr="0">
           <a:noAutofit/>
         </a:bodyPr>
         <a:lstStyle/>
         <a:p>
-          <a:pPr marL="0" lvl="0" indent="0" algn="ctr" defTabSz="977900">
+          <a:pPr lvl="0" algn="ctr" defTabSz="844550">
             <a:lnSpc>
               <a:spcPct val="90000"/>
             </a:lnSpc>
@@ -3880,17 +4564,92 @@
             <a:spcAft>
               <a:spcPct val="35000"/>
             </a:spcAft>
-            <a:buNone/>
           </a:pPr>
           <a:r>
-            <a:rPr lang="en-US" sz="2200" kern="1200" dirty="0"/>
+            <a:rPr lang="en-US" sz="1900" kern="1200" dirty="0"/>
+            <a:t>Shop page </a:t>
+          </a:r>
+        </a:p>
+      </dsp:txBody>
+      <dsp:txXfrm>
+        <a:off x="4306712" y="2423300"/>
+        <a:ext cx="1565625" cy="939375"/>
+      </dsp:txXfrm>
+    </dsp:sp>
+    <dsp:sp modelId="{887A92B0-3B07-4217-9C68-EB1E87976F03}">
+      <dsp:nvSpPr>
+        <dsp:cNvPr id="0" name=""/>
+        <dsp:cNvSpPr/>
+      </dsp:nvSpPr>
+      <dsp:spPr>
+        <a:xfrm>
+          <a:off x="6028900" y="2423300"/>
+          <a:ext cx="1565625" cy="939375"/>
+        </a:xfrm>
+        <a:prstGeom prst="rect">
+          <a:avLst/>
+        </a:prstGeom>
+        <a:solidFill>
+          <a:schemeClr val="accent2">
+            <a:hueOff val="-726"/>
+            <a:satOff val="-83"/>
+            <a:lumOff val="-28861"/>
+            <a:alphaOff val="0"/>
+          </a:schemeClr>
+        </a:solidFill>
+        <a:ln w="50800" cap="flat" cmpd="sng" algn="in">
+          <a:solidFill>
+            <a:schemeClr val="lt1">
+              <a:hueOff val="0"/>
+              <a:satOff val="0"/>
+              <a:lumOff val="0"/>
+              <a:alphaOff val="0"/>
+            </a:schemeClr>
+          </a:solidFill>
+          <a:prstDash val="solid"/>
+        </a:ln>
+        <a:effectLst/>
+      </dsp:spPr>
+      <dsp:style>
+        <a:lnRef idx="3">
+          <a:scrgbClr r="0" g="0" b="0"/>
+        </a:lnRef>
+        <a:fillRef idx="1">
+          <a:scrgbClr r="0" g="0" b="0"/>
+        </a:fillRef>
+        <a:effectRef idx="1">
+          <a:scrgbClr r="0" g="0" b="0"/>
+        </a:effectRef>
+        <a:fontRef idx="minor">
+          <a:schemeClr val="lt1"/>
+        </a:fontRef>
+      </dsp:style>
+      <dsp:txBody>
+        <a:bodyPr spcFirstLastPara="0" vert="horz" wrap="square" lIns="72390" tIns="72390" rIns="72390" bIns="72390" numCol="1" spcCol="1270" anchor="ctr" anchorCtr="0">
+          <a:noAutofit/>
+        </a:bodyPr>
+        <a:lstStyle/>
+        <a:p>
+          <a:pPr lvl="0" algn="ctr" defTabSz="844550">
+            <a:lnSpc>
+              <a:spcPct val="90000"/>
+            </a:lnSpc>
+            <a:spcBef>
+              <a:spcPct val="0"/>
+            </a:spcBef>
+            <a:spcAft>
+              <a:spcPct val="35000"/>
+            </a:spcAft>
+          </a:pPr>
+          <a:r>
+            <a:rPr lang="en-US" sz="1900" kern="1200" dirty="0"/>
             <a:t>List of user tips </a:t>
           </a:r>
         </a:p>
       </dsp:txBody>
       <dsp:txXfrm>
-        <a:off x="4191154" y="2515746"/>
-        <a:ext cx="1796741" cy="1078044"/>
+        <a:off x="6028900" y="2423300"/>
+        <a:ext cx="1565625" cy="939375"/>
       </dsp:txXfrm>
     </dsp:sp>
     <dsp:sp modelId="{B7D51C12-D406-40C3-B188-97D6C4C03636}">
@@ -3900,8 +4659,8 @@
       </dsp:nvSpPr>
       <dsp:spPr>
         <a:xfrm>
-          <a:off x="6167569" y="2515746"/>
-          <a:ext cx="1796741" cy="1078044"/>
+          <a:off x="7751088" y="2423300"/>
+          <a:ext cx="1565625" cy="939375"/>
         </a:xfrm>
         <a:prstGeom prst="rect">
           <a:avLst/>
@@ -3942,12 +4701,12 @@
         </a:fontRef>
       </dsp:style>
       <dsp:txBody>
-        <a:bodyPr spcFirstLastPara="0" vert="horz" wrap="square" lIns="83820" tIns="83820" rIns="83820" bIns="83820" numCol="1" spcCol="1270" anchor="ctr" anchorCtr="0">
+        <a:bodyPr spcFirstLastPara="0" vert="horz" wrap="square" lIns="72390" tIns="72390" rIns="72390" bIns="72390" numCol="1" spcCol="1270" anchor="ctr" anchorCtr="0">
           <a:noAutofit/>
         </a:bodyPr>
         <a:lstStyle/>
         <a:p>
-          <a:pPr marL="0" lvl="0" indent="0" algn="ctr" defTabSz="977900">
+          <a:pPr lvl="0" algn="ctr" defTabSz="844550">
             <a:lnSpc>
               <a:spcPct val="90000"/>
             </a:lnSpc>
@@ -3957,17 +4716,16 @@
             <a:spcAft>
               <a:spcPct val="35000"/>
             </a:spcAft>
-            <a:buNone/>
           </a:pPr>
           <a:r>
-            <a:rPr lang="en-US" sz="2200" kern="1200" dirty="0"/>
+            <a:rPr lang="en-US" sz="1900" kern="1200" dirty="0"/>
             <a:t>List of user added dishes </a:t>
           </a:r>
         </a:p>
       </dsp:txBody>
       <dsp:txXfrm>
-        <a:off x="6167569" y="2515746"/>
-        <a:ext cx="1796741" cy="1078044"/>
+        <a:off x="7751088" y="2423300"/>
+        <a:ext cx="1565625" cy="939375"/>
       </dsp:txXfrm>
     </dsp:sp>
   </dsp:spTree>
@@ -4036,7 +4794,7 @@
         </a:bodyPr>
         <a:lstStyle/>
         <a:p>
-          <a:pPr marL="0" lvl="0" indent="0" algn="ctr" defTabSz="1111250">
+          <a:pPr lvl="0" algn="ctr" defTabSz="1111250">
             <a:lnSpc>
               <a:spcPct val="90000"/>
             </a:lnSpc>
@@ -4046,7 +4804,6 @@
             <a:spcAft>
               <a:spcPct val="35000"/>
             </a:spcAft>
-            <a:buNone/>
           </a:pPr>
           <a:r>
             <a:rPr lang="en-US" sz="2500" kern="1200" dirty="0"/>
@@ -4113,7 +4870,7 @@
         </a:bodyPr>
         <a:lstStyle/>
         <a:p>
-          <a:pPr marL="0" lvl="0" indent="0" algn="ctr" defTabSz="1111250">
+          <a:pPr lvl="0" algn="ctr" defTabSz="1111250">
             <a:lnSpc>
               <a:spcPct val="90000"/>
             </a:lnSpc>
@@ -4123,7 +4880,6 @@
             <a:spcAft>
               <a:spcPct val="35000"/>
             </a:spcAft>
-            <a:buNone/>
           </a:pPr>
           <a:r>
             <a:rPr lang="en-US" sz="2500" kern="1200" dirty="0"/>
@@ -4190,7 +4946,7 @@
         </a:bodyPr>
         <a:lstStyle/>
         <a:p>
-          <a:pPr marL="0" lvl="0" indent="0" algn="ctr" defTabSz="1111250">
+          <a:pPr lvl="0" algn="ctr" defTabSz="1111250">
             <a:lnSpc>
               <a:spcPct val="90000"/>
             </a:lnSpc>
@@ -4200,7 +4956,6 @@
             <a:spcAft>
               <a:spcPct val="35000"/>
             </a:spcAft>
-            <a:buNone/>
           </a:pPr>
           <a:r>
             <a:rPr lang="en-US" sz="2500" kern="1200" dirty="0"/>
@@ -4267,7 +5022,7 @@
         </a:bodyPr>
         <a:lstStyle/>
         <a:p>
-          <a:pPr marL="0" lvl="0" indent="0" algn="ctr" defTabSz="1111250">
+          <a:pPr lvl="0" algn="ctr" defTabSz="1111250">
             <a:lnSpc>
               <a:spcPct val="90000"/>
             </a:lnSpc>
@@ -4277,7 +5032,6 @@
             <a:spcAft>
               <a:spcPct val="35000"/>
             </a:spcAft>
-            <a:buNone/>
           </a:pPr>
           <a:r>
             <a:rPr lang="en-US" sz="2500" kern="1200" dirty="0"/>
@@ -4344,7 +5098,7 @@
         </a:bodyPr>
         <a:lstStyle/>
         <a:p>
-          <a:pPr marL="0" lvl="0" indent="0" algn="ctr" defTabSz="1111250">
+          <a:pPr lvl="0" algn="ctr" defTabSz="1111250">
             <a:lnSpc>
               <a:spcPct val="90000"/>
             </a:lnSpc>
@@ -4354,7 +5108,6 @@
             <a:spcAft>
               <a:spcPct val="35000"/>
             </a:spcAft>
-            <a:buNone/>
           </a:pPr>
           <a:r>
             <a:rPr lang="en-US" sz="2500" kern="1200" dirty="0"/>
@@ -4421,7 +5174,7 @@
         </a:bodyPr>
         <a:lstStyle/>
         <a:p>
-          <a:pPr marL="0" lvl="0" indent="0" algn="ctr" defTabSz="1111250">
+          <a:pPr lvl="0" algn="ctr" defTabSz="1111250">
             <a:lnSpc>
               <a:spcPct val="90000"/>
             </a:lnSpc>
@@ -4431,7 +5184,6 @@
             <a:spcAft>
               <a:spcPct val="35000"/>
             </a:spcAft>
-            <a:buNone/>
           </a:pPr>
           <a:r>
             <a:rPr lang="en-US" sz="2500" kern="1200" dirty="0"/>
@@ -4458,12 +5210,7 @@
           <a:avLst/>
         </a:prstGeom>
         <a:solidFill>
-          <a:schemeClr val="accent2">
-            <a:hueOff val="-516"/>
-            <a:satOff val="-59"/>
-            <a:lumOff val="-20523"/>
-            <a:alphaOff val="0"/>
-          </a:schemeClr>
+          <a:srgbClr val="FFFFFF"/>
         </a:solidFill>
         <a:ln w="50800" cap="flat" cmpd="sng" algn="in">
           <a:solidFill>
@@ -4498,7 +5245,7 @@
         </a:bodyPr>
         <a:lstStyle/>
         <a:p>
-          <a:pPr marL="0" lvl="0" indent="0" algn="ctr" defTabSz="1111250">
+          <a:pPr lvl="0" algn="ctr" defTabSz="1111250">
             <a:lnSpc>
               <a:spcPct val="90000"/>
             </a:lnSpc>
@@ -4508,10 +5255,13 @@
             <a:spcAft>
               <a:spcPct val="35000"/>
             </a:spcAft>
-            <a:buNone/>
           </a:pPr>
           <a:r>
-            <a:rPr lang="en-US" sz="2500" kern="1200" dirty="0"/>
+            <a:rPr lang="en-US" sz="2500" kern="1200" dirty="0">
+              <a:solidFill>
+                <a:sysClr val="windowText" lastClr="000000"/>
+              </a:solidFill>
+            </a:rPr>
             <a:t>User current location </a:t>
           </a:r>
         </a:p>
@@ -4575,7 +5325,7 @@
         </a:bodyPr>
         <a:lstStyle/>
         <a:p>
-          <a:pPr marL="0" lvl="0" indent="0" algn="ctr" defTabSz="1111250">
+          <a:pPr lvl="0" algn="ctr" defTabSz="1111250">
             <a:lnSpc>
               <a:spcPct val="90000"/>
             </a:lnSpc>
@@ -4585,7 +5335,6 @@
             <a:spcAft>
               <a:spcPct val="35000"/>
             </a:spcAft>
-            <a:buNone/>
           </a:pPr>
           <a:r>
             <a:rPr lang="en-US" sz="2500" kern="1200" dirty="0"/>
@@ -4652,7 +5401,7 @@
         </a:bodyPr>
         <a:lstStyle/>
         <a:p>
-          <a:pPr marL="0" lvl="0" indent="0" algn="ctr" defTabSz="1111250">
+          <a:pPr lvl="0" algn="ctr" defTabSz="1111250">
             <a:lnSpc>
               <a:spcPct val="90000"/>
             </a:lnSpc>
@@ -4662,7 +5411,6 @@
             <a:spcAft>
               <a:spcPct val="35000"/>
             </a:spcAft>
-            <a:buNone/>
           </a:pPr>
           <a:r>
             <a:rPr lang="en-US" sz="2500" kern="1200" dirty="0"/>
@@ -4689,12 +5437,7 @@
           <a:avLst/>
         </a:prstGeom>
         <a:solidFill>
-          <a:schemeClr val="accent2">
-            <a:hueOff val="-774"/>
-            <a:satOff val="-89"/>
-            <a:lumOff val="-30785"/>
-            <a:alphaOff val="0"/>
-          </a:schemeClr>
+          <a:srgbClr val="604798"/>
         </a:solidFill>
         <a:ln w="50800" cap="flat" cmpd="sng" algn="in">
           <a:solidFill>
@@ -4729,7 +5472,7 @@
         </a:bodyPr>
         <a:lstStyle/>
         <a:p>
-          <a:pPr marL="0" lvl="0" indent="0" algn="ctr" defTabSz="1111250">
+          <a:pPr lvl="0" algn="ctr" defTabSz="1111250">
             <a:lnSpc>
               <a:spcPct val="90000"/>
             </a:lnSpc>
@@ -4739,8 +5482,11 @@
             <a:spcAft>
               <a:spcPct val="35000"/>
             </a:spcAft>
-            <a:buNone/>
           </a:pPr>
+          <a:r>
+            <a:rPr lang="en-US" sz="2500" kern="1200" dirty="0" smtClean="0"/>
+            <a:t>notifications</a:t>
+          </a:r>
           <a:endParaRPr lang="en-US" sz="2500" kern="1200" dirty="0"/>
         </a:p>
       </dsp:txBody>
@@ -7197,7 +7943,7 @@
           <a:p>
             <a:fld id="{4059DE56-531E-4AFF-8617-6FF691608954}" type="datetimeFigureOut">
               <a:rPr lang="en-US" smtClean="0"/>
-              <a:t>12/19/2017</a:t>
+              <a:t>12/19/17</a:t>
             </a:fld>
             <a:endParaRPr lang="en-US"/>
           </a:p>
@@ -7508,6 +8254,182 @@
           <a:bodyPr/>
           <a:lstStyle/>
           <a:p>
+            <a:endParaRPr lang="en-US" dirty="0"/>
+          </a:p>
+        </p:txBody>
+      </p:sp>
+      <p:sp>
+        <p:nvSpPr>
+          <p:cNvPr id="4" name="Slide Number Placeholder 3"/>
+          <p:cNvSpPr>
+            <a:spLocks noGrp="1"/>
+          </p:cNvSpPr>
+          <p:nvPr>
+            <p:ph type="sldNum" sz="quarter" idx="10"/>
+          </p:nvPr>
+        </p:nvSpPr>
+        <p:spPr/>
+        <p:txBody>
+          <a:bodyPr/>
+          <a:lstStyle/>
+          <a:p>
+            <a:fld id="{DE8AC3B9-6ED6-4F51-BA77-7081B072815D}" type="slidenum">
+              <a:rPr lang="en-US" smtClean="0"/>
+              <a:t>5</a:t>
+            </a:fld>
+            <a:endParaRPr lang="en-US"/>
+          </a:p>
+        </p:txBody>
+      </p:sp>
+    </p:spTree>
+    <p:extLst>
+      <p:ext uri="{BB962C8B-B14F-4D97-AF65-F5344CB8AC3E}">
+        <p14:creationId xmlns:p14="http://schemas.microsoft.com/office/powerpoint/2010/main" val="1970267150"/>
+      </p:ext>
+    </p:extLst>
+  </p:cSld>
+  <p:clrMapOvr>
+    <a:masterClrMapping/>
+  </p:clrMapOvr>
+</p:notes>
+</file>
+
+<file path=ppt/notesSlides/notesSlide2.xml><?xml version="1.0" encoding="utf-8"?>
+<p:notes xmlns:a="http://schemas.openxmlformats.org/drawingml/2006/main" xmlns:r="http://schemas.openxmlformats.org/officeDocument/2006/relationships" xmlns:p="http://schemas.openxmlformats.org/presentationml/2006/main">
+  <p:cSld>
+    <p:spTree>
+      <p:nvGrpSpPr>
+        <p:cNvPr id="1" name=""/>
+        <p:cNvGrpSpPr/>
+        <p:nvPr/>
+      </p:nvGrpSpPr>
+      <p:grpSpPr>
+        <a:xfrm>
+          <a:off x="0" y="0"/>
+          <a:ext cx="0" cy="0"/>
+          <a:chOff x="0" y="0"/>
+          <a:chExt cx="0" cy="0"/>
+        </a:xfrm>
+      </p:grpSpPr>
+      <p:sp>
+        <p:nvSpPr>
+          <p:cNvPr id="2" name="Slide Image Placeholder 1"/>
+          <p:cNvSpPr>
+            <a:spLocks noGrp="1" noRot="1" noChangeAspect="1"/>
+          </p:cNvSpPr>
+          <p:nvPr>
+            <p:ph type="sldImg"/>
+          </p:nvPr>
+        </p:nvSpPr>
+        <p:spPr/>
+      </p:sp>
+      <p:sp>
+        <p:nvSpPr>
+          <p:cNvPr id="3" name="Notes Placeholder 2"/>
+          <p:cNvSpPr>
+            <a:spLocks noGrp="1"/>
+          </p:cNvSpPr>
+          <p:nvPr>
+            <p:ph type="body" idx="1"/>
+          </p:nvPr>
+        </p:nvSpPr>
+        <p:spPr/>
+        <p:txBody>
+          <a:bodyPr/>
+          <a:lstStyle/>
+          <a:p>
+            <a:r>
+              <a:rPr lang="ar-SA" smtClean="0"/>
+              <a:t>ما</a:t>
+            </a:r>
+            <a:r>
+              <a:rPr lang="ar-SA" baseline="0" smtClean="0"/>
+              <a:t> خلصت </a:t>
+            </a:r>
+            <a:endParaRPr lang="en-US"/>
+          </a:p>
+        </p:txBody>
+      </p:sp>
+      <p:sp>
+        <p:nvSpPr>
+          <p:cNvPr id="4" name="Slide Number Placeholder 3"/>
+          <p:cNvSpPr>
+            <a:spLocks noGrp="1"/>
+          </p:cNvSpPr>
+          <p:nvPr>
+            <p:ph type="sldNum" sz="quarter" idx="10"/>
+          </p:nvPr>
+        </p:nvSpPr>
+        <p:spPr/>
+        <p:txBody>
+          <a:bodyPr/>
+          <a:lstStyle/>
+          <a:p>
+            <a:fld id="{DE8AC3B9-6ED6-4F51-BA77-7081B072815D}" type="slidenum">
+              <a:rPr lang="en-US" smtClean="0"/>
+              <a:t>8</a:t>
+            </a:fld>
+            <a:endParaRPr lang="en-US"/>
+          </a:p>
+        </p:txBody>
+      </p:sp>
+    </p:spTree>
+    <p:extLst>
+      <p:ext uri="{BB962C8B-B14F-4D97-AF65-F5344CB8AC3E}">
+        <p14:creationId xmlns:p14="http://schemas.microsoft.com/office/powerpoint/2010/main" val="526788705"/>
+      </p:ext>
+    </p:extLst>
+  </p:cSld>
+  <p:clrMapOvr>
+    <a:masterClrMapping/>
+  </p:clrMapOvr>
+</p:notes>
+</file>
+
+<file path=ppt/notesSlides/notesSlide3.xml><?xml version="1.0" encoding="utf-8"?>
+<p:notes xmlns:a="http://schemas.openxmlformats.org/drawingml/2006/main" xmlns:r="http://schemas.openxmlformats.org/officeDocument/2006/relationships" xmlns:p="http://schemas.openxmlformats.org/presentationml/2006/main">
+  <p:cSld>
+    <p:spTree>
+      <p:nvGrpSpPr>
+        <p:cNvPr id="1" name=""/>
+        <p:cNvGrpSpPr/>
+        <p:nvPr/>
+      </p:nvGrpSpPr>
+      <p:grpSpPr>
+        <a:xfrm>
+          <a:off x="0" y="0"/>
+          <a:ext cx="0" cy="0"/>
+          <a:chOff x="0" y="0"/>
+          <a:chExt cx="0" cy="0"/>
+        </a:xfrm>
+      </p:grpSpPr>
+      <p:sp>
+        <p:nvSpPr>
+          <p:cNvPr id="2" name="Slide Image Placeholder 1"/>
+          <p:cNvSpPr>
+            <a:spLocks noGrp="1" noRot="1" noChangeAspect="1"/>
+          </p:cNvSpPr>
+          <p:nvPr>
+            <p:ph type="sldImg"/>
+          </p:nvPr>
+        </p:nvSpPr>
+        <p:spPr/>
+      </p:sp>
+      <p:sp>
+        <p:nvSpPr>
+          <p:cNvPr id="3" name="Notes Placeholder 2"/>
+          <p:cNvSpPr>
+            <a:spLocks noGrp="1"/>
+          </p:cNvSpPr>
+          <p:nvPr>
+            <p:ph type="body" idx="1"/>
+          </p:nvPr>
+        </p:nvSpPr>
+        <p:spPr/>
+        <p:txBody>
+          <a:bodyPr/>
+          <a:lstStyle/>
+          <a:p>
             <a:r>
               <a:rPr lang="en-US" dirty="0"/>
               <a:t>1.</a:t>
@@ -8790,7 +9712,7 @@
             <a:fld id="{9334D819-9F07-4261-B09B-9E467E5D9002}" type="datetimeFigureOut">
               <a:rPr lang="en-US" dirty="0"/>
               <a:pPr/>
-              <a:t>12/19/2017</a:t>
+              <a:t>12/19/17</a:t>
             </a:fld>
             <a:endParaRPr lang="en-US" dirty="0"/>
           </a:p>
@@ -9024,7 +9946,7 @@
           <a:p>
             <a:fld id="{9334D819-9F07-4261-B09B-9E467E5D9002}" type="datetimeFigureOut">
               <a:rPr lang="en-US" dirty="0"/>
-              <a:t>12/19/2017</a:t>
+              <a:t>12/19/17</a:t>
             </a:fld>
             <a:endParaRPr lang="en-US" dirty="0"/>
           </a:p>
@@ -9199,7 +10121,7 @@
           <a:p>
             <a:fld id="{9334D819-9F07-4261-B09B-9E467E5D9002}" type="datetimeFigureOut">
               <a:rPr lang="en-US" dirty="0"/>
-              <a:t>12/19/2017</a:t>
+              <a:t>12/19/17</a:t>
             </a:fld>
             <a:endParaRPr lang="en-US" dirty="0"/>
           </a:p>
@@ -9364,7 +10286,7 @@
           <a:p>
             <a:fld id="{9334D819-9F07-4261-B09B-9E467E5D9002}" type="datetimeFigureOut">
               <a:rPr lang="en-US" dirty="0"/>
-              <a:t>12/19/2017</a:t>
+              <a:t>12/19/17</a:t>
             </a:fld>
             <a:endParaRPr lang="en-US" dirty="0"/>
           </a:p>
@@ -9636,7 +10558,7 @@
             <a:fld id="{9334D819-9F07-4261-B09B-9E467E5D9002}" type="datetimeFigureOut">
               <a:rPr lang="en-US" dirty="0"/>
               <a:pPr/>
-              <a:t>12/19/2017</a:t>
+              <a:t>12/19/17</a:t>
             </a:fld>
             <a:endParaRPr lang="en-US" dirty="0"/>
           </a:p>
@@ -10833,7 +11755,7 @@
           <a:p>
             <a:fld id="{9334D819-9F07-4261-B09B-9E467E5D9002}" type="datetimeFigureOut">
               <a:rPr lang="en-US" dirty="0"/>
-              <a:t>12/19/2017</a:t>
+              <a:t>12/19/17</a:t>
             </a:fld>
             <a:endParaRPr lang="en-US" dirty="0"/>
           </a:p>
@@ -11218,7 +12140,7 @@
           <a:p>
             <a:fld id="{9334D819-9F07-4261-B09B-9E467E5D9002}" type="datetimeFigureOut">
               <a:rPr lang="en-US" dirty="0"/>
-              <a:t>12/19/2017</a:t>
+              <a:t>12/19/17</a:t>
             </a:fld>
             <a:endParaRPr lang="en-US" dirty="0"/>
           </a:p>
@@ -11336,7 +12258,7 @@
           <a:p>
             <a:fld id="{9334D819-9F07-4261-B09B-9E467E5D9002}" type="datetimeFigureOut">
               <a:rPr lang="en-US" dirty="0"/>
-              <a:t>12/19/2017</a:t>
+              <a:t>12/19/17</a:t>
             </a:fld>
             <a:endParaRPr lang="en-US" dirty="0"/>
           </a:p>
@@ -11426,7 +12348,7 @@
           <a:p>
             <a:fld id="{9334D819-9F07-4261-B09B-9E467E5D9002}" type="datetimeFigureOut">
               <a:rPr lang="en-US" dirty="0"/>
-              <a:t>12/19/2017</a:t>
+              <a:t>12/19/17</a:t>
             </a:fld>
             <a:endParaRPr lang="en-US" dirty="0"/>
           </a:p>
@@ -12184,7 +13106,7 @@
           <a:p>
             <a:fld id="{9334D819-9F07-4261-B09B-9E467E5D9002}" type="datetimeFigureOut">
               <a:rPr lang="en-US" dirty="0"/>
-              <a:t>12/19/2017</a:t>
+              <a:t>12/19/17</a:t>
             </a:fld>
             <a:endParaRPr lang="en-US" dirty="0"/>
           </a:p>
@@ -13019,7 +13941,7 @@
           <a:p>
             <a:fld id="{9334D819-9F07-4261-B09B-9E467E5D9002}" type="datetimeFigureOut">
               <a:rPr lang="en-US" dirty="0"/>
-              <a:t>12/19/2017</a:t>
+              <a:t>12/19/17</a:t>
             </a:fld>
             <a:endParaRPr lang="en-US" dirty="0"/>
           </a:p>
@@ -13242,7 +14164,7 @@
             <a:fld id="{9334D819-9F07-4261-B09B-9E467E5D9002}" type="datetimeFigureOut">
               <a:rPr lang="en-US" dirty="0"/>
               <a:pPr/>
-              <a:t>12/19/2017</a:t>
+              <a:t>12/19/17</a:t>
             </a:fld>
             <a:endParaRPr lang="en-US" dirty="0"/>
           </a:p>
@@ -14242,7 +15164,7 @@
           <p:cNvPr id="2" name="Title 1">
             <a:extLst>
               <a:ext uri="{FF2B5EF4-FFF2-40B4-BE49-F238E27FC236}">
-                <a16:creationId xmlns:a16="http://schemas.microsoft.com/office/drawing/2014/main" id="{0E52C71E-D495-4B06-9663-B87220326D0D}"/>
+                <a16:creationId xmlns:a16="http://schemas.microsoft.com/office/drawing/2014/main" xmlns="" id="{0E52C71E-D495-4B06-9663-B87220326D0D}"/>
               </a:ext>
             </a:extLst>
           </p:cNvPr>
@@ -14270,7 +15192,7 @@
           <p:cNvPr id="3" name="Subtitle 2">
             <a:extLst>
               <a:ext uri="{FF2B5EF4-FFF2-40B4-BE49-F238E27FC236}">
-                <a16:creationId xmlns:a16="http://schemas.microsoft.com/office/drawing/2014/main" id="{8831B2C1-060E-4041-862C-29CA6B5265D3}"/>
+                <a16:creationId xmlns:a16="http://schemas.microsoft.com/office/drawing/2014/main" xmlns="" id="{8831B2C1-060E-4041-862C-29CA6B5265D3}"/>
               </a:ext>
             </a:extLst>
           </p:cNvPr>
@@ -14328,7 +15250,7 @@
           <p:cNvPr id="2" name="Title 1">
             <a:extLst>
               <a:ext uri="{FF2B5EF4-FFF2-40B4-BE49-F238E27FC236}">
-                <a16:creationId xmlns:a16="http://schemas.microsoft.com/office/drawing/2014/main" id="{269A0B15-D693-4459-AF1A-5C00C7406E29}"/>
+                <a16:creationId xmlns:a16="http://schemas.microsoft.com/office/drawing/2014/main" xmlns="" id="{269A0B15-D693-4459-AF1A-5C00C7406E29}"/>
               </a:ext>
             </a:extLst>
           </p:cNvPr>
@@ -14356,7 +15278,7 @@
           <p:cNvPr id="3" name="Subtitle 2">
             <a:extLst>
               <a:ext uri="{FF2B5EF4-FFF2-40B4-BE49-F238E27FC236}">
-                <a16:creationId xmlns:a16="http://schemas.microsoft.com/office/drawing/2014/main" id="{89781140-EE1A-423E-B26F-9FA9172BDC16}"/>
+                <a16:creationId xmlns:a16="http://schemas.microsoft.com/office/drawing/2014/main" xmlns="" id="{89781140-EE1A-423E-B26F-9FA9172BDC16}"/>
               </a:ext>
             </a:extLst>
           </p:cNvPr>
@@ -14414,7 +15336,7 @@
           <p:cNvPr id="2" name="Title 1">
             <a:extLst>
               <a:ext uri="{FF2B5EF4-FFF2-40B4-BE49-F238E27FC236}">
-                <a16:creationId xmlns:a16="http://schemas.microsoft.com/office/drawing/2014/main" id="{27865403-966F-4171-AFD2-4095C3936E6B}"/>
+                <a16:creationId xmlns:a16="http://schemas.microsoft.com/office/drawing/2014/main" xmlns="" id="{27865403-966F-4171-AFD2-4095C3936E6B}"/>
               </a:ext>
             </a:extLst>
           </p:cNvPr>
@@ -14449,7 +15371,7 @@
           <p:cNvPr id="3" name="Text Placeholder 2">
             <a:extLst>
               <a:ext uri="{FF2B5EF4-FFF2-40B4-BE49-F238E27FC236}">
-                <a16:creationId xmlns:a16="http://schemas.microsoft.com/office/drawing/2014/main" id="{95384BE1-ECA6-4759-9219-426C433BB524}"/>
+                <a16:creationId xmlns:a16="http://schemas.microsoft.com/office/drawing/2014/main" xmlns="" id="{95384BE1-ECA6-4759-9219-426C433BB524}"/>
               </a:ext>
             </a:extLst>
           </p:cNvPr>
@@ -14515,7 +15437,7 @@
           <p:cNvPr id="71" name="Freeform 6" title="Left scallop edge">
             <a:extLst>
               <a:ext uri="{FF2B5EF4-FFF2-40B4-BE49-F238E27FC236}">
-                <a16:creationId xmlns:a16="http://schemas.microsoft.com/office/drawing/2014/main" id="{841EFD0D-0D37-447B-B1EA-4F7197EB2911}"/>
+                <a16:creationId xmlns:a16="http://schemas.microsoft.com/office/drawing/2014/main" xmlns="" id="{841EFD0D-0D37-447B-B1EA-4F7197EB2911}"/>
               </a:ext>
             </a:extLst>
           </p:cNvPr>
@@ -14993,7 +15915,7 @@
           <p:cNvPr id="73" name="Rectangle 72" title="right edge border">
             <a:extLst>
               <a:ext uri="{FF2B5EF4-FFF2-40B4-BE49-F238E27FC236}">
-                <a16:creationId xmlns:a16="http://schemas.microsoft.com/office/drawing/2014/main" id="{5A6DFF24-307B-44B0-93F0-893676F1488A}"/>
+                <a16:creationId xmlns:a16="http://schemas.microsoft.com/office/drawing/2014/main" xmlns="" id="{5A6DFF24-307B-44B0-93F0-893676F1488A}"/>
               </a:ext>
             </a:extLst>
           </p:cNvPr>
@@ -15045,7 +15967,7 @@
           <p:cNvPr id="1026" name="Picture 2" descr="Image result for dysh app">
             <a:extLst>
               <a:ext uri="{FF2B5EF4-FFF2-40B4-BE49-F238E27FC236}">
-                <a16:creationId xmlns:a16="http://schemas.microsoft.com/office/drawing/2014/main" id="{316F83B2-6343-48D9-AE65-74CA7D8BA1E1}"/>
+                <a16:creationId xmlns:a16="http://schemas.microsoft.com/office/drawing/2014/main" xmlns="" id="{316F83B2-6343-48D9-AE65-74CA7D8BA1E1}"/>
               </a:ext>
             </a:extLst>
           </p:cNvPr>
@@ -15092,7 +16014,7 @@
           <p:cNvPr id="2" name="Title 1">
             <a:extLst>
               <a:ext uri="{FF2B5EF4-FFF2-40B4-BE49-F238E27FC236}">
-                <a16:creationId xmlns:a16="http://schemas.microsoft.com/office/drawing/2014/main" id="{4259A47C-5E27-4927-9AB7-7858CC6B6837}"/>
+                <a16:creationId xmlns:a16="http://schemas.microsoft.com/office/drawing/2014/main" xmlns="" id="{4259A47C-5E27-4927-9AB7-7858CC6B6837}"/>
               </a:ext>
             </a:extLst>
           </p:cNvPr>
@@ -15127,7 +16049,7 @@
           <p:cNvPr id="3" name="Vertical Text Placeholder 2">
             <a:extLst>
               <a:ext uri="{FF2B5EF4-FFF2-40B4-BE49-F238E27FC236}">
-                <a16:creationId xmlns:a16="http://schemas.microsoft.com/office/drawing/2014/main" id="{9F629151-CF71-41D0-859A-9BF538BE93B2}"/>
+                <a16:creationId xmlns:a16="http://schemas.microsoft.com/office/drawing/2014/main" xmlns="" id="{9F629151-CF71-41D0-859A-9BF538BE93B2}"/>
               </a:ext>
             </a:extLst>
           </p:cNvPr>
@@ -15675,7 +16597,7 @@
           <p:cNvPr id="2" name="Title 1">
             <a:extLst>
               <a:ext uri="{FF2B5EF4-FFF2-40B4-BE49-F238E27FC236}">
-                <a16:creationId xmlns:a16="http://schemas.microsoft.com/office/drawing/2014/main" id="{DEAB97D2-A703-4DF9-A135-61E99FBBAEE5}"/>
+                <a16:creationId xmlns:a16="http://schemas.microsoft.com/office/drawing/2014/main" xmlns="" id="{DEAB97D2-A703-4DF9-A135-61E99FBBAEE5}"/>
               </a:ext>
             </a:extLst>
           </p:cNvPr>
@@ -15712,7 +16634,7 @@
           <p:cNvPr id="3" name="Content Placeholder 2">
             <a:extLst>
               <a:ext uri="{FF2B5EF4-FFF2-40B4-BE49-F238E27FC236}">
-                <a16:creationId xmlns:a16="http://schemas.microsoft.com/office/drawing/2014/main" id="{E18A2BED-03F4-401A-8B62-B874394465E0}"/>
+                <a16:creationId xmlns:a16="http://schemas.microsoft.com/office/drawing/2014/main" xmlns="" id="{E18A2BED-03F4-401A-8B62-B874394465E0}"/>
               </a:ext>
             </a:extLst>
           </p:cNvPr>
@@ -16054,7 +16976,7 @@
           <p:cNvPr id="10" name="Freeform 6" title="Left scallop edge">
             <a:extLst>
               <a:ext uri="{FF2B5EF4-FFF2-40B4-BE49-F238E27FC236}">
-                <a16:creationId xmlns:a16="http://schemas.microsoft.com/office/drawing/2014/main" id="{D09F5552-39CF-49BE-9BA3-F2C2E97DD974}"/>
+                <a16:creationId xmlns:a16="http://schemas.microsoft.com/office/drawing/2014/main" xmlns="" id="{D09F5552-39CF-49BE-9BA3-F2C2E97DD974}"/>
               </a:ext>
             </a:extLst>
           </p:cNvPr>
@@ -16532,7 +17454,7 @@
           <p:cNvPr id="12" name="Rectangle 11" title="right edge border">
             <a:extLst>
               <a:ext uri="{FF2B5EF4-FFF2-40B4-BE49-F238E27FC236}">
-                <a16:creationId xmlns:a16="http://schemas.microsoft.com/office/drawing/2014/main" id="{6CCDD5D4-DC0E-4B2C-8B6B-FCAA00ECE04E}"/>
+                <a16:creationId xmlns:a16="http://schemas.microsoft.com/office/drawing/2014/main" xmlns="" id="{6CCDD5D4-DC0E-4B2C-8B6B-FCAA00ECE04E}"/>
               </a:ext>
             </a:extLst>
           </p:cNvPr>
@@ -16584,7 +17506,7 @@
           <p:cNvPr id="2" name="Title 1">
             <a:extLst>
               <a:ext uri="{FF2B5EF4-FFF2-40B4-BE49-F238E27FC236}">
-                <a16:creationId xmlns:a16="http://schemas.microsoft.com/office/drawing/2014/main" id="{CBFE0AFB-9382-4169-AED7-D90AAA1642C6}"/>
+                <a16:creationId xmlns:a16="http://schemas.microsoft.com/office/drawing/2014/main" xmlns="" id="{CBFE0AFB-9382-4169-AED7-D90AAA1642C6}"/>
               </a:ext>
             </a:extLst>
           </p:cNvPr>
@@ -16621,7 +17543,7 @@
           <p:nvPr>
             <p:extLst>
               <p:ext uri="{D42A27DB-BD31-4B8C-83A1-F6EECF244321}">
-                <p14:modId xmlns:p14="http://schemas.microsoft.com/office/powerpoint/2010/main" val="969225369"/>
+                <p14:modId xmlns:p14="http://schemas.microsoft.com/office/powerpoint/2010/main" val="326145763"/>
               </p:ext>
             </p:extLst>
           </p:nvPr>
@@ -16632,7 +17554,7 @@
         </p:xfrm>
         <a:graphic>
           <a:graphicData uri="http://schemas.openxmlformats.org/drawingml/2006/diagram">
-            <dgm:relIds xmlns:dgm="http://schemas.openxmlformats.org/drawingml/2006/diagram" xmlns:r="http://schemas.openxmlformats.org/officeDocument/2006/relationships" r:dm="rId2" r:lo="rId3" r:qs="rId4" r:cs="rId5"/>
+            <dgm:relIds xmlns:dgm="http://schemas.openxmlformats.org/drawingml/2006/diagram" xmlns:r="http://schemas.openxmlformats.org/officeDocument/2006/relationships" r:dm="rId3" r:lo="rId4" r:qs="rId5" r:cs="rId6"/>
           </a:graphicData>
         </a:graphic>
       </p:graphicFrame>
@@ -16671,7 +17593,7 @@
           <p:cNvPr id="2" name="Title 1">
             <a:extLst>
               <a:ext uri="{FF2B5EF4-FFF2-40B4-BE49-F238E27FC236}">
-                <a16:creationId xmlns:a16="http://schemas.microsoft.com/office/drawing/2014/main" id="{45B86E5E-D50E-4DD4-AFB9-7F48A70197BA}"/>
+                <a16:creationId xmlns:a16="http://schemas.microsoft.com/office/drawing/2014/main" xmlns="" id="{45B86E5E-D50E-4DD4-AFB9-7F48A70197BA}"/>
               </a:ext>
             </a:extLst>
           </p:cNvPr>
@@ -16730,7 +17652,7 @@
           <p:cNvPr id="2" name="Title 1">
             <a:extLst>
               <a:ext uri="{FF2B5EF4-FFF2-40B4-BE49-F238E27FC236}">
-                <a16:creationId xmlns:a16="http://schemas.microsoft.com/office/drawing/2014/main" id="{45B86E5E-D50E-4DD4-AFB9-7F48A70197BA}"/>
+                <a16:creationId xmlns:a16="http://schemas.microsoft.com/office/drawing/2014/main" xmlns="" id="{45B86E5E-D50E-4DD4-AFB9-7F48A70197BA}"/>
               </a:ext>
             </a:extLst>
           </p:cNvPr>
@@ -16759,7 +17681,7 @@
           <p:cNvPr id="3" name="TextBox 2">
             <a:extLst>
               <a:ext uri="{FF2B5EF4-FFF2-40B4-BE49-F238E27FC236}">
-                <a16:creationId xmlns:a16="http://schemas.microsoft.com/office/drawing/2014/main" id="{501B63F9-C596-4A38-B8B2-C5FEE9DAE148}"/>
+                <a16:creationId xmlns:a16="http://schemas.microsoft.com/office/drawing/2014/main" xmlns="" id="{501B63F9-C596-4A38-B8B2-C5FEE9DAE148}"/>
               </a:ext>
             </a:extLst>
           </p:cNvPr>
@@ -16767,7 +17689,7 @@
           <p:nvPr>
             <p:extLst>
               <p:ext uri="{D42A27DB-BD31-4B8C-83A1-F6EECF244321}">
-                <p14:modId xmlns:p14="http://schemas.microsoft.com/office/powerpoint/2010/main" val="2838746113"/>
+                <p14:modId xmlns:p14="http://schemas.microsoft.com/office/powerpoint/2010/main" val="673272209"/>
               </p:ext>
             </p:extLst>
           </p:nvPr>
@@ -16817,7 +17739,7 @@
           <p:cNvPr id="2" name="Title 1">
             <a:extLst>
               <a:ext uri="{FF2B5EF4-FFF2-40B4-BE49-F238E27FC236}">
-                <a16:creationId xmlns:a16="http://schemas.microsoft.com/office/drawing/2014/main" id="{77A88685-22FC-43B9-B3E9-025FCA498429}"/>
+                <a16:creationId xmlns:a16="http://schemas.microsoft.com/office/drawing/2014/main" xmlns="" id="{77A88685-22FC-43B9-B3E9-025FCA498429}"/>
               </a:ext>
             </a:extLst>
           </p:cNvPr>
@@ -16846,7 +17768,7 @@
           <p:cNvPr id="3" name="Content Placeholder 2">
             <a:extLst>
               <a:ext uri="{FF2B5EF4-FFF2-40B4-BE49-F238E27FC236}">
-                <a16:creationId xmlns:a16="http://schemas.microsoft.com/office/drawing/2014/main" id="{5A10B657-F23A-4437-86D2-269772544C9E}"/>
+                <a16:creationId xmlns:a16="http://schemas.microsoft.com/office/drawing/2014/main" xmlns="" id="{5A10B657-F23A-4437-86D2-269772544C9E}"/>
               </a:ext>
             </a:extLst>
           </p:cNvPr>
@@ -16857,12 +17779,222 @@
             <p:ph idx="1"/>
           </p:nvPr>
         </p:nvSpPr>
-        <p:spPr/>
+        <p:spPr>
+          <a:xfrm>
+            <a:off x="1216508" y="1336431"/>
+            <a:ext cx="10178322" cy="5064369"/>
+          </a:xfrm>
+        </p:spPr>
         <p:txBody>
-          <a:bodyPr/>
+          <a:bodyPr>
+            <a:noAutofit/>
+          </a:bodyPr>
           <a:lstStyle/>
           <a:p>
-            <a:endParaRPr lang="en-US"/>
+            <a:r>
+              <a:rPr lang="en-US" dirty="0">
+                <a:solidFill>
+                  <a:schemeClr val="tx1"/>
+                </a:solidFill>
+              </a:rPr>
+              <a:t>W1:  time </a:t>
+            </a:r>
+          </a:p>
+          <a:p>
+            <a:r>
+              <a:rPr lang="en-US" dirty="0">
+                <a:solidFill>
+                  <a:schemeClr val="tx1"/>
+                </a:solidFill>
+              </a:rPr>
+              <a:t>H1:  unfortunately after wasting our time trying to work user stories from the first sprint, we moved to other user stories and kept going back from time to time to the failed user stories </a:t>
+            </a:r>
+            <a:br>
+              <a:rPr lang="en-US" dirty="0">
+                <a:solidFill>
+                  <a:schemeClr val="tx1"/>
+                </a:solidFill>
+              </a:rPr>
+            </a:br>
+            <a:endParaRPr lang="en-US" dirty="0">
+              <a:solidFill>
+                <a:schemeClr val="tx1"/>
+              </a:solidFill>
+            </a:endParaRPr>
+          </a:p>
+          <a:p>
+            <a:r>
+              <a:rPr lang="en-US" dirty="0">
+                <a:solidFill>
+                  <a:schemeClr val="tx1"/>
+                </a:solidFill>
+              </a:rPr>
+              <a:t>W2: not finding ionic tutorials </a:t>
+            </a:r>
+          </a:p>
+          <a:p>
+            <a:r>
+              <a:rPr lang="en-US" dirty="0">
+                <a:solidFill>
+                  <a:schemeClr val="tx1"/>
+                </a:solidFill>
+              </a:rPr>
+              <a:t>H2: instead of searching for ionic tutorials, search generally or search for </a:t>
+            </a:r>
+            <a:r>
+              <a:rPr lang="en-US" dirty="0" err="1">
+                <a:solidFill>
+                  <a:schemeClr val="tx1"/>
+                </a:solidFill>
+              </a:rPr>
+              <a:t>Node.js</a:t>
+            </a:r>
+            <a:r>
+              <a:rPr lang="en-US" dirty="0">
+                <a:solidFill>
+                  <a:schemeClr val="tx1"/>
+                </a:solidFill>
+              </a:rPr>
+              <a:t>, type scripting and angular, even android tutorials helped when it comes to firebase </a:t>
+            </a:r>
+            <a:br>
+              <a:rPr lang="en-US" dirty="0">
+                <a:solidFill>
+                  <a:schemeClr val="tx1"/>
+                </a:solidFill>
+              </a:rPr>
+            </a:br>
+            <a:endParaRPr lang="en-US" dirty="0">
+              <a:solidFill>
+                <a:schemeClr val="tx1"/>
+              </a:solidFill>
+            </a:endParaRPr>
+          </a:p>
+          <a:p>
+            <a:r>
+              <a:rPr lang="en-US" dirty="0">
+                <a:solidFill>
+                  <a:schemeClr val="tx1"/>
+                </a:solidFill>
+              </a:rPr>
+              <a:t>W3: Data is stored in </a:t>
+            </a:r>
+            <a:r>
+              <a:rPr lang="en-US" b="1" dirty="0">
+                <a:solidFill>
+                  <a:schemeClr val="tx1"/>
+                </a:solidFill>
+              </a:rPr>
+              <a:t>firebase</a:t>
+            </a:r>
+            <a:r>
+              <a:rPr lang="en-US" dirty="0">
+                <a:solidFill>
+                  <a:schemeClr val="tx1"/>
+                </a:solidFill>
+              </a:rPr>
+              <a:t> as a large JSON document. It is the same case as it is done in most of the </a:t>
+            </a:r>
+            <a:r>
+              <a:rPr lang="en-US" b="1" dirty="0">
+                <a:solidFill>
+                  <a:schemeClr val="tx1"/>
+                </a:solidFill>
+              </a:rPr>
+              <a:t>NoSQL</a:t>
+            </a:r>
+            <a:r>
+              <a:rPr lang="en-US" dirty="0">
+                <a:solidFill>
+                  <a:schemeClr val="tx1"/>
+                </a:solidFill>
+              </a:rPr>
+              <a:t> database systems like MongoDB, Cassandra, </a:t>
+            </a:r>
+            <a:r>
+              <a:rPr lang="en-US" dirty="0" err="1">
+                <a:solidFill>
+                  <a:schemeClr val="tx1"/>
+                </a:solidFill>
+              </a:rPr>
+              <a:t>CouchDB</a:t>
+            </a:r>
+            <a:r>
+              <a:rPr lang="en-US" dirty="0">
+                <a:solidFill>
+                  <a:schemeClr val="tx1"/>
+                </a:solidFill>
+              </a:rPr>
+              <a:t> etc. The data is stored as a large objects which can hold key value pairs where value can be a string, number or another </a:t>
+            </a:r>
+            <a:r>
+              <a:rPr lang="en-US" dirty="0" smtClean="0">
+                <a:solidFill>
+                  <a:schemeClr val="tx1"/>
+                </a:solidFill>
+              </a:rPr>
+              <a:t>object. the </a:t>
+            </a:r>
+            <a:r>
+              <a:rPr lang="en-US" dirty="0">
+                <a:solidFill>
+                  <a:schemeClr val="tx1"/>
+                </a:solidFill>
+              </a:rPr>
+              <a:t>concept was new and we were used to deal with </a:t>
+            </a:r>
+            <a:r>
+              <a:rPr lang="en-US" dirty="0" err="1">
+                <a:solidFill>
+                  <a:schemeClr val="tx1"/>
+                </a:solidFill>
+              </a:rPr>
+              <a:t>sql</a:t>
+            </a:r>
+            <a:r>
+              <a:rPr lang="en-US" dirty="0">
+                <a:solidFill>
+                  <a:schemeClr val="tx1"/>
+                </a:solidFill>
+              </a:rPr>
+              <a:t> </a:t>
+            </a:r>
+            <a:r>
+              <a:rPr lang="en-US" dirty="0" smtClean="0">
+                <a:solidFill>
+                  <a:schemeClr val="tx1"/>
+                </a:solidFill>
+              </a:rPr>
+              <a:t>….</a:t>
+            </a:r>
+            <a:endParaRPr lang="en-US" dirty="0">
+              <a:solidFill>
+                <a:schemeClr val="tx1"/>
+              </a:solidFill>
+            </a:endParaRPr>
+          </a:p>
+          <a:p>
+            <a:r>
+              <a:rPr lang="en-US" dirty="0">
+                <a:solidFill>
+                  <a:schemeClr val="tx1"/>
+                </a:solidFill>
+              </a:rPr>
+              <a:t>H3</a:t>
+            </a:r>
+            <a:r>
+              <a:rPr lang="en-US" dirty="0" smtClean="0">
+                <a:solidFill>
+                  <a:schemeClr val="tx1"/>
+                </a:solidFill>
+              </a:rPr>
+              <a:t>:</a:t>
+            </a:r>
+            <a:endParaRPr lang="en-US" dirty="0">
+              <a:solidFill>
+                <a:schemeClr val="tx1"/>
+              </a:solidFill>
+            </a:endParaRPr>
           </a:p>
         </p:txBody>
       </p:sp>
@@ -16901,7 +18033,7 @@
           <p:cNvPr id="2" name="Title 1">
             <a:extLst>
               <a:ext uri="{FF2B5EF4-FFF2-40B4-BE49-F238E27FC236}">
-                <a16:creationId xmlns:a16="http://schemas.microsoft.com/office/drawing/2014/main" id="{62B38921-F153-46EC-9C43-821C8373A987}"/>
+                <a16:creationId xmlns:a16="http://schemas.microsoft.com/office/drawing/2014/main" xmlns="" id="{62B38921-F153-46EC-9C43-821C8373A987}"/>
               </a:ext>
             </a:extLst>
           </p:cNvPr>
@@ -16929,7 +18061,7 @@
           <p:cNvPr id="3" name="Text Placeholder 2">
             <a:extLst>
               <a:ext uri="{FF2B5EF4-FFF2-40B4-BE49-F238E27FC236}">
-                <a16:creationId xmlns:a16="http://schemas.microsoft.com/office/drawing/2014/main" id="{2CB6AAC8-A36D-4493-A68E-73BBD148B0D3}"/>
+                <a16:creationId xmlns:a16="http://schemas.microsoft.com/office/drawing/2014/main" xmlns="" id="{2CB6AAC8-A36D-4493-A68E-73BBD148B0D3}"/>
               </a:ext>
             </a:extLst>
           </p:cNvPr>

--- a/Pick a dish app.pptx
+++ b/Pick a dish app.pptx
@@ -2693,8 +2693,8 @@
     <dgm:cxn modelId="{540AFBF0-7756-4B28-BD69-B6E65DB3B15C}" srcId="{05737378-F74C-4E24-9EC2-0D2BB5758FB1}" destId="{0DEABE5C-1100-4841-AE6B-8418162BA37F}" srcOrd="13" destOrd="0" parTransId="{3D7765CE-D4A2-4B26-860F-F9AC5E3AE6D1}" sibTransId="{9D4190AC-B3D2-43C6-A8A9-231E6F4741D7}"/>
     <dgm:cxn modelId="{EB1EE9A3-B12F-4095-B15A-8A4BC3093D8D}" type="presOf" srcId="{05E9AB3C-DFD6-4864-A678-A90FD79237AF}" destId="{7843059E-BCF7-45F4-B578-65601AC84C15}" srcOrd="0" destOrd="0" presId="urn:microsoft.com/office/officeart/2005/8/layout/default"/>
     <dgm:cxn modelId="{58A1DB5A-EBB6-4C4E-8A19-4709FF509CD9}" srcId="{05737378-F74C-4E24-9EC2-0D2BB5758FB1}" destId="{EC304DEE-ECC8-4115-AC0C-7FAE380EE5DC}" srcOrd="4" destOrd="0" parTransId="{32ED1675-E964-4124-A5F9-87012E54751F}" sibTransId="{76D59B59-E733-4A24-B6FD-96DD6E6B0254}"/>
+    <dgm:cxn modelId="{5837B3DE-5634-42DD-9DD6-B6E5BF73F3F1}" type="presOf" srcId="{EAB44E80-EB98-4FB7-B58D-9054D1F44343}" destId="{46E7CDFA-621F-40A9-A72F-13159B4965BE}" srcOrd="0" destOrd="0" presId="urn:microsoft.com/office/officeart/2005/8/layout/default"/>
     <dgm:cxn modelId="{EF496DB7-EBB7-4F7C-9EDE-E5F5F4FC8621}" srcId="{05737378-F74C-4E24-9EC2-0D2BB5758FB1}" destId="{85D9D1EC-D603-41AE-A0D5-D40BB7861333}" srcOrd="16" destOrd="0" parTransId="{0A32FE30-FCFC-491D-A031-3C484A183302}" sibTransId="{31706799-9539-4B59-AF0B-4B5330E8A253}"/>
-    <dgm:cxn modelId="{5837B3DE-5634-42DD-9DD6-B6E5BF73F3F1}" type="presOf" srcId="{EAB44E80-EB98-4FB7-B58D-9054D1F44343}" destId="{46E7CDFA-621F-40A9-A72F-13159B4965BE}" srcOrd="0" destOrd="0" presId="urn:microsoft.com/office/officeart/2005/8/layout/default"/>
     <dgm:cxn modelId="{DFA52BA0-5517-B44E-9468-B9EACA4BE571}" srcId="{05737378-F74C-4E24-9EC2-0D2BB5758FB1}" destId="{737C8729-AC1C-2547-A75A-D353C0F575C5}" srcOrd="10" destOrd="0" parTransId="{95446E11-C063-4B48-95C6-235DF0B0E78C}" sibTransId="{62C3BB85-2693-3247-8E13-4F5F9095A34D}"/>
     <dgm:cxn modelId="{C5EF76C1-85B4-410A-B920-B2287746D835}" srcId="{05737378-F74C-4E24-9EC2-0D2BB5758FB1}" destId="{70AB44C9-9218-4B17-BF8C-395A8A9293A7}" srcOrd="15" destOrd="0" parTransId="{283A6A4F-E8C8-48B7-A47F-03377034D211}" sibTransId="{A8251120-2E7C-46DC-8314-2C7837025E49}"/>
     <dgm:cxn modelId="{BC698B29-8830-4BD6-BBD7-0DA1B1C4A00E}" srcId="{05737378-F74C-4E24-9EC2-0D2BB5758FB1}" destId="{933E1672-E9BF-4F75-81D1-24766C128B0B}" srcOrd="14" destOrd="0" parTransId="{3D6A42A4-8419-4927-B099-DDF810CD127F}" sibTransId="{C2CE6673-EAC7-46A9-BE21-723358925710}"/>
@@ -2714,8 +2714,8 @@
     <dgm:cxn modelId="{7F9FB9A5-108D-4614-BF5A-796C77DB19E7}" type="presOf" srcId="{EC304DEE-ECC8-4115-AC0C-7FAE380EE5DC}" destId="{556F3AFB-5CAC-40F2-BD2F-7BCE935EBF20}" srcOrd="0" destOrd="0" presId="urn:microsoft.com/office/officeart/2005/8/layout/default"/>
     <dgm:cxn modelId="{5B2A3EA0-54FF-4812-A101-80913D9E9C07}" type="presOf" srcId="{933E1672-E9BF-4F75-81D1-24766C128B0B}" destId="{C0939774-B50A-4E11-AC98-9F1BF4E8D7B3}" srcOrd="0" destOrd="0" presId="urn:microsoft.com/office/officeart/2005/8/layout/default"/>
     <dgm:cxn modelId="{631E0B0C-32CD-4BA6-B298-C74890F8D470}" srcId="{05737378-F74C-4E24-9EC2-0D2BB5758FB1}" destId="{BE9C5062-E235-4175-A274-94C994B2BBD2}" srcOrd="7" destOrd="0" parTransId="{9AD3C363-D4CB-4F02-80AD-A19E42C0CFA4}" sibTransId="{10BB8CC6-3A31-48FF-BCD5-DC47BE72146B}"/>
+    <dgm:cxn modelId="{83C7D896-DA89-4D78-8869-A1959AA3B220}" srcId="{05737378-F74C-4E24-9EC2-0D2BB5758FB1}" destId="{DF64254A-9EBD-4EFC-9802-521BFBFB7109}" srcOrd="1" destOrd="0" parTransId="{392C3C0E-C17E-4820-B9FD-69B100A6C062}" sibTransId="{E3181219-D854-4321-94E5-2C4540E74E9F}"/>
     <dgm:cxn modelId="{D25356F8-626A-4283-9AE4-B2E30D657B6C}" type="presOf" srcId="{05737378-F74C-4E24-9EC2-0D2BB5758FB1}" destId="{74DC694E-3D09-4A3E-AA06-0F436465B8DD}" srcOrd="0" destOrd="0" presId="urn:microsoft.com/office/officeart/2005/8/layout/default"/>
-    <dgm:cxn modelId="{83C7D896-DA89-4D78-8869-A1959AA3B220}" srcId="{05737378-F74C-4E24-9EC2-0D2BB5758FB1}" destId="{DF64254A-9EBD-4EFC-9802-521BFBFB7109}" srcOrd="1" destOrd="0" parTransId="{392C3C0E-C17E-4820-B9FD-69B100A6C062}" sibTransId="{E3181219-D854-4321-94E5-2C4540E74E9F}"/>
     <dgm:cxn modelId="{CC99F527-7C52-C04E-A7AD-4BE2F1299EC4}" srcId="{05737378-F74C-4E24-9EC2-0D2BB5758FB1}" destId="{D9C274F9-EA4D-474E-BBD3-2374473EB87C}" srcOrd="11" destOrd="0" parTransId="{04B4842F-B328-1B4B-B291-3BEA42C8EC93}" sibTransId="{3B99A8DB-6512-D84B-9B95-B5E47FDD8C3C}"/>
     <dgm:cxn modelId="{D999D6EB-61A2-4986-B990-CDA108B5280C}" type="presOf" srcId="{0DEABE5C-1100-4841-AE6B-8418162BA37F}" destId="{71D7D387-6645-4FFF-8203-40963EE90B98}" srcOrd="0" destOrd="0" presId="urn:microsoft.com/office/officeart/2005/8/layout/default"/>
     <dgm:cxn modelId="{5C69498A-C0CF-4B1C-8B83-AB4936C606E8}" srcId="{05737378-F74C-4E24-9EC2-0D2BB5758FB1}" destId="{CA08021B-585B-46E7-BA1F-5420E56DFF26}" srcOrd="0" destOrd="0" parTransId="{C3858590-1432-4944-89FA-CB68A3AE18A5}" sibTransId="{3AE963F2-851B-4C54-8100-1077DEBC4009}"/>
@@ -3357,18 +3357,18 @@
     </dgm:pt>
   </dgm:ptLst>
   <dgm:cxnLst>
+    <dgm:cxn modelId="{473012C6-2575-4D87-8FE6-DD657648F194}" srcId="{05737378-F74C-4E24-9EC2-0D2BB5758FB1}" destId="{27CD27FC-1C78-4066-BFAA-6106CA4C407B}" srcOrd="9" destOrd="0" parTransId="{9F661BE4-71DC-4105-8BD5-301DB76E4A0F}" sibTransId="{F779E767-8151-4530-9627-B8E71853BDFF}"/>
     <dgm:cxn modelId="{EB1EE9A3-B12F-4095-B15A-8A4BC3093D8D}" type="presOf" srcId="{05E9AB3C-DFD6-4864-A678-A90FD79237AF}" destId="{7843059E-BCF7-45F4-B578-65601AC84C15}" srcOrd="0" destOrd="0" presId="urn:microsoft.com/office/officeart/2005/8/layout/default"/>
-    <dgm:cxn modelId="{473012C6-2575-4D87-8FE6-DD657648F194}" srcId="{05737378-F74C-4E24-9EC2-0D2BB5758FB1}" destId="{27CD27FC-1C78-4066-BFAA-6106CA4C407B}" srcOrd="9" destOrd="0" parTransId="{9F661BE4-71DC-4105-8BD5-301DB76E4A0F}" sibTransId="{F779E767-8151-4530-9627-B8E71853BDFF}"/>
     <dgm:cxn modelId="{631E0B0C-32CD-4BA6-B298-C74890F8D470}" srcId="{05737378-F74C-4E24-9EC2-0D2BB5758FB1}" destId="{BE9C5062-E235-4175-A274-94C994B2BBD2}" srcOrd="6" destOrd="0" parTransId="{9AD3C363-D4CB-4F02-80AD-A19E42C0CFA4}" sibTransId="{10BB8CC6-3A31-48FF-BCD5-DC47BE72146B}"/>
     <dgm:cxn modelId="{12B57F1A-7AAC-4763-B00C-DEFB40CF4EF5}" srcId="{05737378-F74C-4E24-9EC2-0D2BB5758FB1}" destId="{EAB44E80-EB98-4FB7-B58D-9054D1F44343}" srcOrd="4" destOrd="0" parTransId="{1AD31A3F-A9DF-4B29-A02B-660D5D646C0F}" sibTransId="{E6FECD94-72AC-4865-AC62-6FCC3C529198}"/>
+    <dgm:cxn modelId="{540AFBF0-7756-4B28-BD69-B6E65DB3B15C}" srcId="{05737378-F74C-4E24-9EC2-0D2BB5758FB1}" destId="{0DEABE5C-1100-4841-AE6B-8418162BA37F}" srcOrd="8" destOrd="0" parTransId="{3D7765CE-D4A2-4B26-860F-F9AC5E3AE6D1}" sibTransId="{9D4190AC-B3D2-43C6-A8A9-231E6F4741D7}"/>
     <dgm:cxn modelId="{E27AA84A-57F7-455D-8EB7-8F81DA5260AE}" srcId="{05737378-F74C-4E24-9EC2-0D2BB5758FB1}" destId="{CEFBEC40-31D5-4F80-AE5D-15FBAFBBF5A0}" srcOrd="2" destOrd="0" parTransId="{A6FD00DA-84F5-43A5-86EF-A56BA0FE0F7A}" sibTransId="{7AEDD36E-0B87-4FC4-91FC-30E8D827C823}"/>
-    <dgm:cxn modelId="{540AFBF0-7756-4B28-BD69-B6E65DB3B15C}" srcId="{05737378-F74C-4E24-9EC2-0D2BB5758FB1}" destId="{0DEABE5C-1100-4841-AE6B-8418162BA37F}" srcOrd="8" destOrd="0" parTransId="{3D7765CE-D4A2-4B26-860F-F9AC5E3AE6D1}" sibTransId="{9D4190AC-B3D2-43C6-A8A9-231E6F4741D7}"/>
     <dgm:cxn modelId="{4C96918B-B013-4CA3-905E-18F7331B018E}" type="presOf" srcId="{BE9C5062-E235-4175-A274-94C994B2BBD2}" destId="{E875863E-5C66-47F5-9A02-8D09F1459740}" srcOrd="0" destOrd="0" presId="urn:microsoft.com/office/officeart/2005/8/layout/default"/>
     <dgm:cxn modelId="{D999D6EB-61A2-4986-B990-CDA108B5280C}" type="presOf" srcId="{0DEABE5C-1100-4841-AE6B-8418162BA37F}" destId="{71D7D387-6645-4FFF-8203-40963EE90B98}" srcOrd="0" destOrd="0" presId="urn:microsoft.com/office/officeart/2005/8/layout/default"/>
     <dgm:cxn modelId="{7F9FB9A5-108D-4614-BF5A-796C77DB19E7}" type="presOf" srcId="{EC304DEE-ECC8-4115-AC0C-7FAE380EE5DC}" destId="{556F3AFB-5CAC-40F2-BD2F-7BCE935EBF20}" srcOrd="0" destOrd="0" presId="urn:microsoft.com/office/officeart/2005/8/layout/default"/>
     <dgm:cxn modelId="{605E9C4D-8446-4E80-BAC0-C2D3D0AFDFE5}" srcId="{05737378-F74C-4E24-9EC2-0D2BB5758FB1}" destId="{833137B7-273E-4CB6-8381-2C2F2ACF41A9}" srcOrd="5" destOrd="0" parTransId="{C85722CF-114F-4466-82C8-7058DC435DD6}" sibTransId="{2CB78FF2-AAAD-4541-81AE-E58D28D208BA}"/>
+    <dgm:cxn modelId="{D39C1D97-F9E6-479B-A32B-CEDF77D52252}" type="presOf" srcId="{CA08021B-585B-46E7-BA1F-5420E56DFF26}" destId="{2CAB0F38-E292-4E90-B35F-6EB8A903C9CB}" srcOrd="0" destOrd="0" presId="urn:microsoft.com/office/officeart/2005/8/layout/default"/>
     <dgm:cxn modelId="{D25356F8-626A-4283-9AE4-B2E30D657B6C}" type="presOf" srcId="{05737378-F74C-4E24-9EC2-0D2BB5758FB1}" destId="{74DC694E-3D09-4A3E-AA06-0F436465B8DD}" srcOrd="0" destOrd="0" presId="urn:microsoft.com/office/officeart/2005/8/layout/default"/>
-    <dgm:cxn modelId="{D39C1D97-F9E6-479B-A32B-CEDF77D52252}" type="presOf" srcId="{CA08021B-585B-46E7-BA1F-5420E56DFF26}" destId="{2CAB0F38-E292-4E90-B35F-6EB8A903C9CB}" srcOrd="0" destOrd="0" presId="urn:microsoft.com/office/officeart/2005/8/layout/default"/>
     <dgm:cxn modelId="{5C69498A-C0CF-4B1C-8B83-AB4936C606E8}" srcId="{05737378-F74C-4E24-9EC2-0D2BB5758FB1}" destId="{CA08021B-585B-46E7-BA1F-5420E56DFF26}" srcOrd="0" destOrd="0" parTransId="{C3858590-1432-4944-89FA-CB68A3AE18A5}" sibTransId="{3AE963F2-851B-4C54-8100-1077DEBC4009}"/>
     <dgm:cxn modelId="{08073DB3-02EA-4C77-8F26-C87C8B6C3ED3}" type="presOf" srcId="{833137B7-273E-4CB6-8381-2C2F2ACF41A9}" destId="{87505D9B-FB99-4C9F-A1CB-5FFBDDBFE589}" srcOrd="0" destOrd="0" presId="urn:microsoft.com/office/officeart/2005/8/layout/default"/>
     <dgm:cxn modelId="{58A1DB5A-EBB6-4C4E-8A19-4709FF509CD9}" srcId="{05737378-F74C-4E24-9EC2-0D2BB5758FB1}" destId="{EC304DEE-ECC8-4115-AC0C-7FAE380EE5DC}" srcOrd="3" destOrd="0" parTransId="{32ED1675-E964-4124-A5F9-87012E54751F}" sibTransId="{76D59B59-E733-4A24-B6FD-96DD6E6B0254}"/>
@@ -7943,7 +7943,7 @@
           <a:p>
             <a:fld id="{4059DE56-531E-4AFF-8617-6FF691608954}" type="datetimeFigureOut">
               <a:rPr lang="en-US" smtClean="0"/>
-              <a:t>12/19/17</a:t>
+              <a:t>12/20/17</a:t>
             </a:fld>
             <a:endParaRPr lang="en-US"/>
           </a:p>
@@ -8339,14 +8339,28 @@
           <a:lstStyle/>
           <a:p>
             <a:r>
-              <a:rPr lang="ar-SA" smtClean="0"/>
-              <a:t>ما</a:t>
+              <a:rPr lang="en-US" dirty="0" smtClean="0">
+                <a:solidFill>
+                  <a:schemeClr val="tx1"/>
+                </a:solidFill>
+              </a:rPr>
+              <a:t>ionic tutorials : </a:t>
             </a:r>
+          </a:p>
+          <a:p>
             <a:r>
-              <a:rPr lang="ar-SA" baseline="0" smtClean="0"/>
-              <a:t> خلصت </a:t>
+              <a:rPr lang="en-US" smtClean="0">
+                <a:solidFill>
+                  <a:schemeClr val="tx1"/>
+                </a:solidFill>
+              </a:rPr>
+              <a:t>Cant be found or not helpful </a:t>
             </a:r>
-            <a:endParaRPr lang="en-US"/>
+            <a:endParaRPr lang="en-US" dirty="0">
+              <a:solidFill>
+                <a:schemeClr val="tx1"/>
+              </a:solidFill>
+            </a:endParaRPr>
           </a:p>
         </p:txBody>
       </p:sp>
@@ -9712,7 +9726,7 @@
             <a:fld id="{9334D819-9F07-4261-B09B-9E467E5D9002}" type="datetimeFigureOut">
               <a:rPr lang="en-US" dirty="0"/>
               <a:pPr/>
-              <a:t>12/19/17</a:t>
+              <a:t>12/20/17</a:t>
             </a:fld>
             <a:endParaRPr lang="en-US" dirty="0"/>
           </a:p>
@@ -9946,7 +9960,7 @@
           <a:p>
             <a:fld id="{9334D819-9F07-4261-B09B-9E467E5D9002}" type="datetimeFigureOut">
               <a:rPr lang="en-US" dirty="0"/>
-              <a:t>12/19/17</a:t>
+              <a:t>12/20/17</a:t>
             </a:fld>
             <a:endParaRPr lang="en-US" dirty="0"/>
           </a:p>
@@ -10121,7 +10135,7 @@
           <a:p>
             <a:fld id="{9334D819-9F07-4261-B09B-9E467E5D9002}" type="datetimeFigureOut">
               <a:rPr lang="en-US" dirty="0"/>
-              <a:t>12/19/17</a:t>
+              <a:t>12/20/17</a:t>
             </a:fld>
             <a:endParaRPr lang="en-US" dirty="0"/>
           </a:p>
@@ -10286,7 +10300,7 @@
           <a:p>
             <a:fld id="{9334D819-9F07-4261-B09B-9E467E5D9002}" type="datetimeFigureOut">
               <a:rPr lang="en-US" dirty="0"/>
-              <a:t>12/19/17</a:t>
+              <a:t>12/20/17</a:t>
             </a:fld>
             <a:endParaRPr lang="en-US" dirty="0"/>
           </a:p>
@@ -10558,7 +10572,7 @@
             <a:fld id="{9334D819-9F07-4261-B09B-9E467E5D9002}" type="datetimeFigureOut">
               <a:rPr lang="en-US" dirty="0"/>
               <a:pPr/>
-              <a:t>12/19/17</a:t>
+              <a:t>12/20/17</a:t>
             </a:fld>
             <a:endParaRPr lang="en-US" dirty="0"/>
           </a:p>
@@ -11755,7 +11769,7 @@
           <a:p>
             <a:fld id="{9334D819-9F07-4261-B09B-9E467E5D9002}" type="datetimeFigureOut">
               <a:rPr lang="en-US" dirty="0"/>
-              <a:t>12/19/17</a:t>
+              <a:t>12/20/17</a:t>
             </a:fld>
             <a:endParaRPr lang="en-US" dirty="0"/>
           </a:p>
@@ -12140,7 +12154,7 @@
           <a:p>
             <a:fld id="{9334D819-9F07-4261-B09B-9E467E5D9002}" type="datetimeFigureOut">
               <a:rPr lang="en-US" dirty="0"/>
-              <a:t>12/19/17</a:t>
+              <a:t>12/20/17</a:t>
             </a:fld>
             <a:endParaRPr lang="en-US" dirty="0"/>
           </a:p>
@@ -12258,7 +12272,7 @@
           <a:p>
             <a:fld id="{9334D819-9F07-4261-B09B-9E467E5D9002}" type="datetimeFigureOut">
               <a:rPr lang="en-US" dirty="0"/>
-              <a:t>12/19/17</a:t>
+              <a:t>12/20/17</a:t>
             </a:fld>
             <a:endParaRPr lang="en-US" dirty="0"/>
           </a:p>
@@ -12348,7 +12362,7 @@
           <a:p>
             <a:fld id="{9334D819-9F07-4261-B09B-9E467E5D9002}" type="datetimeFigureOut">
               <a:rPr lang="en-US" dirty="0"/>
-              <a:t>12/19/17</a:t>
+              <a:t>12/20/17</a:t>
             </a:fld>
             <a:endParaRPr lang="en-US" dirty="0"/>
           </a:p>
@@ -13106,7 +13120,7 @@
           <a:p>
             <a:fld id="{9334D819-9F07-4261-B09B-9E467E5D9002}" type="datetimeFigureOut">
               <a:rPr lang="en-US" dirty="0"/>
-              <a:t>12/19/17</a:t>
+              <a:t>12/20/17</a:t>
             </a:fld>
             <a:endParaRPr lang="en-US" dirty="0"/>
           </a:p>
@@ -13941,7 +13955,7 @@
           <a:p>
             <a:fld id="{9334D819-9F07-4261-B09B-9E467E5D9002}" type="datetimeFigureOut">
               <a:rPr lang="en-US" dirty="0"/>
-              <a:t>12/19/17</a:t>
+              <a:t>12/20/17</a:t>
             </a:fld>
             <a:endParaRPr lang="en-US" dirty="0"/>
           </a:p>
@@ -14164,7 +14178,7 @@
             <a:fld id="{9334D819-9F07-4261-B09B-9E467E5D9002}" type="datetimeFigureOut">
               <a:rPr lang="en-US" dirty="0"/>
               <a:pPr/>
-              <a:t>12/19/17</a:t>
+              <a:t>12/20/17</a:t>
             </a:fld>
             <a:endParaRPr lang="en-US" dirty="0"/>
           </a:p>
@@ -15164,7 +15178,7 @@
           <p:cNvPr id="2" name="Title 1">
             <a:extLst>
               <a:ext uri="{FF2B5EF4-FFF2-40B4-BE49-F238E27FC236}">
-                <a16:creationId xmlns:a16="http://schemas.microsoft.com/office/drawing/2014/main" xmlns="" id="{0E52C71E-D495-4B06-9663-B87220326D0D}"/>
+                <a16:creationId xmlns="" xmlns:a16="http://schemas.microsoft.com/office/drawing/2014/main" id="{0E52C71E-D495-4B06-9663-B87220326D0D}"/>
               </a:ext>
             </a:extLst>
           </p:cNvPr>
@@ -15192,7 +15206,7 @@
           <p:cNvPr id="3" name="Subtitle 2">
             <a:extLst>
               <a:ext uri="{FF2B5EF4-FFF2-40B4-BE49-F238E27FC236}">
-                <a16:creationId xmlns:a16="http://schemas.microsoft.com/office/drawing/2014/main" xmlns="" id="{8831B2C1-060E-4041-862C-29CA6B5265D3}"/>
+                <a16:creationId xmlns="" xmlns:a16="http://schemas.microsoft.com/office/drawing/2014/main" id="{8831B2C1-060E-4041-862C-29CA6B5265D3}"/>
               </a:ext>
             </a:extLst>
           </p:cNvPr>
@@ -15250,7 +15264,7 @@
           <p:cNvPr id="2" name="Title 1">
             <a:extLst>
               <a:ext uri="{FF2B5EF4-FFF2-40B4-BE49-F238E27FC236}">
-                <a16:creationId xmlns:a16="http://schemas.microsoft.com/office/drawing/2014/main" xmlns="" id="{269A0B15-D693-4459-AF1A-5C00C7406E29}"/>
+                <a16:creationId xmlns="" xmlns:a16="http://schemas.microsoft.com/office/drawing/2014/main" id="{269A0B15-D693-4459-AF1A-5C00C7406E29}"/>
               </a:ext>
             </a:extLst>
           </p:cNvPr>
@@ -15278,7 +15292,7 @@
           <p:cNvPr id="3" name="Subtitle 2">
             <a:extLst>
               <a:ext uri="{FF2B5EF4-FFF2-40B4-BE49-F238E27FC236}">
-                <a16:creationId xmlns:a16="http://schemas.microsoft.com/office/drawing/2014/main" xmlns="" id="{89781140-EE1A-423E-B26F-9FA9172BDC16}"/>
+                <a16:creationId xmlns="" xmlns:a16="http://schemas.microsoft.com/office/drawing/2014/main" id="{89781140-EE1A-423E-B26F-9FA9172BDC16}"/>
               </a:ext>
             </a:extLst>
           </p:cNvPr>
@@ -15336,7 +15350,7 @@
           <p:cNvPr id="2" name="Title 1">
             <a:extLst>
               <a:ext uri="{FF2B5EF4-FFF2-40B4-BE49-F238E27FC236}">
-                <a16:creationId xmlns:a16="http://schemas.microsoft.com/office/drawing/2014/main" xmlns="" id="{27865403-966F-4171-AFD2-4095C3936E6B}"/>
+                <a16:creationId xmlns="" xmlns:a16="http://schemas.microsoft.com/office/drawing/2014/main" id="{27865403-966F-4171-AFD2-4095C3936E6B}"/>
               </a:ext>
             </a:extLst>
           </p:cNvPr>
@@ -15371,7 +15385,7 @@
           <p:cNvPr id="3" name="Text Placeholder 2">
             <a:extLst>
               <a:ext uri="{FF2B5EF4-FFF2-40B4-BE49-F238E27FC236}">
-                <a16:creationId xmlns:a16="http://schemas.microsoft.com/office/drawing/2014/main" xmlns="" id="{95384BE1-ECA6-4759-9219-426C433BB524}"/>
+                <a16:creationId xmlns="" xmlns:a16="http://schemas.microsoft.com/office/drawing/2014/main" id="{95384BE1-ECA6-4759-9219-426C433BB524}"/>
               </a:ext>
             </a:extLst>
           </p:cNvPr>
@@ -15437,7 +15451,7 @@
           <p:cNvPr id="71" name="Freeform 6" title="Left scallop edge">
             <a:extLst>
               <a:ext uri="{FF2B5EF4-FFF2-40B4-BE49-F238E27FC236}">
-                <a16:creationId xmlns:a16="http://schemas.microsoft.com/office/drawing/2014/main" xmlns="" id="{841EFD0D-0D37-447B-B1EA-4F7197EB2911}"/>
+                <a16:creationId xmlns="" xmlns:a16="http://schemas.microsoft.com/office/drawing/2014/main" id="{841EFD0D-0D37-447B-B1EA-4F7197EB2911}"/>
               </a:ext>
             </a:extLst>
           </p:cNvPr>
@@ -15915,7 +15929,7 @@
           <p:cNvPr id="73" name="Rectangle 72" title="right edge border">
             <a:extLst>
               <a:ext uri="{FF2B5EF4-FFF2-40B4-BE49-F238E27FC236}">
-                <a16:creationId xmlns:a16="http://schemas.microsoft.com/office/drawing/2014/main" xmlns="" id="{5A6DFF24-307B-44B0-93F0-893676F1488A}"/>
+                <a16:creationId xmlns="" xmlns:a16="http://schemas.microsoft.com/office/drawing/2014/main" id="{5A6DFF24-307B-44B0-93F0-893676F1488A}"/>
               </a:ext>
             </a:extLst>
           </p:cNvPr>
@@ -15967,7 +15981,7 @@
           <p:cNvPr id="1026" name="Picture 2" descr="Image result for dysh app">
             <a:extLst>
               <a:ext uri="{FF2B5EF4-FFF2-40B4-BE49-F238E27FC236}">
-                <a16:creationId xmlns:a16="http://schemas.microsoft.com/office/drawing/2014/main" xmlns="" id="{316F83B2-6343-48D9-AE65-74CA7D8BA1E1}"/>
+                <a16:creationId xmlns="" xmlns:a16="http://schemas.microsoft.com/office/drawing/2014/main" id="{316F83B2-6343-48D9-AE65-74CA7D8BA1E1}"/>
               </a:ext>
             </a:extLst>
           </p:cNvPr>
@@ -16014,7 +16028,7 @@
           <p:cNvPr id="2" name="Title 1">
             <a:extLst>
               <a:ext uri="{FF2B5EF4-FFF2-40B4-BE49-F238E27FC236}">
-                <a16:creationId xmlns:a16="http://schemas.microsoft.com/office/drawing/2014/main" xmlns="" id="{4259A47C-5E27-4927-9AB7-7858CC6B6837}"/>
+                <a16:creationId xmlns="" xmlns:a16="http://schemas.microsoft.com/office/drawing/2014/main" id="{4259A47C-5E27-4927-9AB7-7858CC6B6837}"/>
               </a:ext>
             </a:extLst>
           </p:cNvPr>
@@ -16049,7 +16063,7 @@
           <p:cNvPr id="3" name="Vertical Text Placeholder 2">
             <a:extLst>
               <a:ext uri="{FF2B5EF4-FFF2-40B4-BE49-F238E27FC236}">
-                <a16:creationId xmlns:a16="http://schemas.microsoft.com/office/drawing/2014/main" xmlns="" id="{9F629151-CF71-41D0-859A-9BF538BE93B2}"/>
+                <a16:creationId xmlns="" xmlns:a16="http://schemas.microsoft.com/office/drawing/2014/main" id="{9F629151-CF71-41D0-859A-9BF538BE93B2}"/>
               </a:ext>
             </a:extLst>
           </p:cNvPr>
@@ -16597,7 +16611,7 @@
           <p:cNvPr id="2" name="Title 1">
             <a:extLst>
               <a:ext uri="{FF2B5EF4-FFF2-40B4-BE49-F238E27FC236}">
-                <a16:creationId xmlns:a16="http://schemas.microsoft.com/office/drawing/2014/main" xmlns="" id="{DEAB97D2-A703-4DF9-A135-61E99FBBAEE5}"/>
+                <a16:creationId xmlns="" xmlns:a16="http://schemas.microsoft.com/office/drawing/2014/main" id="{DEAB97D2-A703-4DF9-A135-61E99FBBAEE5}"/>
               </a:ext>
             </a:extLst>
           </p:cNvPr>
@@ -16634,7 +16648,7 @@
           <p:cNvPr id="3" name="Content Placeholder 2">
             <a:extLst>
               <a:ext uri="{FF2B5EF4-FFF2-40B4-BE49-F238E27FC236}">
-                <a16:creationId xmlns:a16="http://schemas.microsoft.com/office/drawing/2014/main" xmlns="" id="{E18A2BED-03F4-401A-8B62-B874394465E0}"/>
+                <a16:creationId xmlns="" xmlns:a16="http://schemas.microsoft.com/office/drawing/2014/main" id="{E18A2BED-03F4-401A-8B62-B874394465E0}"/>
               </a:ext>
             </a:extLst>
           </p:cNvPr>
@@ -16976,7 +16990,7 @@
           <p:cNvPr id="10" name="Freeform 6" title="Left scallop edge">
             <a:extLst>
               <a:ext uri="{FF2B5EF4-FFF2-40B4-BE49-F238E27FC236}">
-                <a16:creationId xmlns:a16="http://schemas.microsoft.com/office/drawing/2014/main" xmlns="" id="{D09F5552-39CF-49BE-9BA3-F2C2E97DD974}"/>
+                <a16:creationId xmlns="" xmlns:a16="http://schemas.microsoft.com/office/drawing/2014/main" id="{D09F5552-39CF-49BE-9BA3-F2C2E97DD974}"/>
               </a:ext>
             </a:extLst>
           </p:cNvPr>
@@ -17454,7 +17468,7 @@
           <p:cNvPr id="12" name="Rectangle 11" title="right edge border">
             <a:extLst>
               <a:ext uri="{FF2B5EF4-FFF2-40B4-BE49-F238E27FC236}">
-                <a16:creationId xmlns:a16="http://schemas.microsoft.com/office/drawing/2014/main" xmlns="" id="{6CCDD5D4-DC0E-4B2C-8B6B-FCAA00ECE04E}"/>
+                <a16:creationId xmlns="" xmlns:a16="http://schemas.microsoft.com/office/drawing/2014/main" id="{6CCDD5D4-DC0E-4B2C-8B6B-FCAA00ECE04E}"/>
               </a:ext>
             </a:extLst>
           </p:cNvPr>
@@ -17506,7 +17520,7 @@
           <p:cNvPr id="2" name="Title 1">
             <a:extLst>
               <a:ext uri="{FF2B5EF4-FFF2-40B4-BE49-F238E27FC236}">
-                <a16:creationId xmlns:a16="http://schemas.microsoft.com/office/drawing/2014/main" xmlns="" id="{CBFE0AFB-9382-4169-AED7-D90AAA1642C6}"/>
+                <a16:creationId xmlns="" xmlns:a16="http://schemas.microsoft.com/office/drawing/2014/main" id="{CBFE0AFB-9382-4169-AED7-D90AAA1642C6}"/>
               </a:ext>
             </a:extLst>
           </p:cNvPr>
@@ -17593,7 +17607,7 @@
           <p:cNvPr id="2" name="Title 1">
             <a:extLst>
               <a:ext uri="{FF2B5EF4-FFF2-40B4-BE49-F238E27FC236}">
-                <a16:creationId xmlns:a16="http://schemas.microsoft.com/office/drawing/2014/main" xmlns="" id="{45B86E5E-D50E-4DD4-AFB9-7F48A70197BA}"/>
+                <a16:creationId xmlns="" xmlns:a16="http://schemas.microsoft.com/office/drawing/2014/main" id="{45B86E5E-D50E-4DD4-AFB9-7F48A70197BA}"/>
               </a:ext>
             </a:extLst>
           </p:cNvPr>
@@ -17652,7 +17666,7 @@
           <p:cNvPr id="2" name="Title 1">
             <a:extLst>
               <a:ext uri="{FF2B5EF4-FFF2-40B4-BE49-F238E27FC236}">
-                <a16:creationId xmlns:a16="http://schemas.microsoft.com/office/drawing/2014/main" xmlns="" id="{45B86E5E-D50E-4DD4-AFB9-7F48A70197BA}"/>
+                <a16:creationId xmlns="" xmlns:a16="http://schemas.microsoft.com/office/drawing/2014/main" id="{45B86E5E-D50E-4DD4-AFB9-7F48A70197BA}"/>
               </a:ext>
             </a:extLst>
           </p:cNvPr>
@@ -17681,7 +17695,7 @@
           <p:cNvPr id="3" name="TextBox 2">
             <a:extLst>
               <a:ext uri="{FF2B5EF4-FFF2-40B4-BE49-F238E27FC236}">
-                <a16:creationId xmlns:a16="http://schemas.microsoft.com/office/drawing/2014/main" xmlns="" id="{501B63F9-C596-4A38-B8B2-C5FEE9DAE148}"/>
+                <a16:creationId xmlns="" xmlns:a16="http://schemas.microsoft.com/office/drawing/2014/main" id="{501B63F9-C596-4A38-B8B2-C5FEE9DAE148}"/>
               </a:ext>
             </a:extLst>
           </p:cNvPr>
@@ -17739,7 +17753,7 @@
           <p:cNvPr id="2" name="Title 1">
             <a:extLst>
               <a:ext uri="{FF2B5EF4-FFF2-40B4-BE49-F238E27FC236}">
-                <a16:creationId xmlns:a16="http://schemas.microsoft.com/office/drawing/2014/main" xmlns="" id="{77A88685-22FC-43B9-B3E9-025FCA498429}"/>
+                <a16:creationId xmlns="" xmlns:a16="http://schemas.microsoft.com/office/drawing/2014/main" id="{77A88685-22FC-43B9-B3E9-025FCA498429}"/>
               </a:ext>
             </a:extLst>
           </p:cNvPr>
@@ -17768,7 +17782,7 @@
           <p:cNvPr id="3" name="Content Placeholder 2">
             <a:extLst>
               <a:ext uri="{FF2B5EF4-FFF2-40B4-BE49-F238E27FC236}">
-                <a16:creationId xmlns:a16="http://schemas.microsoft.com/office/drawing/2014/main" xmlns="" id="{5A10B657-F23A-4437-86D2-269772544C9E}"/>
+                <a16:creationId xmlns="" xmlns:a16="http://schemas.microsoft.com/office/drawing/2014/main" id="{5A10B657-F23A-4437-86D2-269772544C9E}"/>
               </a:ext>
             </a:extLst>
           </p:cNvPr>
@@ -17797,17 +17811,41 @@
                   <a:schemeClr val="tx1"/>
                 </a:solidFill>
               </a:rPr>
-              <a:t>W1:  time </a:t>
+              <a:t>T</a:t>
             </a:r>
-          </a:p>
-          <a:p>
+            <a:r>
+              <a:rPr lang="en-US" dirty="0" smtClean="0">
+                <a:solidFill>
+                  <a:schemeClr val="tx1"/>
+                </a:solidFill>
+              </a:rPr>
+              <a:t>ime</a:t>
+            </a:r>
             <a:r>
               <a:rPr lang="en-US" dirty="0">
                 <a:solidFill>
                   <a:schemeClr val="tx1"/>
                 </a:solidFill>
               </a:rPr>
-              <a:t>H1:  unfortunately after wasting our time trying to work user stories from the first sprint, we moved to other user stories and kept going back from time to time to the failed user stories </a:t>
+              <a:t> </a:t>
+            </a:r>
+          </a:p>
+          <a:p>
+            <a:r>
+              <a:rPr lang="en-US" dirty="0" smtClean="0">
+                <a:solidFill>
+                  <a:schemeClr val="tx1"/>
+                </a:solidFill>
+              </a:rPr>
+              <a:t>unfortunately </a:t>
+            </a:r>
+            <a:r>
+              <a:rPr lang="en-US" dirty="0">
+                <a:solidFill>
+                  <a:schemeClr val="tx1"/>
+                </a:solidFill>
+              </a:rPr>
+              <a:t>after wasting our time trying to work user stories from the first sprint, we moved to other user stories and kept going back from time to time to the failed user stories </a:t>
             </a:r>
             <a:br>
               <a:rPr lang="en-US" dirty="0">
@@ -17829,17 +17867,46 @@
                   <a:schemeClr val="tx1"/>
                 </a:solidFill>
               </a:rPr>
-              <a:t>W2: not finding ionic tutorials </a:t>
+              <a:t>I</a:t>
             </a:r>
-          </a:p>
-          <a:p>
+            <a:r>
+              <a:rPr lang="en-US" dirty="0" smtClean="0">
+                <a:solidFill>
+                  <a:schemeClr val="tx1"/>
+                </a:solidFill>
+              </a:rPr>
+              <a:t>onic Tutorials</a:t>
+            </a:r>
             <a:r>
               <a:rPr lang="en-US" dirty="0">
                 <a:solidFill>
                   <a:schemeClr val="tx1"/>
                 </a:solidFill>
               </a:rPr>
-              <a:t>H2: instead of searching for ionic tutorials, search generally or search for </a:t>
+              <a:t> </a:t>
+            </a:r>
+            <a:endParaRPr lang="en-US" dirty="0" smtClean="0">
+              <a:solidFill>
+                <a:schemeClr val="tx1"/>
+              </a:solidFill>
+            </a:endParaRPr>
+          </a:p>
+          <a:p>
+            <a:r>
+              <a:rPr lang="en-US" dirty="0" smtClean="0">
+                <a:solidFill>
+                  <a:schemeClr val="tx1"/>
+                </a:solidFill>
+              </a:rPr>
+              <a:t>instead </a:t>
+            </a:r>
+            <a:r>
+              <a:rPr lang="en-US" dirty="0">
+                <a:solidFill>
+                  <a:schemeClr val="tx1"/>
+                </a:solidFill>
+              </a:rPr>
+              <a:t>of searching for ionic tutorials, search generally or search for </a:t>
             </a:r>
             <a:r>
               <a:rPr lang="en-US" dirty="0" err="1">
@@ -17872,12 +17939,20 @@
           </a:p>
           <a:p>
             <a:r>
+              <a:rPr lang="en-US" dirty="0" smtClean="0">
+                <a:solidFill>
+                  <a:schemeClr val="tx1"/>
+                </a:solidFill>
+              </a:rPr>
+              <a:t>Data </a:t>
+            </a:r>
+            <a:r>
               <a:rPr lang="en-US" dirty="0">
                 <a:solidFill>
                   <a:schemeClr val="tx1"/>
                 </a:solidFill>
               </a:rPr>
-              <a:t>W3: Data is stored in </a:t>
+              <a:t>is stored in </a:t>
             </a:r>
             <a:r>
               <a:rPr lang="en-US" b="1" dirty="0">
@@ -17960,12 +18035,20 @@
               <a:t> </a:t>
             </a:r>
             <a:r>
+              <a:rPr lang="en-US" dirty="0" err="1" smtClean="0">
+                <a:solidFill>
+                  <a:schemeClr val="tx1"/>
+                </a:solidFill>
+              </a:rPr>
+              <a:t>databese</a:t>
+            </a:r>
+            <a:r>
               <a:rPr lang="en-US" dirty="0" smtClean="0">
                 <a:solidFill>
                   <a:schemeClr val="tx1"/>
                 </a:solidFill>
               </a:rPr>
-              <a:t>….</a:t>
+              <a:t>.</a:t>
             </a:r>
             <a:endParaRPr lang="en-US" dirty="0">
               <a:solidFill>
@@ -17975,20 +18058,12 @@
           </a:p>
           <a:p>
             <a:r>
-              <a:rPr lang="en-US" dirty="0">
-                <a:solidFill>
-                  <a:schemeClr val="tx1"/>
-                </a:solidFill>
-              </a:rPr>
-              <a:t>H3</a:t>
-            </a:r>
-            <a:r>
               <a:rPr lang="en-US" dirty="0" smtClean="0">
                 <a:solidFill>
                   <a:schemeClr val="tx1"/>
                 </a:solidFill>
               </a:rPr>
-              <a:t>:</a:t>
+              <a:t>Learning how to deal object database </a:t>
             </a:r>
             <a:endParaRPr lang="en-US" dirty="0">
               <a:solidFill>
@@ -18033,7 +18108,7 @@
           <p:cNvPr id="2" name="Title 1">
             <a:extLst>
               <a:ext uri="{FF2B5EF4-FFF2-40B4-BE49-F238E27FC236}">
-                <a16:creationId xmlns:a16="http://schemas.microsoft.com/office/drawing/2014/main" xmlns="" id="{62B38921-F153-46EC-9C43-821C8373A987}"/>
+                <a16:creationId xmlns="" xmlns:a16="http://schemas.microsoft.com/office/drawing/2014/main" id="{62B38921-F153-46EC-9C43-821C8373A987}"/>
               </a:ext>
             </a:extLst>
           </p:cNvPr>
@@ -18061,7 +18136,7 @@
           <p:cNvPr id="3" name="Text Placeholder 2">
             <a:extLst>
               <a:ext uri="{FF2B5EF4-FFF2-40B4-BE49-F238E27FC236}">
-                <a16:creationId xmlns:a16="http://schemas.microsoft.com/office/drawing/2014/main" xmlns="" id="{2CB6AAC8-A36D-4493-A68E-73BBD148B0D3}"/>
+                <a16:creationId xmlns="" xmlns:a16="http://schemas.microsoft.com/office/drawing/2014/main" id="{2CB6AAC8-A36D-4493-A68E-73BBD148B0D3}"/>
               </a:ext>
             </a:extLst>
           </p:cNvPr>

--- a/Pick a dish app.pptx
+++ b/Pick a dish app.pptx
@@ -119,7 +119,7 @@
   </p:defaultTextStyle>
   <p:extLst>
     <p:ext uri="{EFAFB233-063F-42B5-8137-9DF3F51BA10A}">
-      <p15:sldGuideLst xmlns:p15="http://schemas.microsoft.com/office/powerpoint/2012/main">
+      <p15:sldGuideLst xmlns:p15="http://schemas.microsoft.com/office/powerpoint/2012/main" xmlns="">
         <p15:guide id="1" orient="horz" pos="2160">
           <p15:clr>
             <a:srgbClr val="A4A3A4"/>
@@ -2780,42 +2780,6 @@
         </a:p>
       </dgm:t>
     </dgm:pt>
-    <dgm:pt modelId="{CA08021B-585B-46E7-BA1F-5420E56DFF26}">
-      <dgm:prSet/>
-      <dgm:spPr/>
-      <dgm:t>
-        <a:bodyPr/>
-        <a:lstStyle/>
-        <a:p>
-          <a:r>
-            <a:rPr lang="en-US" dirty="0"/>
-            <a:t>Filters in dishes list </a:t>
-          </a:r>
-        </a:p>
-      </dgm:t>
-    </dgm:pt>
-    <dgm:pt modelId="{C3858590-1432-4944-89FA-CB68A3AE18A5}" type="parTrans" cxnId="{5C69498A-C0CF-4B1C-8B83-AB4936C606E8}">
-      <dgm:prSet/>
-      <dgm:spPr/>
-      <dgm:t>
-        <a:bodyPr/>
-        <a:lstStyle/>
-        <a:p>
-          <a:endParaRPr lang="en-US"/>
-        </a:p>
-      </dgm:t>
-    </dgm:pt>
-    <dgm:pt modelId="{3AE963F2-851B-4C54-8100-1077DEBC4009}" type="sibTrans" cxnId="{5C69498A-C0CF-4B1C-8B83-AB4936C606E8}">
-      <dgm:prSet/>
-      <dgm:spPr/>
-      <dgm:t>
-        <a:bodyPr/>
-        <a:lstStyle/>
-        <a:p>
-          <a:endParaRPr lang="en-US"/>
-        </a:p>
-      </dgm:t>
-    </dgm:pt>
     <dgm:pt modelId="{DF64254A-9EBD-4EFC-9802-521BFBFB7109}">
       <dgm:prSet/>
       <dgm:spPr/>
@@ -2842,42 +2806,6 @@
       </dgm:t>
     </dgm:pt>
     <dgm:pt modelId="{E3181219-D854-4321-94E5-2C4540E74E9F}" type="sibTrans" cxnId="{83C7D896-DA89-4D78-8869-A1959AA3B220}">
-      <dgm:prSet/>
-      <dgm:spPr/>
-      <dgm:t>
-        <a:bodyPr/>
-        <a:lstStyle/>
-        <a:p>
-          <a:endParaRPr lang="en-US"/>
-        </a:p>
-      </dgm:t>
-    </dgm:pt>
-    <dgm:pt modelId="{EC304DEE-ECC8-4115-AC0C-7FAE380EE5DC}">
-      <dgm:prSet/>
-      <dgm:spPr/>
-      <dgm:t>
-        <a:bodyPr/>
-        <a:lstStyle/>
-        <a:p>
-          <a:r>
-            <a:rPr lang="en-US" dirty="0"/>
-            <a:t>Filters in shops list </a:t>
-          </a:r>
-        </a:p>
-      </dgm:t>
-    </dgm:pt>
-    <dgm:pt modelId="{32ED1675-E964-4124-A5F9-87012E54751F}" type="parTrans" cxnId="{58A1DB5A-EBB6-4C4E-8A19-4709FF509CD9}">
-      <dgm:prSet/>
-      <dgm:spPr/>
-      <dgm:t>
-        <a:bodyPr/>
-        <a:lstStyle/>
-        <a:p>
-          <a:endParaRPr lang="en-US"/>
-        </a:p>
-      </dgm:t>
-    </dgm:pt>
-    <dgm:pt modelId="{76D59B59-E733-4A24-B6FD-96DD6E6B0254}" type="sibTrans" cxnId="{58A1DB5A-EBB6-4C4E-8A19-4709FF509CD9}">
       <dgm:prSet/>
       <dgm:spPr/>
       <dgm:t>
@@ -3169,27 +3097,8 @@
         </a:p>
       </dgm:t>
     </dgm:pt>
-    <dgm:pt modelId="{2CAB0F38-E292-4E90-B35F-6EB8A903C9CB}" type="pres">
-      <dgm:prSet presAssocID="{CA08021B-585B-46E7-BA1F-5420E56DFF26}" presName="node" presStyleLbl="node1" presStyleIdx="0" presStyleCnt="10">
-        <dgm:presLayoutVars>
-          <dgm:bulletEnabled val="1"/>
-        </dgm:presLayoutVars>
-      </dgm:prSet>
-      <dgm:spPr/>
-      <dgm:t>
-        <a:bodyPr/>
-        <a:lstStyle/>
-        <a:p>
-          <a:endParaRPr lang="en-US"/>
-        </a:p>
-      </dgm:t>
-    </dgm:pt>
-    <dgm:pt modelId="{63441EE2-73B0-4816-B767-6FDF68D8E957}" type="pres">
-      <dgm:prSet presAssocID="{3AE963F2-851B-4C54-8100-1077DEBC4009}" presName="sibTrans" presStyleCnt="0"/>
-      <dgm:spPr/>
-    </dgm:pt>
     <dgm:pt modelId="{35CD2B37-F779-4962-82A3-DEC6CC6C87F5}" type="pres">
-      <dgm:prSet presAssocID="{DF64254A-9EBD-4EFC-9802-521BFBFB7109}" presName="node" presStyleLbl="node1" presStyleIdx="1" presStyleCnt="10">
+      <dgm:prSet presAssocID="{DF64254A-9EBD-4EFC-9802-521BFBFB7109}" presName="node" presStyleLbl="node1" presStyleIdx="0" presStyleCnt="8">
         <dgm:presLayoutVars>
           <dgm:bulletEnabled val="1"/>
         </dgm:presLayoutVars>
@@ -3208,7 +3117,7 @@
       <dgm:spPr/>
     </dgm:pt>
     <dgm:pt modelId="{D8CA33B2-CD12-4D9B-B73D-AEBEFF4856CD}" type="pres">
-      <dgm:prSet presAssocID="{CEFBEC40-31D5-4F80-AE5D-15FBAFBBF5A0}" presName="node" presStyleLbl="node1" presStyleIdx="2" presStyleCnt="10">
+      <dgm:prSet presAssocID="{CEFBEC40-31D5-4F80-AE5D-15FBAFBBF5A0}" presName="node" presStyleLbl="node1" presStyleIdx="1" presStyleCnt="8">
         <dgm:presLayoutVars>
           <dgm:bulletEnabled val="1"/>
         </dgm:presLayoutVars>
@@ -3226,27 +3135,8 @@
       <dgm:prSet presAssocID="{7AEDD36E-0B87-4FC4-91FC-30E8D827C823}" presName="sibTrans" presStyleCnt="0"/>
       <dgm:spPr/>
     </dgm:pt>
-    <dgm:pt modelId="{556F3AFB-5CAC-40F2-BD2F-7BCE935EBF20}" type="pres">
-      <dgm:prSet presAssocID="{EC304DEE-ECC8-4115-AC0C-7FAE380EE5DC}" presName="node" presStyleLbl="node1" presStyleIdx="3" presStyleCnt="10">
-        <dgm:presLayoutVars>
-          <dgm:bulletEnabled val="1"/>
-        </dgm:presLayoutVars>
-      </dgm:prSet>
-      <dgm:spPr/>
-      <dgm:t>
-        <a:bodyPr/>
-        <a:lstStyle/>
-        <a:p>
-          <a:endParaRPr lang="en-US"/>
-        </a:p>
-      </dgm:t>
-    </dgm:pt>
-    <dgm:pt modelId="{8E181051-9221-4B36-8761-DBFE5D1CC42D}" type="pres">
-      <dgm:prSet presAssocID="{76D59B59-E733-4A24-B6FD-96DD6E6B0254}" presName="sibTrans" presStyleCnt="0"/>
-      <dgm:spPr/>
-    </dgm:pt>
     <dgm:pt modelId="{46E7CDFA-621F-40A9-A72F-13159B4965BE}" type="pres">
-      <dgm:prSet presAssocID="{EAB44E80-EB98-4FB7-B58D-9054D1F44343}" presName="node" presStyleLbl="node1" presStyleIdx="4" presStyleCnt="10">
+      <dgm:prSet presAssocID="{EAB44E80-EB98-4FB7-B58D-9054D1F44343}" presName="node" presStyleLbl="node1" presStyleIdx="2" presStyleCnt="8">
         <dgm:presLayoutVars>
           <dgm:bulletEnabled val="1"/>
         </dgm:presLayoutVars>
@@ -3265,7 +3155,7 @@
       <dgm:spPr/>
     </dgm:pt>
     <dgm:pt modelId="{87505D9B-FB99-4C9F-A1CB-5FFBDDBFE589}" type="pres">
-      <dgm:prSet presAssocID="{833137B7-273E-4CB6-8381-2C2F2ACF41A9}" presName="node" presStyleLbl="node1" presStyleIdx="5" presStyleCnt="10">
+      <dgm:prSet presAssocID="{833137B7-273E-4CB6-8381-2C2F2ACF41A9}" presName="node" presStyleLbl="node1" presStyleIdx="3" presStyleCnt="8">
         <dgm:presLayoutVars>
           <dgm:bulletEnabled val="1"/>
         </dgm:presLayoutVars>
@@ -3284,7 +3174,7 @@
       <dgm:spPr/>
     </dgm:pt>
     <dgm:pt modelId="{E875863E-5C66-47F5-9A02-8D09F1459740}" type="pres">
-      <dgm:prSet presAssocID="{BE9C5062-E235-4175-A274-94C994B2BBD2}" presName="node" presStyleLbl="node1" presStyleIdx="6" presStyleCnt="10">
+      <dgm:prSet presAssocID="{BE9C5062-E235-4175-A274-94C994B2BBD2}" presName="node" presStyleLbl="node1" presStyleIdx="4" presStyleCnt="8">
         <dgm:presLayoutVars>
           <dgm:bulletEnabled val="1"/>
         </dgm:presLayoutVars>
@@ -3303,7 +3193,7 @@
       <dgm:spPr/>
     </dgm:pt>
     <dgm:pt modelId="{7843059E-BCF7-45F4-B578-65601AC84C15}" type="pres">
-      <dgm:prSet presAssocID="{05E9AB3C-DFD6-4864-A678-A90FD79237AF}" presName="node" presStyleLbl="node1" presStyleIdx="7" presStyleCnt="10">
+      <dgm:prSet presAssocID="{05E9AB3C-DFD6-4864-A678-A90FD79237AF}" presName="node" presStyleLbl="node1" presStyleIdx="5" presStyleCnt="8">
         <dgm:presLayoutVars>
           <dgm:bulletEnabled val="1"/>
         </dgm:presLayoutVars>
@@ -3322,7 +3212,7 @@
       <dgm:spPr/>
     </dgm:pt>
     <dgm:pt modelId="{71D7D387-6645-4FFF-8203-40963EE90B98}" type="pres">
-      <dgm:prSet presAssocID="{0DEABE5C-1100-4841-AE6B-8418162BA37F}" presName="node" presStyleLbl="node1" presStyleIdx="8" presStyleCnt="10">
+      <dgm:prSet presAssocID="{0DEABE5C-1100-4841-AE6B-8418162BA37F}" presName="node" presStyleLbl="node1" presStyleIdx="6" presStyleCnt="8">
         <dgm:presLayoutVars>
           <dgm:bulletEnabled val="1"/>
         </dgm:presLayoutVars>
@@ -3341,7 +3231,7 @@
       <dgm:spPr/>
     </dgm:pt>
     <dgm:pt modelId="{F98ADD5E-C142-4430-B4C0-7EA272D37E54}" type="pres">
-      <dgm:prSet presAssocID="{27CD27FC-1C78-4066-BFAA-6106CA4C407B}" presName="node" presStyleLbl="node1" presStyleIdx="9" presStyleCnt="10">
+      <dgm:prSet presAssocID="{27CD27FC-1C78-4066-BFAA-6106CA4C407B}" presName="node" presStyleLbl="node1" presStyleIdx="7" presStyleCnt="8">
         <dgm:presLayoutVars>
           <dgm:bulletEnabled val="1"/>
         </dgm:presLayoutVars>
@@ -3357,46 +3247,38 @@
     </dgm:pt>
   </dgm:ptLst>
   <dgm:cxnLst>
-    <dgm:cxn modelId="{473012C6-2575-4D87-8FE6-DD657648F194}" srcId="{05737378-F74C-4E24-9EC2-0D2BB5758FB1}" destId="{27CD27FC-1C78-4066-BFAA-6106CA4C407B}" srcOrd="9" destOrd="0" parTransId="{9F661BE4-71DC-4105-8BD5-301DB76E4A0F}" sibTransId="{F779E767-8151-4530-9627-B8E71853BDFF}"/>
+    <dgm:cxn modelId="{473012C6-2575-4D87-8FE6-DD657648F194}" srcId="{05737378-F74C-4E24-9EC2-0D2BB5758FB1}" destId="{27CD27FC-1C78-4066-BFAA-6106CA4C407B}" srcOrd="7" destOrd="0" parTransId="{9F661BE4-71DC-4105-8BD5-301DB76E4A0F}" sibTransId="{F779E767-8151-4530-9627-B8E71853BDFF}"/>
     <dgm:cxn modelId="{EB1EE9A3-B12F-4095-B15A-8A4BC3093D8D}" type="presOf" srcId="{05E9AB3C-DFD6-4864-A678-A90FD79237AF}" destId="{7843059E-BCF7-45F4-B578-65601AC84C15}" srcOrd="0" destOrd="0" presId="urn:microsoft.com/office/officeart/2005/8/layout/default"/>
-    <dgm:cxn modelId="{631E0B0C-32CD-4BA6-B298-C74890F8D470}" srcId="{05737378-F74C-4E24-9EC2-0D2BB5758FB1}" destId="{BE9C5062-E235-4175-A274-94C994B2BBD2}" srcOrd="6" destOrd="0" parTransId="{9AD3C363-D4CB-4F02-80AD-A19E42C0CFA4}" sibTransId="{10BB8CC6-3A31-48FF-BCD5-DC47BE72146B}"/>
-    <dgm:cxn modelId="{12B57F1A-7AAC-4763-B00C-DEFB40CF4EF5}" srcId="{05737378-F74C-4E24-9EC2-0D2BB5758FB1}" destId="{EAB44E80-EB98-4FB7-B58D-9054D1F44343}" srcOrd="4" destOrd="0" parTransId="{1AD31A3F-A9DF-4B29-A02B-660D5D646C0F}" sibTransId="{E6FECD94-72AC-4865-AC62-6FCC3C529198}"/>
-    <dgm:cxn modelId="{540AFBF0-7756-4B28-BD69-B6E65DB3B15C}" srcId="{05737378-F74C-4E24-9EC2-0D2BB5758FB1}" destId="{0DEABE5C-1100-4841-AE6B-8418162BA37F}" srcOrd="8" destOrd="0" parTransId="{3D7765CE-D4A2-4B26-860F-F9AC5E3AE6D1}" sibTransId="{9D4190AC-B3D2-43C6-A8A9-231E6F4741D7}"/>
-    <dgm:cxn modelId="{E27AA84A-57F7-455D-8EB7-8F81DA5260AE}" srcId="{05737378-F74C-4E24-9EC2-0D2BB5758FB1}" destId="{CEFBEC40-31D5-4F80-AE5D-15FBAFBBF5A0}" srcOrd="2" destOrd="0" parTransId="{A6FD00DA-84F5-43A5-86EF-A56BA0FE0F7A}" sibTransId="{7AEDD36E-0B87-4FC4-91FC-30E8D827C823}"/>
+    <dgm:cxn modelId="{631E0B0C-32CD-4BA6-B298-C74890F8D470}" srcId="{05737378-F74C-4E24-9EC2-0D2BB5758FB1}" destId="{BE9C5062-E235-4175-A274-94C994B2BBD2}" srcOrd="4" destOrd="0" parTransId="{9AD3C363-D4CB-4F02-80AD-A19E42C0CFA4}" sibTransId="{10BB8CC6-3A31-48FF-BCD5-DC47BE72146B}"/>
+    <dgm:cxn modelId="{12B57F1A-7AAC-4763-B00C-DEFB40CF4EF5}" srcId="{05737378-F74C-4E24-9EC2-0D2BB5758FB1}" destId="{EAB44E80-EB98-4FB7-B58D-9054D1F44343}" srcOrd="2" destOrd="0" parTransId="{1AD31A3F-A9DF-4B29-A02B-660D5D646C0F}" sibTransId="{E6FECD94-72AC-4865-AC62-6FCC3C529198}"/>
+    <dgm:cxn modelId="{540AFBF0-7756-4B28-BD69-B6E65DB3B15C}" srcId="{05737378-F74C-4E24-9EC2-0D2BB5758FB1}" destId="{0DEABE5C-1100-4841-AE6B-8418162BA37F}" srcOrd="6" destOrd="0" parTransId="{3D7765CE-D4A2-4B26-860F-F9AC5E3AE6D1}" sibTransId="{9D4190AC-B3D2-43C6-A8A9-231E6F4741D7}"/>
+    <dgm:cxn modelId="{E27AA84A-57F7-455D-8EB7-8F81DA5260AE}" srcId="{05737378-F74C-4E24-9EC2-0D2BB5758FB1}" destId="{CEFBEC40-31D5-4F80-AE5D-15FBAFBBF5A0}" srcOrd="1" destOrd="0" parTransId="{A6FD00DA-84F5-43A5-86EF-A56BA0FE0F7A}" sibTransId="{7AEDD36E-0B87-4FC4-91FC-30E8D827C823}"/>
     <dgm:cxn modelId="{4C96918B-B013-4CA3-905E-18F7331B018E}" type="presOf" srcId="{BE9C5062-E235-4175-A274-94C994B2BBD2}" destId="{E875863E-5C66-47F5-9A02-8D09F1459740}" srcOrd="0" destOrd="0" presId="urn:microsoft.com/office/officeart/2005/8/layout/default"/>
     <dgm:cxn modelId="{D999D6EB-61A2-4986-B990-CDA108B5280C}" type="presOf" srcId="{0DEABE5C-1100-4841-AE6B-8418162BA37F}" destId="{71D7D387-6645-4FFF-8203-40963EE90B98}" srcOrd="0" destOrd="0" presId="urn:microsoft.com/office/officeart/2005/8/layout/default"/>
-    <dgm:cxn modelId="{7F9FB9A5-108D-4614-BF5A-796C77DB19E7}" type="presOf" srcId="{EC304DEE-ECC8-4115-AC0C-7FAE380EE5DC}" destId="{556F3AFB-5CAC-40F2-BD2F-7BCE935EBF20}" srcOrd="0" destOrd="0" presId="urn:microsoft.com/office/officeart/2005/8/layout/default"/>
-    <dgm:cxn modelId="{605E9C4D-8446-4E80-BAC0-C2D3D0AFDFE5}" srcId="{05737378-F74C-4E24-9EC2-0D2BB5758FB1}" destId="{833137B7-273E-4CB6-8381-2C2F2ACF41A9}" srcOrd="5" destOrd="0" parTransId="{C85722CF-114F-4466-82C8-7058DC435DD6}" sibTransId="{2CB78FF2-AAAD-4541-81AE-E58D28D208BA}"/>
-    <dgm:cxn modelId="{D39C1D97-F9E6-479B-A32B-CEDF77D52252}" type="presOf" srcId="{CA08021B-585B-46E7-BA1F-5420E56DFF26}" destId="{2CAB0F38-E292-4E90-B35F-6EB8A903C9CB}" srcOrd="0" destOrd="0" presId="urn:microsoft.com/office/officeart/2005/8/layout/default"/>
+    <dgm:cxn modelId="{605E9C4D-8446-4E80-BAC0-C2D3D0AFDFE5}" srcId="{05737378-F74C-4E24-9EC2-0D2BB5758FB1}" destId="{833137B7-273E-4CB6-8381-2C2F2ACF41A9}" srcOrd="3" destOrd="0" parTransId="{C85722CF-114F-4466-82C8-7058DC435DD6}" sibTransId="{2CB78FF2-AAAD-4541-81AE-E58D28D208BA}"/>
     <dgm:cxn modelId="{D25356F8-626A-4283-9AE4-B2E30D657B6C}" type="presOf" srcId="{05737378-F74C-4E24-9EC2-0D2BB5758FB1}" destId="{74DC694E-3D09-4A3E-AA06-0F436465B8DD}" srcOrd="0" destOrd="0" presId="urn:microsoft.com/office/officeart/2005/8/layout/default"/>
-    <dgm:cxn modelId="{5C69498A-C0CF-4B1C-8B83-AB4936C606E8}" srcId="{05737378-F74C-4E24-9EC2-0D2BB5758FB1}" destId="{CA08021B-585B-46E7-BA1F-5420E56DFF26}" srcOrd="0" destOrd="0" parTransId="{C3858590-1432-4944-89FA-CB68A3AE18A5}" sibTransId="{3AE963F2-851B-4C54-8100-1077DEBC4009}"/>
     <dgm:cxn modelId="{08073DB3-02EA-4C77-8F26-C87C8B6C3ED3}" type="presOf" srcId="{833137B7-273E-4CB6-8381-2C2F2ACF41A9}" destId="{87505D9B-FB99-4C9F-A1CB-5FFBDDBFE589}" srcOrd="0" destOrd="0" presId="urn:microsoft.com/office/officeart/2005/8/layout/default"/>
-    <dgm:cxn modelId="{58A1DB5A-EBB6-4C4E-8A19-4709FF509CD9}" srcId="{05737378-F74C-4E24-9EC2-0D2BB5758FB1}" destId="{EC304DEE-ECC8-4115-AC0C-7FAE380EE5DC}" srcOrd="3" destOrd="0" parTransId="{32ED1675-E964-4124-A5F9-87012E54751F}" sibTransId="{76D59B59-E733-4A24-B6FD-96DD6E6B0254}"/>
-    <dgm:cxn modelId="{83C7D896-DA89-4D78-8869-A1959AA3B220}" srcId="{05737378-F74C-4E24-9EC2-0D2BB5758FB1}" destId="{DF64254A-9EBD-4EFC-9802-521BFBFB7109}" srcOrd="1" destOrd="0" parTransId="{392C3C0E-C17E-4820-B9FD-69B100A6C062}" sibTransId="{E3181219-D854-4321-94E5-2C4540E74E9F}"/>
+    <dgm:cxn modelId="{83C7D896-DA89-4D78-8869-A1959AA3B220}" srcId="{05737378-F74C-4E24-9EC2-0D2BB5758FB1}" destId="{DF64254A-9EBD-4EFC-9802-521BFBFB7109}" srcOrd="0" destOrd="0" parTransId="{392C3C0E-C17E-4820-B9FD-69B100A6C062}" sibTransId="{E3181219-D854-4321-94E5-2C4540E74E9F}"/>
     <dgm:cxn modelId="{5837B3DE-5634-42DD-9DD6-B6E5BF73F3F1}" type="presOf" srcId="{EAB44E80-EB98-4FB7-B58D-9054D1F44343}" destId="{46E7CDFA-621F-40A9-A72F-13159B4965BE}" srcOrd="0" destOrd="0" presId="urn:microsoft.com/office/officeart/2005/8/layout/default"/>
     <dgm:cxn modelId="{D3F94EE7-BDF2-4B1E-8070-AE51AD075A6D}" type="presOf" srcId="{DF64254A-9EBD-4EFC-9802-521BFBFB7109}" destId="{35CD2B37-F779-4962-82A3-DEC6CC6C87F5}" srcOrd="0" destOrd="0" presId="urn:microsoft.com/office/officeart/2005/8/layout/default"/>
-    <dgm:cxn modelId="{43B85156-CD02-417A-8B98-074ABCAFC629}" srcId="{05737378-F74C-4E24-9EC2-0D2BB5758FB1}" destId="{05E9AB3C-DFD6-4864-A678-A90FD79237AF}" srcOrd="7" destOrd="0" parTransId="{4D10C5E8-8B46-4450-B1CB-CC37690D0044}" sibTransId="{72912596-1194-4126-8E06-3BCF376FB764}"/>
+    <dgm:cxn modelId="{43B85156-CD02-417A-8B98-074ABCAFC629}" srcId="{05737378-F74C-4E24-9EC2-0D2BB5758FB1}" destId="{05E9AB3C-DFD6-4864-A678-A90FD79237AF}" srcOrd="5" destOrd="0" parTransId="{4D10C5E8-8B46-4450-B1CB-CC37690D0044}" sibTransId="{72912596-1194-4126-8E06-3BCF376FB764}"/>
     <dgm:cxn modelId="{EB1087E9-D1B0-4D0B-A44C-9164620F1478}" type="presOf" srcId="{27CD27FC-1C78-4066-BFAA-6106CA4C407B}" destId="{F98ADD5E-C142-4430-B4C0-7EA272D37E54}" srcOrd="0" destOrd="0" presId="urn:microsoft.com/office/officeart/2005/8/layout/default"/>
     <dgm:cxn modelId="{B388398B-DD25-4D96-861D-5EC744A50C20}" type="presOf" srcId="{CEFBEC40-31D5-4F80-AE5D-15FBAFBBF5A0}" destId="{D8CA33B2-CD12-4D9B-B73D-AEBEFF4856CD}" srcOrd="0" destOrd="0" presId="urn:microsoft.com/office/officeart/2005/8/layout/default"/>
-    <dgm:cxn modelId="{1C0F507F-2D90-416F-A3AA-20E4CCD964D5}" type="presParOf" srcId="{74DC694E-3D09-4A3E-AA06-0F436465B8DD}" destId="{2CAB0F38-E292-4E90-B35F-6EB8A903C9CB}" srcOrd="0" destOrd="0" presId="urn:microsoft.com/office/officeart/2005/8/layout/default"/>
-    <dgm:cxn modelId="{77B2D0E8-1127-4063-A94F-B34A2411374D}" type="presParOf" srcId="{74DC694E-3D09-4A3E-AA06-0F436465B8DD}" destId="{63441EE2-73B0-4816-B767-6FDF68D8E957}" srcOrd="1" destOrd="0" presId="urn:microsoft.com/office/officeart/2005/8/layout/default"/>
-    <dgm:cxn modelId="{6DB20DFC-CA99-43F3-8B84-48705E1DD7BD}" type="presParOf" srcId="{74DC694E-3D09-4A3E-AA06-0F436465B8DD}" destId="{35CD2B37-F779-4962-82A3-DEC6CC6C87F5}" srcOrd="2" destOrd="0" presId="urn:microsoft.com/office/officeart/2005/8/layout/default"/>
-    <dgm:cxn modelId="{2FCB7500-23FC-4085-919B-E9CBAA862520}" type="presParOf" srcId="{74DC694E-3D09-4A3E-AA06-0F436465B8DD}" destId="{875024A1-D88A-450E-9C62-4A6E444B67E8}" srcOrd="3" destOrd="0" presId="urn:microsoft.com/office/officeart/2005/8/layout/default"/>
-    <dgm:cxn modelId="{8CDEC66D-C727-423C-A03F-C5C46B2664C9}" type="presParOf" srcId="{74DC694E-3D09-4A3E-AA06-0F436465B8DD}" destId="{D8CA33B2-CD12-4D9B-B73D-AEBEFF4856CD}" srcOrd="4" destOrd="0" presId="urn:microsoft.com/office/officeart/2005/8/layout/default"/>
-    <dgm:cxn modelId="{E8C44EFA-EAD7-4CF2-BFEE-F96D99A47CA8}" type="presParOf" srcId="{74DC694E-3D09-4A3E-AA06-0F436465B8DD}" destId="{08A1EADD-141B-4BDE-92D5-1C422EF0A383}" srcOrd="5" destOrd="0" presId="urn:microsoft.com/office/officeart/2005/8/layout/default"/>
-    <dgm:cxn modelId="{807EABD0-895A-42B7-A25E-6DF54A6B2951}" type="presParOf" srcId="{74DC694E-3D09-4A3E-AA06-0F436465B8DD}" destId="{556F3AFB-5CAC-40F2-BD2F-7BCE935EBF20}" srcOrd="6" destOrd="0" presId="urn:microsoft.com/office/officeart/2005/8/layout/default"/>
-    <dgm:cxn modelId="{2A0AA83A-6EF6-413B-B4FC-25DF33B267F6}" type="presParOf" srcId="{74DC694E-3D09-4A3E-AA06-0F436465B8DD}" destId="{8E181051-9221-4B36-8761-DBFE5D1CC42D}" srcOrd="7" destOrd="0" presId="urn:microsoft.com/office/officeart/2005/8/layout/default"/>
-    <dgm:cxn modelId="{0249967A-212C-46A8-B99E-90C46BEFCFCD}" type="presParOf" srcId="{74DC694E-3D09-4A3E-AA06-0F436465B8DD}" destId="{46E7CDFA-621F-40A9-A72F-13159B4965BE}" srcOrd="8" destOrd="0" presId="urn:microsoft.com/office/officeart/2005/8/layout/default"/>
-    <dgm:cxn modelId="{31B297B7-DCB8-4FB9-BF49-26D3E0F26D0B}" type="presParOf" srcId="{74DC694E-3D09-4A3E-AA06-0F436465B8DD}" destId="{9309253B-4A3F-413D-A3B8-AE6FBE19481F}" srcOrd="9" destOrd="0" presId="urn:microsoft.com/office/officeart/2005/8/layout/default"/>
-    <dgm:cxn modelId="{6EF49D64-3ECE-473F-9122-3993B393DC15}" type="presParOf" srcId="{74DC694E-3D09-4A3E-AA06-0F436465B8DD}" destId="{87505D9B-FB99-4C9F-A1CB-5FFBDDBFE589}" srcOrd="10" destOrd="0" presId="urn:microsoft.com/office/officeart/2005/8/layout/default"/>
-    <dgm:cxn modelId="{CB5EA98E-ED71-400D-B12D-52A2E6756BB4}" type="presParOf" srcId="{74DC694E-3D09-4A3E-AA06-0F436465B8DD}" destId="{5F06CE04-DBE2-493A-A3A7-CB2280886FCD}" srcOrd="11" destOrd="0" presId="urn:microsoft.com/office/officeart/2005/8/layout/default"/>
-    <dgm:cxn modelId="{815408EF-5892-4A0F-B153-C26F51CEE57A}" type="presParOf" srcId="{74DC694E-3D09-4A3E-AA06-0F436465B8DD}" destId="{E875863E-5C66-47F5-9A02-8D09F1459740}" srcOrd="12" destOrd="0" presId="urn:microsoft.com/office/officeart/2005/8/layout/default"/>
-    <dgm:cxn modelId="{E879C6B7-2141-4F6B-A4B7-F384EA208151}" type="presParOf" srcId="{74DC694E-3D09-4A3E-AA06-0F436465B8DD}" destId="{F7EBA5FE-26AB-4BDB-8624-082CEDA7776B}" srcOrd="13" destOrd="0" presId="urn:microsoft.com/office/officeart/2005/8/layout/default"/>
-    <dgm:cxn modelId="{7FB2CC66-44CC-42BF-B4A4-871EE62830E3}" type="presParOf" srcId="{74DC694E-3D09-4A3E-AA06-0F436465B8DD}" destId="{7843059E-BCF7-45F4-B578-65601AC84C15}" srcOrd="14" destOrd="0" presId="urn:microsoft.com/office/officeart/2005/8/layout/default"/>
-    <dgm:cxn modelId="{853BF4C1-1129-4F44-BCDE-EB5321A0EF9B}" type="presParOf" srcId="{74DC694E-3D09-4A3E-AA06-0F436465B8DD}" destId="{A10E726B-60BC-477B-9D04-197AC48C9DC4}" srcOrd="15" destOrd="0" presId="urn:microsoft.com/office/officeart/2005/8/layout/default"/>
-    <dgm:cxn modelId="{A43124B3-9855-4FDD-AD0C-31EA9F1EF2E4}" type="presParOf" srcId="{74DC694E-3D09-4A3E-AA06-0F436465B8DD}" destId="{71D7D387-6645-4FFF-8203-40963EE90B98}" srcOrd="16" destOrd="0" presId="urn:microsoft.com/office/officeart/2005/8/layout/default"/>
-    <dgm:cxn modelId="{C8647F6E-2226-48AB-BDBD-47B222C59FE5}" type="presParOf" srcId="{74DC694E-3D09-4A3E-AA06-0F436465B8DD}" destId="{DA6AA187-C63B-4EBE-80F4-5E2F8ADE9C54}" srcOrd="17" destOrd="0" presId="urn:microsoft.com/office/officeart/2005/8/layout/default"/>
-    <dgm:cxn modelId="{8E9BD6A2-BB0B-4086-B9C6-B31174055800}" type="presParOf" srcId="{74DC694E-3D09-4A3E-AA06-0F436465B8DD}" destId="{F98ADD5E-C142-4430-B4C0-7EA272D37E54}" srcOrd="18" destOrd="0" presId="urn:microsoft.com/office/officeart/2005/8/layout/default"/>
+    <dgm:cxn modelId="{6DB20DFC-CA99-43F3-8B84-48705E1DD7BD}" type="presParOf" srcId="{74DC694E-3D09-4A3E-AA06-0F436465B8DD}" destId="{35CD2B37-F779-4962-82A3-DEC6CC6C87F5}" srcOrd="0" destOrd="0" presId="urn:microsoft.com/office/officeart/2005/8/layout/default"/>
+    <dgm:cxn modelId="{2FCB7500-23FC-4085-919B-E9CBAA862520}" type="presParOf" srcId="{74DC694E-3D09-4A3E-AA06-0F436465B8DD}" destId="{875024A1-D88A-450E-9C62-4A6E444B67E8}" srcOrd="1" destOrd="0" presId="urn:microsoft.com/office/officeart/2005/8/layout/default"/>
+    <dgm:cxn modelId="{8CDEC66D-C727-423C-A03F-C5C46B2664C9}" type="presParOf" srcId="{74DC694E-3D09-4A3E-AA06-0F436465B8DD}" destId="{D8CA33B2-CD12-4D9B-B73D-AEBEFF4856CD}" srcOrd="2" destOrd="0" presId="urn:microsoft.com/office/officeart/2005/8/layout/default"/>
+    <dgm:cxn modelId="{E8C44EFA-EAD7-4CF2-BFEE-F96D99A47CA8}" type="presParOf" srcId="{74DC694E-3D09-4A3E-AA06-0F436465B8DD}" destId="{08A1EADD-141B-4BDE-92D5-1C422EF0A383}" srcOrd="3" destOrd="0" presId="urn:microsoft.com/office/officeart/2005/8/layout/default"/>
+    <dgm:cxn modelId="{0249967A-212C-46A8-B99E-90C46BEFCFCD}" type="presParOf" srcId="{74DC694E-3D09-4A3E-AA06-0F436465B8DD}" destId="{46E7CDFA-621F-40A9-A72F-13159B4965BE}" srcOrd="4" destOrd="0" presId="urn:microsoft.com/office/officeart/2005/8/layout/default"/>
+    <dgm:cxn modelId="{31B297B7-DCB8-4FB9-BF49-26D3E0F26D0B}" type="presParOf" srcId="{74DC694E-3D09-4A3E-AA06-0F436465B8DD}" destId="{9309253B-4A3F-413D-A3B8-AE6FBE19481F}" srcOrd="5" destOrd="0" presId="urn:microsoft.com/office/officeart/2005/8/layout/default"/>
+    <dgm:cxn modelId="{6EF49D64-3ECE-473F-9122-3993B393DC15}" type="presParOf" srcId="{74DC694E-3D09-4A3E-AA06-0F436465B8DD}" destId="{87505D9B-FB99-4C9F-A1CB-5FFBDDBFE589}" srcOrd="6" destOrd="0" presId="urn:microsoft.com/office/officeart/2005/8/layout/default"/>
+    <dgm:cxn modelId="{CB5EA98E-ED71-400D-B12D-52A2E6756BB4}" type="presParOf" srcId="{74DC694E-3D09-4A3E-AA06-0F436465B8DD}" destId="{5F06CE04-DBE2-493A-A3A7-CB2280886FCD}" srcOrd="7" destOrd="0" presId="urn:microsoft.com/office/officeart/2005/8/layout/default"/>
+    <dgm:cxn modelId="{815408EF-5892-4A0F-B153-C26F51CEE57A}" type="presParOf" srcId="{74DC694E-3D09-4A3E-AA06-0F436465B8DD}" destId="{E875863E-5C66-47F5-9A02-8D09F1459740}" srcOrd="8" destOrd="0" presId="urn:microsoft.com/office/officeart/2005/8/layout/default"/>
+    <dgm:cxn modelId="{E879C6B7-2141-4F6B-A4B7-F384EA208151}" type="presParOf" srcId="{74DC694E-3D09-4A3E-AA06-0F436465B8DD}" destId="{F7EBA5FE-26AB-4BDB-8624-082CEDA7776B}" srcOrd="9" destOrd="0" presId="urn:microsoft.com/office/officeart/2005/8/layout/default"/>
+    <dgm:cxn modelId="{7FB2CC66-44CC-42BF-B4A4-871EE62830E3}" type="presParOf" srcId="{74DC694E-3D09-4A3E-AA06-0F436465B8DD}" destId="{7843059E-BCF7-45F4-B578-65601AC84C15}" srcOrd="10" destOrd="0" presId="urn:microsoft.com/office/officeart/2005/8/layout/default"/>
+    <dgm:cxn modelId="{853BF4C1-1129-4F44-BCDE-EB5321A0EF9B}" type="presParOf" srcId="{74DC694E-3D09-4A3E-AA06-0F436465B8DD}" destId="{A10E726B-60BC-477B-9D04-197AC48C9DC4}" srcOrd="11" destOrd="0" presId="urn:microsoft.com/office/officeart/2005/8/layout/default"/>
+    <dgm:cxn modelId="{A43124B3-9855-4FDD-AD0C-31EA9F1EF2E4}" type="presParOf" srcId="{74DC694E-3D09-4A3E-AA06-0F436465B8DD}" destId="{71D7D387-6645-4FFF-8203-40963EE90B98}" srcOrd="12" destOrd="0" presId="urn:microsoft.com/office/officeart/2005/8/layout/default"/>
+    <dgm:cxn modelId="{C8647F6E-2226-48AB-BDBD-47B222C59FE5}" type="presParOf" srcId="{74DC694E-3D09-4A3E-AA06-0F436465B8DD}" destId="{DA6AA187-C63B-4EBE-80F4-5E2F8ADE9C54}" srcOrd="13" destOrd="0" presId="urn:microsoft.com/office/officeart/2005/8/layout/default"/>
+    <dgm:cxn modelId="{8E9BD6A2-BB0B-4086-B9C6-B31174055800}" type="presParOf" srcId="{74DC694E-3D09-4A3E-AA06-0F436465B8DD}" destId="{F98ADD5E-C142-4430-B4C0-7EA272D37E54}" srcOrd="14" destOrd="0" presId="urn:microsoft.com/office/officeart/2005/8/layout/default"/>
   </dgm:cxnLst>
   <dgm:bg/>
   <dgm:whole/>
@@ -4740,15 +4622,15 @@
       <dsp:cNvGrpSpPr/>
     </dsp:nvGrpSpPr>
     <dsp:grpSpPr/>
-    <dsp:sp modelId="{2CAB0F38-E292-4E90-B35F-6EB8A903C9CB}">
+    <dsp:sp modelId="{35CD2B37-F779-4962-82A3-DEC6CC6C87F5}">
       <dsp:nvSpPr>
         <dsp:cNvPr id="0" name=""/>
         <dsp:cNvSpPr/>
       </dsp:nvSpPr>
       <dsp:spPr>
         <a:xfrm>
-          <a:off x="3479" y="572631"/>
-          <a:ext cx="1883720" cy="1130232"/>
+          <a:off x="2982" y="259257"/>
+          <a:ext cx="2365833" cy="1419500"/>
         </a:xfrm>
         <a:prstGeom prst="rect">
           <a:avLst/>
@@ -4789,12 +4671,12 @@
         </a:fontRef>
       </dsp:style>
       <dsp:txBody>
-        <a:bodyPr spcFirstLastPara="0" vert="horz" wrap="square" lIns="95250" tIns="95250" rIns="95250" bIns="95250" numCol="1" spcCol="1270" anchor="ctr" anchorCtr="0">
+        <a:bodyPr spcFirstLastPara="0" vert="horz" wrap="square" lIns="118110" tIns="118110" rIns="118110" bIns="118110" numCol="1" spcCol="1270" anchor="ctr" anchorCtr="0">
           <a:noAutofit/>
         </a:bodyPr>
         <a:lstStyle/>
         <a:p>
-          <a:pPr lvl="0" algn="ctr" defTabSz="1111250">
+          <a:pPr lvl="0" algn="ctr" defTabSz="1377950">
             <a:lnSpc>
               <a:spcPct val="90000"/>
             </a:lnSpc>
@@ -4806,34 +4688,34 @@
             </a:spcAft>
           </a:pPr>
           <a:r>
-            <a:rPr lang="en-US" sz="2500" kern="1200" dirty="0"/>
-            <a:t>Filters in dishes list </a:t>
+            <a:rPr lang="en-US" sz="3100" kern="1200" dirty="0"/>
+            <a:t>Search in dishes list </a:t>
           </a:r>
         </a:p>
       </dsp:txBody>
       <dsp:txXfrm>
-        <a:off x="3479" y="572631"/>
-        <a:ext cx="1883720" cy="1130232"/>
+        <a:off x="2982" y="259257"/>
+        <a:ext cx="2365833" cy="1419500"/>
       </dsp:txXfrm>
     </dsp:sp>
-    <dsp:sp modelId="{35CD2B37-F779-4962-82A3-DEC6CC6C87F5}">
+    <dsp:sp modelId="{D8CA33B2-CD12-4D9B-B73D-AEBEFF4856CD}">
       <dsp:nvSpPr>
         <dsp:cNvPr id="0" name=""/>
         <dsp:cNvSpPr/>
       </dsp:nvSpPr>
       <dsp:spPr>
         <a:xfrm>
-          <a:off x="2075571" y="572631"/>
-          <a:ext cx="1883720" cy="1130232"/>
+          <a:off x="2605399" y="259257"/>
+          <a:ext cx="2365833" cy="1419500"/>
         </a:xfrm>
         <a:prstGeom prst="rect">
           <a:avLst/>
         </a:prstGeom>
         <a:solidFill>
           <a:schemeClr val="accent2">
-            <a:hueOff val="-86"/>
-            <a:satOff val="-10"/>
-            <a:lumOff val="-3421"/>
+            <a:hueOff val="-111"/>
+            <a:satOff val="-13"/>
+            <a:lumOff val="-4398"/>
             <a:alphaOff val="0"/>
           </a:schemeClr>
         </a:solidFill>
@@ -4865,12 +4747,12 @@
         </a:fontRef>
       </dsp:style>
       <dsp:txBody>
-        <a:bodyPr spcFirstLastPara="0" vert="horz" wrap="square" lIns="95250" tIns="95250" rIns="95250" bIns="95250" numCol="1" spcCol="1270" anchor="ctr" anchorCtr="0">
+        <a:bodyPr spcFirstLastPara="0" vert="horz" wrap="square" lIns="118110" tIns="118110" rIns="118110" bIns="118110" numCol="1" spcCol="1270" anchor="ctr" anchorCtr="0">
           <a:noAutofit/>
         </a:bodyPr>
         <a:lstStyle/>
         <a:p>
-          <a:pPr lvl="0" algn="ctr" defTabSz="1111250">
+          <a:pPr lvl="0" algn="ctr" defTabSz="1377950">
             <a:lnSpc>
               <a:spcPct val="90000"/>
             </a:lnSpc>
@@ -4882,34 +4764,34 @@
             </a:spcAft>
           </a:pPr>
           <a:r>
-            <a:rPr lang="en-US" sz="2500" kern="1200" dirty="0"/>
-            <a:t>Search in dishes list </a:t>
+            <a:rPr lang="en-US" sz="3100" kern="1200" dirty="0"/>
+            <a:t>Order by in dishes list </a:t>
           </a:r>
         </a:p>
       </dsp:txBody>
       <dsp:txXfrm>
-        <a:off x="2075571" y="572631"/>
-        <a:ext cx="1883720" cy="1130232"/>
+        <a:off x="2605399" y="259257"/>
+        <a:ext cx="2365833" cy="1419500"/>
       </dsp:txXfrm>
     </dsp:sp>
-    <dsp:sp modelId="{D8CA33B2-CD12-4D9B-B73D-AEBEFF4856CD}">
+    <dsp:sp modelId="{46E7CDFA-621F-40A9-A72F-13159B4965BE}">
       <dsp:nvSpPr>
         <dsp:cNvPr id="0" name=""/>
         <dsp:cNvSpPr/>
       </dsp:nvSpPr>
       <dsp:spPr>
         <a:xfrm>
-          <a:off x="4147664" y="572631"/>
-          <a:ext cx="1883720" cy="1130232"/>
+          <a:off x="5207816" y="259257"/>
+          <a:ext cx="2365833" cy="1419500"/>
         </a:xfrm>
         <a:prstGeom prst="rect">
           <a:avLst/>
         </a:prstGeom>
         <a:solidFill>
           <a:schemeClr val="accent2">
-            <a:hueOff val="-172"/>
-            <a:satOff val="-20"/>
-            <a:lumOff val="-6841"/>
+            <a:hueOff val="-221"/>
+            <a:satOff val="-25"/>
+            <a:lumOff val="-8796"/>
             <a:alphaOff val="0"/>
           </a:schemeClr>
         </a:solidFill>
@@ -4941,12 +4823,12 @@
         </a:fontRef>
       </dsp:style>
       <dsp:txBody>
-        <a:bodyPr spcFirstLastPara="0" vert="horz" wrap="square" lIns="95250" tIns="95250" rIns="95250" bIns="95250" numCol="1" spcCol="1270" anchor="ctr" anchorCtr="0">
+        <a:bodyPr spcFirstLastPara="0" vert="horz" wrap="square" lIns="118110" tIns="118110" rIns="118110" bIns="118110" numCol="1" spcCol="1270" anchor="ctr" anchorCtr="0">
           <a:noAutofit/>
         </a:bodyPr>
         <a:lstStyle/>
         <a:p>
-          <a:pPr lvl="0" algn="ctr" defTabSz="1111250">
+          <a:pPr lvl="0" algn="ctr" defTabSz="1377950">
             <a:lnSpc>
               <a:spcPct val="90000"/>
             </a:lnSpc>
@@ -4958,34 +4840,34 @@
             </a:spcAft>
           </a:pPr>
           <a:r>
-            <a:rPr lang="en-US" sz="2500" kern="1200" dirty="0"/>
-            <a:t>Order by in dishes list </a:t>
+            <a:rPr lang="en-US" sz="3100" kern="1200" dirty="0"/>
+            <a:t>View added ratings </a:t>
           </a:r>
         </a:p>
       </dsp:txBody>
       <dsp:txXfrm>
-        <a:off x="4147664" y="572631"/>
-        <a:ext cx="1883720" cy="1130232"/>
+        <a:off x="5207816" y="259257"/>
+        <a:ext cx="2365833" cy="1419500"/>
       </dsp:txXfrm>
     </dsp:sp>
-    <dsp:sp modelId="{556F3AFB-5CAC-40F2-BD2F-7BCE935EBF20}">
+    <dsp:sp modelId="{87505D9B-FB99-4C9F-A1CB-5FFBDDBFE589}">
       <dsp:nvSpPr>
         <dsp:cNvPr id="0" name=""/>
         <dsp:cNvSpPr/>
       </dsp:nvSpPr>
       <dsp:spPr>
         <a:xfrm>
-          <a:off x="6219757" y="572631"/>
-          <a:ext cx="1883720" cy="1130232"/>
+          <a:off x="7810233" y="259257"/>
+          <a:ext cx="2365833" cy="1419500"/>
         </a:xfrm>
         <a:prstGeom prst="rect">
           <a:avLst/>
         </a:prstGeom>
         <a:solidFill>
           <a:schemeClr val="accent2">
-            <a:hueOff val="-258"/>
-            <a:satOff val="-30"/>
-            <a:lumOff val="-10262"/>
+            <a:hueOff val="-332"/>
+            <a:satOff val="-38"/>
+            <a:lumOff val="-13194"/>
             <a:alphaOff val="0"/>
           </a:schemeClr>
         </a:solidFill>
@@ -5017,12 +4899,12 @@
         </a:fontRef>
       </dsp:style>
       <dsp:txBody>
-        <a:bodyPr spcFirstLastPara="0" vert="horz" wrap="square" lIns="95250" tIns="95250" rIns="95250" bIns="95250" numCol="1" spcCol="1270" anchor="ctr" anchorCtr="0">
+        <a:bodyPr spcFirstLastPara="0" vert="horz" wrap="square" lIns="118110" tIns="118110" rIns="118110" bIns="118110" numCol="1" spcCol="1270" anchor="ctr" anchorCtr="0">
           <a:noAutofit/>
         </a:bodyPr>
         <a:lstStyle/>
         <a:p>
-          <a:pPr lvl="0" algn="ctr" defTabSz="1111250">
+          <a:pPr lvl="0" algn="ctr" defTabSz="1377950">
             <a:lnSpc>
               <a:spcPct val="90000"/>
             </a:lnSpc>
@@ -5034,166 +4916,14 @@
             </a:spcAft>
           </a:pPr>
           <a:r>
-            <a:rPr lang="en-US" sz="2500" kern="1200" dirty="0"/>
-            <a:t>Filters in shops list </a:t>
-          </a:r>
-        </a:p>
-      </dsp:txBody>
-      <dsp:txXfrm>
-        <a:off x="6219757" y="572631"/>
-        <a:ext cx="1883720" cy="1130232"/>
-      </dsp:txXfrm>
-    </dsp:sp>
-    <dsp:sp modelId="{46E7CDFA-621F-40A9-A72F-13159B4965BE}">
-      <dsp:nvSpPr>
-        <dsp:cNvPr id="0" name=""/>
-        <dsp:cNvSpPr/>
-      </dsp:nvSpPr>
-      <dsp:spPr>
-        <a:xfrm>
-          <a:off x="8291850" y="572631"/>
-          <a:ext cx="1883720" cy="1130232"/>
-        </a:xfrm>
-        <a:prstGeom prst="rect">
-          <a:avLst/>
-        </a:prstGeom>
-        <a:solidFill>
-          <a:schemeClr val="accent2">
-            <a:hueOff val="-344"/>
-            <a:satOff val="-40"/>
-            <a:lumOff val="-13682"/>
-            <a:alphaOff val="0"/>
-          </a:schemeClr>
-        </a:solidFill>
-        <a:ln w="50800" cap="flat" cmpd="sng" algn="in">
-          <a:solidFill>
-            <a:schemeClr val="lt1">
-              <a:hueOff val="0"/>
-              <a:satOff val="0"/>
-              <a:lumOff val="0"/>
-              <a:alphaOff val="0"/>
-            </a:schemeClr>
-          </a:solidFill>
-          <a:prstDash val="solid"/>
-        </a:ln>
-        <a:effectLst/>
-      </dsp:spPr>
-      <dsp:style>
-        <a:lnRef idx="3">
-          <a:scrgbClr r="0" g="0" b="0"/>
-        </a:lnRef>
-        <a:fillRef idx="1">
-          <a:scrgbClr r="0" g="0" b="0"/>
-        </a:fillRef>
-        <a:effectRef idx="1">
-          <a:scrgbClr r="0" g="0" b="0"/>
-        </a:effectRef>
-        <a:fontRef idx="minor">
-          <a:schemeClr val="lt1"/>
-        </a:fontRef>
-      </dsp:style>
-      <dsp:txBody>
-        <a:bodyPr spcFirstLastPara="0" vert="horz" wrap="square" lIns="95250" tIns="95250" rIns="95250" bIns="95250" numCol="1" spcCol="1270" anchor="ctr" anchorCtr="0">
-          <a:noAutofit/>
-        </a:bodyPr>
-        <a:lstStyle/>
-        <a:p>
-          <a:pPr lvl="0" algn="ctr" defTabSz="1111250">
-            <a:lnSpc>
-              <a:spcPct val="90000"/>
-            </a:lnSpc>
-            <a:spcBef>
-              <a:spcPct val="0"/>
-            </a:spcBef>
-            <a:spcAft>
-              <a:spcPct val="35000"/>
-            </a:spcAft>
-          </a:pPr>
-          <a:r>
-            <a:rPr lang="en-US" sz="2500" kern="1200" dirty="0"/>
-            <a:t>View added ratings </a:t>
-          </a:r>
-        </a:p>
-      </dsp:txBody>
-      <dsp:txXfrm>
-        <a:off x="8291850" y="572631"/>
-        <a:ext cx="1883720" cy="1130232"/>
-      </dsp:txXfrm>
-    </dsp:sp>
-    <dsp:sp modelId="{87505D9B-FB99-4C9F-A1CB-5FFBDDBFE589}">
-      <dsp:nvSpPr>
-        <dsp:cNvPr id="0" name=""/>
-        <dsp:cNvSpPr/>
-      </dsp:nvSpPr>
-      <dsp:spPr>
-        <a:xfrm>
-          <a:off x="3479" y="1891236"/>
-          <a:ext cx="1883720" cy="1130232"/>
-        </a:xfrm>
-        <a:prstGeom prst="rect">
-          <a:avLst/>
-        </a:prstGeom>
-        <a:solidFill>
-          <a:schemeClr val="accent2">
-            <a:hueOff val="-430"/>
-            <a:satOff val="-49"/>
-            <a:lumOff val="-17103"/>
-            <a:alphaOff val="0"/>
-          </a:schemeClr>
-        </a:solidFill>
-        <a:ln w="50800" cap="flat" cmpd="sng" algn="in">
-          <a:solidFill>
-            <a:schemeClr val="lt1">
-              <a:hueOff val="0"/>
-              <a:satOff val="0"/>
-              <a:lumOff val="0"/>
-              <a:alphaOff val="0"/>
-            </a:schemeClr>
-          </a:solidFill>
-          <a:prstDash val="solid"/>
-        </a:ln>
-        <a:effectLst/>
-      </dsp:spPr>
-      <dsp:style>
-        <a:lnRef idx="3">
-          <a:scrgbClr r="0" g="0" b="0"/>
-        </a:lnRef>
-        <a:fillRef idx="1">
-          <a:scrgbClr r="0" g="0" b="0"/>
-        </a:fillRef>
-        <a:effectRef idx="1">
-          <a:scrgbClr r="0" g="0" b="0"/>
-        </a:effectRef>
-        <a:fontRef idx="minor">
-          <a:schemeClr val="lt1"/>
-        </a:fontRef>
-      </dsp:style>
-      <dsp:txBody>
-        <a:bodyPr spcFirstLastPara="0" vert="horz" wrap="square" lIns="95250" tIns="95250" rIns="95250" bIns="95250" numCol="1" spcCol="1270" anchor="ctr" anchorCtr="0">
-          <a:noAutofit/>
-        </a:bodyPr>
-        <a:lstStyle/>
-        <a:p>
-          <a:pPr lvl="0" algn="ctr" defTabSz="1111250">
-            <a:lnSpc>
-              <a:spcPct val="90000"/>
-            </a:lnSpc>
-            <a:spcBef>
-              <a:spcPct val="0"/>
-            </a:spcBef>
-            <a:spcAft>
-              <a:spcPct val="35000"/>
-            </a:spcAft>
-          </a:pPr>
-          <a:r>
-            <a:rPr lang="en-US" sz="2500" kern="1200" dirty="0"/>
+            <a:rPr lang="en-US" sz="3100" kern="1200" dirty="0"/>
             <a:t>User liked list </a:t>
           </a:r>
         </a:p>
       </dsp:txBody>
       <dsp:txXfrm>
-        <a:off x="3479" y="1891236"/>
-        <a:ext cx="1883720" cy="1130232"/>
+        <a:off x="7810233" y="259257"/>
+        <a:ext cx="2365833" cy="1419500"/>
       </dsp:txXfrm>
     </dsp:sp>
     <dsp:sp modelId="{E875863E-5C66-47F5-9A02-8D09F1459740}">
@@ -5203,8 +4933,8 @@
       </dsp:nvSpPr>
       <dsp:spPr>
         <a:xfrm>
-          <a:off x="2075571" y="1891236"/>
-          <a:ext cx="1883720" cy="1130232"/>
+          <a:off x="2982" y="1915341"/>
+          <a:ext cx="2365833" cy="1419500"/>
         </a:xfrm>
         <a:prstGeom prst="rect">
           <a:avLst/>
@@ -5240,12 +4970,12 @@
         </a:fontRef>
       </dsp:style>
       <dsp:txBody>
-        <a:bodyPr spcFirstLastPara="0" vert="horz" wrap="square" lIns="95250" tIns="95250" rIns="95250" bIns="95250" numCol="1" spcCol="1270" anchor="ctr" anchorCtr="0">
+        <a:bodyPr spcFirstLastPara="0" vert="horz" wrap="square" lIns="118110" tIns="118110" rIns="118110" bIns="118110" numCol="1" spcCol="1270" anchor="ctr" anchorCtr="0">
           <a:noAutofit/>
         </a:bodyPr>
         <a:lstStyle/>
         <a:p>
-          <a:pPr lvl="0" algn="ctr" defTabSz="1111250">
+          <a:pPr lvl="0" algn="ctr" defTabSz="1377950">
             <a:lnSpc>
               <a:spcPct val="90000"/>
             </a:lnSpc>
@@ -5257,7 +4987,7 @@
             </a:spcAft>
           </a:pPr>
           <a:r>
-            <a:rPr lang="en-US" sz="2500" kern="1200" dirty="0">
+            <a:rPr lang="en-US" sz="3100" kern="1200" dirty="0">
               <a:solidFill>
                 <a:sysClr val="windowText" lastClr="000000"/>
               </a:solidFill>
@@ -5267,8 +4997,8 @@
         </a:p>
       </dsp:txBody>
       <dsp:txXfrm>
-        <a:off x="2075571" y="1891236"/>
-        <a:ext cx="1883720" cy="1130232"/>
+        <a:off x="2982" y="1915341"/>
+        <a:ext cx="2365833" cy="1419500"/>
       </dsp:txXfrm>
     </dsp:sp>
     <dsp:sp modelId="{7843059E-BCF7-45F4-B578-65601AC84C15}">
@@ -5278,17 +5008,17 @@
       </dsp:nvSpPr>
       <dsp:spPr>
         <a:xfrm>
-          <a:off x="4147664" y="1891236"/>
-          <a:ext cx="1883720" cy="1130232"/>
+          <a:off x="2605399" y="1915341"/>
+          <a:ext cx="2365833" cy="1419500"/>
         </a:xfrm>
         <a:prstGeom prst="rect">
           <a:avLst/>
         </a:prstGeom>
         <a:solidFill>
           <a:schemeClr val="accent2">
-            <a:hueOff val="-602"/>
-            <a:satOff val="-69"/>
-            <a:lumOff val="-23944"/>
+            <a:hueOff val="-553"/>
+            <a:satOff val="-64"/>
+            <a:lumOff val="-21989"/>
             <a:alphaOff val="0"/>
           </a:schemeClr>
         </a:solidFill>
@@ -5320,12 +5050,12 @@
         </a:fontRef>
       </dsp:style>
       <dsp:txBody>
-        <a:bodyPr spcFirstLastPara="0" vert="horz" wrap="square" lIns="95250" tIns="95250" rIns="95250" bIns="95250" numCol="1" spcCol="1270" anchor="ctr" anchorCtr="0">
+        <a:bodyPr spcFirstLastPara="0" vert="horz" wrap="square" lIns="118110" tIns="118110" rIns="118110" bIns="118110" numCol="1" spcCol="1270" anchor="ctr" anchorCtr="0">
           <a:noAutofit/>
         </a:bodyPr>
         <a:lstStyle/>
         <a:p>
-          <a:pPr lvl="0" algn="ctr" defTabSz="1111250">
+          <a:pPr lvl="0" algn="ctr" defTabSz="1377950">
             <a:lnSpc>
               <a:spcPct val="90000"/>
             </a:lnSpc>
@@ -5337,14 +5067,14 @@
             </a:spcAft>
           </a:pPr>
           <a:r>
-            <a:rPr lang="en-US" sz="2500" kern="1200" dirty="0"/>
+            <a:rPr lang="en-US" sz="3100" kern="1200" dirty="0"/>
             <a:t>View tips in dish page </a:t>
           </a:r>
         </a:p>
       </dsp:txBody>
       <dsp:txXfrm>
-        <a:off x="4147664" y="1891236"/>
-        <a:ext cx="1883720" cy="1130232"/>
+        <a:off x="2605399" y="1915341"/>
+        <a:ext cx="2365833" cy="1419500"/>
       </dsp:txXfrm>
     </dsp:sp>
     <dsp:sp modelId="{71D7D387-6645-4FFF-8203-40963EE90B98}">
@@ -5354,17 +5084,17 @@
       </dsp:nvSpPr>
       <dsp:spPr>
         <a:xfrm>
-          <a:off x="6219757" y="1891236"/>
-          <a:ext cx="1883720" cy="1130232"/>
+          <a:off x="5207816" y="1915341"/>
+          <a:ext cx="2365833" cy="1419500"/>
         </a:xfrm>
         <a:prstGeom prst="rect">
           <a:avLst/>
         </a:prstGeom>
         <a:solidFill>
           <a:schemeClr val="accent2">
-            <a:hueOff val="-688"/>
-            <a:satOff val="-79"/>
-            <a:lumOff val="-27364"/>
+            <a:hueOff val="-663"/>
+            <a:satOff val="-76"/>
+            <a:lumOff val="-26387"/>
             <a:alphaOff val="0"/>
           </a:schemeClr>
         </a:solidFill>
@@ -5396,12 +5126,12 @@
         </a:fontRef>
       </dsp:style>
       <dsp:txBody>
-        <a:bodyPr spcFirstLastPara="0" vert="horz" wrap="square" lIns="95250" tIns="95250" rIns="95250" bIns="95250" numCol="1" spcCol="1270" anchor="ctr" anchorCtr="0">
+        <a:bodyPr spcFirstLastPara="0" vert="horz" wrap="square" lIns="118110" tIns="118110" rIns="118110" bIns="118110" numCol="1" spcCol="1270" anchor="ctr" anchorCtr="0">
           <a:noAutofit/>
         </a:bodyPr>
         <a:lstStyle/>
         <a:p>
-          <a:pPr lvl="0" algn="ctr" defTabSz="1111250">
+          <a:pPr lvl="0" algn="ctr" defTabSz="1377950">
             <a:lnSpc>
               <a:spcPct val="90000"/>
             </a:lnSpc>
@@ -5413,14 +5143,14 @@
             </a:spcAft>
           </a:pPr>
           <a:r>
-            <a:rPr lang="en-US" sz="2500" kern="1200" dirty="0"/>
+            <a:rPr lang="en-US" sz="3100" kern="1200" dirty="0"/>
             <a:t>Change profile photo</a:t>
           </a:r>
         </a:p>
       </dsp:txBody>
       <dsp:txXfrm>
-        <a:off x="6219757" y="1891236"/>
-        <a:ext cx="1883720" cy="1130232"/>
+        <a:off x="5207816" y="1915341"/>
+        <a:ext cx="2365833" cy="1419500"/>
       </dsp:txXfrm>
     </dsp:sp>
     <dsp:sp modelId="{F98ADD5E-C142-4430-B4C0-7EA272D37E54}">
@@ -5430,8 +5160,8 @@
       </dsp:nvSpPr>
       <dsp:spPr>
         <a:xfrm>
-          <a:off x="8291850" y="1891236"/>
-          <a:ext cx="1883720" cy="1130232"/>
+          <a:off x="7810233" y="1915341"/>
+          <a:ext cx="2365833" cy="1419500"/>
         </a:xfrm>
         <a:prstGeom prst="rect">
           <a:avLst/>
@@ -5467,12 +5197,12 @@
         </a:fontRef>
       </dsp:style>
       <dsp:txBody>
-        <a:bodyPr spcFirstLastPara="0" vert="horz" wrap="square" lIns="95250" tIns="95250" rIns="95250" bIns="95250" numCol="1" spcCol="1270" anchor="ctr" anchorCtr="0">
+        <a:bodyPr spcFirstLastPara="0" vert="horz" wrap="square" lIns="118110" tIns="118110" rIns="118110" bIns="118110" numCol="1" spcCol="1270" anchor="ctr" anchorCtr="0">
           <a:noAutofit/>
         </a:bodyPr>
         <a:lstStyle/>
         <a:p>
-          <a:pPr lvl="0" algn="ctr" defTabSz="1111250">
+          <a:pPr lvl="0" algn="ctr" defTabSz="1377950">
             <a:lnSpc>
               <a:spcPct val="90000"/>
             </a:lnSpc>
@@ -5484,15 +5214,15 @@
             </a:spcAft>
           </a:pPr>
           <a:r>
-            <a:rPr lang="en-US" sz="2500" kern="1200" dirty="0" smtClean="0"/>
+            <a:rPr lang="en-US" sz="3100" kern="1200" dirty="0" smtClean="0"/>
             <a:t>notifications</a:t>
           </a:r>
-          <a:endParaRPr lang="en-US" sz="2500" kern="1200" dirty="0"/>
+          <a:endParaRPr lang="en-US" sz="3100" kern="1200" dirty="0"/>
         </a:p>
       </dsp:txBody>
       <dsp:txXfrm>
-        <a:off x="8291850" y="1891236"/>
-        <a:ext cx="1883720" cy="1130232"/>
+        <a:off x="7810233" y="1915341"/>
+        <a:ext cx="2365833" cy="1419500"/>
       </dsp:txXfrm>
     </dsp:sp>
   </dsp:spTree>
@@ -7943,7 +7673,7 @@
           <a:p>
             <a:fld id="{4059DE56-531E-4AFF-8617-6FF691608954}" type="datetimeFigureOut">
               <a:rPr lang="en-US" smtClean="0"/>
-              <a:t>12/20/17</a:t>
+              <a:t>20/12/17</a:t>
             </a:fld>
             <a:endParaRPr lang="en-US"/>
           </a:p>
@@ -9726,7 +9456,7 @@
             <a:fld id="{9334D819-9F07-4261-B09B-9E467E5D9002}" type="datetimeFigureOut">
               <a:rPr lang="en-US" dirty="0"/>
               <a:pPr/>
-              <a:t>12/20/17</a:t>
+              <a:t>20/12/17</a:t>
             </a:fld>
             <a:endParaRPr lang="en-US" dirty="0"/>
           </a:p>
@@ -9960,7 +9690,7 @@
           <a:p>
             <a:fld id="{9334D819-9F07-4261-B09B-9E467E5D9002}" type="datetimeFigureOut">
               <a:rPr lang="en-US" dirty="0"/>
-              <a:t>12/20/17</a:t>
+              <a:t>20/12/17</a:t>
             </a:fld>
             <a:endParaRPr lang="en-US" dirty="0"/>
           </a:p>
@@ -10135,7 +9865,7 @@
           <a:p>
             <a:fld id="{9334D819-9F07-4261-B09B-9E467E5D9002}" type="datetimeFigureOut">
               <a:rPr lang="en-US" dirty="0"/>
-              <a:t>12/20/17</a:t>
+              <a:t>20/12/17</a:t>
             </a:fld>
             <a:endParaRPr lang="en-US" dirty="0"/>
           </a:p>
@@ -10300,7 +10030,7 @@
           <a:p>
             <a:fld id="{9334D819-9F07-4261-B09B-9E467E5D9002}" type="datetimeFigureOut">
               <a:rPr lang="en-US" dirty="0"/>
-              <a:t>12/20/17</a:t>
+              <a:t>20/12/17</a:t>
             </a:fld>
             <a:endParaRPr lang="en-US" dirty="0"/>
           </a:p>
@@ -10572,7 +10302,7 @@
             <a:fld id="{9334D819-9F07-4261-B09B-9E467E5D9002}" type="datetimeFigureOut">
               <a:rPr lang="en-US" dirty="0"/>
               <a:pPr/>
-              <a:t>12/20/17</a:t>
+              <a:t>20/12/17</a:t>
             </a:fld>
             <a:endParaRPr lang="en-US" dirty="0"/>
           </a:p>
@@ -11769,7 +11499,7 @@
           <a:p>
             <a:fld id="{9334D819-9F07-4261-B09B-9E467E5D9002}" type="datetimeFigureOut">
               <a:rPr lang="en-US" dirty="0"/>
-              <a:t>12/20/17</a:t>
+              <a:t>20/12/17</a:t>
             </a:fld>
             <a:endParaRPr lang="en-US" dirty="0"/>
           </a:p>
@@ -11824,7 +11554,7 @@
   </p:clrMapOvr>
   <p:extLst mod="1">
     <p:ext uri="{DCECCB84-F9BA-43D5-87BE-67443E8EF086}">
-      <p15:sldGuideLst xmlns:p15="http://schemas.microsoft.com/office/powerpoint/2012/main"/>
+      <p15:sldGuideLst xmlns:p15="http://schemas.microsoft.com/office/powerpoint/2012/main" xmlns=""/>
     </p:ext>
   </p:extLst>
 </p:sldLayout>
@@ -12154,7 +11884,7 @@
           <a:p>
             <a:fld id="{9334D819-9F07-4261-B09B-9E467E5D9002}" type="datetimeFigureOut">
               <a:rPr lang="en-US" dirty="0"/>
-              <a:t>12/20/17</a:t>
+              <a:t>20/12/17</a:t>
             </a:fld>
             <a:endParaRPr lang="en-US" dirty="0"/>
           </a:p>
@@ -12209,7 +11939,7 @@
   </p:clrMapOvr>
   <p:extLst mod="1">
     <p:ext uri="{DCECCB84-F9BA-43D5-87BE-67443E8EF086}">
-      <p15:sldGuideLst xmlns:p15="http://schemas.microsoft.com/office/powerpoint/2012/main"/>
+      <p15:sldGuideLst xmlns:p15="http://schemas.microsoft.com/office/powerpoint/2012/main" xmlns=""/>
     </p:ext>
   </p:extLst>
 </p:sldLayout>
@@ -12272,7 +12002,7 @@
           <a:p>
             <a:fld id="{9334D819-9F07-4261-B09B-9E467E5D9002}" type="datetimeFigureOut">
               <a:rPr lang="en-US" dirty="0"/>
-              <a:t>12/20/17</a:t>
+              <a:t>20/12/17</a:t>
             </a:fld>
             <a:endParaRPr lang="en-US" dirty="0"/>
           </a:p>
@@ -12362,7 +12092,7 @@
           <a:p>
             <a:fld id="{9334D819-9F07-4261-B09B-9E467E5D9002}" type="datetimeFigureOut">
               <a:rPr lang="en-US" dirty="0"/>
-              <a:t>12/20/17</a:t>
+              <a:t>20/12/17</a:t>
             </a:fld>
             <a:endParaRPr lang="en-US" dirty="0"/>
           </a:p>
@@ -13120,7 +12850,7 @@
           <a:p>
             <a:fld id="{9334D819-9F07-4261-B09B-9E467E5D9002}" type="datetimeFigureOut">
               <a:rPr lang="en-US" dirty="0"/>
-              <a:t>12/20/17</a:t>
+              <a:t>20/12/17</a:t>
             </a:fld>
             <a:endParaRPr lang="en-US" dirty="0"/>
           </a:p>
@@ -13223,7 +12953,7 @@
   </p:clrMapOvr>
   <p:extLst mod="1">
     <p:ext uri="{DCECCB84-F9BA-43D5-87BE-67443E8EF086}">
-      <p15:sldGuideLst xmlns:p15="http://schemas.microsoft.com/office/powerpoint/2012/main">
+      <p15:sldGuideLst xmlns:p15="http://schemas.microsoft.com/office/powerpoint/2012/main" xmlns="">
         <p15:guide id="1" orient="horz" pos="696">
           <p15:clr>
             <a:srgbClr val="FBAE40"/>
@@ -13955,7 +13685,7 @@
           <a:p>
             <a:fld id="{9334D819-9F07-4261-B09B-9E467E5D9002}" type="datetimeFigureOut">
               <a:rPr lang="en-US" dirty="0"/>
-              <a:t>12/20/17</a:t>
+              <a:t>20/12/17</a:t>
             </a:fld>
             <a:endParaRPr lang="en-US" dirty="0"/>
           </a:p>
@@ -14178,7 +13908,7 @@
             <a:fld id="{9334D819-9F07-4261-B09B-9E467E5D9002}" type="datetimeFigureOut">
               <a:rPr lang="en-US" dirty="0"/>
               <a:pPr/>
-              <a:t>12/20/17</a:t>
+              <a:t>20/12/17</a:t>
             </a:fld>
             <a:endParaRPr lang="en-US" dirty="0"/>
           </a:p>
@@ -15119,7 +14849,7 @@
   </p:txStyles>
   <p:extLst mod="1">
     <p:ext uri="{27BBF7A9-308A-43DC-89C8-2F10F3537804}">
-      <p15:sldGuideLst xmlns:p15="http://schemas.microsoft.com/office/powerpoint/2012/main">
+      <p15:sldGuideLst xmlns:p15="http://schemas.microsoft.com/office/powerpoint/2012/main" xmlns="">
         <p15:guide id="1" pos="792">
           <p15:clr>
             <a:srgbClr val="F26B43"/>
@@ -15178,7 +14908,7 @@
           <p:cNvPr id="2" name="Title 1">
             <a:extLst>
               <a:ext uri="{FF2B5EF4-FFF2-40B4-BE49-F238E27FC236}">
-                <a16:creationId xmlns="" xmlns:a16="http://schemas.microsoft.com/office/drawing/2014/main" id="{0E52C71E-D495-4B06-9663-B87220326D0D}"/>
+                <a16:creationId xmlns:a16="http://schemas.microsoft.com/office/drawing/2014/main" xmlns="" id="{0E52C71E-D495-4B06-9663-B87220326D0D}"/>
               </a:ext>
             </a:extLst>
           </p:cNvPr>
@@ -15206,7 +14936,7 @@
           <p:cNvPr id="3" name="Subtitle 2">
             <a:extLst>
               <a:ext uri="{FF2B5EF4-FFF2-40B4-BE49-F238E27FC236}">
-                <a16:creationId xmlns="" xmlns:a16="http://schemas.microsoft.com/office/drawing/2014/main" id="{8831B2C1-060E-4041-862C-29CA6B5265D3}"/>
+                <a16:creationId xmlns:a16="http://schemas.microsoft.com/office/drawing/2014/main" xmlns="" id="{8831B2C1-060E-4041-862C-29CA6B5265D3}"/>
               </a:ext>
             </a:extLst>
           </p:cNvPr>
@@ -15264,7 +14994,7 @@
           <p:cNvPr id="2" name="Title 1">
             <a:extLst>
               <a:ext uri="{FF2B5EF4-FFF2-40B4-BE49-F238E27FC236}">
-                <a16:creationId xmlns="" xmlns:a16="http://schemas.microsoft.com/office/drawing/2014/main" id="{269A0B15-D693-4459-AF1A-5C00C7406E29}"/>
+                <a16:creationId xmlns:a16="http://schemas.microsoft.com/office/drawing/2014/main" xmlns="" id="{269A0B15-D693-4459-AF1A-5C00C7406E29}"/>
               </a:ext>
             </a:extLst>
           </p:cNvPr>
@@ -15292,7 +15022,7 @@
           <p:cNvPr id="3" name="Subtitle 2">
             <a:extLst>
               <a:ext uri="{FF2B5EF4-FFF2-40B4-BE49-F238E27FC236}">
-                <a16:creationId xmlns="" xmlns:a16="http://schemas.microsoft.com/office/drawing/2014/main" id="{89781140-EE1A-423E-B26F-9FA9172BDC16}"/>
+                <a16:creationId xmlns:a16="http://schemas.microsoft.com/office/drawing/2014/main" xmlns="" id="{89781140-EE1A-423E-B26F-9FA9172BDC16}"/>
               </a:ext>
             </a:extLst>
           </p:cNvPr>
@@ -15350,7 +15080,7 @@
           <p:cNvPr id="2" name="Title 1">
             <a:extLst>
               <a:ext uri="{FF2B5EF4-FFF2-40B4-BE49-F238E27FC236}">
-                <a16:creationId xmlns="" xmlns:a16="http://schemas.microsoft.com/office/drawing/2014/main" id="{27865403-966F-4171-AFD2-4095C3936E6B}"/>
+                <a16:creationId xmlns:a16="http://schemas.microsoft.com/office/drawing/2014/main" xmlns="" id="{27865403-966F-4171-AFD2-4095C3936E6B}"/>
               </a:ext>
             </a:extLst>
           </p:cNvPr>
@@ -15385,7 +15115,7 @@
           <p:cNvPr id="3" name="Text Placeholder 2">
             <a:extLst>
               <a:ext uri="{FF2B5EF4-FFF2-40B4-BE49-F238E27FC236}">
-                <a16:creationId xmlns="" xmlns:a16="http://schemas.microsoft.com/office/drawing/2014/main" id="{95384BE1-ECA6-4759-9219-426C433BB524}"/>
+                <a16:creationId xmlns:a16="http://schemas.microsoft.com/office/drawing/2014/main" xmlns="" id="{95384BE1-ECA6-4759-9219-426C433BB524}"/>
               </a:ext>
             </a:extLst>
           </p:cNvPr>
@@ -15451,7 +15181,7 @@
           <p:cNvPr id="71" name="Freeform 6" title="Left scallop edge">
             <a:extLst>
               <a:ext uri="{FF2B5EF4-FFF2-40B4-BE49-F238E27FC236}">
-                <a16:creationId xmlns="" xmlns:a16="http://schemas.microsoft.com/office/drawing/2014/main" id="{841EFD0D-0D37-447B-B1EA-4F7197EB2911}"/>
+                <a16:creationId xmlns:a16="http://schemas.microsoft.com/office/drawing/2014/main" xmlns="" id="{841EFD0D-0D37-447B-B1EA-4F7197EB2911}"/>
               </a:ext>
             </a:extLst>
           </p:cNvPr>
@@ -15461,7 +15191,7 @@
           <p:nvPr>
             <p:extLst>
               <p:ext uri="{386F3935-93C4-4BCD-93E2-E3B085C9AB24}">
-                <p16:designElem xmlns:p16="http://schemas.microsoft.com/office/powerpoint/2015/main" val="1"/>
+                <p16:designElem xmlns:p16="http://schemas.microsoft.com/office/powerpoint/2015/main" xmlns="" val="1"/>
               </p:ext>
             </p:extLst>
           </p:nvPr>
@@ -15929,7 +15659,7 @@
           <p:cNvPr id="73" name="Rectangle 72" title="right edge border">
             <a:extLst>
               <a:ext uri="{FF2B5EF4-FFF2-40B4-BE49-F238E27FC236}">
-                <a16:creationId xmlns="" xmlns:a16="http://schemas.microsoft.com/office/drawing/2014/main" id="{5A6DFF24-307B-44B0-93F0-893676F1488A}"/>
+                <a16:creationId xmlns:a16="http://schemas.microsoft.com/office/drawing/2014/main" xmlns="" id="{5A6DFF24-307B-44B0-93F0-893676F1488A}"/>
               </a:ext>
             </a:extLst>
           </p:cNvPr>
@@ -15939,7 +15669,7 @@
           <p:nvPr>
             <p:extLst>
               <p:ext uri="{386F3935-93C4-4BCD-93E2-E3B085C9AB24}">
-                <p16:designElem xmlns:p16="http://schemas.microsoft.com/office/powerpoint/2015/main" val="1"/>
+                <p16:designElem xmlns:p16="http://schemas.microsoft.com/office/powerpoint/2015/main" xmlns="" val="1"/>
               </p:ext>
             </p:extLst>
           </p:nvPr>
@@ -15981,7 +15711,7 @@
           <p:cNvPr id="1026" name="Picture 2" descr="Image result for dysh app">
             <a:extLst>
               <a:ext uri="{FF2B5EF4-FFF2-40B4-BE49-F238E27FC236}">
-                <a16:creationId xmlns="" xmlns:a16="http://schemas.microsoft.com/office/drawing/2014/main" id="{316F83B2-6343-48D9-AE65-74CA7D8BA1E1}"/>
+                <a16:creationId xmlns:a16="http://schemas.microsoft.com/office/drawing/2014/main" xmlns="" id="{316F83B2-6343-48D9-AE65-74CA7D8BA1E1}"/>
               </a:ext>
             </a:extLst>
           </p:cNvPr>
@@ -16028,7 +15758,7 @@
           <p:cNvPr id="2" name="Title 1">
             <a:extLst>
               <a:ext uri="{FF2B5EF4-FFF2-40B4-BE49-F238E27FC236}">
-                <a16:creationId xmlns="" xmlns:a16="http://schemas.microsoft.com/office/drawing/2014/main" id="{4259A47C-5E27-4927-9AB7-7858CC6B6837}"/>
+                <a16:creationId xmlns:a16="http://schemas.microsoft.com/office/drawing/2014/main" xmlns="" id="{4259A47C-5E27-4927-9AB7-7858CC6B6837}"/>
               </a:ext>
             </a:extLst>
           </p:cNvPr>
@@ -16063,7 +15793,7 @@
           <p:cNvPr id="3" name="Vertical Text Placeholder 2">
             <a:extLst>
               <a:ext uri="{FF2B5EF4-FFF2-40B4-BE49-F238E27FC236}">
-                <a16:creationId xmlns="" xmlns:a16="http://schemas.microsoft.com/office/drawing/2014/main" id="{9F629151-CF71-41D0-859A-9BF538BE93B2}"/>
+                <a16:creationId xmlns:a16="http://schemas.microsoft.com/office/drawing/2014/main" xmlns="" id="{9F629151-CF71-41D0-859A-9BF538BE93B2}"/>
               </a:ext>
             </a:extLst>
           </p:cNvPr>
@@ -16611,7 +16341,7 @@
           <p:cNvPr id="2" name="Title 1">
             <a:extLst>
               <a:ext uri="{FF2B5EF4-FFF2-40B4-BE49-F238E27FC236}">
-                <a16:creationId xmlns="" xmlns:a16="http://schemas.microsoft.com/office/drawing/2014/main" id="{DEAB97D2-A703-4DF9-A135-61E99FBBAEE5}"/>
+                <a16:creationId xmlns:a16="http://schemas.microsoft.com/office/drawing/2014/main" xmlns="" id="{DEAB97D2-A703-4DF9-A135-61E99FBBAEE5}"/>
               </a:ext>
             </a:extLst>
           </p:cNvPr>
@@ -16648,7 +16378,7 @@
           <p:cNvPr id="3" name="Content Placeholder 2">
             <a:extLst>
               <a:ext uri="{FF2B5EF4-FFF2-40B4-BE49-F238E27FC236}">
-                <a16:creationId xmlns="" xmlns:a16="http://schemas.microsoft.com/office/drawing/2014/main" id="{E18A2BED-03F4-401A-8B62-B874394465E0}"/>
+                <a16:creationId xmlns:a16="http://schemas.microsoft.com/office/drawing/2014/main" xmlns="" id="{E18A2BED-03F4-401A-8B62-B874394465E0}"/>
               </a:ext>
             </a:extLst>
           </p:cNvPr>
@@ -16990,7 +16720,7 @@
           <p:cNvPr id="10" name="Freeform 6" title="Left scallop edge">
             <a:extLst>
               <a:ext uri="{FF2B5EF4-FFF2-40B4-BE49-F238E27FC236}">
-                <a16:creationId xmlns="" xmlns:a16="http://schemas.microsoft.com/office/drawing/2014/main" id="{D09F5552-39CF-49BE-9BA3-F2C2E97DD974}"/>
+                <a16:creationId xmlns:a16="http://schemas.microsoft.com/office/drawing/2014/main" xmlns="" id="{D09F5552-39CF-49BE-9BA3-F2C2E97DD974}"/>
               </a:ext>
             </a:extLst>
           </p:cNvPr>
@@ -17000,7 +16730,7 @@
           <p:nvPr>
             <p:extLst>
               <p:ext uri="{386F3935-93C4-4BCD-93E2-E3B085C9AB24}">
-                <p16:designElem xmlns:p16="http://schemas.microsoft.com/office/powerpoint/2015/main" val="1"/>
+                <p16:designElem xmlns:p16="http://schemas.microsoft.com/office/powerpoint/2015/main" xmlns="" val="1"/>
               </p:ext>
             </p:extLst>
           </p:nvPr>
@@ -17468,7 +17198,7 @@
           <p:cNvPr id="12" name="Rectangle 11" title="right edge border">
             <a:extLst>
               <a:ext uri="{FF2B5EF4-FFF2-40B4-BE49-F238E27FC236}">
-                <a16:creationId xmlns="" xmlns:a16="http://schemas.microsoft.com/office/drawing/2014/main" id="{6CCDD5D4-DC0E-4B2C-8B6B-FCAA00ECE04E}"/>
+                <a16:creationId xmlns:a16="http://schemas.microsoft.com/office/drawing/2014/main" xmlns="" id="{6CCDD5D4-DC0E-4B2C-8B6B-FCAA00ECE04E}"/>
               </a:ext>
             </a:extLst>
           </p:cNvPr>
@@ -17478,7 +17208,7 @@
           <p:nvPr>
             <p:extLst>
               <p:ext uri="{386F3935-93C4-4BCD-93E2-E3B085C9AB24}">
-                <p16:designElem xmlns:p16="http://schemas.microsoft.com/office/powerpoint/2015/main" val="1"/>
+                <p16:designElem xmlns:p16="http://schemas.microsoft.com/office/powerpoint/2015/main" xmlns="" val="1"/>
               </p:ext>
             </p:extLst>
           </p:nvPr>
@@ -17520,7 +17250,7 @@
           <p:cNvPr id="2" name="Title 1">
             <a:extLst>
               <a:ext uri="{FF2B5EF4-FFF2-40B4-BE49-F238E27FC236}">
-                <a16:creationId xmlns="" xmlns:a16="http://schemas.microsoft.com/office/drawing/2014/main" id="{CBFE0AFB-9382-4169-AED7-D90AAA1642C6}"/>
+                <a16:creationId xmlns:a16="http://schemas.microsoft.com/office/drawing/2014/main" xmlns="" id="{CBFE0AFB-9382-4169-AED7-D90AAA1642C6}"/>
               </a:ext>
             </a:extLst>
           </p:cNvPr>
@@ -17557,13 +17287,13 @@
           <p:nvPr>
             <p:extLst>
               <p:ext uri="{D42A27DB-BD31-4B8C-83A1-F6EECF244321}">
-                <p14:modId xmlns:p14="http://schemas.microsoft.com/office/powerpoint/2010/main" val="326145763"/>
+                <p14:modId xmlns:p14="http://schemas.microsoft.com/office/powerpoint/2010/main" val="2814859935"/>
               </p:ext>
             </p:extLst>
           </p:nvPr>
         </p:nvGraphicFramePr>
         <p:xfrm>
-          <a:off x="1250950" y="2286000"/>
+          <a:off x="1148365" y="1781504"/>
           <a:ext cx="10179050" cy="3594100"/>
         </p:xfrm>
         <a:graphic>
@@ -17572,6 +17302,232 @@
           </a:graphicData>
         </a:graphic>
       </p:graphicFrame>
+      <p:grpSp>
+        <p:nvGrpSpPr>
+          <p:cNvPr id="6" name="Group 5"/>
+          <p:cNvGrpSpPr/>
+          <p:nvPr/>
+        </p:nvGrpSpPr>
+        <p:grpSpPr>
+          <a:xfrm>
+            <a:off x="2978498" y="5217832"/>
+            <a:ext cx="1883720" cy="1240590"/>
+            <a:chOff x="-2172163" y="3178827"/>
+            <a:chExt cx="1883720" cy="1240590"/>
+          </a:xfrm>
+        </p:grpSpPr>
+        <p:sp>
+          <p:nvSpPr>
+            <p:cNvPr id="7" name="Rectangle 6"/>
+            <p:cNvSpPr/>
+            <p:nvPr/>
+          </p:nvSpPr>
+          <p:spPr>
+            <a:xfrm>
+              <a:off x="-2172163" y="3289185"/>
+              <a:ext cx="1883720" cy="1130232"/>
+            </a:xfrm>
+            <a:prstGeom prst="rect">
+              <a:avLst/>
+            </a:prstGeom>
+          </p:spPr>
+          <p:style>
+            <a:lnRef idx="3">
+              <a:schemeClr val="lt1">
+                <a:hueOff val="0"/>
+                <a:satOff val="0"/>
+                <a:lumOff val="0"/>
+                <a:alphaOff val="0"/>
+              </a:schemeClr>
+            </a:lnRef>
+            <a:fillRef idx="1">
+              <a:schemeClr val="accent2">
+                <a:hueOff val="0"/>
+                <a:satOff val="0"/>
+                <a:lumOff val="0"/>
+                <a:alphaOff val="0"/>
+              </a:schemeClr>
+            </a:fillRef>
+            <a:effectRef idx="1">
+              <a:schemeClr val="accent2">
+                <a:hueOff val="0"/>
+                <a:satOff val="0"/>
+                <a:lumOff val="0"/>
+                <a:alphaOff val="0"/>
+              </a:schemeClr>
+            </a:effectRef>
+            <a:fontRef idx="minor">
+              <a:schemeClr val="lt1"/>
+            </a:fontRef>
+          </p:style>
+        </p:sp>
+        <p:sp>
+          <p:nvSpPr>
+            <p:cNvPr id="8" name="Rectangle 7"/>
+            <p:cNvSpPr/>
+            <p:nvPr/>
+          </p:nvSpPr>
+          <p:spPr>
+            <a:xfrm>
+              <a:off x="-2172163" y="3178827"/>
+              <a:ext cx="1883720" cy="1130232"/>
+            </a:xfrm>
+            <a:prstGeom prst="rect">
+              <a:avLst/>
+            </a:prstGeom>
+          </p:spPr>
+          <p:style>
+            <a:lnRef idx="0">
+              <a:scrgbClr r="0" g="0" b="0"/>
+            </a:lnRef>
+            <a:fillRef idx="0">
+              <a:scrgbClr r="0" g="0" b="0"/>
+            </a:fillRef>
+            <a:effectRef idx="0">
+              <a:scrgbClr r="0" g="0" b="0"/>
+            </a:effectRef>
+            <a:fontRef idx="minor">
+              <a:schemeClr val="lt1"/>
+            </a:fontRef>
+          </p:style>
+          <p:txBody>
+            <a:bodyPr spcFirstLastPara="0" vert="horz" wrap="square" lIns="95250" tIns="95250" rIns="95250" bIns="95250" numCol="1" spcCol="1270" anchor="ctr" anchorCtr="0">
+              <a:noAutofit/>
+            </a:bodyPr>
+            <a:lstStyle/>
+            <a:p>
+              <a:pPr lvl="0" algn="ctr" defTabSz="1111250">
+                <a:lnSpc>
+                  <a:spcPct val="90000"/>
+                </a:lnSpc>
+                <a:spcBef>
+                  <a:spcPct val="0"/>
+                </a:spcBef>
+                <a:spcAft>
+                  <a:spcPct val="35000"/>
+                </a:spcAft>
+              </a:pPr>
+              <a:r>
+                <a:rPr lang="en-US" sz="2500" kern="1200" dirty="0"/>
+                <a:t>Filters in dishes list </a:t>
+              </a:r>
+            </a:p>
+          </p:txBody>
+        </p:sp>
+      </p:grpSp>
+      <p:grpSp>
+        <p:nvGrpSpPr>
+          <p:cNvPr id="9" name="Group 8"/>
+          <p:cNvGrpSpPr/>
+          <p:nvPr/>
+        </p:nvGrpSpPr>
+        <p:grpSpPr>
+          <a:xfrm>
+            <a:off x="5658636" y="5293662"/>
+            <a:ext cx="1883720" cy="1130232"/>
+            <a:chOff x="4147664" y="572631"/>
+            <a:chExt cx="1883720" cy="1130232"/>
+          </a:xfrm>
+        </p:grpSpPr>
+        <p:sp>
+          <p:nvSpPr>
+            <p:cNvPr id="11" name="Rectangle 10"/>
+            <p:cNvSpPr/>
+            <p:nvPr/>
+          </p:nvSpPr>
+          <p:spPr>
+            <a:xfrm>
+              <a:off x="4147664" y="572631"/>
+              <a:ext cx="1883720" cy="1130232"/>
+            </a:xfrm>
+            <a:prstGeom prst="rect">
+              <a:avLst/>
+            </a:prstGeom>
+          </p:spPr>
+          <p:style>
+            <a:lnRef idx="3">
+              <a:schemeClr val="lt1">
+                <a:hueOff val="0"/>
+                <a:satOff val="0"/>
+                <a:lumOff val="0"/>
+                <a:alphaOff val="0"/>
+              </a:schemeClr>
+            </a:lnRef>
+            <a:fillRef idx="1">
+              <a:schemeClr val="accent2">
+                <a:hueOff val="-194"/>
+                <a:satOff val="-22"/>
+                <a:lumOff val="-7696"/>
+                <a:alphaOff val="0"/>
+              </a:schemeClr>
+            </a:fillRef>
+            <a:effectRef idx="1">
+              <a:schemeClr val="accent2">
+                <a:hueOff val="-194"/>
+                <a:satOff val="-22"/>
+                <a:lumOff val="-7696"/>
+                <a:alphaOff val="0"/>
+              </a:schemeClr>
+            </a:effectRef>
+            <a:fontRef idx="minor">
+              <a:schemeClr val="lt1"/>
+            </a:fontRef>
+          </p:style>
+        </p:sp>
+        <p:sp>
+          <p:nvSpPr>
+            <p:cNvPr id="13" name="Rectangle 12"/>
+            <p:cNvSpPr/>
+            <p:nvPr/>
+          </p:nvSpPr>
+          <p:spPr>
+            <a:xfrm>
+              <a:off x="4147664" y="572631"/>
+              <a:ext cx="1883720" cy="1130232"/>
+            </a:xfrm>
+            <a:prstGeom prst="rect">
+              <a:avLst/>
+            </a:prstGeom>
+          </p:spPr>
+          <p:style>
+            <a:lnRef idx="0">
+              <a:scrgbClr r="0" g="0" b="0"/>
+            </a:lnRef>
+            <a:fillRef idx="0">
+              <a:scrgbClr r="0" g="0" b="0"/>
+            </a:fillRef>
+            <a:effectRef idx="0">
+              <a:scrgbClr r="0" g="0" b="0"/>
+            </a:effectRef>
+            <a:fontRef idx="minor">
+              <a:schemeClr val="lt1"/>
+            </a:fontRef>
+          </p:style>
+          <p:txBody>
+            <a:bodyPr spcFirstLastPara="0" vert="horz" wrap="square" lIns="95250" tIns="95250" rIns="95250" bIns="95250" numCol="1" spcCol="1270" anchor="ctr" anchorCtr="0">
+              <a:noAutofit/>
+            </a:bodyPr>
+            <a:lstStyle/>
+            <a:p>
+              <a:pPr lvl="0" algn="ctr" defTabSz="1111250">
+                <a:lnSpc>
+                  <a:spcPct val="90000"/>
+                </a:lnSpc>
+                <a:spcBef>
+                  <a:spcPct val="0"/>
+                </a:spcBef>
+                <a:spcAft>
+                  <a:spcPct val="35000"/>
+                </a:spcAft>
+              </a:pPr>
+              <a:r>
+                <a:rPr lang="en-US" sz="2500" kern="1200" dirty="0"/>
+                <a:t>Filters in shops list </a:t>
+              </a:r>
+            </a:p>
+          </p:txBody>
+        </p:sp>
+      </p:grpSp>
     </p:spTree>
     <p:extLst>
       <p:ext uri="{BB962C8B-B14F-4D97-AF65-F5344CB8AC3E}">
@@ -17607,7 +17563,7 @@
           <p:cNvPr id="2" name="Title 1">
             <a:extLst>
               <a:ext uri="{FF2B5EF4-FFF2-40B4-BE49-F238E27FC236}">
-                <a16:creationId xmlns="" xmlns:a16="http://schemas.microsoft.com/office/drawing/2014/main" id="{45B86E5E-D50E-4DD4-AFB9-7F48A70197BA}"/>
+                <a16:creationId xmlns:a16="http://schemas.microsoft.com/office/drawing/2014/main" xmlns="" id="{45B86E5E-D50E-4DD4-AFB9-7F48A70197BA}"/>
               </a:ext>
             </a:extLst>
           </p:cNvPr>
@@ -17666,7 +17622,7 @@
           <p:cNvPr id="2" name="Title 1">
             <a:extLst>
               <a:ext uri="{FF2B5EF4-FFF2-40B4-BE49-F238E27FC236}">
-                <a16:creationId xmlns="" xmlns:a16="http://schemas.microsoft.com/office/drawing/2014/main" id="{45B86E5E-D50E-4DD4-AFB9-7F48A70197BA}"/>
+                <a16:creationId xmlns:a16="http://schemas.microsoft.com/office/drawing/2014/main" xmlns="" id="{45B86E5E-D50E-4DD4-AFB9-7F48A70197BA}"/>
               </a:ext>
             </a:extLst>
           </p:cNvPr>
@@ -17695,7 +17651,7 @@
           <p:cNvPr id="3" name="TextBox 2">
             <a:extLst>
               <a:ext uri="{FF2B5EF4-FFF2-40B4-BE49-F238E27FC236}">
-                <a16:creationId xmlns="" xmlns:a16="http://schemas.microsoft.com/office/drawing/2014/main" id="{501B63F9-C596-4A38-B8B2-C5FEE9DAE148}"/>
+                <a16:creationId xmlns:a16="http://schemas.microsoft.com/office/drawing/2014/main" xmlns="" id="{501B63F9-C596-4A38-B8B2-C5FEE9DAE148}"/>
               </a:ext>
             </a:extLst>
           </p:cNvPr>
@@ -17703,7 +17659,7 @@
           <p:nvPr>
             <p:extLst>
               <p:ext uri="{D42A27DB-BD31-4B8C-83A1-F6EECF244321}">
-                <p14:modId xmlns:p14="http://schemas.microsoft.com/office/powerpoint/2010/main" val="673272209"/>
+                <p14:modId xmlns:p14="http://schemas.microsoft.com/office/powerpoint/2010/main" val="3490943369"/>
               </p:ext>
             </p:extLst>
           </p:nvPr>
@@ -17753,7 +17709,7 @@
           <p:cNvPr id="2" name="Title 1">
             <a:extLst>
               <a:ext uri="{FF2B5EF4-FFF2-40B4-BE49-F238E27FC236}">
-                <a16:creationId xmlns="" xmlns:a16="http://schemas.microsoft.com/office/drawing/2014/main" id="{77A88685-22FC-43B9-B3E9-025FCA498429}"/>
+                <a16:creationId xmlns:a16="http://schemas.microsoft.com/office/drawing/2014/main" xmlns="" id="{77A88685-22FC-43B9-B3E9-025FCA498429}"/>
               </a:ext>
             </a:extLst>
           </p:cNvPr>
@@ -17782,7 +17738,7 @@
           <p:cNvPr id="3" name="Content Placeholder 2">
             <a:extLst>
               <a:ext uri="{FF2B5EF4-FFF2-40B4-BE49-F238E27FC236}">
-                <a16:creationId xmlns="" xmlns:a16="http://schemas.microsoft.com/office/drawing/2014/main" id="{5A10B657-F23A-4437-86D2-269772544C9E}"/>
+                <a16:creationId xmlns:a16="http://schemas.microsoft.com/office/drawing/2014/main" xmlns="" id="{5A10B657-F23A-4437-86D2-269772544C9E}"/>
               </a:ext>
             </a:extLst>
           </p:cNvPr>
@@ -18108,7 +18064,7 @@
           <p:cNvPr id="2" name="Title 1">
             <a:extLst>
               <a:ext uri="{FF2B5EF4-FFF2-40B4-BE49-F238E27FC236}">
-                <a16:creationId xmlns="" xmlns:a16="http://schemas.microsoft.com/office/drawing/2014/main" id="{62B38921-F153-46EC-9C43-821C8373A987}"/>
+                <a16:creationId xmlns:a16="http://schemas.microsoft.com/office/drawing/2014/main" xmlns="" id="{62B38921-F153-46EC-9C43-821C8373A987}"/>
               </a:ext>
             </a:extLst>
           </p:cNvPr>
@@ -18136,7 +18092,7 @@
           <p:cNvPr id="3" name="Text Placeholder 2">
             <a:extLst>
               <a:ext uri="{FF2B5EF4-FFF2-40B4-BE49-F238E27FC236}">
-                <a16:creationId xmlns="" xmlns:a16="http://schemas.microsoft.com/office/drawing/2014/main" id="{2CB6AAC8-A36D-4493-A68E-73BBD148B0D3}"/>
+                <a16:creationId xmlns:a16="http://schemas.microsoft.com/office/drawing/2014/main" xmlns="" id="{2CB6AAC8-A36D-4493-A68E-73BBD148B0D3}"/>
               </a:ext>
             </a:extLst>
           </p:cNvPr>
@@ -18426,7 +18382,7 @@
   <a:extraClrSchemeLst/>
   <a:extLst>
     <a:ext uri="{05A4C25C-085E-4340-85A3-A5531E510DB2}">
-      <thm15:themeFamily xmlns:thm15="http://schemas.microsoft.com/office/thememl/2012/main" name="Badge" id="{71A07785-5930-41D4-9A83-E23602B48E98}" vid="{771EA782-DFA6-45B1-AEA3-661F1715B310}"/>
+      <thm15:themeFamily xmlns:thm15="http://schemas.microsoft.com/office/thememl/2012/main" xmlns="" name="Badge" id="{71A07785-5930-41D4-9A83-E23602B48E98}" vid="{771EA782-DFA6-45B1-AEA3-661F1715B310}"/>
     </a:ext>
   </a:extLst>
 </a:theme>
@@ -18475,7 +18431,7 @@
     </a:clrScheme>
     <a:fontScheme name="Office">
       <a:majorFont>
-        <a:latin typeface="Calibri Light" panose="020F0302020204030204"/>
+        <a:latin typeface="Calibri Light"/>
         <a:ea typeface=""/>
         <a:cs typeface=""/>
         <a:font script="Jpan" typeface="游ゴシック Light"/>
@@ -18527,7 +18483,7 @@
         <a:font script="Tfng" typeface="Ebrima"/>
       </a:majorFont>
       <a:minorFont>
-        <a:latin typeface="Calibri" panose="020F0502020204030204"/>
+        <a:latin typeface="Calibri"/>
         <a:ea typeface=""/>
         <a:cs typeface=""/>
         <a:font script="Jpan" typeface="游ゴシック"/>
@@ -18721,7 +18677,7 @@
   <a:extraClrSchemeLst/>
   <a:extLst>
     <a:ext uri="{05A4C25C-085E-4340-85A3-A5531E510DB2}">
-      <thm15:themeFamily xmlns:thm15="http://schemas.microsoft.com/office/thememl/2012/main" name="Office Theme" id="{62F939B6-93AF-4DB8-9C6B-D6C7DFDC589F}" vid="{4A3C46E8-61CC-4603-A589-7422A47A8E4A}"/>
+      <thm15:themeFamily xmlns:thm15="http://schemas.microsoft.com/office/thememl/2012/main" xmlns="" name="Office Theme" id="{62F939B6-93AF-4DB8-9C6B-D6C7DFDC589F}" vid="{4A3C46E8-61CC-4603-A589-7422A47A8E4A}"/>
     </a:ext>
   </a:extLst>
 </a:theme>

--- a/Pick a dish app.pptx
+++ b/Pick a dish app.pptx
@@ -119,7 +119,7 @@
   </p:defaultTextStyle>
   <p:extLst>
     <p:ext uri="{EFAFB233-063F-42B5-8137-9DF3F51BA10A}">
-      <p15:sldGuideLst xmlns:p15="http://schemas.microsoft.com/office/powerpoint/2012/main" xmlns="">
+      <p15:sldGuideLst xmlns="" xmlns:p15="http://schemas.microsoft.com/office/powerpoint/2012/main">
         <p15:guide id="1" orient="horz" pos="2160">
           <p15:clr>
             <a:srgbClr val="A4A3A4"/>
@@ -11554,7 +11554,7 @@
   </p:clrMapOvr>
   <p:extLst mod="1">
     <p:ext uri="{DCECCB84-F9BA-43D5-87BE-67443E8EF086}">
-      <p15:sldGuideLst xmlns:p15="http://schemas.microsoft.com/office/powerpoint/2012/main" xmlns=""/>
+      <p15:sldGuideLst xmlns="" xmlns:p15="http://schemas.microsoft.com/office/powerpoint/2012/main"/>
     </p:ext>
   </p:extLst>
 </p:sldLayout>
@@ -11939,7 +11939,7 @@
   </p:clrMapOvr>
   <p:extLst mod="1">
     <p:ext uri="{DCECCB84-F9BA-43D5-87BE-67443E8EF086}">
-      <p15:sldGuideLst xmlns:p15="http://schemas.microsoft.com/office/powerpoint/2012/main" xmlns=""/>
+      <p15:sldGuideLst xmlns="" xmlns:p15="http://schemas.microsoft.com/office/powerpoint/2012/main"/>
     </p:ext>
   </p:extLst>
 </p:sldLayout>
@@ -12953,7 +12953,7 @@
   </p:clrMapOvr>
   <p:extLst mod="1">
     <p:ext uri="{DCECCB84-F9BA-43D5-87BE-67443E8EF086}">
-      <p15:sldGuideLst xmlns:p15="http://schemas.microsoft.com/office/powerpoint/2012/main" xmlns="">
+      <p15:sldGuideLst xmlns="" xmlns:p15="http://schemas.microsoft.com/office/powerpoint/2012/main">
         <p15:guide id="1" orient="horz" pos="696">
           <p15:clr>
             <a:srgbClr val="FBAE40"/>
@@ -14849,7 +14849,7 @@
   </p:txStyles>
   <p:extLst mod="1">
     <p:ext uri="{27BBF7A9-308A-43DC-89C8-2F10F3537804}">
-      <p15:sldGuideLst xmlns:p15="http://schemas.microsoft.com/office/powerpoint/2012/main" xmlns="">
+      <p15:sldGuideLst xmlns="" xmlns:p15="http://schemas.microsoft.com/office/powerpoint/2012/main">
         <p15:guide id="1" pos="792">
           <p15:clr>
             <a:srgbClr val="F26B43"/>
@@ -14908,7 +14908,7 @@
           <p:cNvPr id="2" name="Title 1">
             <a:extLst>
               <a:ext uri="{FF2B5EF4-FFF2-40B4-BE49-F238E27FC236}">
-                <a16:creationId xmlns:a16="http://schemas.microsoft.com/office/drawing/2014/main" xmlns="" id="{0E52C71E-D495-4B06-9663-B87220326D0D}"/>
+                <a16:creationId xmlns="" xmlns:a16="http://schemas.microsoft.com/office/drawing/2014/main" id="{0E52C71E-D495-4B06-9663-B87220326D0D}"/>
               </a:ext>
             </a:extLst>
           </p:cNvPr>
@@ -14936,7 +14936,7 @@
           <p:cNvPr id="3" name="Subtitle 2">
             <a:extLst>
               <a:ext uri="{FF2B5EF4-FFF2-40B4-BE49-F238E27FC236}">
-                <a16:creationId xmlns:a16="http://schemas.microsoft.com/office/drawing/2014/main" xmlns="" id="{8831B2C1-060E-4041-862C-29CA6B5265D3}"/>
+                <a16:creationId xmlns="" xmlns:a16="http://schemas.microsoft.com/office/drawing/2014/main" id="{8831B2C1-060E-4041-862C-29CA6B5265D3}"/>
               </a:ext>
             </a:extLst>
           </p:cNvPr>
@@ -14994,7 +14994,7 @@
           <p:cNvPr id="2" name="Title 1">
             <a:extLst>
               <a:ext uri="{FF2B5EF4-FFF2-40B4-BE49-F238E27FC236}">
-                <a16:creationId xmlns:a16="http://schemas.microsoft.com/office/drawing/2014/main" xmlns="" id="{269A0B15-D693-4459-AF1A-5C00C7406E29}"/>
+                <a16:creationId xmlns="" xmlns:a16="http://schemas.microsoft.com/office/drawing/2014/main" id="{269A0B15-D693-4459-AF1A-5C00C7406E29}"/>
               </a:ext>
             </a:extLst>
           </p:cNvPr>
@@ -15022,7 +15022,7 @@
           <p:cNvPr id="3" name="Subtitle 2">
             <a:extLst>
               <a:ext uri="{FF2B5EF4-FFF2-40B4-BE49-F238E27FC236}">
-                <a16:creationId xmlns:a16="http://schemas.microsoft.com/office/drawing/2014/main" xmlns="" id="{89781140-EE1A-423E-B26F-9FA9172BDC16}"/>
+                <a16:creationId xmlns="" xmlns:a16="http://schemas.microsoft.com/office/drawing/2014/main" id="{89781140-EE1A-423E-B26F-9FA9172BDC16}"/>
               </a:ext>
             </a:extLst>
           </p:cNvPr>
@@ -15080,7 +15080,7 @@
           <p:cNvPr id="2" name="Title 1">
             <a:extLst>
               <a:ext uri="{FF2B5EF4-FFF2-40B4-BE49-F238E27FC236}">
-                <a16:creationId xmlns:a16="http://schemas.microsoft.com/office/drawing/2014/main" xmlns="" id="{27865403-966F-4171-AFD2-4095C3936E6B}"/>
+                <a16:creationId xmlns="" xmlns:a16="http://schemas.microsoft.com/office/drawing/2014/main" id="{27865403-966F-4171-AFD2-4095C3936E6B}"/>
               </a:ext>
             </a:extLst>
           </p:cNvPr>
@@ -15115,7 +15115,7 @@
           <p:cNvPr id="3" name="Text Placeholder 2">
             <a:extLst>
               <a:ext uri="{FF2B5EF4-FFF2-40B4-BE49-F238E27FC236}">
-                <a16:creationId xmlns:a16="http://schemas.microsoft.com/office/drawing/2014/main" xmlns="" id="{95384BE1-ECA6-4759-9219-426C433BB524}"/>
+                <a16:creationId xmlns="" xmlns:a16="http://schemas.microsoft.com/office/drawing/2014/main" id="{95384BE1-ECA6-4759-9219-426C433BB524}"/>
               </a:ext>
             </a:extLst>
           </p:cNvPr>
@@ -15181,7 +15181,7 @@
           <p:cNvPr id="71" name="Freeform 6" title="Left scallop edge">
             <a:extLst>
               <a:ext uri="{FF2B5EF4-FFF2-40B4-BE49-F238E27FC236}">
-                <a16:creationId xmlns:a16="http://schemas.microsoft.com/office/drawing/2014/main" xmlns="" id="{841EFD0D-0D37-447B-B1EA-4F7197EB2911}"/>
+                <a16:creationId xmlns="" xmlns:a16="http://schemas.microsoft.com/office/drawing/2014/main" id="{841EFD0D-0D37-447B-B1EA-4F7197EB2911}"/>
               </a:ext>
             </a:extLst>
           </p:cNvPr>
@@ -15191,7 +15191,7 @@
           <p:nvPr>
             <p:extLst>
               <p:ext uri="{386F3935-93C4-4BCD-93E2-E3B085C9AB24}">
-                <p16:designElem xmlns:p16="http://schemas.microsoft.com/office/powerpoint/2015/main" xmlns="" val="1"/>
+                <p16:designElem xmlns="" xmlns:p16="http://schemas.microsoft.com/office/powerpoint/2015/main" val="1"/>
               </p:ext>
             </p:extLst>
           </p:nvPr>
@@ -15659,7 +15659,7 @@
           <p:cNvPr id="73" name="Rectangle 72" title="right edge border">
             <a:extLst>
               <a:ext uri="{FF2B5EF4-FFF2-40B4-BE49-F238E27FC236}">
-                <a16:creationId xmlns:a16="http://schemas.microsoft.com/office/drawing/2014/main" xmlns="" id="{5A6DFF24-307B-44B0-93F0-893676F1488A}"/>
+                <a16:creationId xmlns="" xmlns:a16="http://schemas.microsoft.com/office/drawing/2014/main" id="{5A6DFF24-307B-44B0-93F0-893676F1488A}"/>
               </a:ext>
             </a:extLst>
           </p:cNvPr>
@@ -15669,7 +15669,7 @@
           <p:nvPr>
             <p:extLst>
               <p:ext uri="{386F3935-93C4-4BCD-93E2-E3B085C9AB24}">
-                <p16:designElem xmlns:p16="http://schemas.microsoft.com/office/powerpoint/2015/main" xmlns="" val="1"/>
+                <p16:designElem xmlns="" xmlns:p16="http://schemas.microsoft.com/office/powerpoint/2015/main" val="1"/>
               </p:ext>
             </p:extLst>
           </p:nvPr>
@@ -15711,7 +15711,7 @@
           <p:cNvPr id="1026" name="Picture 2" descr="Image result for dysh app">
             <a:extLst>
               <a:ext uri="{FF2B5EF4-FFF2-40B4-BE49-F238E27FC236}">
-                <a16:creationId xmlns:a16="http://schemas.microsoft.com/office/drawing/2014/main" xmlns="" id="{316F83B2-6343-48D9-AE65-74CA7D8BA1E1}"/>
+                <a16:creationId xmlns="" xmlns:a16="http://schemas.microsoft.com/office/drawing/2014/main" id="{316F83B2-6343-48D9-AE65-74CA7D8BA1E1}"/>
               </a:ext>
             </a:extLst>
           </p:cNvPr>
@@ -15758,7 +15758,7 @@
           <p:cNvPr id="2" name="Title 1">
             <a:extLst>
               <a:ext uri="{FF2B5EF4-FFF2-40B4-BE49-F238E27FC236}">
-                <a16:creationId xmlns:a16="http://schemas.microsoft.com/office/drawing/2014/main" xmlns="" id="{4259A47C-5E27-4927-9AB7-7858CC6B6837}"/>
+                <a16:creationId xmlns="" xmlns:a16="http://schemas.microsoft.com/office/drawing/2014/main" id="{4259A47C-5E27-4927-9AB7-7858CC6B6837}"/>
               </a:ext>
             </a:extLst>
           </p:cNvPr>
@@ -15793,7 +15793,7 @@
           <p:cNvPr id="3" name="Vertical Text Placeholder 2">
             <a:extLst>
               <a:ext uri="{FF2B5EF4-FFF2-40B4-BE49-F238E27FC236}">
-                <a16:creationId xmlns:a16="http://schemas.microsoft.com/office/drawing/2014/main" xmlns="" id="{9F629151-CF71-41D0-859A-9BF538BE93B2}"/>
+                <a16:creationId xmlns="" xmlns:a16="http://schemas.microsoft.com/office/drawing/2014/main" id="{9F629151-CF71-41D0-859A-9BF538BE93B2}"/>
               </a:ext>
             </a:extLst>
           </p:cNvPr>
@@ -16341,7 +16341,7 @@
           <p:cNvPr id="2" name="Title 1">
             <a:extLst>
               <a:ext uri="{FF2B5EF4-FFF2-40B4-BE49-F238E27FC236}">
-                <a16:creationId xmlns:a16="http://schemas.microsoft.com/office/drawing/2014/main" xmlns="" id="{DEAB97D2-A703-4DF9-A135-61E99FBBAEE5}"/>
+                <a16:creationId xmlns="" xmlns:a16="http://schemas.microsoft.com/office/drawing/2014/main" id="{DEAB97D2-A703-4DF9-A135-61E99FBBAEE5}"/>
               </a:ext>
             </a:extLst>
           </p:cNvPr>
@@ -16378,7 +16378,7 @@
           <p:cNvPr id="3" name="Content Placeholder 2">
             <a:extLst>
               <a:ext uri="{FF2B5EF4-FFF2-40B4-BE49-F238E27FC236}">
-                <a16:creationId xmlns:a16="http://schemas.microsoft.com/office/drawing/2014/main" xmlns="" id="{E18A2BED-03F4-401A-8B62-B874394465E0}"/>
+                <a16:creationId xmlns="" xmlns:a16="http://schemas.microsoft.com/office/drawing/2014/main" id="{E18A2BED-03F4-401A-8B62-B874394465E0}"/>
               </a:ext>
             </a:extLst>
           </p:cNvPr>
@@ -16720,7 +16720,7 @@
           <p:cNvPr id="10" name="Freeform 6" title="Left scallop edge">
             <a:extLst>
               <a:ext uri="{FF2B5EF4-FFF2-40B4-BE49-F238E27FC236}">
-                <a16:creationId xmlns:a16="http://schemas.microsoft.com/office/drawing/2014/main" xmlns="" id="{D09F5552-39CF-49BE-9BA3-F2C2E97DD974}"/>
+                <a16:creationId xmlns="" xmlns:a16="http://schemas.microsoft.com/office/drawing/2014/main" id="{D09F5552-39CF-49BE-9BA3-F2C2E97DD974}"/>
               </a:ext>
             </a:extLst>
           </p:cNvPr>
@@ -16730,7 +16730,7 @@
           <p:nvPr>
             <p:extLst>
               <p:ext uri="{386F3935-93C4-4BCD-93E2-E3B085C9AB24}">
-                <p16:designElem xmlns:p16="http://schemas.microsoft.com/office/powerpoint/2015/main" xmlns="" val="1"/>
+                <p16:designElem xmlns="" xmlns:p16="http://schemas.microsoft.com/office/powerpoint/2015/main" val="1"/>
               </p:ext>
             </p:extLst>
           </p:nvPr>
@@ -17198,7 +17198,7 @@
           <p:cNvPr id="12" name="Rectangle 11" title="right edge border">
             <a:extLst>
               <a:ext uri="{FF2B5EF4-FFF2-40B4-BE49-F238E27FC236}">
-                <a16:creationId xmlns:a16="http://schemas.microsoft.com/office/drawing/2014/main" xmlns="" id="{6CCDD5D4-DC0E-4B2C-8B6B-FCAA00ECE04E}"/>
+                <a16:creationId xmlns="" xmlns:a16="http://schemas.microsoft.com/office/drawing/2014/main" id="{6CCDD5D4-DC0E-4B2C-8B6B-FCAA00ECE04E}"/>
               </a:ext>
             </a:extLst>
           </p:cNvPr>
@@ -17208,7 +17208,7 @@
           <p:nvPr>
             <p:extLst>
               <p:ext uri="{386F3935-93C4-4BCD-93E2-E3B085C9AB24}">
-                <p16:designElem xmlns:p16="http://schemas.microsoft.com/office/powerpoint/2015/main" xmlns="" val="1"/>
+                <p16:designElem xmlns="" xmlns:p16="http://schemas.microsoft.com/office/powerpoint/2015/main" val="1"/>
               </p:ext>
             </p:extLst>
           </p:nvPr>
@@ -17250,7 +17250,7 @@
           <p:cNvPr id="2" name="Title 1">
             <a:extLst>
               <a:ext uri="{FF2B5EF4-FFF2-40B4-BE49-F238E27FC236}">
-                <a16:creationId xmlns:a16="http://schemas.microsoft.com/office/drawing/2014/main" xmlns="" id="{CBFE0AFB-9382-4169-AED7-D90AAA1642C6}"/>
+                <a16:creationId xmlns="" xmlns:a16="http://schemas.microsoft.com/office/drawing/2014/main" id="{CBFE0AFB-9382-4169-AED7-D90AAA1642C6}"/>
               </a:ext>
             </a:extLst>
           </p:cNvPr>
@@ -17310,10 +17310,10 @@
         </p:nvGrpSpPr>
         <p:grpSpPr>
           <a:xfrm>
-            <a:off x="2978498" y="5217832"/>
-            <a:ext cx="1883720" cy="1240590"/>
-            <a:chOff x="-2172163" y="3178827"/>
-            <a:chExt cx="1883720" cy="1240590"/>
+            <a:off x="2043078" y="5311870"/>
+            <a:ext cx="1888975" cy="1146552"/>
+            <a:chOff x="-2508494" y="3272865"/>
+            <a:chExt cx="1888975" cy="1146552"/>
           </a:xfrm>
         </p:grpSpPr>
         <p:sp>
@@ -17324,7 +17324,7 @@
           </p:nvSpPr>
           <p:spPr>
             <a:xfrm>
-              <a:off x="-2172163" y="3289185"/>
+              <a:off x="-2503239" y="3289185"/>
               <a:ext cx="1883720" cy="1130232"/>
             </a:xfrm>
             <a:prstGeom prst="rect">
@@ -17369,7 +17369,7 @@
           </p:nvSpPr>
           <p:spPr>
             <a:xfrm>
-              <a:off x="-2172163" y="3178827"/>
+              <a:off x="-2508494" y="3272865"/>
               <a:ext cx="1883720" cy="1130232"/>
             </a:xfrm>
             <a:prstGeom prst="rect">
@@ -17408,7 +17408,7 @@
                 </a:spcAft>
               </a:pPr>
               <a:r>
-                <a:rPr lang="en-US" sz="2500" kern="1200" dirty="0"/>
+                <a:rPr lang="en-US" sz="2400" kern="1200" dirty="0"/>
                 <a:t>Filters in dishes list </a:t>
               </a:r>
             </a:p>
@@ -17423,7 +17423,7 @@
         </p:nvGrpSpPr>
         <p:grpSpPr>
           <a:xfrm>
-            <a:off x="5658636" y="5293662"/>
+            <a:off x="6181785" y="5323344"/>
             <a:ext cx="1883720" cy="1130232"/>
             <a:chOff x="4147664" y="572631"/>
             <a:chExt cx="1883720" cy="1130232"/>
@@ -17432,6 +17432,334 @@
         <p:sp>
           <p:nvSpPr>
             <p:cNvPr id="11" name="Rectangle 10"/>
+            <p:cNvSpPr/>
+            <p:nvPr/>
+          </p:nvSpPr>
+          <p:spPr>
+            <a:xfrm>
+              <a:off x="4147664" y="572631"/>
+              <a:ext cx="1883720" cy="1130232"/>
+            </a:xfrm>
+            <a:prstGeom prst="rect">
+              <a:avLst/>
+            </a:prstGeom>
+          </p:spPr>
+          <p:style>
+            <a:lnRef idx="3">
+              <a:schemeClr val="lt1"/>
+            </a:lnRef>
+            <a:fillRef idx="1">
+              <a:schemeClr val="accent3"/>
+            </a:fillRef>
+            <a:effectRef idx="1">
+              <a:schemeClr val="accent3"/>
+            </a:effectRef>
+            <a:fontRef idx="minor">
+              <a:schemeClr val="lt1"/>
+            </a:fontRef>
+          </p:style>
+        </p:sp>
+        <p:sp>
+          <p:nvSpPr>
+            <p:cNvPr id="13" name="Rectangle 12"/>
+            <p:cNvSpPr/>
+            <p:nvPr/>
+          </p:nvSpPr>
+          <p:spPr>
+            <a:xfrm>
+              <a:off x="4147664" y="572631"/>
+              <a:ext cx="1883720" cy="1130232"/>
+            </a:xfrm>
+            <a:prstGeom prst="rect">
+              <a:avLst/>
+            </a:prstGeom>
+          </p:spPr>
+          <p:style>
+            <a:lnRef idx="3">
+              <a:schemeClr val="lt1"/>
+            </a:lnRef>
+            <a:fillRef idx="1">
+              <a:schemeClr val="accent3"/>
+            </a:fillRef>
+            <a:effectRef idx="1">
+              <a:schemeClr val="accent3"/>
+            </a:effectRef>
+            <a:fontRef idx="minor">
+              <a:schemeClr val="lt1"/>
+            </a:fontRef>
+          </p:style>
+          <p:txBody>
+            <a:bodyPr spcFirstLastPara="0" vert="horz" wrap="square" lIns="95250" tIns="95250" rIns="95250" bIns="95250" numCol="1" spcCol="1270" anchor="ctr" anchorCtr="0">
+              <a:noAutofit/>
+            </a:bodyPr>
+            <a:lstStyle/>
+            <a:p>
+              <a:pPr lvl="0" algn="ctr" defTabSz="1111250">
+                <a:lnSpc>
+                  <a:spcPct val="90000"/>
+                </a:lnSpc>
+                <a:spcBef>
+                  <a:spcPct val="0"/>
+                </a:spcBef>
+                <a:spcAft>
+                  <a:spcPct val="35000"/>
+                </a:spcAft>
+              </a:pPr>
+              <a:r>
+                <a:rPr lang="en-US" sz="2400" dirty="0" smtClean="0"/>
+                <a:t>Refresh </a:t>
+              </a:r>
+              <a:r>
+                <a:rPr lang="en-US" sz="2400" dirty="0"/>
+                <a:t>shop page</a:t>
+              </a:r>
+              <a:endParaRPr lang="en-US" sz="2400" dirty="0"/>
+            </a:p>
+          </p:txBody>
+        </p:sp>
+      </p:grpSp>
+      <p:sp>
+        <p:nvSpPr>
+          <p:cNvPr id="14" name="Rectangle 13"/>
+          <p:cNvSpPr/>
+          <p:nvPr/>
+        </p:nvSpPr>
+        <p:spPr>
+          <a:xfrm>
+            <a:off x="6299767" y="5303063"/>
+            <a:ext cx="1883720" cy="1130232"/>
+          </a:xfrm>
+          <a:prstGeom prst="rect">
+            <a:avLst/>
+          </a:prstGeom>
+        </p:spPr>
+        <p:style>
+          <a:lnRef idx="0">
+            <a:scrgbClr r="0" g="0" b="0"/>
+          </a:lnRef>
+          <a:fillRef idx="0">
+            <a:scrgbClr r="0" g="0" b="0"/>
+          </a:fillRef>
+          <a:effectRef idx="0">
+            <a:scrgbClr r="0" g="0" b="0"/>
+          </a:effectRef>
+          <a:fontRef idx="minor">
+            <a:schemeClr val="lt1"/>
+          </a:fontRef>
+        </p:style>
+        <p:txBody>
+          <a:bodyPr spcFirstLastPara="0" vert="horz" wrap="square" lIns="95250" tIns="95250" rIns="95250" bIns="95250" numCol="1" spcCol="1270" anchor="ctr" anchorCtr="0">
+            <a:noAutofit/>
+          </a:bodyPr>
+          <a:lstStyle/>
+          <a:p>
+            <a:pPr lvl="0" algn="ctr" defTabSz="1111250">
+              <a:lnSpc>
+                <a:spcPct val="90000"/>
+              </a:lnSpc>
+              <a:spcBef>
+                <a:spcPct val="0"/>
+              </a:spcBef>
+              <a:spcAft>
+                <a:spcPct val="35000"/>
+              </a:spcAft>
+            </a:pPr>
+            <a:endParaRPr lang="en-US" sz="2500" kern="1200" dirty="0"/>
+          </a:p>
+        </p:txBody>
+      </p:sp>
+      <p:grpSp>
+        <p:nvGrpSpPr>
+          <p:cNvPr id="15" name="Group 14"/>
+          <p:cNvGrpSpPr/>
+          <p:nvPr/>
+        </p:nvGrpSpPr>
+        <p:grpSpPr>
+          <a:xfrm>
+            <a:off x="4045298" y="5323344"/>
+            <a:ext cx="1883720" cy="1152547"/>
+            <a:chOff x="2381926" y="449913"/>
+            <a:chExt cx="1883720" cy="1152547"/>
+          </a:xfrm>
+        </p:grpSpPr>
+        <p:sp>
+          <p:nvSpPr>
+            <p:cNvPr id="16" name="Rectangle 15"/>
+            <p:cNvSpPr/>
+            <p:nvPr/>
+          </p:nvSpPr>
+          <p:spPr>
+            <a:xfrm>
+              <a:off x="2381926" y="449913"/>
+              <a:ext cx="1883720" cy="1130232"/>
+            </a:xfrm>
+            <a:prstGeom prst="rect">
+              <a:avLst/>
+            </a:prstGeom>
+          </p:spPr>
+          <p:style>
+            <a:lnRef idx="3">
+              <a:schemeClr val="lt1">
+                <a:hueOff val="0"/>
+                <a:satOff val="0"/>
+                <a:lumOff val="0"/>
+                <a:alphaOff val="0"/>
+              </a:schemeClr>
+            </a:lnRef>
+            <a:fillRef idx="1">
+              <a:schemeClr val="accent2">
+                <a:hueOff val="-194"/>
+                <a:satOff val="-22"/>
+                <a:lumOff val="-7696"/>
+                <a:alphaOff val="0"/>
+              </a:schemeClr>
+            </a:fillRef>
+            <a:effectRef idx="1">
+              <a:schemeClr val="accent2">
+                <a:hueOff val="-194"/>
+                <a:satOff val="-22"/>
+                <a:lumOff val="-7696"/>
+                <a:alphaOff val="0"/>
+              </a:schemeClr>
+            </a:effectRef>
+            <a:fontRef idx="minor">
+              <a:schemeClr val="lt1"/>
+            </a:fontRef>
+          </p:style>
+        </p:sp>
+        <p:sp>
+          <p:nvSpPr>
+            <p:cNvPr id="17" name="Rectangle 16"/>
+            <p:cNvSpPr/>
+            <p:nvPr/>
+          </p:nvSpPr>
+          <p:spPr>
+            <a:xfrm>
+              <a:off x="2381926" y="472228"/>
+              <a:ext cx="1883720" cy="1130232"/>
+            </a:xfrm>
+            <a:prstGeom prst="rect">
+              <a:avLst/>
+            </a:prstGeom>
+          </p:spPr>
+          <p:style>
+            <a:lnRef idx="0">
+              <a:scrgbClr r="0" g="0" b="0"/>
+            </a:lnRef>
+            <a:fillRef idx="0">
+              <a:scrgbClr r="0" g="0" b="0"/>
+            </a:fillRef>
+            <a:effectRef idx="0">
+              <a:scrgbClr r="0" g="0" b="0"/>
+            </a:effectRef>
+            <a:fontRef idx="minor">
+              <a:schemeClr val="lt1"/>
+            </a:fontRef>
+          </p:style>
+          <p:txBody>
+            <a:bodyPr spcFirstLastPara="0" vert="horz" wrap="square" lIns="95250" tIns="95250" rIns="95250" bIns="95250" numCol="1" spcCol="1270" anchor="ctr" anchorCtr="0">
+              <a:noAutofit/>
+            </a:bodyPr>
+            <a:lstStyle/>
+            <a:p>
+              <a:pPr lvl="0" algn="ctr" defTabSz="1111250">
+                <a:lnSpc>
+                  <a:spcPct val="90000"/>
+                </a:lnSpc>
+                <a:spcBef>
+                  <a:spcPct val="0"/>
+                </a:spcBef>
+                <a:spcAft>
+                  <a:spcPct val="35000"/>
+                </a:spcAft>
+              </a:pPr>
+              <a:r>
+                <a:rPr lang="en-US" sz="2500" kern="1200" dirty="0" smtClean="0"/>
+                <a:t>Filters </a:t>
+              </a:r>
+              <a:r>
+                <a:rPr lang="en-US" sz="2500" kern="1200" dirty="0"/>
+                <a:t>in shops list </a:t>
+              </a:r>
+            </a:p>
+          </p:txBody>
+        </p:sp>
+      </p:grpSp>
+      <p:sp>
+        <p:nvSpPr>
+          <p:cNvPr id="18" name="Rectangle 17"/>
+          <p:cNvSpPr/>
+          <p:nvPr/>
+        </p:nvSpPr>
+        <p:spPr>
+          <a:xfrm>
+            <a:off x="10101625" y="5345659"/>
+            <a:ext cx="1883720" cy="1130232"/>
+          </a:xfrm>
+          <a:prstGeom prst="rect">
+            <a:avLst/>
+          </a:prstGeom>
+        </p:spPr>
+        <p:style>
+          <a:lnRef idx="0">
+            <a:scrgbClr r="0" g="0" b="0"/>
+          </a:lnRef>
+          <a:fillRef idx="0">
+            <a:scrgbClr r="0" g="0" b="0"/>
+          </a:fillRef>
+          <a:effectRef idx="0">
+            <a:scrgbClr r="0" g="0" b="0"/>
+          </a:effectRef>
+          <a:fontRef idx="minor">
+            <a:schemeClr val="lt1"/>
+          </a:fontRef>
+        </p:style>
+        <p:txBody>
+          <a:bodyPr spcFirstLastPara="0" vert="horz" wrap="square" lIns="95250" tIns="95250" rIns="95250" bIns="95250" numCol="1" spcCol="1270" anchor="ctr" anchorCtr="0">
+            <a:noAutofit/>
+          </a:bodyPr>
+          <a:lstStyle/>
+          <a:p>
+            <a:pPr lvl="0" algn="ctr" defTabSz="1111250">
+              <a:lnSpc>
+                <a:spcPct val="90000"/>
+              </a:lnSpc>
+              <a:spcBef>
+                <a:spcPct val="0"/>
+              </a:spcBef>
+              <a:spcAft>
+                <a:spcPct val="35000"/>
+              </a:spcAft>
+            </a:pPr>
+            <a:r>
+              <a:rPr lang="en-US" sz="2500" dirty="0" smtClean="0"/>
+              <a:t>Refresh </a:t>
+            </a:r>
+            <a:r>
+              <a:rPr lang="en-US" sz="2500" dirty="0"/>
+              <a:t>shop page</a:t>
+            </a:r>
+            <a:endParaRPr lang="en-US" sz="2500" dirty="0"/>
+          </a:p>
+        </p:txBody>
+      </p:sp>
+      <p:grpSp>
+        <p:nvGrpSpPr>
+          <p:cNvPr id="19" name="Group 18"/>
+          <p:cNvGrpSpPr/>
+          <p:nvPr/>
+        </p:nvGrpSpPr>
+        <p:grpSpPr>
+          <a:xfrm>
+            <a:off x="8432499" y="5303063"/>
+            <a:ext cx="1883720" cy="1130232"/>
+            <a:chOff x="4147664" y="572631"/>
+            <a:chExt cx="1883720" cy="1130232"/>
+          </a:xfrm>
+        </p:grpSpPr>
+        <p:sp>
+          <p:nvSpPr>
+            <p:cNvPr id="20" name="Rectangle 19"/>
             <p:cNvSpPr/>
             <p:nvPr/>
           </p:nvSpPr>
@@ -17476,7 +17804,7 @@
         </p:sp>
         <p:sp>
           <p:nvSpPr>
-            <p:cNvPr id="13" name="Rectangle 12"/>
+            <p:cNvPr id="21" name="Rectangle 20"/>
             <p:cNvSpPr/>
             <p:nvPr/>
           </p:nvSpPr>
@@ -17490,14 +17818,14 @@
             </a:prstGeom>
           </p:spPr>
           <p:style>
-            <a:lnRef idx="0">
-              <a:scrgbClr r="0" g="0" b="0"/>
+            <a:lnRef idx="3">
+              <a:schemeClr val="lt1"/>
             </a:lnRef>
-            <a:fillRef idx="0">
-              <a:scrgbClr r="0" g="0" b="0"/>
+            <a:fillRef idx="1">
+              <a:schemeClr val="accent3"/>
             </a:fillRef>
-            <a:effectRef idx="0">
-              <a:scrgbClr r="0" g="0" b="0"/>
+            <a:effectRef idx="1">
+              <a:schemeClr val="accent3"/>
             </a:effectRef>
             <a:fontRef idx="minor">
               <a:schemeClr val="lt1"/>
@@ -17521,9 +17849,10 @@
                 </a:spcAft>
               </a:pPr>
               <a:r>
-                <a:rPr lang="en-US" sz="2500" kern="1200" dirty="0"/>
-                <a:t>Filters in shops list </a:t>
+                <a:rPr lang="en-US" sz="2400" dirty="0" smtClean="0"/>
+                <a:t>Refresh dishes page</a:t>
               </a:r>
+              <a:endParaRPr lang="en-US" sz="2400" dirty="0"/>
             </a:p>
           </p:txBody>
         </p:sp>
@@ -17563,7 +17892,7 @@
           <p:cNvPr id="2" name="Title 1">
             <a:extLst>
               <a:ext uri="{FF2B5EF4-FFF2-40B4-BE49-F238E27FC236}">
-                <a16:creationId xmlns:a16="http://schemas.microsoft.com/office/drawing/2014/main" xmlns="" id="{45B86E5E-D50E-4DD4-AFB9-7F48A70197BA}"/>
+                <a16:creationId xmlns="" xmlns:a16="http://schemas.microsoft.com/office/drawing/2014/main" id="{45B86E5E-D50E-4DD4-AFB9-7F48A70197BA}"/>
               </a:ext>
             </a:extLst>
           </p:cNvPr>
@@ -17622,7 +17951,7 @@
           <p:cNvPr id="2" name="Title 1">
             <a:extLst>
               <a:ext uri="{FF2B5EF4-FFF2-40B4-BE49-F238E27FC236}">
-                <a16:creationId xmlns:a16="http://schemas.microsoft.com/office/drawing/2014/main" xmlns="" id="{45B86E5E-D50E-4DD4-AFB9-7F48A70197BA}"/>
+                <a16:creationId xmlns="" xmlns:a16="http://schemas.microsoft.com/office/drawing/2014/main" id="{45B86E5E-D50E-4DD4-AFB9-7F48A70197BA}"/>
               </a:ext>
             </a:extLst>
           </p:cNvPr>
@@ -17651,7 +17980,7 @@
           <p:cNvPr id="3" name="TextBox 2">
             <a:extLst>
               <a:ext uri="{FF2B5EF4-FFF2-40B4-BE49-F238E27FC236}">
-                <a16:creationId xmlns:a16="http://schemas.microsoft.com/office/drawing/2014/main" xmlns="" id="{501B63F9-C596-4A38-B8B2-C5FEE9DAE148}"/>
+                <a16:creationId xmlns="" xmlns:a16="http://schemas.microsoft.com/office/drawing/2014/main" id="{501B63F9-C596-4A38-B8B2-C5FEE9DAE148}"/>
               </a:ext>
             </a:extLst>
           </p:cNvPr>
@@ -17709,7 +18038,7 @@
           <p:cNvPr id="2" name="Title 1">
             <a:extLst>
               <a:ext uri="{FF2B5EF4-FFF2-40B4-BE49-F238E27FC236}">
-                <a16:creationId xmlns:a16="http://schemas.microsoft.com/office/drawing/2014/main" xmlns="" id="{77A88685-22FC-43B9-B3E9-025FCA498429}"/>
+                <a16:creationId xmlns="" xmlns:a16="http://schemas.microsoft.com/office/drawing/2014/main" id="{77A88685-22FC-43B9-B3E9-025FCA498429}"/>
               </a:ext>
             </a:extLst>
           </p:cNvPr>
@@ -17738,7 +18067,7 @@
           <p:cNvPr id="3" name="Content Placeholder 2">
             <a:extLst>
               <a:ext uri="{FF2B5EF4-FFF2-40B4-BE49-F238E27FC236}">
-                <a16:creationId xmlns:a16="http://schemas.microsoft.com/office/drawing/2014/main" xmlns="" id="{5A10B657-F23A-4437-86D2-269772544C9E}"/>
+                <a16:creationId xmlns="" xmlns:a16="http://schemas.microsoft.com/office/drawing/2014/main" id="{5A10B657-F23A-4437-86D2-269772544C9E}"/>
               </a:ext>
             </a:extLst>
           </p:cNvPr>
@@ -18064,7 +18393,7 @@
           <p:cNvPr id="2" name="Title 1">
             <a:extLst>
               <a:ext uri="{FF2B5EF4-FFF2-40B4-BE49-F238E27FC236}">
-                <a16:creationId xmlns:a16="http://schemas.microsoft.com/office/drawing/2014/main" xmlns="" id="{62B38921-F153-46EC-9C43-821C8373A987}"/>
+                <a16:creationId xmlns="" xmlns:a16="http://schemas.microsoft.com/office/drawing/2014/main" id="{62B38921-F153-46EC-9C43-821C8373A987}"/>
               </a:ext>
             </a:extLst>
           </p:cNvPr>
@@ -18092,7 +18421,7 @@
           <p:cNvPr id="3" name="Text Placeholder 2">
             <a:extLst>
               <a:ext uri="{FF2B5EF4-FFF2-40B4-BE49-F238E27FC236}">
-                <a16:creationId xmlns:a16="http://schemas.microsoft.com/office/drawing/2014/main" xmlns="" id="{2CB6AAC8-A36D-4493-A68E-73BBD148B0D3}"/>
+                <a16:creationId xmlns="" xmlns:a16="http://schemas.microsoft.com/office/drawing/2014/main" id="{2CB6AAC8-A36D-4493-A68E-73BBD148B0D3}"/>
               </a:ext>
             </a:extLst>
           </p:cNvPr>
@@ -18382,7 +18711,7 @@
   <a:extraClrSchemeLst/>
   <a:extLst>
     <a:ext uri="{05A4C25C-085E-4340-85A3-A5531E510DB2}">
-      <thm15:themeFamily xmlns:thm15="http://schemas.microsoft.com/office/thememl/2012/main" xmlns="" name="Badge" id="{71A07785-5930-41D4-9A83-E23602B48E98}" vid="{771EA782-DFA6-45B1-AEA3-661F1715B310}"/>
+      <thm15:themeFamily xmlns="" xmlns:thm15="http://schemas.microsoft.com/office/thememl/2012/main" name="Badge" id="{71A07785-5930-41D4-9A83-E23602B48E98}" vid="{771EA782-DFA6-45B1-AEA3-661F1715B310}"/>
     </a:ext>
   </a:extLst>
 </a:theme>
@@ -18677,7 +19006,7 @@
   <a:extraClrSchemeLst/>
   <a:extLst>
     <a:ext uri="{05A4C25C-085E-4340-85A3-A5531E510DB2}">
-      <thm15:themeFamily xmlns:thm15="http://schemas.microsoft.com/office/thememl/2012/main" xmlns="" name="Office Theme" id="{62F939B6-93AF-4DB8-9C6B-D6C7DFDC589F}" vid="{4A3C46E8-61CC-4603-A589-7422A47A8E4A}"/>
+      <thm15:themeFamily xmlns="" xmlns:thm15="http://schemas.microsoft.com/office/thememl/2012/main" name="Office Theme" id="{62F939B6-93AF-4DB8-9C6B-D6C7DFDC589F}" vid="{4A3C46E8-61CC-4603-A589-7422A47A8E4A}"/>
     </a:ext>
   </a:extLst>
 </a:theme>

--- a/Pick a dish app.pptx
+++ b/Pick a dish app.pptx
@@ -5,7 +5,7 @@
     <p:sldMasterId id="2147483648" r:id="rId1"/>
   </p:sldMasterIdLst>
   <p:notesMasterIdLst>
-    <p:notesMasterId r:id="rId13"/>
+    <p:notesMasterId r:id="rId12"/>
   </p:notesMasterIdLst>
   <p:sldIdLst>
     <p:sldId id="256" r:id="rId2"/>
@@ -13,12 +13,11 @@
     <p:sldId id="260" r:id="rId4"/>
     <p:sldId id="258" r:id="rId5"/>
     <p:sldId id="263" r:id="rId6"/>
-    <p:sldId id="265" r:id="rId7"/>
-    <p:sldId id="268" r:id="rId8"/>
-    <p:sldId id="266" r:id="rId9"/>
-    <p:sldId id="267" r:id="rId10"/>
-    <p:sldId id="262" r:id="rId11"/>
-    <p:sldId id="257" r:id="rId12"/>
+    <p:sldId id="268" r:id="rId7"/>
+    <p:sldId id="266" r:id="rId8"/>
+    <p:sldId id="267" r:id="rId9"/>
+    <p:sldId id="262" r:id="rId10"/>
+    <p:sldId id="257" r:id="rId11"/>
   </p:sldIdLst>
   <p:sldSz cx="12192000" cy="6858000"/>
   <p:notesSz cx="6858000" cy="9144000"/>
@@ -119,7 +118,7 @@
   </p:defaultTextStyle>
   <p:extLst>
     <p:ext uri="{EFAFB233-063F-42B5-8137-9DF3F51BA10A}">
-      <p15:sldGuideLst xmlns="" xmlns:p15="http://schemas.microsoft.com/office/powerpoint/2012/main">
+      <p15:sldGuideLst xmlns:p15="http://schemas.microsoft.com/office/powerpoint/2012/main" xmlns="">
         <p15:guide id="1" orient="horz" pos="2160">
           <p15:clr>
             <a:srgbClr val="A4A3A4"/>
@@ -2350,6 +2349,222 @@
         </a:p>
       </dgm:t>
     </dgm:pt>
+    <dgm:pt modelId="{E8968977-FE06-4994-BEAE-3A2008E3536A}">
+      <dgm:prSet>
+        <dgm:style>
+          <a:lnRef idx="1">
+            <a:schemeClr val="accent4"/>
+          </a:lnRef>
+          <a:fillRef idx="3">
+            <a:schemeClr val="accent4"/>
+          </a:fillRef>
+          <a:effectRef idx="2">
+            <a:schemeClr val="accent4"/>
+          </a:effectRef>
+          <a:fontRef idx="minor">
+            <a:schemeClr val="lt1"/>
+          </a:fontRef>
+        </dgm:style>
+      </dgm:prSet>
+      <dgm:spPr/>
+      <dgm:t>
+        <a:bodyPr/>
+        <a:lstStyle/>
+        <a:p>
+          <a:r>
+            <a:rPr lang="en-US" dirty="0" smtClean="0"/>
+            <a:t>Delete</a:t>
+          </a:r>
+          <a:r>
+            <a:rPr lang="en-US" baseline="0" dirty="0" smtClean="0"/>
+            <a:t> tip</a:t>
+          </a:r>
+          <a:endParaRPr lang="en-US" dirty="0"/>
+        </a:p>
+      </dgm:t>
+    </dgm:pt>
+    <dgm:pt modelId="{C0E15CC9-E871-48AA-AF81-73D1DDF37BCF}" type="parTrans" cxnId="{83820BC8-08E3-439B-8A93-A0A3C7344A2F}">
+      <dgm:prSet/>
+      <dgm:spPr/>
+      <dgm:t>
+        <a:bodyPr/>
+        <a:lstStyle/>
+        <a:p>
+          <a:endParaRPr lang="en-US"/>
+        </a:p>
+      </dgm:t>
+    </dgm:pt>
+    <dgm:pt modelId="{54878872-A4B6-4576-B465-BBB7941260D8}" type="sibTrans" cxnId="{83820BC8-08E3-439B-8A93-A0A3C7344A2F}">
+      <dgm:prSet/>
+      <dgm:spPr/>
+      <dgm:t>
+        <a:bodyPr/>
+        <a:lstStyle/>
+        <a:p>
+          <a:endParaRPr lang="en-US"/>
+        </a:p>
+      </dgm:t>
+    </dgm:pt>
+    <dgm:pt modelId="{F8D83721-EA27-4775-AC70-AB6772698368}">
+      <dgm:prSet>
+        <dgm:style>
+          <a:lnRef idx="1">
+            <a:schemeClr val="accent4"/>
+          </a:lnRef>
+          <a:fillRef idx="3">
+            <a:schemeClr val="accent4"/>
+          </a:fillRef>
+          <a:effectRef idx="2">
+            <a:schemeClr val="accent4"/>
+          </a:effectRef>
+          <a:fontRef idx="minor">
+            <a:schemeClr val="lt1"/>
+          </a:fontRef>
+        </dgm:style>
+      </dgm:prSet>
+      <dgm:spPr/>
+      <dgm:t>
+        <a:bodyPr/>
+        <a:lstStyle/>
+        <a:p>
+          <a:r>
+            <a:rPr lang="en-US" dirty="0" smtClean="0"/>
+            <a:t>View list</a:t>
+          </a:r>
+          <a:r>
+            <a:rPr lang="en-US" baseline="0" dirty="0" smtClean="0"/>
+            <a:t> of tips</a:t>
+          </a:r>
+          <a:endParaRPr lang="en-US" dirty="0"/>
+        </a:p>
+      </dgm:t>
+    </dgm:pt>
+    <dgm:pt modelId="{09F84229-22A3-41CA-91BC-5F1B758E5B0D}" type="parTrans" cxnId="{BECA1A2F-66FB-410E-80B3-6DA741D18E89}">
+      <dgm:prSet/>
+      <dgm:spPr/>
+      <dgm:t>
+        <a:bodyPr/>
+        <a:lstStyle/>
+        <a:p>
+          <a:endParaRPr lang="en-US"/>
+        </a:p>
+      </dgm:t>
+    </dgm:pt>
+    <dgm:pt modelId="{8FEDFCA3-01DB-4632-8CAA-F3D36D4A48A9}" type="sibTrans" cxnId="{BECA1A2F-66FB-410E-80B3-6DA741D18E89}">
+      <dgm:prSet/>
+      <dgm:spPr/>
+      <dgm:t>
+        <a:bodyPr/>
+        <a:lstStyle/>
+        <a:p>
+          <a:endParaRPr lang="en-US"/>
+        </a:p>
+      </dgm:t>
+    </dgm:pt>
+    <dgm:pt modelId="{EE28ADC1-7F93-4E76-9CE5-27F918020C4C}">
+      <dgm:prSet>
+        <dgm:style>
+          <a:lnRef idx="1">
+            <a:schemeClr val="accent4"/>
+          </a:lnRef>
+          <a:fillRef idx="3">
+            <a:schemeClr val="accent4"/>
+          </a:fillRef>
+          <a:effectRef idx="2">
+            <a:schemeClr val="accent4"/>
+          </a:effectRef>
+          <a:fontRef idx="minor">
+            <a:schemeClr val="lt1"/>
+          </a:fontRef>
+        </dgm:style>
+      </dgm:prSet>
+      <dgm:spPr/>
+      <dgm:t>
+        <a:bodyPr/>
+        <a:lstStyle/>
+        <a:p>
+          <a:r>
+            <a:rPr lang="en-US" dirty="0" smtClean="0"/>
+            <a:t>View list of dishes</a:t>
+          </a:r>
+          <a:endParaRPr lang="en-US" dirty="0"/>
+        </a:p>
+      </dgm:t>
+    </dgm:pt>
+    <dgm:pt modelId="{662577CB-DEF7-454F-9566-692A58E70958}" type="parTrans" cxnId="{B32F2175-DB0D-476B-B299-8749C289A420}">
+      <dgm:prSet/>
+      <dgm:spPr/>
+      <dgm:t>
+        <a:bodyPr/>
+        <a:lstStyle/>
+        <a:p>
+          <a:endParaRPr lang="en-US"/>
+        </a:p>
+      </dgm:t>
+    </dgm:pt>
+    <dgm:pt modelId="{760ADF63-D658-4B92-B85F-36AD2FA302A7}" type="sibTrans" cxnId="{B32F2175-DB0D-476B-B299-8749C289A420}">
+      <dgm:prSet/>
+      <dgm:spPr/>
+      <dgm:t>
+        <a:bodyPr/>
+        <a:lstStyle/>
+        <a:p>
+          <a:endParaRPr lang="en-US"/>
+        </a:p>
+      </dgm:t>
+    </dgm:pt>
+    <dgm:pt modelId="{81C5ACED-B379-434E-971C-16228AC546FC}">
+      <dgm:prSet>
+        <dgm:style>
+          <a:lnRef idx="1">
+            <a:schemeClr val="accent4"/>
+          </a:lnRef>
+          <a:fillRef idx="3">
+            <a:schemeClr val="accent4"/>
+          </a:fillRef>
+          <a:effectRef idx="2">
+            <a:schemeClr val="accent4"/>
+          </a:effectRef>
+          <a:fontRef idx="minor">
+            <a:schemeClr val="lt1"/>
+          </a:fontRef>
+        </dgm:style>
+      </dgm:prSet>
+      <dgm:spPr/>
+      <dgm:t>
+        <a:bodyPr/>
+        <a:lstStyle/>
+        <a:p>
+          <a:r>
+            <a:rPr lang="en-US" dirty="0" smtClean="0"/>
+            <a:t>Delete dish</a:t>
+          </a:r>
+          <a:endParaRPr lang="en-US" dirty="0"/>
+        </a:p>
+      </dgm:t>
+    </dgm:pt>
+    <dgm:pt modelId="{18061FAC-586C-478D-89F1-B490A82862B2}" type="parTrans" cxnId="{155C9F83-D928-40C2-B1BD-6B0F6B68CF69}">
+      <dgm:prSet/>
+      <dgm:spPr/>
+      <dgm:t>
+        <a:bodyPr/>
+        <a:lstStyle/>
+        <a:p>
+          <a:endParaRPr lang="en-US"/>
+        </a:p>
+      </dgm:t>
+    </dgm:pt>
+    <dgm:pt modelId="{329C089A-DA08-4B46-9DBD-6860132EAD32}" type="sibTrans" cxnId="{155C9F83-D928-40C2-B1BD-6B0F6B68CF69}">
+      <dgm:prSet/>
+      <dgm:spPr/>
+      <dgm:t>
+        <a:bodyPr/>
+        <a:lstStyle/>
+        <a:p>
+          <a:endParaRPr lang="en-US"/>
+        </a:p>
+      </dgm:t>
+    </dgm:pt>
     <dgm:pt modelId="{74DC694E-3D09-4A3E-AA06-0F436465B8DD}" type="pres">
       <dgm:prSet presAssocID="{05737378-F74C-4E24-9EC2-0D2BB5758FB1}" presName="diagram" presStyleCnt="0">
         <dgm:presLayoutVars>
@@ -2367,7 +2582,7 @@
       </dgm:t>
     </dgm:pt>
     <dgm:pt modelId="{2CAB0F38-E292-4E90-B35F-6EB8A903C9CB}" type="pres">
-      <dgm:prSet presAssocID="{CA08021B-585B-46E7-BA1F-5420E56DFF26}" presName="node" presStyleLbl="node1" presStyleIdx="0" presStyleCnt="17">
+      <dgm:prSet presAssocID="{CA08021B-585B-46E7-BA1F-5420E56DFF26}" presName="node" presStyleLbl="node1" presStyleIdx="0" presStyleCnt="21">
         <dgm:presLayoutVars>
           <dgm:bulletEnabled val="1"/>
         </dgm:presLayoutVars>
@@ -2386,7 +2601,7 @@
       <dgm:spPr/>
     </dgm:pt>
     <dgm:pt modelId="{35CD2B37-F779-4962-82A3-DEC6CC6C87F5}" type="pres">
-      <dgm:prSet presAssocID="{DF64254A-9EBD-4EFC-9802-521BFBFB7109}" presName="node" presStyleLbl="node1" presStyleIdx="1" presStyleCnt="17">
+      <dgm:prSet presAssocID="{DF64254A-9EBD-4EFC-9802-521BFBFB7109}" presName="node" presStyleLbl="node1" presStyleIdx="1" presStyleCnt="21">
         <dgm:presLayoutVars>
           <dgm:bulletEnabled val="1"/>
         </dgm:presLayoutVars>
@@ -2405,7 +2620,7 @@
       <dgm:spPr/>
     </dgm:pt>
     <dgm:pt modelId="{071F557A-7AF5-4245-8C6A-20AC9955B137}" type="pres">
-      <dgm:prSet presAssocID="{93FF2072-4925-412F-B5EF-CEF7128B76E3}" presName="node" presStyleLbl="node1" presStyleIdx="2" presStyleCnt="17">
+      <dgm:prSet presAssocID="{93FF2072-4925-412F-B5EF-CEF7128B76E3}" presName="node" presStyleLbl="node1" presStyleIdx="2" presStyleCnt="21">
         <dgm:presLayoutVars>
           <dgm:bulletEnabled val="1"/>
         </dgm:presLayoutVars>
@@ -2424,7 +2639,7 @@
       <dgm:spPr/>
     </dgm:pt>
     <dgm:pt modelId="{D8CA33B2-CD12-4D9B-B73D-AEBEFF4856CD}" type="pres">
-      <dgm:prSet presAssocID="{CEFBEC40-31D5-4F80-AE5D-15FBAFBBF5A0}" presName="node" presStyleLbl="node1" presStyleIdx="3" presStyleCnt="17">
+      <dgm:prSet presAssocID="{CEFBEC40-31D5-4F80-AE5D-15FBAFBBF5A0}" presName="node" presStyleLbl="node1" presStyleIdx="3" presStyleCnt="21">
         <dgm:presLayoutVars>
           <dgm:bulletEnabled val="1"/>
         </dgm:presLayoutVars>
@@ -2443,7 +2658,7 @@
       <dgm:spPr/>
     </dgm:pt>
     <dgm:pt modelId="{556F3AFB-5CAC-40F2-BD2F-7BCE935EBF20}" type="pres">
-      <dgm:prSet presAssocID="{EC304DEE-ECC8-4115-AC0C-7FAE380EE5DC}" presName="node" presStyleLbl="node1" presStyleIdx="4" presStyleCnt="17">
+      <dgm:prSet presAssocID="{EC304DEE-ECC8-4115-AC0C-7FAE380EE5DC}" presName="node" presStyleLbl="node1" presStyleIdx="4" presStyleCnt="21">
         <dgm:presLayoutVars>
           <dgm:bulletEnabled val="1"/>
         </dgm:presLayoutVars>
@@ -2462,7 +2677,7 @@
       <dgm:spPr/>
     </dgm:pt>
     <dgm:pt modelId="{46E7CDFA-621F-40A9-A72F-13159B4965BE}" type="pres">
-      <dgm:prSet presAssocID="{EAB44E80-EB98-4FB7-B58D-9054D1F44343}" presName="node" presStyleLbl="node1" presStyleIdx="5" presStyleCnt="17">
+      <dgm:prSet presAssocID="{EAB44E80-EB98-4FB7-B58D-9054D1F44343}" presName="node" presStyleLbl="node1" presStyleIdx="5" presStyleCnt="21">
         <dgm:presLayoutVars>
           <dgm:bulletEnabled val="1"/>
         </dgm:presLayoutVars>
@@ -2481,7 +2696,7 @@
       <dgm:spPr/>
     </dgm:pt>
     <dgm:pt modelId="{87505D9B-FB99-4C9F-A1CB-5FFBDDBFE589}" type="pres">
-      <dgm:prSet presAssocID="{833137B7-273E-4CB6-8381-2C2F2ACF41A9}" presName="node" presStyleLbl="node1" presStyleIdx="6" presStyleCnt="17">
+      <dgm:prSet presAssocID="{833137B7-273E-4CB6-8381-2C2F2ACF41A9}" presName="node" presStyleLbl="node1" presStyleIdx="6" presStyleCnt="21">
         <dgm:presLayoutVars>
           <dgm:bulletEnabled val="1"/>
         </dgm:presLayoutVars>
@@ -2500,7 +2715,7 @@
       <dgm:spPr/>
     </dgm:pt>
     <dgm:pt modelId="{E875863E-5C66-47F5-9A02-8D09F1459740}" type="pres">
-      <dgm:prSet presAssocID="{BE9C5062-E235-4175-A274-94C994B2BBD2}" presName="node" presStyleLbl="node1" presStyleIdx="7" presStyleCnt="17">
+      <dgm:prSet presAssocID="{BE9C5062-E235-4175-A274-94C994B2BBD2}" presName="node" presStyleLbl="node1" presStyleIdx="7" presStyleCnt="21">
         <dgm:presLayoutVars>
           <dgm:bulletEnabled val="1"/>
         </dgm:presLayoutVars>
@@ -2519,7 +2734,7 @@
       <dgm:spPr/>
     </dgm:pt>
     <dgm:pt modelId="{7843059E-BCF7-45F4-B578-65601AC84C15}" type="pres">
-      <dgm:prSet presAssocID="{05E9AB3C-DFD6-4864-A678-A90FD79237AF}" presName="node" presStyleLbl="node1" presStyleIdx="8" presStyleCnt="17">
+      <dgm:prSet presAssocID="{05E9AB3C-DFD6-4864-A678-A90FD79237AF}" presName="node" presStyleLbl="node1" presStyleIdx="8" presStyleCnt="21">
         <dgm:presLayoutVars>
           <dgm:bulletEnabled val="1"/>
         </dgm:presLayoutVars>
@@ -2538,7 +2753,7 @@
       <dgm:spPr/>
     </dgm:pt>
     <dgm:pt modelId="{20A3FC3D-582E-664A-8795-17F2A0D71974}" type="pres">
-      <dgm:prSet presAssocID="{84BFB1DE-6CAD-374F-9AF8-E6DFA4A3A2BE}" presName="node" presStyleLbl="node1" presStyleIdx="9" presStyleCnt="17">
+      <dgm:prSet presAssocID="{84BFB1DE-6CAD-374F-9AF8-E6DFA4A3A2BE}" presName="node" presStyleLbl="node1" presStyleIdx="9" presStyleCnt="21">
         <dgm:presLayoutVars>
           <dgm:bulletEnabled val="1"/>
         </dgm:presLayoutVars>
@@ -2557,7 +2772,7 @@
       <dgm:spPr/>
     </dgm:pt>
     <dgm:pt modelId="{9BB7B88E-19CE-DA42-8A2D-D71013D1507D}" type="pres">
-      <dgm:prSet presAssocID="{737C8729-AC1C-2547-A75A-D353C0F575C5}" presName="node" presStyleLbl="node1" presStyleIdx="10" presStyleCnt="17">
+      <dgm:prSet presAssocID="{737C8729-AC1C-2547-A75A-D353C0F575C5}" presName="node" presStyleLbl="node1" presStyleIdx="10" presStyleCnt="21">
         <dgm:presLayoutVars>
           <dgm:bulletEnabled val="1"/>
         </dgm:presLayoutVars>
@@ -2576,7 +2791,7 @@
       <dgm:spPr/>
     </dgm:pt>
     <dgm:pt modelId="{5D0BD370-B6C2-C64C-A781-46E06E6A032F}" type="pres">
-      <dgm:prSet presAssocID="{D9C274F9-EA4D-474E-BBD3-2374473EB87C}" presName="node" presStyleLbl="node1" presStyleIdx="11" presStyleCnt="17">
+      <dgm:prSet presAssocID="{D9C274F9-EA4D-474E-BBD3-2374473EB87C}" presName="node" presStyleLbl="node1" presStyleIdx="11" presStyleCnt="21">
         <dgm:presLayoutVars>
           <dgm:bulletEnabled val="1"/>
         </dgm:presLayoutVars>
@@ -2595,7 +2810,7 @@
       <dgm:spPr/>
     </dgm:pt>
     <dgm:pt modelId="{9575A828-F6CB-5347-A286-A7E4878A2B34}" type="pres">
-      <dgm:prSet presAssocID="{E178E8CE-F142-F147-BFCF-F7D4E51713A6}" presName="node" presStyleLbl="node1" presStyleIdx="12" presStyleCnt="17">
+      <dgm:prSet presAssocID="{E178E8CE-F142-F147-BFCF-F7D4E51713A6}" presName="node" presStyleLbl="node1" presStyleIdx="12" presStyleCnt="21">
         <dgm:presLayoutVars>
           <dgm:bulletEnabled val="1"/>
         </dgm:presLayoutVars>
@@ -2613,8 +2828,84 @@
       <dgm:prSet presAssocID="{C660DE84-6291-DB4A-894E-9B4D935A5234}" presName="sibTrans" presStyleCnt="0"/>
       <dgm:spPr/>
     </dgm:pt>
+    <dgm:pt modelId="{DB258438-590A-41F2-93C6-E81487CB2676}" type="pres">
+      <dgm:prSet presAssocID="{E8968977-FE06-4994-BEAE-3A2008E3536A}" presName="node" presStyleLbl="node1" presStyleIdx="13" presStyleCnt="21">
+        <dgm:presLayoutVars>
+          <dgm:bulletEnabled val="1"/>
+        </dgm:presLayoutVars>
+      </dgm:prSet>
+      <dgm:spPr/>
+      <dgm:t>
+        <a:bodyPr/>
+        <a:lstStyle/>
+        <a:p>
+          <a:endParaRPr lang="en-US"/>
+        </a:p>
+      </dgm:t>
+    </dgm:pt>
+    <dgm:pt modelId="{6ABE6E8E-A2A2-4407-B856-B2E67F408FB4}" type="pres">
+      <dgm:prSet presAssocID="{54878872-A4B6-4576-B465-BBB7941260D8}" presName="sibTrans" presStyleCnt="0"/>
+      <dgm:spPr/>
+    </dgm:pt>
+    <dgm:pt modelId="{5630F9C2-3576-4A58-9687-963F6EB2043F}" type="pres">
+      <dgm:prSet presAssocID="{F8D83721-EA27-4775-AC70-AB6772698368}" presName="node" presStyleLbl="node1" presStyleIdx="14" presStyleCnt="21">
+        <dgm:presLayoutVars>
+          <dgm:bulletEnabled val="1"/>
+        </dgm:presLayoutVars>
+      </dgm:prSet>
+      <dgm:spPr/>
+      <dgm:t>
+        <a:bodyPr/>
+        <a:lstStyle/>
+        <a:p>
+          <a:endParaRPr lang="en-US"/>
+        </a:p>
+      </dgm:t>
+    </dgm:pt>
+    <dgm:pt modelId="{5173F8E2-7A74-4D49-8DD0-C0D2D9DEC8C8}" type="pres">
+      <dgm:prSet presAssocID="{8FEDFCA3-01DB-4632-8CAA-F3D36D4A48A9}" presName="sibTrans" presStyleCnt="0"/>
+      <dgm:spPr/>
+    </dgm:pt>
+    <dgm:pt modelId="{C06FFDC0-BA2C-45FD-ADB1-6226AF4D3B33}" type="pres">
+      <dgm:prSet presAssocID="{EE28ADC1-7F93-4E76-9CE5-27F918020C4C}" presName="node" presStyleLbl="node1" presStyleIdx="15" presStyleCnt="21">
+        <dgm:presLayoutVars>
+          <dgm:bulletEnabled val="1"/>
+        </dgm:presLayoutVars>
+      </dgm:prSet>
+      <dgm:spPr/>
+      <dgm:t>
+        <a:bodyPr/>
+        <a:lstStyle/>
+        <a:p>
+          <a:endParaRPr lang="en-US"/>
+        </a:p>
+      </dgm:t>
+    </dgm:pt>
+    <dgm:pt modelId="{F5F92858-54B6-4CB5-BA3E-305DE03BA789}" type="pres">
+      <dgm:prSet presAssocID="{760ADF63-D658-4B92-B85F-36AD2FA302A7}" presName="sibTrans" presStyleCnt="0"/>
+      <dgm:spPr/>
+    </dgm:pt>
+    <dgm:pt modelId="{3593461E-A3A3-4A25-BA1E-767649E81C79}" type="pres">
+      <dgm:prSet presAssocID="{81C5ACED-B379-434E-971C-16228AC546FC}" presName="node" presStyleLbl="node1" presStyleIdx="16" presStyleCnt="21">
+        <dgm:presLayoutVars>
+          <dgm:bulletEnabled val="1"/>
+        </dgm:presLayoutVars>
+      </dgm:prSet>
+      <dgm:spPr/>
+      <dgm:t>
+        <a:bodyPr/>
+        <a:lstStyle/>
+        <a:p>
+          <a:endParaRPr lang="en-US"/>
+        </a:p>
+      </dgm:t>
+    </dgm:pt>
+    <dgm:pt modelId="{A3692C6D-45AF-4267-B32A-DD879A0C5EC3}" type="pres">
+      <dgm:prSet presAssocID="{329C089A-DA08-4B46-9DBD-6860132EAD32}" presName="sibTrans" presStyleCnt="0"/>
+      <dgm:spPr/>
+    </dgm:pt>
     <dgm:pt modelId="{71D7D387-6645-4FFF-8203-40963EE90B98}" type="pres">
-      <dgm:prSet presAssocID="{0DEABE5C-1100-4841-AE6B-8418162BA37F}" presName="node" presStyleLbl="node1" presStyleIdx="13" presStyleCnt="17">
+      <dgm:prSet presAssocID="{0DEABE5C-1100-4841-AE6B-8418162BA37F}" presName="node" presStyleLbl="node1" presStyleIdx="17" presStyleCnt="21">
         <dgm:presLayoutVars>
           <dgm:bulletEnabled val="1"/>
         </dgm:presLayoutVars>
@@ -2633,7 +2924,7 @@
       <dgm:spPr/>
     </dgm:pt>
     <dgm:pt modelId="{C0939774-B50A-4E11-AC98-9F1BF4E8D7B3}" type="pres">
-      <dgm:prSet presAssocID="{933E1672-E9BF-4F75-81D1-24766C128B0B}" presName="node" presStyleLbl="node1" presStyleIdx="14" presStyleCnt="17">
+      <dgm:prSet presAssocID="{933E1672-E9BF-4F75-81D1-24766C128B0B}" presName="node" presStyleLbl="node1" presStyleIdx="18" presStyleCnt="21">
         <dgm:presLayoutVars>
           <dgm:bulletEnabled val="1"/>
         </dgm:presLayoutVars>
@@ -2652,7 +2943,7 @@
       <dgm:spPr/>
     </dgm:pt>
     <dgm:pt modelId="{887A92B0-3B07-4217-9C68-EB1E87976F03}" type="pres">
-      <dgm:prSet presAssocID="{70AB44C9-9218-4B17-BF8C-395A8A9293A7}" presName="node" presStyleLbl="node1" presStyleIdx="15" presStyleCnt="17">
+      <dgm:prSet presAssocID="{70AB44C9-9218-4B17-BF8C-395A8A9293A7}" presName="node" presStyleLbl="node1" presStyleIdx="19" presStyleCnt="21">
         <dgm:presLayoutVars>
           <dgm:bulletEnabled val="1"/>
         </dgm:presLayoutVars>
@@ -2671,7 +2962,7 @@
       <dgm:spPr/>
     </dgm:pt>
     <dgm:pt modelId="{B7D51C12-D406-40C3-B188-97D6C4C03636}" type="pres">
-      <dgm:prSet presAssocID="{85D9D1EC-D603-41AE-A0D5-D40BB7861333}" presName="node" presStyleLbl="node1" presStyleIdx="16" presStyleCnt="17">
+      <dgm:prSet presAssocID="{85D9D1EC-D603-41AE-A0D5-D40BB7861333}" presName="node" presStyleLbl="node1" presStyleIdx="20" presStyleCnt="21">
         <dgm:presLayoutVars>
           <dgm:bulletEnabled val="1"/>
         </dgm:presLayoutVars>
@@ -2687,18 +2978,22 @@
     </dgm:pt>
   </dgm:ptLst>
   <dgm:cxnLst>
+    <dgm:cxn modelId="{6DACDCF7-8F24-4AA7-B404-249C01228961}" type="presOf" srcId="{E8968977-FE06-4994-BEAE-3A2008E3536A}" destId="{DB258438-590A-41F2-93C6-E81487CB2676}" srcOrd="0" destOrd="0" presId="urn:microsoft.com/office/officeart/2005/8/layout/default"/>
     <dgm:cxn modelId="{89F417E7-0A69-6C48-8E6E-D9453FBFFD83}" type="presOf" srcId="{E178E8CE-F142-F147-BFCF-F7D4E51713A6}" destId="{9575A828-F6CB-5347-A286-A7E4878A2B34}" srcOrd="0" destOrd="0" presId="urn:microsoft.com/office/officeart/2005/8/layout/default"/>
     <dgm:cxn modelId="{A44AC37C-A6C0-40FD-848D-F560872F35CB}" srcId="{05737378-F74C-4E24-9EC2-0D2BB5758FB1}" destId="{93FF2072-4925-412F-B5EF-CEF7128B76E3}" srcOrd="2" destOrd="0" parTransId="{788A7467-1AA9-4A64-B7DD-F71092FECF52}" sibTransId="{A20F0525-71D9-473D-9413-0B9A01E37F5E}"/>
     <dgm:cxn modelId="{605E9C4D-8446-4E80-BAC0-C2D3D0AFDFE5}" srcId="{05737378-F74C-4E24-9EC2-0D2BB5758FB1}" destId="{833137B7-273E-4CB6-8381-2C2F2ACF41A9}" srcOrd="6" destOrd="0" parTransId="{C85722CF-114F-4466-82C8-7058DC435DD6}" sibTransId="{2CB78FF2-AAAD-4541-81AE-E58D28D208BA}"/>
-    <dgm:cxn modelId="{540AFBF0-7756-4B28-BD69-B6E65DB3B15C}" srcId="{05737378-F74C-4E24-9EC2-0D2BB5758FB1}" destId="{0DEABE5C-1100-4841-AE6B-8418162BA37F}" srcOrd="13" destOrd="0" parTransId="{3D7765CE-D4A2-4B26-860F-F9AC5E3AE6D1}" sibTransId="{9D4190AC-B3D2-43C6-A8A9-231E6F4741D7}"/>
+    <dgm:cxn modelId="{540AFBF0-7756-4B28-BD69-B6E65DB3B15C}" srcId="{05737378-F74C-4E24-9EC2-0D2BB5758FB1}" destId="{0DEABE5C-1100-4841-AE6B-8418162BA37F}" srcOrd="17" destOrd="0" parTransId="{3D7765CE-D4A2-4B26-860F-F9AC5E3AE6D1}" sibTransId="{9D4190AC-B3D2-43C6-A8A9-231E6F4741D7}"/>
     <dgm:cxn modelId="{EB1EE9A3-B12F-4095-B15A-8A4BC3093D8D}" type="presOf" srcId="{05E9AB3C-DFD6-4864-A678-A90FD79237AF}" destId="{7843059E-BCF7-45F4-B578-65601AC84C15}" srcOrd="0" destOrd="0" presId="urn:microsoft.com/office/officeart/2005/8/layout/default"/>
     <dgm:cxn modelId="{58A1DB5A-EBB6-4C4E-8A19-4709FF509CD9}" srcId="{05737378-F74C-4E24-9EC2-0D2BB5758FB1}" destId="{EC304DEE-ECC8-4115-AC0C-7FAE380EE5DC}" srcOrd="4" destOrd="0" parTransId="{32ED1675-E964-4124-A5F9-87012E54751F}" sibTransId="{76D59B59-E733-4A24-B6FD-96DD6E6B0254}"/>
+    <dgm:cxn modelId="{83820BC8-08E3-439B-8A93-A0A3C7344A2F}" srcId="{05737378-F74C-4E24-9EC2-0D2BB5758FB1}" destId="{E8968977-FE06-4994-BEAE-3A2008E3536A}" srcOrd="13" destOrd="0" parTransId="{C0E15CC9-E871-48AA-AF81-73D1DDF37BCF}" sibTransId="{54878872-A4B6-4576-B465-BBB7941260D8}"/>
     <dgm:cxn modelId="{5837B3DE-5634-42DD-9DD6-B6E5BF73F3F1}" type="presOf" srcId="{EAB44E80-EB98-4FB7-B58D-9054D1F44343}" destId="{46E7CDFA-621F-40A9-A72F-13159B4965BE}" srcOrd="0" destOrd="0" presId="urn:microsoft.com/office/officeart/2005/8/layout/default"/>
-    <dgm:cxn modelId="{EF496DB7-EBB7-4F7C-9EDE-E5F5F4FC8621}" srcId="{05737378-F74C-4E24-9EC2-0D2BB5758FB1}" destId="{85D9D1EC-D603-41AE-A0D5-D40BB7861333}" srcOrd="16" destOrd="0" parTransId="{0A32FE30-FCFC-491D-A031-3C484A183302}" sibTransId="{31706799-9539-4B59-AF0B-4B5330E8A253}"/>
+    <dgm:cxn modelId="{EF496DB7-EBB7-4F7C-9EDE-E5F5F4FC8621}" srcId="{05737378-F74C-4E24-9EC2-0D2BB5758FB1}" destId="{85D9D1EC-D603-41AE-A0D5-D40BB7861333}" srcOrd="20" destOrd="0" parTransId="{0A32FE30-FCFC-491D-A031-3C484A183302}" sibTransId="{31706799-9539-4B59-AF0B-4B5330E8A253}"/>
     <dgm:cxn modelId="{DFA52BA0-5517-B44E-9468-B9EACA4BE571}" srcId="{05737378-F74C-4E24-9EC2-0D2BB5758FB1}" destId="{737C8729-AC1C-2547-A75A-D353C0F575C5}" srcOrd="10" destOrd="0" parTransId="{95446E11-C063-4B48-95C6-235DF0B0E78C}" sibTransId="{62C3BB85-2693-3247-8E13-4F5F9095A34D}"/>
-    <dgm:cxn modelId="{C5EF76C1-85B4-410A-B920-B2287746D835}" srcId="{05737378-F74C-4E24-9EC2-0D2BB5758FB1}" destId="{70AB44C9-9218-4B17-BF8C-395A8A9293A7}" srcOrd="15" destOrd="0" parTransId="{283A6A4F-E8C8-48B7-A47F-03377034D211}" sibTransId="{A8251120-2E7C-46DC-8314-2C7837025E49}"/>
-    <dgm:cxn modelId="{BC698B29-8830-4BD6-BBD7-0DA1B1C4A00E}" srcId="{05737378-F74C-4E24-9EC2-0D2BB5758FB1}" destId="{933E1672-E9BF-4F75-81D1-24766C128B0B}" srcOrd="14" destOrd="0" parTransId="{3D6A42A4-8419-4927-B099-DDF810CD127F}" sibTransId="{C2CE6673-EAC7-46A9-BE21-723358925710}"/>
+    <dgm:cxn modelId="{09007AB4-DCBB-47C9-A17C-908C648BA3A0}" type="presOf" srcId="{81C5ACED-B379-434E-971C-16228AC546FC}" destId="{3593461E-A3A3-4A25-BA1E-767649E81C79}" srcOrd="0" destOrd="0" presId="urn:microsoft.com/office/officeart/2005/8/layout/default"/>
+    <dgm:cxn modelId="{C5EF76C1-85B4-410A-B920-B2287746D835}" srcId="{05737378-F74C-4E24-9EC2-0D2BB5758FB1}" destId="{70AB44C9-9218-4B17-BF8C-395A8A9293A7}" srcOrd="19" destOrd="0" parTransId="{283A6A4F-E8C8-48B7-A47F-03377034D211}" sibTransId="{A8251120-2E7C-46DC-8314-2C7837025E49}"/>
+    <dgm:cxn modelId="{BC698B29-8830-4BD6-BBD7-0DA1B1C4A00E}" srcId="{05737378-F74C-4E24-9EC2-0D2BB5758FB1}" destId="{933E1672-E9BF-4F75-81D1-24766C128B0B}" srcOrd="18" destOrd="0" parTransId="{3D6A42A4-8419-4927-B099-DDF810CD127F}" sibTransId="{C2CE6673-EAC7-46A9-BE21-723358925710}"/>
     <dgm:cxn modelId="{08073DB3-02EA-4C77-8F26-C87C8B6C3ED3}" type="presOf" srcId="{833137B7-273E-4CB6-8381-2C2F2ACF41A9}" destId="{87505D9B-FB99-4C9F-A1CB-5FFBDDBFE589}" srcOrd="0" destOrd="0" presId="urn:microsoft.com/office/officeart/2005/8/layout/default"/>
+    <dgm:cxn modelId="{6FB54906-F384-4945-941E-D06AE6E2B6B2}" type="presOf" srcId="{EE28ADC1-7F93-4E76-9CE5-27F918020C4C}" destId="{C06FFDC0-BA2C-45FD-ADB1-6226AF4D3B33}" srcOrd="0" destOrd="0" presId="urn:microsoft.com/office/officeart/2005/8/layout/default"/>
     <dgm:cxn modelId="{8106C6B0-F846-4FEC-8E0F-FAB2C7C9574D}" type="presOf" srcId="{85D9D1EC-D603-41AE-A0D5-D40BB7861333}" destId="{B7D51C12-D406-40C3-B188-97D6C4C03636}" srcOrd="0" destOrd="0" presId="urn:microsoft.com/office/officeart/2005/8/layout/default"/>
     <dgm:cxn modelId="{4C96918B-B013-4CA3-905E-18F7331B018E}" type="presOf" srcId="{BE9C5062-E235-4175-A274-94C994B2BBD2}" destId="{E875863E-5C66-47F5-9A02-8D09F1459740}" srcOrd="0" destOrd="0" presId="urn:microsoft.com/office/officeart/2005/8/layout/default"/>
     <dgm:cxn modelId="{B388398B-DD25-4D96-861D-5EC744A50C20}" type="presOf" srcId="{CEFBEC40-31D5-4F80-AE5D-15FBAFBBF5A0}" destId="{D8CA33B2-CD12-4D9B-B73D-AEBEFF4856CD}" srcOrd="0" destOrd="0" presId="urn:microsoft.com/office/officeart/2005/8/layout/default"/>
@@ -2707,12 +3002,14 @@
     <dgm:cxn modelId="{D5EF1102-FFC6-8644-BB41-20059300DFBD}" type="presOf" srcId="{84BFB1DE-6CAD-374F-9AF8-E6DFA4A3A2BE}" destId="{20A3FC3D-582E-664A-8795-17F2A0D71974}" srcOrd="0" destOrd="0" presId="urn:microsoft.com/office/officeart/2005/8/layout/default"/>
     <dgm:cxn modelId="{1FDC86EA-A094-4E71-AEA2-9174A76B0E59}" type="presOf" srcId="{70AB44C9-9218-4B17-BF8C-395A8A9293A7}" destId="{887A92B0-3B07-4217-9C68-EB1E87976F03}" srcOrd="0" destOrd="0" presId="urn:microsoft.com/office/officeart/2005/8/layout/default"/>
     <dgm:cxn modelId="{12B57F1A-7AAC-4763-B00C-DEFB40CF4EF5}" srcId="{05737378-F74C-4E24-9EC2-0D2BB5758FB1}" destId="{EAB44E80-EB98-4FB7-B58D-9054D1F44343}" srcOrd="5" destOrd="0" parTransId="{1AD31A3F-A9DF-4B29-A02B-660D5D646C0F}" sibTransId="{E6FECD94-72AC-4865-AC62-6FCC3C529198}"/>
+    <dgm:cxn modelId="{B32F2175-DB0D-476B-B299-8749C289A420}" srcId="{05737378-F74C-4E24-9EC2-0D2BB5758FB1}" destId="{EE28ADC1-7F93-4E76-9CE5-27F918020C4C}" srcOrd="15" destOrd="0" parTransId="{662577CB-DEF7-454F-9566-692A58E70958}" sibTransId="{760ADF63-D658-4B92-B85F-36AD2FA302A7}"/>
     <dgm:cxn modelId="{F0A8FA6F-0C15-754A-AF30-829ECB5ACC87}" type="presOf" srcId="{737C8729-AC1C-2547-A75A-D353C0F575C5}" destId="{9BB7B88E-19CE-DA42-8A2D-D71013D1507D}" srcOrd="0" destOrd="0" presId="urn:microsoft.com/office/officeart/2005/8/layout/default"/>
     <dgm:cxn modelId="{D3F94EE7-BDF2-4B1E-8070-AE51AD075A6D}" type="presOf" srcId="{DF64254A-9EBD-4EFC-9802-521BFBFB7109}" destId="{35CD2B37-F779-4962-82A3-DEC6CC6C87F5}" srcOrd="0" destOrd="0" presId="urn:microsoft.com/office/officeart/2005/8/layout/default"/>
     <dgm:cxn modelId="{0913326A-CE52-3847-9934-141871523133}" srcId="{05737378-F74C-4E24-9EC2-0D2BB5758FB1}" destId="{84BFB1DE-6CAD-374F-9AF8-E6DFA4A3A2BE}" srcOrd="9" destOrd="0" parTransId="{3199AADF-00D9-7946-B860-F54EAD8745B9}" sibTransId="{E1AF738E-C28E-FA48-A9AD-F5D3E17E240D}"/>
     <dgm:cxn modelId="{43B85156-CD02-417A-8B98-074ABCAFC629}" srcId="{05737378-F74C-4E24-9EC2-0D2BB5758FB1}" destId="{05E9AB3C-DFD6-4864-A678-A90FD79237AF}" srcOrd="8" destOrd="0" parTransId="{4D10C5E8-8B46-4450-B1CB-CC37690D0044}" sibTransId="{72912596-1194-4126-8E06-3BCF376FB764}"/>
     <dgm:cxn modelId="{7F9FB9A5-108D-4614-BF5A-796C77DB19E7}" type="presOf" srcId="{EC304DEE-ECC8-4115-AC0C-7FAE380EE5DC}" destId="{556F3AFB-5CAC-40F2-BD2F-7BCE935EBF20}" srcOrd="0" destOrd="0" presId="urn:microsoft.com/office/officeart/2005/8/layout/default"/>
     <dgm:cxn modelId="{5B2A3EA0-54FF-4812-A101-80913D9E9C07}" type="presOf" srcId="{933E1672-E9BF-4F75-81D1-24766C128B0B}" destId="{C0939774-B50A-4E11-AC98-9F1BF4E8D7B3}" srcOrd="0" destOrd="0" presId="urn:microsoft.com/office/officeart/2005/8/layout/default"/>
+    <dgm:cxn modelId="{9CBA5050-BE37-45EF-AB59-CBBFB3B23B98}" type="presOf" srcId="{F8D83721-EA27-4775-AC70-AB6772698368}" destId="{5630F9C2-3576-4A58-9687-963F6EB2043F}" srcOrd="0" destOrd="0" presId="urn:microsoft.com/office/officeart/2005/8/layout/default"/>
     <dgm:cxn modelId="{631E0B0C-32CD-4BA6-B298-C74890F8D470}" srcId="{05737378-F74C-4E24-9EC2-0D2BB5758FB1}" destId="{BE9C5062-E235-4175-A274-94C994B2BBD2}" srcOrd="7" destOrd="0" parTransId="{9AD3C363-D4CB-4F02-80AD-A19E42C0CFA4}" sibTransId="{10BB8CC6-3A31-48FF-BCD5-DC47BE72146B}"/>
     <dgm:cxn modelId="{83C7D896-DA89-4D78-8869-A1959AA3B220}" srcId="{05737378-F74C-4E24-9EC2-0D2BB5758FB1}" destId="{DF64254A-9EBD-4EFC-9802-521BFBFB7109}" srcOrd="1" destOrd="0" parTransId="{392C3C0E-C17E-4820-B9FD-69B100A6C062}" sibTransId="{E3181219-D854-4321-94E5-2C4540E74E9F}"/>
     <dgm:cxn modelId="{D25356F8-626A-4283-9AE4-B2E30D657B6C}" type="presOf" srcId="{05737378-F74C-4E24-9EC2-0D2BB5758FB1}" destId="{74DC694E-3D09-4A3E-AA06-0F436465B8DD}" srcOrd="0" destOrd="0" presId="urn:microsoft.com/office/officeart/2005/8/layout/default"/>
@@ -2721,7 +3018,9 @@
     <dgm:cxn modelId="{5C69498A-C0CF-4B1C-8B83-AB4936C606E8}" srcId="{05737378-F74C-4E24-9EC2-0D2BB5758FB1}" destId="{CA08021B-585B-46E7-BA1F-5420E56DFF26}" srcOrd="0" destOrd="0" parTransId="{C3858590-1432-4944-89FA-CB68A3AE18A5}" sibTransId="{3AE963F2-851B-4C54-8100-1077DEBC4009}"/>
     <dgm:cxn modelId="{E27AA84A-57F7-455D-8EB7-8F81DA5260AE}" srcId="{05737378-F74C-4E24-9EC2-0D2BB5758FB1}" destId="{CEFBEC40-31D5-4F80-AE5D-15FBAFBBF5A0}" srcOrd="3" destOrd="0" parTransId="{A6FD00DA-84F5-43A5-86EF-A56BA0FE0F7A}" sibTransId="{7AEDD36E-0B87-4FC4-91FC-30E8D827C823}"/>
     <dgm:cxn modelId="{44876188-67E5-EA4A-84BA-721FCC39060F}" type="presOf" srcId="{D9C274F9-EA4D-474E-BBD3-2374473EB87C}" destId="{5D0BD370-B6C2-C64C-A781-46E06E6A032F}" srcOrd="0" destOrd="0" presId="urn:microsoft.com/office/officeart/2005/8/layout/default"/>
+    <dgm:cxn modelId="{BECA1A2F-66FB-410E-80B3-6DA741D18E89}" srcId="{05737378-F74C-4E24-9EC2-0D2BB5758FB1}" destId="{F8D83721-EA27-4775-AC70-AB6772698368}" srcOrd="14" destOrd="0" parTransId="{09F84229-22A3-41CA-91BC-5F1B758E5B0D}" sibTransId="{8FEDFCA3-01DB-4632-8CAA-F3D36D4A48A9}"/>
     <dgm:cxn modelId="{14869B52-DF14-4BF7-9DE1-929F097CEF01}" type="presOf" srcId="{93FF2072-4925-412F-B5EF-CEF7128B76E3}" destId="{071F557A-7AF5-4245-8C6A-20AC9955B137}" srcOrd="0" destOrd="0" presId="urn:microsoft.com/office/officeart/2005/8/layout/default"/>
+    <dgm:cxn modelId="{155C9F83-D928-40C2-B1BD-6B0F6B68CF69}" srcId="{05737378-F74C-4E24-9EC2-0D2BB5758FB1}" destId="{81C5ACED-B379-434E-971C-16228AC546FC}" srcOrd="16" destOrd="0" parTransId="{18061FAC-586C-478D-89F1-B490A82862B2}" sibTransId="{329C089A-DA08-4B46-9DBD-6860132EAD32}"/>
     <dgm:cxn modelId="{1C0F507F-2D90-416F-A3AA-20E4CCD964D5}" type="presParOf" srcId="{74DC694E-3D09-4A3E-AA06-0F436465B8DD}" destId="{2CAB0F38-E292-4E90-B35F-6EB8A903C9CB}" srcOrd="0" destOrd="0" presId="urn:microsoft.com/office/officeart/2005/8/layout/default"/>
     <dgm:cxn modelId="{77B2D0E8-1127-4063-A94F-B34A2411374D}" type="presParOf" srcId="{74DC694E-3D09-4A3E-AA06-0F436465B8DD}" destId="{63441EE2-73B0-4816-B767-6FDF68D8E957}" srcOrd="1" destOrd="0" presId="urn:microsoft.com/office/officeart/2005/8/layout/default"/>
     <dgm:cxn modelId="{6DB20DFC-CA99-43F3-8B84-48705E1DD7BD}" type="presParOf" srcId="{74DC694E-3D09-4A3E-AA06-0F436465B8DD}" destId="{35CD2B37-F779-4962-82A3-DEC6CC6C87F5}" srcOrd="2" destOrd="0" presId="urn:microsoft.com/office/officeart/2005/8/layout/default"/>
@@ -2748,13 +3047,21 @@
     <dgm:cxn modelId="{002AF273-8B12-674E-89D3-CCB38DF8B132}" type="presParOf" srcId="{74DC694E-3D09-4A3E-AA06-0F436465B8DD}" destId="{6F4320DB-4D28-3449-8837-1927D2B8EBDA}" srcOrd="23" destOrd="0" presId="urn:microsoft.com/office/officeart/2005/8/layout/default"/>
     <dgm:cxn modelId="{BB094FA8-739F-B64D-83D0-328227C9E823}" type="presParOf" srcId="{74DC694E-3D09-4A3E-AA06-0F436465B8DD}" destId="{9575A828-F6CB-5347-A286-A7E4878A2B34}" srcOrd="24" destOrd="0" presId="urn:microsoft.com/office/officeart/2005/8/layout/default"/>
     <dgm:cxn modelId="{51C4A1A5-0160-5047-A249-84C7A9678AA7}" type="presParOf" srcId="{74DC694E-3D09-4A3E-AA06-0F436465B8DD}" destId="{B11D7F66-7816-4A4D-BC37-0A94A8B09E9E}" srcOrd="25" destOrd="0" presId="urn:microsoft.com/office/officeart/2005/8/layout/default"/>
-    <dgm:cxn modelId="{A43124B3-9855-4FDD-AD0C-31EA9F1EF2E4}" type="presParOf" srcId="{74DC694E-3D09-4A3E-AA06-0F436465B8DD}" destId="{71D7D387-6645-4FFF-8203-40963EE90B98}" srcOrd="26" destOrd="0" presId="urn:microsoft.com/office/officeart/2005/8/layout/default"/>
-    <dgm:cxn modelId="{C8647F6E-2226-48AB-BDBD-47B222C59FE5}" type="presParOf" srcId="{74DC694E-3D09-4A3E-AA06-0F436465B8DD}" destId="{DA6AA187-C63B-4EBE-80F4-5E2F8ADE9C54}" srcOrd="27" destOrd="0" presId="urn:microsoft.com/office/officeart/2005/8/layout/default"/>
-    <dgm:cxn modelId="{02790BC3-7B9C-4072-A700-006EEFA44F8C}" type="presParOf" srcId="{74DC694E-3D09-4A3E-AA06-0F436465B8DD}" destId="{C0939774-B50A-4E11-AC98-9F1BF4E8D7B3}" srcOrd="28" destOrd="0" presId="urn:microsoft.com/office/officeart/2005/8/layout/default"/>
-    <dgm:cxn modelId="{D60372B4-4467-4CCE-90B5-C24B47187F10}" type="presParOf" srcId="{74DC694E-3D09-4A3E-AA06-0F436465B8DD}" destId="{41235C63-C841-4B2D-AFF7-A0630920172F}" srcOrd="29" destOrd="0" presId="urn:microsoft.com/office/officeart/2005/8/layout/default"/>
-    <dgm:cxn modelId="{71EEF566-35B5-4955-884A-CDA6F3278862}" type="presParOf" srcId="{74DC694E-3D09-4A3E-AA06-0F436465B8DD}" destId="{887A92B0-3B07-4217-9C68-EB1E87976F03}" srcOrd="30" destOrd="0" presId="urn:microsoft.com/office/officeart/2005/8/layout/default"/>
-    <dgm:cxn modelId="{96D70D0D-B285-464A-A6F8-EA2BAEB4467D}" type="presParOf" srcId="{74DC694E-3D09-4A3E-AA06-0F436465B8DD}" destId="{70289C8D-5A99-4A82-BA15-5EF95CDE63F5}" srcOrd="31" destOrd="0" presId="urn:microsoft.com/office/officeart/2005/8/layout/default"/>
-    <dgm:cxn modelId="{FED85F8F-EC2D-4055-8FD3-434892B9BD50}" type="presParOf" srcId="{74DC694E-3D09-4A3E-AA06-0F436465B8DD}" destId="{B7D51C12-D406-40C3-B188-97D6C4C03636}" srcOrd="32" destOrd="0" presId="urn:microsoft.com/office/officeart/2005/8/layout/default"/>
+    <dgm:cxn modelId="{F5B28576-C85D-44AF-BE9A-30EDE6059772}" type="presParOf" srcId="{74DC694E-3D09-4A3E-AA06-0F436465B8DD}" destId="{DB258438-590A-41F2-93C6-E81487CB2676}" srcOrd="26" destOrd="0" presId="urn:microsoft.com/office/officeart/2005/8/layout/default"/>
+    <dgm:cxn modelId="{B9923A85-1A5D-48B1-AC4F-7AF410153172}" type="presParOf" srcId="{74DC694E-3D09-4A3E-AA06-0F436465B8DD}" destId="{6ABE6E8E-A2A2-4407-B856-B2E67F408FB4}" srcOrd="27" destOrd="0" presId="urn:microsoft.com/office/officeart/2005/8/layout/default"/>
+    <dgm:cxn modelId="{31A9042D-9C3B-4D86-A99B-2AC7AE88AE2B}" type="presParOf" srcId="{74DC694E-3D09-4A3E-AA06-0F436465B8DD}" destId="{5630F9C2-3576-4A58-9687-963F6EB2043F}" srcOrd="28" destOrd="0" presId="urn:microsoft.com/office/officeart/2005/8/layout/default"/>
+    <dgm:cxn modelId="{04EF3815-407E-47D6-BAB1-42C38E98775D}" type="presParOf" srcId="{74DC694E-3D09-4A3E-AA06-0F436465B8DD}" destId="{5173F8E2-7A74-4D49-8DD0-C0D2D9DEC8C8}" srcOrd="29" destOrd="0" presId="urn:microsoft.com/office/officeart/2005/8/layout/default"/>
+    <dgm:cxn modelId="{D7C693FA-D99B-4C4E-AE94-4FBF65EE6D45}" type="presParOf" srcId="{74DC694E-3D09-4A3E-AA06-0F436465B8DD}" destId="{C06FFDC0-BA2C-45FD-ADB1-6226AF4D3B33}" srcOrd="30" destOrd="0" presId="urn:microsoft.com/office/officeart/2005/8/layout/default"/>
+    <dgm:cxn modelId="{E592A55F-02A2-47D6-9FAD-BB647C1ECA26}" type="presParOf" srcId="{74DC694E-3D09-4A3E-AA06-0F436465B8DD}" destId="{F5F92858-54B6-4CB5-BA3E-305DE03BA789}" srcOrd="31" destOrd="0" presId="urn:microsoft.com/office/officeart/2005/8/layout/default"/>
+    <dgm:cxn modelId="{FE88DBE9-8CDC-41CC-AF00-64D492C3BC84}" type="presParOf" srcId="{74DC694E-3D09-4A3E-AA06-0F436465B8DD}" destId="{3593461E-A3A3-4A25-BA1E-767649E81C79}" srcOrd="32" destOrd="0" presId="urn:microsoft.com/office/officeart/2005/8/layout/default"/>
+    <dgm:cxn modelId="{3B3DDDCC-D9E9-40D5-AACC-4F646A8CEF21}" type="presParOf" srcId="{74DC694E-3D09-4A3E-AA06-0F436465B8DD}" destId="{A3692C6D-45AF-4267-B32A-DD879A0C5EC3}" srcOrd="33" destOrd="0" presId="urn:microsoft.com/office/officeart/2005/8/layout/default"/>
+    <dgm:cxn modelId="{A43124B3-9855-4FDD-AD0C-31EA9F1EF2E4}" type="presParOf" srcId="{74DC694E-3D09-4A3E-AA06-0F436465B8DD}" destId="{71D7D387-6645-4FFF-8203-40963EE90B98}" srcOrd="34" destOrd="0" presId="urn:microsoft.com/office/officeart/2005/8/layout/default"/>
+    <dgm:cxn modelId="{C8647F6E-2226-48AB-BDBD-47B222C59FE5}" type="presParOf" srcId="{74DC694E-3D09-4A3E-AA06-0F436465B8DD}" destId="{DA6AA187-C63B-4EBE-80F4-5E2F8ADE9C54}" srcOrd="35" destOrd="0" presId="urn:microsoft.com/office/officeart/2005/8/layout/default"/>
+    <dgm:cxn modelId="{02790BC3-7B9C-4072-A700-006EEFA44F8C}" type="presParOf" srcId="{74DC694E-3D09-4A3E-AA06-0F436465B8DD}" destId="{C0939774-B50A-4E11-AC98-9F1BF4E8D7B3}" srcOrd="36" destOrd="0" presId="urn:microsoft.com/office/officeart/2005/8/layout/default"/>
+    <dgm:cxn modelId="{D60372B4-4467-4CCE-90B5-C24B47187F10}" type="presParOf" srcId="{74DC694E-3D09-4A3E-AA06-0F436465B8DD}" destId="{41235C63-C841-4B2D-AFF7-A0630920172F}" srcOrd="37" destOrd="0" presId="urn:microsoft.com/office/officeart/2005/8/layout/default"/>
+    <dgm:cxn modelId="{71EEF566-35B5-4955-884A-CDA6F3278862}" type="presParOf" srcId="{74DC694E-3D09-4A3E-AA06-0F436465B8DD}" destId="{887A92B0-3B07-4217-9C68-EB1E87976F03}" srcOrd="38" destOrd="0" presId="urn:microsoft.com/office/officeart/2005/8/layout/default"/>
+    <dgm:cxn modelId="{96D70D0D-B285-464A-A6F8-EA2BAEB4467D}" type="presParOf" srcId="{74DC694E-3D09-4A3E-AA06-0F436465B8DD}" destId="{70289C8D-5A99-4A82-BA15-5EF95CDE63F5}" srcOrd="39" destOrd="0" presId="urn:microsoft.com/office/officeart/2005/8/layout/default"/>
+    <dgm:cxn modelId="{FED85F8F-EC2D-4055-8FD3-434892B9BD50}" type="presParOf" srcId="{74DC694E-3D09-4A3E-AA06-0F436465B8DD}" destId="{B7D51C12-D406-40C3-B188-97D6C4C03636}" srcOrd="40" destOrd="0" presId="urn:microsoft.com/office/officeart/2005/8/layout/default"/>
   </dgm:cxnLst>
   <dgm:bg/>
   <dgm:whole/>
@@ -3041,12 +3348,23 @@
       </dgm:t>
     </dgm:pt>
     <dgm:pt modelId="{27CD27FC-1C78-4066-BFAA-6106CA4C407B}">
-      <dgm:prSet/>
-      <dgm:spPr>
-        <a:solidFill>
-          <a:srgbClr val="604798"/>
-        </a:solidFill>
-      </dgm:spPr>
+      <dgm:prSet>
+        <dgm:style>
+          <a:lnRef idx="1">
+            <a:schemeClr val="accent4"/>
+          </a:lnRef>
+          <a:fillRef idx="3">
+            <a:schemeClr val="accent4"/>
+          </a:fillRef>
+          <a:effectRef idx="2">
+            <a:schemeClr val="accent4"/>
+          </a:effectRef>
+          <a:fontRef idx="minor">
+            <a:schemeClr val="lt1"/>
+          </a:fontRef>
+        </dgm:style>
+      </dgm:prSet>
+      <dgm:spPr/>
       <dgm:t>
         <a:bodyPr/>
         <a:lstStyle/>
@@ -3305,8 +3623,8 @@
       </dsp:nvSpPr>
       <dsp:spPr>
         <a:xfrm>
-          <a:off x="1242" y="231424"/>
-          <a:ext cx="1565625" cy="939375"/>
+          <a:off x="8946" y="460055"/>
+          <a:ext cx="1336994" cy="802196"/>
         </a:xfrm>
         <a:prstGeom prst="rect">
           <a:avLst/>
@@ -3347,12 +3665,12 @@
         </a:fontRef>
       </dsp:style>
       <dsp:txBody>
-        <a:bodyPr spcFirstLastPara="0" vert="horz" wrap="square" lIns="72390" tIns="72390" rIns="72390" bIns="72390" numCol="1" spcCol="1270" anchor="ctr" anchorCtr="0">
+        <a:bodyPr spcFirstLastPara="0" vert="horz" wrap="square" lIns="60960" tIns="60960" rIns="60960" bIns="60960" numCol="1" spcCol="1270" anchor="ctr" anchorCtr="0">
           <a:noAutofit/>
         </a:bodyPr>
         <a:lstStyle/>
         <a:p>
-          <a:pPr lvl="0" algn="ctr" defTabSz="844550">
+          <a:pPr lvl="0" algn="ctr" defTabSz="711200">
             <a:lnSpc>
               <a:spcPct val="90000"/>
             </a:lnSpc>
@@ -3364,14 +3682,14 @@
             </a:spcAft>
           </a:pPr>
           <a:r>
-            <a:rPr lang="en-US" sz="1900" kern="1200"/>
+            <a:rPr lang="en-US" sz="1600" kern="1200"/>
             <a:t>Signup</a:t>
           </a:r>
         </a:p>
       </dsp:txBody>
       <dsp:txXfrm>
-        <a:off x="1242" y="231424"/>
-        <a:ext cx="1565625" cy="939375"/>
+        <a:off x="8946" y="460055"/>
+        <a:ext cx="1336994" cy="802196"/>
       </dsp:txXfrm>
     </dsp:sp>
     <dsp:sp modelId="{35CD2B37-F779-4962-82A3-DEC6CC6C87F5}">
@@ -3381,17 +3699,17 @@
       </dsp:nvSpPr>
       <dsp:spPr>
         <a:xfrm>
-          <a:off x="1723430" y="231424"/>
-          <a:ext cx="1565625" cy="939375"/>
+          <a:off x="1479640" y="460055"/>
+          <a:ext cx="1336994" cy="802196"/>
         </a:xfrm>
         <a:prstGeom prst="rect">
           <a:avLst/>
         </a:prstGeom>
         <a:solidFill>
           <a:schemeClr val="accent2">
-            <a:hueOff val="-48"/>
-            <a:satOff val="-6"/>
-            <a:lumOff val="-1924"/>
+            <a:hueOff val="-39"/>
+            <a:satOff val="-4"/>
+            <a:lumOff val="-1539"/>
             <a:alphaOff val="0"/>
           </a:schemeClr>
         </a:solidFill>
@@ -3423,12 +3741,12 @@
         </a:fontRef>
       </dsp:style>
       <dsp:txBody>
-        <a:bodyPr spcFirstLastPara="0" vert="horz" wrap="square" lIns="72390" tIns="72390" rIns="72390" bIns="72390" numCol="1" spcCol="1270" anchor="ctr" anchorCtr="0">
+        <a:bodyPr spcFirstLastPara="0" vert="horz" wrap="square" lIns="60960" tIns="60960" rIns="60960" bIns="60960" numCol="1" spcCol="1270" anchor="ctr" anchorCtr="0">
           <a:noAutofit/>
         </a:bodyPr>
         <a:lstStyle/>
         <a:p>
-          <a:pPr lvl="0" algn="ctr" defTabSz="844550">
+          <a:pPr lvl="0" algn="ctr" defTabSz="711200">
             <a:lnSpc>
               <a:spcPct val="90000"/>
             </a:lnSpc>
@@ -3440,14 +3758,14 @@
             </a:spcAft>
           </a:pPr>
           <a:r>
-            <a:rPr lang="en-US" sz="1900" kern="1200"/>
+            <a:rPr lang="en-US" sz="1600" kern="1200"/>
             <a:t>login </a:t>
           </a:r>
         </a:p>
       </dsp:txBody>
       <dsp:txXfrm>
-        <a:off x="1723430" y="231424"/>
-        <a:ext cx="1565625" cy="939375"/>
+        <a:off x="1479640" y="460055"/>
+        <a:ext cx="1336994" cy="802196"/>
       </dsp:txXfrm>
     </dsp:sp>
     <dsp:sp modelId="{071F557A-7AF5-4245-8C6A-20AC9955B137}">
@@ -3457,17 +3775,17 @@
       </dsp:nvSpPr>
       <dsp:spPr>
         <a:xfrm>
-          <a:off x="3445618" y="231424"/>
-          <a:ext cx="1565625" cy="939375"/>
+          <a:off x="2950334" y="460055"/>
+          <a:ext cx="1336994" cy="802196"/>
         </a:xfrm>
         <a:prstGeom prst="rect">
           <a:avLst/>
         </a:prstGeom>
         <a:solidFill>
           <a:schemeClr val="accent2">
-            <a:hueOff val="-97"/>
-            <a:satOff val="-11"/>
-            <a:lumOff val="-3848"/>
+            <a:hueOff val="-77"/>
+            <a:satOff val="-9"/>
+            <a:lumOff val="-3078"/>
             <a:alphaOff val="0"/>
           </a:schemeClr>
         </a:solidFill>
@@ -3499,12 +3817,12 @@
         </a:fontRef>
       </dsp:style>
       <dsp:txBody>
-        <a:bodyPr spcFirstLastPara="0" vert="horz" wrap="square" lIns="72390" tIns="72390" rIns="72390" bIns="72390" numCol="1" spcCol="1270" anchor="ctr" anchorCtr="0">
+        <a:bodyPr spcFirstLastPara="0" vert="horz" wrap="square" lIns="60960" tIns="60960" rIns="60960" bIns="60960" numCol="1" spcCol="1270" anchor="ctr" anchorCtr="0">
           <a:noAutofit/>
         </a:bodyPr>
         <a:lstStyle/>
         <a:p>
-          <a:pPr lvl="0" algn="ctr" defTabSz="844550">
+          <a:pPr lvl="0" algn="ctr" defTabSz="711200">
             <a:lnSpc>
               <a:spcPct val="90000"/>
             </a:lnSpc>
@@ -3516,14 +3834,14 @@
             </a:spcAft>
           </a:pPr>
           <a:r>
-            <a:rPr lang="en-US" sz="1900" kern="1200" dirty="0"/>
+            <a:rPr lang="en-US" sz="1600" kern="1200" dirty="0"/>
             <a:t>Skip</a:t>
           </a:r>
         </a:p>
       </dsp:txBody>
       <dsp:txXfrm>
-        <a:off x="3445618" y="231424"/>
-        <a:ext cx="1565625" cy="939375"/>
+        <a:off x="2950334" y="460055"/>
+        <a:ext cx="1336994" cy="802196"/>
       </dsp:txXfrm>
     </dsp:sp>
     <dsp:sp modelId="{D8CA33B2-CD12-4D9B-B73D-AEBEFF4856CD}">
@@ -3533,17 +3851,17 @@
       </dsp:nvSpPr>
       <dsp:spPr>
         <a:xfrm>
-          <a:off x="5167806" y="231424"/>
-          <a:ext cx="1565625" cy="939375"/>
+          <a:off x="4421027" y="460055"/>
+          <a:ext cx="1336994" cy="802196"/>
         </a:xfrm>
         <a:prstGeom prst="rect">
           <a:avLst/>
         </a:prstGeom>
         <a:solidFill>
           <a:schemeClr val="accent2">
-            <a:hueOff val="-145"/>
-            <a:satOff val="-17"/>
-            <a:lumOff val="-5772"/>
+            <a:hueOff val="-116"/>
+            <a:satOff val="-13"/>
+            <a:lumOff val="-4618"/>
             <a:alphaOff val="0"/>
           </a:schemeClr>
         </a:solidFill>
@@ -3575,12 +3893,12 @@
         </a:fontRef>
       </dsp:style>
       <dsp:txBody>
-        <a:bodyPr spcFirstLastPara="0" vert="horz" wrap="square" lIns="72390" tIns="72390" rIns="72390" bIns="72390" numCol="1" spcCol="1270" anchor="ctr" anchorCtr="0">
+        <a:bodyPr spcFirstLastPara="0" vert="horz" wrap="square" lIns="60960" tIns="60960" rIns="60960" bIns="60960" numCol="1" spcCol="1270" anchor="ctr" anchorCtr="0">
           <a:noAutofit/>
         </a:bodyPr>
         <a:lstStyle/>
         <a:p>
-          <a:pPr lvl="0" algn="ctr" defTabSz="844550">
+          <a:pPr lvl="0" algn="ctr" defTabSz="711200">
             <a:lnSpc>
               <a:spcPct val="90000"/>
             </a:lnSpc>
@@ -3592,14 +3910,14 @@
             </a:spcAft>
           </a:pPr>
           <a:r>
-            <a:rPr lang="en-US" sz="1900" kern="1200" dirty="0"/>
+            <a:rPr lang="en-US" sz="1600" kern="1200" dirty="0"/>
             <a:t>Forget password </a:t>
           </a:r>
         </a:p>
       </dsp:txBody>
       <dsp:txXfrm>
-        <a:off x="5167806" y="231424"/>
-        <a:ext cx="1565625" cy="939375"/>
+        <a:off x="4421027" y="460055"/>
+        <a:ext cx="1336994" cy="802196"/>
       </dsp:txXfrm>
     </dsp:sp>
     <dsp:sp modelId="{556F3AFB-5CAC-40F2-BD2F-7BCE935EBF20}">
@@ -3609,8 +3927,92 @@
       </dsp:nvSpPr>
       <dsp:spPr>
         <a:xfrm>
-          <a:off x="6889994" y="231424"/>
-          <a:ext cx="1565625" cy="939375"/>
+          <a:off x="5891721" y="460055"/>
+          <a:ext cx="1336994" cy="802196"/>
+        </a:xfrm>
+        <a:prstGeom prst="rect">
+          <a:avLst/>
+        </a:prstGeom>
+        <a:solidFill>
+          <a:schemeClr val="accent2">
+            <a:hueOff val="-155"/>
+            <a:satOff val="-18"/>
+            <a:lumOff val="-6157"/>
+            <a:alphaOff val="0"/>
+          </a:schemeClr>
+        </a:solidFill>
+        <a:ln w="50800" cap="flat" cmpd="sng" algn="in">
+          <a:solidFill>
+            <a:schemeClr val="lt1">
+              <a:hueOff val="0"/>
+              <a:satOff val="0"/>
+              <a:lumOff val="0"/>
+              <a:alphaOff val="0"/>
+            </a:schemeClr>
+          </a:solidFill>
+          <a:prstDash val="solid"/>
+        </a:ln>
+        <a:effectLst/>
+      </dsp:spPr>
+      <dsp:style>
+        <a:lnRef idx="3">
+          <a:scrgbClr r="0" g="0" b="0"/>
+        </a:lnRef>
+        <a:fillRef idx="1">
+          <a:scrgbClr r="0" g="0" b="0"/>
+        </a:fillRef>
+        <a:effectRef idx="1">
+          <a:scrgbClr r="0" g="0" b="0"/>
+        </a:effectRef>
+        <a:fontRef idx="minor">
+          <a:schemeClr val="lt1"/>
+        </a:fontRef>
+      </dsp:style>
+      <dsp:txBody>
+        <a:bodyPr spcFirstLastPara="0" vert="horz" wrap="square" lIns="60960" tIns="60960" rIns="60960" bIns="60960" numCol="1" spcCol="1270" anchor="ctr" anchorCtr="0">
+          <a:noAutofit/>
+        </a:bodyPr>
+        <a:lstStyle/>
+        <a:p>
+          <a:pPr lvl="0" algn="ctr" defTabSz="711200">
+            <a:lnSpc>
+              <a:spcPct val="90000"/>
+            </a:lnSpc>
+            <a:spcBef>
+              <a:spcPct val="0"/>
+            </a:spcBef>
+            <a:spcAft>
+              <a:spcPct val="35000"/>
+            </a:spcAft>
+          </a:pPr>
+          <a:r>
+            <a:rPr lang="en-US" sz="1600" kern="1200" dirty="0"/>
+            <a:t>List of </a:t>
+          </a:r>
+          <a:r>
+            <a:rPr lang="en-US" sz="1600" kern="1200" dirty="0" smtClean="0"/>
+            <a:t>dishes </a:t>
+          </a:r>
+          <a:r>
+            <a:rPr lang="en-US" sz="1600" kern="1200" dirty="0"/>
+            <a:t>(home page)</a:t>
+          </a:r>
+        </a:p>
+      </dsp:txBody>
+      <dsp:txXfrm>
+        <a:off x="5891721" y="460055"/>
+        <a:ext cx="1336994" cy="802196"/>
+      </dsp:txXfrm>
+    </dsp:sp>
+    <dsp:sp modelId="{46E7CDFA-621F-40A9-A72F-13159B4965BE}">
+      <dsp:nvSpPr>
+        <dsp:cNvPr id="0" name=""/>
+        <dsp:cNvSpPr/>
+      </dsp:nvSpPr>
+      <dsp:spPr>
+        <a:xfrm>
+          <a:off x="7362415" y="460055"/>
+          <a:ext cx="1336994" cy="802196"/>
         </a:xfrm>
         <a:prstGeom prst="rect">
           <a:avLst/>
@@ -3651,12 +4053,12 @@
         </a:fontRef>
       </dsp:style>
       <dsp:txBody>
-        <a:bodyPr spcFirstLastPara="0" vert="horz" wrap="square" lIns="72390" tIns="72390" rIns="72390" bIns="72390" numCol="1" spcCol="1270" anchor="ctr" anchorCtr="0">
+        <a:bodyPr spcFirstLastPara="0" vert="horz" wrap="square" lIns="60960" tIns="60960" rIns="60960" bIns="60960" numCol="1" spcCol="1270" anchor="ctr" anchorCtr="0">
           <a:noAutofit/>
         </a:bodyPr>
         <a:lstStyle/>
         <a:p>
-          <a:pPr lvl="0" algn="ctr" defTabSz="844550">
+          <a:pPr lvl="0" algn="ctr" defTabSz="711200">
             <a:lnSpc>
               <a:spcPct val="90000"/>
             </a:lnSpc>
@@ -3668,42 +4070,34 @@
             </a:spcAft>
           </a:pPr>
           <a:r>
-            <a:rPr lang="en-US" sz="1900" kern="1200" dirty="0"/>
-            <a:t>List of </a:t>
-          </a:r>
-          <a:r>
-            <a:rPr lang="en-US" sz="1900" kern="1200" dirty="0" smtClean="0"/>
-            <a:t>dishes </a:t>
-          </a:r>
-          <a:r>
-            <a:rPr lang="en-US" sz="1900" kern="1200" dirty="0"/>
-            <a:t>(home page)</a:t>
+            <a:rPr lang="en-US" sz="1600" kern="1200" dirty="0"/>
+            <a:t>Profile page (name and bio)</a:t>
           </a:r>
         </a:p>
       </dsp:txBody>
       <dsp:txXfrm>
-        <a:off x="6889994" y="231424"/>
-        <a:ext cx="1565625" cy="939375"/>
+        <a:off x="7362415" y="460055"/>
+        <a:ext cx="1336994" cy="802196"/>
       </dsp:txXfrm>
     </dsp:sp>
-    <dsp:sp modelId="{46E7CDFA-621F-40A9-A72F-13159B4965BE}">
+    <dsp:sp modelId="{87505D9B-FB99-4C9F-A1CB-5FFBDDBFE589}">
       <dsp:nvSpPr>
         <dsp:cNvPr id="0" name=""/>
         <dsp:cNvSpPr/>
       </dsp:nvSpPr>
       <dsp:spPr>
         <a:xfrm>
-          <a:off x="8612182" y="231424"/>
-          <a:ext cx="1565625" cy="939375"/>
+          <a:off x="8833109" y="460055"/>
+          <a:ext cx="1336994" cy="802196"/>
         </a:xfrm>
         <a:prstGeom prst="rect">
           <a:avLst/>
         </a:prstGeom>
         <a:solidFill>
           <a:schemeClr val="accent2">
-            <a:hueOff val="-242"/>
-            <a:satOff val="-28"/>
-            <a:lumOff val="-9620"/>
+            <a:hueOff val="-232"/>
+            <a:satOff val="-27"/>
+            <a:lumOff val="-9236"/>
             <a:alphaOff val="0"/>
           </a:schemeClr>
         </a:solidFill>
@@ -3735,12 +4129,12 @@
         </a:fontRef>
       </dsp:style>
       <dsp:txBody>
-        <a:bodyPr spcFirstLastPara="0" vert="horz" wrap="square" lIns="72390" tIns="72390" rIns="72390" bIns="72390" numCol="1" spcCol="1270" anchor="ctr" anchorCtr="0">
+        <a:bodyPr spcFirstLastPara="0" vert="horz" wrap="square" lIns="60960" tIns="60960" rIns="60960" bIns="60960" numCol="1" spcCol="1270" anchor="ctr" anchorCtr="0">
           <a:noAutofit/>
         </a:bodyPr>
         <a:lstStyle/>
         <a:p>
-          <a:pPr lvl="0" algn="ctr" defTabSz="844550">
+          <a:pPr lvl="0" algn="ctr" defTabSz="711200">
             <a:lnSpc>
               <a:spcPct val="90000"/>
             </a:lnSpc>
@@ -3752,34 +4146,34 @@
             </a:spcAft>
           </a:pPr>
           <a:r>
-            <a:rPr lang="en-US" sz="1900" kern="1200" dirty="0"/>
-            <a:t>Profile page (name and bio)</a:t>
+            <a:rPr lang="en-US" sz="1600" kern="1200"/>
+            <a:t>Settings page </a:t>
           </a:r>
         </a:p>
       </dsp:txBody>
       <dsp:txXfrm>
-        <a:off x="8612182" y="231424"/>
-        <a:ext cx="1565625" cy="939375"/>
+        <a:off x="8833109" y="460055"/>
+        <a:ext cx="1336994" cy="802196"/>
       </dsp:txXfrm>
     </dsp:sp>
-    <dsp:sp modelId="{87505D9B-FB99-4C9F-A1CB-5FFBDDBFE589}">
+    <dsp:sp modelId="{E875863E-5C66-47F5-9A02-8D09F1459740}">
       <dsp:nvSpPr>
         <dsp:cNvPr id="0" name=""/>
         <dsp:cNvSpPr/>
       </dsp:nvSpPr>
       <dsp:spPr>
         <a:xfrm>
-          <a:off x="1242" y="1327362"/>
-          <a:ext cx="1565625" cy="939375"/>
+          <a:off x="8946" y="1395951"/>
+          <a:ext cx="1336994" cy="802196"/>
         </a:xfrm>
         <a:prstGeom prst="rect">
           <a:avLst/>
         </a:prstGeom>
         <a:solidFill>
           <a:schemeClr val="accent2">
-            <a:hueOff val="-290"/>
-            <a:satOff val="-33"/>
-            <a:lumOff val="-11544"/>
+            <a:hueOff val="-271"/>
+            <a:satOff val="-31"/>
+            <a:lumOff val="-10775"/>
             <a:alphaOff val="0"/>
           </a:schemeClr>
         </a:solidFill>
@@ -3811,12 +4205,12 @@
         </a:fontRef>
       </dsp:style>
       <dsp:txBody>
-        <a:bodyPr spcFirstLastPara="0" vert="horz" wrap="square" lIns="72390" tIns="72390" rIns="72390" bIns="72390" numCol="1" spcCol="1270" anchor="ctr" anchorCtr="0">
+        <a:bodyPr spcFirstLastPara="0" vert="horz" wrap="square" lIns="60960" tIns="60960" rIns="60960" bIns="60960" numCol="1" spcCol="1270" anchor="ctr" anchorCtr="0">
           <a:noAutofit/>
         </a:bodyPr>
         <a:lstStyle/>
         <a:p>
-          <a:pPr lvl="0" algn="ctr" defTabSz="844550">
+          <a:pPr lvl="0" algn="ctr" defTabSz="711200">
             <a:lnSpc>
               <a:spcPct val="90000"/>
             </a:lnSpc>
@@ -3828,34 +4222,34 @@
             </a:spcAft>
           </a:pPr>
           <a:r>
-            <a:rPr lang="en-US" sz="1900" kern="1200"/>
-            <a:t>Settings page </a:t>
+            <a:rPr lang="en-US" sz="1600" kern="1200" dirty="0"/>
+            <a:t>Add new dish</a:t>
           </a:r>
         </a:p>
       </dsp:txBody>
       <dsp:txXfrm>
-        <a:off x="1242" y="1327362"/>
-        <a:ext cx="1565625" cy="939375"/>
+        <a:off x="8946" y="1395951"/>
+        <a:ext cx="1336994" cy="802196"/>
       </dsp:txXfrm>
     </dsp:sp>
-    <dsp:sp modelId="{E875863E-5C66-47F5-9A02-8D09F1459740}">
+    <dsp:sp modelId="{7843059E-BCF7-45F4-B578-65601AC84C15}">
       <dsp:nvSpPr>
         <dsp:cNvPr id="0" name=""/>
         <dsp:cNvSpPr/>
       </dsp:nvSpPr>
       <dsp:spPr>
         <a:xfrm>
-          <a:off x="1723430" y="1327362"/>
-          <a:ext cx="1565625" cy="939375"/>
+          <a:off x="1479640" y="1395951"/>
+          <a:ext cx="1336994" cy="802196"/>
         </a:xfrm>
         <a:prstGeom prst="rect">
           <a:avLst/>
         </a:prstGeom>
         <a:solidFill>
           <a:schemeClr val="accent2">
-            <a:hueOff val="-339"/>
-            <a:satOff val="-39"/>
-            <a:lumOff val="-13468"/>
+            <a:hueOff val="-310"/>
+            <a:satOff val="-36"/>
+            <a:lumOff val="-12314"/>
             <a:alphaOff val="0"/>
           </a:schemeClr>
         </a:solidFill>
@@ -3887,12 +4281,12 @@
         </a:fontRef>
       </dsp:style>
       <dsp:txBody>
-        <a:bodyPr spcFirstLastPara="0" vert="horz" wrap="square" lIns="72390" tIns="72390" rIns="72390" bIns="72390" numCol="1" spcCol="1270" anchor="ctr" anchorCtr="0">
+        <a:bodyPr spcFirstLastPara="0" vert="horz" wrap="square" lIns="60960" tIns="60960" rIns="60960" bIns="60960" numCol="1" spcCol="1270" anchor="ctr" anchorCtr="0">
           <a:noAutofit/>
         </a:bodyPr>
         <a:lstStyle/>
         <a:p>
-          <a:pPr lvl="0" algn="ctr" defTabSz="844550">
+          <a:pPr lvl="0" algn="ctr" defTabSz="711200">
             <a:lnSpc>
               <a:spcPct val="90000"/>
             </a:lnSpc>
@@ -3904,25 +4298,106 @@
             </a:spcAft>
           </a:pPr>
           <a:r>
-            <a:rPr lang="en-US" sz="1900" kern="1200" dirty="0"/>
-            <a:t>Add new dish</a:t>
+            <a:rPr lang="en-US" sz="1600" kern="1200" dirty="0"/>
+            <a:t> dish page </a:t>
           </a:r>
         </a:p>
       </dsp:txBody>
       <dsp:txXfrm>
-        <a:off x="1723430" y="1327362"/>
-        <a:ext cx="1565625" cy="939375"/>
+        <a:off x="1479640" y="1395951"/>
+        <a:ext cx="1336994" cy="802196"/>
       </dsp:txXfrm>
     </dsp:sp>
-    <dsp:sp modelId="{7843059E-BCF7-45F4-B578-65601AC84C15}">
+    <dsp:sp modelId="{20A3FC3D-582E-664A-8795-17F2A0D71974}">
       <dsp:nvSpPr>
         <dsp:cNvPr id="0" name=""/>
         <dsp:cNvSpPr/>
       </dsp:nvSpPr>
       <dsp:spPr>
         <a:xfrm>
-          <a:off x="3445618" y="1327362"/>
-          <a:ext cx="1565625" cy="939375"/>
+          <a:off x="2950334" y="1395951"/>
+          <a:ext cx="1336994" cy="802196"/>
+        </a:xfrm>
+        <a:prstGeom prst="rect">
+          <a:avLst/>
+        </a:prstGeom>
+        <a:solidFill>
+          <a:schemeClr val="accent2">
+            <a:hueOff val="-348"/>
+            <a:satOff val="-40"/>
+            <a:lumOff val="-13853"/>
+            <a:alphaOff val="0"/>
+          </a:schemeClr>
+        </a:solidFill>
+        <a:ln w="50800" cap="flat" cmpd="sng" algn="in">
+          <a:solidFill>
+            <a:schemeClr val="lt1">
+              <a:hueOff val="0"/>
+              <a:satOff val="0"/>
+              <a:lumOff val="0"/>
+              <a:alphaOff val="0"/>
+            </a:schemeClr>
+          </a:solidFill>
+          <a:prstDash val="solid"/>
+        </a:ln>
+        <a:effectLst/>
+      </dsp:spPr>
+      <dsp:style>
+        <a:lnRef idx="3">
+          <a:scrgbClr r="0" g="0" b="0"/>
+        </a:lnRef>
+        <a:fillRef idx="1">
+          <a:scrgbClr r="0" g="0" b="0"/>
+        </a:fillRef>
+        <a:effectRef idx="1">
+          <a:scrgbClr r="0" g="0" b="0"/>
+        </a:effectRef>
+        <a:fontRef idx="minor">
+          <a:schemeClr val="lt1"/>
+        </a:fontRef>
+      </dsp:style>
+      <dsp:txBody>
+        <a:bodyPr spcFirstLastPara="0" vert="horz" wrap="square" lIns="60960" tIns="60960" rIns="60960" bIns="60960" numCol="1" spcCol="1270" anchor="ctr" anchorCtr="0">
+          <a:noAutofit/>
+        </a:bodyPr>
+        <a:lstStyle/>
+        <a:p>
+          <a:pPr lvl="0" algn="ctr" defTabSz="711200">
+            <a:lnSpc>
+              <a:spcPct val="90000"/>
+            </a:lnSpc>
+            <a:spcBef>
+              <a:spcPct val="0"/>
+            </a:spcBef>
+            <a:spcAft>
+              <a:spcPct val="35000"/>
+            </a:spcAft>
+          </a:pPr>
+          <a:r>
+            <a:rPr lang="en-US" sz="1600" kern="1200" dirty="0"/>
+            <a:t> </a:t>
+          </a:r>
+          <a:r>
+            <a:rPr lang="en-US" sz="1600" kern="1200" dirty="0" smtClean="0"/>
+            <a:t>rate dish</a:t>
+          </a:r>
+          <a:endParaRPr lang="en-US" sz="1600" kern="1200" dirty="0"/>
+        </a:p>
+      </dsp:txBody>
+      <dsp:txXfrm>
+        <a:off x="2950334" y="1395951"/>
+        <a:ext cx="1336994" cy="802196"/>
+      </dsp:txXfrm>
+    </dsp:sp>
+    <dsp:sp modelId="{9BB7B88E-19CE-DA42-8A2D-D71013D1507D}">
+      <dsp:nvSpPr>
+        <dsp:cNvPr id="0" name=""/>
+        <dsp:cNvSpPr/>
+      </dsp:nvSpPr>
+      <dsp:spPr>
+        <a:xfrm>
+          <a:off x="4421027" y="1395951"/>
+          <a:ext cx="1336994" cy="802196"/>
         </a:xfrm>
         <a:prstGeom prst="rect">
           <a:avLst/>
@@ -3963,12 +4438,12 @@
         </a:fontRef>
       </dsp:style>
       <dsp:txBody>
-        <a:bodyPr spcFirstLastPara="0" vert="horz" wrap="square" lIns="72390" tIns="72390" rIns="72390" bIns="72390" numCol="1" spcCol="1270" anchor="ctr" anchorCtr="0">
+        <a:bodyPr spcFirstLastPara="0" vert="horz" wrap="square" lIns="60960" tIns="60960" rIns="60960" bIns="60960" numCol="1" spcCol="1270" anchor="ctr" anchorCtr="0">
           <a:noAutofit/>
         </a:bodyPr>
         <a:lstStyle/>
         <a:p>
-          <a:pPr lvl="0" algn="ctr" defTabSz="844550">
+          <a:pPr lvl="0" algn="ctr" defTabSz="711200">
             <a:lnSpc>
               <a:spcPct val="90000"/>
             </a:lnSpc>
@@ -3980,34 +4455,35 @@
             </a:spcAft>
           </a:pPr>
           <a:r>
-            <a:rPr lang="en-US" sz="1900" kern="1200" dirty="0"/>
-            <a:t> dish page </a:t>
+            <a:rPr lang="en-US" sz="1600" kern="1200" dirty="0" smtClean="0"/>
+            <a:t>Update average ratings </a:t>
           </a:r>
+          <a:endParaRPr lang="en-US" sz="1600" kern="1200" dirty="0"/>
         </a:p>
       </dsp:txBody>
       <dsp:txXfrm>
-        <a:off x="3445618" y="1327362"/>
-        <a:ext cx="1565625" cy="939375"/>
+        <a:off x="4421027" y="1395951"/>
+        <a:ext cx="1336994" cy="802196"/>
       </dsp:txXfrm>
     </dsp:sp>
-    <dsp:sp modelId="{20A3FC3D-582E-664A-8795-17F2A0D71974}">
+    <dsp:sp modelId="{5D0BD370-B6C2-C64C-A781-46E06E6A032F}">
       <dsp:nvSpPr>
         <dsp:cNvPr id="0" name=""/>
         <dsp:cNvSpPr/>
       </dsp:nvSpPr>
       <dsp:spPr>
         <a:xfrm>
-          <a:off x="5167806" y="1327362"/>
-          <a:ext cx="1565625" cy="939375"/>
+          <a:off x="5891721" y="1395951"/>
+          <a:ext cx="1336994" cy="802196"/>
         </a:xfrm>
         <a:prstGeom prst="rect">
           <a:avLst/>
         </a:prstGeom>
         <a:solidFill>
           <a:schemeClr val="accent2">
-            <a:hueOff val="-435"/>
-            <a:satOff val="-50"/>
-            <a:lumOff val="-17317"/>
+            <a:hueOff val="-426"/>
+            <a:satOff val="-49"/>
+            <a:lumOff val="-16932"/>
             <a:alphaOff val="0"/>
           </a:schemeClr>
         </a:solidFill>
@@ -4039,12 +4515,12 @@
         </a:fontRef>
       </dsp:style>
       <dsp:txBody>
-        <a:bodyPr spcFirstLastPara="0" vert="horz" wrap="square" lIns="72390" tIns="72390" rIns="72390" bIns="72390" numCol="1" spcCol="1270" anchor="ctr" anchorCtr="0">
+        <a:bodyPr spcFirstLastPara="0" vert="horz" wrap="square" lIns="60960" tIns="60960" rIns="60960" bIns="60960" numCol="1" spcCol="1270" anchor="ctr" anchorCtr="0">
           <a:noAutofit/>
         </a:bodyPr>
         <a:lstStyle/>
         <a:p>
-          <a:pPr lvl="0" algn="ctr" defTabSz="844550">
+          <a:pPr lvl="0" algn="ctr" defTabSz="711200">
             <a:lnSpc>
               <a:spcPct val="90000"/>
             </a:lnSpc>
@@ -4056,39 +4532,35 @@
             </a:spcAft>
           </a:pPr>
           <a:r>
-            <a:rPr lang="en-US" sz="1900" kern="1200" dirty="0"/>
-            <a:t> </a:t>
+            <a:rPr lang="en-US" sz="1600" kern="1200" dirty="0" smtClean="0"/>
+            <a:t>Update number of raters </a:t>
           </a:r>
-          <a:r>
-            <a:rPr lang="en-US" sz="1900" kern="1200" dirty="0" smtClean="0"/>
-            <a:t>rate dish</a:t>
-          </a:r>
-          <a:endParaRPr lang="en-US" sz="1900" kern="1200" dirty="0"/>
+          <a:endParaRPr lang="en-US" sz="1600" kern="1200" dirty="0"/>
         </a:p>
       </dsp:txBody>
       <dsp:txXfrm>
-        <a:off x="5167806" y="1327362"/>
-        <a:ext cx="1565625" cy="939375"/>
+        <a:off x="5891721" y="1395951"/>
+        <a:ext cx="1336994" cy="802196"/>
       </dsp:txXfrm>
     </dsp:sp>
-    <dsp:sp modelId="{9BB7B88E-19CE-DA42-8A2D-D71013D1507D}">
+    <dsp:sp modelId="{9575A828-F6CB-5347-A286-A7E4878A2B34}">
       <dsp:nvSpPr>
         <dsp:cNvPr id="0" name=""/>
         <dsp:cNvSpPr/>
       </dsp:nvSpPr>
       <dsp:spPr>
         <a:xfrm>
-          <a:off x="6889994" y="1327362"/>
-          <a:ext cx="1565625" cy="939375"/>
+          <a:off x="7362415" y="1395951"/>
+          <a:ext cx="1336994" cy="802196"/>
         </a:xfrm>
         <a:prstGeom prst="rect">
           <a:avLst/>
         </a:prstGeom>
         <a:solidFill>
           <a:schemeClr val="accent2">
-            <a:hueOff val="-484"/>
-            <a:satOff val="-56"/>
-            <a:lumOff val="-19241"/>
+            <a:hueOff val="-464"/>
+            <a:satOff val="-53"/>
+            <a:lumOff val="-18471"/>
             <a:alphaOff val="0"/>
           </a:schemeClr>
         </a:solidFill>
@@ -4120,12 +4592,12 @@
         </a:fontRef>
       </dsp:style>
       <dsp:txBody>
-        <a:bodyPr spcFirstLastPara="0" vert="horz" wrap="square" lIns="72390" tIns="72390" rIns="72390" bIns="72390" numCol="1" spcCol="1270" anchor="ctr" anchorCtr="0">
+        <a:bodyPr spcFirstLastPara="0" vert="horz" wrap="square" lIns="60960" tIns="60960" rIns="60960" bIns="60960" numCol="1" spcCol="1270" anchor="ctr" anchorCtr="0">
           <a:noAutofit/>
         </a:bodyPr>
         <a:lstStyle/>
         <a:p>
-          <a:pPr lvl="0" algn="ctr" defTabSz="844550">
+          <a:pPr lvl="0" algn="ctr" defTabSz="711200">
             <a:lnSpc>
               <a:spcPct val="90000"/>
             </a:lnSpc>
@@ -4137,35 +4609,407 @@
             </a:spcAft>
           </a:pPr>
           <a:r>
-            <a:rPr lang="en-US" sz="1900" kern="1200" dirty="0" smtClean="0"/>
-            <a:t>Update average ratings </a:t>
+            <a:rPr lang="en-US" sz="1600" kern="1200" dirty="0"/>
+            <a:t> </a:t>
           </a:r>
-          <a:endParaRPr lang="en-US" sz="1900" kern="1200" dirty="0"/>
+          <a:r>
+            <a:rPr lang="en-US" sz="1600" kern="1200" dirty="0" smtClean="0"/>
+            <a:t>like dish</a:t>
+          </a:r>
+          <a:endParaRPr lang="en-US" sz="1600" kern="1200" dirty="0"/>
         </a:p>
       </dsp:txBody>
       <dsp:txXfrm>
-        <a:off x="6889994" y="1327362"/>
-        <a:ext cx="1565625" cy="939375"/>
+        <a:off x="7362415" y="1395951"/>
+        <a:ext cx="1336994" cy="802196"/>
       </dsp:txXfrm>
     </dsp:sp>
-    <dsp:sp modelId="{5D0BD370-B6C2-C64C-A781-46E06E6A032F}">
+    <dsp:sp modelId="{DB258438-590A-41F2-93C6-E81487CB2676}">
       <dsp:nvSpPr>
         <dsp:cNvPr id="0" name=""/>
         <dsp:cNvSpPr/>
       </dsp:nvSpPr>
       <dsp:spPr>
         <a:xfrm>
-          <a:off x="8612182" y="1327362"/>
-          <a:ext cx="1565625" cy="939375"/>
+          <a:off x="8833109" y="1395951"/>
+          <a:ext cx="1336994" cy="802196"/>
+        </a:xfrm>
+        <a:prstGeom prst="rect">
+          <a:avLst/>
+        </a:prstGeom>
+        <a:gradFill rotWithShape="1">
+          <a:gsLst>
+            <a:gs pos="0">
+              <a:schemeClr val="accent4">
+                <a:tint val="94000"/>
+                <a:satMod val="103000"/>
+                <a:lumMod val="102000"/>
+              </a:schemeClr>
+            </a:gs>
+            <a:gs pos="50000">
+              <a:schemeClr val="accent4">
+                <a:shade val="100000"/>
+                <a:satMod val="110000"/>
+                <a:lumMod val="100000"/>
+              </a:schemeClr>
+            </a:gs>
+            <a:gs pos="100000">
+              <a:schemeClr val="accent4">
+                <a:shade val="78000"/>
+                <a:satMod val="120000"/>
+                <a:lumMod val="99000"/>
+              </a:schemeClr>
+            </a:gs>
+          </a:gsLst>
+          <a:lin ang="5400000" scaled="0"/>
+        </a:gradFill>
+        <a:ln w="6350" cap="flat" cmpd="sng" algn="in">
+          <a:solidFill>
+            <a:schemeClr val="accent4"/>
+          </a:solidFill>
+          <a:prstDash val="solid"/>
+        </a:ln>
+        <a:effectLst/>
+      </dsp:spPr>
+      <dsp:style>
+        <a:lnRef idx="1">
+          <a:schemeClr val="accent4"/>
+        </a:lnRef>
+        <a:fillRef idx="3">
+          <a:schemeClr val="accent4"/>
+        </a:fillRef>
+        <a:effectRef idx="2">
+          <a:schemeClr val="accent4"/>
+        </a:effectRef>
+        <a:fontRef idx="minor">
+          <a:schemeClr val="lt1"/>
+        </a:fontRef>
+      </dsp:style>
+      <dsp:txBody>
+        <a:bodyPr spcFirstLastPara="0" vert="horz" wrap="square" lIns="60960" tIns="60960" rIns="60960" bIns="60960" numCol="1" spcCol="1270" anchor="ctr" anchorCtr="0">
+          <a:noAutofit/>
+        </a:bodyPr>
+        <a:lstStyle/>
+        <a:p>
+          <a:pPr lvl="0" algn="ctr" defTabSz="711200">
+            <a:lnSpc>
+              <a:spcPct val="90000"/>
+            </a:lnSpc>
+            <a:spcBef>
+              <a:spcPct val="0"/>
+            </a:spcBef>
+            <a:spcAft>
+              <a:spcPct val="35000"/>
+            </a:spcAft>
+          </a:pPr>
+          <a:r>
+            <a:rPr lang="en-US" sz="1600" kern="1200" dirty="0" smtClean="0"/>
+            <a:t>Delete</a:t>
+          </a:r>
+          <a:r>
+            <a:rPr lang="en-US" sz="1600" kern="1200" baseline="0" dirty="0" smtClean="0"/>
+            <a:t> tip</a:t>
+          </a:r>
+          <a:endParaRPr lang="en-US" sz="1600" kern="1200" dirty="0"/>
+        </a:p>
+      </dsp:txBody>
+      <dsp:txXfrm>
+        <a:off x="8833109" y="1395951"/>
+        <a:ext cx="1336994" cy="802196"/>
+      </dsp:txXfrm>
+    </dsp:sp>
+    <dsp:sp modelId="{5630F9C2-3576-4A58-9687-963F6EB2043F}">
+      <dsp:nvSpPr>
+        <dsp:cNvPr id="0" name=""/>
+        <dsp:cNvSpPr/>
+      </dsp:nvSpPr>
+      <dsp:spPr>
+        <a:xfrm>
+          <a:off x="8946" y="2331847"/>
+          <a:ext cx="1336994" cy="802196"/>
+        </a:xfrm>
+        <a:prstGeom prst="rect">
+          <a:avLst/>
+        </a:prstGeom>
+        <a:gradFill rotWithShape="1">
+          <a:gsLst>
+            <a:gs pos="0">
+              <a:schemeClr val="accent4">
+                <a:tint val="94000"/>
+                <a:satMod val="103000"/>
+                <a:lumMod val="102000"/>
+              </a:schemeClr>
+            </a:gs>
+            <a:gs pos="50000">
+              <a:schemeClr val="accent4">
+                <a:shade val="100000"/>
+                <a:satMod val="110000"/>
+                <a:lumMod val="100000"/>
+              </a:schemeClr>
+            </a:gs>
+            <a:gs pos="100000">
+              <a:schemeClr val="accent4">
+                <a:shade val="78000"/>
+                <a:satMod val="120000"/>
+                <a:lumMod val="99000"/>
+              </a:schemeClr>
+            </a:gs>
+          </a:gsLst>
+          <a:lin ang="5400000" scaled="0"/>
+        </a:gradFill>
+        <a:ln w="6350" cap="flat" cmpd="sng" algn="in">
+          <a:solidFill>
+            <a:schemeClr val="accent4"/>
+          </a:solidFill>
+          <a:prstDash val="solid"/>
+        </a:ln>
+        <a:effectLst/>
+      </dsp:spPr>
+      <dsp:style>
+        <a:lnRef idx="1">
+          <a:schemeClr val="accent4"/>
+        </a:lnRef>
+        <a:fillRef idx="3">
+          <a:schemeClr val="accent4"/>
+        </a:fillRef>
+        <a:effectRef idx="2">
+          <a:schemeClr val="accent4"/>
+        </a:effectRef>
+        <a:fontRef idx="minor">
+          <a:schemeClr val="lt1"/>
+        </a:fontRef>
+      </dsp:style>
+      <dsp:txBody>
+        <a:bodyPr spcFirstLastPara="0" vert="horz" wrap="square" lIns="60960" tIns="60960" rIns="60960" bIns="60960" numCol="1" spcCol="1270" anchor="ctr" anchorCtr="0">
+          <a:noAutofit/>
+        </a:bodyPr>
+        <a:lstStyle/>
+        <a:p>
+          <a:pPr lvl="0" algn="ctr" defTabSz="711200">
+            <a:lnSpc>
+              <a:spcPct val="90000"/>
+            </a:lnSpc>
+            <a:spcBef>
+              <a:spcPct val="0"/>
+            </a:spcBef>
+            <a:spcAft>
+              <a:spcPct val="35000"/>
+            </a:spcAft>
+          </a:pPr>
+          <a:r>
+            <a:rPr lang="en-US" sz="1600" kern="1200" dirty="0" smtClean="0"/>
+            <a:t>View list</a:t>
+          </a:r>
+          <a:r>
+            <a:rPr lang="en-US" sz="1600" kern="1200" baseline="0" dirty="0" smtClean="0"/>
+            <a:t> of tips</a:t>
+          </a:r>
+          <a:endParaRPr lang="en-US" sz="1600" kern="1200" dirty="0"/>
+        </a:p>
+      </dsp:txBody>
+      <dsp:txXfrm>
+        <a:off x="8946" y="2331847"/>
+        <a:ext cx="1336994" cy="802196"/>
+      </dsp:txXfrm>
+    </dsp:sp>
+    <dsp:sp modelId="{C06FFDC0-BA2C-45FD-ADB1-6226AF4D3B33}">
+      <dsp:nvSpPr>
+        <dsp:cNvPr id="0" name=""/>
+        <dsp:cNvSpPr/>
+      </dsp:nvSpPr>
+      <dsp:spPr>
+        <a:xfrm>
+          <a:off x="1479640" y="2331847"/>
+          <a:ext cx="1336994" cy="802196"/>
+        </a:xfrm>
+        <a:prstGeom prst="rect">
+          <a:avLst/>
+        </a:prstGeom>
+        <a:gradFill rotWithShape="1">
+          <a:gsLst>
+            <a:gs pos="0">
+              <a:schemeClr val="accent4">
+                <a:tint val="94000"/>
+                <a:satMod val="103000"/>
+                <a:lumMod val="102000"/>
+              </a:schemeClr>
+            </a:gs>
+            <a:gs pos="50000">
+              <a:schemeClr val="accent4">
+                <a:shade val="100000"/>
+                <a:satMod val="110000"/>
+                <a:lumMod val="100000"/>
+              </a:schemeClr>
+            </a:gs>
+            <a:gs pos="100000">
+              <a:schemeClr val="accent4">
+                <a:shade val="78000"/>
+                <a:satMod val="120000"/>
+                <a:lumMod val="99000"/>
+              </a:schemeClr>
+            </a:gs>
+          </a:gsLst>
+          <a:lin ang="5400000" scaled="0"/>
+        </a:gradFill>
+        <a:ln w="6350" cap="flat" cmpd="sng" algn="in">
+          <a:solidFill>
+            <a:schemeClr val="accent4"/>
+          </a:solidFill>
+          <a:prstDash val="solid"/>
+        </a:ln>
+        <a:effectLst/>
+      </dsp:spPr>
+      <dsp:style>
+        <a:lnRef idx="1">
+          <a:schemeClr val="accent4"/>
+        </a:lnRef>
+        <a:fillRef idx="3">
+          <a:schemeClr val="accent4"/>
+        </a:fillRef>
+        <a:effectRef idx="2">
+          <a:schemeClr val="accent4"/>
+        </a:effectRef>
+        <a:fontRef idx="minor">
+          <a:schemeClr val="lt1"/>
+        </a:fontRef>
+      </dsp:style>
+      <dsp:txBody>
+        <a:bodyPr spcFirstLastPara="0" vert="horz" wrap="square" lIns="60960" tIns="60960" rIns="60960" bIns="60960" numCol="1" spcCol="1270" anchor="ctr" anchorCtr="0">
+          <a:noAutofit/>
+        </a:bodyPr>
+        <a:lstStyle/>
+        <a:p>
+          <a:pPr lvl="0" algn="ctr" defTabSz="711200">
+            <a:lnSpc>
+              <a:spcPct val="90000"/>
+            </a:lnSpc>
+            <a:spcBef>
+              <a:spcPct val="0"/>
+            </a:spcBef>
+            <a:spcAft>
+              <a:spcPct val="35000"/>
+            </a:spcAft>
+          </a:pPr>
+          <a:r>
+            <a:rPr lang="en-US" sz="1600" kern="1200" dirty="0" smtClean="0"/>
+            <a:t>View list of dishes</a:t>
+          </a:r>
+          <a:endParaRPr lang="en-US" sz="1600" kern="1200" dirty="0"/>
+        </a:p>
+      </dsp:txBody>
+      <dsp:txXfrm>
+        <a:off x="1479640" y="2331847"/>
+        <a:ext cx="1336994" cy="802196"/>
+      </dsp:txXfrm>
+    </dsp:sp>
+    <dsp:sp modelId="{3593461E-A3A3-4A25-BA1E-767649E81C79}">
+      <dsp:nvSpPr>
+        <dsp:cNvPr id="0" name=""/>
+        <dsp:cNvSpPr/>
+      </dsp:nvSpPr>
+      <dsp:spPr>
+        <a:xfrm>
+          <a:off x="2950334" y="2331847"/>
+          <a:ext cx="1336994" cy="802196"/>
+        </a:xfrm>
+        <a:prstGeom prst="rect">
+          <a:avLst/>
+        </a:prstGeom>
+        <a:gradFill rotWithShape="1">
+          <a:gsLst>
+            <a:gs pos="0">
+              <a:schemeClr val="accent4">
+                <a:tint val="94000"/>
+                <a:satMod val="103000"/>
+                <a:lumMod val="102000"/>
+              </a:schemeClr>
+            </a:gs>
+            <a:gs pos="50000">
+              <a:schemeClr val="accent4">
+                <a:shade val="100000"/>
+                <a:satMod val="110000"/>
+                <a:lumMod val="100000"/>
+              </a:schemeClr>
+            </a:gs>
+            <a:gs pos="100000">
+              <a:schemeClr val="accent4">
+                <a:shade val="78000"/>
+                <a:satMod val="120000"/>
+                <a:lumMod val="99000"/>
+              </a:schemeClr>
+            </a:gs>
+          </a:gsLst>
+          <a:lin ang="5400000" scaled="0"/>
+        </a:gradFill>
+        <a:ln w="6350" cap="flat" cmpd="sng" algn="in">
+          <a:solidFill>
+            <a:schemeClr val="accent4"/>
+          </a:solidFill>
+          <a:prstDash val="solid"/>
+        </a:ln>
+        <a:effectLst/>
+      </dsp:spPr>
+      <dsp:style>
+        <a:lnRef idx="1">
+          <a:schemeClr val="accent4"/>
+        </a:lnRef>
+        <a:fillRef idx="3">
+          <a:schemeClr val="accent4"/>
+        </a:fillRef>
+        <a:effectRef idx="2">
+          <a:schemeClr val="accent4"/>
+        </a:effectRef>
+        <a:fontRef idx="minor">
+          <a:schemeClr val="lt1"/>
+        </a:fontRef>
+      </dsp:style>
+      <dsp:txBody>
+        <a:bodyPr spcFirstLastPara="0" vert="horz" wrap="square" lIns="60960" tIns="60960" rIns="60960" bIns="60960" numCol="1" spcCol="1270" anchor="ctr" anchorCtr="0">
+          <a:noAutofit/>
+        </a:bodyPr>
+        <a:lstStyle/>
+        <a:p>
+          <a:pPr lvl="0" algn="ctr" defTabSz="711200">
+            <a:lnSpc>
+              <a:spcPct val="90000"/>
+            </a:lnSpc>
+            <a:spcBef>
+              <a:spcPct val="0"/>
+            </a:spcBef>
+            <a:spcAft>
+              <a:spcPct val="35000"/>
+            </a:spcAft>
+          </a:pPr>
+          <a:r>
+            <a:rPr lang="en-US" sz="1600" kern="1200" dirty="0" smtClean="0"/>
+            <a:t>Delete dish</a:t>
+          </a:r>
+          <a:endParaRPr lang="en-US" sz="1600" kern="1200" dirty="0"/>
+        </a:p>
+      </dsp:txBody>
+      <dsp:txXfrm>
+        <a:off x="2950334" y="2331847"/>
+        <a:ext cx="1336994" cy="802196"/>
+      </dsp:txXfrm>
+    </dsp:sp>
+    <dsp:sp modelId="{71D7D387-6645-4FFF-8203-40963EE90B98}">
+      <dsp:nvSpPr>
+        <dsp:cNvPr id="0" name=""/>
+        <dsp:cNvSpPr/>
+      </dsp:nvSpPr>
+      <dsp:spPr>
+        <a:xfrm>
+          <a:off x="4421027" y="2331847"/>
+          <a:ext cx="1336994" cy="802196"/>
         </a:xfrm>
         <a:prstGeom prst="rect">
           <a:avLst/>
         </a:prstGeom>
         <a:solidFill>
           <a:schemeClr val="accent2">
-            <a:hueOff val="-532"/>
-            <a:satOff val="-61"/>
-            <a:lumOff val="-21165"/>
+            <a:hueOff val="-658"/>
+            <a:satOff val="-76"/>
+            <a:lumOff val="-26167"/>
             <a:alphaOff val="0"/>
           </a:schemeClr>
         </a:solidFill>
@@ -4197,12 +5041,12 @@
         </a:fontRef>
       </dsp:style>
       <dsp:txBody>
-        <a:bodyPr spcFirstLastPara="0" vert="horz" wrap="square" lIns="72390" tIns="72390" rIns="72390" bIns="72390" numCol="1" spcCol="1270" anchor="ctr" anchorCtr="0">
+        <a:bodyPr spcFirstLastPara="0" vert="horz" wrap="square" lIns="60960" tIns="60960" rIns="60960" bIns="60960" numCol="1" spcCol="1270" anchor="ctr" anchorCtr="0">
           <a:noAutofit/>
         </a:bodyPr>
         <a:lstStyle/>
         <a:p>
-          <a:pPr lvl="0" algn="ctr" defTabSz="844550">
+          <a:pPr lvl="0" algn="ctr" defTabSz="711200">
             <a:lnSpc>
               <a:spcPct val="90000"/>
             </a:lnSpc>
@@ -4214,35 +5058,34 @@
             </a:spcAft>
           </a:pPr>
           <a:r>
-            <a:rPr lang="en-US" sz="1900" kern="1200" dirty="0" smtClean="0"/>
-            <a:t>Update number of raters </a:t>
+            <a:rPr lang="en-US" sz="1600" kern="1200" dirty="0"/>
+            <a:t>Shops page </a:t>
           </a:r>
-          <a:endParaRPr lang="en-US" sz="1900" kern="1200" dirty="0"/>
         </a:p>
       </dsp:txBody>
       <dsp:txXfrm>
-        <a:off x="8612182" y="1327362"/>
-        <a:ext cx="1565625" cy="939375"/>
+        <a:off x="4421027" y="2331847"/>
+        <a:ext cx="1336994" cy="802196"/>
       </dsp:txXfrm>
     </dsp:sp>
-    <dsp:sp modelId="{9575A828-F6CB-5347-A286-A7E4878A2B34}">
+    <dsp:sp modelId="{C0939774-B50A-4E11-AC98-9F1BF4E8D7B3}">
       <dsp:nvSpPr>
         <dsp:cNvPr id="0" name=""/>
         <dsp:cNvSpPr/>
       </dsp:nvSpPr>
       <dsp:spPr>
         <a:xfrm>
-          <a:off x="862336" y="2423300"/>
-          <a:ext cx="1565625" cy="939375"/>
+          <a:off x="5891721" y="2331847"/>
+          <a:ext cx="1336994" cy="802196"/>
         </a:xfrm>
         <a:prstGeom prst="rect">
           <a:avLst/>
         </a:prstGeom>
         <a:solidFill>
           <a:schemeClr val="accent2">
-            <a:hueOff val="-581"/>
-            <a:satOff val="-67"/>
-            <a:lumOff val="-23089"/>
+            <a:hueOff val="-697"/>
+            <a:satOff val="-80"/>
+            <a:lumOff val="-27707"/>
             <a:alphaOff val="0"/>
           </a:schemeClr>
         </a:solidFill>
@@ -4274,12 +5117,12 @@
         </a:fontRef>
       </dsp:style>
       <dsp:txBody>
-        <a:bodyPr spcFirstLastPara="0" vert="horz" wrap="square" lIns="72390" tIns="72390" rIns="72390" bIns="72390" numCol="1" spcCol="1270" anchor="ctr" anchorCtr="0">
+        <a:bodyPr spcFirstLastPara="0" vert="horz" wrap="square" lIns="60960" tIns="60960" rIns="60960" bIns="60960" numCol="1" spcCol="1270" anchor="ctr" anchorCtr="0">
           <a:noAutofit/>
         </a:bodyPr>
         <a:lstStyle/>
         <a:p>
-          <a:pPr lvl="0" algn="ctr" defTabSz="844550">
+          <a:pPr lvl="0" algn="ctr" defTabSz="711200">
             <a:lnSpc>
               <a:spcPct val="90000"/>
             </a:lnSpc>
@@ -4291,39 +5134,34 @@
             </a:spcAft>
           </a:pPr>
           <a:r>
-            <a:rPr lang="en-US" sz="1900" kern="1200" dirty="0"/>
-            <a:t> </a:t>
+            <a:rPr lang="en-US" sz="1600" kern="1200" dirty="0"/>
+            <a:t>Shop page </a:t>
           </a:r>
-          <a:r>
-            <a:rPr lang="en-US" sz="1900" kern="1200" dirty="0" smtClean="0"/>
-            <a:t>like dish</a:t>
-          </a:r>
-          <a:endParaRPr lang="en-US" sz="1900" kern="1200" dirty="0"/>
         </a:p>
       </dsp:txBody>
       <dsp:txXfrm>
-        <a:off x="862336" y="2423300"/>
-        <a:ext cx="1565625" cy="939375"/>
+        <a:off x="5891721" y="2331847"/>
+        <a:ext cx="1336994" cy="802196"/>
       </dsp:txXfrm>
     </dsp:sp>
-    <dsp:sp modelId="{71D7D387-6645-4FFF-8203-40963EE90B98}">
+    <dsp:sp modelId="{887A92B0-3B07-4217-9C68-EB1E87976F03}">
       <dsp:nvSpPr>
         <dsp:cNvPr id="0" name=""/>
         <dsp:cNvSpPr/>
       </dsp:nvSpPr>
       <dsp:spPr>
         <a:xfrm>
-          <a:off x="2584524" y="2423300"/>
-          <a:ext cx="1565625" cy="939375"/>
+          <a:off x="7362415" y="2331847"/>
+          <a:ext cx="1336994" cy="802196"/>
         </a:xfrm>
         <a:prstGeom prst="rect">
           <a:avLst/>
         </a:prstGeom>
         <a:solidFill>
           <a:schemeClr val="accent2">
-            <a:hueOff val="-629"/>
-            <a:satOff val="-72"/>
-            <a:lumOff val="-25013"/>
+            <a:hueOff val="-735"/>
+            <a:satOff val="-85"/>
+            <a:lumOff val="-29246"/>
             <a:alphaOff val="0"/>
           </a:schemeClr>
         </a:solidFill>
@@ -4355,12 +5193,12 @@
         </a:fontRef>
       </dsp:style>
       <dsp:txBody>
-        <a:bodyPr spcFirstLastPara="0" vert="horz" wrap="square" lIns="72390" tIns="72390" rIns="72390" bIns="72390" numCol="1" spcCol="1270" anchor="ctr" anchorCtr="0">
+        <a:bodyPr spcFirstLastPara="0" vert="horz" wrap="square" lIns="60960" tIns="60960" rIns="60960" bIns="60960" numCol="1" spcCol="1270" anchor="ctr" anchorCtr="0">
           <a:noAutofit/>
         </a:bodyPr>
         <a:lstStyle/>
         <a:p>
-          <a:pPr lvl="0" algn="ctr" defTabSz="844550">
+          <a:pPr lvl="0" algn="ctr" defTabSz="711200">
             <a:lnSpc>
               <a:spcPct val="90000"/>
             </a:lnSpc>
@@ -4372,166 +5210,14 @@
             </a:spcAft>
           </a:pPr>
           <a:r>
-            <a:rPr lang="en-US" sz="1900" kern="1200" dirty="0"/>
-            <a:t>Shops page </a:t>
-          </a:r>
-        </a:p>
-      </dsp:txBody>
-      <dsp:txXfrm>
-        <a:off x="2584524" y="2423300"/>
-        <a:ext cx="1565625" cy="939375"/>
-      </dsp:txXfrm>
-    </dsp:sp>
-    <dsp:sp modelId="{C0939774-B50A-4E11-AC98-9F1BF4E8D7B3}">
-      <dsp:nvSpPr>
-        <dsp:cNvPr id="0" name=""/>
-        <dsp:cNvSpPr/>
-      </dsp:nvSpPr>
-      <dsp:spPr>
-        <a:xfrm>
-          <a:off x="4306712" y="2423300"/>
-          <a:ext cx="1565625" cy="939375"/>
-        </a:xfrm>
-        <a:prstGeom prst="rect">
-          <a:avLst/>
-        </a:prstGeom>
-        <a:solidFill>
-          <a:schemeClr val="accent2">
-            <a:hueOff val="-677"/>
-            <a:satOff val="-78"/>
-            <a:lumOff val="-26937"/>
-            <a:alphaOff val="0"/>
-          </a:schemeClr>
-        </a:solidFill>
-        <a:ln w="50800" cap="flat" cmpd="sng" algn="in">
-          <a:solidFill>
-            <a:schemeClr val="lt1">
-              <a:hueOff val="0"/>
-              <a:satOff val="0"/>
-              <a:lumOff val="0"/>
-              <a:alphaOff val="0"/>
-            </a:schemeClr>
-          </a:solidFill>
-          <a:prstDash val="solid"/>
-        </a:ln>
-        <a:effectLst/>
-      </dsp:spPr>
-      <dsp:style>
-        <a:lnRef idx="3">
-          <a:scrgbClr r="0" g="0" b="0"/>
-        </a:lnRef>
-        <a:fillRef idx="1">
-          <a:scrgbClr r="0" g="0" b="0"/>
-        </a:fillRef>
-        <a:effectRef idx="1">
-          <a:scrgbClr r="0" g="0" b="0"/>
-        </a:effectRef>
-        <a:fontRef idx="minor">
-          <a:schemeClr val="lt1"/>
-        </a:fontRef>
-      </dsp:style>
-      <dsp:txBody>
-        <a:bodyPr spcFirstLastPara="0" vert="horz" wrap="square" lIns="72390" tIns="72390" rIns="72390" bIns="72390" numCol="1" spcCol="1270" anchor="ctr" anchorCtr="0">
-          <a:noAutofit/>
-        </a:bodyPr>
-        <a:lstStyle/>
-        <a:p>
-          <a:pPr lvl="0" algn="ctr" defTabSz="844550">
-            <a:lnSpc>
-              <a:spcPct val="90000"/>
-            </a:lnSpc>
-            <a:spcBef>
-              <a:spcPct val="0"/>
-            </a:spcBef>
-            <a:spcAft>
-              <a:spcPct val="35000"/>
-            </a:spcAft>
-          </a:pPr>
-          <a:r>
-            <a:rPr lang="en-US" sz="1900" kern="1200" dirty="0"/>
-            <a:t>Shop page </a:t>
-          </a:r>
-        </a:p>
-      </dsp:txBody>
-      <dsp:txXfrm>
-        <a:off x="4306712" y="2423300"/>
-        <a:ext cx="1565625" cy="939375"/>
-      </dsp:txXfrm>
-    </dsp:sp>
-    <dsp:sp modelId="{887A92B0-3B07-4217-9C68-EB1E87976F03}">
-      <dsp:nvSpPr>
-        <dsp:cNvPr id="0" name=""/>
-        <dsp:cNvSpPr/>
-      </dsp:nvSpPr>
-      <dsp:spPr>
-        <a:xfrm>
-          <a:off x="6028900" y="2423300"/>
-          <a:ext cx="1565625" cy="939375"/>
-        </a:xfrm>
-        <a:prstGeom prst="rect">
-          <a:avLst/>
-        </a:prstGeom>
-        <a:solidFill>
-          <a:schemeClr val="accent2">
-            <a:hueOff val="-726"/>
-            <a:satOff val="-83"/>
-            <a:lumOff val="-28861"/>
-            <a:alphaOff val="0"/>
-          </a:schemeClr>
-        </a:solidFill>
-        <a:ln w="50800" cap="flat" cmpd="sng" algn="in">
-          <a:solidFill>
-            <a:schemeClr val="lt1">
-              <a:hueOff val="0"/>
-              <a:satOff val="0"/>
-              <a:lumOff val="0"/>
-              <a:alphaOff val="0"/>
-            </a:schemeClr>
-          </a:solidFill>
-          <a:prstDash val="solid"/>
-        </a:ln>
-        <a:effectLst/>
-      </dsp:spPr>
-      <dsp:style>
-        <a:lnRef idx="3">
-          <a:scrgbClr r="0" g="0" b="0"/>
-        </a:lnRef>
-        <a:fillRef idx="1">
-          <a:scrgbClr r="0" g="0" b="0"/>
-        </a:fillRef>
-        <a:effectRef idx="1">
-          <a:scrgbClr r="0" g="0" b="0"/>
-        </a:effectRef>
-        <a:fontRef idx="minor">
-          <a:schemeClr val="lt1"/>
-        </a:fontRef>
-      </dsp:style>
-      <dsp:txBody>
-        <a:bodyPr spcFirstLastPara="0" vert="horz" wrap="square" lIns="72390" tIns="72390" rIns="72390" bIns="72390" numCol="1" spcCol="1270" anchor="ctr" anchorCtr="0">
-          <a:noAutofit/>
-        </a:bodyPr>
-        <a:lstStyle/>
-        <a:p>
-          <a:pPr lvl="0" algn="ctr" defTabSz="844550">
-            <a:lnSpc>
-              <a:spcPct val="90000"/>
-            </a:lnSpc>
-            <a:spcBef>
-              <a:spcPct val="0"/>
-            </a:spcBef>
-            <a:spcAft>
-              <a:spcPct val="35000"/>
-            </a:spcAft>
-          </a:pPr>
-          <a:r>
-            <a:rPr lang="en-US" sz="1900" kern="1200" dirty="0"/>
+            <a:rPr lang="en-US" sz="1600" kern="1200" dirty="0"/>
             <a:t>List of user tips </a:t>
           </a:r>
         </a:p>
       </dsp:txBody>
       <dsp:txXfrm>
-        <a:off x="6028900" y="2423300"/>
-        <a:ext cx="1565625" cy="939375"/>
+        <a:off x="7362415" y="2331847"/>
+        <a:ext cx="1336994" cy="802196"/>
       </dsp:txXfrm>
     </dsp:sp>
     <dsp:sp modelId="{B7D51C12-D406-40C3-B188-97D6C4C03636}">
@@ -4541,8 +5227,8 @@
       </dsp:nvSpPr>
       <dsp:spPr>
         <a:xfrm>
-          <a:off x="7751088" y="2423300"/>
-          <a:ext cx="1565625" cy="939375"/>
+          <a:off x="8833109" y="2331847"/>
+          <a:ext cx="1336994" cy="802196"/>
         </a:xfrm>
         <a:prstGeom prst="rect">
           <a:avLst/>
@@ -4583,12 +5269,12 @@
         </a:fontRef>
       </dsp:style>
       <dsp:txBody>
-        <a:bodyPr spcFirstLastPara="0" vert="horz" wrap="square" lIns="72390" tIns="72390" rIns="72390" bIns="72390" numCol="1" spcCol="1270" anchor="ctr" anchorCtr="0">
+        <a:bodyPr spcFirstLastPara="0" vert="horz" wrap="square" lIns="60960" tIns="60960" rIns="60960" bIns="60960" numCol="1" spcCol="1270" anchor="ctr" anchorCtr="0">
           <a:noAutofit/>
         </a:bodyPr>
         <a:lstStyle/>
         <a:p>
-          <a:pPr lvl="0" algn="ctr" defTabSz="844550">
+          <a:pPr lvl="0" algn="ctr" defTabSz="711200">
             <a:lnSpc>
               <a:spcPct val="90000"/>
             </a:lnSpc>
@@ -4600,14 +5286,14 @@
             </a:spcAft>
           </a:pPr>
           <a:r>
-            <a:rPr lang="en-US" sz="1900" kern="1200" dirty="0"/>
+            <a:rPr lang="en-US" sz="1600" kern="1200" dirty="0"/>
             <a:t>List of user added dishes </a:t>
           </a:r>
         </a:p>
       </dsp:txBody>
       <dsp:txXfrm>
-        <a:off x="7751088" y="2423300"/>
-        <a:ext cx="1565625" cy="939375"/>
+        <a:off x="8833109" y="2331847"/>
+        <a:ext cx="1336994" cy="802196"/>
       </dsp:txXfrm>
     </dsp:sp>
   </dsp:spTree>
@@ -5166,31 +5852,49 @@
         <a:prstGeom prst="rect">
           <a:avLst/>
         </a:prstGeom>
-        <a:solidFill>
-          <a:srgbClr val="604798"/>
-        </a:solidFill>
-        <a:ln w="50800" cap="flat" cmpd="sng" algn="in">
+        <a:gradFill rotWithShape="1">
+          <a:gsLst>
+            <a:gs pos="0">
+              <a:schemeClr val="accent4">
+                <a:tint val="94000"/>
+                <a:satMod val="103000"/>
+                <a:lumMod val="102000"/>
+              </a:schemeClr>
+            </a:gs>
+            <a:gs pos="50000">
+              <a:schemeClr val="accent4">
+                <a:shade val="100000"/>
+                <a:satMod val="110000"/>
+                <a:lumMod val="100000"/>
+              </a:schemeClr>
+            </a:gs>
+            <a:gs pos="100000">
+              <a:schemeClr val="accent4">
+                <a:shade val="78000"/>
+                <a:satMod val="120000"/>
+                <a:lumMod val="99000"/>
+              </a:schemeClr>
+            </a:gs>
+          </a:gsLst>
+          <a:lin ang="5400000" scaled="0"/>
+        </a:gradFill>
+        <a:ln w="6350" cap="flat" cmpd="sng" algn="in">
           <a:solidFill>
-            <a:schemeClr val="lt1">
-              <a:hueOff val="0"/>
-              <a:satOff val="0"/>
-              <a:lumOff val="0"/>
-              <a:alphaOff val="0"/>
-            </a:schemeClr>
+            <a:schemeClr val="accent4"/>
           </a:solidFill>
           <a:prstDash val="solid"/>
         </a:ln>
         <a:effectLst/>
       </dsp:spPr>
       <dsp:style>
-        <a:lnRef idx="3">
-          <a:scrgbClr r="0" g="0" b="0"/>
+        <a:lnRef idx="1">
+          <a:schemeClr val="accent4"/>
         </a:lnRef>
-        <a:fillRef idx="1">
-          <a:scrgbClr r="0" g="0" b="0"/>
+        <a:fillRef idx="3">
+          <a:schemeClr val="accent4"/>
         </a:fillRef>
-        <a:effectRef idx="1">
-          <a:scrgbClr r="0" g="0" b="0"/>
+        <a:effectRef idx="2">
+          <a:schemeClr val="accent4"/>
         </a:effectRef>
         <a:fontRef idx="minor">
           <a:schemeClr val="lt1"/>
@@ -8111,7 +8815,7 @@
           <a:p>
             <a:fld id="{DE8AC3B9-6ED6-4F51-BA77-7081B072815D}" type="slidenum">
               <a:rPr lang="en-US" smtClean="0"/>
-              <a:t>8</a:t>
+              <a:t>7</a:t>
             </a:fld>
             <a:endParaRPr lang="en-US"/>
           </a:p>
@@ -8225,7 +8929,7 @@
           <a:p>
             <a:fld id="{DE8AC3B9-6ED6-4F51-BA77-7081B072815D}" type="slidenum">
               <a:rPr lang="en-US" smtClean="0"/>
-              <a:t>9</a:t>
+              <a:t>8</a:t>
             </a:fld>
             <a:endParaRPr lang="en-US"/>
           </a:p>
@@ -11554,7 +12258,7 @@
   </p:clrMapOvr>
   <p:extLst mod="1">
     <p:ext uri="{DCECCB84-F9BA-43D5-87BE-67443E8EF086}">
-      <p15:sldGuideLst xmlns="" xmlns:p15="http://schemas.microsoft.com/office/powerpoint/2012/main"/>
+      <p15:sldGuideLst xmlns:p15="http://schemas.microsoft.com/office/powerpoint/2012/main" xmlns=""/>
     </p:ext>
   </p:extLst>
 </p:sldLayout>
@@ -11939,7 +12643,7 @@
   </p:clrMapOvr>
   <p:extLst mod="1">
     <p:ext uri="{DCECCB84-F9BA-43D5-87BE-67443E8EF086}">
-      <p15:sldGuideLst xmlns="" xmlns:p15="http://schemas.microsoft.com/office/powerpoint/2012/main"/>
+      <p15:sldGuideLst xmlns:p15="http://schemas.microsoft.com/office/powerpoint/2012/main" xmlns=""/>
     </p:ext>
   </p:extLst>
 </p:sldLayout>
@@ -12953,7 +13657,7 @@
   </p:clrMapOvr>
   <p:extLst mod="1">
     <p:ext uri="{DCECCB84-F9BA-43D5-87BE-67443E8EF086}">
-      <p15:sldGuideLst xmlns="" xmlns:p15="http://schemas.microsoft.com/office/powerpoint/2012/main">
+      <p15:sldGuideLst xmlns:p15="http://schemas.microsoft.com/office/powerpoint/2012/main" xmlns="">
         <p15:guide id="1" orient="horz" pos="696">
           <p15:clr>
             <a:srgbClr val="FBAE40"/>
@@ -14849,7 +15553,7 @@
   </p:txStyles>
   <p:extLst mod="1">
     <p:ext uri="{27BBF7A9-308A-43DC-89C8-2F10F3537804}">
-      <p15:sldGuideLst xmlns="" xmlns:p15="http://schemas.microsoft.com/office/powerpoint/2012/main">
+      <p15:sldGuideLst xmlns:p15="http://schemas.microsoft.com/office/powerpoint/2012/main" xmlns="">
         <p15:guide id="1" pos="792">
           <p15:clr>
             <a:srgbClr val="F26B43"/>
@@ -14908,7 +15612,7 @@
           <p:cNvPr id="2" name="Title 1">
             <a:extLst>
               <a:ext uri="{FF2B5EF4-FFF2-40B4-BE49-F238E27FC236}">
-                <a16:creationId xmlns="" xmlns:a16="http://schemas.microsoft.com/office/drawing/2014/main" id="{0E52C71E-D495-4B06-9663-B87220326D0D}"/>
+                <a16:creationId xmlns:a16="http://schemas.microsoft.com/office/drawing/2014/main" xmlns="" id="{0E52C71E-D495-4B06-9663-B87220326D0D}"/>
               </a:ext>
             </a:extLst>
           </p:cNvPr>
@@ -14936,7 +15640,7 @@
           <p:cNvPr id="3" name="Subtitle 2">
             <a:extLst>
               <a:ext uri="{FF2B5EF4-FFF2-40B4-BE49-F238E27FC236}">
-                <a16:creationId xmlns="" xmlns:a16="http://schemas.microsoft.com/office/drawing/2014/main" id="{8831B2C1-060E-4041-862C-29CA6B5265D3}"/>
+                <a16:creationId xmlns:a16="http://schemas.microsoft.com/office/drawing/2014/main" xmlns="" id="{8831B2C1-060E-4041-862C-29CA6B5265D3}"/>
               </a:ext>
             </a:extLst>
           </p:cNvPr>
@@ -14994,93 +15698,7 @@
           <p:cNvPr id="2" name="Title 1">
             <a:extLst>
               <a:ext uri="{FF2B5EF4-FFF2-40B4-BE49-F238E27FC236}">
-                <a16:creationId xmlns="" xmlns:a16="http://schemas.microsoft.com/office/drawing/2014/main" id="{269A0B15-D693-4459-AF1A-5C00C7406E29}"/>
-              </a:ext>
-            </a:extLst>
-          </p:cNvPr>
-          <p:cNvSpPr>
-            <a:spLocks noGrp="1"/>
-          </p:cNvSpPr>
-          <p:nvPr>
-            <p:ph type="ctrTitle"/>
-          </p:nvPr>
-        </p:nvSpPr>
-        <p:spPr/>
-        <p:txBody>
-          <a:bodyPr/>
-          <a:lstStyle/>
-          <a:p>
-            <a:r>
-              <a:rPr lang="en-US" dirty="0"/>
-              <a:t>demo</a:t>
-            </a:r>
-          </a:p>
-        </p:txBody>
-      </p:sp>
-      <p:sp>
-        <p:nvSpPr>
-          <p:cNvPr id="3" name="Subtitle 2">
-            <a:extLst>
-              <a:ext uri="{FF2B5EF4-FFF2-40B4-BE49-F238E27FC236}">
-                <a16:creationId xmlns="" xmlns:a16="http://schemas.microsoft.com/office/drawing/2014/main" id="{89781140-EE1A-423E-B26F-9FA9172BDC16}"/>
-              </a:ext>
-            </a:extLst>
-          </p:cNvPr>
-          <p:cNvSpPr>
-            <a:spLocks noGrp="1"/>
-          </p:cNvSpPr>
-          <p:nvPr>
-            <p:ph type="subTitle" idx="1"/>
-          </p:nvPr>
-        </p:nvSpPr>
-        <p:spPr/>
-        <p:txBody>
-          <a:bodyPr/>
-          <a:lstStyle/>
-          <a:p>
-            <a:r>
-              <a:rPr lang="en-US" dirty="0"/>
-              <a:t>And desiccation </a:t>
-            </a:r>
-          </a:p>
-        </p:txBody>
-      </p:sp>
-    </p:spTree>
-    <p:extLst>
-      <p:ext uri="{BB962C8B-B14F-4D97-AF65-F5344CB8AC3E}">
-        <p14:creationId xmlns:p14="http://schemas.microsoft.com/office/powerpoint/2010/main" val="1762289637"/>
-      </p:ext>
-    </p:extLst>
-  </p:cSld>
-  <p:clrMapOvr>
-    <a:masterClrMapping/>
-  </p:clrMapOvr>
-</p:sld>
-</file>
-
-<file path=ppt/slides/slide11.xml><?xml version="1.0" encoding="utf-8"?>
-<p:sld xmlns:a="http://schemas.openxmlformats.org/drawingml/2006/main" xmlns:r="http://schemas.openxmlformats.org/officeDocument/2006/relationships" xmlns:p="http://schemas.openxmlformats.org/presentationml/2006/main">
-  <p:cSld>
-    <p:spTree>
-      <p:nvGrpSpPr>
-        <p:cNvPr id="1" name=""/>
-        <p:cNvGrpSpPr/>
-        <p:nvPr/>
-      </p:nvGrpSpPr>
-      <p:grpSpPr>
-        <a:xfrm>
-          <a:off x="0" y="0"/>
-          <a:ext cx="0" cy="0"/>
-          <a:chOff x="0" y="0"/>
-          <a:chExt cx="0" cy="0"/>
-        </a:xfrm>
-      </p:grpSpPr>
-      <p:sp>
-        <p:nvSpPr>
-          <p:cNvPr id="2" name="Title 1">
-            <a:extLst>
-              <a:ext uri="{FF2B5EF4-FFF2-40B4-BE49-F238E27FC236}">
-                <a16:creationId xmlns="" xmlns:a16="http://schemas.microsoft.com/office/drawing/2014/main" id="{27865403-966F-4171-AFD2-4095C3936E6B}"/>
+                <a16:creationId xmlns:a16="http://schemas.microsoft.com/office/drawing/2014/main" xmlns="" id="{27865403-966F-4171-AFD2-4095C3936E6B}"/>
               </a:ext>
             </a:extLst>
           </p:cNvPr>
@@ -15115,7 +15733,7 @@
           <p:cNvPr id="3" name="Text Placeholder 2">
             <a:extLst>
               <a:ext uri="{FF2B5EF4-FFF2-40B4-BE49-F238E27FC236}">
-                <a16:creationId xmlns="" xmlns:a16="http://schemas.microsoft.com/office/drawing/2014/main" id="{95384BE1-ECA6-4759-9219-426C433BB524}"/>
+                <a16:creationId xmlns:a16="http://schemas.microsoft.com/office/drawing/2014/main" xmlns="" id="{95384BE1-ECA6-4759-9219-426C433BB524}"/>
               </a:ext>
             </a:extLst>
           </p:cNvPr>
@@ -15181,7 +15799,7 @@
           <p:cNvPr id="71" name="Freeform 6" title="Left scallop edge">
             <a:extLst>
               <a:ext uri="{FF2B5EF4-FFF2-40B4-BE49-F238E27FC236}">
-                <a16:creationId xmlns="" xmlns:a16="http://schemas.microsoft.com/office/drawing/2014/main" id="{841EFD0D-0D37-447B-B1EA-4F7197EB2911}"/>
+                <a16:creationId xmlns:a16="http://schemas.microsoft.com/office/drawing/2014/main" xmlns="" id="{841EFD0D-0D37-447B-B1EA-4F7197EB2911}"/>
               </a:ext>
             </a:extLst>
           </p:cNvPr>
@@ -15191,7 +15809,7 @@
           <p:nvPr>
             <p:extLst>
               <p:ext uri="{386F3935-93C4-4BCD-93E2-E3B085C9AB24}">
-                <p16:designElem xmlns="" xmlns:p16="http://schemas.microsoft.com/office/powerpoint/2015/main" val="1"/>
+                <p16:designElem xmlns:p16="http://schemas.microsoft.com/office/powerpoint/2015/main" xmlns="" val="1"/>
               </p:ext>
             </p:extLst>
           </p:nvPr>
@@ -15659,7 +16277,7 @@
           <p:cNvPr id="73" name="Rectangle 72" title="right edge border">
             <a:extLst>
               <a:ext uri="{FF2B5EF4-FFF2-40B4-BE49-F238E27FC236}">
-                <a16:creationId xmlns="" xmlns:a16="http://schemas.microsoft.com/office/drawing/2014/main" id="{5A6DFF24-307B-44B0-93F0-893676F1488A}"/>
+                <a16:creationId xmlns:a16="http://schemas.microsoft.com/office/drawing/2014/main" xmlns="" id="{5A6DFF24-307B-44B0-93F0-893676F1488A}"/>
               </a:ext>
             </a:extLst>
           </p:cNvPr>
@@ -15669,7 +16287,7 @@
           <p:nvPr>
             <p:extLst>
               <p:ext uri="{386F3935-93C4-4BCD-93E2-E3B085C9AB24}">
-                <p16:designElem xmlns="" xmlns:p16="http://schemas.microsoft.com/office/powerpoint/2015/main" val="1"/>
+                <p16:designElem xmlns:p16="http://schemas.microsoft.com/office/powerpoint/2015/main" xmlns="" val="1"/>
               </p:ext>
             </p:extLst>
           </p:nvPr>
@@ -15711,7 +16329,7 @@
           <p:cNvPr id="1026" name="Picture 2" descr="Image result for dysh app">
             <a:extLst>
               <a:ext uri="{FF2B5EF4-FFF2-40B4-BE49-F238E27FC236}">
-                <a16:creationId xmlns="" xmlns:a16="http://schemas.microsoft.com/office/drawing/2014/main" id="{316F83B2-6343-48D9-AE65-74CA7D8BA1E1}"/>
+                <a16:creationId xmlns:a16="http://schemas.microsoft.com/office/drawing/2014/main" xmlns="" id="{316F83B2-6343-48D9-AE65-74CA7D8BA1E1}"/>
               </a:ext>
             </a:extLst>
           </p:cNvPr>
@@ -15758,7 +16376,7 @@
           <p:cNvPr id="2" name="Title 1">
             <a:extLst>
               <a:ext uri="{FF2B5EF4-FFF2-40B4-BE49-F238E27FC236}">
-                <a16:creationId xmlns="" xmlns:a16="http://schemas.microsoft.com/office/drawing/2014/main" id="{4259A47C-5E27-4927-9AB7-7858CC6B6837}"/>
+                <a16:creationId xmlns:a16="http://schemas.microsoft.com/office/drawing/2014/main" xmlns="" id="{4259A47C-5E27-4927-9AB7-7858CC6B6837}"/>
               </a:ext>
             </a:extLst>
           </p:cNvPr>
@@ -15793,7 +16411,7 @@
           <p:cNvPr id="3" name="Vertical Text Placeholder 2">
             <a:extLst>
               <a:ext uri="{FF2B5EF4-FFF2-40B4-BE49-F238E27FC236}">
-                <a16:creationId xmlns="" xmlns:a16="http://schemas.microsoft.com/office/drawing/2014/main" id="{9F629151-CF71-41D0-859A-9BF538BE93B2}"/>
+                <a16:creationId xmlns:a16="http://schemas.microsoft.com/office/drawing/2014/main" xmlns="" id="{9F629151-CF71-41D0-859A-9BF538BE93B2}"/>
               </a:ext>
             </a:extLst>
           </p:cNvPr>
@@ -16341,7 +16959,7 @@
           <p:cNvPr id="2" name="Title 1">
             <a:extLst>
               <a:ext uri="{FF2B5EF4-FFF2-40B4-BE49-F238E27FC236}">
-                <a16:creationId xmlns="" xmlns:a16="http://schemas.microsoft.com/office/drawing/2014/main" id="{DEAB97D2-A703-4DF9-A135-61E99FBBAEE5}"/>
+                <a16:creationId xmlns:a16="http://schemas.microsoft.com/office/drawing/2014/main" xmlns="" id="{DEAB97D2-A703-4DF9-A135-61E99FBBAEE5}"/>
               </a:ext>
             </a:extLst>
           </p:cNvPr>
@@ -16378,7 +16996,7 @@
           <p:cNvPr id="3" name="Content Placeholder 2">
             <a:extLst>
               <a:ext uri="{FF2B5EF4-FFF2-40B4-BE49-F238E27FC236}">
-                <a16:creationId xmlns="" xmlns:a16="http://schemas.microsoft.com/office/drawing/2014/main" id="{E18A2BED-03F4-401A-8B62-B874394465E0}"/>
+                <a16:creationId xmlns:a16="http://schemas.microsoft.com/office/drawing/2014/main" xmlns="" id="{E18A2BED-03F4-401A-8B62-B874394465E0}"/>
               </a:ext>
             </a:extLst>
           </p:cNvPr>
@@ -16720,7 +17338,7 @@
           <p:cNvPr id="10" name="Freeform 6" title="Left scallop edge">
             <a:extLst>
               <a:ext uri="{FF2B5EF4-FFF2-40B4-BE49-F238E27FC236}">
-                <a16:creationId xmlns="" xmlns:a16="http://schemas.microsoft.com/office/drawing/2014/main" id="{D09F5552-39CF-49BE-9BA3-F2C2E97DD974}"/>
+                <a16:creationId xmlns:a16="http://schemas.microsoft.com/office/drawing/2014/main" xmlns="" id="{D09F5552-39CF-49BE-9BA3-F2C2E97DD974}"/>
               </a:ext>
             </a:extLst>
           </p:cNvPr>
@@ -16730,7 +17348,7 @@
           <p:nvPr>
             <p:extLst>
               <p:ext uri="{386F3935-93C4-4BCD-93E2-E3B085C9AB24}">
-                <p16:designElem xmlns="" xmlns:p16="http://schemas.microsoft.com/office/powerpoint/2015/main" val="1"/>
+                <p16:designElem xmlns:p16="http://schemas.microsoft.com/office/powerpoint/2015/main" xmlns="" val="1"/>
               </p:ext>
             </p:extLst>
           </p:nvPr>
@@ -17198,7 +17816,7 @@
           <p:cNvPr id="12" name="Rectangle 11" title="right edge border">
             <a:extLst>
               <a:ext uri="{FF2B5EF4-FFF2-40B4-BE49-F238E27FC236}">
-                <a16:creationId xmlns="" xmlns:a16="http://schemas.microsoft.com/office/drawing/2014/main" id="{6CCDD5D4-DC0E-4B2C-8B6B-FCAA00ECE04E}"/>
+                <a16:creationId xmlns:a16="http://schemas.microsoft.com/office/drawing/2014/main" xmlns="" id="{6CCDD5D4-DC0E-4B2C-8B6B-FCAA00ECE04E}"/>
               </a:ext>
             </a:extLst>
           </p:cNvPr>
@@ -17208,7 +17826,7 @@
           <p:nvPr>
             <p:extLst>
               <p:ext uri="{386F3935-93C4-4BCD-93E2-E3B085C9AB24}">
-                <p16:designElem xmlns="" xmlns:p16="http://schemas.microsoft.com/office/powerpoint/2015/main" val="1"/>
+                <p16:designElem xmlns:p16="http://schemas.microsoft.com/office/powerpoint/2015/main" xmlns="" val="1"/>
               </p:ext>
             </p:extLst>
           </p:nvPr>
@@ -17250,7 +17868,7 @@
           <p:cNvPr id="2" name="Title 1">
             <a:extLst>
               <a:ext uri="{FF2B5EF4-FFF2-40B4-BE49-F238E27FC236}">
-                <a16:creationId xmlns="" xmlns:a16="http://schemas.microsoft.com/office/drawing/2014/main" id="{CBFE0AFB-9382-4169-AED7-D90AAA1642C6}"/>
+                <a16:creationId xmlns:a16="http://schemas.microsoft.com/office/drawing/2014/main" xmlns="" id="{CBFE0AFB-9382-4169-AED7-D90AAA1642C6}"/>
               </a:ext>
             </a:extLst>
           </p:cNvPr>
@@ -17287,7 +17905,7 @@
           <p:nvPr>
             <p:extLst>
               <p:ext uri="{D42A27DB-BD31-4B8C-83A1-F6EECF244321}">
-                <p14:modId xmlns:p14="http://schemas.microsoft.com/office/powerpoint/2010/main" val="2814859935"/>
+                <p14:modId xmlns:p14="http://schemas.microsoft.com/office/powerpoint/2010/main" val="2924072890"/>
               </p:ext>
             </p:extLst>
           </p:nvPr>
@@ -17445,14 +18063,14 @@
             </a:prstGeom>
           </p:spPr>
           <p:style>
-            <a:lnRef idx="3">
-              <a:schemeClr val="lt1"/>
+            <a:lnRef idx="1">
+              <a:schemeClr val="accent4"/>
             </a:lnRef>
-            <a:fillRef idx="1">
-              <a:schemeClr val="accent3"/>
+            <a:fillRef idx="3">
+              <a:schemeClr val="accent4"/>
             </a:fillRef>
-            <a:effectRef idx="1">
-              <a:schemeClr val="accent3"/>
+            <a:effectRef idx="2">
+              <a:schemeClr val="accent4"/>
             </a:effectRef>
             <a:fontRef idx="minor">
               <a:schemeClr val="lt1"/>
@@ -17475,14 +18093,14 @@
             </a:prstGeom>
           </p:spPr>
           <p:style>
-            <a:lnRef idx="3">
-              <a:schemeClr val="lt1"/>
+            <a:lnRef idx="1">
+              <a:schemeClr val="accent4"/>
             </a:lnRef>
-            <a:fillRef idx="1">
-              <a:schemeClr val="accent3"/>
+            <a:fillRef idx="3">
+              <a:schemeClr val="accent4"/>
             </a:fillRef>
-            <a:effectRef idx="1">
-              <a:schemeClr val="accent3"/>
+            <a:effectRef idx="2">
+              <a:schemeClr val="accent4"/>
             </a:effectRef>
             <a:fontRef idx="minor">
               <a:schemeClr val="lt1"/>
@@ -17513,7 +18131,6 @@
                 <a:rPr lang="en-US" sz="2400" dirty="0"/>
                 <a:t>shop page</a:t>
               </a:r>
-              <a:endParaRPr lang="en-US" sz="2400" dirty="0"/>
             </a:p>
           </p:txBody>
         </p:sp>
@@ -17739,7 +18356,6 @@
               <a:rPr lang="en-US" sz="2500" dirty="0"/>
               <a:t>shop page</a:t>
             </a:r>
-            <a:endParaRPr lang="en-US" sz="2500" dirty="0"/>
           </a:p>
         </p:txBody>
       </p:sp>
@@ -17773,29 +18389,14 @@
             </a:prstGeom>
           </p:spPr>
           <p:style>
-            <a:lnRef idx="3">
-              <a:schemeClr val="lt1">
-                <a:hueOff val="0"/>
-                <a:satOff val="0"/>
-                <a:lumOff val="0"/>
-                <a:alphaOff val="0"/>
-              </a:schemeClr>
+            <a:lnRef idx="1">
+              <a:schemeClr val="accent4"/>
             </a:lnRef>
-            <a:fillRef idx="1">
-              <a:schemeClr val="accent2">
-                <a:hueOff val="-194"/>
-                <a:satOff val="-22"/>
-                <a:lumOff val="-7696"/>
-                <a:alphaOff val="0"/>
-              </a:schemeClr>
+            <a:fillRef idx="3">
+              <a:schemeClr val="accent4"/>
             </a:fillRef>
-            <a:effectRef idx="1">
-              <a:schemeClr val="accent2">
-                <a:hueOff val="-194"/>
-                <a:satOff val="-22"/>
-                <a:lumOff val="-7696"/>
-                <a:alphaOff val="0"/>
-              </a:schemeClr>
+            <a:effectRef idx="2">
+              <a:schemeClr val="accent4"/>
             </a:effectRef>
             <a:fontRef idx="minor">
               <a:schemeClr val="lt1"/>
@@ -17818,14 +18419,14 @@
             </a:prstGeom>
           </p:spPr>
           <p:style>
-            <a:lnRef idx="3">
-              <a:schemeClr val="lt1"/>
+            <a:lnRef idx="1">
+              <a:schemeClr val="accent4"/>
             </a:lnRef>
-            <a:fillRef idx="1">
-              <a:schemeClr val="accent3"/>
+            <a:fillRef idx="3">
+              <a:schemeClr val="accent4"/>
             </a:fillRef>
-            <a:effectRef idx="1">
-              <a:schemeClr val="accent3"/>
+            <a:effectRef idx="2">
+              <a:schemeClr val="accent4"/>
             </a:effectRef>
             <a:fontRef idx="minor">
               <a:schemeClr val="lt1"/>
@@ -17892,7 +18493,7 @@
           <p:cNvPr id="2" name="Title 1">
             <a:extLst>
               <a:ext uri="{FF2B5EF4-FFF2-40B4-BE49-F238E27FC236}">
-                <a16:creationId xmlns="" xmlns:a16="http://schemas.microsoft.com/office/drawing/2014/main" id="{45B86E5E-D50E-4DD4-AFB9-7F48A70197BA}"/>
+                <a16:creationId xmlns:a16="http://schemas.microsoft.com/office/drawing/2014/main" xmlns="" id="{45B86E5E-D50E-4DD4-AFB9-7F48A70197BA}"/>
               </a:ext>
             </a:extLst>
           </p:cNvPr>
@@ -17910,16 +18511,44 @@
           <a:p>
             <a:r>
               <a:rPr lang="en-GB" dirty="0"/>
-              <a:t>done</a:t>
+              <a:t>Not completed </a:t>
             </a:r>
             <a:endParaRPr lang="en-US" dirty="0"/>
           </a:p>
         </p:txBody>
       </p:sp>
+      <p:graphicFrame>
+        <p:nvGraphicFramePr>
+          <p:cNvPr id="3" name="TextBox 2">
+            <a:extLst>
+              <a:ext uri="{FF2B5EF4-FFF2-40B4-BE49-F238E27FC236}">
+                <a16:creationId xmlns:a16="http://schemas.microsoft.com/office/drawing/2014/main" xmlns="" id="{501B63F9-C596-4A38-B8B2-C5FEE9DAE148}"/>
+              </a:ext>
+            </a:extLst>
+          </p:cNvPr>
+          <p:cNvGraphicFramePr/>
+          <p:nvPr>
+            <p:extLst>
+              <p:ext uri="{D42A27DB-BD31-4B8C-83A1-F6EECF244321}">
+                <p14:modId xmlns:p14="http://schemas.microsoft.com/office/powerpoint/2010/main" val="3535838519"/>
+              </p:ext>
+            </p:extLst>
+          </p:nvPr>
+        </p:nvGraphicFramePr>
+        <p:xfrm>
+          <a:off x="1250950" y="2286000"/>
+          <a:ext cx="10179050" cy="3594100"/>
+        </p:xfrm>
+        <a:graphic>
+          <a:graphicData uri="http://schemas.openxmlformats.org/drawingml/2006/diagram">
+            <dgm:relIds xmlns:dgm="http://schemas.openxmlformats.org/drawingml/2006/diagram" xmlns:r="http://schemas.openxmlformats.org/officeDocument/2006/relationships" r:dm="rId2" r:lo="rId3" r:qs="rId4" r:cs="rId5"/>
+          </a:graphicData>
+        </a:graphic>
+      </p:graphicFrame>
     </p:spTree>
     <p:extLst>
       <p:ext uri="{BB962C8B-B14F-4D97-AF65-F5344CB8AC3E}">
-        <p14:creationId xmlns:p14="http://schemas.microsoft.com/office/powerpoint/2010/main" val="2469331397"/>
+        <p14:creationId xmlns:p14="http://schemas.microsoft.com/office/powerpoint/2010/main" val="908612601"/>
       </p:ext>
     </p:extLst>
   </p:cSld>
@@ -17951,94 +18580,7 @@
           <p:cNvPr id="2" name="Title 1">
             <a:extLst>
               <a:ext uri="{FF2B5EF4-FFF2-40B4-BE49-F238E27FC236}">
-                <a16:creationId xmlns="" xmlns:a16="http://schemas.microsoft.com/office/drawing/2014/main" id="{45B86E5E-D50E-4DD4-AFB9-7F48A70197BA}"/>
-              </a:ext>
-            </a:extLst>
-          </p:cNvPr>
-          <p:cNvSpPr>
-            <a:spLocks noGrp="1"/>
-          </p:cNvSpPr>
-          <p:nvPr>
-            <p:ph type="title"/>
-          </p:nvPr>
-        </p:nvSpPr>
-        <p:spPr/>
-        <p:txBody>
-          <a:bodyPr/>
-          <a:lstStyle/>
-          <a:p>
-            <a:r>
-              <a:rPr lang="en-GB" dirty="0"/>
-              <a:t>Not completed </a:t>
-            </a:r>
-            <a:endParaRPr lang="en-US" dirty="0"/>
-          </a:p>
-        </p:txBody>
-      </p:sp>
-      <p:graphicFrame>
-        <p:nvGraphicFramePr>
-          <p:cNvPr id="3" name="TextBox 2">
-            <a:extLst>
-              <a:ext uri="{FF2B5EF4-FFF2-40B4-BE49-F238E27FC236}">
-                <a16:creationId xmlns="" xmlns:a16="http://schemas.microsoft.com/office/drawing/2014/main" id="{501B63F9-C596-4A38-B8B2-C5FEE9DAE148}"/>
-              </a:ext>
-            </a:extLst>
-          </p:cNvPr>
-          <p:cNvGraphicFramePr/>
-          <p:nvPr>
-            <p:extLst>
-              <p:ext uri="{D42A27DB-BD31-4B8C-83A1-F6EECF244321}">
-                <p14:modId xmlns:p14="http://schemas.microsoft.com/office/powerpoint/2010/main" val="3490943369"/>
-              </p:ext>
-            </p:extLst>
-          </p:nvPr>
-        </p:nvGraphicFramePr>
-        <p:xfrm>
-          <a:off x="1250950" y="2286000"/>
-          <a:ext cx="10179050" cy="3594100"/>
-        </p:xfrm>
-        <a:graphic>
-          <a:graphicData uri="http://schemas.openxmlformats.org/drawingml/2006/diagram">
-            <dgm:relIds xmlns:dgm="http://schemas.openxmlformats.org/drawingml/2006/diagram" xmlns:r="http://schemas.openxmlformats.org/officeDocument/2006/relationships" r:dm="rId2" r:lo="rId3" r:qs="rId4" r:cs="rId5"/>
-          </a:graphicData>
-        </a:graphic>
-      </p:graphicFrame>
-    </p:spTree>
-    <p:extLst>
-      <p:ext uri="{BB962C8B-B14F-4D97-AF65-F5344CB8AC3E}">
-        <p14:creationId xmlns:p14="http://schemas.microsoft.com/office/powerpoint/2010/main" val="908612601"/>
-      </p:ext>
-    </p:extLst>
-  </p:cSld>
-  <p:clrMapOvr>
-    <a:masterClrMapping/>
-  </p:clrMapOvr>
-</p:sld>
-</file>
-
-<file path=ppt/slides/slide8.xml><?xml version="1.0" encoding="utf-8"?>
-<p:sld xmlns:a="http://schemas.openxmlformats.org/drawingml/2006/main" xmlns:r="http://schemas.openxmlformats.org/officeDocument/2006/relationships" xmlns:p="http://schemas.openxmlformats.org/presentationml/2006/main">
-  <p:cSld>
-    <p:spTree>
-      <p:nvGrpSpPr>
-        <p:cNvPr id="1" name=""/>
-        <p:cNvGrpSpPr/>
-        <p:nvPr/>
-      </p:nvGrpSpPr>
-      <p:grpSpPr>
-        <a:xfrm>
-          <a:off x="0" y="0"/>
-          <a:ext cx="0" cy="0"/>
-          <a:chOff x="0" y="0"/>
-          <a:chExt cx="0" cy="0"/>
-        </a:xfrm>
-      </p:grpSpPr>
-      <p:sp>
-        <p:nvSpPr>
-          <p:cNvPr id="2" name="Title 1">
-            <a:extLst>
-              <a:ext uri="{FF2B5EF4-FFF2-40B4-BE49-F238E27FC236}">
-                <a16:creationId xmlns="" xmlns:a16="http://schemas.microsoft.com/office/drawing/2014/main" id="{77A88685-22FC-43B9-B3E9-025FCA498429}"/>
+                <a16:creationId xmlns:a16="http://schemas.microsoft.com/office/drawing/2014/main" xmlns="" id="{77A88685-22FC-43B9-B3E9-025FCA498429}"/>
               </a:ext>
             </a:extLst>
           </p:cNvPr>
@@ -18067,7 +18609,7 @@
           <p:cNvPr id="3" name="Content Placeholder 2">
             <a:extLst>
               <a:ext uri="{FF2B5EF4-FFF2-40B4-BE49-F238E27FC236}">
-                <a16:creationId xmlns="" xmlns:a16="http://schemas.microsoft.com/office/drawing/2014/main" id="{5A10B657-F23A-4437-86D2-269772544C9E}"/>
+                <a16:creationId xmlns:a16="http://schemas.microsoft.com/office/drawing/2014/main" xmlns="" id="{5A10B657-F23A-4437-86D2-269772544C9E}"/>
               </a:ext>
             </a:extLst>
           </p:cNvPr>
@@ -18371,7 +18913,7 @@
 </p:sld>
 </file>
 
-<file path=ppt/slides/slide9.xml><?xml version="1.0" encoding="utf-8"?>
+<file path=ppt/slides/slide8.xml><?xml version="1.0" encoding="utf-8"?>
 <p:sld xmlns:a="http://schemas.openxmlformats.org/drawingml/2006/main" xmlns:r="http://schemas.openxmlformats.org/officeDocument/2006/relationships" xmlns:p="http://schemas.openxmlformats.org/presentationml/2006/main">
   <p:cSld>
     <p:spTree>
@@ -18393,7 +18935,7 @@
           <p:cNvPr id="2" name="Title 1">
             <a:extLst>
               <a:ext uri="{FF2B5EF4-FFF2-40B4-BE49-F238E27FC236}">
-                <a16:creationId xmlns="" xmlns:a16="http://schemas.microsoft.com/office/drawing/2014/main" id="{62B38921-F153-46EC-9C43-821C8373A987}"/>
+                <a16:creationId xmlns:a16="http://schemas.microsoft.com/office/drawing/2014/main" xmlns="" id="{62B38921-F153-46EC-9C43-821C8373A987}"/>
               </a:ext>
             </a:extLst>
           </p:cNvPr>
@@ -18421,7 +18963,7 @@
           <p:cNvPr id="3" name="Text Placeholder 2">
             <a:extLst>
               <a:ext uri="{FF2B5EF4-FFF2-40B4-BE49-F238E27FC236}">
-                <a16:creationId xmlns="" xmlns:a16="http://schemas.microsoft.com/office/drawing/2014/main" id="{2CB6AAC8-A36D-4493-A68E-73BBD148B0D3}"/>
+                <a16:creationId xmlns:a16="http://schemas.microsoft.com/office/drawing/2014/main" xmlns="" id="{2CB6AAC8-A36D-4493-A68E-73BBD148B0D3}"/>
               </a:ext>
             </a:extLst>
           </p:cNvPr>
@@ -18448,6 +18990,92 @@
     <p:extLst>
       <p:ext uri="{BB962C8B-B14F-4D97-AF65-F5344CB8AC3E}">
         <p14:creationId xmlns:p14="http://schemas.microsoft.com/office/powerpoint/2010/main" val="2907705664"/>
+      </p:ext>
+    </p:extLst>
+  </p:cSld>
+  <p:clrMapOvr>
+    <a:masterClrMapping/>
+  </p:clrMapOvr>
+</p:sld>
+</file>
+
+<file path=ppt/slides/slide9.xml><?xml version="1.0" encoding="utf-8"?>
+<p:sld xmlns:a="http://schemas.openxmlformats.org/drawingml/2006/main" xmlns:r="http://schemas.openxmlformats.org/officeDocument/2006/relationships" xmlns:p="http://schemas.openxmlformats.org/presentationml/2006/main">
+  <p:cSld>
+    <p:spTree>
+      <p:nvGrpSpPr>
+        <p:cNvPr id="1" name=""/>
+        <p:cNvGrpSpPr/>
+        <p:nvPr/>
+      </p:nvGrpSpPr>
+      <p:grpSpPr>
+        <a:xfrm>
+          <a:off x="0" y="0"/>
+          <a:ext cx="0" cy="0"/>
+          <a:chOff x="0" y="0"/>
+          <a:chExt cx="0" cy="0"/>
+        </a:xfrm>
+      </p:grpSpPr>
+      <p:sp>
+        <p:nvSpPr>
+          <p:cNvPr id="2" name="Title 1">
+            <a:extLst>
+              <a:ext uri="{FF2B5EF4-FFF2-40B4-BE49-F238E27FC236}">
+                <a16:creationId xmlns:a16="http://schemas.microsoft.com/office/drawing/2014/main" xmlns="" id="{269A0B15-D693-4459-AF1A-5C00C7406E29}"/>
+              </a:ext>
+            </a:extLst>
+          </p:cNvPr>
+          <p:cNvSpPr>
+            <a:spLocks noGrp="1"/>
+          </p:cNvSpPr>
+          <p:nvPr>
+            <p:ph type="ctrTitle"/>
+          </p:nvPr>
+        </p:nvSpPr>
+        <p:spPr/>
+        <p:txBody>
+          <a:bodyPr/>
+          <a:lstStyle/>
+          <a:p>
+            <a:r>
+              <a:rPr lang="en-US" dirty="0"/>
+              <a:t>demo</a:t>
+            </a:r>
+          </a:p>
+        </p:txBody>
+      </p:sp>
+      <p:sp>
+        <p:nvSpPr>
+          <p:cNvPr id="3" name="Subtitle 2">
+            <a:extLst>
+              <a:ext uri="{FF2B5EF4-FFF2-40B4-BE49-F238E27FC236}">
+                <a16:creationId xmlns:a16="http://schemas.microsoft.com/office/drawing/2014/main" xmlns="" id="{89781140-EE1A-423E-B26F-9FA9172BDC16}"/>
+              </a:ext>
+            </a:extLst>
+          </p:cNvPr>
+          <p:cNvSpPr>
+            <a:spLocks noGrp="1"/>
+          </p:cNvSpPr>
+          <p:nvPr>
+            <p:ph type="subTitle" idx="1"/>
+          </p:nvPr>
+        </p:nvSpPr>
+        <p:spPr/>
+        <p:txBody>
+          <a:bodyPr/>
+          <a:lstStyle/>
+          <a:p>
+            <a:r>
+              <a:rPr lang="en-US" dirty="0"/>
+              <a:t>And desiccation </a:t>
+            </a:r>
+          </a:p>
+        </p:txBody>
+      </p:sp>
+    </p:spTree>
+    <p:extLst>
+      <p:ext uri="{BB962C8B-B14F-4D97-AF65-F5344CB8AC3E}">
+        <p14:creationId xmlns:p14="http://schemas.microsoft.com/office/powerpoint/2010/main" val="1762289637"/>
       </p:ext>
     </p:extLst>
   </p:cSld>
@@ -18711,7 +19339,7 @@
   <a:extraClrSchemeLst/>
   <a:extLst>
     <a:ext uri="{05A4C25C-085E-4340-85A3-A5531E510DB2}">
-      <thm15:themeFamily xmlns="" xmlns:thm15="http://schemas.microsoft.com/office/thememl/2012/main" name="Badge" id="{71A07785-5930-41D4-9A83-E23602B48E98}" vid="{771EA782-DFA6-45B1-AEA3-661F1715B310}"/>
+      <thm15:themeFamily xmlns:thm15="http://schemas.microsoft.com/office/thememl/2012/main" xmlns="" name="Badge" id="{71A07785-5930-41D4-9A83-E23602B48E98}" vid="{771EA782-DFA6-45B1-AEA3-661F1715B310}"/>
     </a:ext>
   </a:extLst>
 </a:theme>
@@ -19006,7 +19634,7 @@
   <a:extraClrSchemeLst/>
   <a:extLst>
     <a:ext uri="{05A4C25C-085E-4340-85A3-A5531E510DB2}">
-      <thm15:themeFamily xmlns="" xmlns:thm15="http://schemas.microsoft.com/office/thememl/2012/main" name="Office Theme" id="{62F939B6-93AF-4DB8-9C6B-D6C7DFDC589F}" vid="{4A3C46E8-61CC-4603-A589-7422A47A8E4A}"/>
+      <thm15:themeFamily xmlns:thm15="http://schemas.microsoft.com/office/thememl/2012/main" xmlns="" name="Office Theme" id="{62F939B6-93AF-4DB8-9C6B-D6C7DFDC589F}" vid="{4A3C46E8-61CC-4603-A589-7422A47A8E4A}"/>
     </a:ext>
   </a:extLst>
 </a:theme>
